--- a/Dokumentation/Präsentation.pptx
+++ b/Dokumentation/Präsentation.pptx
@@ -5,10 +5,17 @@
     <p:sldMasterId id="2147483648" r:id="rId1"/>
   </p:sldMasterIdLst>
   <p:notesMasterIdLst>
-    <p:notesMasterId r:id="rId3"/>
+    <p:notesMasterId r:id="rId10"/>
   </p:notesMasterIdLst>
   <p:sldIdLst>
     <p:sldId id="256" r:id="rId2"/>
+    <p:sldId id="257" r:id="rId3"/>
+    <p:sldId id="258" r:id="rId4"/>
+    <p:sldId id="259" r:id="rId5"/>
+    <p:sldId id="260" r:id="rId6"/>
+    <p:sldId id="261" r:id="rId7"/>
+    <p:sldId id="262" r:id="rId8"/>
+    <p:sldId id="263" r:id="rId9"/>
   </p:sldIdLst>
   <p:sldSz cx="12192000" cy="6858000"/>
   <p:notesSz cx="6858000" cy="9144000"/>
@@ -197,7 +204,7 @@
           <a:p>
             <a:fld id="{7B7A28CD-82A6-451A-9ECC-C5B68CB99823}" type="datetimeFigureOut">
               <a:rPr lang="de-DE" smtClean="0"/>
-              <a:t>14.10.2019</a:t>
+              <a:t>27.10.2019</a:t>
             </a:fld>
             <a:endParaRPr lang="de-DE"/>
           </a:p>
@@ -879,7 +886,7 @@
           <a:p>
             <a:fld id="{64F9F675-049C-4039-886A-7641A3ED83AA}" type="datetime1">
               <a:rPr lang="de-DE" smtClean="0"/>
-              <a:t>14.10.2019</a:t>
+              <a:t>27.10.2019</a:t>
             </a:fld>
             <a:endParaRPr lang="de-DE" dirty="0"/>
           </a:p>
@@ -1061,7 +1068,7 @@
           <a:p>
             <a:fld id="{EF008B3B-8C86-4F35-BCD4-3D71CCC6220B}" type="datetime1">
               <a:rPr lang="de-DE" smtClean="0"/>
-              <a:t>14.10.2019</a:t>
+              <a:t>27.10.2019</a:t>
             </a:fld>
             <a:endParaRPr lang="de-DE"/>
           </a:p>
@@ -1515,7 +1522,7 @@
           <a:p>
             <a:fld id="{46C1CA06-F658-4220-8BC8-8FCF6253DAE1}" type="datetime1">
               <a:rPr lang="de-DE" smtClean="0"/>
-              <a:t>14.10.2019</a:t>
+              <a:t>27.10.2019</a:t>
             </a:fld>
             <a:endParaRPr lang="de-DE"/>
           </a:p>
@@ -2307,7 +2314,7 @@
           <a:p>
             <a:fld id="{4F6382F7-6B8A-47B3-AA70-C81E5D8F4180}" type="datetime1">
               <a:rPr lang="de-DE" smtClean="0"/>
-              <a:t>14.10.2019</a:t>
+              <a:t>27.10.2019</a:t>
             </a:fld>
             <a:endParaRPr lang="de-DE"/>
           </a:p>
@@ -3019,7 +3026,7 @@
           <a:p>
             <a:fld id="{6CFE6BEC-159F-4167-8F4D-D508A4F668F1}" type="datetime1">
               <a:rPr lang="de-DE" smtClean="0"/>
-              <a:t>14.10.2019</a:t>
+              <a:t>27.10.2019</a:t>
             </a:fld>
             <a:endParaRPr lang="de-DE"/>
           </a:p>
@@ -3450,7 +3457,7 @@
           <a:p>
             <a:fld id="{0650A090-A051-46A1-8797-56EEC00D0A83}" type="datetime1">
               <a:rPr lang="de-DE" smtClean="0"/>
-              <a:t>14.10.2019</a:t>
+              <a:t>27.10.2019</a:t>
             </a:fld>
             <a:endParaRPr lang="de-DE"/>
           </a:p>
@@ -3882,7 +3889,7 @@
           <a:p>
             <a:fld id="{76147A52-9CE4-4E84-B5AD-2E19D43BDEB9}" type="datetime1">
               <a:rPr lang="de-DE" smtClean="0"/>
-              <a:t>14.10.2019</a:t>
+              <a:t>27.10.2019</a:t>
             </a:fld>
             <a:endParaRPr lang="de-DE"/>
           </a:p>
@@ -4285,7 +4292,7 @@
           <a:p>
             <a:fld id="{088C7F9A-48FF-4E97-A5D8-34ABB2AA95D7}" type="datetime1">
               <a:rPr lang="de-DE" smtClean="0"/>
-              <a:t>14.10.2019</a:t>
+              <a:t>27.10.2019</a:t>
             </a:fld>
             <a:endParaRPr lang="de-DE"/>
           </a:p>
@@ -4736,7 +4743,7 @@
           <a:p>
             <a:fld id="{89EBD14D-9873-4385-9F14-4BFEE858A98C}" type="datetime1">
               <a:rPr lang="de-DE" smtClean="0"/>
-              <a:t>14.10.2019</a:t>
+              <a:t>27.10.2019</a:t>
             </a:fld>
             <a:endParaRPr lang="de-DE" dirty="0"/>
           </a:p>
@@ -5631,7 +5638,7 @@
         </p:nvSpPr>
         <p:spPr>
           <a:xfrm>
-            <a:off x="676712" y="2607214"/>
+            <a:off x="433432" y="2716271"/>
             <a:ext cx="9144000" cy="2387600"/>
           </a:xfrm>
           <a:prstGeom prst="rect">
@@ -5642,7 +5649,12 @@
           <a:bodyPr/>
           <a:lstStyle/>
           <a:p>
-            <a:endParaRPr lang="de-DE" dirty="0"/>
+            <a:r>
+              <a:rPr lang="de-DE" dirty="0">
+                <a:latin typeface="Trebuchet MS" panose="020B0603020202020204" pitchFamily="34" charset="0"/>
+              </a:rPr>
+              <a:t>Nordwind - Tool</a:t>
+            </a:r>
           </a:p>
         </p:txBody>
       </p:sp>
@@ -5664,7 +5676,7 @@
         </p:nvSpPr>
         <p:spPr>
           <a:xfrm>
-            <a:off x="676712" y="3339052"/>
+            <a:off x="1121328" y="3313885"/>
             <a:ext cx="9144000" cy="1655762"/>
           </a:xfrm>
           <a:prstGeom prst="rect">
@@ -5675,7 +5687,15 @@
           <a:bodyPr/>
           <a:lstStyle/>
           <a:p>
-            <a:endParaRPr lang="de-DE" dirty="0"/>
+            <a:pPr marL="0" indent="0">
+              <a:buNone/>
+            </a:pPr>
+            <a:r>
+              <a:rPr lang="de-DE" dirty="0">
+                <a:latin typeface="Trebuchet MS" panose="020B0603020202020204" pitchFamily="34" charset="0"/>
+              </a:rPr>
+              <a:t>Programmieren</a:t>
+            </a:r>
           </a:p>
         </p:txBody>
       </p:sp>
@@ -5731,7 +5751,7 @@
           <a:p>
             <a:fld id="{F91931D6-F9D8-406D-9851-24FA674187DB}" type="datetime1">
               <a:rPr lang="de-DE" smtClean="0"/>
-              <a:t>14.10.2019</a:t>
+              <a:t>27.10.2019</a:t>
             </a:fld>
             <a:endParaRPr lang="de-DE" dirty="0"/>
           </a:p>
@@ -5770,6 +5790,1969 @@
     <p:extLst>
       <p:ext uri="{BB962C8B-B14F-4D97-AF65-F5344CB8AC3E}">
         <p14:creationId xmlns:p14="http://schemas.microsoft.com/office/powerpoint/2010/main" val="2875007796"/>
+      </p:ext>
+    </p:extLst>
+  </p:cSld>
+  <p:clrMapOvr>
+    <a:masterClrMapping/>
+  </p:clrMapOvr>
+</p:sld>
+</file>
+
+<file path=ppt/slides/slide2.xml><?xml version="1.0" encoding="utf-8"?>
+<p:sld xmlns:a="http://schemas.openxmlformats.org/drawingml/2006/main" xmlns:r="http://schemas.openxmlformats.org/officeDocument/2006/relationships" xmlns:p="http://schemas.openxmlformats.org/presentationml/2006/main">
+  <p:cSld>
+    <p:spTree>
+      <p:nvGrpSpPr>
+        <p:cNvPr id="1" name=""/>
+        <p:cNvGrpSpPr/>
+        <p:nvPr/>
+      </p:nvGrpSpPr>
+      <p:grpSpPr>
+        <a:xfrm>
+          <a:off x="0" y="0"/>
+          <a:ext cx="0" cy="0"/>
+          <a:chOff x="0" y="0"/>
+          <a:chExt cx="0" cy="0"/>
+        </a:xfrm>
+      </p:grpSpPr>
+      <p:sp>
+        <p:nvSpPr>
+          <p:cNvPr id="7" name="Inhaltsplatzhalter 6">
+            <a:extLst>
+              <a:ext uri="{FF2B5EF4-FFF2-40B4-BE49-F238E27FC236}">
+                <a16:creationId xmlns:a16="http://schemas.microsoft.com/office/drawing/2014/main" id="{665AFDDF-3642-4A22-94BB-F41C6493BAD0}"/>
+              </a:ext>
+            </a:extLst>
+          </p:cNvPr>
+          <p:cNvSpPr>
+            <a:spLocks noGrp="1"/>
+          </p:cNvSpPr>
+          <p:nvPr>
+            <p:ph idx="1"/>
+          </p:nvPr>
+        </p:nvSpPr>
+        <p:spPr/>
+        <p:txBody>
+          <a:bodyPr/>
+          <a:lstStyle/>
+          <a:p>
+            <a:r>
+              <a:rPr lang="de-DE" dirty="0"/>
+              <a:t>Datensätze </a:t>
+            </a:r>
+            <a:r>
+              <a:rPr lang="de-DE" dirty="0" err="1"/>
+              <a:t>blabla</a:t>
+            </a:r>
+            <a:endParaRPr lang="de-DE" dirty="0"/>
+          </a:p>
+        </p:txBody>
+      </p:sp>
+      <p:sp>
+        <p:nvSpPr>
+          <p:cNvPr id="3" name="Datumsplatzhalter 2">
+            <a:extLst>
+              <a:ext uri="{FF2B5EF4-FFF2-40B4-BE49-F238E27FC236}">
+                <a16:creationId xmlns:a16="http://schemas.microsoft.com/office/drawing/2014/main" id="{98745DA7-4AE3-4FEC-8998-6BFBE67DF235}"/>
+              </a:ext>
+            </a:extLst>
+          </p:cNvPr>
+          <p:cNvSpPr>
+            <a:spLocks noGrp="1"/>
+          </p:cNvSpPr>
+          <p:nvPr>
+            <p:ph type="dt" sz="half" idx="10"/>
+          </p:nvPr>
+        </p:nvSpPr>
+        <p:spPr/>
+        <p:txBody>
+          <a:bodyPr/>
+          <a:lstStyle/>
+          <a:p>
+            <a:fld id="{EF008B3B-8C86-4F35-BCD4-3D71CCC6220B}" type="datetime1">
+              <a:rPr lang="de-DE" smtClean="0"/>
+              <a:t>27.10.2019</a:t>
+            </a:fld>
+            <a:endParaRPr lang="de-DE"/>
+          </a:p>
+        </p:txBody>
+      </p:sp>
+      <p:sp>
+        <p:nvSpPr>
+          <p:cNvPr id="4" name="Fußzeilenplatzhalter 3">
+            <a:extLst>
+              <a:ext uri="{FF2B5EF4-FFF2-40B4-BE49-F238E27FC236}">
+                <a16:creationId xmlns:a16="http://schemas.microsoft.com/office/drawing/2014/main" id="{B0D0F19E-A150-408E-A038-0B8569CCEE2A}"/>
+              </a:ext>
+            </a:extLst>
+          </p:cNvPr>
+          <p:cNvSpPr>
+            <a:spLocks noGrp="1"/>
+          </p:cNvSpPr>
+          <p:nvPr>
+            <p:ph type="ftr" sz="quarter" idx="11"/>
+          </p:nvPr>
+        </p:nvSpPr>
+        <p:spPr/>
+        <p:txBody>
+          <a:bodyPr/>
+          <a:lstStyle/>
+          <a:p>
+            <a:r>
+              <a:rPr lang="de-DE"/>
+              <a:t>Krieger</a:t>
+            </a:r>
+          </a:p>
+        </p:txBody>
+      </p:sp>
+      <p:sp>
+        <p:nvSpPr>
+          <p:cNvPr id="5" name="Foliennummernplatzhalter 4">
+            <a:extLst>
+              <a:ext uri="{FF2B5EF4-FFF2-40B4-BE49-F238E27FC236}">
+                <a16:creationId xmlns:a16="http://schemas.microsoft.com/office/drawing/2014/main" id="{D04E46B0-905B-4847-8CDD-28DCAE9FCE26}"/>
+              </a:ext>
+            </a:extLst>
+          </p:cNvPr>
+          <p:cNvSpPr>
+            <a:spLocks noGrp="1"/>
+          </p:cNvSpPr>
+          <p:nvPr>
+            <p:ph type="sldNum" sz="quarter" idx="12"/>
+          </p:nvPr>
+        </p:nvSpPr>
+        <p:spPr/>
+        <p:txBody>
+          <a:bodyPr/>
+          <a:lstStyle/>
+          <a:p>
+            <a:fld id="{75F11FD4-B355-4EAB-967C-DBC12644FBDE}" type="slidenum">
+              <a:rPr lang="de-DE" smtClean="0"/>
+              <a:t>2</a:t>
+            </a:fld>
+            <a:endParaRPr lang="de-DE"/>
+          </a:p>
+        </p:txBody>
+      </p:sp>
+      <p:sp>
+        <p:nvSpPr>
+          <p:cNvPr id="9" name="Textplatzhalter 8">
+            <a:extLst>
+              <a:ext uri="{FF2B5EF4-FFF2-40B4-BE49-F238E27FC236}">
+                <a16:creationId xmlns:a16="http://schemas.microsoft.com/office/drawing/2014/main" id="{8908980C-224F-4EA3-B939-F87CF2C1C5D5}"/>
+              </a:ext>
+            </a:extLst>
+          </p:cNvPr>
+          <p:cNvSpPr>
+            <a:spLocks noGrp="1"/>
+          </p:cNvSpPr>
+          <p:nvPr>
+            <p:ph type="body" sz="quarter" idx="14"/>
+          </p:nvPr>
+        </p:nvSpPr>
+        <p:spPr/>
+        <p:txBody>
+          <a:bodyPr/>
+          <a:lstStyle/>
+          <a:p>
+            <a:r>
+              <a:rPr lang="de-DE" dirty="0"/>
+              <a:t>Was war geplant?</a:t>
+            </a:r>
+          </a:p>
+        </p:txBody>
+      </p:sp>
+      <p:sp>
+        <p:nvSpPr>
+          <p:cNvPr id="8" name="Textplatzhalter 7">
+            <a:extLst>
+              <a:ext uri="{FF2B5EF4-FFF2-40B4-BE49-F238E27FC236}">
+                <a16:creationId xmlns:a16="http://schemas.microsoft.com/office/drawing/2014/main" id="{E2F5A0EC-FEBD-43AA-8600-2BDED6280966}"/>
+              </a:ext>
+            </a:extLst>
+          </p:cNvPr>
+          <p:cNvSpPr>
+            <a:spLocks noGrp="1"/>
+          </p:cNvSpPr>
+          <p:nvPr>
+            <p:ph type="body" sz="quarter" idx="13"/>
+          </p:nvPr>
+        </p:nvSpPr>
+        <p:spPr/>
+        <p:txBody>
+          <a:bodyPr/>
+          <a:lstStyle/>
+          <a:p>
+            <a:r>
+              <a:rPr lang="de-DE" dirty="0"/>
+              <a:t>Funktionen</a:t>
+            </a:r>
+          </a:p>
+        </p:txBody>
+      </p:sp>
+    </p:spTree>
+    <p:extLst>
+      <p:ext uri="{BB962C8B-B14F-4D97-AF65-F5344CB8AC3E}">
+        <p14:creationId xmlns:p14="http://schemas.microsoft.com/office/powerpoint/2010/main" val="2008190851"/>
+      </p:ext>
+    </p:extLst>
+  </p:cSld>
+  <p:clrMapOvr>
+    <a:masterClrMapping/>
+  </p:clrMapOvr>
+</p:sld>
+</file>
+
+<file path=ppt/slides/slide3.xml><?xml version="1.0" encoding="utf-8"?>
+<p:sld xmlns:a="http://schemas.openxmlformats.org/drawingml/2006/main" xmlns:r="http://schemas.openxmlformats.org/officeDocument/2006/relationships" xmlns:p="http://schemas.openxmlformats.org/presentationml/2006/main">
+  <p:cSld>
+    <p:spTree>
+      <p:nvGrpSpPr>
+        <p:cNvPr id="1" name=""/>
+        <p:cNvGrpSpPr/>
+        <p:nvPr/>
+      </p:nvGrpSpPr>
+      <p:grpSpPr>
+        <a:xfrm>
+          <a:off x="0" y="0"/>
+          <a:ext cx="0" cy="0"/>
+          <a:chOff x="0" y="0"/>
+          <a:chExt cx="0" cy="0"/>
+        </a:xfrm>
+      </p:grpSpPr>
+      <p:sp>
+        <p:nvSpPr>
+          <p:cNvPr id="3" name="Datumsplatzhalter 2">
+            <a:extLst>
+              <a:ext uri="{FF2B5EF4-FFF2-40B4-BE49-F238E27FC236}">
+                <a16:creationId xmlns:a16="http://schemas.microsoft.com/office/drawing/2014/main" id="{F4C69910-99E2-440C-A8CB-8E4FB07DA468}"/>
+              </a:ext>
+            </a:extLst>
+          </p:cNvPr>
+          <p:cNvSpPr>
+            <a:spLocks noGrp="1"/>
+          </p:cNvSpPr>
+          <p:nvPr>
+            <p:ph type="dt" sz="half" idx="10"/>
+          </p:nvPr>
+        </p:nvSpPr>
+        <p:spPr/>
+        <p:txBody>
+          <a:bodyPr/>
+          <a:lstStyle/>
+          <a:p>
+            <a:fld id="{46C1CA06-F658-4220-8BC8-8FCF6253DAE1}" type="datetime1">
+              <a:rPr lang="de-DE" smtClean="0"/>
+              <a:t>27.10.2019</a:t>
+            </a:fld>
+            <a:endParaRPr lang="de-DE"/>
+          </a:p>
+        </p:txBody>
+      </p:sp>
+      <p:sp>
+        <p:nvSpPr>
+          <p:cNvPr id="4" name="Fußzeilenplatzhalter 3">
+            <a:extLst>
+              <a:ext uri="{FF2B5EF4-FFF2-40B4-BE49-F238E27FC236}">
+                <a16:creationId xmlns:a16="http://schemas.microsoft.com/office/drawing/2014/main" id="{901389C8-623A-421C-870E-10923287477F}"/>
+              </a:ext>
+            </a:extLst>
+          </p:cNvPr>
+          <p:cNvSpPr>
+            <a:spLocks noGrp="1"/>
+          </p:cNvSpPr>
+          <p:nvPr>
+            <p:ph type="ftr" sz="quarter" idx="11"/>
+          </p:nvPr>
+        </p:nvSpPr>
+        <p:spPr/>
+        <p:txBody>
+          <a:bodyPr/>
+          <a:lstStyle/>
+          <a:p>
+            <a:r>
+              <a:rPr lang="de-DE"/>
+              <a:t>Krieger</a:t>
+            </a:r>
+          </a:p>
+        </p:txBody>
+      </p:sp>
+      <p:sp>
+        <p:nvSpPr>
+          <p:cNvPr id="5" name="Foliennummernplatzhalter 4">
+            <a:extLst>
+              <a:ext uri="{FF2B5EF4-FFF2-40B4-BE49-F238E27FC236}">
+                <a16:creationId xmlns:a16="http://schemas.microsoft.com/office/drawing/2014/main" id="{53118246-E7C5-48DA-8299-E8C332EB64E3}"/>
+              </a:ext>
+            </a:extLst>
+          </p:cNvPr>
+          <p:cNvSpPr>
+            <a:spLocks noGrp="1"/>
+          </p:cNvSpPr>
+          <p:nvPr>
+            <p:ph type="sldNum" sz="quarter" idx="12"/>
+          </p:nvPr>
+        </p:nvSpPr>
+        <p:spPr/>
+        <p:txBody>
+          <a:bodyPr/>
+          <a:lstStyle/>
+          <a:p>
+            <a:fld id="{75F11FD4-B355-4EAB-967C-DBC12644FBDE}" type="slidenum">
+              <a:rPr lang="de-DE" smtClean="0"/>
+              <a:t>3</a:t>
+            </a:fld>
+            <a:endParaRPr lang="de-DE"/>
+          </a:p>
+        </p:txBody>
+      </p:sp>
+      <p:sp>
+        <p:nvSpPr>
+          <p:cNvPr id="6" name="Textplatzhalter 5">
+            <a:extLst>
+              <a:ext uri="{FF2B5EF4-FFF2-40B4-BE49-F238E27FC236}">
+                <a16:creationId xmlns:a16="http://schemas.microsoft.com/office/drawing/2014/main" id="{315C8738-4C59-4367-BAB8-BABC6F7A6557}"/>
+              </a:ext>
+            </a:extLst>
+          </p:cNvPr>
+          <p:cNvSpPr>
+            <a:spLocks noGrp="1"/>
+          </p:cNvSpPr>
+          <p:nvPr>
+            <p:ph type="body" sz="quarter" idx="14"/>
+          </p:nvPr>
+        </p:nvSpPr>
+        <p:spPr/>
+        <p:txBody>
+          <a:bodyPr/>
+          <a:lstStyle/>
+          <a:p>
+            <a:endParaRPr lang="de-DE"/>
+          </a:p>
+        </p:txBody>
+      </p:sp>
+      <p:sp>
+        <p:nvSpPr>
+          <p:cNvPr id="7" name="Textplatzhalter 6">
+            <a:extLst>
+              <a:ext uri="{FF2B5EF4-FFF2-40B4-BE49-F238E27FC236}">
+                <a16:creationId xmlns:a16="http://schemas.microsoft.com/office/drawing/2014/main" id="{E76F91F0-9790-4DA7-BF62-B3C3310B8916}"/>
+              </a:ext>
+            </a:extLst>
+          </p:cNvPr>
+          <p:cNvSpPr>
+            <a:spLocks noGrp="1"/>
+          </p:cNvSpPr>
+          <p:nvPr>
+            <p:ph type="body" sz="quarter" idx="13"/>
+          </p:nvPr>
+        </p:nvSpPr>
+        <p:spPr/>
+        <p:txBody>
+          <a:bodyPr/>
+          <a:lstStyle/>
+          <a:p>
+            <a:r>
+              <a:rPr lang="de-DE" dirty="0"/>
+              <a:t>Statistiken</a:t>
+            </a:r>
+          </a:p>
+        </p:txBody>
+      </p:sp>
+      <p:pic>
+        <p:nvPicPr>
+          <p:cNvPr id="11" name="Grafik 10" descr="Stoppuhr">
+            <a:extLst>
+              <a:ext uri="{FF2B5EF4-FFF2-40B4-BE49-F238E27FC236}">
+                <a16:creationId xmlns:a16="http://schemas.microsoft.com/office/drawing/2014/main" id="{BB378F41-13A3-4AF5-A3A8-F854565B754F}"/>
+              </a:ext>
+            </a:extLst>
+          </p:cNvPr>
+          <p:cNvPicPr>
+            <a:picLocks noChangeAspect="1"/>
+          </p:cNvPicPr>
+          <p:nvPr/>
+        </p:nvPicPr>
+        <p:blipFill>
+          <a:blip r:embed="rId2">
+            <a:extLst>
+              <a:ext uri="{28A0092B-C50C-407E-A947-70E740481C1C}">
+                <a14:useLocalDpi xmlns:a14="http://schemas.microsoft.com/office/drawing/2010/main" val="0"/>
+              </a:ext>
+              <a:ext uri="{96DAC541-7B7A-43D3-8B79-37D633B846F1}">
+                <asvg:svgBlip xmlns:asvg="http://schemas.microsoft.com/office/drawing/2016/SVG/main" r:embed="rId3"/>
+              </a:ext>
+            </a:extLst>
+          </a:blip>
+          <a:stretch>
+            <a:fillRect/>
+          </a:stretch>
+        </p:blipFill>
+        <p:spPr>
+          <a:xfrm>
+            <a:off x="6723078" y="2488379"/>
+            <a:ext cx="914400" cy="914400"/>
+          </a:xfrm>
+          <a:prstGeom prst="rect">
+            <a:avLst/>
+          </a:prstGeom>
+        </p:spPr>
+      </p:pic>
+      <p:pic>
+        <p:nvPicPr>
+          <p:cNvPr id="13" name="Grafik 12" descr="Datenbank">
+            <a:extLst>
+              <a:ext uri="{FF2B5EF4-FFF2-40B4-BE49-F238E27FC236}">
+                <a16:creationId xmlns:a16="http://schemas.microsoft.com/office/drawing/2014/main" id="{7A7EBB7E-4C4D-4EB8-B67C-17FC5655637A}"/>
+              </a:ext>
+            </a:extLst>
+          </p:cNvPr>
+          <p:cNvPicPr>
+            <a:picLocks noChangeAspect="1"/>
+          </p:cNvPicPr>
+          <p:nvPr/>
+        </p:nvPicPr>
+        <p:blipFill>
+          <a:blip r:embed="rId4">
+            <a:extLst>
+              <a:ext uri="{28A0092B-C50C-407E-A947-70E740481C1C}">
+                <a14:useLocalDpi xmlns:a14="http://schemas.microsoft.com/office/drawing/2010/main" val="0"/>
+              </a:ext>
+              <a:ext uri="{96DAC541-7B7A-43D3-8B79-37D633B846F1}">
+                <asvg:svgBlip xmlns:asvg="http://schemas.microsoft.com/office/drawing/2016/SVG/main" r:embed="rId5"/>
+              </a:ext>
+            </a:extLst>
+          </a:blip>
+          <a:stretch>
+            <a:fillRect/>
+          </a:stretch>
+        </p:blipFill>
+        <p:spPr>
+          <a:xfrm>
+            <a:off x="4127967" y="4288330"/>
+            <a:ext cx="914400" cy="914400"/>
+          </a:xfrm>
+          <a:prstGeom prst="rect">
+            <a:avLst/>
+          </a:prstGeom>
+        </p:spPr>
+      </p:pic>
+      <p:pic>
+        <p:nvPicPr>
+          <p:cNvPr id="23" name="Inhaltsplatzhalter 20" descr="Ein Bild, das Zeichnung enthält.&#10;&#10;Automatisch generierte Beschreibung">
+            <a:extLst>
+              <a:ext uri="{FF2B5EF4-FFF2-40B4-BE49-F238E27FC236}">
+                <a16:creationId xmlns:a16="http://schemas.microsoft.com/office/drawing/2014/main" id="{3D5F2D72-E2AC-49EE-82A2-BDB5357ED42C}"/>
+              </a:ext>
+            </a:extLst>
+          </p:cNvPr>
+          <p:cNvPicPr>
+            <a:picLocks noChangeAspect="1"/>
+          </p:cNvPicPr>
+          <p:nvPr/>
+        </p:nvPicPr>
+        <p:blipFill rotWithShape="1">
+          <a:blip r:embed="rId6">
+            <a:extLst>
+              <a:ext uri="{28A0092B-C50C-407E-A947-70E740481C1C}">
+                <a14:useLocalDpi xmlns:a14="http://schemas.microsoft.com/office/drawing/2010/main" val="0"/>
+              </a:ext>
+            </a:extLst>
+          </a:blip>
+          <a:srcRect l="24883" t="5339" r="24407" b="5592"/>
+          <a:stretch/>
+        </p:blipFill>
+        <p:spPr>
+          <a:xfrm>
+            <a:off x="729145" y="2569670"/>
+            <a:ext cx="866090" cy="798670"/>
+          </a:xfrm>
+          <a:prstGeom prst="rect">
+            <a:avLst/>
+          </a:prstGeom>
+        </p:spPr>
+      </p:pic>
+      <p:sp>
+        <p:nvSpPr>
+          <p:cNvPr id="24" name="Textfeld 23">
+            <a:extLst>
+              <a:ext uri="{FF2B5EF4-FFF2-40B4-BE49-F238E27FC236}">
+                <a16:creationId xmlns:a16="http://schemas.microsoft.com/office/drawing/2014/main" id="{1A520C3D-5C3C-4B6B-9EC2-E646350AF82C}"/>
+              </a:ext>
+            </a:extLst>
+          </p:cNvPr>
+          <p:cNvSpPr txBox="1"/>
+          <p:nvPr/>
+        </p:nvSpPr>
+        <p:spPr>
+          <a:xfrm>
+            <a:off x="7637478" y="2760913"/>
+            <a:ext cx="2743199" cy="369332"/>
+          </a:xfrm>
+          <a:prstGeom prst="rect">
+            <a:avLst/>
+          </a:prstGeom>
+          <a:noFill/>
+        </p:spPr>
+        <p:txBody>
+          <a:bodyPr wrap="square" rtlCol="0">
+            <a:spAutoFit/>
+          </a:bodyPr>
+          <a:lstStyle/>
+          <a:p>
+            <a:pPr marL="285750" indent="-285750">
+              <a:buFont typeface="Arial" panose="020B0604020202020204" pitchFamily="34" charset="0"/>
+              <a:buChar char="•"/>
+            </a:pPr>
+            <a:r>
+              <a:rPr lang="de-DE" dirty="0">
+                <a:latin typeface="Trebuchet MS" panose="020B0603020202020204" pitchFamily="34" charset="0"/>
+              </a:rPr>
+              <a:t>XX+ Stunden Arbeit</a:t>
+            </a:r>
+          </a:p>
+        </p:txBody>
+      </p:sp>
+      <p:sp>
+        <p:nvSpPr>
+          <p:cNvPr id="25" name="Textfeld 24">
+            <a:extLst>
+              <a:ext uri="{FF2B5EF4-FFF2-40B4-BE49-F238E27FC236}">
+                <a16:creationId xmlns:a16="http://schemas.microsoft.com/office/drawing/2014/main" id="{E6AA44D2-E355-4203-B4E1-4A17478327E7}"/>
+              </a:ext>
+            </a:extLst>
+          </p:cNvPr>
+          <p:cNvSpPr txBox="1"/>
+          <p:nvPr/>
+        </p:nvSpPr>
+        <p:spPr>
+          <a:xfrm>
+            <a:off x="1727435" y="2655998"/>
+            <a:ext cx="4018326" cy="923330"/>
+          </a:xfrm>
+          <a:prstGeom prst="rect">
+            <a:avLst/>
+          </a:prstGeom>
+          <a:noFill/>
+        </p:spPr>
+        <p:txBody>
+          <a:bodyPr wrap="square" rtlCol="0">
+            <a:spAutoFit/>
+          </a:bodyPr>
+          <a:lstStyle/>
+          <a:p>
+            <a:pPr marL="285750" indent="-285750">
+              <a:buFont typeface="Arial" panose="020B0604020202020204" pitchFamily="34" charset="0"/>
+              <a:buChar char="•"/>
+            </a:pPr>
+            <a:r>
+              <a:rPr lang="de-DE" dirty="0">
+                <a:latin typeface="Trebuchet MS" panose="020B0603020202020204" pitchFamily="34" charset="0"/>
+              </a:rPr>
+              <a:t>1233 Zeilen (davon XXXX Code)</a:t>
+            </a:r>
+          </a:p>
+          <a:p>
+            <a:pPr marL="285750" indent="-285750">
+              <a:buFont typeface="Arial" panose="020B0604020202020204" pitchFamily="34" charset="0"/>
+              <a:buChar char="•"/>
+            </a:pPr>
+            <a:r>
+              <a:rPr lang="de-DE" dirty="0">
+                <a:latin typeface="Trebuchet MS" panose="020B0603020202020204" pitchFamily="34" charset="0"/>
+              </a:rPr>
+              <a:t>123 Objekte</a:t>
+            </a:r>
+          </a:p>
+          <a:p>
+            <a:pPr marL="285750" indent="-285750">
+              <a:buFont typeface="Arial" panose="020B0604020202020204" pitchFamily="34" charset="0"/>
+              <a:buChar char="•"/>
+            </a:pPr>
+            <a:r>
+              <a:rPr lang="de-DE" dirty="0">
+                <a:latin typeface="Trebuchet MS" panose="020B0603020202020204" pitchFamily="34" charset="0"/>
+              </a:rPr>
+              <a:t>XY Klassen</a:t>
+            </a:r>
+          </a:p>
+        </p:txBody>
+      </p:sp>
+      <p:sp>
+        <p:nvSpPr>
+          <p:cNvPr id="26" name="Textfeld 25">
+            <a:extLst>
+              <a:ext uri="{FF2B5EF4-FFF2-40B4-BE49-F238E27FC236}">
+                <a16:creationId xmlns:a16="http://schemas.microsoft.com/office/drawing/2014/main" id="{1A3633BC-ACF6-4DC1-9069-BD4EFAB3486A}"/>
+              </a:ext>
+            </a:extLst>
+          </p:cNvPr>
+          <p:cNvSpPr txBox="1"/>
+          <p:nvPr/>
+        </p:nvSpPr>
+        <p:spPr>
+          <a:xfrm>
+            <a:off x="5011723" y="4422364"/>
+            <a:ext cx="4018326" cy="646331"/>
+          </a:xfrm>
+          <a:prstGeom prst="rect">
+            <a:avLst/>
+          </a:prstGeom>
+          <a:noFill/>
+        </p:spPr>
+        <p:txBody>
+          <a:bodyPr wrap="square" rtlCol="0">
+            <a:spAutoFit/>
+          </a:bodyPr>
+          <a:lstStyle/>
+          <a:p>
+            <a:pPr marL="285750" indent="-285750">
+              <a:buFont typeface="Arial" panose="020B0604020202020204" pitchFamily="34" charset="0"/>
+              <a:buChar char="•"/>
+            </a:pPr>
+            <a:r>
+              <a:rPr lang="de-DE" dirty="0">
+                <a:latin typeface="Trebuchet MS" panose="020B0603020202020204" pitchFamily="34" charset="0"/>
+              </a:rPr>
+              <a:t>1 Tabelle</a:t>
+            </a:r>
+          </a:p>
+          <a:p>
+            <a:pPr marL="285750" indent="-285750">
+              <a:buFont typeface="Arial" panose="020B0604020202020204" pitchFamily="34" charset="0"/>
+              <a:buChar char="•"/>
+            </a:pPr>
+            <a:r>
+              <a:rPr lang="de-DE" dirty="0">
+                <a:latin typeface="Trebuchet MS" panose="020B0603020202020204" pitchFamily="34" charset="0"/>
+              </a:rPr>
+              <a:t>X Attribute</a:t>
+            </a:r>
+          </a:p>
+        </p:txBody>
+      </p:sp>
+    </p:spTree>
+    <p:extLst>
+      <p:ext uri="{BB962C8B-B14F-4D97-AF65-F5344CB8AC3E}">
+        <p14:creationId xmlns:p14="http://schemas.microsoft.com/office/powerpoint/2010/main" val="4170800329"/>
+      </p:ext>
+    </p:extLst>
+  </p:cSld>
+  <p:clrMapOvr>
+    <a:masterClrMapping/>
+  </p:clrMapOvr>
+</p:sld>
+</file>
+
+<file path=ppt/slides/slide4.xml><?xml version="1.0" encoding="utf-8"?>
+<p:sld xmlns:a="http://schemas.openxmlformats.org/drawingml/2006/main" xmlns:r="http://schemas.openxmlformats.org/officeDocument/2006/relationships" xmlns:p="http://schemas.openxmlformats.org/presentationml/2006/main">
+  <p:cSld>
+    <p:spTree>
+      <p:nvGrpSpPr>
+        <p:cNvPr id="1" name=""/>
+        <p:cNvGrpSpPr/>
+        <p:nvPr/>
+      </p:nvGrpSpPr>
+      <p:grpSpPr>
+        <a:xfrm>
+          <a:off x="0" y="0"/>
+          <a:ext cx="0" cy="0"/>
+          <a:chOff x="0" y="0"/>
+          <a:chExt cx="0" cy="0"/>
+        </a:xfrm>
+      </p:grpSpPr>
+      <p:pic>
+        <p:nvPicPr>
+          <p:cNvPr id="10" name="Inhaltsplatzhalter 9" descr="Radierer">
+            <a:extLst>
+              <a:ext uri="{FF2B5EF4-FFF2-40B4-BE49-F238E27FC236}">
+                <a16:creationId xmlns:a16="http://schemas.microsoft.com/office/drawing/2014/main" id="{22879221-0D61-42C2-B21A-83B5134B4CDA}"/>
+              </a:ext>
+            </a:extLst>
+          </p:cNvPr>
+          <p:cNvPicPr>
+            <a:picLocks noGrp="1" noChangeAspect="1"/>
+          </p:cNvPicPr>
+          <p:nvPr>
+            <p:ph idx="1"/>
+          </p:nvPr>
+        </p:nvPicPr>
+        <p:blipFill>
+          <a:blip r:embed="rId2">
+            <a:extLst>
+              <a:ext uri="{28A0092B-C50C-407E-A947-70E740481C1C}">
+                <a14:useLocalDpi xmlns:a14="http://schemas.microsoft.com/office/drawing/2010/main" val="0"/>
+              </a:ext>
+              <a:ext uri="{96DAC541-7B7A-43D3-8B79-37D633B846F1}">
+                <asvg:svgBlip xmlns:asvg="http://schemas.microsoft.com/office/drawing/2016/SVG/main" r:embed="rId3"/>
+              </a:ext>
+            </a:extLst>
+          </a:blip>
+          <a:stretch>
+            <a:fillRect/>
+          </a:stretch>
+        </p:blipFill>
+        <p:spPr>
+          <a:xfrm>
+            <a:off x="4038600" y="3216923"/>
+            <a:ext cx="914400" cy="914400"/>
+          </a:xfrm>
+        </p:spPr>
+      </p:pic>
+      <p:sp>
+        <p:nvSpPr>
+          <p:cNvPr id="3" name="Datumsplatzhalter 2">
+            <a:extLst>
+              <a:ext uri="{FF2B5EF4-FFF2-40B4-BE49-F238E27FC236}">
+                <a16:creationId xmlns:a16="http://schemas.microsoft.com/office/drawing/2014/main" id="{131BBA1C-27C3-4109-972C-2C875FC99485}"/>
+              </a:ext>
+            </a:extLst>
+          </p:cNvPr>
+          <p:cNvSpPr>
+            <a:spLocks noGrp="1"/>
+          </p:cNvSpPr>
+          <p:nvPr>
+            <p:ph type="dt" sz="half" idx="10"/>
+          </p:nvPr>
+        </p:nvSpPr>
+        <p:spPr/>
+        <p:txBody>
+          <a:bodyPr/>
+          <a:lstStyle/>
+          <a:p>
+            <a:fld id="{46C1CA06-F658-4220-8BC8-8FCF6253DAE1}" type="datetime1">
+              <a:rPr lang="de-DE" smtClean="0"/>
+              <a:t>27.10.2019</a:t>
+            </a:fld>
+            <a:endParaRPr lang="de-DE"/>
+          </a:p>
+        </p:txBody>
+      </p:sp>
+      <p:sp>
+        <p:nvSpPr>
+          <p:cNvPr id="4" name="Fußzeilenplatzhalter 3">
+            <a:extLst>
+              <a:ext uri="{FF2B5EF4-FFF2-40B4-BE49-F238E27FC236}">
+                <a16:creationId xmlns:a16="http://schemas.microsoft.com/office/drawing/2014/main" id="{DA172F6D-6769-48D6-8731-586391C8D979}"/>
+              </a:ext>
+            </a:extLst>
+          </p:cNvPr>
+          <p:cNvSpPr>
+            <a:spLocks noGrp="1"/>
+          </p:cNvSpPr>
+          <p:nvPr>
+            <p:ph type="ftr" sz="quarter" idx="11"/>
+          </p:nvPr>
+        </p:nvSpPr>
+        <p:spPr/>
+        <p:txBody>
+          <a:bodyPr/>
+          <a:lstStyle/>
+          <a:p>
+            <a:r>
+              <a:rPr lang="de-DE"/>
+              <a:t>Krieger</a:t>
+            </a:r>
+          </a:p>
+        </p:txBody>
+      </p:sp>
+      <p:sp>
+        <p:nvSpPr>
+          <p:cNvPr id="5" name="Foliennummernplatzhalter 4">
+            <a:extLst>
+              <a:ext uri="{FF2B5EF4-FFF2-40B4-BE49-F238E27FC236}">
+                <a16:creationId xmlns:a16="http://schemas.microsoft.com/office/drawing/2014/main" id="{1823A0F4-1125-4174-91BB-CCF9ECDA24DE}"/>
+              </a:ext>
+            </a:extLst>
+          </p:cNvPr>
+          <p:cNvSpPr>
+            <a:spLocks noGrp="1"/>
+          </p:cNvSpPr>
+          <p:nvPr>
+            <p:ph type="sldNum" sz="quarter" idx="12"/>
+          </p:nvPr>
+        </p:nvSpPr>
+        <p:spPr/>
+        <p:txBody>
+          <a:bodyPr/>
+          <a:lstStyle/>
+          <a:p>
+            <a:fld id="{75F11FD4-B355-4EAB-967C-DBC12644FBDE}" type="slidenum">
+              <a:rPr lang="de-DE" smtClean="0"/>
+              <a:t>4</a:t>
+            </a:fld>
+            <a:endParaRPr lang="de-DE"/>
+          </a:p>
+        </p:txBody>
+      </p:sp>
+      <p:sp>
+        <p:nvSpPr>
+          <p:cNvPr id="6" name="Textplatzhalter 5">
+            <a:extLst>
+              <a:ext uri="{FF2B5EF4-FFF2-40B4-BE49-F238E27FC236}">
+                <a16:creationId xmlns:a16="http://schemas.microsoft.com/office/drawing/2014/main" id="{112417E2-F2E9-4935-BEDC-71D6F10B4E7A}"/>
+              </a:ext>
+            </a:extLst>
+          </p:cNvPr>
+          <p:cNvSpPr>
+            <a:spLocks noGrp="1"/>
+          </p:cNvSpPr>
+          <p:nvPr>
+            <p:ph type="body" sz="quarter" idx="14"/>
+          </p:nvPr>
+        </p:nvSpPr>
+        <p:spPr/>
+        <p:txBody>
+          <a:bodyPr/>
+          <a:lstStyle/>
+          <a:p>
+            <a:endParaRPr lang="de-DE" dirty="0"/>
+          </a:p>
+        </p:txBody>
+      </p:sp>
+      <p:sp>
+        <p:nvSpPr>
+          <p:cNvPr id="7" name="Textplatzhalter 6">
+            <a:extLst>
+              <a:ext uri="{FF2B5EF4-FFF2-40B4-BE49-F238E27FC236}">
+                <a16:creationId xmlns:a16="http://schemas.microsoft.com/office/drawing/2014/main" id="{5EB2F4EC-B864-4310-80DD-C6C453ADE386}"/>
+              </a:ext>
+            </a:extLst>
+          </p:cNvPr>
+          <p:cNvSpPr>
+            <a:spLocks noGrp="1"/>
+          </p:cNvSpPr>
+          <p:nvPr>
+            <p:ph type="body" sz="quarter" idx="13"/>
+          </p:nvPr>
+        </p:nvSpPr>
+        <p:spPr>
+          <a:xfrm>
+            <a:off x="2746861" y="681037"/>
+            <a:ext cx="6672743" cy="1366925"/>
+          </a:xfrm>
+        </p:spPr>
+        <p:txBody>
+          <a:bodyPr/>
+          <a:lstStyle/>
+          <a:p>
+            <a:pPr>
+              <a:spcBef>
+                <a:spcPts val="0"/>
+              </a:spcBef>
+            </a:pPr>
+            <a:r>
+              <a:rPr lang="de-DE" dirty="0">
+                <a:latin typeface="Trebuchet MS" panose="020B0603020202020204" pitchFamily="34" charset="0"/>
+              </a:rPr>
+              <a:t>Das Anmeldefenster</a:t>
+            </a:r>
+          </a:p>
+        </p:txBody>
+      </p:sp>
+      <p:pic>
+        <p:nvPicPr>
+          <p:cNvPr id="11" name="Inhaltsplatzhalter 9" descr="Radierer">
+            <a:extLst>
+              <a:ext uri="{FF2B5EF4-FFF2-40B4-BE49-F238E27FC236}">
+                <a16:creationId xmlns:a16="http://schemas.microsoft.com/office/drawing/2014/main" id="{0EE41EE6-5259-4045-91C5-ED8F22C8BAAA}"/>
+              </a:ext>
+            </a:extLst>
+          </p:cNvPr>
+          <p:cNvPicPr>
+            <a:picLocks noChangeAspect="1"/>
+          </p:cNvPicPr>
+          <p:nvPr/>
+        </p:nvPicPr>
+        <p:blipFill>
+          <a:blip r:embed="rId2">
+            <a:extLst>
+              <a:ext uri="{28A0092B-C50C-407E-A947-70E740481C1C}">
+                <a14:useLocalDpi xmlns:a14="http://schemas.microsoft.com/office/drawing/2010/main" val="0"/>
+              </a:ext>
+              <a:ext uri="{96DAC541-7B7A-43D3-8B79-37D633B846F1}">
+                <asvg:svgBlip xmlns:asvg="http://schemas.microsoft.com/office/drawing/2016/SVG/main" r:embed="rId3"/>
+              </a:ext>
+            </a:extLst>
+          </a:blip>
+          <a:stretch>
+            <a:fillRect/>
+          </a:stretch>
+        </p:blipFill>
+        <p:spPr>
+          <a:xfrm>
+            <a:off x="5638800" y="3429000"/>
+            <a:ext cx="914400" cy="914400"/>
+          </a:xfrm>
+          <a:prstGeom prst="rect">
+            <a:avLst/>
+          </a:prstGeom>
+        </p:spPr>
+      </p:pic>
+    </p:spTree>
+    <p:extLst>
+      <p:ext uri="{BB962C8B-B14F-4D97-AF65-F5344CB8AC3E}">
+        <p14:creationId xmlns:p14="http://schemas.microsoft.com/office/powerpoint/2010/main" val="1306647581"/>
+      </p:ext>
+    </p:extLst>
+  </p:cSld>
+  <p:clrMapOvr>
+    <a:masterClrMapping/>
+  </p:clrMapOvr>
+  <p:timing>
+    <p:tnLst>
+      <p:par>
+        <p:cTn id="1" dur="indefinite" restart="never" nodeType="tmRoot">
+          <p:childTnLst>
+            <p:seq concurrent="1" nextAc="seek">
+              <p:cTn id="2" dur="indefinite" nodeType="mainSeq">
+                <p:childTnLst>
+                  <p:par>
+                    <p:cTn id="3" fill="hold">
+                      <p:stCondLst>
+                        <p:cond delay="indefinite"/>
+                      </p:stCondLst>
+                      <p:childTnLst>
+                        <p:par>
+                          <p:cTn id="4" fill="hold">
+                            <p:stCondLst>
+                              <p:cond delay="0"/>
+                            </p:stCondLst>
+                            <p:childTnLst>
+                              <p:par>
+                                <p:cTn id="5" presetID="10" presetClass="entr" presetSubtype="0" fill="hold" nodeType="clickEffect">
+                                  <p:stCondLst>
+                                    <p:cond delay="0"/>
+                                  </p:stCondLst>
+                                  <p:childTnLst>
+                                    <p:set>
+                                      <p:cBhvr>
+                                        <p:cTn id="6" dur="1" fill="hold">
+                                          <p:stCondLst>
+                                            <p:cond delay="0"/>
+                                          </p:stCondLst>
+                                        </p:cTn>
+                                        <p:tgtEl>
+                                          <p:spTgt spid="10"/>
+                                        </p:tgtEl>
+                                        <p:attrNameLst>
+                                          <p:attrName>style.visibility</p:attrName>
+                                        </p:attrNameLst>
+                                      </p:cBhvr>
+                                      <p:to>
+                                        <p:strVal val="visible"/>
+                                      </p:to>
+                                    </p:set>
+                                    <p:animEffect transition="in" filter="fade">
+                                      <p:cBhvr>
+                                        <p:cTn id="7" dur="500"/>
+                                        <p:tgtEl>
+                                          <p:spTgt spid="10"/>
+                                        </p:tgtEl>
+                                      </p:cBhvr>
+                                    </p:animEffect>
+                                  </p:childTnLst>
+                                </p:cTn>
+                              </p:par>
+                            </p:childTnLst>
+                          </p:cTn>
+                        </p:par>
+                      </p:childTnLst>
+                    </p:cTn>
+                  </p:par>
+                  <p:par>
+                    <p:cTn id="8" fill="hold">
+                      <p:stCondLst>
+                        <p:cond delay="indefinite"/>
+                      </p:stCondLst>
+                      <p:childTnLst>
+                        <p:par>
+                          <p:cTn id="9" fill="hold">
+                            <p:stCondLst>
+                              <p:cond delay="0"/>
+                            </p:stCondLst>
+                            <p:childTnLst>
+                              <p:par>
+                                <p:cTn id="10" presetID="10" presetClass="exit" presetSubtype="0" fill="hold" nodeType="clickEffect">
+                                  <p:stCondLst>
+                                    <p:cond delay="0"/>
+                                  </p:stCondLst>
+                                  <p:childTnLst>
+                                    <p:animEffect transition="out" filter="fade">
+                                      <p:cBhvr>
+                                        <p:cTn id="11" dur="500"/>
+                                        <p:tgtEl>
+                                          <p:spTgt spid="10"/>
+                                        </p:tgtEl>
+                                      </p:cBhvr>
+                                    </p:animEffect>
+                                    <p:set>
+                                      <p:cBhvr>
+                                        <p:cTn id="12" dur="1" fill="hold">
+                                          <p:stCondLst>
+                                            <p:cond delay="499"/>
+                                          </p:stCondLst>
+                                        </p:cTn>
+                                        <p:tgtEl>
+                                          <p:spTgt spid="10"/>
+                                        </p:tgtEl>
+                                        <p:attrNameLst>
+                                          <p:attrName>style.visibility</p:attrName>
+                                        </p:attrNameLst>
+                                      </p:cBhvr>
+                                      <p:to>
+                                        <p:strVal val="hidden"/>
+                                      </p:to>
+                                    </p:set>
+                                  </p:childTnLst>
+                                </p:cTn>
+                              </p:par>
+                            </p:childTnLst>
+                          </p:cTn>
+                        </p:par>
+                      </p:childTnLst>
+                    </p:cTn>
+                  </p:par>
+                  <p:par>
+                    <p:cTn id="13" fill="hold">
+                      <p:stCondLst>
+                        <p:cond delay="indefinite"/>
+                      </p:stCondLst>
+                      <p:childTnLst>
+                        <p:par>
+                          <p:cTn id="14" fill="hold">
+                            <p:stCondLst>
+                              <p:cond delay="0"/>
+                            </p:stCondLst>
+                            <p:childTnLst>
+                              <p:par>
+                                <p:cTn id="15" presetID="10" presetClass="entr" presetSubtype="0" fill="hold" nodeType="clickEffect">
+                                  <p:stCondLst>
+                                    <p:cond delay="0"/>
+                                  </p:stCondLst>
+                                  <p:childTnLst>
+                                    <p:set>
+                                      <p:cBhvr>
+                                        <p:cTn id="16" dur="1" fill="hold">
+                                          <p:stCondLst>
+                                            <p:cond delay="0"/>
+                                          </p:stCondLst>
+                                        </p:cTn>
+                                        <p:tgtEl>
+                                          <p:spTgt spid="11"/>
+                                        </p:tgtEl>
+                                        <p:attrNameLst>
+                                          <p:attrName>style.visibility</p:attrName>
+                                        </p:attrNameLst>
+                                      </p:cBhvr>
+                                      <p:to>
+                                        <p:strVal val="visible"/>
+                                      </p:to>
+                                    </p:set>
+                                    <p:animEffect transition="in" filter="fade">
+                                      <p:cBhvr>
+                                        <p:cTn id="17" dur="500"/>
+                                        <p:tgtEl>
+                                          <p:spTgt spid="11"/>
+                                        </p:tgtEl>
+                                      </p:cBhvr>
+                                    </p:animEffect>
+                                  </p:childTnLst>
+                                </p:cTn>
+                              </p:par>
+                            </p:childTnLst>
+                          </p:cTn>
+                        </p:par>
+                      </p:childTnLst>
+                    </p:cTn>
+                  </p:par>
+                  <p:par>
+                    <p:cTn id="18" fill="hold">
+                      <p:stCondLst>
+                        <p:cond delay="indefinite"/>
+                      </p:stCondLst>
+                      <p:childTnLst>
+                        <p:par>
+                          <p:cTn id="19" fill="hold">
+                            <p:stCondLst>
+                              <p:cond delay="0"/>
+                            </p:stCondLst>
+                            <p:childTnLst>
+                              <p:par>
+                                <p:cTn id="20" presetID="10" presetClass="exit" presetSubtype="0" fill="hold" nodeType="clickEffect">
+                                  <p:stCondLst>
+                                    <p:cond delay="0"/>
+                                  </p:stCondLst>
+                                  <p:childTnLst>
+                                    <p:animEffect transition="out" filter="fade">
+                                      <p:cBhvr>
+                                        <p:cTn id="21" dur="500"/>
+                                        <p:tgtEl>
+                                          <p:spTgt spid="11"/>
+                                        </p:tgtEl>
+                                      </p:cBhvr>
+                                    </p:animEffect>
+                                    <p:set>
+                                      <p:cBhvr>
+                                        <p:cTn id="22" dur="1" fill="hold">
+                                          <p:stCondLst>
+                                            <p:cond delay="499"/>
+                                          </p:stCondLst>
+                                        </p:cTn>
+                                        <p:tgtEl>
+                                          <p:spTgt spid="11"/>
+                                        </p:tgtEl>
+                                        <p:attrNameLst>
+                                          <p:attrName>style.visibility</p:attrName>
+                                        </p:attrNameLst>
+                                      </p:cBhvr>
+                                      <p:to>
+                                        <p:strVal val="hidden"/>
+                                      </p:to>
+                                    </p:set>
+                                  </p:childTnLst>
+                                </p:cTn>
+                              </p:par>
+                            </p:childTnLst>
+                          </p:cTn>
+                        </p:par>
+                      </p:childTnLst>
+                    </p:cTn>
+                  </p:par>
+                </p:childTnLst>
+              </p:cTn>
+              <p:prevCondLst>
+                <p:cond evt="onPrev" delay="0">
+                  <p:tgtEl>
+                    <p:sldTgt/>
+                  </p:tgtEl>
+                </p:cond>
+              </p:prevCondLst>
+              <p:nextCondLst>
+                <p:cond evt="onNext" delay="0">
+                  <p:tgtEl>
+                    <p:sldTgt/>
+                  </p:tgtEl>
+                </p:cond>
+              </p:nextCondLst>
+            </p:seq>
+          </p:childTnLst>
+        </p:cTn>
+      </p:par>
+    </p:tnLst>
+  </p:timing>
+</p:sld>
+</file>
+
+<file path=ppt/slides/slide5.xml><?xml version="1.0" encoding="utf-8"?>
+<p:sld xmlns:a="http://schemas.openxmlformats.org/drawingml/2006/main" xmlns:r="http://schemas.openxmlformats.org/officeDocument/2006/relationships" xmlns:p="http://schemas.openxmlformats.org/presentationml/2006/main">
+  <p:cSld>
+    <p:spTree>
+      <p:nvGrpSpPr>
+        <p:cNvPr id="1" name=""/>
+        <p:cNvGrpSpPr/>
+        <p:nvPr/>
+      </p:nvGrpSpPr>
+      <p:grpSpPr>
+        <a:xfrm>
+          <a:off x="0" y="0"/>
+          <a:ext cx="0" cy="0"/>
+          <a:chOff x="0" y="0"/>
+          <a:chExt cx="0" cy="0"/>
+        </a:xfrm>
+      </p:grpSpPr>
+      <p:sp>
+        <p:nvSpPr>
+          <p:cNvPr id="2" name="Inhaltsplatzhalter 1">
+            <a:extLst>
+              <a:ext uri="{FF2B5EF4-FFF2-40B4-BE49-F238E27FC236}">
+                <a16:creationId xmlns:a16="http://schemas.microsoft.com/office/drawing/2014/main" id="{15C63717-1B73-429C-88FD-E54484D94826}"/>
+              </a:ext>
+            </a:extLst>
+          </p:cNvPr>
+          <p:cNvSpPr>
+            <a:spLocks noGrp="1"/>
+          </p:cNvSpPr>
+          <p:nvPr>
+            <p:ph idx="1"/>
+          </p:nvPr>
+        </p:nvSpPr>
+        <p:spPr/>
+        <p:txBody>
+          <a:bodyPr/>
+          <a:lstStyle/>
+          <a:p>
+            <a:endParaRPr lang="de-DE" dirty="0"/>
+          </a:p>
+        </p:txBody>
+      </p:sp>
+      <p:sp>
+        <p:nvSpPr>
+          <p:cNvPr id="3" name="Datumsplatzhalter 2">
+            <a:extLst>
+              <a:ext uri="{FF2B5EF4-FFF2-40B4-BE49-F238E27FC236}">
+                <a16:creationId xmlns:a16="http://schemas.microsoft.com/office/drawing/2014/main" id="{758882C4-8B9B-4746-96C5-36A91AF4E8AF}"/>
+              </a:ext>
+            </a:extLst>
+          </p:cNvPr>
+          <p:cNvSpPr>
+            <a:spLocks noGrp="1"/>
+          </p:cNvSpPr>
+          <p:nvPr>
+            <p:ph type="dt" sz="half" idx="10"/>
+          </p:nvPr>
+        </p:nvSpPr>
+        <p:spPr/>
+        <p:txBody>
+          <a:bodyPr/>
+          <a:lstStyle/>
+          <a:p>
+            <a:fld id="{46C1CA06-F658-4220-8BC8-8FCF6253DAE1}" type="datetime1">
+              <a:rPr lang="de-DE" smtClean="0"/>
+              <a:t>27.10.2019</a:t>
+            </a:fld>
+            <a:endParaRPr lang="de-DE"/>
+          </a:p>
+        </p:txBody>
+      </p:sp>
+      <p:sp>
+        <p:nvSpPr>
+          <p:cNvPr id="4" name="Fußzeilenplatzhalter 3">
+            <a:extLst>
+              <a:ext uri="{FF2B5EF4-FFF2-40B4-BE49-F238E27FC236}">
+                <a16:creationId xmlns:a16="http://schemas.microsoft.com/office/drawing/2014/main" id="{51A71253-D448-4037-A6C3-CC7A6E9ED606}"/>
+              </a:ext>
+            </a:extLst>
+          </p:cNvPr>
+          <p:cNvSpPr>
+            <a:spLocks noGrp="1"/>
+          </p:cNvSpPr>
+          <p:nvPr>
+            <p:ph type="ftr" sz="quarter" idx="11"/>
+          </p:nvPr>
+        </p:nvSpPr>
+        <p:spPr/>
+        <p:txBody>
+          <a:bodyPr/>
+          <a:lstStyle/>
+          <a:p>
+            <a:r>
+              <a:rPr lang="de-DE"/>
+              <a:t>Krieger</a:t>
+            </a:r>
+          </a:p>
+        </p:txBody>
+      </p:sp>
+      <p:sp>
+        <p:nvSpPr>
+          <p:cNvPr id="5" name="Foliennummernplatzhalter 4">
+            <a:extLst>
+              <a:ext uri="{FF2B5EF4-FFF2-40B4-BE49-F238E27FC236}">
+                <a16:creationId xmlns:a16="http://schemas.microsoft.com/office/drawing/2014/main" id="{992697C4-33D6-4C2A-899B-084BD779AC26}"/>
+              </a:ext>
+            </a:extLst>
+          </p:cNvPr>
+          <p:cNvSpPr>
+            <a:spLocks noGrp="1"/>
+          </p:cNvSpPr>
+          <p:nvPr>
+            <p:ph type="sldNum" sz="quarter" idx="12"/>
+          </p:nvPr>
+        </p:nvSpPr>
+        <p:spPr/>
+        <p:txBody>
+          <a:bodyPr/>
+          <a:lstStyle/>
+          <a:p>
+            <a:fld id="{75F11FD4-B355-4EAB-967C-DBC12644FBDE}" type="slidenum">
+              <a:rPr lang="de-DE" smtClean="0"/>
+              <a:t>5</a:t>
+            </a:fld>
+            <a:endParaRPr lang="de-DE"/>
+          </a:p>
+        </p:txBody>
+      </p:sp>
+      <p:sp>
+        <p:nvSpPr>
+          <p:cNvPr id="6" name="Textplatzhalter 5">
+            <a:extLst>
+              <a:ext uri="{FF2B5EF4-FFF2-40B4-BE49-F238E27FC236}">
+                <a16:creationId xmlns:a16="http://schemas.microsoft.com/office/drawing/2014/main" id="{1A510F3A-C4AF-4836-9FB5-83584A0F6635}"/>
+              </a:ext>
+            </a:extLst>
+          </p:cNvPr>
+          <p:cNvSpPr>
+            <a:spLocks noGrp="1"/>
+          </p:cNvSpPr>
+          <p:nvPr>
+            <p:ph type="body" sz="quarter" idx="14"/>
+          </p:nvPr>
+        </p:nvSpPr>
+        <p:spPr/>
+        <p:txBody>
+          <a:bodyPr/>
+          <a:lstStyle/>
+          <a:p>
+            <a:endParaRPr lang="de-DE"/>
+          </a:p>
+        </p:txBody>
+      </p:sp>
+      <p:sp>
+        <p:nvSpPr>
+          <p:cNvPr id="7" name="Textplatzhalter 6">
+            <a:extLst>
+              <a:ext uri="{FF2B5EF4-FFF2-40B4-BE49-F238E27FC236}">
+                <a16:creationId xmlns:a16="http://schemas.microsoft.com/office/drawing/2014/main" id="{46D27D0F-F653-4CA3-A806-3F3747C8305D}"/>
+              </a:ext>
+            </a:extLst>
+          </p:cNvPr>
+          <p:cNvSpPr>
+            <a:spLocks noGrp="1"/>
+          </p:cNvSpPr>
+          <p:nvPr>
+            <p:ph type="body" sz="quarter" idx="13"/>
+          </p:nvPr>
+        </p:nvSpPr>
+        <p:spPr>
+          <a:xfrm>
+            <a:off x="3889510" y="681037"/>
+            <a:ext cx="4412980" cy="571500"/>
+          </a:xfrm>
+        </p:spPr>
+        <p:txBody>
+          <a:bodyPr/>
+          <a:lstStyle/>
+          <a:p>
+            <a:r>
+              <a:rPr lang="de-DE" dirty="0"/>
+              <a:t>MySQL Anbindung</a:t>
+            </a:r>
+          </a:p>
+        </p:txBody>
+      </p:sp>
+    </p:spTree>
+    <p:extLst>
+      <p:ext uri="{BB962C8B-B14F-4D97-AF65-F5344CB8AC3E}">
+        <p14:creationId xmlns:p14="http://schemas.microsoft.com/office/powerpoint/2010/main" val="4100918803"/>
+      </p:ext>
+    </p:extLst>
+  </p:cSld>
+  <p:clrMapOvr>
+    <a:masterClrMapping/>
+  </p:clrMapOvr>
+</p:sld>
+</file>
+
+<file path=ppt/slides/slide6.xml><?xml version="1.0" encoding="utf-8"?>
+<p:sld xmlns:a="http://schemas.openxmlformats.org/drawingml/2006/main" xmlns:r="http://schemas.openxmlformats.org/officeDocument/2006/relationships" xmlns:p="http://schemas.openxmlformats.org/presentationml/2006/main">
+  <p:cSld>
+    <p:spTree>
+      <p:nvGrpSpPr>
+        <p:cNvPr id="1" name=""/>
+        <p:cNvGrpSpPr/>
+        <p:nvPr/>
+      </p:nvGrpSpPr>
+      <p:grpSpPr>
+        <a:xfrm>
+          <a:off x="0" y="0"/>
+          <a:ext cx="0" cy="0"/>
+          <a:chOff x="0" y="0"/>
+          <a:chExt cx="0" cy="0"/>
+        </a:xfrm>
+      </p:grpSpPr>
+      <p:sp>
+        <p:nvSpPr>
+          <p:cNvPr id="2" name="Inhaltsplatzhalter 1">
+            <a:extLst>
+              <a:ext uri="{FF2B5EF4-FFF2-40B4-BE49-F238E27FC236}">
+                <a16:creationId xmlns:a16="http://schemas.microsoft.com/office/drawing/2014/main" id="{0B13E24B-FBB7-4D83-AAD2-9118F2562E26}"/>
+              </a:ext>
+            </a:extLst>
+          </p:cNvPr>
+          <p:cNvSpPr>
+            <a:spLocks noGrp="1"/>
+          </p:cNvSpPr>
+          <p:nvPr>
+            <p:ph idx="1"/>
+          </p:nvPr>
+        </p:nvSpPr>
+        <p:spPr/>
+        <p:txBody>
+          <a:bodyPr/>
+          <a:lstStyle/>
+          <a:p>
+            <a:endParaRPr lang="de-DE"/>
+          </a:p>
+        </p:txBody>
+      </p:sp>
+      <p:sp>
+        <p:nvSpPr>
+          <p:cNvPr id="3" name="Datumsplatzhalter 2">
+            <a:extLst>
+              <a:ext uri="{FF2B5EF4-FFF2-40B4-BE49-F238E27FC236}">
+                <a16:creationId xmlns:a16="http://schemas.microsoft.com/office/drawing/2014/main" id="{FFC878E0-6CD5-458F-B9BA-6E3C6F358F90}"/>
+              </a:ext>
+            </a:extLst>
+          </p:cNvPr>
+          <p:cNvSpPr>
+            <a:spLocks noGrp="1"/>
+          </p:cNvSpPr>
+          <p:nvPr>
+            <p:ph type="dt" sz="half" idx="10"/>
+          </p:nvPr>
+        </p:nvSpPr>
+        <p:spPr/>
+        <p:txBody>
+          <a:bodyPr/>
+          <a:lstStyle/>
+          <a:p>
+            <a:fld id="{46C1CA06-F658-4220-8BC8-8FCF6253DAE1}" type="datetime1">
+              <a:rPr lang="de-DE" smtClean="0"/>
+              <a:t>27.10.2019</a:t>
+            </a:fld>
+            <a:endParaRPr lang="de-DE"/>
+          </a:p>
+        </p:txBody>
+      </p:sp>
+      <p:sp>
+        <p:nvSpPr>
+          <p:cNvPr id="4" name="Fußzeilenplatzhalter 3">
+            <a:extLst>
+              <a:ext uri="{FF2B5EF4-FFF2-40B4-BE49-F238E27FC236}">
+                <a16:creationId xmlns:a16="http://schemas.microsoft.com/office/drawing/2014/main" id="{D8C400B5-8E53-452E-87B4-BA9C43958C58}"/>
+              </a:ext>
+            </a:extLst>
+          </p:cNvPr>
+          <p:cNvSpPr>
+            <a:spLocks noGrp="1"/>
+          </p:cNvSpPr>
+          <p:nvPr>
+            <p:ph type="ftr" sz="quarter" idx="11"/>
+          </p:nvPr>
+        </p:nvSpPr>
+        <p:spPr/>
+        <p:txBody>
+          <a:bodyPr/>
+          <a:lstStyle/>
+          <a:p>
+            <a:r>
+              <a:rPr lang="de-DE"/>
+              <a:t>Krieger</a:t>
+            </a:r>
+          </a:p>
+        </p:txBody>
+      </p:sp>
+      <p:sp>
+        <p:nvSpPr>
+          <p:cNvPr id="5" name="Foliennummernplatzhalter 4">
+            <a:extLst>
+              <a:ext uri="{FF2B5EF4-FFF2-40B4-BE49-F238E27FC236}">
+                <a16:creationId xmlns:a16="http://schemas.microsoft.com/office/drawing/2014/main" id="{FFF6272D-B2F5-4D4A-8BE2-FDC78D3C4CB1}"/>
+              </a:ext>
+            </a:extLst>
+          </p:cNvPr>
+          <p:cNvSpPr>
+            <a:spLocks noGrp="1"/>
+          </p:cNvSpPr>
+          <p:nvPr>
+            <p:ph type="sldNum" sz="quarter" idx="12"/>
+          </p:nvPr>
+        </p:nvSpPr>
+        <p:spPr/>
+        <p:txBody>
+          <a:bodyPr/>
+          <a:lstStyle/>
+          <a:p>
+            <a:fld id="{75F11FD4-B355-4EAB-967C-DBC12644FBDE}" type="slidenum">
+              <a:rPr lang="de-DE" smtClean="0"/>
+              <a:t>6</a:t>
+            </a:fld>
+            <a:endParaRPr lang="de-DE"/>
+          </a:p>
+        </p:txBody>
+      </p:sp>
+      <p:sp>
+        <p:nvSpPr>
+          <p:cNvPr id="6" name="Textplatzhalter 5">
+            <a:extLst>
+              <a:ext uri="{FF2B5EF4-FFF2-40B4-BE49-F238E27FC236}">
+                <a16:creationId xmlns:a16="http://schemas.microsoft.com/office/drawing/2014/main" id="{27CB312E-8440-4D49-9195-E27AE78EF5D9}"/>
+              </a:ext>
+            </a:extLst>
+          </p:cNvPr>
+          <p:cNvSpPr>
+            <a:spLocks noGrp="1"/>
+          </p:cNvSpPr>
+          <p:nvPr>
+            <p:ph type="body" sz="quarter" idx="14"/>
+          </p:nvPr>
+        </p:nvSpPr>
+        <p:spPr/>
+        <p:txBody>
+          <a:bodyPr/>
+          <a:lstStyle/>
+          <a:p>
+            <a:r>
+              <a:rPr lang="de-DE" dirty="0"/>
+              <a:t>Welche wurden umgesetzt?</a:t>
+            </a:r>
+          </a:p>
+        </p:txBody>
+      </p:sp>
+      <p:sp>
+        <p:nvSpPr>
+          <p:cNvPr id="7" name="Textplatzhalter 6">
+            <a:extLst>
+              <a:ext uri="{FF2B5EF4-FFF2-40B4-BE49-F238E27FC236}">
+                <a16:creationId xmlns:a16="http://schemas.microsoft.com/office/drawing/2014/main" id="{0DACF167-7935-480F-A4D8-24AB942E276A}"/>
+              </a:ext>
+            </a:extLst>
+          </p:cNvPr>
+          <p:cNvSpPr>
+            <a:spLocks noGrp="1"/>
+          </p:cNvSpPr>
+          <p:nvPr>
+            <p:ph type="body" sz="quarter" idx="13"/>
+          </p:nvPr>
+        </p:nvSpPr>
+        <p:spPr/>
+        <p:txBody>
+          <a:bodyPr/>
+          <a:lstStyle/>
+          <a:p>
+            <a:r>
+              <a:rPr lang="de-DE" dirty="0"/>
+              <a:t>Funktionen</a:t>
+            </a:r>
+          </a:p>
+        </p:txBody>
+      </p:sp>
+    </p:spTree>
+    <p:extLst>
+      <p:ext uri="{BB962C8B-B14F-4D97-AF65-F5344CB8AC3E}">
+        <p14:creationId xmlns:p14="http://schemas.microsoft.com/office/powerpoint/2010/main" val="3207530046"/>
+      </p:ext>
+    </p:extLst>
+  </p:cSld>
+  <p:clrMapOvr>
+    <a:masterClrMapping/>
+  </p:clrMapOvr>
+</p:sld>
+</file>
+
+<file path=ppt/slides/slide7.xml><?xml version="1.0" encoding="utf-8"?>
+<p:sld xmlns:a="http://schemas.openxmlformats.org/drawingml/2006/main" xmlns:r="http://schemas.openxmlformats.org/officeDocument/2006/relationships" xmlns:p="http://schemas.openxmlformats.org/presentationml/2006/main">
+  <p:cSld>
+    <p:spTree>
+      <p:nvGrpSpPr>
+        <p:cNvPr id="1" name=""/>
+        <p:cNvGrpSpPr/>
+        <p:nvPr/>
+      </p:nvGrpSpPr>
+      <p:grpSpPr>
+        <a:xfrm>
+          <a:off x="0" y="0"/>
+          <a:ext cx="0" cy="0"/>
+          <a:chOff x="0" y="0"/>
+          <a:chExt cx="0" cy="0"/>
+        </a:xfrm>
+      </p:grpSpPr>
+      <p:sp>
+        <p:nvSpPr>
+          <p:cNvPr id="2" name="Inhaltsplatzhalter 1">
+            <a:extLst>
+              <a:ext uri="{FF2B5EF4-FFF2-40B4-BE49-F238E27FC236}">
+                <a16:creationId xmlns:a16="http://schemas.microsoft.com/office/drawing/2014/main" id="{E612BD94-F616-47A5-8A8A-2BA1E8A73F9F}"/>
+              </a:ext>
+            </a:extLst>
+          </p:cNvPr>
+          <p:cNvSpPr>
+            <a:spLocks noGrp="1"/>
+          </p:cNvSpPr>
+          <p:nvPr>
+            <p:ph idx="1"/>
+          </p:nvPr>
+        </p:nvSpPr>
+        <p:spPr/>
+        <p:txBody>
+          <a:bodyPr/>
+          <a:lstStyle/>
+          <a:p>
+            <a:endParaRPr lang="de-DE"/>
+          </a:p>
+        </p:txBody>
+      </p:sp>
+      <p:sp>
+        <p:nvSpPr>
+          <p:cNvPr id="3" name="Datumsplatzhalter 2">
+            <a:extLst>
+              <a:ext uri="{FF2B5EF4-FFF2-40B4-BE49-F238E27FC236}">
+                <a16:creationId xmlns:a16="http://schemas.microsoft.com/office/drawing/2014/main" id="{EE5559E5-2018-41BC-A0BB-9DDC76DFF886}"/>
+              </a:ext>
+            </a:extLst>
+          </p:cNvPr>
+          <p:cNvSpPr>
+            <a:spLocks noGrp="1"/>
+          </p:cNvSpPr>
+          <p:nvPr>
+            <p:ph type="dt" sz="half" idx="10"/>
+          </p:nvPr>
+        </p:nvSpPr>
+        <p:spPr/>
+        <p:txBody>
+          <a:bodyPr/>
+          <a:lstStyle/>
+          <a:p>
+            <a:fld id="{46C1CA06-F658-4220-8BC8-8FCF6253DAE1}" type="datetime1">
+              <a:rPr lang="de-DE" smtClean="0"/>
+              <a:t>27.10.2019</a:t>
+            </a:fld>
+            <a:endParaRPr lang="de-DE"/>
+          </a:p>
+        </p:txBody>
+      </p:sp>
+      <p:sp>
+        <p:nvSpPr>
+          <p:cNvPr id="4" name="Fußzeilenplatzhalter 3">
+            <a:extLst>
+              <a:ext uri="{FF2B5EF4-FFF2-40B4-BE49-F238E27FC236}">
+                <a16:creationId xmlns:a16="http://schemas.microsoft.com/office/drawing/2014/main" id="{D736E08B-8C68-40E8-A5E4-6C7E60964722}"/>
+              </a:ext>
+            </a:extLst>
+          </p:cNvPr>
+          <p:cNvSpPr>
+            <a:spLocks noGrp="1"/>
+          </p:cNvSpPr>
+          <p:nvPr>
+            <p:ph type="ftr" sz="quarter" idx="11"/>
+          </p:nvPr>
+        </p:nvSpPr>
+        <p:spPr/>
+        <p:txBody>
+          <a:bodyPr/>
+          <a:lstStyle/>
+          <a:p>
+            <a:r>
+              <a:rPr lang="de-DE"/>
+              <a:t>Krieger</a:t>
+            </a:r>
+          </a:p>
+        </p:txBody>
+      </p:sp>
+      <p:sp>
+        <p:nvSpPr>
+          <p:cNvPr id="5" name="Foliennummernplatzhalter 4">
+            <a:extLst>
+              <a:ext uri="{FF2B5EF4-FFF2-40B4-BE49-F238E27FC236}">
+                <a16:creationId xmlns:a16="http://schemas.microsoft.com/office/drawing/2014/main" id="{AA67B7CD-8F4B-431E-8B55-2317E6212962}"/>
+              </a:ext>
+            </a:extLst>
+          </p:cNvPr>
+          <p:cNvSpPr>
+            <a:spLocks noGrp="1"/>
+          </p:cNvSpPr>
+          <p:nvPr>
+            <p:ph type="sldNum" sz="quarter" idx="12"/>
+          </p:nvPr>
+        </p:nvSpPr>
+        <p:spPr/>
+        <p:txBody>
+          <a:bodyPr/>
+          <a:lstStyle/>
+          <a:p>
+            <a:fld id="{75F11FD4-B355-4EAB-967C-DBC12644FBDE}" type="slidenum">
+              <a:rPr lang="de-DE" smtClean="0"/>
+              <a:t>7</a:t>
+            </a:fld>
+            <a:endParaRPr lang="de-DE"/>
+          </a:p>
+        </p:txBody>
+      </p:sp>
+      <p:sp>
+        <p:nvSpPr>
+          <p:cNvPr id="6" name="Textplatzhalter 5">
+            <a:extLst>
+              <a:ext uri="{FF2B5EF4-FFF2-40B4-BE49-F238E27FC236}">
+                <a16:creationId xmlns:a16="http://schemas.microsoft.com/office/drawing/2014/main" id="{69E79B6C-557E-4A59-A4F6-7B03BEC86559}"/>
+              </a:ext>
+            </a:extLst>
+          </p:cNvPr>
+          <p:cNvSpPr>
+            <a:spLocks noGrp="1"/>
+          </p:cNvSpPr>
+          <p:nvPr>
+            <p:ph type="body" sz="quarter" idx="14"/>
+          </p:nvPr>
+        </p:nvSpPr>
+        <p:spPr/>
+        <p:txBody>
+          <a:bodyPr/>
+          <a:lstStyle/>
+          <a:p>
+            <a:endParaRPr lang="de-DE"/>
+          </a:p>
+        </p:txBody>
+      </p:sp>
+      <p:sp>
+        <p:nvSpPr>
+          <p:cNvPr id="7" name="Textplatzhalter 6">
+            <a:extLst>
+              <a:ext uri="{FF2B5EF4-FFF2-40B4-BE49-F238E27FC236}">
+                <a16:creationId xmlns:a16="http://schemas.microsoft.com/office/drawing/2014/main" id="{47B40ACF-4003-405E-9F06-FF8CCE97C464}"/>
+              </a:ext>
+            </a:extLst>
+          </p:cNvPr>
+          <p:cNvSpPr>
+            <a:spLocks noGrp="1"/>
+          </p:cNvSpPr>
+          <p:nvPr>
+            <p:ph type="body" sz="quarter" idx="13"/>
+          </p:nvPr>
+        </p:nvSpPr>
+        <p:spPr/>
+        <p:txBody>
+          <a:bodyPr/>
+          <a:lstStyle/>
+          <a:p>
+            <a:endParaRPr lang="de-DE"/>
+          </a:p>
+        </p:txBody>
+      </p:sp>
+    </p:spTree>
+    <p:extLst>
+      <p:ext uri="{BB962C8B-B14F-4D97-AF65-F5344CB8AC3E}">
+        <p14:creationId xmlns:p14="http://schemas.microsoft.com/office/powerpoint/2010/main" val="2452283257"/>
+      </p:ext>
+    </p:extLst>
+  </p:cSld>
+  <p:clrMapOvr>
+    <a:masterClrMapping/>
+  </p:clrMapOvr>
+</p:sld>
+</file>
+
+<file path=ppt/slides/slide8.xml><?xml version="1.0" encoding="utf-8"?>
+<p:sld xmlns:a="http://schemas.openxmlformats.org/drawingml/2006/main" xmlns:r="http://schemas.openxmlformats.org/officeDocument/2006/relationships" xmlns:p="http://schemas.openxmlformats.org/presentationml/2006/main">
+  <p:cSld>
+    <p:spTree>
+      <p:nvGrpSpPr>
+        <p:cNvPr id="1" name=""/>
+        <p:cNvGrpSpPr/>
+        <p:nvPr/>
+      </p:nvGrpSpPr>
+      <p:grpSpPr>
+        <a:xfrm>
+          <a:off x="0" y="0"/>
+          <a:ext cx="0" cy="0"/>
+          <a:chOff x="0" y="0"/>
+          <a:chExt cx="0" cy="0"/>
+        </a:xfrm>
+      </p:grpSpPr>
+      <p:sp>
+        <p:nvSpPr>
+          <p:cNvPr id="3" name="Datumsplatzhalter 2">
+            <a:extLst>
+              <a:ext uri="{FF2B5EF4-FFF2-40B4-BE49-F238E27FC236}">
+                <a16:creationId xmlns:a16="http://schemas.microsoft.com/office/drawing/2014/main" id="{C94A59A8-70ED-4BAD-910E-265A8357FBD7}"/>
+              </a:ext>
+            </a:extLst>
+          </p:cNvPr>
+          <p:cNvSpPr>
+            <a:spLocks noGrp="1"/>
+          </p:cNvSpPr>
+          <p:nvPr>
+            <p:ph type="dt" sz="half" idx="10"/>
+          </p:nvPr>
+        </p:nvSpPr>
+        <p:spPr/>
+        <p:txBody>
+          <a:bodyPr/>
+          <a:lstStyle/>
+          <a:p>
+            <a:fld id="{46C1CA06-F658-4220-8BC8-8FCF6253DAE1}" type="datetime1">
+              <a:rPr lang="de-DE" smtClean="0"/>
+              <a:t>27.10.2019</a:t>
+            </a:fld>
+            <a:endParaRPr lang="de-DE"/>
+          </a:p>
+        </p:txBody>
+      </p:sp>
+      <p:sp>
+        <p:nvSpPr>
+          <p:cNvPr id="4" name="Fußzeilenplatzhalter 3">
+            <a:extLst>
+              <a:ext uri="{FF2B5EF4-FFF2-40B4-BE49-F238E27FC236}">
+                <a16:creationId xmlns:a16="http://schemas.microsoft.com/office/drawing/2014/main" id="{AF301653-F5EC-4843-8E82-4E8196372726}"/>
+              </a:ext>
+            </a:extLst>
+          </p:cNvPr>
+          <p:cNvSpPr>
+            <a:spLocks noGrp="1"/>
+          </p:cNvSpPr>
+          <p:nvPr>
+            <p:ph type="ftr" sz="quarter" idx="11"/>
+          </p:nvPr>
+        </p:nvSpPr>
+        <p:spPr/>
+        <p:txBody>
+          <a:bodyPr/>
+          <a:lstStyle/>
+          <a:p>
+            <a:r>
+              <a:rPr lang="de-DE"/>
+              <a:t>Krieger</a:t>
+            </a:r>
+          </a:p>
+        </p:txBody>
+      </p:sp>
+      <p:sp>
+        <p:nvSpPr>
+          <p:cNvPr id="5" name="Foliennummernplatzhalter 4">
+            <a:extLst>
+              <a:ext uri="{FF2B5EF4-FFF2-40B4-BE49-F238E27FC236}">
+                <a16:creationId xmlns:a16="http://schemas.microsoft.com/office/drawing/2014/main" id="{9950CACA-C4A9-4357-8DDB-E002739AF8F2}"/>
+              </a:ext>
+            </a:extLst>
+          </p:cNvPr>
+          <p:cNvSpPr>
+            <a:spLocks noGrp="1"/>
+          </p:cNvSpPr>
+          <p:nvPr>
+            <p:ph type="sldNum" sz="quarter" idx="12"/>
+          </p:nvPr>
+        </p:nvSpPr>
+        <p:spPr/>
+        <p:txBody>
+          <a:bodyPr/>
+          <a:lstStyle/>
+          <a:p>
+            <a:fld id="{75F11FD4-B355-4EAB-967C-DBC12644FBDE}" type="slidenum">
+              <a:rPr lang="de-DE" smtClean="0"/>
+              <a:t>8</a:t>
+            </a:fld>
+            <a:endParaRPr lang="de-DE"/>
+          </a:p>
+        </p:txBody>
+      </p:sp>
+      <p:pic>
+        <p:nvPicPr>
+          <p:cNvPr id="17" name="Grafik 16" descr="Hilfe">
+            <a:extLst>
+              <a:ext uri="{FF2B5EF4-FFF2-40B4-BE49-F238E27FC236}">
+                <a16:creationId xmlns:a16="http://schemas.microsoft.com/office/drawing/2014/main" id="{75BCB99A-2926-43DC-80D7-1D4DE70FB182}"/>
+              </a:ext>
+            </a:extLst>
+          </p:cNvPr>
+          <p:cNvPicPr>
+            <a:picLocks noChangeAspect="1"/>
+          </p:cNvPicPr>
+          <p:nvPr/>
+        </p:nvPicPr>
+        <p:blipFill>
+          <a:blip r:embed="rId2">
+            <a:extLst>
+              <a:ext uri="{28A0092B-C50C-407E-A947-70E740481C1C}">
+                <a14:useLocalDpi xmlns:a14="http://schemas.microsoft.com/office/drawing/2010/main" val="0"/>
+              </a:ext>
+              <a:ext uri="{96DAC541-7B7A-43D3-8B79-37D633B846F1}">
+                <asvg:svgBlip xmlns:asvg="http://schemas.microsoft.com/office/drawing/2016/SVG/main" r:embed="rId3"/>
+              </a:ext>
+            </a:extLst>
+          </a:blip>
+          <a:stretch>
+            <a:fillRect/>
+          </a:stretch>
+        </p:blipFill>
+        <p:spPr>
+          <a:xfrm rot="213742">
+            <a:off x="5020328" y="2742173"/>
+            <a:ext cx="1620416" cy="1620416"/>
+          </a:xfrm>
+          <a:prstGeom prst="rect">
+            <a:avLst/>
+          </a:prstGeom>
+        </p:spPr>
+      </p:pic>
+      <p:sp>
+        <p:nvSpPr>
+          <p:cNvPr id="18" name="Textfeld 17">
+            <a:extLst>
+              <a:ext uri="{FF2B5EF4-FFF2-40B4-BE49-F238E27FC236}">
+                <a16:creationId xmlns:a16="http://schemas.microsoft.com/office/drawing/2014/main" id="{350A684C-F70D-49AF-93D0-D1FC562D9DE5}"/>
+              </a:ext>
+            </a:extLst>
+          </p:cNvPr>
+          <p:cNvSpPr txBox="1"/>
+          <p:nvPr/>
+        </p:nvSpPr>
+        <p:spPr>
+          <a:xfrm>
+            <a:off x="1999861" y="601180"/>
+            <a:ext cx="8192278" cy="646331"/>
+          </a:xfrm>
+          <a:prstGeom prst="rect">
+            <a:avLst/>
+          </a:prstGeom>
+          <a:noFill/>
+        </p:spPr>
+        <p:txBody>
+          <a:bodyPr wrap="square" rtlCol="0">
+            <a:spAutoFit/>
+          </a:bodyPr>
+          <a:lstStyle/>
+          <a:p>
+            <a:r>
+              <a:rPr lang="de-DE" sz="3600" b="1" dirty="0">
+                <a:latin typeface="Trebuchet MS" panose="020B0603020202020204" pitchFamily="34" charset="0"/>
+              </a:rPr>
+              <a:t>Vielen Dank für die Aufmerksamkeit!</a:t>
+            </a:r>
+          </a:p>
+        </p:txBody>
+      </p:sp>
+      <p:sp>
+        <p:nvSpPr>
+          <p:cNvPr id="19" name="Textfeld 18">
+            <a:extLst>
+              <a:ext uri="{FF2B5EF4-FFF2-40B4-BE49-F238E27FC236}">
+                <a16:creationId xmlns:a16="http://schemas.microsoft.com/office/drawing/2014/main" id="{F8094067-86D9-4382-A4B9-7480948ECA41}"/>
+              </a:ext>
+            </a:extLst>
+          </p:cNvPr>
+          <p:cNvSpPr txBox="1"/>
+          <p:nvPr/>
+        </p:nvSpPr>
+        <p:spPr>
+          <a:xfrm rot="20921754">
+            <a:off x="1156968" y="2828835"/>
+            <a:ext cx="3521151" cy="1200329"/>
+          </a:xfrm>
+          <a:prstGeom prst="rect">
+            <a:avLst/>
+          </a:prstGeom>
+          <a:noFill/>
+        </p:spPr>
+        <p:txBody>
+          <a:bodyPr wrap="square" rtlCol="0">
+            <a:spAutoFit/>
+          </a:bodyPr>
+          <a:lstStyle/>
+          <a:p>
+            <a:pPr algn="ctr"/>
+            <a:r>
+              <a:rPr lang="de-DE" sz="7200" dirty="0">
+                <a:latin typeface="Trebuchet MS" panose="020B0603020202020204" pitchFamily="34" charset="0"/>
+              </a:rPr>
+              <a:t>Fragen?</a:t>
+            </a:r>
+          </a:p>
+        </p:txBody>
+      </p:sp>
+    </p:spTree>
+    <p:extLst>
+      <p:ext uri="{BB962C8B-B14F-4D97-AF65-F5344CB8AC3E}">
+        <p14:creationId xmlns:p14="http://schemas.microsoft.com/office/powerpoint/2010/main" val="4036384226"/>
       </p:ext>
     </p:extLst>
   </p:cSld>

--- a/Dokumentation/Präsentation.pptx
+++ b/Dokumentation/Präsentation.pptx
@@ -204,7 +204,7 @@
           <a:p>
             <a:fld id="{7B7A28CD-82A6-451A-9ECC-C5B68CB99823}" type="datetimeFigureOut">
               <a:rPr lang="de-DE" smtClean="0"/>
-              <a:t>27.10.2019</a:t>
+              <a:t>28.10.2019</a:t>
             </a:fld>
             <a:endParaRPr lang="de-DE"/>
           </a:p>
@@ -886,7 +886,7 @@
           <a:p>
             <a:fld id="{64F9F675-049C-4039-886A-7641A3ED83AA}" type="datetime1">
               <a:rPr lang="de-DE" smtClean="0"/>
-              <a:t>27.10.2019</a:t>
+              <a:t>28.10.2019</a:t>
             </a:fld>
             <a:endParaRPr lang="de-DE" dirty="0"/>
           </a:p>
@@ -1068,7 +1068,7 @@
           <a:p>
             <a:fld id="{EF008B3B-8C86-4F35-BCD4-3D71CCC6220B}" type="datetime1">
               <a:rPr lang="de-DE" smtClean="0"/>
-              <a:t>27.10.2019</a:t>
+              <a:t>28.10.2019</a:t>
             </a:fld>
             <a:endParaRPr lang="de-DE"/>
           </a:p>
@@ -1522,7 +1522,7 @@
           <a:p>
             <a:fld id="{46C1CA06-F658-4220-8BC8-8FCF6253DAE1}" type="datetime1">
               <a:rPr lang="de-DE" smtClean="0"/>
-              <a:t>27.10.2019</a:t>
+              <a:t>28.10.2019</a:t>
             </a:fld>
             <a:endParaRPr lang="de-DE"/>
           </a:p>
@@ -2314,7 +2314,7 @@
           <a:p>
             <a:fld id="{4F6382F7-6B8A-47B3-AA70-C81E5D8F4180}" type="datetime1">
               <a:rPr lang="de-DE" smtClean="0"/>
-              <a:t>27.10.2019</a:t>
+              <a:t>28.10.2019</a:t>
             </a:fld>
             <a:endParaRPr lang="de-DE"/>
           </a:p>
@@ -3026,7 +3026,7 @@
           <a:p>
             <a:fld id="{6CFE6BEC-159F-4167-8F4D-D508A4F668F1}" type="datetime1">
               <a:rPr lang="de-DE" smtClean="0"/>
-              <a:t>27.10.2019</a:t>
+              <a:t>28.10.2019</a:t>
             </a:fld>
             <a:endParaRPr lang="de-DE"/>
           </a:p>
@@ -3457,7 +3457,7 @@
           <a:p>
             <a:fld id="{0650A090-A051-46A1-8797-56EEC00D0A83}" type="datetime1">
               <a:rPr lang="de-DE" smtClean="0"/>
-              <a:t>27.10.2019</a:t>
+              <a:t>28.10.2019</a:t>
             </a:fld>
             <a:endParaRPr lang="de-DE"/>
           </a:p>
@@ -3889,7 +3889,7 @@
           <a:p>
             <a:fld id="{76147A52-9CE4-4E84-B5AD-2E19D43BDEB9}" type="datetime1">
               <a:rPr lang="de-DE" smtClean="0"/>
-              <a:t>27.10.2019</a:t>
+              <a:t>28.10.2019</a:t>
             </a:fld>
             <a:endParaRPr lang="de-DE"/>
           </a:p>
@@ -4292,7 +4292,7 @@
           <a:p>
             <a:fld id="{088C7F9A-48FF-4E97-A5D8-34ABB2AA95D7}" type="datetime1">
               <a:rPr lang="de-DE" smtClean="0"/>
-              <a:t>27.10.2019</a:t>
+              <a:t>28.10.2019</a:t>
             </a:fld>
             <a:endParaRPr lang="de-DE"/>
           </a:p>
@@ -4743,7 +4743,7 @@
           <a:p>
             <a:fld id="{89EBD14D-9873-4385-9F14-4BFEE858A98C}" type="datetime1">
               <a:rPr lang="de-DE" smtClean="0"/>
-              <a:t>27.10.2019</a:t>
+              <a:t>28.10.2019</a:t>
             </a:fld>
             <a:endParaRPr lang="de-DE" dirty="0"/>
           </a:p>
@@ -5622,170 +5622,127 @@
       </p:grpSpPr>
       <p:sp>
         <p:nvSpPr>
-          <p:cNvPr id="2" name="Titel 1">
-            <a:extLst>
-              <a:ext uri="{FF2B5EF4-FFF2-40B4-BE49-F238E27FC236}">
-                <a16:creationId xmlns:a16="http://schemas.microsoft.com/office/drawing/2014/main" id="{27C45069-0848-4B78-B73F-FF3BD843C446}"/>
-              </a:ext>
-            </a:extLst>
-          </p:cNvPr>
-          <p:cNvSpPr>
-            <a:spLocks noGrp="1"/>
-          </p:cNvSpPr>
-          <p:nvPr>
-            <p:ph type="ctrTitle" idx="4294967295"/>
-          </p:nvPr>
-        </p:nvSpPr>
+          <p:cNvPr id="5" name="Datumsplatzhalter 4">
+            <a:extLst>
+              <a:ext uri="{FF2B5EF4-FFF2-40B4-BE49-F238E27FC236}">
+                <a16:creationId xmlns:a16="http://schemas.microsoft.com/office/drawing/2014/main" id="{14A00891-DB46-4377-B203-CEE67B900F1C}"/>
+              </a:ext>
+            </a:extLst>
+          </p:cNvPr>
+          <p:cNvSpPr>
+            <a:spLocks noGrp="1"/>
+          </p:cNvSpPr>
+          <p:nvPr>
+            <p:ph type="dt" sz="half" idx="10"/>
+          </p:nvPr>
+        </p:nvSpPr>
+        <p:spPr/>
+        <p:txBody>
+          <a:bodyPr/>
+          <a:lstStyle/>
+          <a:p>
+            <a:fld id="{F91931D6-F9D8-406D-9851-24FA674187DB}" type="datetime1">
+              <a:rPr lang="de-DE" smtClean="0"/>
+              <a:t>28.10.2019</a:t>
+            </a:fld>
+            <a:endParaRPr lang="de-DE" dirty="0"/>
+          </a:p>
+        </p:txBody>
+      </p:sp>
+      <p:sp>
+        <p:nvSpPr>
+          <p:cNvPr id="4" name="Fußzeilenplatzhalter 3">
+            <a:extLst>
+              <a:ext uri="{FF2B5EF4-FFF2-40B4-BE49-F238E27FC236}">
+                <a16:creationId xmlns:a16="http://schemas.microsoft.com/office/drawing/2014/main" id="{0D7257E5-CAC7-4582-8DB2-9B4BA3E4793C}"/>
+              </a:ext>
+            </a:extLst>
+          </p:cNvPr>
+          <p:cNvSpPr>
+            <a:spLocks noGrp="1"/>
+          </p:cNvSpPr>
+          <p:nvPr>
+            <p:ph type="ftr" sz="quarter" idx="11"/>
+          </p:nvPr>
+        </p:nvSpPr>
+        <p:spPr/>
+        <p:txBody>
+          <a:bodyPr/>
+          <a:lstStyle/>
+          <a:p>
+            <a:r>
+              <a:rPr lang="de-DE"/>
+              <a:t>Krieger</a:t>
+            </a:r>
+            <a:endParaRPr lang="de-DE" dirty="0"/>
+          </a:p>
+        </p:txBody>
+      </p:sp>
+      <p:sp>
+        <p:nvSpPr>
+          <p:cNvPr id="6" name="Foliennummernplatzhalter 5">
+            <a:extLst>
+              <a:ext uri="{FF2B5EF4-FFF2-40B4-BE49-F238E27FC236}">
+                <a16:creationId xmlns:a16="http://schemas.microsoft.com/office/drawing/2014/main" id="{5BFE090F-1008-47A2-9114-FF36426B1890}"/>
+              </a:ext>
+            </a:extLst>
+          </p:cNvPr>
+          <p:cNvSpPr>
+            <a:spLocks noGrp="1"/>
+          </p:cNvSpPr>
+          <p:nvPr>
+            <p:ph type="sldNum" sz="quarter" idx="12"/>
+          </p:nvPr>
+        </p:nvSpPr>
+        <p:spPr/>
+        <p:txBody>
+          <a:bodyPr/>
+          <a:lstStyle/>
+          <a:p>
+            <a:fld id="{75F11FD4-B355-4EAB-967C-DBC12644FBDE}" type="slidenum">
+              <a:rPr lang="de-DE" smtClean="0"/>
+              <a:t>1</a:t>
+            </a:fld>
+            <a:endParaRPr lang="de-DE"/>
+          </a:p>
+        </p:txBody>
+      </p:sp>
+      <p:pic>
+        <p:nvPicPr>
+          <p:cNvPr id="14" name="Grafik 13">
+            <a:extLst>
+              <a:ext uri="{FF2B5EF4-FFF2-40B4-BE49-F238E27FC236}">
+                <a16:creationId xmlns:a16="http://schemas.microsoft.com/office/drawing/2014/main" id="{B001B99B-4D7C-4E77-87C7-7CE31938CB39}"/>
+              </a:ext>
+            </a:extLst>
+          </p:cNvPr>
+          <p:cNvPicPr>
+            <a:picLocks noChangeAspect="1"/>
+          </p:cNvPicPr>
+          <p:nvPr/>
+        </p:nvPicPr>
+        <p:blipFill>
+          <a:blip r:embed="rId2">
+            <a:extLst>
+              <a:ext uri="{28A0092B-C50C-407E-A947-70E740481C1C}">
+                <a14:useLocalDpi xmlns:a14="http://schemas.microsoft.com/office/drawing/2010/main" val="0"/>
+              </a:ext>
+            </a:extLst>
+          </a:blip>
+          <a:stretch>
+            <a:fillRect/>
+          </a:stretch>
+        </p:blipFill>
         <p:spPr>
           <a:xfrm>
-            <a:off x="433432" y="2716271"/>
-            <a:ext cx="9144000" cy="2387600"/>
+            <a:off x="2019300" y="774204"/>
+            <a:ext cx="8153400" cy="924116"/>
           </a:xfrm>
           <a:prstGeom prst="rect">
             <a:avLst/>
           </a:prstGeom>
         </p:spPr>
-        <p:txBody>
-          <a:bodyPr/>
-          <a:lstStyle/>
-          <a:p>
-            <a:r>
-              <a:rPr lang="de-DE" dirty="0">
-                <a:latin typeface="Trebuchet MS" panose="020B0603020202020204" pitchFamily="34" charset="0"/>
-              </a:rPr>
-              <a:t>Nordwind - Tool</a:t>
-            </a:r>
-          </a:p>
-        </p:txBody>
-      </p:sp>
-      <p:sp>
-        <p:nvSpPr>
-          <p:cNvPr id="3" name="Untertitel 2">
-            <a:extLst>
-              <a:ext uri="{FF2B5EF4-FFF2-40B4-BE49-F238E27FC236}">
-                <a16:creationId xmlns:a16="http://schemas.microsoft.com/office/drawing/2014/main" id="{E9AE94FA-9FF7-4B49-9E54-51B273E201CD}"/>
-              </a:ext>
-            </a:extLst>
-          </p:cNvPr>
-          <p:cNvSpPr>
-            <a:spLocks noGrp="1"/>
-          </p:cNvSpPr>
-          <p:nvPr>
-            <p:ph type="subTitle" idx="4294967295"/>
-          </p:nvPr>
-        </p:nvSpPr>
-        <p:spPr>
-          <a:xfrm>
-            <a:off x="1121328" y="3313885"/>
-            <a:ext cx="9144000" cy="1655762"/>
-          </a:xfrm>
-          <a:prstGeom prst="rect">
-            <a:avLst/>
-          </a:prstGeom>
-        </p:spPr>
-        <p:txBody>
-          <a:bodyPr/>
-          <a:lstStyle/>
-          <a:p>
-            <a:pPr marL="0" indent="0">
-              <a:buNone/>
-            </a:pPr>
-            <a:r>
-              <a:rPr lang="de-DE" dirty="0">
-                <a:latin typeface="Trebuchet MS" panose="020B0603020202020204" pitchFamily="34" charset="0"/>
-              </a:rPr>
-              <a:t>Programmieren</a:t>
-            </a:r>
-          </a:p>
-        </p:txBody>
-      </p:sp>
-      <p:sp>
-        <p:nvSpPr>
-          <p:cNvPr id="4" name="Fußzeilenplatzhalter 3">
-            <a:extLst>
-              <a:ext uri="{FF2B5EF4-FFF2-40B4-BE49-F238E27FC236}">
-                <a16:creationId xmlns:a16="http://schemas.microsoft.com/office/drawing/2014/main" id="{0D7257E5-CAC7-4582-8DB2-9B4BA3E4793C}"/>
-              </a:ext>
-            </a:extLst>
-          </p:cNvPr>
-          <p:cNvSpPr>
-            <a:spLocks noGrp="1"/>
-          </p:cNvSpPr>
-          <p:nvPr>
-            <p:ph type="ftr" sz="quarter" idx="17"/>
-          </p:nvPr>
-        </p:nvSpPr>
-        <p:spPr/>
-        <p:txBody>
-          <a:bodyPr/>
-          <a:lstStyle/>
-          <a:p>
-            <a:r>
-              <a:rPr lang="de-DE"/>
-              <a:t>Krieger</a:t>
-            </a:r>
-            <a:endParaRPr lang="de-DE" dirty="0"/>
-          </a:p>
-        </p:txBody>
-      </p:sp>
-      <p:sp>
-        <p:nvSpPr>
-          <p:cNvPr id="5" name="Datumsplatzhalter 4">
-            <a:extLst>
-              <a:ext uri="{FF2B5EF4-FFF2-40B4-BE49-F238E27FC236}">
-                <a16:creationId xmlns:a16="http://schemas.microsoft.com/office/drawing/2014/main" id="{14A00891-DB46-4377-B203-CEE67B900F1C}"/>
-              </a:ext>
-            </a:extLst>
-          </p:cNvPr>
-          <p:cNvSpPr>
-            <a:spLocks noGrp="1"/>
-          </p:cNvSpPr>
-          <p:nvPr>
-            <p:ph type="dt" sz="half" idx="16"/>
-          </p:nvPr>
-        </p:nvSpPr>
-        <p:spPr/>
-        <p:txBody>
-          <a:bodyPr/>
-          <a:lstStyle/>
-          <a:p>
-            <a:fld id="{F91931D6-F9D8-406D-9851-24FA674187DB}" type="datetime1">
-              <a:rPr lang="de-DE" smtClean="0"/>
-              <a:t>27.10.2019</a:t>
-            </a:fld>
-            <a:endParaRPr lang="de-DE" dirty="0"/>
-          </a:p>
-        </p:txBody>
-      </p:sp>
-      <p:sp>
-        <p:nvSpPr>
-          <p:cNvPr id="6" name="Foliennummernplatzhalter 5">
-            <a:extLst>
-              <a:ext uri="{FF2B5EF4-FFF2-40B4-BE49-F238E27FC236}">
-                <a16:creationId xmlns:a16="http://schemas.microsoft.com/office/drawing/2014/main" id="{5BFE090F-1008-47A2-9114-FF36426B1890}"/>
-              </a:ext>
-            </a:extLst>
-          </p:cNvPr>
-          <p:cNvSpPr>
-            <a:spLocks noGrp="1"/>
-          </p:cNvSpPr>
-          <p:nvPr>
-            <p:ph type="sldNum" sz="quarter" idx="18"/>
-          </p:nvPr>
-        </p:nvSpPr>
-        <p:spPr/>
-        <p:txBody>
-          <a:bodyPr/>
-          <a:lstStyle/>
-          <a:p>
-            <a:fld id="{75F11FD4-B355-4EAB-967C-DBC12644FBDE}" type="slidenum">
-              <a:rPr lang="de-DE" smtClean="0"/>
-              <a:t>1</a:t>
-            </a:fld>
-            <a:endParaRPr lang="de-DE"/>
-          </a:p>
-        </p:txBody>
-      </p:sp>
+      </p:pic>
     </p:spTree>
     <p:extLst>
       <p:ext uri="{BB962C8B-B14F-4D97-AF65-F5344CB8AC3E}">
@@ -5818,18 +5775,18 @@
       </p:grpSpPr>
       <p:sp>
         <p:nvSpPr>
-          <p:cNvPr id="7" name="Inhaltsplatzhalter 6">
-            <a:extLst>
-              <a:ext uri="{FF2B5EF4-FFF2-40B4-BE49-F238E27FC236}">
-                <a16:creationId xmlns:a16="http://schemas.microsoft.com/office/drawing/2014/main" id="{665AFDDF-3642-4A22-94BB-F41C6493BAD0}"/>
-              </a:ext>
-            </a:extLst>
-          </p:cNvPr>
-          <p:cNvSpPr>
-            <a:spLocks noGrp="1"/>
-          </p:cNvSpPr>
-          <p:nvPr>
-            <p:ph idx="1"/>
+          <p:cNvPr id="8" name="Textplatzhalter 7">
+            <a:extLst>
+              <a:ext uri="{FF2B5EF4-FFF2-40B4-BE49-F238E27FC236}">
+                <a16:creationId xmlns:a16="http://schemas.microsoft.com/office/drawing/2014/main" id="{E2F5A0EC-FEBD-43AA-8600-2BDED6280966}"/>
+              </a:ext>
+            </a:extLst>
+          </p:cNvPr>
+          <p:cNvSpPr>
+            <a:spLocks noGrp="1"/>
+          </p:cNvSpPr>
+          <p:nvPr>
+            <p:ph type="body" idx="1"/>
           </p:nvPr>
         </p:nvSpPr>
         <p:spPr/>
@@ -5839,30 +5796,25 @@
           <a:p>
             <a:r>
               <a:rPr lang="de-DE" dirty="0"/>
-              <a:t>Datensätze </a:t>
-            </a:r>
-            <a:r>
-              <a:rPr lang="de-DE" dirty="0" err="1"/>
-              <a:t>blabla</a:t>
-            </a:r>
-            <a:endParaRPr lang="de-DE" dirty="0"/>
-          </a:p>
-        </p:txBody>
-      </p:sp>
-      <p:sp>
-        <p:nvSpPr>
-          <p:cNvPr id="3" name="Datumsplatzhalter 2">
-            <a:extLst>
-              <a:ext uri="{FF2B5EF4-FFF2-40B4-BE49-F238E27FC236}">
-                <a16:creationId xmlns:a16="http://schemas.microsoft.com/office/drawing/2014/main" id="{98745DA7-4AE3-4FEC-8998-6BFBE67DF235}"/>
-              </a:ext>
-            </a:extLst>
-          </p:cNvPr>
-          <p:cNvSpPr>
-            <a:spLocks noGrp="1"/>
-          </p:cNvSpPr>
-          <p:nvPr>
-            <p:ph type="dt" sz="half" idx="10"/>
+              <a:t>Data Manipulation</a:t>
+            </a:r>
+          </a:p>
+        </p:txBody>
+      </p:sp>
+      <p:sp>
+        <p:nvSpPr>
+          <p:cNvPr id="10" name="Inhaltsplatzhalter 9">
+            <a:extLst>
+              <a:ext uri="{FF2B5EF4-FFF2-40B4-BE49-F238E27FC236}">
+                <a16:creationId xmlns:a16="http://schemas.microsoft.com/office/drawing/2014/main" id="{A1FFB197-E2B8-49D0-8F36-3D9BC81D35B5}"/>
+              </a:ext>
+            </a:extLst>
+          </p:cNvPr>
+          <p:cNvSpPr>
+            <a:spLocks noGrp="1"/>
+          </p:cNvSpPr>
+          <p:nvPr>
+            <p:ph sz="half" idx="2"/>
           </p:nvPr>
         </p:nvSpPr>
         <p:spPr/>
@@ -5870,9 +5822,142 @@
           <a:bodyPr/>
           <a:lstStyle/>
           <a:p>
+            <a:r>
+              <a:rPr lang="de-DE" dirty="0"/>
+              <a:t>Datensätze anlegen (</a:t>
+            </a:r>
+            <a:r>
+              <a:rPr lang="de-DE" dirty="0" err="1"/>
+              <a:t>insert</a:t>
+            </a:r>
+            <a:r>
+              <a:rPr lang="de-DE" dirty="0"/>
+              <a:t>)</a:t>
+            </a:r>
+          </a:p>
+          <a:p>
+            <a:r>
+              <a:rPr lang="de-DE" dirty="0"/>
+              <a:t>Datensätze editieren ()</a:t>
+            </a:r>
+          </a:p>
+          <a:p>
+            <a:r>
+              <a:rPr lang="de-DE" dirty="0"/>
+              <a:t>Datensätze löschen()</a:t>
+            </a:r>
+          </a:p>
+          <a:p>
+            <a:r>
+              <a:rPr lang="de-DE" dirty="0"/>
+              <a:t>Datensätze abfragen(</a:t>
+            </a:r>
+            <a:r>
+              <a:rPr lang="de-DE" dirty="0" err="1"/>
+              <a:t>select</a:t>
+            </a:r>
+            <a:r>
+              <a:rPr lang="de-DE" dirty="0"/>
+              <a:t>)</a:t>
+            </a:r>
+          </a:p>
+        </p:txBody>
+      </p:sp>
+      <p:sp>
+        <p:nvSpPr>
+          <p:cNvPr id="9" name="Textplatzhalter 8">
+            <a:extLst>
+              <a:ext uri="{FF2B5EF4-FFF2-40B4-BE49-F238E27FC236}">
+                <a16:creationId xmlns:a16="http://schemas.microsoft.com/office/drawing/2014/main" id="{8908980C-224F-4EA3-B939-F87CF2C1C5D5}"/>
+              </a:ext>
+            </a:extLst>
+          </p:cNvPr>
+          <p:cNvSpPr>
+            <a:spLocks noGrp="1"/>
+          </p:cNvSpPr>
+          <p:nvPr>
+            <p:ph type="body" sz="quarter" idx="3"/>
+          </p:nvPr>
+        </p:nvSpPr>
+        <p:spPr/>
+        <p:txBody>
+          <a:bodyPr/>
+          <a:lstStyle/>
+          <a:p>
+            <a:r>
+              <a:rPr lang="de-DE" dirty="0"/>
+              <a:t>Data Control</a:t>
+            </a:r>
+          </a:p>
+        </p:txBody>
+      </p:sp>
+      <p:sp>
+        <p:nvSpPr>
+          <p:cNvPr id="11" name="Inhaltsplatzhalter 10">
+            <a:extLst>
+              <a:ext uri="{FF2B5EF4-FFF2-40B4-BE49-F238E27FC236}">
+                <a16:creationId xmlns:a16="http://schemas.microsoft.com/office/drawing/2014/main" id="{000B7AB7-605B-4B58-84DF-6A9F6DBA5A46}"/>
+              </a:ext>
+            </a:extLst>
+          </p:cNvPr>
+          <p:cNvSpPr>
+            <a:spLocks noGrp="1"/>
+          </p:cNvSpPr>
+          <p:nvPr>
+            <p:ph sz="quarter" idx="4"/>
+          </p:nvPr>
+        </p:nvSpPr>
+        <p:spPr/>
+        <p:txBody>
+          <a:bodyPr/>
+          <a:lstStyle/>
+          <a:p>
+            <a:r>
+              <a:rPr lang="de-DE" dirty="0"/>
+              <a:t>Benutzer erstellen</a:t>
+            </a:r>
+          </a:p>
+          <a:p>
+            <a:r>
+              <a:rPr lang="de-DE" dirty="0"/>
+              <a:t>Benutzern Rechte zuweisen</a:t>
+            </a:r>
+          </a:p>
+          <a:p>
+            <a:r>
+              <a:rPr lang="de-DE" dirty="0"/>
+              <a:t>Benutzern Rechte widerrufen</a:t>
+            </a:r>
+          </a:p>
+          <a:p>
+            <a:endParaRPr lang="de-DE" dirty="0"/>
+          </a:p>
+        </p:txBody>
+      </p:sp>
+      <p:sp>
+        <p:nvSpPr>
+          <p:cNvPr id="3" name="Datumsplatzhalter 2">
+            <a:extLst>
+              <a:ext uri="{FF2B5EF4-FFF2-40B4-BE49-F238E27FC236}">
+                <a16:creationId xmlns:a16="http://schemas.microsoft.com/office/drawing/2014/main" id="{98745DA7-4AE3-4FEC-8998-6BFBE67DF235}"/>
+              </a:ext>
+            </a:extLst>
+          </p:cNvPr>
+          <p:cNvSpPr>
+            <a:spLocks noGrp="1"/>
+          </p:cNvSpPr>
+          <p:nvPr>
+            <p:ph type="dt" sz="half" idx="10"/>
+          </p:nvPr>
+        </p:nvSpPr>
+        <p:spPr/>
+        <p:txBody>
+          <a:bodyPr/>
+          <a:lstStyle/>
+          <a:p>
             <a:fld id="{EF008B3B-8C86-4F35-BCD4-3D71CCC6220B}" type="datetime1">
               <a:rPr lang="de-DE" smtClean="0"/>
-              <a:t>27.10.2019</a:t>
+              <a:t>28.10.2019</a:t>
             </a:fld>
             <a:endParaRPr lang="de-DE"/>
           </a:p>
@@ -5937,10 +6022,10 @@
       </p:sp>
       <p:sp>
         <p:nvSpPr>
-          <p:cNvPr id="9" name="Textplatzhalter 8">
-            <a:extLst>
-              <a:ext uri="{FF2B5EF4-FFF2-40B4-BE49-F238E27FC236}">
-                <a16:creationId xmlns:a16="http://schemas.microsoft.com/office/drawing/2014/main" id="{8908980C-224F-4EA3-B939-F87CF2C1C5D5}"/>
+          <p:cNvPr id="13" name="Textplatzhalter 12">
+            <a:extLst>
+              <a:ext uri="{FF2B5EF4-FFF2-40B4-BE49-F238E27FC236}">
+                <a16:creationId xmlns:a16="http://schemas.microsoft.com/office/drawing/2014/main" id="{2EDD0FD2-B80B-4994-BB92-67379E1E50E3}"/>
               </a:ext>
             </a:extLst>
           </p:cNvPr>
@@ -5958,17 +6043,17 @@
           <a:p>
             <a:r>
               <a:rPr lang="de-DE" dirty="0"/>
-              <a:t>Was war geplant?</a:t>
-            </a:r>
-          </a:p>
-        </p:txBody>
-      </p:sp>
-      <p:sp>
-        <p:nvSpPr>
-          <p:cNvPr id="8" name="Textplatzhalter 7">
-            <a:extLst>
-              <a:ext uri="{FF2B5EF4-FFF2-40B4-BE49-F238E27FC236}">
-                <a16:creationId xmlns:a16="http://schemas.microsoft.com/office/drawing/2014/main" id="{E2F5A0EC-FEBD-43AA-8600-2BDED6280966}"/>
+              <a:t>Planung</a:t>
+            </a:r>
+          </a:p>
+        </p:txBody>
+      </p:sp>
+      <p:sp>
+        <p:nvSpPr>
+          <p:cNvPr id="12" name="Textplatzhalter 11">
+            <a:extLst>
+              <a:ext uri="{FF2B5EF4-FFF2-40B4-BE49-F238E27FC236}">
+                <a16:creationId xmlns:a16="http://schemas.microsoft.com/office/drawing/2014/main" id="{94B3AFD3-8A51-41DC-84D8-8A31A1EE8810}"/>
               </a:ext>
             </a:extLst>
           </p:cNvPr>
@@ -5986,7 +6071,7 @@
           <a:p>
             <a:r>
               <a:rPr lang="de-DE" dirty="0"/>
-              <a:t>Funktionen</a:t>
+              <a:t>Hauptfunktionen</a:t>
             </a:r>
           </a:p>
         </p:txBody>
@@ -6044,7 +6129,7 @@
           <a:p>
             <a:fld id="{46C1CA06-F658-4220-8BC8-8FCF6253DAE1}" type="datetime1">
               <a:rPr lang="de-DE" smtClean="0"/>
-              <a:t>27.10.2019</a:t>
+              <a:t>28.10.2019</a:t>
             </a:fld>
             <a:endParaRPr lang="de-DE"/>
           </a:p>
@@ -6191,8 +6276,8 @@
         </p:blipFill>
         <p:spPr>
           <a:xfrm>
-            <a:off x="6723078" y="2488379"/>
-            <a:ext cx="914400" cy="914400"/>
+            <a:off x="9887035" y="2027529"/>
+            <a:ext cx="1466765" cy="1466765"/>
           </a:xfrm>
           <a:prstGeom prst="rect">
             <a:avLst/>
@@ -6230,8 +6315,8 @@
         </p:blipFill>
         <p:spPr>
           <a:xfrm>
-            <a:off x="4127967" y="4288330"/>
-            <a:ext cx="914400" cy="914400"/>
+            <a:off x="5219904" y="4028663"/>
+            <a:ext cx="1371915" cy="1371915"/>
           </a:xfrm>
           <a:prstGeom prst="rect">
             <a:avLst/>
@@ -6265,8 +6350,8 @@
         </p:blipFill>
         <p:spPr>
           <a:xfrm>
-            <a:off x="729145" y="2569670"/>
-            <a:ext cx="866090" cy="798670"/>
+            <a:off x="838200" y="2221142"/>
+            <a:ext cx="1170671" cy="1079541"/>
           </a:xfrm>
           <a:prstGeom prst="rect">
             <a:avLst/>
@@ -6287,8 +6372,8 @@
         </p:nvSpPr>
         <p:spPr>
           <a:xfrm>
-            <a:off x="7637478" y="2760913"/>
-            <a:ext cx="2743199" cy="369332"/>
+            <a:off x="7343863" y="2514285"/>
+            <a:ext cx="2743199" cy="646331"/>
           </a:xfrm>
           <a:prstGeom prst="rect">
             <a:avLst/>
@@ -6301,25 +6386,31 @@
           </a:bodyPr>
           <a:lstStyle/>
           <a:p>
-            <a:pPr marL="285750" indent="-285750">
-              <a:buFont typeface="Arial" panose="020B0604020202020204" pitchFamily="34" charset="0"/>
-              <a:buChar char="•"/>
-            </a:pPr>
-            <a:r>
-              <a:rPr lang="de-DE" dirty="0">
+            <a:pPr algn="r"/>
+            <a:r>
+              <a:rPr lang="de-DE" b="1" dirty="0">
                 <a:latin typeface="Trebuchet MS" panose="020B0603020202020204" pitchFamily="34" charset="0"/>
               </a:rPr>
-              <a:t>XX+ Stunden Arbeit</a:t>
-            </a:r>
-          </a:p>
-        </p:txBody>
-      </p:sp>
-      <p:sp>
-        <p:nvSpPr>
-          <p:cNvPr id="25" name="Textfeld 24">
-            <a:extLst>
-              <a:ext uri="{FF2B5EF4-FFF2-40B4-BE49-F238E27FC236}">
-                <a16:creationId xmlns:a16="http://schemas.microsoft.com/office/drawing/2014/main" id="{E6AA44D2-E355-4203-B4E1-4A17478327E7}"/>
+              <a:t>12 Stunden Arbeit</a:t>
+            </a:r>
+          </a:p>
+          <a:p>
+            <a:pPr algn="r"/>
+            <a:r>
+              <a:rPr lang="de-DE" b="1" dirty="0">
+                <a:latin typeface="Trebuchet MS" panose="020B0603020202020204" pitchFamily="34" charset="0"/>
+              </a:rPr>
+              <a:t>in 13 Tagen</a:t>
+            </a:r>
+          </a:p>
+        </p:txBody>
+      </p:sp>
+      <p:sp>
+        <p:nvSpPr>
+          <p:cNvPr id="2" name="Textfeld 1">
+            <a:extLst>
+              <a:ext uri="{FF2B5EF4-FFF2-40B4-BE49-F238E27FC236}">
+                <a16:creationId xmlns:a16="http://schemas.microsoft.com/office/drawing/2014/main" id="{7F233625-02B2-49BE-924A-E9C4F16578CD}"/>
               </a:ext>
             </a:extLst>
           </p:cNvPr>
@@ -6328,8 +6419,8 @@
         </p:nvSpPr>
         <p:spPr>
           <a:xfrm>
-            <a:off x="1727435" y="2655998"/>
-            <a:ext cx="4018326" cy="923330"/>
+            <a:off x="2008872" y="2182482"/>
+            <a:ext cx="3432990" cy="1200329"/>
           </a:xfrm>
           <a:prstGeom prst="rect">
             <a:avLst/>
@@ -6343,48 +6434,59 @@
           <a:lstStyle/>
           <a:p>
             <a:pPr marL="285750" indent="-285750">
-              <a:buFont typeface="Arial" panose="020B0604020202020204" pitchFamily="34" charset="0"/>
-              <a:buChar char="•"/>
+              <a:buFont typeface="Wingdings" panose="05000000000000000000" pitchFamily="2" charset="2"/>
+              <a:buChar char="Ø"/>
             </a:pPr>
             <a:r>
-              <a:rPr lang="de-DE" dirty="0">
+              <a:rPr lang="de-DE" b="1" dirty="0">
                 <a:latin typeface="Trebuchet MS" panose="020B0603020202020204" pitchFamily="34" charset="0"/>
               </a:rPr>
-              <a:t>1233 Zeilen (davon XXXX Code)</a:t>
+              <a:t>1234 Zeilen in 2 Dateien</a:t>
             </a:r>
           </a:p>
           <a:p>
             <a:pPr marL="285750" indent="-285750">
-              <a:buFont typeface="Arial" panose="020B0604020202020204" pitchFamily="34" charset="0"/>
-              <a:buChar char="•"/>
+              <a:buFont typeface="Wingdings" panose="05000000000000000000" pitchFamily="2" charset="2"/>
+              <a:buChar char="Ø"/>
             </a:pPr>
             <a:r>
-              <a:rPr lang="de-DE" dirty="0">
+              <a:rPr lang="de-DE" b="1" dirty="0">
                 <a:latin typeface="Trebuchet MS" panose="020B0603020202020204" pitchFamily="34" charset="0"/>
               </a:rPr>
-              <a:t>123 Objekte</a:t>
-            </a:r>
-          </a:p>
-          <a:p>
-            <a:pPr marL="285750" indent="-285750">
-              <a:buFont typeface="Arial" panose="020B0604020202020204" pitchFamily="34" charset="0"/>
-              <a:buChar char="•"/>
-            </a:pPr>
-            <a:r>
-              <a:rPr lang="de-DE" dirty="0">
+              <a:t>123 Objekte instanziiert</a:t>
+            </a:r>
+            <a:br>
+              <a:rPr lang="de-DE" b="1" dirty="0">
                 <a:latin typeface="Trebuchet MS" panose="020B0603020202020204" pitchFamily="34" charset="0"/>
               </a:rPr>
-              <a:t>XY Klassen</a:t>
-            </a:r>
-          </a:p>
-        </p:txBody>
-      </p:sp>
-      <p:sp>
-        <p:nvSpPr>
-          <p:cNvPr id="26" name="Textfeld 25">
-            <a:extLst>
-              <a:ext uri="{FF2B5EF4-FFF2-40B4-BE49-F238E27FC236}">
-                <a16:creationId xmlns:a16="http://schemas.microsoft.com/office/drawing/2014/main" id="{1A3633BC-ACF6-4DC1-9069-BD4EFAB3486A}"/>
+            </a:br>
+            <a:r>
+              <a:rPr lang="de-DE" b="1" dirty="0">
+                <a:latin typeface="Trebuchet MS" panose="020B0603020202020204" pitchFamily="34" charset="0"/>
+              </a:rPr>
+              <a:t>(davon XX Swing Elemente)</a:t>
+            </a:r>
+          </a:p>
+          <a:p>
+            <a:pPr marL="285750" indent="-285750">
+              <a:buFont typeface="Wingdings" panose="05000000000000000000" pitchFamily="2" charset="2"/>
+              <a:buChar char="Ø"/>
+            </a:pPr>
+            <a:r>
+              <a:rPr lang="de-DE" b="1" dirty="0">
+                <a:latin typeface="Trebuchet MS" panose="020B0603020202020204" pitchFamily="34" charset="0"/>
+              </a:rPr>
+              <a:t>2 Klassen</a:t>
+            </a:r>
+          </a:p>
+        </p:txBody>
+      </p:sp>
+      <p:sp>
+        <p:nvSpPr>
+          <p:cNvPr id="8" name="Textfeld 7">
+            <a:extLst>
+              <a:ext uri="{FF2B5EF4-FFF2-40B4-BE49-F238E27FC236}">
+                <a16:creationId xmlns:a16="http://schemas.microsoft.com/office/drawing/2014/main" id="{19CBB9A3-E737-41E5-BE16-30E002E2AB8F}"/>
               </a:ext>
             </a:extLst>
           </p:cNvPr>
@@ -6393,8 +6495,8 @@
         </p:nvSpPr>
         <p:spPr>
           <a:xfrm>
-            <a:off x="5011723" y="4422364"/>
-            <a:ext cx="4018326" cy="646331"/>
+            <a:off x="3581400" y="4282975"/>
+            <a:ext cx="2106336" cy="923330"/>
           </a:xfrm>
           <a:prstGeom prst="rect">
             <a:avLst/>
@@ -6407,9 +6509,20 @@
           </a:bodyPr>
           <a:lstStyle/>
           <a:p>
+            <a:r>
+              <a:rPr lang="de-DE" b="1" i="1" dirty="0" err="1">
+                <a:latin typeface="Trebuchet MS" panose="020B0603020202020204" pitchFamily="34" charset="0"/>
+              </a:rPr>
+              <a:t>nordwind_tool</a:t>
+            </a:r>
+            <a:endParaRPr lang="de-DE" b="1" i="1" dirty="0">
+              <a:latin typeface="Trebuchet MS" panose="020B0603020202020204" pitchFamily="34" charset="0"/>
+            </a:endParaRPr>
+          </a:p>
+          <a:p>
             <a:pPr marL="285750" indent="-285750">
-              <a:buFont typeface="Arial" panose="020B0604020202020204" pitchFamily="34" charset="0"/>
-              <a:buChar char="•"/>
+              <a:buFont typeface="Wingdings" panose="05000000000000000000" pitchFamily="2" charset="2"/>
+              <a:buChar char="Ø"/>
             </a:pPr>
             <a:r>
               <a:rPr lang="de-DE" dirty="0">
@@ -6420,280 +6533,85 @@
           </a:p>
           <a:p>
             <a:pPr marL="285750" indent="-285750">
-              <a:buFont typeface="Arial" panose="020B0604020202020204" pitchFamily="34" charset="0"/>
-              <a:buChar char="•"/>
+              <a:buFont typeface="Wingdings" panose="05000000000000000000" pitchFamily="2" charset="2"/>
+              <a:buChar char="Ø"/>
             </a:pPr>
             <a:r>
               <a:rPr lang="de-DE" dirty="0">
                 <a:latin typeface="Trebuchet MS" panose="020B0603020202020204" pitchFamily="34" charset="0"/>
               </a:rPr>
-              <a:t>X Attribute</a:t>
-            </a:r>
-          </a:p>
-        </p:txBody>
-      </p:sp>
-    </p:spTree>
-    <p:extLst>
-      <p:ext uri="{BB962C8B-B14F-4D97-AF65-F5344CB8AC3E}">
-        <p14:creationId xmlns:p14="http://schemas.microsoft.com/office/powerpoint/2010/main" val="4170800329"/>
-      </p:ext>
-    </p:extLst>
-  </p:cSld>
-  <p:clrMapOvr>
-    <a:masterClrMapping/>
-  </p:clrMapOvr>
-</p:sld>
-</file>
-
-<file path=ppt/slides/slide4.xml><?xml version="1.0" encoding="utf-8"?>
-<p:sld xmlns:a="http://schemas.openxmlformats.org/drawingml/2006/main" xmlns:r="http://schemas.openxmlformats.org/officeDocument/2006/relationships" xmlns:p="http://schemas.openxmlformats.org/presentationml/2006/main">
-  <p:cSld>
-    <p:spTree>
-      <p:nvGrpSpPr>
-        <p:cNvPr id="1" name=""/>
-        <p:cNvGrpSpPr/>
-        <p:nvPr/>
-      </p:nvGrpSpPr>
-      <p:grpSpPr>
-        <a:xfrm>
-          <a:off x="0" y="0"/>
-          <a:ext cx="0" cy="0"/>
-          <a:chOff x="0" y="0"/>
-          <a:chExt cx="0" cy="0"/>
-        </a:xfrm>
-      </p:grpSpPr>
-      <p:pic>
-        <p:nvPicPr>
-          <p:cNvPr id="10" name="Inhaltsplatzhalter 9" descr="Radierer">
-            <a:extLst>
-              <a:ext uri="{FF2B5EF4-FFF2-40B4-BE49-F238E27FC236}">
-                <a16:creationId xmlns:a16="http://schemas.microsoft.com/office/drawing/2014/main" id="{22879221-0D61-42C2-B21A-83B5134B4CDA}"/>
-              </a:ext>
-            </a:extLst>
-          </p:cNvPr>
-          <p:cNvPicPr>
-            <a:picLocks noGrp="1" noChangeAspect="1"/>
-          </p:cNvPicPr>
-          <p:nvPr>
-            <p:ph idx="1"/>
-          </p:nvPr>
-        </p:nvPicPr>
-        <p:blipFill>
-          <a:blip r:embed="rId2">
-            <a:extLst>
-              <a:ext uri="{28A0092B-C50C-407E-A947-70E740481C1C}">
-                <a14:useLocalDpi xmlns:a14="http://schemas.microsoft.com/office/drawing/2010/main" val="0"/>
-              </a:ext>
-              <a:ext uri="{96DAC541-7B7A-43D3-8B79-37D633B846F1}">
-                <asvg:svgBlip xmlns:asvg="http://schemas.microsoft.com/office/drawing/2016/SVG/main" r:embed="rId3"/>
-              </a:ext>
-            </a:extLst>
-          </a:blip>
-          <a:stretch>
-            <a:fillRect/>
-          </a:stretch>
-        </p:blipFill>
+              <a:t>6 Attribute</a:t>
+            </a:r>
+          </a:p>
+        </p:txBody>
+      </p:sp>
+      <p:sp>
+        <p:nvSpPr>
+          <p:cNvPr id="9" name="Rechteck 8">
+            <a:extLst>
+              <a:ext uri="{FF2B5EF4-FFF2-40B4-BE49-F238E27FC236}">
+                <a16:creationId xmlns:a16="http://schemas.microsoft.com/office/drawing/2014/main" id="{984BFA3D-D3E0-4D8F-9B48-80FE59EFB71C}"/>
+              </a:ext>
+            </a:extLst>
+          </p:cNvPr>
+          <p:cNvSpPr/>
+          <p:nvPr/>
+        </p:nvSpPr>
         <p:spPr>
           <a:xfrm>
-            <a:off x="4038600" y="3216923"/>
-            <a:ext cx="914400" cy="914400"/>
-          </a:xfrm>
-        </p:spPr>
-      </p:pic>
-      <p:sp>
-        <p:nvSpPr>
-          <p:cNvPr id="3" name="Datumsplatzhalter 2">
-            <a:extLst>
-              <a:ext uri="{FF2B5EF4-FFF2-40B4-BE49-F238E27FC236}">
-                <a16:creationId xmlns:a16="http://schemas.microsoft.com/office/drawing/2014/main" id="{131BBA1C-27C3-4109-972C-2C875FC99485}"/>
-              </a:ext>
-            </a:extLst>
-          </p:cNvPr>
-          <p:cNvSpPr>
-            <a:spLocks noGrp="1"/>
-          </p:cNvSpPr>
-          <p:nvPr>
-            <p:ph type="dt" sz="half" idx="10"/>
-          </p:nvPr>
-        </p:nvSpPr>
-        <p:spPr/>
-        <p:txBody>
-          <a:bodyPr/>
-          <a:lstStyle/>
-          <a:p>
-            <a:fld id="{46C1CA06-F658-4220-8BC8-8FCF6253DAE1}" type="datetime1">
-              <a:rPr lang="de-DE" smtClean="0"/>
-              <a:t>27.10.2019</a:t>
-            </a:fld>
-            <a:endParaRPr lang="de-DE"/>
-          </a:p>
-        </p:txBody>
-      </p:sp>
-      <p:sp>
-        <p:nvSpPr>
-          <p:cNvPr id="4" name="Fußzeilenplatzhalter 3">
-            <a:extLst>
-              <a:ext uri="{FF2B5EF4-FFF2-40B4-BE49-F238E27FC236}">
-                <a16:creationId xmlns:a16="http://schemas.microsoft.com/office/drawing/2014/main" id="{DA172F6D-6769-48D6-8731-586391C8D979}"/>
-              </a:ext>
-            </a:extLst>
-          </p:cNvPr>
-          <p:cNvSpPr>
-            <a:spLocks noGrp="1"/>
-          </p:cNvSpPr>
-          <p:nvPr>
-            <p:ph type="ftr" sz="quarter" idx="11"/>
-          </p:nvPr>
-        </p:nvSpPr>
-        <p:spPr/>
-        <p:txBody>
-          <a:bodyPr/>
-          <a:lstStyle/>
-          <a:p>
-            <a:r>
-              <a:rPr lang="de-DE"/>
-              <a:t>Krieger</a:t>
-            </a:r>
-          </a:p>
-        </p:txBody>
-      </p:sp>
-      <p:sp>
-        <p:nvSpPr>
-          <p:cNvPr id="5" name="Foliennummernplatzhalter 4">
-            <a:extLst>
-              <a:ext uri="{FF2B5EF4-FFF2-40B4-BE49-F238E27FC236}">
-                <a16:creationId xmlns:a16="http://schemas.microsoft.com/office/drawing/2014/main" id="{1823A0F4-1125-4174-91BB-CCF9ECDA24DE}"/>
-              </a:ext>
-            </a:extLst>
-          </p:cNvPr>
-          <p:cNvSpPr>
-            <a:spLocks noGrp="1"/>
-          </p:cNvSpPr>
-          <p:nvPr>
-            <p:ph type="sldNum" sz="quarter" idx="12"/>
-          </p:nvPr>
-        </p:nvSpPr>
-        <p:spPr/>
-        <p:txBody>
-          <a:bodyPr/>
-          <a:lstStyle/>
-          <a:p>
-            <a:fld id="{75F11FD4-B355-4EAB-967C-DBC12644FBDE}" type="slidenum">
-              <a:rPr lang="de-DE" smtClean="0"/>
-              <a:t>4</a:t>
-            </a:fld>
-            <a:endParaRPr lang="de-DE"/>
-          </a:p>
-        </p:txBody>
-      </p:sp>
-      <p:sp>
-        <p:nvSpPr>
-          <p:cNvPr id="6" name="Textplatzhalter 5">
-            <a:extLst>
-              <a:ext uri="{FF2B5EF4-FFF2-40B4-BE49-F238E27FC236}">
-                <a16:creationId xmlns:a16="http://schemas.microsoft.com/office/drawing/2014/main" id="{112417E2-F2E9-4935-BEDC-71D6F10B4E7A}"/>
-              </a:ext>
-            </a:extLst>
-          </p:cNvPr>
-          <p:cNvSpPr>
-            <a:spLocks noGrp="1"/>
-          </p:cNvSpPr>
-          <p:nvPr>
-            <p:ph type="body" sz="quarter" idx="14"/>
-          </p:nvPr>
-        </p:nvSpPr>
-        <p:spPr/>
-        <p:txBody>
-          <a:bodyPr/>
-          <a:lstStyle/>
-          <a:p>
-            <a:endParaRPr lang="de-DE" dirty="0"/>
-          </a:p>
-        </p:txBody>
-      </p:sp>
-      <p:sp>
-        <p:nvSpPr>
-          <p:cNvPr id="7" name="Textplatzhalter 6">
-            <a:extLst>
-              <a:ext uri="{FF2B5EF4-FFF2-40B4-BE49-F238E27FC236}">
-                <a16:creationId xmlns:a16="http://schemas.microsoft.com/office/drawing/2014/main" id="{5EB2F4EC-B864-4310-80DD-C6C453ADE386}"/>
-              </a:ext>
-            </a:extLst>
-          </p:cNvPr>
-          <p:cNvSpPr>
-            <a:spLocks noGrp="1"/>
-          </p:cNvSpPr>
-          <p:nvPr>
-            <p:ph type="body" sz="quarter" idx="13"/>
-          </p:nvPr>
-        </p:nvSpPr>
-        <p:spPr>
-          <a:xfrm>
-            <a:off x="2746861" y="681037"/>
-            <a:ext cx="6672743" cy="1366925"/>
-          </a:xfrm>
-        </p:spPr>
-        <p:txBody>
-          <a:bodyPr/>
-          <a:lstStyle/>
-          <a:p>
-            <a:pPr>
-              <a:spcBef>
-                <a:spcPts val="0"/>
-              </a:spcBef>
-            </a:pPr>
-            <a:r>
-              <a:rPr lang="de-DE" dirty="0">
-                <a:latin typeface="Trebuchet MS" panose="020B0603020202020204" pitchFamily="34" charset="0"/>
-              </a:rPr>
-              <a:t>Das Anmeldefenster</a:t>
-            </a:r>
-          </a:p>
-        </p:txBody>
-      </p:sp>
-      <p:pic>
-        <p:nvPicPr>
-          <p:cNvPr id="11" name="Inhaltsplatzhalter 9" descr="Radierer">
-            <a:extLst>
-              <a:ext uri="{FF2B5EF4-FFF2-40B4-BE49-F238E27FC236}">
-                <a16:creationId xmlns:a16="http://schemas.microsoft.com/office/drawing/2014/main" id="{0EE41EE6-5259-4045-91C5-ED8F22C8BAAA}"/>
-              </a:ext>
-            </a:extLst>
-          </p:cNvPr>
-          <p:cNvPicPr>
-            <a:picLocks noChangeAspect="1"/>
-          </p:cNvPicPr>
-          <p:nvPr/>
-        </p:nvPicPr>
-        <p:blipFill>
-          <a:blip r:embed="rId2">
-            <a:extLst>
-              <a:ext uri="{28A0092B-C50C-407E-A947-70E740481C1C}">
-                <a14:useLocalDpi xmlns:a14="http://schemas.microsoft.com/office/drawing/2010/main" val="0"/>
-              </a:ext>
-              <a:ext uri="{96DAC541-7B7A-43D3-8B79-37D633B846F1}">
-                <asvg:svgBlip xmlns:asvg="http://schemas.microsoft.com/office/drawing/2016/SVG/main" r:embed="rId3"/>
-              </a:ext>
-            </a:extLst>
-          </a:blip>
-          <a:stretch>
-            <a:fillRect/>
-          </a:stretch>
-        </p:blipFill>
-        <p:spPr>
-          <a:xfrm>
-            <a:off x="5638800" y="3429000"/>
-            <a:ext cx="914400" cy="914400"/>
+            <a:off x="6591819" y="4267633"/>
+            <a:ext cx="2453081" cy="923330"/>
           </a:xfrm>
           <a:prstGeom prst="rect">
             <a:avLst/>
           </a:prstGeom>
         </p:spPr>
-      </p:pic>
+        <p:txBody>
+          <a:bodyPr wrap="square">
+            <a:spAutoFit/>
+          </a:bodyPr>
+          <a:lstStyle/>
+          <a:p>
+            <a:r>
+              <a:rPr lang="de-DE" b="1" i="1" dirty="0" err="1">
+                <a:latin typeface="Trebuchet MS" panose="020B0603020202020204" pitchFamily="34" charset="0"/>
+              </a:rPr>
+              <a:t>nordwind</a:t>
+            </a:r>
+            <a:endParaRPr lang="de-DE" b="1" i="1" dirty="0">
+              <a:latin typeface="Trebuchet MS" panose="020B0603020202020204" pitchFamily="34" charset="0"/>
+            </a:endParaRPr>
+          </a:p>
+          <a:p>
+            <a:pPr marL="285750" indent="-285750">
+              <a:buFont typeface="Wingdings" panose="05000000000000000000" pitchFamily="2" charset="2"/>
+              <a:buChar char="Ø"/>
+            </a:pPr>
+            <a:r>
+              <a:rPr lang="de-DE" dirty="0">
+                <a:latin typeface="Trebuchet MS" panose="020B0603020202020204" pitchFamily="34" charset="0"/>
+              </a:rPr>
+              <a:t>7 Tabellen</a:t>
+            </a:r>
+          </a:p>
+          <a:p>
+            <a:pPr marL="285750" indent="-285750">
+              <a:buFont typeface="Wingdings" panose="05000000000000000000" pitchFamily="2" charset="2"/>
+              <a:buChar char="Ø"/>
+            </a:pPr>
+            <a:r>
+              <a:rPr lang="de-DE" dirty="0">
+                <a:latin typeface="Trebuchet MS" panose="020B0603020202020204" pitchFamily="34" charset="0"/>
+              </a:rPr>
+              <a:t>Insg. 123 Attribute</a:t>
+            </a:r>
+          </a:p>
+        </p:txBody>
+      </p:sp>
     </p:spTree>
     <p:extLst>
       <p:ext uri="{BB962C8B-B14F-4D97-AF65-F5344CB8AC3E}">
-        <p14:creationId xmlns:p14="http://schemas.microsoft.com/office/powerpoint/2010/main" val="1306647581"/>
+        <p14:creationId xmlns:p14="http://schemas.microsoft.com/office/powerpoint/2010/main" val="4170800329"/>
       </p:ext>
     </p:extLst>
   </p:cSld>
@@ -6721,7 +6639,7 @@
                             </p:stCondLst>
                             <p:childTnLst>
                               <p:par>
-                                <p:cTn id="5" presetID="10" presetClass="entr" presetSubtype="0" fill="hold" nodeType="clickEffect">
+                                <p:cTn id="5" presetID="42" presetClass="entr" presetSubtype="0" fill="hold" nodeType="clickEffect">
                                   <p:stCondLst>
                                     <p:cond delay="0"/>
                                   </p:stCondLst>
@@ -6734,7 +6652,7 @@
                                           </p:stCondLst>
                                         </p:cTn>
                                         <p:tgtEl>
-                                          <p:spTgt spid="10"/>
+                                          <p:spTgt spid="23"/>
                                         </p:tgtEl>
                                         <p:attrNameLst>
                                           <p:attrName>style.visibility</p:attrName>
@@ -6748,10 +6666,56 @@
                                       <p:cBhvr>
                                         <p:cTn id="7" dur="500"/>
                                         <p:tgtEl>
-                                          <p:spTgt spid="10"/>
+                                          <p:spTgt spid="23"/>
                                         </p:tgtEl>
                                       </p:cBhvr>
                                     </p:animEffect>
+                                    <p:anim calcmode="lin" valueType="num">
+                                      <p:cBhvr>
+                                        <p:cTn id="8" dur="500" fill="hold"/>
+                                        <p:tgtEl>
+                                          <p:spTgt spid="23"/>
+                                        </p:tgtEl>
+                                        <p:attrNameLst>
+                                          <p:attrName>ppt_x</p:attrName>
+                                        </p:attrNameLst>
+                                      </p:cBhvr>
+                                      <p:tavLst>
+                                        <p:tav tm="0">
+                                          <p:val>
+                                            <p:strVal val="#ppt_x"/>
+                                          </p:val>
+                                        </p:tav>
+                                        <p:tav tm="100000">
+                                          <p:val>
+                                            <p:strVal val="#ppt_x"/>
+                                          </p:val>
+                                        </p:tav>
+                                      </p:tavLst>
+                                    </p:anim>
+                                    <p:anim calcmode="lin" valueType="num">
+                                      <p:cBhvr>
+                                        <p:cTn id="9" dur="500" fill="hold"/>
+                                        <p:tgtEl>
+                                          <p:spTgt spid="23"/>
+                                        </p:tgtEl>
+                                        <p:attrNameLst>
+                                          <p:attrName>ppt_y</p:attrName>
+                                        </p:attrNameLst>
+                                      </p:cBhvr>
+                                      <p:tavLst>
+                                        <p:tav tm="0">
+                                          <p:val>
+                                            <p:strVal val="#ppt_y+.1"/>
+                                          </p:val>
+                                        </p:tav>
+                                        <p:tav tm="100000">
+                                          <p:val>
+                                            <p:strVal val="#ppt_y"/>
+                                          </p:val>
+                                        </p:tav>
+                                      </p:tavLst>
+                                    </p:anim>
                                   </p:childTnLst>
                                 </p:cTn>
                               </p:par>
@@ -6762,49 +6726,95 @@
                     </p:cTn>
                   </p:par>
                   <p:par>
-                    <p:cTn id="8" fill="hold">
+                    <p:cTn id="10" fill="hold">
                       <p:stCondLst>
                         <p:cond delay="indefinite"/>
                       </p:stCondLst>
                       <p:childTnLst>
                         <p:par>
-                          <p:cTn id="9" fill="hold">
+                          <p:cTn id="11" fill="hold">
                             <p:stCondLst>
                               <p:cond delay="0"/>
                             </p:stCondLst>
                             <p:childTnLst>
                               <p:par>
-                                <p:cTn id="10" presetID="10" presetClass="exit" presetSubtype="0" fill="hold" nodeType="clickEffect">
+                                <p:cTn id="12" presetID="42" presetClass="entr" presetSubtype="0" fill="hold" nodeType="clickEffect">
                                   <p:stCondLst>
                                     <p:cond delay="0"/>
                                   </p:stCondLst>
                                   <p:childTnLst>
-                                    <p:animEffect transition="out" filter="fade">
-                                      <p:cBhvr>
-                                        <p:cTn id="11" dur="500"/>
-                                        <p:tgtEl>
-                                          <p:spTgt spid="10"/>
-                                        </p:tgtEl>
-                                      </p:cBhvr>
-                                    </p:animEffect>
                                     <p:set>
                                       <p:cBhvr>
-                                        <p:cTn id="12" dur="1" fill="hold">
+                                        <p:cTn id="13" dur="1" fill="hold">
                                           <p:stCondLst>
-                                            <p:cond delay="499"/>
+                                            <p:cond delay="0"/>
                                           </p:stCondLst>
                                         </p:cTn>
                                         <p:tgtEl>
-                                          <p:spTgt spid="10"/>
+                                          <p:spTgt spid="13"/>
                                         </p:tgtEl>
                                         <p:attrNameLst>
                                           <p:attrName>style.visibility</p:attrName>
                                         </p:attrNameLst>
                                       </p:cBhvr>
                                       <p:to>
-                                        <p:strVal val="hidden"/>
+                                        <p:strVal val="visible"/>
                                       </p:to>
                                     </p:set>
+                                    <p:animEffect transition="in" filter="fade">
+                                      <p:cBhvr>
+                                        <p:cTn id="14" dur="500"/>
+                                        <p:tgtEl>
+                                          <p:spTgt spid="13"/>
+                                        </p:tgtEl>
+                                      </p:cBhvr>
+                                    </p:animEffect>
+                                    <p:anim calcmode="lin" valueType="num">
+                                      <p:cBhvr>
+                                        <p:cTn id="15" dur="500" fill="hold"/>
+                                        <p:tgtEl>
+                                          <p:spTgt spid="13"/>
+                                        </p:tgtEl>
+                                        <p:attrNameLst>
+                                          <p:attrName>ppt_x</p:attrName>
+                                        </p:attrNameLst>
+                                      </p:cBhvr>
+                                      <p:tavLst>
+                                        <p:tav tm="0">
+                                          <p:val>
+                                            <p:strVal val="#ppt_x"/>
+                                          </p:val>
+                                        </p:tav>
+                                        <p:tav tm="100000">
+                                          <p:val>
+                                            <p:strVal val="#ppt_x"/>
+                                          </p:val>
+                                        </p:tav>
+                                      </p:tavLst>
+                                    </p:anim>
+                                    <p:anim calcmode="lin" valueType="num">
+                                      <p:cBhvr>
+                                        <p:cTn id="16" dur="500" fill="hold"/>
+                                        <p:tgtEl>
+                                          <p:spTgt spid="13"/>
+                                        </p:tgtEl>
+                                        <p:attrNameLst>
+                                          <p:attrName>ppt_y</p:attrName>
+                                        </p:attrNameLst>
+                                      </p:cBhvr>
+                                      <p:tavLst>
+                                        <p:tav tm="0">
+                                          <p:val>
+                                            <p:strVal val="#ppt_y+.1"/>
+                                          </p:val>
+                                        </p:tav>
+                                        <p:tav tm="100000">
+                                          <p:val>
+                                            <p:strVal val="#ppt_y"/>
+                                          </p:val>
+                                        </p:tav>
+                                      </p:tavLst>
+                                    </p:anim>
                                   </p:childTnLst>
                                 </p:cTn>
                               </p:par>
@@ -6815,26 +6825,26 @@
                     </p:cTn>
                   </p:par>
                   <p:par>
-                    <p:cTn id="13" fill="hold">
+                    <p:cTn id="17" fill="hold">
                       <p:stCondLst>
                         <p:cond delay="indefinite"/>
                       </p:stCondLst>
                       <p:childTnLst>
                         <p:par>
-                          <p:cTn id="14" fill="hold">
+                          <p:cTn id="18" fill="hold">
                             <p:stCondLst>
                               <p:cond delay="0"/>
                             </p:stCondLst>
                             <p:childTnLst>
                               <p:par>
-                                <p:cTn id="15" presetID="10" presetClass="entr" presetSubtype="0" fill="hold" nodeType="clickEffect">
+                                <p:cTn id="19" presetID="42" presetClass="entr" presetSubtype="0" fill="hold" nodeType="clickEffect">
                                   <p:stCondLst>
                                     <p:cond delay="0"/>
                                   </p:stCondLst>
                                   <p:childTnLst>
                                     <p:set>
                                       <p:cBhvr>
-                                        <p:cTn id="16" dur="1" fill="hold">
+                                        <p:cTn id="20" dur="1" fill="hold">
                                           <p:stCondLst>
                                             <p:cond delay="0"/>
                                           </p:stCondLst>
@@ -6852,12 +6862,58 @@
                                     </p:set>
                                     <p:animEffect transition="in" filter="fade">
                                       <p:cBhvr>
-                                        <p:cTn id="17" dur="500"/>
+                                        <p:cTn id="21" dur="500"/>
                                         <p:tgtEl>
                                           <p:spTgt spid="11"/>
                                         </p:tgtEl>
                                       </p:cBhvr>
                                     </p:animEffect>
+                                    <p:anim calcmode="lin" valueType="num">
+                                      <p:cBhvr>
+                                        <p:cTn id="22" dur="500" fill="hold"/>
+                                        <p:tgtEl>
+                                          <p:spTgt spid="11"/>
+                                        </p:tgtEl>
+                                        <p:attrNameLst>
+                                          <p:attrName>ppt_x</p:attrName>
+                                        </p:attrNameLst>
+                                      </p:cBhvr>
+                                      <p:tavLst>
+                                        <p:tav tm="0">
+                                          <p:val>
+                                            <p:strVal val="#ppt_x"/>
+                                          </p:val>
+                                        </p:tav>
+                                        <p:tav tm="100000">
+                                          <p:val>
+                                            <p:strVal val="#ppt_x"/>
+                                          </p:val>
+                                        </p:tav>
+                                      </p:tavLst>
+                                    </p:anim>
+                                    <p:anim calcmode="lin" valueType="num">
+                                      <p:cBhvr>
+                                        <p:cTn id="23" dur="500" fill="hold"/>
+                                        <p:tgtEl>
+                                          <p:spTgt spid="11"/>
+                                        </p:tgtEl>
+                                        <p:attrNameLst>
+                                          <p:attrName>ppt_y</p:attrName>
+                                        </p:attrNameLst>
+                                      </p:cBhvr>
+                                      <p:tavLst>
+                                        <p:tav tm="0">
+                                          <p:val>
+                                            <p:strVal val="#ppt_y+.1"/>
+                                          </p:val>
+                                        </p:tav>
+                                        <p:tav tm="100000">
+                                          <p:val>
+                                            <p:strVal val="#ppt_y"/>
+                                          </p:val>
+                                        </p:tav>
+                                      </p:tavLst>
+                                    </p:anim>
                                   </p:childTnLst>
                                 </p:cTn>
                               </p:par>
@@ -6868,49 +6924,1130 @@
                     </p:cTn>
                   </p:par>
                   <p:par>
-                    <p:cTn id="18" fill="hold">
+                    <p:cTn id="24" fill="hold">
                       <p:stCondLst>
                         <p:cond delay="indefinite"/>
                       </p:stCondLst>
                       <p:childTnLst>
                         <p:par>
-                          <p:cTn id="19" fill="hold">
+                          <p:cTn id="25" fill="hold">
                             <p:stCondLst>
                               <p:cond delay="0"/>
                             </p:stCondLst>
                             <p:childTnLst>
                               <p:par>
-                                <p:cTn id="20" presetID="10" presetClass="exit" presetSubtype="0" fill="hold" nodeType="clickEffect">
+                                <p:cTn id="26" presetID="42" presetClass="entr" presetSubtype="0" fill="hold" grpId="0" nodeType="clickEffect">
                                   <p:stCondLst>
                                     <p:cond delay="0"/>
                                   </p:stCondLst>
                                   <p:childTnLst>
-                                    <p:animEffect transition="out" filter="fade">
-                                      <p:cBhvr>
-                                        <p:cTn id="21" dur="500"/>
-                                        <p:tgtEl>
-                                          <p:spTgt spid="11"/>
-                                        </p:tgtEl>
-                                      </p:cBhvr>
-                                    </p:animEffect>
                                     <p:set>
                                       <p:cBhvr>
-                                        <p:cTn id="22" dur="1" fill="hold">
+                                        <p:cTn id="27" dur="1" fill="hold">
                                           <p:stCondLst>
-                                            <p:cond delay="499"/>
+                                            <p:cond delay="0"/>
                                           </p:stCondLst>
                                         </p:cTn>
                                         <p:tgtEl>
-                                          <p:spTgt spid="11"/>
+                                          <p:spTgt spid="2">
+                                            <p:txEl>
+                                              <p:pRg st="0" end="0"/>
+                                            </p:txEl>
+                                          </p:spTgt>
                                         </p:tgtEl>
                                         <p:attrNameLst>
                                           <p:attrName>style.visibility</p:attrName>
                                         </p:attrNameLst>
                                       </p:cBhvr>
                                       <p:to>
-                                        <p:strVal val="hidden"/>
+                                        <p:strVal val="visible"/>
                                       </p:to>
                                     </p:set>
+                                    <p:animEffect transition="in" filter="fade">
+                                      <p:cBhvr>
+                                        <p:cTn id="28" dur="500"/>
+                                        <p:tgtEl>
+                                          <p:spTgt spid="2">
+                                            <p:txEl>
+                                              <p:pRg st="0" end="0"/>
+                                            </p:txEl>
+                                          </p:spTgt>
+                                        </p:tgtEl>
+                                      </p:cBhvr>
+                                    </p:animEffect>
+                                    <p:anim calcmode="lin" valueType="num">
+                                      <p:cBhvr>
+                                        <p:cTn id="29" dur="500" fill="hold"/>
+                                        <p:tgtEl>
+                                          <p:spTgt spid="2">
+                                            <p:txEl>
+                                              <p:pRg st="0" end="0"/>
+                                            </p:txEl>
+                                          </p:spTgt>
+                                        </p:tgtEl>
+                                        <p:attrNameLst>
+                                          <p:attrName>ppt_x</p:attrName>
+                                        </p:attrNameLst>
+                                      </p:cBhvr>
+                                      <p:tavLst>
+                                        <p:tav tm="0">
+                                          <p:val>
+                                            <p:strVal val="#ppt_x"/>
+                                          </p:val>
+                                        </p:tav>
+                                        <p:tav tm="100000">
+                                          <p:val>
+                                            <p:strVal val="#ppt_x"/>
+                                          </p:val>
+                                        </p:tav>
+                                      </p:tavLst>
+                                    </p:anim>
+                                    <p:anim calcmode="lin" valueType="num">
+                                      <p:cBhvr>
+                                        <p:cTn id="30" dur="500" fill="hold"/>
+                                        <p:tgtEl>
+                                          <p:spTgt spid="2">
+                                            <p:txEl>
+                                              <p:pRg st="0" end="0"/>
+                                            </p:txEl>
+                                          </p:spTgt>
+                                        </p:tgtEl>
+                                        <p:attrNameLst>
+                                          <p:attrName>ppt_y</p:attrName>
+                                        </p:attrNameLst>
+                                      </p:cBhvr>
+                                      <p:tavLst>
+                                        <p:tav tm="0">
+                                          <p:val>
+                                            <p:strVal val="#ppt_y+.1"/>
+                                          </p:val>
+                                        </p:tav>
+                                        <p:tav tm="100000">
+                                          <p:val>
+                                            <p:strVal val="#ppt_y"/>
+                                          </p:val>
+                                        </p:tav>
+                                      </p:tavLst>
+                                    </p:anim>
+                                  </p:childTnLst>
+                                </p:cTn>
+                              </p:par>
+                            </p:childTnLst>
+                          </p:cTn>
+                        </p:par>
+                      </p:childTnLst>
+                    </p:cTn>
+                  </p:par>
+                  <p:par>
+                    <p:cTn id="31" fill="hold">
+                      <p:stCondLst>
+                        <p:cond delay="indefinite"/>
+                      </p:stCondLst>
+                      <p:childTnLst>
+                        <p:par>
+                          <p:cTn id="32" fill="hold">
+                            <p:stCondLst>
+                              <p:cond delay="0"/>
+                            </p:stCondLst>
+                            <p:childTnLst>
+                              <p:par>
+                                <p:cTn id="33" presetID="42" presetClass="entr" presetSubtype="0" fill="hold" grpId="0" nodeType="clickEffect">
+                                  <p:stCondLst>
+                                    <p:cond delay="0"/>
+                                  </p:stCondLst>
+                                  <p:childTnLst>
+                                    <p:set>
+                                      <p:cBhvr>
+                                        <p:cTn id="34" dur="1" fill="hold">
+                                          <p:stCondLst>
+                                            <p:cond delay="0"/>
+                                          </p:stCondLst>
+                                        </p:cTn>
+                                        <p:tgtEl>
+                                          <p:spTgt spid="2">
+                                            <p:txEl>
+                                              <p:pRg st="1" end="1"/>
+                                            </p:txEl>
+                                          </p:spTgt>
+                                        </p:tgtEl>
+                                        <p:attrNameLst>
+                                          <p:attrName>style.visibility</p:attrName>
+                                        </p:attrNameLst>
+                                      </p:cBhvr>
+                                      <p:to>
+                                        <p:strVal val="visible"/>
+                                      </p:to>
+                                    </p:set>
+                                    <p:animEffect transition="in" filter="fade">
+                                      <p:cBhvr>
+                                        <p:cTn id="35" dur="500"/>
+                                        <p:tgtEl>
+                                          <p:spTgt spid="2">
+                                            <p:txEl>
+                                              <p:pRg st="1" end="1"/>
+                                            </p:txEl>
+                                          </p:spTgt>
+                                        </p:tgtEl>
+                                      </p:cBhvr>
+                                    </p:animEffect>
+                                    <p:anim calcmode="lin" valueType="num">
+                                      <p:cBhvr>
+                                        <p:cTn id="36" dur="500" fill="hold"/>
+                                        <p:tgtEl>
+                                          <p:spTgt spid="2">
+                                            <p:txEl>
+                                              <p:pRg st="1" end="1"/>
+                                            </p:txEl>
+                                          </p:spTgt>
+                                        </p:tgtEl>
+                                        <p:attrNameLst>
+                                          <p:attrName>ppt_x</p:attrName>
+                                        </p:attrNameLst>
+                                      </p:cBhvr>
+                                      <p:tavLst>
+                                        <p:tav tm="0">
+                                          <p:val>
+                                            <p:strVal val="#ppt_x"/>
+                                          </p:val>
+                                        </p:tav>
+                                        <p:tav tm="100000">
+                                          <p:val>
+                                            <p:strVal val="#ppt_x"/>
+                                          </p:val>
+                                        </p:tav>
+                                      </p:tavLst>
+                                    </p:anim>
+                                    <p:anim calcmode="lin" valueType="num">
+                                      <p:cBhvr>
+                                        <p:cTn id="37" dur="500" fill="hold"/>
+                                        <p:tgtEl>
+                                          <p:spTgt spid="2">
+                                            <p:txEl>
+                                              <p:pRg st="1" end="1"/>
+                                            </p:txEl>
+                                          </p:spTgt>
+                                        </p:tgtEl>
+                                        <p:attrNameLst>
+                                          <p:attrName>ppt_y</p:attrName>
+                                        </p:attrNameLst>
+                                      </p:cBhvr>
+                                      <p:tavLst>
+                                        <p:tav tm="0">
+                                          <p:val>
+                                            <p:strVal val="#ppt_y+.1"/>
+                                          </p:val>
+                                        </p:tav>
+                                        <p:tav tm="100000">
+                                          <p:val>
+                                            <p:strVal val="#ppt_y"/>
+                                          </p:val>
+                                        </p:tav>
+                                      </p:tavLst>
+                                    </p:anim>
+                                  </p:childTnLst>
+                                </p:cTn>
+                              </p:par>
+                            </p:childTnLst>
+                          </p:cTn>
+                        </p:par>
+                      </p:childTnLst>
+                    </p:cTn>
+                  </p:par>
+                  <p:par>
+                    <p:cTn id="38" fill="hold">
+                      <p:stCondLst>
+                        <p:cond delay="indefinite"/>
+                      </p:stCondLst>
+                      <p:childTnLst>
+                        <p:par>
+                          <p:cTn id="39" fill="hold">
+                            <p:stCondLst>
+                              <p:cond delay="0"/>
+                            </p:stCondLst>
+                            <p:childTnLst>
+                              <p:par>
+                                <p:cTn id="40" presetID="42" presetClass="entr" presetSubtype="0" fill="hold" grpId="0" nodeType="clickEffect">
+                                  <p:stCondLst>
+                                    <p:cond delay="0"/>
+                                  </p:stCondLst>
+                                  <p:childTnLst>
+                                    <p:set>
+                                      <p:cBhvr>
+                                        <p:cTn id="41" dur="1" fill="hold">
+                                          <p:stCondLst>
+                                            <p:cond delay="0"/>
+                                          </p:stCondLst>
+                                        </p:cTn>
+                                        <p:tgtEl>
+                                          <p:spTgt spid="2">
+                                            <p:txEl>
+                                              <p:pRg st="2" end="2"/>
+                                            </p:txEl>
+                                          </p:spTgt>
+                                        </p:tgtEl>
+                                        <p:attrNameLst>
+                                          <p:attrName>style.visibility</p:attrName>
+                                        </p:attrNameLst>
+                                      </p:cBhvr>
+                                      <p:to>
+                                        <p:strVal val="visible"/>
+                                      </p:to>
+                                    </p:set>
+                                    <p:animEffect transition="in" filter="fade">
+                                      <p:cBhvr>
+                                        <p:cTn id="42" dur="500"/>
+                                        <p:tgtEl>
+                                          <p:spTgt spid="2">
+                                            <p:txEl>
+                                              <p:pRg st="2" end="2"/>
+                                            </p:txEl>
+                                          </p:spTgt>
+                                        </p:tgtEl>
+                                      </p:cBhvr>
+                                    </p:animEffect>
+                                    <p:anim calcmode="lin" valueType="num">
+                                      <p:cBhvr>
+                                        <p:cTn id="43" dur="500" fill="hold"/>
+                                        <p:tgtEl>
+                                          <p:spTgt spid="2">
+                                            <p:txEl>
+                                              <p:pRg st="2" end="2"/>
+                                            </p:txEl>
+                                          </p:spTgt>
+                                        </p:tgtEl>
+                                        <p:attrNameLst>
+                                          <p:attrName>ppt_x</p:attrName>
+                                        </p:attrNameLst>
+                                      </p:cBhvr>
+                                      <p:tavLst>
+                                        <p:tav tm="0">
+                                          <p:val>
+                                            <p:strVal val="#ppt_x"/>
+                                          </p:val>
+                                        </p:tav>
+                                        <p:tav tm="100000">
+                                          <p:val>
+                                            <p:strVal val="#ppt_x"/>
+                                          </p:val>
+                                        </p:tav>
+                                      </p:tavLst>
+                                    </p:anim>
+                                    <p:anim calcmode="lin" valueType="num">
+                                      <p:cBhvr>
+                                        <p:cTn id="44" dur="500" fill="hold"/>
+                                        <p:tgtEl>
+                                          <p:spTgt spid="2">
+                                            <p:txEl>
+                                              <p:pRg st="2" end="2"/>
+                                            </p:txEl>
+                                          </p:spTgt>
+                                        </p:tgtEl>
+                                        <p:attrNameLst>
+                                          <p:attrName>ppt_y</p:attrName>
+                                        </p:attrNameLst>
+                                      </p:cBhvr>
+                                      <p:tavLst>
+                                        <p:tav tm="0">
+                                          <p:val>
+                                            <p:strVal val="#ppt_y+.1"/>
+                                          </p:val>
+                                        </p:tav>
+                                        <p:tav tm="100000">
+                                          <p:val>
+                                            <p:strVal val="#ppt_y"/>
+                                          </p:val>
+                                        </p:tav>
+                                      </p:tavLst>
+                                    </p:anim>
+                                  </p:childTnLst>
+                                </p:cTn>
+                              </p:par>
+                            </p:childTnLst>
+                          </p:cTn>
+                        </p:par>
+                      </p:childTnLst>
+                    </p:cTn>
+                  </p:par>
+                  <p:par>
+                    <p:cTn id="45" fill="hold">
+                      <p:stCondLst>
+                        <p:cond delay="indefinite"/>
+                      </p:stCondLst>
+                      <p:childTnLst>
+                        <p:par>
+                          <p:cTn id="46" fill="hold">
+                            <p:stCondLst>
+                              <p:cond delay="0"/>
+                            </p:stCondLst>
+                            <p:childTnLst>
+                              <p:par>
+                                <p:cTn id="47" presetID="42" presetClass="entr" presetSubtype="0" fill="hold" grpId="0" nodeType="clickEffect">
+                                  <p:stCondLst>
+                                    <p:cond delay="0"/>
+                                  </p:stCondLst>
+                                  <p:childTnLst>
+                                    <p:set>
+                                      <p:cBhvr>
+                                        <p:cTn id="48" dur="1" fill="hold">
+                                          <p:stCondLst>
+                                            <p:cond delay="0"/>
+                                          </p:stCondLst>
+                                        </p:cTn>
+                                        <p:tgtEl>
+                                          <p:spTgt spid="9">
+                                            <p:txEl>
+                                              <p:pRg st="0" end="0"/>
+                                            </p:txEl>
+                                          </p:spTgt>
+                                        </p:tgtEl>
+                                        <p:attrNameLst>
+                                          <p:attrName>style.visibility</p:attrName>
+                                        </p:attrNameLst>
+                                      </p:cBhvr>
+                                      <p:to>
+                                        <p:strVal val="visible"/>
+                                      </p:to>
+                                    </p:set>
+                                    <p:animEffect transition="in" filter="fade">
+                                      <p:cBhvr>
+                                        <p:cTn id="49" dur="500"/>
+                                        <p:tgtEl>
+                                          <p:spTgt spid="9">
+                                            <p:txEl>
+                                              <p:pRg st="0" end="0"/>
+                                            </p:txEl>
+                                          </p:spTgt>
+                                        </p:tgtEl>
+                                      </p:cBhvr>
+                                    </p:animEffect>
+                                    <p:anim calcmode="lin" valueType="num">
+                                      <p:cBhvr>
+                                        <p:cTn id="50" dur="500" fill="hold"/>
+                                        <p:tgtEl>
+                                          <p:spTgt spid="9">
+                                            <p:txEl>
+                                              <p:pRg st="0" end="0"/>
+                                            </p:txEl>
+                                          </p:spTgt>
+                                        </p:tgtEl>
+                                        <p:attrNameLst>
+                                          <p:attrName>ppt_x</p:attrName>
+                                        </p:attrNameLst>
+                                      </p:cBhvr>
+                                      <p:tavLst>
+                                        <p:tav tm="0">
+                                          <p:val>
+                                            <p:strVal val="#ppt_x"/>
+                                          </p:val>
+                                        </p:tav>
+                                        <p:tav tm="100000">
+                                          <p:val>
+                                            <p:strVal val="#ppt_x"/>
+                                          </p:val>
+                                        </p:tav>
+                                      </p:tavLst>
+                                    </p:anim>
+                                    <p:anim calcmode="lin" valueType="num">
+                                      <p:cBhvr>
+                                        <p:cTn id="51" dur="500" fill="hold"/>
+                                        <p:tgtEl>
+                                          <p:spTgt spid="9">
+                                            <p:txEl>
+                                              <p:pRg st="0" end="0"/>
+                                            </p:txEl>
+                                          </p:spTgt>
+                                        </p:tgtEl>
+                                        <p:attrNameLst>
+                                          <p:attrName>ppt_y</p:attrName>
+                                        </p:attrNameLst>
+                                      </p:cBhvr>
+                                      <p:tavLst>
+                                        <p:tav tm="0">
+                                          <p:val>
+                                            <p:strVal val="#ppt_y+.1"/>
+                                          </p:val>
+                                        </p:tav>
+                                        <p:tav tm="100000">
+                                          <p:val>
+                                            <p:strVal val="#ppt_y"/>
+                                          </p:val>
+                                        </p:tav>
+                                      </p:tavLst>
+                                    </p:anim>
+                                  </p:childTnLst>
+                                </p:cTn>
+                              </p:par>
+                            </p:childTnLst>
+                          </p:cTn>
+                        </p:par>
+                      </p:childTnLst>
+                    </p:cTn>
+                  </p:par>
+                  <p:par>
+                    <p:cTn id="52" fill="hold">
+                      <p:stCondLst>
+                        <p:cond delay="indefinite"/>
+                      </p:stCondLst>
+                      <p:childTnLst>
+                        <p:par>
+                          <p:cTn id="53" fill="hold">
+                            <p:stCondLst>
+                              <p:cond delay="0"/>
+                            </p:stCondLst>
+                            <p:childTnLst>
+                              <p:par>
+                                <p:cTn id="54" presetID="42" presetClass="entr" presetSubtype="0" fill="hold" grpId="0" nodeType="clickEffect">
+                                  <p:stCondLst>
+                                    <p:cond delay="0"/>
+                                  </p:stCondLst>
+                                  <p:childTnLst>
+                                    <p:set>
+                                      <p:cBhvr>
+                                        <p:cTn id="55" dur="1" fill="hold">
+                                          <p:stCondLst>
+                                            <p:cond delay="0"/>
+                                          </p:stCondLst>
+                                        </p:cTn>
+                                        <p:tgtEl>
+                                          <p:spTgt spid="9">
+                                            <p:txEl>
+                                              <p:pRg st="1" end="1"/>
+                                            </p:txEl>
+                                          </p:spTgt>
+                                        </p:tgtEl>
+                                        <p:attrNameLst>
+                                          <p:attrName>style.visibility</p:attrName>
+                                        </p:attrNameLst>
+                                      </p:cBhvr>
+                                      <p:to>
+                                        <p:strVal val="visible"/>
+                                      </p:to>
+                                    </p:set>
+                                    <p:animEffect transition="in" filter="fade">
+                                      <p:cBhvr>
+                                        <p:cTn id="56" dur="500"/>
+                                        <p:tgtEl>
+                                          <p:spTgt spid="9">
+                                            <p:txEl>
+                                              <p:pRg st="1" end="1"/>
+                                            </p:txEl>
+                                          </p:spTgt>
+                                        </p:tgtEl>
+                                      </p:cBhvr>
+                                    </p:animEffect>
+                                    <p:anim calcmode="lin" valueType="num">
+                                      <p:cBhvr>
+                                        <p:cTn id="57" dur="500" fill="hold"/>
+                                        <p:tgtEl>
+                                          <p:spTgt spid="9">
+                                            <p:txEl>
+                                              <p:pRg st="1" end="1"/>
+                                            </p:txEl>
+                                          </p:spTgt>
+                                        </p:tgtEl>
+                                        <p:attrNameLst>
+                                          <p:attrName>ppt_x</p:attrName>
+                                        </p:attrNameLst>
+                                      </p:cBhvr>
+                                      <p:tavLst>
+                                        <p:tav tm="0">
+                                          <p:val>
+                                            <p:strVal val="#ppt_x"/>
+                                          </p:val>
+                                        </p:tav>
+                                        <p:tav tm="100000">
+                                          <p:val>
+                                            <p:strVal val="#ppt_x"/>
+                                          </p:val>
+                                        </p:tav>
+                                      </p:tavLst>
+                                    </p:anim>
+                                    <p:anim calcmode="lin" valueType="num">
+                                      <p:cBhvr>
+                                        <p:cTn id="58" dur="500" fill="hold"/>
+                                        <p:tgtEl>
+                                          <p:spTgt spid="9">
+                                            <p:txEl>
+                                              <p:pRg st="1" end="1"/>
+                                            </p:txEl>
+                                          </p:spTgt>
+                                        </p:tgtEl>
+                                        <p:attrNameLst>
+                                          <p:attrName>ppt_y</p:attrName>
+                                        </p:attrNameLst>
+                                      </p:cBhvr>
+                                      <p:tavLst>
+                                        <p:tav tm="0">
+                                          <p:val>
+                                            <p:strVal val="#ppt_y+.1"/>
+                                          </p:val>
+                                        </p:tav>
+                                        <p:tav tm="100000">
+                                          <p:val>
+                                            <p:strVal val="#ppt_y"/>
+                                          </p:val>
+                                        </p:tav>
+                                      </p:tavLst>
+                                    </p:anim>
+                                  </p:childTnLst>
+                                </p:cTn>
+                              </p:par>
+                            </p:childTnLst>
+                          </p:cTn>
+                        </p:par>
+                      </p:childTnLst>
+                    </p:cTn>
+                  </p:par>
+                  <p:par>
+                    <p:cTn id="59" fill="hold">
+                      <p:stCondLst>
+                        <p:cond delay="indefinite"/>
+                      </p:stCondLst>
+                      <p:childTnLst>
+                        <p:par>
+                          <p:cTn id="60" fill="hold">
+                            <p:stCondLst>
+                              <p:cond delay="0"/>
+                            </p:stCondLst>
+                            <p:childTnLst>
+                              <p:par>
+                                <p:cTn id="61" presetID="42" presetClass="entr" presetSubtype="0" fill="hold" grpId="0" nodeType="clickEffect">
+                                  <p:stCondLst>
+                                    <p:cond delay="0"/>
+                                  </p:stCondLst>
+                                  <p:childTnLst>
+                                    <p:set>
+                                      <p:cBhvr>
+                                        <p:cTn id="62" dur="1" fill="hold">
+                                          <p:stCondLst>
+                                            <p:cond delay="0"/>
+                                          </p:stCondLst>
+                                        </p:cTn>
+                                        <p:tgtEl>
+                                          <p:spTgt spid="9">
+                                            <p:txEl>
+                                              <p:pRg st="2" end="2"/>
+                                            </p:txEl>
+                                          </p:spTgt>
+                                        </p:tgtEl>
+                                        <p:attrNameLst>
+                                          <p:attrName>style.visibility</p:attrName>
+                                        </p:attrNameLst>
+                                      </p:cBhvr>
+                                      <p:to>
+                                        <p:strVal val="visible"/>
+                                      </p:to>
+                                    </p:set>
+                                    <p:animEffect transition="in" filter="fade">
+                                      <p:cBhvr>
+                                        <p:cTn id="63" dur="500"/>
+                                        <p:tgtEl>
+                                          <p:spTgt spid="9">
+                                            <p:txEl>
+                                              <p:pRg st="2" end="2"/>
+                                            </p:txEl>
+                                          </p:spTgt>
+                                        </p:tgtEl>
+                                      </p:cBhvr>
+                                    </p:animEffect>
+                                    <p:anim calcmode="lin" valueType="num">
+                                      <p:cBhvr>
+                                        <p:cTn id="64" dur="500" fill="hold"/>
+                                        <p:tgtEl>
+                                          <p:spTgt spid="9">
+                                            <p:txEl>
+                                              <p:pRg st="2" end="2"/>
+                                            </p:txEl>
+                                          </p:spTgt>
+                                        </p:tgtEl>
+                                        <p:attrNameLst>
+                                          <p:attrName>ppt_x</p:attrName>
+                                        </p:attrNameLst>
+                                      </p:cBhvr>
+                                      <p:tavLst>
+                                        <p:tav tm="0">
+                                          <p:val>
+                                            <p:strVal val="#ppt_x"/>
+                                          </p:val>
+                                        </p:tav>
+                                        <p:tav tm="100000">
+                                          <p:val>
+                                            <p:strVal val="#ppt_x"/>
+                                          </p:val>
+                                        </p:tav>
+                                      </p:tavLst>
+                                    </p:anim>
+                                    <p:anim calcmode="lin" valueType="num">
+                                      <p:cBhvr>
+                                        <p:cTn id="65" dur="500" fill="hold"/>
+                                        <p:tgtEl>
+                                          <p:spTgt spid="9">
+                                            <p:txEl>
+                                              <p:pRg st="2" end="2"/>
+                                            </p:txEl>
+                                          </p:spTgt>
+                                        </p:tgtEl>
+                                        <p:attrNameLst>
+                                          <p:attrName>ppt_y</p:attrName>
+                                        </p:attrNameLst>
+                                      </p:cBhvr>
+                                      <p:tavLst>
+                                        <p:tav tm="0">
+                                          <p:val>
+                                            <p:strVal val="#ppt_y+.1"/>
+                                          </p:val>
+                                        </p:tav>
+                                        <p:tav tm="100000">
+                                          <p:val>
+                                            <p:strVal val="#ppt_y"/>
+                                          </p:val>
+                                        </p:tav>
+                                      </p:tavLst>
+                                    </p:anim>
+                                  </p:childTnLst>
+                                </p:cTn>
+                              </p:par>
+                            </p:childTnLst>
+                          </p:cTn>
+                        </p:par>
+                      </p:childTnLst>
+                    </p:cTn>
+                  </p:par>
+                  <p:par>
+                    <p:cTn id="66" fill="hold">
+                      <p:stCondLst>
+                        <p:cond delay="indefinite"/>
+                      </p:stCondLst>
+                      <p:childTnLst>
+                        <p:par>
+                          <p:cTn id="67" fill="hold">
+                            <p:stCondLst>
+                              <p:cond delay="0"/>
+                            </p:stCondLst>
+                            <p:childTnLst>
+                              <p:par>
+                                <p:cTn id="68" presetID="42" presetClass="entr" presetSubtype="0" fill="hold" grpId="0" nodeType="clickEffect">
+                                  <p:stCondLst>
+                                    <p:cond delay="0"/>
+                                  </p:stCondLst>
+                                  <p:childTnLst>
+                                    <p:set>
+                                      <p:cBhvr>
+                                        <p:cTn id="69" dur="1" fill="hold">
+                                          <p:stCondLst>
+                                            <p:cond delay="0"/>
+                                          </p:stCondLst>
+                                        </p:cTn>
+                                        <p:tgtEl>
+                                          <p:spTgt spid="8">
+                                            <p:txEl>
+                                              <p:pRg st="0" end="0"/>
+                                            </p:txEl>
+                                          </p:spTgt>
+                                        </p:tgtEl>
+                                        <p:attrNameLst>
+                                          <p:attrName>style.visibility</p:attrName>
+                                        </p:attrNameLst>
+                                      </p:cBhvr>
+                                      <p:to>
+                                        <p:strVal val="visible"/>
+                                      </p:to>
+                                    </p:set>
+                                    <p:animEffect transition="in" filter="fade">
+                                      <p:cBhvr>
+                                        <p:cTn id="70" dur="500"/>
+                                        <p:tgtEl>
+                                          <p:spTgt spid="8">
+                                            <p:txEl>
+                                              <p:pRg st="0" end="0"/>
+                                            </p:txEl>
+                                          </p:spTgt>
+                                        </p:tgtEl>
+                                      </p:cBhvr>
+                                    </p:animEffect>
+                                    <p:anim calcmode="lin" valueType="num">
+                                      <p:cBhvr>
+                                        <p:cTn id="71" dur="500" fill="hold"/>
+                                        <p:tgtEl>
+                                          <p:spTgt spid="8">
+                                            <p:txEl>
+                                              <p:pRg st="0" end="0"/>
+                                            </p:txEl>
+                                          </p:spTgt>
+                                        </p:tgtEl>
+                                        <p:attrNameLst>
+                                          <p:attrName>ppt_x</p:attrName>
+                                        </p:attrNameLst>
+                                      </p:cBhvr>
+                                      <p:tavLst>
+                                        <p:tav tm="0">
+                                          <p:val>
+                                            <p:strVal val="#ppt_x"/>
+                                          </p:val>
+                                        </p:tav>
+                                        <p:tav tm="100000">
+                                          <p:val>
+                                            <p:strVal val="#ppt_x"/>
+                                          </p:val>
+                                        </p:tav>
+                                      </p:tavLst>
+                                    </p:anim>
+                                    <p:anim calcmode="lin" valueType="num">
+                                      <p:cBhvr>
+                                        <p:cTn id="72" dur="500" fill="hold"/>
+                                        <p:tgtEl>
+                                          <p:spTgt spid="8">
+                                            <p:txEl>
+                                              <p:pRg st="0" end="0"/>
+                                            </p:txEl>
+                                          </p:spTgt>
+                                        </p:tgtEl>
+                                        <p:attrNameLst>
+                                          <p:attrName>ppt_y</p:attrName>
+                                        </p:attrNameLst>
+                                      </p:cBhvr>
+                                      <p:tavLst>
+                                        <p:tav tm="0">
+                                          <p:val>
+                                            <p:strVal val="#ppt_y+.1"/>
+                                          </p:val>
+                                        </p:tav>
+                                        <p:tav tm="100000">
+                                          <p:val>
+                                            <p:strVal val="#ppt_y"/>
+                                          </p:val>
+                                        </p:tav>
+                                      </p:tavLst>
+                                    </p:anim>
+                                  </p:childTnLst>
+                                </p:cTn>
+                              </p:par>
+                            </p:childTnLst>
+                          </p:cTn>
+                        </p:par>
+                      </p:childTnLst>
+                    </p:cTn>
+                  </p:par>
+                  <p:par>
+                    <p:cTn id="73" fill="hold">
+                      <p:stCondLst>
+                        <p:cond delay="indefinite"/>
+                      </p:stCondLst>
+                      <p:childTnLst>
+                        <p:par>
+                          <p:cTn id="74" fill="hold">
+                            <p:stCondLst>
+                              <p:cond delay="0"/>
+                            </p:stCondLst>
+                            <p:childTnLst>
+                              <p:par>
+                                <p:cTn id="75" presetID="42" presetClass="entr" presetSubtype="0" fill="hold" grpId="0" nodeType="clickEffect">
+                                  <p:stCondLst>
+                                    <p:cond delay="0"/>
+                                  </p:stCondLst>
+                                  <p:childTnLst>
+                                    <p:set>
+                                      <p:cBhvr>
+                                        <p:cTn id="76" dur="1" fill="hold">
+                                          <p:stCondLst>
+                                            <p:cond delay="0"/>
+                                          </p:stCondLst>
+                                        </p:cTn>
+                                        <p:tgtEl>
+                                          <p:spTgt spid="8">
+                                            <p:txEl>
+                                              <p:pRg st="1" end="1"/>
+                                            </p:txEl>
+                                          </p:spTgt>
+                                        </p:tgtEl>
+                                        <p:attrNameLst>
+                                          <p:attrName>style.visibility</p:attrName>
+                                        </p:attrNameLst>
+                                      </p:cBhvr>
+                                      <p:to>
+                                        <p:strVal val="visible"/>
+                                      </p:to>
+                                    </p:set>
+                                    <p:animEffect transition="in" filter="fade">
+                                      <p:cBhvr>
+                                        <p:cTn id="77" dur="500"/>
+                                        <p:tgtEl>
+                                          <p:spTgt spid="8">
+                                            <p:txEl>
+                                              <p:pRg st="1" end="1"/>
+                                            </p:txEl>
+                                          </p:spTgt>
+                                        </p:tgtEl>
+                                      </p:cBhvr>
+                                    </p:animEffect>
+                                    <p:anim calcmode="lin" valueType="num">
+                                      <p:cBhvr>
+                                        <p:cTn id="78" dur="500" fill="hold"/>
+                                        <p:tgtEl>
+                                          <p:spTgt spid="8">
+                                            <p:txEl>
+                                              <p:pRg st="1" end="1"/>
+                                            </p:txEl>
+                                          </p:spTgt>
+                                        </p:tgtEl>
+                                        <p:attrNameLst>
+                                          <p:attrName>ppt_x</p:attrName>
+                                        </p:attrNameLst>
+                                      </p:cBhvr>
+                                      <p:tavLst>
+                                        <p:tav tm="0">
+                                          <p:val>
+                                            <p:strVal val="#ppt_x"/>
+                                          </p:val>
+                                        </p:tav>
+                                        <p:tav tm="100000">
+                                          <p:val>
+                                            <p:strVal val="#ppt_x"/>
+                                          </p:val>
+                                        </p:tav>
+                                      </p:tavLst>
+                                    </p:anim>
+                                    <p:anim calcmode="lin" valueType="num">
+                                      <p:cBhvr>
+                                        <p:cTn id="79" dur="500" fill="hold"/>
+                                        <p:tgtEl>
+                                          <p:spTgt spid="8">
+                                            <p:txEl>
+                                              <p:pRg st="1" end="1"/>
+                                            </p:txEl>
+                                          </p:spTgt>
+                                        </p:tgtEl>
+                                        <p:attrNameLst>
+                                          <p:attrName>ppt_y</p:attrName>
+                                        </p:attrNameLst>
+                                      </p:cBhvr>
+                                      <p:tavLst>
+                                        <p:tav tm="0">
+                                          <p:val>
+                                            <p:strVal val="#ppt_y+.1"/>
+                                          </p:val>
+                                        </p:tav>
+                                        <p:tav tm="100000">
+                                          <p:val>
+                                            <p:strVal val="#ppt_y"/>
+                                          </p:val>
+                                        </p:tav>
+                                      </p:tavLst>
+                                    </p:anim>
+                                  </p:childTnLst>
+                                </p:cTn>
+                              </p:par>
+                            </p:childTnLst>
+                          </p:cTn>
+                        </p:par>
+                      </p:childTnLst>
+                    </p:cTn>
+                  </p:par>
+                  <p:par>
+                    <p:cTn id="80" fill="hold">
+                      <p:stCondLst>
+                        <p:cond delay="indefinite"/>
+                      </p:stCondLst>
+                      <p:childTnLst>
+                        <p:par>
+                          <p:cTn id="81" fill="hold">
+                            <p:stCondLst>
+                              <p:cond delay="0"/>
+                            </p:stCondLst>
+                            <p:childTnLst>
+                              <p:par>
+                                <p:cTn id="82" presetID="42" presetClass="entr" presetSubtype="0" fill="hold" grpId="0" nodeType="clickEffect">
+                                  <p:stCondLst>
+                                    <p:cond delay="0"/>
+                                  </p:stCondLst>
+                                  <p:childTnLst>
+                                    <p:set>
+                                      <p:cBhvr>
+                                        <p:cTn id="83" dur="1" fill="hold">
+                                          <p:stCondLst>
+                                            <p:cond delay="0"/>
+                                          </p:stCondLst>
+                                        </p:cTn>
+                                        <p:tgtEl>
+                                          <p:spTgt spid="8">
+                                            <p:txEl>
+                                              <p:pRg st="2" end="2"/>
+                                            </p:txEl>
+                                          </p:spTgt>
+                                        </p:tgtEl>
+                                        <p:attrNameLst>
+                                          <p:attrName>style.visibility</p:attrName>
+                                        </p:attrNameLst>
+                                      </p:cBhvr>
+                                      <p:to>
+                                        <p:strVal val="visible"/>
+                                      </p:to>
+                                    </p:set>
+                                    <p:animEffect transition="in" filter="fade">
+                                      <p:cBhvr>
+                                        <p:cTn id="84" dur="500"/>
+                                        <p:tgtEl>
+                                          <p:spTgt spid="8">
+                                            <p:txEl>
+                                              <p:pRg st="2" end="2"/>
+                                            </p:txEl>
+                                          </p:spTgt>
+                                        </p:tgtEl>
+                                      </p:cBhvr>
+                                    </p:animEffect>
+                                    <p:anim calcmode="lin" valueType="num">
+                                      <p:cBhvr>
+                                        <p:cTn id="85" dur="500" fill="hold"/>
+                                        <p:tgtEl>
+                                          <p:spTgt spid="8">
+                                            <p:txEl>
+                                              <p:pRg st="2" end="2"/>
+                                            </p:txEl>
+                                          </p:spTgt>
+                                        </p:tgtEl>
+                                        <p:attrNameLst>
+                                          <p:attrName>ppt_x</p:attrName>
+                                        </p:attrNameLst>
+                                      </p:cBhvr>
+                                      <p:tavLst>
+                                        <p:tav tm="0">
+                                          <p:val>
+                                            <p:strVal val="#ppt_x"/>
+                                          </p:val>
+                                        </p:tav>
+                                        <p:tav tm="100000">
+                                          <p:val>
+                                            <p:strVal val="#ppt_x"/>
+                                          </p:val>
+                                        </p:tav>
+                                      </p:tavLst>
+                                    </p:anim>
+                                    <p:anim calcmode="lin" valueType="num">
+                                      <p:cBhvr>
+                                        <p:cTn id="86" dur="500" fill="hold"/>
+                                        <p:tgtEl>
+                                          <p:spTgt spid="8">
+                                            <p:txEl>
+                                              <p:pRg st="2" end="2"/>
+                                            </p:txEl>
+                                          </p:spTgt>
+                                        </p:tgtEl>
+                                        <p:attrNameLst>
+                                          <p:attrName>ppt_y</p:attrName>
+                                        </p:attrNameLst>
+                                      </p:cBhvr>
+                                      <p:tavLst>
+                                        <p:tav tm="0">
+                                          <p:val>
+                                            <p:strVal val="#ppt_y+.1"/>
+                                          </p:val>
+                                        </p:tav>
+                                        <p:tav tm="100000">
+                                          <p:val>
+                                            <p:strVal val="#ppt_y"/>
+                                          </p:val>
+                                        </p:tav>
+                                      </p:tavLst>
+                                    </p:anim>
+                                  </p:childTnLst>
+                                </p:cTn>
+                              </p:par>
+                            </p:childTnLst>
+                          </p:cTn>
+                        </p:par>
+                      </p:childTnLst>
+                    </p:cTn>
+                  </p:par>
+                  <p:par>
+                    <p:cTn id="87" fill="hold">
+                      <p:stCondLst>
+                        <p:cond delay="indefinite"/>
+                      </p:stCondLst>
+                      <p:childTnLst>
+                        <p:par>
+                          <p:cTn id="88" fill="hold">
+                            <p:stCondLst>
+                              <p:cond delay="0"/>
+                            </p:stCondLst>
+                            <p:childTnLst>
+                              <p:par>
+                                <p:cTn id="89" presetID="42" presetClass="entr" presetSubtype="0" fill="hold" grpId="0" nodeType="clickEffect">
+                                  <p:stCondLst>
+                                    <p:cond delay="0"/>
+                                  </p:stCondLst>
+                                  <p:childTnLst>
+                                    <p:set>
+                                      <p:cBhvr>
+                                        <p:cTn id="90" dur="1" fill="hold">
+                                          <p:stCondLst>
+                                            <p:cond delay="0"/>
+                                          </p:stCondLst>
+                                        </p:cTn>
+                                        <p:tgtEl>
+                                          <p:spTgt spid="24"/>
+                                        </p:tgtEl>
+                                        <p:attrNameLst>
+                                          <p:attrName>style.visibility</p:attrName>
+                                        </p:attrNameLst>
+                                      </p:cBhvr>
+                                      <p:to>
+                                        <p:strVal val="visible"/>
+                                      </p:to>
+                                    </p:set>
+                                    <p:animEffect transition="in" filter="fade">
+                                      <p:cBhvr>
+                                        <p:cTn id="91" dur="500"/>
+                                        <p:tgtEl>
+                                          <p:spTgt spid="24"/>
+                                        </p:tgtEl>
+                                      </p:cBhvr>
+                                    </p:animEffect>
+                                    <p:anim calcmode="lin" valueType="num">
+                                      <p:cBhvr>
+                                        <p:cTn id="92" dur="500" fill="hold"/>
+                                        <p:tgtEl>
+                                          <p:spTgt spid="24"/>
+                                        </p:tgtEl>
+                                        <p:attrNameLst>
+                                          <p:attrName>ppt_x</p:attrName>
+                                        </p:attrNameLst>
+                                      </p:cBhvr>
+                                      <p:tavLst>
+                                        <p:tav tm="0">
+                                          <p:val>
+                                            <p:strVal val="#ppt_x"/>
+                                          </p:val>
+                                        </p:tav>
+                                        <p:tav tm="100000">
+                                          <p:val>
+                                            <p:strVal val="#ppt_x"/>
+                                          </p:val>
+                                        </p:tav>
+                                      </p:tavLst>
+                                    </p:anim>
+                                    <p:anim calcmode="lin" valueType="num">
+                                      <p:cBhvr>
+                                        <p:cTn id="93" dur="500" fill="hold"/>
+                                        <p:tgtEl>
+                                          <p:spTgt spid="24"/>
+                                        </p:tgtEl>
+                                        <p:attrNameLst>
+                                          <p:attrName>ppt_y</p:attrName>
+                                        </p:attrNameLst>
+                                      </p:cBhvr>
+                                      <p:tavLst>
+                                        <p:tav tm="0">
+                                          <p:val>
+                                            <p:strVal val="#ppt_y+.1"/>
+                                          </p:val>
+                                        </p:tav>
+                                        <p:tav tm="100000">
+                                          <p:val>
+                                            <p:strVal val="#ppt_y"/>
+                                          </p:val>
+                                        </p:tav>
+                                      </p:tavLst>
+                                    </p:anim>
                                   </p:childTnLst>
                                 </p:cTn>
                               </p:par>
@@ -6941,7 +8078,194 @@
         </p:cTn>
       </p:par>
     </p:tnLst>
+    <p:bldLst>
+      <p:bldP spid="24" grpId="0"/>
+      <p:bldP spid="2" grpId="0" build="p"/>
+      <p:bldP spid="8" grpId="0" build="p"/>
+      <p:bldP spid="9" grpId="0" build="p"/>
+    </p:bldLst>
   </p:timing>
+</p:sld>
+</file>
+
+<file path=ppt/slides/slide4.xml><?xml version="1.0" encoding="utf-8"?>
+<p:sld xmlns:a="http://schemas.openxmlformats.org/drawingml/2006/main" xmlns:r="http://schemas.openxmlformats.org/officeDocument/2006/relationships" xmlns:p="http://schemas.openxmlformats.org/presentationml/2006/main">
+  <p:cSld>
+    <p:spTree>
+      <p:nvGrpSpPr>
+        <p:cNvPr id="1" name=""/>
+        <p:cNvGrpSpPr/>
+        <p:nvPr/>
+      </p:nvGrpSpPr>
+      <p:grpSpPr>
+        <a:xfrm>
+          <a:off x="0" y="0"/>
+          <a:ext cx="0" cy="0"/>
+          <a:chOff x="0" y="0"/>
+          <a:chExt cx="0" cy="0"/>
+        </a:xfrm>
+      </p:grpSpPr>
+      <p:sp>
+        <p:nvSpPr>
+          <p:cNvPr id="3" name="Datumsplatzhalter 2">
+            <a:extLst>
+              <a:ext uri="{FF2B5EF4-FFF2-40B4-BE49-F238E27FC236}">
+                <a16:creationId xmlns:a16="http://schemas.microsoft.com/office/drawing/2014/main" id="{131BBA1C-27C3-4109-972C-2C875FC99485}"/>
+              </a:ext>
+            </a:extLst>
+          </p:cNvPr>
+          <p:cNvSpPr>
+            <a:spLocks noGrp="1"/>
+          </p:cNvSpPr>
+          <p:nvPr>
+            <p:ph type="dt" sz="half" idx="10"/>
+          </p:nvPr>
+        </p:nvSpPr>
+        <p:spPr/>
+        <p:txBody>
+          <a:bodyPr/>
+          <a:lstStyle/>
+          <a:p>
+            <a:fld id="{46C1CA06-F658-4220-8BC8-8FCF6253DAE1}" type="datetime1">
+              <a:rPr lang="de-DE" smtClean="0"/>
+              <a:t>28.10.2019</a:t>
+            </a:fld>
+            <a:endParaRPr lang="de-DE"/>
+          </a:p>
+        </p:txBody>
+      </p:sp>
+      <p:sp>
+        <p:nvSpPr>
+          <p:cNvPr id="4" name="Fußzeilenplatzhalter 3">
+            <a:extLst>
+              <a:ext uri="{FF2B5EF4-FFF2-40B4-BE49-F238E27FC236}">
+                <a16:creationId xmlns:a16="http://schemas.microsoft.com/office/drawing/2014/main" id="{DA172F6D-6769-48D6-8731-586391C8D979}"/>
+              </a:ext>
+            </a:extLst>
+          </p:cNvPr>
+          <p:cNvSpPr>
+            <a:spLocks noGrp="1"/>
+          </p:cNvSpPr>
+          <p:nvPr>
+            <p:ph type="ftr" sz="quarter" idx="11"/>
+          </p:nvPr>
+        </p:nvSpPr>
+        <p:spPr/>
+        <p:txBody>
+          <a:bodyPr/>
+          <a:lstStyle/>
+          <a:p>
+            <a:r>
+              <a:rPr lang="de-DE"/>
+              <a:t>Krieger</a:t>
+            </a:r>
+          </a:p>
+        </p:txBody>
+      </p:sp>
+      <p:sp>
+        <p:nvSpPr>
+          <p:cNvPr id="5" name="Foliennummernplatzhalter 4">
+            <a:extLst>
+              <a:ext uri="{FF2B5EF4-FFF2-40B4-BE49-F238E27FC236}">
+                <a16:creationId xmlns:a16="http://schemas.microsoft.com/office/drawing/2014/main" id="{1823A0F4-1125-4174-91BB-CCF9ECDA24DE}"/>
+              </a:ext>
+            </a:extLst>
+          </p:cNvPr>
+          <p:cNvSpPr>
+            <a:spLocks noGrp="1"/>
+          </p:cNvSpPr>
+          <p:nvPr>
+            <p:ph type="sldNum" sz="quarter" idx="12"/>
+          </p:nvPr>
+        </p:nvSpPr>
+        <p:spPr/>
+        <p:txBody>
+          <a:bodyPr/>
+          <a:lstStyle/>
+          <a:p>
+            <a:fld id="{75F11FD4-B355-4EAB-967C-DBC12644FBDE}" type="slidenum">
+              <a:rPr lang="de-DE" smtClean="0"/>
+              <a:t>4</a:t>
+            </a:fld>
+            <a:endParaRPr lang="de-DE"/>
+          </a:p>
+        </p:txBody>
+      </p:sp>
+      <p:sp>
+        <p:nvSpPr>
+          <p:cNvPr id="6" name="Textplatzhalter 5">
+            <a:extLst>
+              <a:ext uri="{FF2B5EF4-FFF2-40B4-BE49-F238E27FC236}">
+                <a16:creationId xmlns:a16="http://schemas.microsoft.com/office/drawing/2014/main" id="{112417E2-F2E9-4935-BEDC-71D6F10B4E7A}"/>
+              </a:ext>
+            </a:extLst>
+          </p:cNvPr>
+          <p:cNvSpPr>
+            <a:spLocks noGrp="1"/>
+          </p:cNvSpPr>
+          <p:nvPr>
+            <p:ph type="body" sz="quarter" idx="14"/>
+          </p:nvPr>
+        </p:nvSpPr>
+        <p:spPr/>
+        <p:txBody>
+          <a:bodyPr/>
+          <a:lstStyle/>
+          <a:p>
+            <a:endParaRPr lang="de-DE" dirty="0"/>
+          </a:p>
+        </p:txBody>
+      </p:sp>
+      <p:sp>
+        <p:nvSpPr>
+          <p:cNvPr id="7" name="Textplatzhalter 6">
+            <a:extLst>
+              <a:ext uri="{FF2B5EF4-FFF2-40B4-BE49-F238E27FC236}">
+                <a16:creationId xmlns:a16="http://schemas.microsoft.com/office/drawing/2014/main" id="{5EB2F4EC-B864-4310-80DD-C6C453ADE386}"/>
+              </a:ext>
+            </a:extLst>
+          </p:cNvPr>
+          <p:cNvSpPr>
+            <a:spLocks noGrp="1"/>
+          </p:cNvSpPr>
+          <p:nvPr>
+            <p:ph type="body" sz="quarter" idx="13"/>
+          </p:nvPr>
+        </p:nvSpPr>
+        <p:spPr>
+          <a:xfrm>
+            <a:off x="2746861" y="681037"/>
+            <a:ext cx="6672743" cy="1366925"/>
+          </a:xfrm>
+        </p:spPr>
+        <p:txBody>
+          <a:bodyPr/>
+          <a:lstStyle/>
+          <a:p>
+            <a:pPr>
+              <a:spcBef>
+                <a:spcPts val="0"/>
+              </a:spcBef>
+            </a:pPr>
+            <a:r>
+              <a:rPr lang="de-DE" dirty="0">
+                <a:latin typeface="Trebuchet MS" panose="020B0603020202020204" pitchFamily="34" charset="0"/>
+              </a:rPr>
+              <a:t>Das Anmeldefenster</a:t>
+            </a:r>
+          </a:p>
+        </p:txBody>
+      </p:sp>
+    </p:spTree>
+    <p:extLst>
+      <p:ext uri="{BB962C8B-B14F-4D97-AF65-F5344CB8AC3E}">
+        <p14:creationId xmlns:p14="http://schemas.microsoft.com/office/powerpoint/2010/main" val="1306647581"/>
+      </p:ext>
+    </p:extLst>
+  </p:cSld>
+  <p:clrMapOvr>
+    <a:masterClrMapping/>
+  </p:clrMapOvr>
 </p:sld>
 </file>
 
@@ -7010,7 +8334,7 @@
           <a:p>
             <a:fld id="{46C1CA06-F658-4220-8BC8-8FCF6253DAE1}" type="datetime1">
               <a:rPr lang="de-DE" smtClean="0"/>
-              <a:t>27.10.2019</a:t>
+              <a:t>28.10.2019</a:t>
             </a:fld>
             <a:endParaRPr lang="de-DE"/>
           </a:p>
@@ -7209,7 +8533,7 @@
           <a:p>
             <a:fld id="{46C1CA06-F658-4220-8BC8-8FCF6253DAE1}" type="datetime1">
               <a:rPr lang="de-DE" smtClean="0"/>
-              <a:t>27.10.2019</a:t>
+              <a:t>28.10.2019</a:t>
             </a:fld>
             <a:endParaRPr lang="de-DE"/>
           </a:p>
@@ -7295,7 +8619,7 @@
           <a:p>
             <a:r>
               <a:rPr lang="de-DE" dirty="0"/>
-              <a:t>Welche wurden umgesetzt?</a:t>
+              <a:t>Umsetzung</a:t>
             </a:r>
           </a:p>
         </p:txBody>
@@ -7406,7 +8730,7 @@
           <a:p>
             <a:fld id="{46C1CA06-F658-4220-8BC8-8FCF6253DAE1}" type="datetime1">
               <a:rPr lang="de-DE" smtClean="0"/>
-              <a:t>27.10.2019</a:t>
+              <a:t>28.10.2019</a:t>
             </a:fld>
             <a:endParaRPr lang="de-DE"/>
           </a:p>
@@ -7572,7 +8896,7 @@
           <a:p>
             <a:fld id="{46C1CA06-F658-4220-8BC8-8FCF6253DAE1}" type="datetime1">
               <a:rPr lang="de-DE" smtClean="0"/>
-              <a:t>27.10.2019</a:t>
+              <a:t>28.10.2019</a:t>
             </a:fld>
             <a:endParaRPr lang="de-DE"/>
           </a:p>

--- a/Dokumentation/Präsentation.pptx
+++ b/Dokumentation/Präsentation.pptx
@@ -204,7 +204,7 @@
           <a:p>
             <a:fld id="{7B7A28CD-82A6-451A-9ECC-C5B68CB99823}" type="datetimeFigureOut">
               <a:rPr lang="de-DE" smtClean="0"/>
-              <a:t>28.10.2019</a:t>
+              <a:t>04.11.2019</a:t>
             </a:fld>
             <a:endParaRPr lang="de-DE"/>
           </a:p>
@@ -886,7 +886,7 @@
           <a:p>
             <a:fld id="{64F9F675-049C-4039-886A-7641A3ED83AA}" type="datetime1">
               <a:rPr lang="de-DE" smtClean="0"/>
-              <a:t>28.10.2019</a:t>
+              <a:t>04.11.2019</a:t>
             </a:fld>
             <a:endParaRPr lang="de-DE" dirty="0"/>
           </a:p>
@@ -1068,7 +1068,7 @@
           <a:p>
             <a:fld id="{EF008B3B-8C86-4F35-BCD4-3D71CCC6220B}" type="datetime1">
               <a:rPr lang="de-DE" smtClean="0"/>
-              <a:t>28.10.2019</a:t>
+              <a:t>04.11.2019</a:t>
             </a:fld>
             <a:endParaRPr lang="de-DE"/>
           </a:p>
@@ -1522,7 +1522,7 @@
           <a:p>
             <a:fld id="{46C1CA06-F658-4220-8BC8-8FCF6253DAE1}" type="datetime1">
               <a:rPr lang="de-DE" smtClean="0"/>
-              <a:t>28.10.2019</a:t>
+              <a:t>04.11.2019</a:t>
             </a:fld>
             <a:endParaRPr lang="de-DE"/>
           </a:p>
@@ -2314,7 +2314,7 @@
           <a:p>
             <a:fld id="{4F6382F7-6B8A-47B3-AA70-C81E5D8F4180}" type="datetime1">
               <a:rPr lang="de-DE" smtClean="0"/>
-              <a:t>28.10.2019</a:t>
+              <a:t>04.11.2019</a:t>
             </a:fld>
             <a:endParaRPr lang="de-DE"/>
           </a:p>
@@ -3026,7 +3026,7 @@
           <a:p>
             <a:fld id="{6CFE6BEC-159F-4167-8F4D-D508A4F668F1}" type="datetime1">
               <a:rPr lang="de-DE" smtClean="0"/>
-              <a:t>28.10.2019</a:t>
+              <a:t>04.11.2019</a:t>
             </a:fld>
             <a:endParaRPr lang="de-DE"/>
           </a:p>
@@ -3457,7 +3457,7 @@
           <a:p>
             <a:fld id="{0650A090-A051-46A1-8797-56EEC00D0A83}" type="datetime1">
               <a:rPr lang="de-DE" smtClean="0"/>
-              <a:t>28.10.2019</a:t>
+              <a:t>04.11.2019</a:t>
             </a:fld>
             <a:endParaRPr lang="de-DE"/>
           </a:p>
@@ -3889,7 +3889,7 @@
           <a:p>
             <a:fld id="{76147A52-9CE4-4E84-B5AD-2E19D43BDEB9}" type="datetime1">
               <a:rPr lang="de-DE" smtClean="0"/>
-              <a:t>28.10.2019</a:t>
+              <a:t>04.11.2019</a:t>
             </a:fld>
             <a:endParaRPr lang="de-DE"/>
           </a:p>
@@ -4292,7 +4292,7 @@
           <a:p>
             <a:fld id="{088C7F9A-48FF-4E97-A5D8-34ABB2AA95D7}" type="datetime1">
               <a:rPr lang="de-DE" smtClean="0"/>
-              <a:t>28.10.2019</a:t>
+              <a:t>04.11.2019</a:t>
             </a:fld>
             <a:endParaRPr lang="de-DE"/>
           </a:p>
@@ -4743,7 +4743,7 @@
           <a:p>
             <a:fld id="{89EBD14D-9873-4385-9F14-4BFEE858A98C}" type="datetime1">
               <a:rPr lang="de-DE" smtClean="0"/>
-              <a:t>28.10.2019</a:t>
+              <a:t>04.11.2019</a:t>
             </a:fld>
             <a:endParaRPr lang="de-DE" dirty="0"/>
           </a:p>
@@ -5643,7 +5643,7 @@
           <a:p>
             <a:fld id="{F91931D6-F9D8-406D-9851-24FA674187DB}" type="datetime1">
               <a:rPr lang="de-DE" smtClean="0"/>
-              <a:t>28.10.2019</a:t>
+              <a:t>04.11.2019</a:t>
             </a:fld>
             <a:endParaRPr lang="de-DE" dirty="0"/>
           </a:p>
@@ -5795,7 +5795,9 @@
           <a:lstStyle/>
           <a:p>
             <a:r>
-              <a:rPr lang="de-DE" dirty="0"/>
+              <a:rPr lang="de-DE" sz="3200" dirty="0">
+                <a:latin typeface="Trebuchet MS" panose="020B0603020202020204" pitchFamily="34" charset="0"/>
+              </a:rPr>
               <a:t>Data Manipulation</a:t>
             </a:r>
           </a:p>
@@ -5823,41 +5825,69 @@
           <a:lstStyle/>
           <a:p>
             <a:r>
-              <a:rPr lang="de-DE" dirty="0"/>
+              <a:rPr lang="de-DE" dirty="0">
+                <a:latin typeface="Trebuchet MS" panose="020B0603020202020204" pitchFamily="34" charset="0"/>
+              </a:rPr>
               <a:t>Datensätze anlegen (</a:t>
             </a:r>
             <a:r>
-              <a:rPr lang="de-DE" dirty="0" err="1"/>
+              <a:rPr lang="de-DE" dirty="0" err="1">
+                <a:latin typeface="Trebuchet MS" panose="020B0603020202020204" pitchFamily="34" charset="0"/>
+              </a:rPr>
               <a:t>insert</a:t>
             </a:r>
             <a:r>
-              <a:rPr lang="de-DE" dirty="0"/>
+              <a:rPr lang="de-DE" dirty="0">
+                <a:latin typeface="Trebuchet MS" panose="020B0603020202020204" pitchFamily="34" charset="0"/>
+              </a:rPr>
               <a:t>)</a:t>
             </a:r>
           </a:p>
           <a:p>
             <a:r>
-              <a:rPr lang="de-DE" dirty="0"/>
-              <a:t>Datensätze editieren ()</a:t>
-            </a:r>
-          </a:p>
-          <a:p>
-            <a:r>
-              <a:rPr lang="de-DE" dirty="0"/>
-              <a:t>Datensätze löschen()</a:t>
-            </a:r>
-          </a:p>
-          <a:p>
-            <a:r>
-              <a:rPr lang="de-DE" dirty="0"/>
-              <a:t>Datensätze abfragen(</a:t>
-            </a:r>
-            <a:r>
-              <a:rPr lang="de-DE" dirty="0" err="1"/>
+              <a:rPr lang="de-DE" dirty="0">
+                <a:latin typeface="Trebuchet MS" panose="020B0603020202020204" pitchFamily="34" charset="0"/>
+              </a:rPr>
+              <a:t>Datensätze editieren (alter)</a:t>
+            </a:r>
+          </a:p>
+          <a:p>
+            <a:r>
+              <a:rPr lang="de-DE" dirty="0">
+                <a:latin typeface="Trebuchet MS" panose="020B0603020202020204" pitchFamily="34" charset="0"/>
+              </a:rPr>
+              <a:t>Datensätze löschen (</a:t>
+            </a:r>
+            <a:r>
+              <a:rPr lang="de-DE" dirty="0" err="1">
+                <a:latin typeface="Trebuchet MS" panose="020B0603020202020204" pitchFamily="34" charset="0"/>
+              </a:rPr>
+              <a:t>delete</a:t>
+            </a:r>
+            <a:r>
+              <a:rPr lang="de-DE" dirty="0">
+                <a:latin typeface="Trebuchet MS" panose="020B0603020202020204" pitchFamily="34" charset="0"/>
+              </a:rPr>
+              <a:t>)</a:t>
+            </a:r>
+          </a:p>
+          <a:p>
+            <a:r>
+              <a:rPr lang="de-DE" dirty="0">
+                <a:latin typeface="Trebuchet MS" panose="020B0603020202020204" pitchFamily="34" charset="0"/>
+              </a:rPr>
+              <a:t>Datensätze abfragen (</a:t>
+            </a:r>
+            <a:r>
+              <a:rPr lang="de-DE" dirty="0" err="1">
+                <a:latin typeface="Trebuchet MS" panose="020B0603020202020204" pitchFamily="34" charset="0"/>
+              </a:rPr>
               <a:t>select</a:t>
             </a:r>
             <a:r>
-              <a:rPr lang="de-DE" dirty="0"/>
+              <a:rPr lang="de-DE" dirty="0">
+                <a:latin typeface="Trebuchet MS" panose="020B0603020202020204" pitchFamily="34" charset="0"/>
+              </a:rPr>
               <a:t>)</a:t>
             </a:r>
           </a:p>
@@ -5885,7 +5915,9 @@
           <a:lstStyle/>
           <a:p>
             <a:r>
-              <a:rPr lang="de-DE" dirty="0"/>
+              <a:rPr lang="de-DE" sz="3200" dirty="0">
+                <a:latin typeface="Trebuchet MS" panose="020B0603020202020204" pitchFamily="34" charset="0"/>
+              </a:rPr>
               <a:t>Data Control</a:t>
             </a:r>
           </a:p>
@@ -5913,24 +5945,68 @@
           <a:lstStyle/>
           <a:p>
             <a:r>
-              <a:rPr lang="de-DE" dirty="0"/>
-              <a:t>Benutzer erstellen</a:t>
-            </a:r>
-          </a:p>
-          <a:p>
-            <a:r>
-              <a:rPr lang="de-DE" dirty="0"/>
-              <a:t>Benutzern Rechte zuweisen</a:t>
-            </a:r>
-          </a:p>
-          <a:p>
-            <a:r>
-              <a:rPr lang="de-DE" dirty="0"/>
-              <a:t>Benutzern Rechte widerrufen</a:t>
-            </a:r>
-          </a:p>
-          <a:p>
-            <a:endParaRPr lang="de-DE" dirty="0"/>
+              <a:rPr lang="de-DE" dirty="0">
+                <a:latin typeface="Trebuchet MS" panose="020B0603020202020204" pitchFamily="34" charset="0"/>
+              </a:rPr>
+              <a:t>Benutzer erstellen (</a:t>
+            </a:r>
+            <a:r>
+              <a:rPr lang="de-DE" dirty="0" err="1">
+                <a:latin typeface="Trebuchet MS" panose="020B0603020202020204" pitchFamily="34" charset="0"/>
+              </a:rPr>
+              <a:t>create</a:t>
+            </a:r>
+            <a:r>
+              <a:rPr lang="de-DE" dirty="0">
+                <a:latin typeface="Trebuchet MS" panose="020B0603020202020204" pitchFamily="34" charset="0"/>
+              </a:rPr>
+              <a:t>)</a:t>
+            </a:r>
+          </a:p>
+          <a:p>
+            <a:r>
+              <a:rPr lang="de-DE" dirty="0">
+                <a:latin typeface="Trebuchet MS" panose="020B0603020202020204" pitchFamily="34" charset="0"/>
+              </a:rPr>
+              <a:t>Rechte zuweisen (</a:t>
+            </a:r>
+            <a:r>
+              <a:rPr lang="de-DE" dirty="0" err="1">
+                <a:latin typeface="Trebuchet MS" panose="020B0603020202020204" pitchFamily="34" charset="0"/>
+              </a:rPr>
+              <a:t>grant</a:t>
+            </a:r>
+            <a:r>
+              <a:rPr lang="de-DE" dirty="0">
+                <a:latin typeface="Trebuchet MS" panose="020B0603020202020204" pitchFamily="34" charset="0"/>
+              </a:rPr>
+              <a:t>)</a:t>
+            </a:r>
+          </a:p>
+          <a:p>
+            <a:r>
+              <a:rPr lang="de-DE" dirty="0">
+                <a:latin typeface="Trebuchet MS" panose="020B0603020202020204" pitchFamily="34" charset="0"/>
+              </a:rPr>
+              <a:t>Rechte widerrufen (</a:t>
+            </a:r>
+            <a:r>
+              <a:rPr lang="de-DE" dirty="0" err="1">
+                <a:latin typeface="Trebuchet MS" panose="020B0603020202020204" pitchFamily="34" charset="0"/>
+              </a:rPr>
+              <a:t>revoke</a:t>
+            </a:r>
+            <a:r>
+              <a:rPr lang="de-DE" dirty="0">
+                <a:latin typeface="Trebuchet MS" panose="020B0603020202020204" pitchFamily="34" charset="0"/>
+              </a:rPr>
+              <a:t>)</a:t>
+            </a:r>
+          </a:p>
+          <a:p>
+            <a:endParaRPr lang="de-DE" dirty="0">
+              <a:latin typeface="Trebuchet MS" panose="020B0603020202020204" pitchFamily="34" charset="0"/>
+            </a:endParaRPr>
           </a:p>
         </p:txBody>
       </p:sp>
@@ -5957,7 +6033,7 @@
           <a:p>
             <a:fld id="{EF008B3B-8C86-4F35-BCD4-3D71CCC6220B}" type="datetime1">
               <a:rPr lang="de-DE" smtClean="0"/>
-              <a:t>28.10.2019</a:t>
+              <a:t>04.11.2019</a:t>
             </a:fld>
             <a:endParaRPr lang="de-DE"/>
           </a:p>
@@ -6129,7 +6205,7 @@
           <a:p>
             <a:fld id="{46C1CA06-F658-4220-8BC8-8FCF6253DAE1}" type="datetime1">
               <a:rPr lang="de-DE" smtClean="0"/>
-              <a:t>28.10.2019</a:t>
+              <a:t>04.11.2019</a:t>
             </a:fld>
             <a:endParaRPr lang="de-DE"/>
           </a:p>
@@ -8105,6 +8181,41 @@
           <a:chExt cx="0" cy="0"/>
         </a:xfrm>
       </p:grpSpPr>
+      <p:pic>
+        <p:nvPicPr>
+          <p:cNvPr id="10" name="Inhaltsplatzhalter 9" descr="Ein Bild, das Screenshot enthält.&#10;&#10;Automatisch generierte Beschreibung">
+            <a:extLst>
+              <a:ext uri="{FF2B5EF4-FFF2-40B4-BE49-F238E27FC236}">
+                <a16:creationId xmlns:a16="http://schemas.microsoft.com/office/drawing/2014/main" id="{14886F71-543F-4E7B-98F0-FA7191D8D593}"/>
+              </a:ext>
+            </a:extLst>
+          </p:cNvPr>
+          <p:cNvPicPr>
+            <a:picLocks noGrp="1" noChangeAspect="1"/>
+          </p:cNvPicPr>
+          <p:nvPr>
+            <p:ph idx="1"/>
+          </p:nvPr>
+        </p:nvPicPr>
+        <p:blipFill>
+          <a:blip r:embed="rId2">
+            <a:extLst>
+              <a:ext uri="{28A0092B-C50C-407E-A947-70E740481C1C}">
+                <a14:useLocalDpi xmlns:a14="http://schemas.microsoft.com/office/drawing/2010/main" val="0"/>
+              </a:ext>
+            </a:extLst>
+          </a:blip>
+          <a:stretch>
+            <a:fillRect/>
+          </a:stretch>
+        </p:blipFill>
+        <p:spPr>
+          <a:xfrm>
+            <a:off x="1511066" y="1479376"/>
+            <a:ext cx="9169866" cy="4955907"/>
+          </a:xfrm>
+        </p:spPr>
+      </p:pic>
       <p:sp>
         <p:nvSpPr>
           <p:cNvPr id="3" name="Datumsplatzhalter 2">
@@ -8128,7 +8239,7 @@
           <a:p>
             <a:fld id="{46C1CA06-F658-4220-8BC8-8FCF6253DAE1}" type="datetime1">
               <a:rPr lang="de-DE" smtClean="0"/>
-              <a:t>28.10.2019</a:t>
+              <a:t>04.11.2019</a:t>
             </a:fld>
             <a:endParaRPr lang="de-DE"/>
           </a:p>
@@ -8193,31 +8304,6 @@
       </p:sp>
       <p:sp>
         <p:nvSpPr>
-          <p:cNvPr id="6" name="Textplatzhalter 5">
-            <a:extLst>
-              <a:ext uri="{FF2B5EF4-FFF2-40B4-BE49-F238E27FC236}">
-                <a16:creationId xmlns:a16="http://schemas.microsoft.com/office/drawing/2014/main" id="{112417E2-F2E9-4935-BEDC-71D6F10B4E7A}"/>
-              </a:ext>
-            </a:extLst>
-          </p:cNvPr>
-          <p:cNvSpPr>
-            <a:spLocks noGrp="1"/>
-          </p:cNvSpPr>
-          <p:nvPr>
-            <p:ph type="body" sz="quarter" idx="14"/>
-          </p:nvPr>
-        </p:nvSpPr>
-        <p:spPr/>
-        <p:txBody>
-          <a:bodyPr/>
-          <a:lstStyle/>
-          <a:p>
-            <a:endParaRPr lang="de-DE" dirty="0"/>
-          </a:p>
-        </p:txBody>
-      </p:sp>
-      <p:sp>
-        <p:nvSpPr>
           <p:cNvPr id="7" name="Textplatzhalter 6">
             <a:extLst>
               <a:ext uri="{FF2B5EF4-FFF2-40B4-BE49-F238E27FC236}">
@@ -8234,8 +8320,8 @@
         </p:nvSpPr>
         <p:spPr>
           <a:xfrm>
-            <a:off x="2746861" y="681037"/>
-            <a:ext cx="6672743" cy="1366925"/>
+            <a:off x="3335836" y="646169"/>
+            <a:ext cx="5520327" cy="571500"/>
           </a:xfrm>
         </p:spPr>
         <p:txBody>
@@ -8253,6 +8339,171 @@
               </a:rPr>
               <a:t>Das Anmeldefenster</a:t>
             </a:r>
+          </a:p>
+        </p:txBody>
+      </p:sp>
+      <p:pic>
+        <p:nvPicPr>
+          <p:cNvPr id="17" name="Grafik 16" descr="Pfeil mit einer Linie: Gerade">
+            <a:extLst>
+              <a:ext uri="{FF2B5EF4-FFF2-40B4-BE49-F238E27FC236}">
+                <a16:creationId xmlns:a16="http://schemas.microsoft.com/office/drawing/2014/main" id="{F140B2CA-6DAB-4CD4-986F-32D8F474B16C}"/>
+              </a:ext>
+            </a:extLst>
+          </p:cNvPr>
+          <p:cNvPicPr>
+            <a:picLocks noChangeAspect="1"/>
+          </p:cNvPicPr>
+          <p:nvPr/>
+        </p:nvPicPr>
+        <p:blipFill>
+          <a:blip r:embed="rId3">
+            <a:extLst>
+              <a:ext uri="{28A0092B-C50C-407E-A947-70E740481C1C}">
+                <a14:useLocalDpi xmlns:a14="http://schemas.microsoft.com/office/drawing/2010/main" val="0"/>
+              </a:ext>
+              <a:ext uri="{96DAC541-7B7A-43D3-8B79-37D633B846F1}">
+                <asvg:svgBlip xmlns:asvg="http://schemas.microsoft.com/office/drawing/2016/SVG/main" r:embed="rId4"/>
+              </a:ext>
+            </a:extLst>
+          </a:blip>
+          <a:stretch>
+            <a:fillRect/>
+          </a:stretch>
+        </p:blipFill>
+        <p:spPr>
+          <a:xfrm>
+            <a:off x="6972649" y="2896299"/>
+            <a:ext cx="914400" cy="914400"/>
+          </a:xfrm>
+          <a:prstGeom prst="rect">
+            <a:avLst/>
+          </a:prstGeom>
+        </p:spPr>
+      </p:pic>
+      <p:pic>
+        <p:nvPicPr>
+          <p:cNvPr id="18" name="Grafik 17" descr="Pfeil mit einer Linie: Gerade">
+            <a:extLst>
+              <a:ext uri="{FF2B5EF4-FFF2-40B4-BE49-F238E27FC236}">
+                <a16:creationId xmlns:a16="http://schemas.microsoft.com/office/drawing/2014/main" id="{3FCE5624-B2DE-4913-B543-491CD34806B0}"/>
+              </a:ext>
+            </a:extLst>
+          </p:cNvPr>
+          <p:cNvPicPr>
+            <a:picLocks noChangeAspect="1"/>
+          </p:cNvPicPr>
+          <p:nvPr/>
+        </p:nvPicPr>
+        <p:blipFill>
+          <a:blip r:embed="rId3">
+            <a:extLst>
+              <a:ext uri="{28A0092B-C50C-407E-A947-70E740481C1C}">
+                <a14:useLocalDpi xmlns:a14="http://schemas.microsoft.com/office/drawing/2010/main" val="0"/>
+              </a:ext>
+              <a:ext uri="{96DAC541-7B7A-43D3-8B79-37D633B846F1}">
+                <asvg:svgBlip xmlns:asvg="http://schemas.microsoft.com/office/drawing/2016/SVG/main" r:embed="rId4"/>
+              </a:ext>
+            </a:extLst>
+          </a:blip>
+          <a:stretch>
+            <a:fillRect/>
+          </a:stretch>
+        </p:blipFill>
+        <p:spPr>
+          <a:xfrm>
+            <a:off x="6972649" y="3241646"/>
+            <a:ext cx="914400" cy="914400"/>
+          </a:xfrm>
+          <a:prstGeom prst="rect">
+            <a:avLst/>
+          </a:prstGeom>
+        </p:spPr>
+      </p:pic>
+      <p:pic>
+        <p:nvPicPr>
+          <p:cNvPr id="24" name="Inhaltsplatzhalter 9" descr="Ein Bild, das Screenshot enthält.&#10;&#10;Automatisch generierte Beschreibung">
+            <a:extLst>
+              <a:ext uri="{FF2B5EF4-FFF2-40B4-BE49-F238E27FC236}">
+                <a16:creationId xmlns:a16="http://schemas.microsoft.com/office/drawing/2014/main" id="{1DE9D6AB-9263-4C72-A6BD-39EABF58436A}"/>
+              </a:ext>
+            </a:extLst>
+          </p:cNvPr>
+          <p:cNvPicPr>
+            <a:picLocks noChangeAspect="1"/>
+          </p:cNvPicPr>
+          <p:nvPr/>
+        </p:nvPicPr>
+        <p:blipFill rotWithShape="1">
+          <a:blip r:embed="rId2">
+            <a:extLst>
+              <a:ext uri="{28A0092B-C50C-407E-A947-70E740481C1C}">
+                <a14:useLocalDpi xmlns:a14="http://schemas.microsoft.com/office/drawing/2010/main" val="0"/>
+              </a:ext>
+            </a:extLst>
+          </a:blip>
+          <a:srcRect r="87498" b="97370"/>
+          <a:stretch/>
+        </p:blipFill>
+        <p:spPr>
+          <a:xfrm>
+            <a:off x="1511066" y="1479374"/>
+            <a:ext cx="1146409" cy="130347"/>
+          </a:xfrm>
+          <a:prstGeom prst="rect">
+            <a:avLst/>
+          </a:prstGeom>
+        </p:spPr>
+      </p:pic>
+      <p:sp>
+        <p:nvSpPr>
+          <p:cNvPr id="23" name="Rechteck 22">
+            <a:extLst>
+              <a:ext uri="{FF2B5EF4-FFF2-40B4-BE49-F238E27FC236}">
+                <a16:creationId xmlns:a16="http://schemas.microsoft.com/office/drawing/2014/main" id="{BFA6D180-655F-47C5-ADF9-47D064AD7CF9}"/>
+              </a:ext>
+            </a:extLst>
+          </p:cNvPr>
+          <p:cNvSpPr/>
+          <p:nvPr/>
+        </p:nvSpPr>
+        <p:spPr>
+          <a:xfrm>
+            <a:off x="1514124" y="1479374"/>
+            <a:ext cx="1146409" cy="130349"/>
+          </a:xfrm>
+          <a:prstGeom prst="rect">
+            <a:avLst/>
+          </a:prstGeom>
+          <a:noFill/>
+          <a:ln>
+            <a:solidFill>
+              <a:schemeClr val="tx1"/>
+            </a:solidFill>
+          </a:ln>
+        </p:spPr>
+        <p:style>
+          <a:lnRef idx="2">
+            <a:schemeClr val="accent1">
+              <a:shade val="50000"/>
+            </a:schemeClr>
+          </a:lnRef>
+          <a:fillRef idx="1">
+            <a:schemeClr val="accent1"/>
+          </a:fillRef>
+          <a:effectRef idx="0">
+            <a:schemeClr val="accent1"/>
+          </a:effectRef>
+          <a:fontRef idx="minor">
+            <a:schemeClr val="lt1"/>
+          </a:fontRef>
+        </p:style>
+        <p:txBody>
+          <a:bodyPr rtlCol="0" anchor="ctr"/>
+          <a:lstStyle/>
+          <a:p>
+            <a:pPr algn="ctr"/>
+            <a:endParaRPr lang="de-DE"/>
           </a:p>
         </p:txBody>
       </p:sp>
@@ -8266,6 +8517,359 @@
   <p:clrMapOvr>
     <a:masterClrMapping/>
   </p:clrMapOvr>
+  <p:timing>
+    <p:tnLst>
+      <p:par>
+        <p:cTn id="1" dur="indefinite" restart="never" nodeType="tmRoot">
+          <p:childTnLst>
+            <p:seq concurrent="1" nextAc="seek">
+              <p:cTn id="2" dur="indefinite" nodeType="mainSeq">
+                <p:childTnLst>
+                  <p:par>
+                    <p:cTn id="3" fill="hold">
+                      <p:stCondLst>
+                        <p:cond delay="indefinite"/>
+                      </p:stCondLst>
+                      <p:childTnLst>
+                        <p:par>
+                          <p:cTn id="4" fill="hold">
+                            <p:stCondLst>
+                              <p:cond delay="0"/>
+                            </p:stCondLst>
+                            <p:childTnLst>
+                              <p:par>
+                                <p:cTn id="5" presetID="10" presetClass="entr" presetSubtype="0" fill="hold" nodeType="clickEffect">
+                                  <p:stCondLst>
+                                    <p:cond delay="0"/>
+                                  </p:stCondLst>
+                                  <p:childTnLst>
+                                    <p:set>
+                                      <p:cBhvr>
+                                        <p:cTn id="6" dur="1" fill="hold">
+                                          <p:stCondLst>
+                                            <p:cond delay="0"/>
+                                          </p:stCondLst>
+                                        </p:cTn>
+                                        <p:tgtEl>
+                                          <p:spTgt spid="17"/>
+                                        </p:tgtEl>
+                                        <p:attrNameLst>
+                                          <p:attrName>style.visibility</p:attrName>
+                                        </p:attrNameLst>
+                                      </p:cBhvr>
+                                      <p:to>
+                                        <p:strVal val="visible"/>
+                                      </p:to>
+                                    </p:set>
+                                    <p:animEffect transition="in" filter="fade">
+                                      <p:cBhvr>
+                                        <p:cTn id="7" dur="500"/>
+                                        <p:tgtEl>
+                                          <p:spTgt spid="17"/>
+                                        </p:tgtEl>
+                                      </p:cBhvr>
+                                    </p:animEffect>
+                                  </p:childTnLst>
+                                </p:cTn>
+                              </p:par>
+                            </p:childTnLst>
+                          </p:cTn>
+                        </p:par>
+                      </p:childTnLst>
+                    </p:cTn>
+                  </p:par>
+                  <p:par>
+                    <p:cTn id="8" fill="hold">
+                      <p:stCondLst>
+                        <p:cond delay="indefinite"/>
+                      </p:stCondLst>
+                      <p:childTnLst>
+                        <p:par>
+                          <p:cTn id="9" fill="hold">
+                            <p:stCondLst>
+                              <p:cond delay="0"/>
+                            </p:stCondLst>
+                            <p:childTnLst>
+                              <p:par>
+                                <p:cTn id="10" presetID="10" presetClass="exit" presetSubtype="0" fill="hold" nodeType="clickEffect">
+                                  <p:stCondLst>
+                                    <p:cond delay="0"/>
+                                  </p:stCondLst>
+                                  <p:childTnLst>
+                                    <p:animEffect transition="out" filter="fade">
+                                      <p:cBhvr>
+                                        <p:cTn id="11" dur="500"/>
+                                        <p:tgtEl>
+                                          <p:spTgt spid="17"/>
+                                        </p:tgtEl>
+                                      </p:cBhvr>
+                                    </p:animEffect>
+                                    <p:set>
+                                      <p:cBhvr>
+                                        <p:cTn id="12" dur="1" fill="hold">
+                                          <p:stCondLst>
+                                            <p:cond delay="499"/>
+                                          </p:stCondLst>
+                                        </p:cTn>
+                                        <p:tgtEl>
+                                          <p:spTgt spid="17"/>
+                                        </p:tgtEl>
+                                        <p:attrNameLst>
+                                          <p:attrName>style.visibility</p:attrName>
+                                        </p:attrNameLst>
+                                      </p:cBhvr>
+                                      <p:to>
+                                        <p:strVal val="hidden"/>
+                                      </p:to>
+                                    </p:set>
+                                  </p:childTnLst>
+                                </p:cTn>
+                              </p:par>
+                            </p:childTnLst>
+                          </p:cTn>
+                        </p:par>
+                      </p:childTnLst>
+                    </p:cTn>
+                  </p:par>
+                  <p:par>
+                    <p:cTn id="13" fill="hold">
+                      <p:stCondLst>
+                        <p:cond delay="indefinite"/>
+                      </p:stCondLst>
+                      <p:childTnLst>
+                        <p:par>
+                          <p:cTn id="14" fill="hold">
+                            <p:stCondLst>
+                              <p:cond delay="0"/>
+                            </p:stCondLst>
+                            <p:childTnLst>
+                              <p:par>
+                                <p:cTn id="15" presetID="10" presetClass="entr" presetSubtype="0" fill="hold" nodeType="clickEffect">
+                                  <p:stCondLst>
+                                    <p:cond delay="0"/>
+                                  </p:stCondLst>
+                                  <p:childTnLst>
+                                    <p:set>
+                                      <p:cBhvr>
+                                        <p:cTn id="16" dur="1" fill="hold">
+                                          <p:stCondLst>
+                                            <p:cond delay="0"/>
+                                          </p:stCondLst>
+                                        </p:cTn>
+                                        <p:tgtEl>
+                                          <p:spTgt spid="18"/>
+                                        </p:tgtEl>
+                                        <p:attrNameLst>
+                                          <p:attrName>style.visibility</p:attrName>
+                                        </p:attrNameLst>
+                                      </p:cBhvr>
+                                      <p:to>
+                                        <p:strVal val="visible"/>
+                                      </p:to>
+                                    </p:set>
+                                    <p:animEffect transition="in" filter="fade">
+                                      <p:cBhvr>
+                                        <p:cTn id="17" dur="500"/>
+                                        <p:tgtEl>
+                                          <p:spTgt spid="18"/>
+                                        </p:tgtEl>
+                                      </p:cBhvr>
+                                    </p:animEffect>
+                                  </p:childTnLst>
+                                </p:cTn>
+                              </p:par>
+                            </p:childTnLst>
+                          </p:cTn>
+                        </p:par>
+                      </p:childTnLst>
+                    </p:cTn>
+                  </p:par>
+                  <p:par>
+                    <p:cTn id="18" fill="hold">
+                      <p:stCondLst>
+                        <p:cond delay="indefinite"/>
+                      </p:stCondLst>
+                      <p:childTnLst>
+                        <p:par>
+                          <p:cTn id="19" fill="hold">
+                            <p:stCondLst>
+                              <p:cond delay="0"/>
+                            </p:stCondLst>
+                            <p:childTnLst>
+                              <p:par>
+                                <p:cTn id="20" presetID="10" presetClass="exit" presetSubtype="0" fill="hold" nodeType="clickEffect">
+                                  <p:stCondLst>
+                                    <p:cond delay="0"/>
+                                  </p:stCondLst>
+                                  <p:childTnLst>
+                                    <p:animEffect transition="out" filter="fade">
+                                      <p:cBhvr>
+                                        <p:cTn id="21" dur="500"/>
+                                        <p:tgtEl>
+                                          <p:spTgt spid="18"/>
+                                        </p:tgtEl>
+                                      </p:cBhvr>
+                                    </p:animEffect>
+                                    <p:set>
+                                      <p:cBhvr>
+                                        <p:cTn id="22" dur="1" fill="hold">
+                                          <p:stCondLst>
+                                            <p:cond delay="499"/>
+                                          </p:stCondLst>
+                                        </p:cTn>
+                                        <p:tgtEl>
+                                          <p:spTgt spid="18"/>
+                                        </p:tgtEl>
+                                        <p:attrNameLst>
+                                          <p:attrName>style.visibility</p:attrName>
+                                        </p:attrNameLst>
+                                      </p:cBhvr>
+                                      <p:to>
+                                        <p:strVal val="hidden"/>
+                                      </p:to>
+                                    </p:set>
+                                  </p:childTnLst>
+                                </p:cTn>
+                              </p:par>
+                            </p:childTnLst>
+                          </p:cTn>
+                        </p:par>
+                      </p:childTnLst>
+                    </p:cTn>
+                  </p:par>
+                  <p:par>
+                    <p:cTn id="23" fill="hold">
+                      <p:stCondLst>
+                        <p:cond delay="indefinite"/>
+                      </p:stCondLst>
+                      <p:childTnLst>
+                        <p:par>
+                          <p:cTn id="24" fill="hold">
+                            <p:stCondLst>
+                              <p:cond delay="0"/>
+                            </p:stCondLst>
+                            <p:childTnLst>
+                              <p:par>
+                                <p:cTn id="25" presetID="21" presetClass="entr" presetSubtype="1" fill="hold" grpId="0" nodeType="clickEffect">
+                                  <p:stCondLst>
+                                    <p:cond delay="0"/>
+                                  </p:stCondLst>
+                                  <p:childTnLst>
+                                    <p:set>
+                                      <p:cBhvr>
+                                        <p:cTn id="26" dur="1" fill="hold">
+                                          <p:stCondLst>
+                                            <p:cond delay="0"/>
+                                          </p:stCondLst>
+                                        </p:cTn>
+                                        <p:tgtEl>
+                                          <p:spTgt spid="23"/>
+                                        </p:tgtEl>
+                                        <p:attrNameLst>
+                                          <p:attrName>style.visibility</p:attrName>
+                                        </p:attrNameLst>
+                                      </p:cBhvr>
+                                      <p:to>
+                                        <p:strVal val="visible"/>
+                                      </p:to>
+                                    </p:set>
+                                    <p:animEffect transition="in" filter="wheel(1)">
+                                      <p:cBhvr>
+                                        <p:cTn id="27" dur="1000"/>
+                                        <p:tgtEl>
+                                          <p:spTgt spid="23"/>
+                                        </p:tgtEl>
+                                      </p:cBhvr>
+                                    </p:animEffect>
+                                  </p:childTnLst>
+                                </p:cTn>
+                              </p:par>
+                            </p:childTnLst>
+                          </p:cTn>
+                        </p:par>
+                      </p:childTnLst>
+                    </p:cTn>
+                  </p:par>
+                  <p:par>
+                    <p:cTn id="28" fill="hold">
+                      <p:stCondLst>
+                        <p:cond delay="indefinite"/>
+                      </p:stCondLst>
+                      <p:childTnLst>
+                        <p:par>
+                          <p:cTn id="29" fill="hold">
+                            <p:stCondLst>
+                              <p:cond delay="0"/>
+                            </p:stCondLst>
+                            <p:childTnLst>
+                              <p:par>
+                                <p:cTn id="30" presetID="6" presetClass="emph" presetSubtype="0" fill="hold" grpId="1" nodeType="clickEffect">
+                                  <p:stCondLst>
+                                    <p:cond delay="0"/>
+                                  </p:stCondLst>
+                                  <p:childTnLst>
+                                    <p:animScale>
+                                      <p:cBhvr>
+                                        <p:cTn id="31" dur="2000" fill="hold"/>
+                                        <p:tgtEl>
+                                          <p:spTgt spid="23"/>
+                                        </p:tgtEl>
+                                      </p:cBhvr>
+                                      <p:by x="150000" y="150000"/>
+                                    </p:animScale>
+                                  </p:childTnLst>
+                                </p:cTn>
+                              </p:par>
+                              <p:par>
+                                <p:cTn id="32" presetID="6" presetClass="emph" presetSubtype="0" fill="hold" nodeType="withEffect">
+                                  <p:stCondLst>
+                                    <p:cond delay="0"/>
+                                  </p:stCondLst>
+                                  <p:childTnLst>
+                                    <p:animScale>
+                                      <p:cBhvr>
+                                        <p:cTn id="33" dur="2000" fill="hold"/>
+                                        <p:tgtEl>
+                                          <p:spTgt spid="24"/>
+                                        </p:tgtEl>
+                                      </p:cBhvr>
+                                      <p:by x="150000" y="150000"/>
+                                    </p:animScale>
+                                  </p:childTnLst>
+                                </p:cTn>
+                              </p:par>
+                            </p:childTnLst>
+                          </p:cTn>
+                        </p:par>
+                      </p:childTnLst>
+                    </p:cTn>
+                  </p:par>
+                </p:childTnLst>
+              </p:cTn>
+              <p:prevCondLst>
+                <p:cond evt="onPrev" delay="0">
+                  <p:tgtEl>
+                    <p:sldTgt/>
+                  </p:tgtEl>
+                </p:cond>
+              </p:prevCondLst>
+              <p:nextCondLst>
+                <p:cond evt="onNext" delay="0">
+                  <p:tgtEl>
+                    <p:sldTgt/>
+                  </p:tgtEl>
+                </p:cond>
+              </p:nextCondLst>
+            </p:seq>
+          </p:childTnLst>
+        </p:cTn>
+      </p:par>
+    </p:tnLst>
+    <p:bldLst>
+      <p:bldP spid="23" grpId="0" animBg="1"/>
+      <p:bldP spid="23" grpId="1" animBg="1"/>
+    </p:bldLst>
+  </p:timing>
 </p:sld>
 </file>
 
@@ -8334,7 +8938,7 @@
           <a:p>
             <a:fld id="{46C1CA06-F658-4220-8BC8-8FCF6253DAE1}" type="datetime1">
               <a:rPr lang="de-DE" smtClean="0"/>
-              <a:t>28.10.2019</a:t>
+              <a:t>04.11.2019</a:t>
             </a:fld>
             <a:endParaRPr lang="de-DE"/>
           </a:p>
@@ -8533,7 +9137,7 @@
           <a:p>
             <a:fld id="{46C1CA06-F658-4220-8BC8-8FCF6253DAE1}" type="datetime1">
               <a:rPr lang="de-DE" smtClean="0"/>
-              <a:t>28.10.2019</a:t>
+              <a:t>04.11.2019</a:t>
             </a:fld>
             <a:endParaRPr lang="de-DE"/>
           </a:p>
@@ -8730,7 +9334,7 @@
           <a:p>
             <a:fld id="{46C1CA06-F658-4220-8BC8-8FCF6253DAE1}" type="datetime1">
               <a:rPr lang="de-DE" smtClean="0"/>
-              <a:t>28.10.2019</a:t>
+              <a:t>04.11.2019</a:t>
             </a:fld>
             <a:endParaRPr lang="de-DE"/>
           </a:p>
@@ -8896,7 +9500,7 @@
           <a:p>
             <a:fld id="{46C1CA06-F658-4220-8BC8-8FCF6253DAE1}" type="datetime1">
               <a:rPr lang="de-DE" smtClean="0"/>
-              <a:t>28.10.2019</a:t>
+              <a:t>04.11.2019</a:t>
             </a:fld>
             <a:endParaRPr lang="de-DE"/>
           </a:p>

--- a/Dokumentation/Präsentation.pptx
+++ b/Dokumentation/Präsentation.pptx
@@ -204,7 +204,7 @@
           <a:p>
             <a:fld id="{7B7A28CD-82A6-451A-9ECC-C5B68CB99823}" type="datetimeFigureOut">
               <a:rPr lang="de-DE" smtClean="0"/>
-              <a:t>04.11.2019</a:t>
+              <a:t>14.11.2019</a:t>
             </a:fld>
             <a:endParaRPr lang="de-DE"/>
           </a:p>
@@ -886,7 +886,7 @@
           <a:p>
             <a:fld id="{64F9F675-049C-4039-886A-7641A3ED83AA}" type="datetime1">
               <a:rPr lang="de-DE" smtClean="0"/>
-              <a:t>04.11.2019</a:t>
+              <a:t>14.11.2019</a:t>
             </a:fld>
             <a:endParaRPr lang="de-DE" dirty="0"/>
           </a:p>
@@ -1068,7 +1068,7 @@
           <a:p>
             <a:fld id="{EF008B3B-8C86-4F35-BCD4-3D71CCC6220B}" type="datetime1">
               <a:rPr lang="de-DE" smtClean="0"/>
-              <a:t>04.11.2019</a:t>
+              <a:t>14.11.2019</a:t>
             </a:fld>
             <a:endParaRPr lang="de-DE"/>
           </a:p>
@@ -1522,7 +1522,7 @@
           <a:p>
             <a:fld id="{46C1CA06-F658-4220-8BC8-8FCF6253DAE1}" type="datetime1">
               <a:rPr lang="de-DE" smtClean="0"/>
-              <a:t>04.11.2019</a:t>
+              <a:t>14.11.2019</a:t>
             </a:fld>
             <a:endParaRPr lang="de-DE"/>
           </a:p>
@@ -2314,7 +2314,7 @@
           <a:p>
             <a:fld id="{4F6382F7-6B8A-47B3-AA70-C81E5D8F4180}" type="datetime1">
               <a:rPr lang="de-DE" smtClean="0"/>
-              <a:t>04.11.2019</a:t>
+              <a:t>14.11.2019</a:t>
             </a:fld>
             <a:endParaRPr lang="de-DE"/>
           </a:p>
@@ -3026,7 +3026,7 @@
           <a:p>
             <a:fld id="{6CFE6BEC-159F-4167-8F4D-D508A4F668F1}" type="datetime1">
               <a:rPr lang="de-DE" smtClean="0"/>
-              <a:t>04.11.2019</a:t>
+              <a:t>14.11.2019</a:t>
             </a:fld>
             <a:endParaRPr lang="de-DE"/>
           </a:p>
@@ -3457,7 +3457,7 @@
           <a:p>
             <a:fld id="{0650A090-A051-46A1-8797-56EEC00D0A83}" type="datetime1">
               <a:rPr lang="de-DE" smtClean="0"/>
-              <a:t>04.11.2019</a:t>
+              <a:t>14.11.2019</a:t>
             </a:fld>
             <a:endParaRPr lang="de-DE"/>
           </a:p>
@@ -3889,7 +3889,7 @@
           <a:p>
             <a:fld id="{76147A52-9CE4-4E84-B5AD-2E19D43BDEB9}" type="datetime1">
               <a:rPr lang="de-DE" smtClean="0"/>
-              <a:t>04.11.2019</a:t>
+              <a:t>14.11.2019</a:t>
             </a:fld>
             <a:endParaRPr lang="de-DE"/>
           </a:p>
@@ -4292,7 +4292,7 @@
           <a:p>
             <a:fld id="{088C7F9A-48FF-4E97-A5D8-34ABB2AA95D7}" type="datetime1">
               <a:rPr lang="de-DE" smtClean="0"/>
-              <a:t>04.11.2019</a:t>
+              <a:t>14.11.2019</a:t>
             </a:fld>
             <a:endParaRPr lang="de-DE"/>
           </a:p>
@@ -4743,7 +4743,7 @@
           <a:p>
             <a:fld id="{89EBD14D-9873-4385-9F14-4BFEE858A98C}" type="datetime1">
               <a:rPr lang="de-DE" smtClean="0"/>
-              <a:t>04.11.2019</a:t>
+              <a:t>14.11.2019</a:t>
             </a:fld>
             <a:endParaRPr lang="de-DE" dirty="0"/>
           </a:p>
@@ -5643,7 +5643,7 @@
           <a:p>
             <a:fld id="{F91931D6-F9D8-406D-9851-24FA674187DB}" type="datetime1">
               <a:rPr lang="de-DE" smtClean="0"/>
-              <a:t>04.11.2019</a:t>
+              <a:t>14.11.2019</a:t>
             </a:fld>
             <a:endParaRPr lang="de-DE" dirty="0"/>
           </a:p>
@@ -6033,7 +6033,7 @@
           <a:p>
             <a:fld id="{EF008B3B-8C86-4F35-BCD4-3D71CCC6220B}" type="datetime1">
               <a:rPr lang="de-DE" smtClean="0"/>
-              <a:t>04.11.2019</a:t>
+              <a:t>14.11.2019</a:t>
             </a:fld>
             <a:endParaRPr lang="de-DE"/>
           </a:p>
@@ -6205,7 +6205,7 @@
           <a:p>
             <a:fld id="{46C1CA06-F658-4220-8BC8-8FCF6253DAE1}" type="datetime1">
               <a:rPr lang="de-DE" smtClean="0"/>
-              <a:t>04.11.2019</a:t>
+              <a:t>14.11.2019</a:t>
             </a:fld>
             <a:endParaRPr lang="de-DE"/>
           </a:p>
@@ -8239,7 +8239,7 @@
           <a:p>
             <a:fld id="{46C1CA06-F658-4220-8BC8-8FCF6253DAE1}" type="datetime1">
               <a:rPr lang="de-DE" smtClean="0"/>
-              <a:t>04.11.2019</a:t>
+              <a:t>14.11.2019</a:t>
             </a:fld>
             <a:endParaRPr lang="de-DE"/>
           </a:p>
@@ -8447,7 +8447,7 @@
         </p:blipFill>
         <p:spPr>
           <a:xfrm>
-            <a:off x="1511066" y="1479374"/>
+            <a:off x="1514124" y="1479376"/>
             <a:ext cx="1146409" cy="130347"/>
           </a:xfrm>
           <a:prstGeom prst="rect">
@@ -8938,7 +8938,7 @@
           <a:p>
             <a:fld id="{46C1CA06-F658-4220-8BC8-8FCF6253DAE1}" type="datetime1">
               <a:rPr lang="de-DE" smtClean="0"/>
-              <a:t>04.11.2019</a:t>
+              <a:t>14.11.2019</a:t>
             </a:fld>
             <a:endParaRPr lang="de-DE"/>
           </a:p>
@@ -9137,7 +9137,7 @@
           <a:p>
             <a:fld id="{46C1CA06-F658-4220-8BC8-8FCF6253DAE1}" type="datetime1">
               <a:rPr lang="de-DE" smtClean="0"/>
-              <a:t>04.11.2019</a:t>
+              <a:t>14.11.2019</a:t>
             </a:fld>
             <a:endParaRPr lang="de-DE"/>
           </a:p>
@@ -9334,7 +9334,7 @@
           <a:p>
             <a:fld id="{46C1CA06-F658-4220-8BC8-8FCF6253DAE1}" type="datetime1">
               <a:rPr lang="de-DE" smtClean="0"/>
-              <a:t>04.11.2019</a:t>
+              <a:t>14.11.2019</a:t>
             </a:fld>
             <a:endParaRPr lang="de-DE"/>
           </a:p>
@@ -9443,7 +9443,10 @@
           <a:bodyPr/>
           <a:lstStyle/>
           <a:p>
-            <a:endParaRPr lang="de-DE"/>
+            <a:r>
+              <a:rPr lang="de-DE" dirty="0"/>
+              <a:t>UML Diagramm</a:t>
+            </a:r>
           </a:p>
         </p:txBody>
       </p:sp>
@@ -9500,7 +9503,7 @@
           <a:p>
             <a:fld id="{46C1CA06-F658-4220-8BC8-8FCF6253DAE1}" type="datetime1">
               <a:rPr lang="de-DE" smtClean="0"/>
-              <a:t>04.11.2019</a:t>
+              <a:t>14.11.2019</a:t>
             </a:fld>
             <a:endParaRPr lang="de-DE"/>
           </a:p>
@@ -9563,45 +9566,6 @@
           </a:p>
         </p:txBody>
       </p:sp>
-      <p:pic>
-        <p:nvPicPr>
-          <p:cNvPr id="17" name="Grafik 16" descr="Hilfe">
-            <a:extLst>
-              <a:ext uri="{FF2B5EF4-FFF2-40B4-BE49-F238E27FC236}">
-                <a16:creationId xmlns:a16="http://schemas.microsoft.com/office/drawing/2014/main" id="{75BCB99A-2926-43DC-80D7-1D4DE70FB182}"/>
-              </a:ext>
-            </a:extLst>
-          </p:cNvPr>
-          <p:cNvPicPr>
-            <a:picLocks noChangeAspect="1"/>
-          </p:cNvPicPr>
-          <p:nvPr/>
-        </p:nvPicPr>
-        <p:blipFill>
-          <a:blip r:embed="rId2">
-            <a:extLst>
-              <a:ext uri="{28A0092B-C50C-407E-A947-70E740481C1C}">
-                <a14:useLocalDpi xmlns:a14="http://schemas.microsoft.com/office/drawing/2010/main" val="0"/>
-              </a:ext>
-              <a:ext uri="{96DAC541-7B7A-43D3-8B79-37D633B846F1}">
-                <asvg:svgBlip xmlns:asvg="http://schemas.microsoft.com/office/drawing/2016/SVG/main" r:embed="rId3"/>
-              </a:ext>
-            </a:extLst>
-          </a:blip>
-          <a:stretch>
-            <a:fillRect/>
-          </a:stretch>
-        </p:blipFill>
-        <p:spPr>
-          <a:xfrm rot="213742">
-            <a:off x="5020328" y="2742173"/>
-            <a:ext cx="1620416" cy="1620416"/>
-          </a:xfrm>
-          <a:prstGeom prst="rect">
-            <a:avLst/>
-          </a:prstGeom>
-        </p:spPr>
-      </p:pic>
       <p:sp>
         <p:nvSpPr>
           <p:cNvPr id="18" name="Textfeld 17">
@@ -9653,8 +9617,8 @@
         </p:nvSpPr>
         <p:spPr>
           <a:xfrm rot="20921754">
-            <a:off x="1156968" y="2828835"/>
-            <a:ext cx="3521151" cy="1200329"/>
+            <a:off x="893690" y="3003588"/>
+            <a:ext cx="5855072" cy="1862048"/>
           </a:xfrm>
           <a:prstGeom prst="rect">
             <a:avLst/>
@@ -9669,7 +9633,7 @@
           <a:p>
             <a:pPr algn="ctr"/>
             <a:r>
-              <a:rPr lang="de-DE" sz="7200" dirty="0">
+              <a:rPr lang="de-DE" sz="11500" dirty="0">
                 <a:latin typeface="Trebuchet MS" panose="020B0603020202020204" pitchFamily="34" charset="0"/>
               </a:rPr>
               <a:t>Fragen?</a:t>
@@ -9677,6 +9641,45 @@
           </a:p>
         </p:txBody>
       </p:sp>
+      <p:pic>
+        <p:nvPicPr>
+          <p:cNvPr id="6" name="Grafik 5" descr="Grinsendes Gesicht mit einfarbiger Füllung">
+            <a:extLst>
+              <a:ext uri="{FF2B5EF4-FFF2-40B4-BE49-F238E27FC236}">
+                <a16:creationId xmlns:a16="http://schemas.microsoft.com/office/drawing/2014/main" id="{2FBF12DD-81D0-41D2-80E1-C74D2EF46FCC}"/>
+              </a:ext>
+            </a:extLst>
+          </p:cNvPr>
+          <p:cNvPicPr>
+            <a:picLocks noChangeAspect="1"/>
+          </p:cNvPicPr>
+          <p:nvPr/>
+        </p:nvPicPr>
+        <p:blipFill>
+          <a:blip r:embed="rId2">
+            <a:extLst>
+              <a:ext uri="{28A0092B-C50C-407E-A947-70E740481C1C}">
+                <a14:useLocalDpi xmlns:a14="http://schemas.microsoft.com/office/drawing/2010/main" val="0"/>
+              </a:ext>
+              <a:ext uri="{96DAC541-7B7A-43D3-8B79-37D633B846F1}">
+                <asvg:svgBlip xmlns:asvg="http://schemas.microsoft.com/office/drawing/2016/SVG/main" r:embed="rId3"/>
+              </a:ext>
+            </a:extLst>
+          </a:blip>
+          <a:stretch>
+            <a:fillRect/>
+          </a:stretch>
+        </p:blipFill>
+        <p:spPr>
+          <a:xfrm>
+            <a:off x="7985926" y="2267125"/>
+            <a:ext cx="2624356" cy="2624356"/>
+          </a:xfrm>
+          <a:prstGeom prst="rect">
+            <a:avLst/>
+          </a:prstGeom>
+        </p:spPr>
+      </p:pic>
     </p:spTree>
     <p:extLst>
       <p:ext uri="{BB962C8B-B14F-4D97-AF65-F5344CB8AC3E}">

--- a/Dokumentation/Präsentation.pptx
+++ b/Dokumentation/Präsentation.pptx
@@ -5,17 +5,22 @@
     <p:sldMasterId id="2147483648" r:id="rId1"/>
   </p:sldMasterIdLst>
   <p:notesMasterIdLst>
-    <p:notesMasterId r:id="rId10"/>
+    <p:notesMasterId r:id="rId15"/>
   </p:notesMasterIdLst>
   <p:sldIdLst>
     <p:sldId id="256" r:id="rId2"/>
-    <p:sldId id="257" r:id="rId3"/>
-    <p:sldId id="258" r:id="rId4"/>
-    <p:sldId id="259" r:id="rId5"/>
-    <p:sldId id="260" r:id="rId6"/>
-    <p:sldId id="261" r:id="rId7"/>
-    <p:sldId id="262" r:id="rId8"/>
-    <p:sldId id="263" r:id="rId9"/>
+    <p:sldId id="267" r:id="rId3"/>
+    <p:sldId id="257" r:id="rId4"/>
+    <p:sldId id="266" r:id="rId5"/>
+    <p:sldId id="268" r:id="rId6"/>
+    <p:sldId id="258" r:id="rId7"/>
+    <p:sldId id="259" r:id="rId8"/>
+    <p:sldId id="265" r:id="rId9"/>
+    <p:sldId id="264" r:id="rId10"/>
+    <p:sldId id="260" r:id="rId11"/>
+    <p:sldId id="261" r:id="rId12"/>
+    <p:sldId id="262" r:id="rId13"/>
+    <p:sldId id="263" r:id="rId14"/>
   </p:sldIdLst>
   <p:sldSz cx="12192000" cy="6858000"/>
   <p:notesSz cx="6858000" cy="9144000"/>
@@ -204,7 +209,7 @@
           <a:p>
             <a:fld id="{7B7A28CD-82A6-451A-9ECC-C5B68CB99823}" type="datetimeFigureOut">
               <a:rPr lang="de-DE" smtClean="0"/>
-              <a:t>14.11.2019</a:t>
+              <a:t>23.11.2019</a:t>
             </a:fld>
             <a:endParaRPr lang="de-DE"/>
           </a:p>
@@ -886,7 +891,7 @@
           <a:p>
             <a:fld id="{64F9F675-049C-4039-886A-7641A3ED83AA}" type="datetime1">
               <a:rPr lang="de-DE" smtClean="0"/>
-              <a:t>14.11.2019</a:t>
+              <a:t>23.11.2019</a:t>
             </a:fld>
             <a:endParaRPr lang="de-DE" dirty="0"/>
           </a:p>
@@ -1068,7 +1073,7 @@
           <a:p>
             <a:fld id="{EF008B3B-8C86-4F35-BCD4-3D71CCC6220B}" type="datetime1">
               <a:rPr lang="de-DE" smtClean="0"/>
-              <a:t>14.11.2019</a:t>
+              <a:t>23.11.2019</a:t>
             </a:fld>
             <a:endParaRPr lang="de-DE"/>
           </a:p>
@@ -1522,7 +1527,7 @@
           <a:p>
             <a:fld id="{46C1CA06-F658-4220-8BC8-8FCF6253DAE1}" type="datetime1">
               <a:rPr lang="de-DE" smtClean="0"/>
-              <a:t>14.11.2019</a:t>
+              <a:t>23.11.2019</a:t>
             </a:fld>
             <a:endParaRPr lang="de-DE"/>
           </a:p>
@@ -2314,7 +2319,7 @@
           <a:p>
             <a:fld id="{4F6382F7-6B8A-47B3-AA70-C81E5D8F4180}" type="datetime1">
               <a:rPr lang="de-DE" smtClean="0"/>
-              <a:t>14.11.2019</a:t>
+              <a:t>23.11.2019</a:t>
             </a:fld>
             <a:endParaRPr lang="de-DE"/>
           </a:p>
@@ -3026,7 +3031,7 @@
           <a:p>
             <a:fld id="{6CFE6BEC-159F-4167-8F4D-D508A4F668F1}" type="datetime1">
               <a:rPr lang="de-DE" smtClean="0"/>
-              <a:t>14.11.2019</a:t>
+              <a:t>23.11.2019</a:t>
             </a:fld>
             <a:endParaRPr lang="de-DE"/>
           </a:p>
@@ -3457,7 +3462,7 @@
           <a:p>
             <a:fld id="{0650A090-A051-46A1-8797-56EEC00D0A83}" type="datetime1">
               <a:rPr lang="de-DE" smtClean="0"/>
-              <a:t>14.11.2019</a:t>
+              <a:t>23.11.2019</a:t>
             </a:fld>
             <a:endParaRPr lang="de-DE"/>
           </a:p>
@@ -3889,7 +3894,7 @@
           <a:p>
             <a:fld id="{76147A52-9CE4-4E84-B5AD-2E19D43BDEB9}" type="datetime1">
               <a:rPr lang="de-DE" smtClean="0"/>
-              <a:t>14.11.2019</a:t>
+              <a:t>23.11.2019</a:t>
             </a:fld>
             <a:endParaRPr lang="de-DE"/>
           </a:p>
@@ -4292,7 +4297,7 @@
           <a:p>
             <a:fld id="{088C7F9A-48FF-4E97-A5D8-34ABB2AA95D7}" type="datetime1">
               <a:rPr lang="de-DE" smtClean="0"/>
-              <a:t>14.11.2019</a:t>
+              <a:t>23.11.2019</a:t>
             </a:fld>
             <a:endParaRPr lang="de-DE"/>
           </a:p>
@@ -4743,7 +4748,7 @@
           <a:p>
             <a:fld id="{89EBD14D-9873-4385-9F14-4BFEE858A98C}" type="datetime1">
               <a:rPr lang="de-DE" smtClean="0"/>
-              <a:t>14.11.2019</a:t>
+              <a:t>23.11.2019</a:t>
             </a:fld>
             <a:endParaRPr lang="de-DE" dirty="0"/>
           </a:p>
@@ -5643,7 +5648,7 @@
           <a:p>
             <a:fld id="{F91931D6-F9D8-406D-9851-24FA674187DB}" type="datetime1">
               <a:rPr lang="de-DE" smtClean="0"/>
-              <a:t>14.11.2019</a:t>
+              <a:t>23.11.2019</a:t>
             </a:fld>
             <a:endParaRPr lang="de-DE" dirty="0"/>
           </a:p>
@@ -5756,6 +5761,829 @@
 </p:sld>
 </file>
 
+<file path=ppt/slides/slide10.xml><?xml version="1.0" encoding="utf-8"?>
+<p:sld xmlns:a="http://schemas.openxmlformats.org/drawingml/2006/main" xmlns:r="http://schemas.openxmlformats.org/officeDocument/2006/relationships" xmlns:p="http://schemas.openxmlformats.org/presentationml/2006/main">
+  <p:cSld>
+    <p:spTree>
+      <p:nvGrpSpPr>
+        <p:cNvPr id="1" name=""/>
+        <p:cNvGrpSpPr/>
+        <p:nvPr/>
+      </p:nvGrpSpPr>
+      <p:grpSpPr>
+        <a:xfrm>
+          <a:off x="0" y="0"/>
+          <a:ext cx="0" cy="0"/>
+          <a:chOff x="0" y="0"/>
+          <a:chExt cx="0" cy="0"/>
+        </a:xfrm>
+      </p:grpSpPr>
+      <p:sp>
+        <p:nvSpPr>
+          <p:cNvPr id="2" name="Inhaltsplatzhalter 1">
+            <a:extLst>
+              <a:ext uri="{FF2B5EF4-FFF2-40B4-BE49-F238E27FC236}">
+                <a16:creationId xmlns:a16="http://schemas.microsoft.com/office/drawing/2014/main" id="{15C63717-1B73-429C-88FD-E54484D94826}"/>
+              </a:ext>
+            </a:extLst>
+          </p:cNvPr>
+          <p:cNvSpPr>
+            <a:spLocks noGrp="1"/>
+          </p:cNvSpPr>
+          <p:nvPr>
+            <p:ph idx="1"/>
+          </p:nvPr>
+        </p:nvSpPr>
+        <p:spPr/>
+        <p:txBody>
+          <a:bodyPr/>
+          <a:lstStyle/>
+          <a:p>
+            <a:endParaRPr lang="de-DE" dirty="0"/>
+          </a:p>
+        </p:txBody>
+      </p:sp>
+      <p:sp>
+        <p:nvSpPr>
+          <p:cNvPr id="3" name="Datumsplatzhalter 2">
+            <a:extLst>
+              <a:ext uri="{FF2B5EF4-FFF2-40B4-BE49-F238E27FC236}">
+                <a16:creationId xmlns:a16="http://schemas.microsoft.com/office/drawing/2014/main" id="{758882C4-8B9B-4746-96C5-36A91AF4E8AF}"/>
+              </a:ext>
+            </a:extLst>
+          </p:cNvPr>
+          <p:cNvSpPr>
+            <a:spLocks noGrp="1"/>
+          </p:cNvSpPr>
+          <p:nvPr>
+            <p:ph type="dt" sz="half" idx="10"/>
+          </p:nvPr>
+        </p:nvSpPr>
+        <p:spPr/>
+        <p:txBody>
+          <a:bodyPr/>
+          <a:lstStyle/>
+          <a:p>
+            <a:fld id="{46C1CA06-F658-4220-8BC8-8FCF6253DAE1}" type="datetime1">
+              <a:rPr lang="de-DE" smtClean="0"/>
+              <a:t>23.11.2019</a:t>
+            </a:fld>
+            <a:endParaRPr lang="de-DE"/>
+          </a:p>
+        </p:txBody>
+      </p:sp>
+      <p:sp>
+        <p:nvSpPr>
+          <p:cNvPr id="4" name="Fußzeilenplatzhalter 3">
+            <a:extLst>
+              <a:ext uri="{FF2B5EF4-FFF2-40B4-BE49-F238E27FC236}">
+                <a16:creationId xmlns:a16="http://schemas.microsoft.com/office/drawing/2014/main" id="{51A71253-D448-4037-A6C3-CC7A6E9ED606}"/>
+              </a:ext>
+            </a:extLst>
+          </p:cNvPr>
+          <p:cNvSpPr>
+            <a:spLocks noGrp="1"/>
+          </p:cNvSpPr>
+          <p:nvPr>
+            <p:ph type="ftr" sz="quarter" idx="11"/>
+          </p:nvPr>
+        </p:nvSpPr>
+        <p:spPr/>
+        <p:txBody>
+          <a:bodyPr/>
+          <a:lstStyle/>
+          <a:p>
+            <a:r>
+              <a:rPr lang="de-DE"/>
+              <a:t>Krieger</a:t>
+            </a:r>
+          </a:p>
+        </p:txBody>
+      </p:sp>
+      <p:sp>
+        <p:nvSpPr>
+          <p:cNvPr id="5" name="Foliennummernplatzhalter 4">
+            <a:extLst>
+              <a:ext uri="{FF2B5EF4-FFF2-40B4-BE49-F238E27FC236}">
+                <a16:creationId xmlns:a16="http://schemas.microsoft.com/office/drawing/2014/main" id="{992697C4-33D6-4C2A-899B-084BD779AC26}"/>
+              </a:ext>
+            </a:extLst>
+          </p:cNvPr>
+          <p:cNvSpPr>
+            <a:spLocks noGrp="1"/>
+          </p:cNvSpPr>
+          <p:nvPr>
+            <p:ph type="sldNum" sz="quarter" idx="12"/>
+          </p:nvPr>
+        </p:nvSpPr>
+        <p:spPr/>
+        <p:txBody>
+          <a:bodyPr/>
+          <a:lstStyle/>
+          <a:p>
+            <a:fld id="{75F11FD4-B355-4EAB-967C-DBC12644FBDE}" type="slidenum">
+              <a:rPr lang="de-DE" smtClean="0"/>
+              <a:t>10</a:t>
+            </a:fld>
+            <a:endParaRPr lang="de-DE"/>
+          </a:p>
+        </p:txBody>
+      </p:sp>
+      <p:sp>
+        <p:nvSpPr>
+          <p:cNvPr id="6" name="Textplatzhalter 5">
+            <a:extLst>
+              <a:ext uri="{FF2B5EF4-FFF2-40B4-BE49-F238E27FC236}">
+                <a16:creationId xmlns:a16="http://schemas.microsoft.com/office/drawing/2014/main" id="{1A510F3A-C4AF-4836-9FB5-83584A0F6635}"/>
+              </a:ext>
+            </a:extLst>
+          </p:cNvPr>
+          <p:cNvSpPr>
+            <a:spLocks noGrp="1"/>
+          </p:cNvSpPr>
+          <p:nvPr>
+            <p:ph type="body" sz="quarter" idx="14"/>
+          </p:nvPr>
+        </p:nvSpPr>
+        <p:spPr/>
+        <p:txBody>
+          <a:bodyPr/>
+          <a:lstStyle/>
+          <a:p>
+            <a:endParaRPr lang="de-DE"/>
+          </a:p>
+        </p:txBody>
+      </p:sp>
+      <p:sp>
+        <p:nvSpPr>
+          <p:cNvPr id="7" name="Textplatzhalter 6">
+            <a:extLst>
+              <a:ext uri="{FF2B5EF4-FFF2-40B4-BE49-F238E27FC236}">
+                <a16:creationId xmlns:a16="http://schemas.microsoft.com/office/drawing/2014/main" id="{46D27D0F-F653-4CA3-A806-3F3747C8305D}"/>
+              </a:ext>
+            </a:extLst>
+          </p:cNvPr>
+          <p:cNvSpPr>
+            <a:spLocks noGrp="1"/>
+          </p:cNvSpPr>
+          <p:nvPr>
+            <p:ph type="body" sz="quarter" idx="13"/>
+          </p:nvPr>
+        </p:nvSpPr>
+        <p:spPr>
+          <a:xfrm>
+            <a:off x="3889510" y="681037"/>
+            <a:ext cx="4412980" cy="571500"/>
+          </a:xfrm>
+        </p:spPr>
+        <p:txBody>
+          <a:bodyPr/>
+          <a:lstStyle/>
+          <a:p>
+            <a:r>
+              <a:rPr lang="de-DE" dirty="0"/>
+              <a:t>MySQL Anbindung</a:t>
+            </a:r>
+          </a:p>
+        </p:txBody>
+      </p:sp>
+    </p:spTree>
+    <p:extLst>
+      <p:ext uri="{BB962C8B-B14F-4D97-AF65-F5344CB8AC3E}">
+        <p14:creationId xmlns:p14="http://schemas.microsoft.com/office/powerpoint/2010/main" val="4100918803"/>
+      </p:ext>
+    </p:extLst>
+  </p:cSld>
+  <p:clrMapOvr>
+    <a:masterClrMapping/>
+  </p:clrMapOvr>
+  <p:transition spd="slow">
+    <p:push dir="u"/>
+  </p:transition>
+</p:sld>
+</file>
+
+<file path=ppt/slides/slide11.xml><?xml version="1.0" encoding="utf-8"?>
+<p:sld xmlns:a="http://schemas.openxmlformats.org/drawingml/2006/main" xmlns:r="http://schemas.openxmlformats.org/officeDocument/2006/relationships" xmlns:p="http://schemas.openxmlformats.org/presentationml/2006/main">
+  <p:cSld>
+    <p:spTree>
+      <p:nvGrpSpPr>
+        <p:cNvPr id="1" name=""/>
+        <p:cNvGrpSpPr/>
+        <p:nvPr/>
+      </p:nvGrpSpPr>
+      <p:grpSpPr>
+        <a:xfrm>
+          <a:off x="0" y="0"/>
+          <a:ext cx="0" cy="0"/>
+          <a:chOff x="0" y="0"/>
+          <a:chExt cx="0" cy="0"/>
+        </a:xfrm>
+      </p:grpSpPr>
+      <p:sp>
+        <p:nvSpPr>
+          <p:cNvPr id="2" name="Inhaltsplatzhalter 1">
+            <a:extLst>
+              <a:ext uri="{FF2B5EF4-FFF2-40B4-BE49-F238E27FC236}">
+                <a16:creationId xmlns:a16="http://schemas.microsoft.com/office/drawing/2014/main" id="{0B13E24B-FBB7-4D83-AAD2-9118F2562E26}"/>
+              </a:ext>
+            </a:extLst>
+          </p:cNvPr>
+          <p:cNvSpPr>
+            <a:spLocks noGrp="1"/>
+          </p:cNvSpPr>
+          <p:nvPr>
+            <p:ph idx="1"/>
+          </p:nvPr>
+        </p:nvSpPr>
+        <p:spPr/>
+        <p:txBody>
+          <a:bodyPr/>
+          <a:lstStyle/>
+          <a:p>
+            <a:endParaRPr lang="de-DE"/>
+          </a:p>
+        </p:txBody>
+      </p:sp>
+      <p:sp>
+        <p:nvSpPr>
+          <p:cNvPr id="3" name="Datumsplatzhalter 2">
+            <a:extLst>
+              <a:ext uri="{FF2B5EF4-FFF2-40B4-BE49-F238E27FC236}">
+                <a16:creationId xmlns:a16="http://schemas.microsoft.com/office/drawing/2014/main" id="{FFC878E0-6CD5-458F-B9BA-6E3C6F358F90}"/>
+              </a:ext>
+            </a:extLst>
+          </p:cNvPr>
+          <p:cNvSpPr>
+            <a:spLocks noGrp="1"/>
+          </p:cNvSpPr>
+          <p:nvPr>
+            <p:ph type="dt" sz="half" idx="10"/>
+          </p:nvPr>
+        </p:nvSpPr>
+        <p:spPr/>
+        <p:txBody>
+          <a:bodyPr/>
+          <a:lstStyle/>
+          <a:p>
+            <a:fld id="{46C1CA06-F658-4220-8BC8-8FCF6253DAE1}" type="datetime1">
+              <a:rPr lang="de-DE" smtClean="0"/>
+              <a:t>23.11.2019</a:t>
+            </a:fld>
+            <a:endParaRPr lang="de-DE"/>
+          </a:p>
+        </p:txBody>
+      </p:sp>
+      <p:sp>
+        <p:nvSpPr>
+          <p:cNvPr id="4" name="Fußzeilenplatzhalter 3">
+            <a:extLst>
+              <a:ext uri="{FF2B5EF4-FFF2-40B4-BE49-F238E27FC236}">
+                <a16:creationId xmlns:a16="http://schemas.microsoft.com/office/drawing/2014/main" id="{D8C400B5-8E53-452E-87B4-BA9C43958C58}"/>
+              </a:ext>
+            </a:extLst>
+          </p:cNvPr>
+          <p:cNvSpPr>
+            <a:spLocks noGrp="1"/>
+          </p:cNvSpPr>
+          <p:nvPr>
+            <p:ph type="ftr" sz="quarter" idx="11"/>
+          </p:nvPr>
+        </p:nvSpPr>
+        <p:spPr/>
+        <p:txBody>
+          <a:bodyPr/>
+          <a:lstStyle/>
+          <a:p>
+            <a:r>
+              <a:rPr lang="de-DE"/>
+              <a:t>Krieger</a:t>
+            </a:r>
+          </a:p>
+        </p:txBody>
+      </p:sp>
+      <p:sp>
+        <p:nvSpPr>
+          <p:cNvPr id="5" name="Foliennummernplatzhalter 4">
+            <a:extLst>
+              <a:ext uri="{FF2B5EF4-FFF2-40B4-BE49-F238E27FC236}">
+                <a16:creationId xmlns:a16="http://schemas.microsoft.com/office/drawing/2014/main" id="{FFF6272D-B2F5-4D4A-8BE2-FDC78D3C4CB1}"/>
+              </a:ext>
+            </a:extLst>
+          </p:cNvPr>
+          <p:cNvSpPr>
+            <a:spLocks noGrp="1"/>
+          </p:cNvSpPr>
+          <p:nvPr>
+            <p:ph type="sldNum" sz="quarter" idx="12"/>
+          </p:nvPr>
+        </p:nvSpPr>
+        <p:spPr/>
+        <p:txBody>
+          <a:bodyPr/>
+          <a:lstStyle/>
+          <a:p>
+            <a:fld id="{75F11FD4-B355-4EAB-967C-DBC12644FBDE}" type="slidenum">
+              <a:rPr lang="de-DE" smtClean="0"/>
+              <a:t>11</a:t>
+            </a:fld>
+            <a:endParaRPr lang="de-DE"/>
+          </a:p>
+        </p:txBody>
+      </p:sp>
+      <p:sp>
+        <p:nvSpPr>
+          <p:cNvPr id="6" name="Textplatzhalter 5">
+            <a:extLst>
+              <a:ext uri="{FF2B5EF4-FFF2-40B4-BE49-F238E27FC236}">
+                <a16:creationId xmlns:a16="http://schemas.microsoft.com/office/drawing/2014/main" id="{27CB312E-8440-4D49-9195-E27AE78EF5D9}"/>
+              </a:ext>
+            </a:extLst>
+          </p:cNvPr>
+          <p:cNvSpPr>
+            <a:spLocks noGrp="1"/>
+          </p:cNvSpPr>
+          <p:nvPr>
+            <p:ph type="body" sz="quarter" idx="14"/>
+          </p:nvPr>
+        </p:nvSpPr>
+        <p:spPr/>
+        <p:txBody>
+          <a:bodyPr/>
+          <a:lstStyle/>
+          <a:p>
+            <a:r>
+              <a:rPr lang="de-DE" dirty="0"/>
+              <a:t>Umsetzung</a:t>
+            </a:r>
+          </a:p>
+        </p:txBody>
+      </p:sp>
+      <p:sp>
+        <p:nvSpPr>
+          <p:cNvPr id="7" name="Textplatzhalter 6">
+            <a:extLst>
+              <a:ext uri="{FF2B5EF4-FFF2-40B4-BE49-F238E27FC236}">
+                <a16:creationId xmlns:a16="http://schemas.microsoft.com/office/drawing/2014/main" id="{0DACF167-7935-480F-A4D8-24AB942E276A}"/>
+              </a:ext>
+            </a:extLst>
+          </p:cNvPr>
+          <p:cNvSpPr>
+            <a:spLocks noGrp="1"/>
+          </p:cNvSpPr>
+          <p:nvPr>
+            <p:ph type="body" sz="quarter" idx="13"/>
+          </p:nvPr>
+        </p:nvSpPr>
+        <p:spPr/>
+        <p:txBody>
+          <a:bodyPr/>
+          <a:lstStyle/>
+          <a:p>
+            <a:r>
+              <a:rPr lang="de-DE" dirty="0"/>
+              <a:t>Funktionen</a:t>
+            </a:r>
+          </a:p>
+        </p:txBody>
+      </p:sp>
+    </p:spTree>
+    <p:extLst>
+      <p:ext uri="{BB962C8B-B14F-4D97-AF65-F5344CB8AC3E}">
+        <p14:creationId xmlns:p14="http://schemas.microsoft.com/office/powerpoint/2010/main" val="3207530046"/>
+      </p:ext>
+    </p:extLst>
+  </p:cSld>
+  <p:clrMapOvr>
+    <a:masterClrMapping/>
+  </p:clrMapOvr>
+</p:sld>
+</file>
+
+<file path=ppt/slides/slide12.xml><?xml version="1.0" encoding="utf-8"?>
+<p:sld xmlns:a="http://schemas.openxmlformats.org/drawingml/2006/main" xmlns:r="http://schemas.openxmlformats.org/officeDocument/2006/relationships" xmlns:p="http://schemas.openxmlformats.org/presentationml/2006/main">
+  <p:cSld>
+    <p:spTree>
+      <p:nvGrpSpPr>
+        <p:cNvPr id="1" name=""/>
+        <p:cNvGrpSpPr/>
+        <p:nvPr/>
+      </p:nvGrpSpPr>
+      <p:grpSpPr>
+        <a:xfrm>
+          <a:off x="0" y="0"/>
+          <a:ext cx="0" cy="0"/>
+          <a:chOff x="0" y="0"/>
+          <a:chExt cx="0" cy="0"/>
+        </a:xfrm>
+      </p:grpSpPr>
+      <p:sp>
+        <p:nvSpPr>
+          <p:cNvPr id="2" name="Inhaltsplatzhalter 1">
+            <a:extLst>
+              <a:ext uri="{FF2B5EF4-FFF2-40B4-BE49-F238E27FC236}">
+                <a16:creationId xmlns:a16="http://schemas.microsoft.com/office/drawing/2014/main" id="{E612BD94-F616-47A5-8A8A-2BA1E8A73F9F}"/>
+              </a:ext>
+            </a:extLst>
+          </p:cNvPr>
+          <p:cNvSpPr>
+            <a:spLocks noGrp="1"/>
+          </p:cNvSpPr>
+          <p:nvPr>
+            <p:ph idx="1"/>
+          </p:nvPr>
+        </p:nvSpPr>
+        <p:spPr/>
+        <p:txBody>
+          <a:bodyPr/>
+          <a:lstStyle/>
+          <a:p>
+            <a:endParaRPr lang="de-DE"/>
+          </a:p>
+        </p:txBody>
+      </p:sp>
+      <p:sp>
+        <p:nvSpPr>
+          <p:cNvPr id="3" name="Datumsplatzhalter 2">
+            <a:extLst>
+              <a:ext uri="{FF2B5EF4-FFF2-40B4-BE49-F238E27FC236}">
+                <a16:creationId xmlns:a16="http://schemas.microsoft.com/office/drawing/2014/main" id="{EE5559E5-2018-41BC-A0BB-9DDC76DFF886}"/>
+              </a:ext>
+            </a:extLst>
+          </p:cNvPr>
+          <p:cNvSpPr>
+            <a:spLocks noGrp="1"/>
+          </p:cNvSpPr>
+          <p:nvPr>
+            <p:ph type="dt" sz="half" idx="10"/>
+          </p:nvPr>
+        </p:nvSpPr>
+        <p:spPr/>
+        <p:txBody>
+          <a:bodyPr/>
+          <a:lstStyle/>
+          <a:p>
+            <a:fld id="{46C1CA06-F658-4220-8BC8-8FCF6253DAE1}" type="datetime1">
+              <a:rPr lang="de-DE" smtClean="0"/>
+              <a:t>23.11.2019</a:t>
+            </a:fld>
+            <a:endParaRPr lang="de-DE"/>
+          </a:p>
+        </p:txBody>
+      </p:sp>
+      <p:sp>
+        <p:nvSpPr>
+          <p:cNvPr id="4" name="Fußzeilenplatzhalter 3">
+            <a:extLst>
+              <a:ext uri="{FF2B5EF4-FFF2-40B4-BE49-F238E27FC236}">
+                <a16:creationId xmlns:a16="http://schemas.microsoft.com/office/drawing/2014/main" id="{D736E08B-8C68-40E8-A5E4-6C7E60964722}"/>
+              </a:ext>
+            </a:extLst>
+          </p:cNvPr>
+          <p:cNvSpPr>
+            <a:spLocks noGrp="1"/>
+          </p:cNvSpPr>
+          <p:nvPr>
+            <p:ph type="ftr" sz="quarter" idx="11"/>
+          </p:nvPr>
+        </p:nvSpPr>
+        <p:spPr/>
+        <p:txBody>
+          <a:bodyPr/>
+          <a:lstStyle/>
+          <a:p>
+            <a:r>
+              <a:rPr lang="de-DE"/>
+              <a:t>Krieger</a:t>
+            </a:r>
+          </a:p>
+        </p:txBody>
+      </p:sp>
+      <p:sp>
+        <p:nvSpPr>
+          <p:cNvPr id="5" name="Foliennummernplatzhalter 4">
+            <a:extLst>
+              <a:ext uri="{FF2B5EF4-FFF2-40B4-BE49-F238E27FC236}">
+                <a16:creationId xmlns:a16="http://schemas.microsoft.com/office/drawing/2014/main" id="{AA67B7CD-8F4B-431E-8B55-2317E6212962}"/>
+              </a:ext>
+            </a:extLst>
+          </p:cNvPr>
+          <p:cNvSpPr>
+            <a:spLocks noGrp="1"/>
+          </p:cNvSpPr>
+          <p:nvPr>
+            <p:ph type="sldNum" sz="quarter" idx="12"/>
+          </p:nvPr>
+        </p:nvSpPr>
+        <p:spPr/>
+        <p:txBody>
+          <a:bodyPr/>
+          <a:lstStyle/>
+          <a:p>
+            <a:fld id="{75F11FD4-B355-4EAB-967C-DBC12644FBDE}" type="slidenum">
+              <a:rPr lang="de-DE" smtClean="0"/>
+              <a:t>12</a:t>
+            </a:fld>
+            <a:endParaRPr lang="de-DE"/>
+          </a:p>
+        </p:txBody>
+      </p:sp>
+      <p:sp>
+        <p:nvSpPr>
+          <p:cNvPr id="6" name="Textplatzhalter 5">
+            <a:extLst>
+              <a:ext uri="{FF2B5EF4-FFF2-40B4-BE49-F238E27FC236}">
+                <a16:creationId xmlns:a16="http://schemas.microsoft.com/office/drawing/2014/main" id="{69E79B6C-557E-4A59-A4F6-7B03BEC86559}"/>
+              </a:ext>
+            </a:extLst>
+          </p:cNvPr>
+          <p:cNvSpPr>
+            <a:spLocks noGrp="1"/>
+          </p:cNvSpPr>
+          <p:nvPr>
+            <p:ph type="body" sz="quarter" idx="14"/>
+          </p:nvPr>
+        </p:nvSpPr>
+        <p:spPr/>
+        <p:txBody>
+          <a:bodyPr/>
+          <a:lstStyle/>
+          <a:p>
+            <a:endParaRPr lang="de-DE"/>
+          </a:p>
+        </p:txBody>
+      </p:sp>
+      <p:sp>
+        <p:nvSpPr>
+          <p:cNvPr id="7" name="Textplatzhalter 6">
+            <a:extLst>
+              <a:ext uri="{FF2B5EF4-FFF2-40B4-BE49-F238E27FC236}">
+                <a16:creationId xmlns:a16="http://schemas.microsoft.com/office/drawing/2014/main" id="{47B40ACF-4003-405E-9F06-FF8CCE97C464}"/>
+              </a:ext>
+            </a:extLst>
+          </p:cNvPr>
+          <p:cNvSpPr>
+            <a:spLocks noGrp="1"/>
+          </p:cNvSpPr>
+          <p:nvPr>
+            <p:ph type="body" sz="quarter" idx="13"/>
+          </p:nvPr>
+        </p:nvSpPr>
+        <p:spPr/>
+        <p:txBody>
+          <a:bodyPr/>
+          <a:lstStyle/>
+          <a:p>
+            <a:r>
+              <a:rPr lang="de-DE" dirty="0"/>
+              <a:t>UML Diagramm</a:t>
+            </a:r>
+          </a:p>
+        </p:txBody>
+      </p:sp>
+    </p:spTree>
+    <p:extLst>
+      <p:ext uri="{BB962C8B-B14F-4D97-AF65-F5344CB8AC3E}">
+        <p14:creationId xmlns:p14="http://schemas.microsoft.com/office/powerpoint/2010/main" val="2452283257"/>
+      </p:ext>
+    </p:extLst>
+  </p:cSld>
+  <p:clrMapOvr>
+    <a:masterClrMapping/>
+  </p:clrMapOvr>
+</p:sld>
+</file>
+
+<file path=ppt/slides/slide13.xml><?xml version="1.0" encoding="utf-8"?>
+<p:sld xmlns:a="http://schemas.openxmlformats.org/drawingml/2006/main" xmlns:r="http://schemas.openxmlformats.org/officeDocument/2006/relationships" xmlns:p="http://schemas.openxmlformats.org/presentationml/2006/main">
+  <p:cSld>
+    <p:spTree>
+      <p:nvGrpSpPr>
+        <p:cNvPr id="1" name=""/>
+        <p:cNvGrpSpPr/>
+        <p:nvPr/>
+      </p:nvGrpSpPr>
+      <p:grpSpPr>
+        <a:xfrm>
+          <a:off x="0" y="0"/>
+          <a:ext cx="0" cy="0"/>
+          <a:chOff x="0" y="0"/>
+          <a:chExt cx="0" cy="0"/>
+        </a:xfrm>
+      </p:grpSpPr>
+      <p:sp>
+        <p:nvSpPr>
+          <p:cNvPr id="3" name="Datumsplatzhalter 2">
+            <a:extLst>
+              <a:ext uri="{FF2B5EF4-FFF2-40B4-BE49-F238E27FC236}">
+                <a16:creationId xmlns:a16="http://schemas.microsoft.com/office/drawing/2014/main" id="{C94A59A8-70ED-4BAD-910E-265A8357FBD7}"/>
+              </a:ext>
+            </a:extLst>
+          </p:cNvPr>
+          <p:cNvSpPr>
+            <a:spLocks noGrp="1"/>
+          </p:cNvSpPr>
+          <p:nvPr>
+            <p:ph type="dt" sz="half" idx="10"/>
+          </p:nvPr>
+        </p:nvSpPr>
+        <p:spPr/>
+        <p:txBody>
+          <a:bodyPr/>
+          <a:lstStyle/>
+          <a:p>
+            <a:fld id="{46C1CA06-F658-4220-8BC8-8FCF6253DAE1}" type="datetime1">
+              <a:rPr lang="de-DE" smtClean="0"/>
+              <a:t>23.11.2019</a:t>
+            </a:fld>
+            <a:endParaRPr lang="de-DE"/>
+          </a:p>
+        </p:txBody>
+      </p:sp>
+      <p:sp>
+        <p:nvSpPr>
+          <p:cNvPr id="4" name="Fußzeilenplatzhalter 3">
+            <a:extLst>
+              <a:ext uri="{FF2B5EF4-FFF2-40B4-BE49-F238E27FC236}">
+                <a16:creationId xmlns:a16="http://schemas.microsoft.com/office/drawing/2014/main" id="{AF301653-F5EC-4843-8E82-4E8196372726}"/>
+              </a:ext>
+            </a:extLst>
+          </p:cNvPr>
+          <p:cNvSpPr>
+            <a:spLocks noGrp="1"/>
+          </p:cNvSpPr>
+          <p:nvPr>
+            <p:ph type="ftr" sz="quarter" idx="11"/>
+          </p:nvPr>
+        </p:nvSpPr>
+        <p:spPr/>
+        <p:txBody>
+          <a:bodyPr/>
+          <a:lstStyle/>
+          <a:p>
+            <a:r>
+              <a:rPr lang="de-DE"/>
+              <a:t>Krieger</a:t>
+            </a:r>
+          </a:p>
+        </p:txBody>
+      </p:sp>
+      <p:sp>
+        <p:nvSpPr>
+          <p:cNvPr id="5" name="Foliennummernplatzhalter 4">
+            <a:extLst>
+              <a:ext uri="{FF2B5EF4-FFF2-40B4-BE49-F238E27FC236}">
+                <a16:creationId xmlns:a16="http://schemas.microsoft.com/office/drawing/2014/main" id="{9950CACA-C4A9-4357-8DDB-E002739AF8F2}"/>
+              </a:ext>
+            </a:extLst>
+          </p:cNvPr>
+          <p:cNvSpPr>
+            <a:spLocks noGrp="1"/>
+          </p:cNvSpPr>
+          <p:nvPr>
+            <p:ph type="sldNum" sz="quarter" idx="12"/>
+          </p:nvPr>
+        </p:nvSpPr>
+        <p:spPr/>
+        <p:txBody>
+          <a:bodyPr/>
+          <a:lstStyle/>
+          <a:p>
+            <a:fld id="{75F11FD4-B355-4EAB-967C-DBC12644FBDE}" type="slidenum">
+              <a:rPr lang="de-DE" smtClean="0"/>
+              <a:t>13</a:t>
+            </a:fld>
+            <a:endParaRPr lang="de-DE"/>
+          </a:p>
+        </p:txBody>
+      </p:sp>
+      <p:sp>
+        <p:nvSpPr>
+          <p:cNvPr id="18" name="Textfeld 17">
+            <a:extLst>
+              <a:ext uri="{FF2B5EF4-FFF2-40B4-BE49-F238E27FC236}">
+                <a16:creationId xmlns:a16="http://schemas.microsoft.com/office/drawing/2014/main" id="{350A684C-F70D-49AF-93D0-D1FC562D9DE5}"/>
+              </a:ext>
+            </a:extLst>
+          </p:cNvPr>
+          <p:cNvSpPr txBox="1"/>
+          <p:nvPr/>
+        </p:nvSpPr>
+        <p:spPr>
+          <a:xfrm>
+            <a:off x="1999861" y="601180"/>
+            <a:ext cx="8192278" cy="646331"/>
+          </a:xfrm>
+          <a:prstGeom prst="rect">
+            <a:avLst/>
+          </a:prstGeom>
+          <a:noFill/>
+        </p:spPr>
+        <p:txBody>
+          <a:bodyPr wrap="square" rtlCol="0">
+            <a:spAutoFit/>
+          </a:bodyPr>
+          <a:lstStyle/>
+          <a:p>
+            <a:r>
+              <a:rPr lang="de-DE" sz="3600" b="1" dirty="0">
+                <a:latin typeface="Trebuchet MS" panose="020B0603020202020204" pitchFamily="34" charset="0"/>
+              </a:rPr>
+              <a:t>Vielen Dank für die Aufmerksamkeit!</a:t>
+            </a:r>
+          </a:p>
+        </p:txBody>
+      </p:sp>
+      <p:sp>
+        <p:nvSpPr>
+          <p:cNvPr id="19" name="Textfeld 18">
+            <a:extLst>
+              <a:ext uri="{FF2B5EF4-FFF2-40B4-BE49-F238E27FC236}">
+                <a16:creationId xmlns:a16="http://schemas.microsoft.com/office/drawing/2014/main" id="{F8094067-86D9-4382-A4B9-7480948ECA41}"/>
+              </a:ext>
+            </a:extLst>
+          </p:cNvPr>
+          <p:cNvSpPr txBox="1"/>
+          <p:nvPr/>
+        </p:nvSpPr>
+        <p:spPr>
+          <a:xfrm rot="20921754">
+            <a:off x="893690" y="3003588"/>
+            <a:ext cx="5855072" cy="1862048"/>
+          </a:xfrm>
+          <a:prstGeom prst="rect">
+            <a:avLst/>
+          </a:prstGeom>
+          <a:noFill/>
+        </p:spPr>
+        <p:txBody>
+          <a:bodyPr wrap="square" rtlCol="0">
+            <a:spAutoFit/>
+          </a:bodyPr>
+          <a:lstStyle/>
+          <a:p>
+            <a:pPr algn="ctr"/>
+            <a:r>
+              <a:rPr lang="de-DE" sz="11500" dirty="0">
+                <a:latin typeface="Trebuchet MS" panose="020B0603020202020204" pitchFamily="34" charset="0"/>
+              </a:rPr>
+              <a:t>Fragen?</a:t>
+            </a:r>
+          </a:p>
+        </p:txBody>
+      </p:sp>
+      <p:pic>
+        <p:nvPicPr>
+          <p:cNvPr id="6" name="Grafik 5" descr="Grinsendes Gesicht mit einfarbiger Füllung">
+            <a:extLst>
+              <a:ext uri="{FF2B5EF4-FFF2-40B4-BE49-F238E27FC236}">
+                <a16:creationId xmlns:a16="http://schemas.microsoft.com/office/drawing/2014/main" id="{2FBF12DD-81D0-41D2-80E1-C74D2EF46FCC}"/>
+              </a:ext>
+            </a:extLst>
+          </p:cNvPr>
+          <p:cNvPicPr>
+            <a:picLocks noChangeAspect="1"/>
+          </p:cNvPicPr>
+          <p:nvPr/>
+        </p:nvPicPr>
+        <p:blipFill>
+          <a:blip r:embed="rId2">
+            <a:extLst>
+              <a:ext uri="{28A0092B-C50C-407E-A947-70E740481C1C}">
+                <a14:useLocalDpi xmlns:a14="http://schemas.microsoft.com/office/drawing/2010/main" val="0"/>
+              </a:ext>
+              <a:ext uri="{96DAC541-7B7A-43D3-8B79-37D633B846F1}">
+                <asvg:svgBlip xmlns:asvg="http://schemas.microsoft.com/office/drawing/2016/SVG/main" r:embed="rId3"/>
+              </a:ext>
+            </a:extLst>
+          </a:blip>
+          <a:stretch>
+            <a:fillRect/>
+          </a:stretch>
+        </p:blipFill>
+        <p:spPr>
+          <a:xfrm>
+            <a:off x="7985926" y="2267125"/>
+            <a:ext cx="2624356" cy="2624356"/>
+          </a:xfrm>
+          <a:prstGeom prst="rect">
+            <a:avLst/>
+          </a:prstGeom>
+        </p:spPr>
+      </p:pic>
+    </p:spTree>
+    <p:extLst>
+      <p:ext uri="{BB962C8B-B14F-4D97-AF65-F5344CB8AC3E}">
+        <p14:creationId xmlns:p14="http://schemas.microsoft.com/office/powerpoint/2010/main" val="4036384226"/>
+      </p:ext>
+    </p:extLst>
+  </p:cSld>
+  <p:clrMapOvr>
+    <a:masterClrMapping/>
+  </p:clrMapOvr>
+</p:sld>
+</file>
+
 <file path=ppt/slides/slide2.xml><?xml version="1.0" encoding="utf-8"?>
 <p:sld xmlns:a="http://schemas.openxmlformats.org/drawingml/2006/main" xmlns:r="http://schemas.openxmlformats.org/officeDocument/2006/relationships" xmlns:p="http://schemas.openxmlformats.org/presentationml/2006/main">
   <p:cSld>
@@ -5775,10 +6603,10 @@
       </p:grpSpPr>
       <p:sp>
         <p:nvSpPr>
-          <p:cNvPr id="8" name="Textplatzhalter 7">
-            <a:extLst>
-              <a:ext uri="{FF2B5EF4-FFF2-40B4-BE49-F238E27FC236}">
-                <a16:creationId xmlns:a16="http://schemas.microsoft.com/office/drawing/2014/main" id="{E2F5A0EC-FEBD-43AA-8600-2BDED6280966}"/>
+          <p:cNvPr id="9" name="Inhaltsplatzhalter 8">
+            <a:extLst>
+              <a:ext uri="{FF2B5EF4-FFF2-40B4-BE49-F238E27FC236}">
+                <a16:creationId xmlns:a16="http://schemas.microsoft.com/office/drawing/2014/main" id="{93188998-1173-4676-A443-B9A74812132F}"/>
               </a:ext>
             </a:extLst>
           </p:cNvPr>
@@ -5786,7 +6614,7 @@
             <a:spLocks noGrp="1"/>
           </p:cNvSpPr>
           <p:nvPr>
-            <p:ph type="body" idx="1"/>
+            <p:ph idx="1"/>
           </p:nvPr>
         </p:nvSpPr>
         <p:spPr/>
@@ -5794,228 +6622,16 @@
           <a:bodyPr/>
           <a:lstStyle/>
           <a:p>
-            <a:r>
-              <a:rPr lang="de-DE" sz="3200" dirty="0">
-                <a:latin typeface="Trebuchet MS" panose="020B0603020202020204" pitchFamily="34" charset="0"/>
-              </a:rPr>
-              <a:t>Data Manipulation</a:t>
-            </a:r>
-          </a:p>
-        </p:txBody>
-      </p:sp>
-      <p:sp>
-        <p:nvSpPr>
-          <p:cNvPr id="10" name="Inhaltsplatzhalter 9">
-            <a:extLst>
-              <a:ext uri="{FF2B5EF4-FFF2-40B4-BE49-F238E27FC236}">
-                <a16:creationId xmlns:a16="http://schemas.microsoft.com/office/drawing/2014/main" id="{A1FFB197-E2B8-49D0-8F36-3D9BC81D35B5}"/>
-              </a:ext>
-            </a:extLst>
-          </p:cNvPr>
-          <p:cNvSpPr>
-            <a:spLocks noGrp="1"/>
-          </p:cNvSpPr>
-          <p:nvPr>
-            <p:ph sz="half" idx="2"/>
-          </p:nvPr>
-        </p:nvSpPr>
-        <p:spPr/>
-        <p:txBody>
-          <a:bodyPr/>
-          <a:lstStyle/>
-          <a:p>
-            <a:r>
-              <a:rPr lang="de-DE" dirty="0">
-                <a:latin typeface="Trebuchet MS" panose="020B0603020202020204" pitchFamily="34" charset="0"/>
-              </a:rPr>
-              <a:t>Datensätze anlegen (</a:t>
-            </a:r>
-            <a:r>
-              <a:rPr lang="de-DE" dirty="0" err="1">
-                <a:latin typeface="Trebuchet MS" panose="020B0603020202020204" pitchFamily="34" charset="0"/>
-              </a:rPr>
-              <a:t>insert</a:t>
-            </a:r>
-            <a:r>
-              <a:rPr lang="de-DE" dirty="0">
-                <a:latin typeface="Trebuchet MS" panose="020B0603020202020204" pitchFamily="34" charset="0"/>
-              </a:rPr>
-              <a:t>)</a:t>
-            </a:r>
-          </a:p>
-          <a:p>
-            <a:r>
-              <a:rPr lang="de-DE" dirty="0">
-                <a:latin typeface="Trebuchet MS" panose="020B0603020202020204" pitchFamily="34" charset="0"/>
-              </a:rPr>
-              <a:t>Datensätze editieren (alter)</a:t>
-            </a:r>
-          </a:p>
-          <a:p>
-            <a:r>
-              <a:rPr lang="de-DE" dirty="0">
-                <a:latin typeface="Trebuchet MS" panose="020B0603020202020204" pitchFamily="34" charset="0"/>
-              </a:rPr>
-              <a:t>Datensätze löschen (</a:t>
-            </a:r>
-            <a:r>
-              <a:rPr lang="de-DE" dirty="0" err="1">
-                <a:latin typeface="Trebuchet MS" panose="020B0603020202020204" pitchFamily="34" charset="0"/>
-              </a:rPr>
-              <a:t>delete</a:t>
-            </a:r>
-            <a:r>
-              <a:rPr lang="de-DE" dirty="0">
-                <a:latin typeface="Trebuchet MS" panose="020B0603020202020204" pitchFamily="34" charset="0"/>
-              </a:rPr>
-              <a:t>)</a:t>
-            </a:r>
-          </a:p>
-          <a:p>
-            <a:r>
-              <a:rPr lang="de-DE" dirty="0">
-                <a:latin typeface="Trebuchet MS" panose="020B0603020202020204" pitchFamily="34" charset="0"/>
-              </a:rPr>
-              <a:t>Datensätze abfragen (</a:t>
-            </a:r>
-            <a:r>
-              <a:rPr lang="de-DE" dirty="0" err="1">
-                <a:latin typeface="Trebuchet MS" panose="020B0603020202020204" pitchFamily="34" charset="0"/>
-              </a:rPr>
-              <a:t>select</a:t>
-            </a:r>
-            <a:r>
-              <a:rPr lang="de-DE" dirty="0">
-                <a:latin typeface="Trebuchet MS" panose="020B0603020202020204" pitchFamily="34" charset="0"/>
-              </a:rPr>
-              <a:t>)</a:t>
-            </a:r>
-          </a:p>
-        </p:txBody>
-      </p:sp>
-      <p:sp>
-        <p:nvSpPr>
-          <p:cNvPr id="9" name="Textplatzhalter 8">
-            <a:extLst>
-              <a:ext uri="{FF2B5EF4-FFF2-40B4-BE49-F238E27FC236}">
-                <a16:creationId xmlns:a16="http://schemas.microsoft.com/office/drawing/2014/main" id="{8908980C-224F-4EA3-B939-F87CF2C1C5D5}"/>
-              </a:ext>
-            </a:extLst>
-          </p:cNvPr>
-          <p:cNvSpPr>
-            <a:spLocks noGrp="1"/>
-          </p:cNvSpPr>
-          <p:nvPr>
-            <p:ph type="body" sz="quarter" idx="3"/>
-          </p:nvPr>
-        </p:nvSpPr>
-        <p:spPr/>
-        <p:txBody>
-          <a:bodyPr/>
-          <a:lstStyle/>
-          <a:p>
-            <a:r>
-              <a:rPr lang="de-DE" sz="3200" dirty="0">
-                <a:latin typeface="Trebuchet MS" panose="020B0603020202020204" pitchFamily="34" charset="0"/>
-              </a:rPr>
-              <a:t>Data Control</a:t>
-            </a:r>
-          </a:p>
-        </p:txBody>
-      </p:sp>
-      <p:sp>
-        <p:nvSpPr>
-          <p:cNvPr id="11" name="Inhaltsplatzhalter 10">
-            <a:extLst>
-              <a:ext uri="{FF2B5EF4-FFF2-40B4-BE49-F238E27FC236}">
-                <a16:creationId xmlns:a16="http://schemas.microsoft.com/office/drawing/2014/main" id="{000B7AB7-605B-4B58-84DF-6A9F6DBA5A46}"/>
-              </a:ext>
-            </a:extLst>
-          </p:cNvPr>
-          <p:cNvSpPr>
-            <a:spLocks noGrp="1"/>
-          </p:cNvSpPr>
-          <p:nvPr>
-            <p:ph sz="quarter" idx="4"/>
-          </p:nvPr>
-        </p:nvSpPr>
-        <p:spPr/>
-        <p:txBody>
-          <a:bodyPr/>
-          <a:lstStyle/>
-          <a:p>
-            <a:r>
-              <a:rPr lang="de-DE" dirty="0">
-                <a:latin typeface="Trebuchet MS" panose="020B0603020202020204" pitchFamily="34" charset="0"/>
-              </a:rPr>
-              <a:t>Benutzer erstellen (</a:t>
-            </a:r>
-            <a:r>
-              <a:rPr lang="de-DE" dirty="0" err="1">
-                <a:latin typeface="Trebuchet MS" panose="020B0603020202020204" pitchFamily="34" charset="0"/>
-              </a:rPr>
-              <a:t>create</a:t>
-            </a:r>
-            <a:r>
-              <a:rPr lang="de-DE" dirty="0">
-                <a:latin typeface="Trebuchet MS" panose="020B0603020202020204" pitchFamily="34" charset="0"/>
-              </a:rPr>
-              <a:t>)</a:t>
-            </a:r>
-          </a:p>
-          <a:p>
-            <a:r>
-              <a:rPr lang="de-DE" dirty="0">
-                <a:latin typeface="Trebuchet MS" panose="020B0603020202020204" pitchFamily="34" charset="0"/>
-              </a:rPr>
-              <a:t>Rechte zuweisen (</a:t>
-            </a:r>
-            <a:r>
-              <a:rPr lang="de-DE" dirty="0" err="1">
-                <a:latin typeface="Trebuchet MS" panose="020B0603020202020204" pitchFamily="34" charset="0"/>
-              </a:rPr>
-              <a:t>grant</a:t>
-            </a:r>
-            <a:r>
-              <a:rPr lang="de-DE" dirty="0">
-                <a:latin typeface="Trebuchet MS" panose="020B0603020202020204" pitchFamily="34" charset="0"/>
-              </a:rPr>
-              <a:t>)</a:t>
-            </a:r>
-          </a:p>
-          <a:p>
-            <a:r>
-              <a:rPr lang="de-DE" dirty="0">
-                <a:latin typeface="Trebuchet MS" panose="020B0603020202020204" pitchFamily="34" charset="0"/>
-              </a:rPr>
-              <a:t>Rechte widerrufen (</a:t>
-            </a:r>
-            <a:r>
-              <a:rPr lang="de-DE" dirty="0" err="1">
-                <a:latin typeface="Trebuchet MS" panose="020B0603020202020204" pitchFamily="34" charset="0"/>
-              </a:rPr>
-              <a:t>revoke</a:t>
-            </a:r>
-            <a:r>
-              <a:rPr lang="de-DE" dirty="0">
-                <a:latin typeface="Trebuchet MS" panose="020B0603020202020204" pitchFamily="34" charset="0"/>
-              </a:rPr>
-              <a:t>)</a:t>
-            </a:r>
-          </a:p>
-          <a:p>
-            <a:endParaRPr lang="de-DE" dirty="0">
-              <a:latin typeface="Trebuchet MS" panose="020B0603020202020204" pitchFamily="34" charset="0"/>
-            </a:endParaRPr>
-          </a:p>
-        </p:txBody>
-      </p:sp>
-      <p:sp>
-        <p:nvSpPr>
-          <p:cNvPr id="3" name="Datumsplatzhalter 2">
-            <a:extLst>
-              <a:ext uri="{FF2B5EF4-FFF2-40B4-BE49-F238E27FC236}">
-                <a16:creationId xmlns:a16="http://schemas.microsoft.com/office/drawing/2014/main" id="{98745DA7-4AE3-4FEC-8998-6BFBE67DF235}"/>
+            <a:endParaRPr lang="de-DE" dirty="0"/>
+          </a:p>
+        </p:txBody>
+      </p:sp>
+      <p:sp>
+        <p:nvSpPr>
+          <p:cNvPr id="2" name="Datumsplatzhalter 1">
+            <a:extLst>
+              <a:ext uri="{FF2B5EF4-FFF2-40B4-BE49-F238E27FC236}">
+                <a16:creationId xmlns:a16="http://schemas.microsoft.com/office/drawing/2014/main" id="{2E4EB516-FD50-4968-A997-4D0ACD9C828A}"/>
               </a:ext>
             </a:extLst>
           </p:cNvPr>
@@ -6031,9 +6647,9 @@
           <a:bodyPr/>
           <a:lstStyle/>
           <a:p>
-            <a:fld id="{EF008B3B-8C86-4F35-BCD4-3D71CCC6220B}" type="datetime1">
+            <a:fld id="{76147A52-9CE4-4E84-B5AD-2E19D43BDEB9}" type="datetime1">
               <a:rPr lang="de-DE" smtClean="0"/>
-              <a:t>14.11.2019</a:t>
+              <a:t>23.11.2019</a:t>
             </a:fld>
             <a:endParaRPr lang="de-DE"/>
           </a:p>
@@ -6041,10 +6657,10 @@
       </p:sp>
       <p:sp>
         <p:nvSpPr>
-          <p:cNvPr id="4" name="Fußzeilenplatzhalter 3">
-            <a:extLst>
-              <a:ext uri="{FF2B5EF4-FFF2-40B4-BE49-F238E27FC236}">
-                <a16:creationId xmlns:a16="http://schemas.microsoft.com/office/drawing/2014/main" id="{B0D0F19E-A150-408E-A038-0B8569CCEE2A}"/>
+          <p:cNvPr id="3" name="Fußzeilenplatzhalter 2">
+            <a:extLst>
+              <a:ext uri="{FF2B5EF4-FFF2-40B4-BE49-F238E27FC236}">
+                <a16:creationId xmlns:a16="http://schemas.microsoft.com/office/drawing/2014/main" id="{0F5A5168-77E2-45B6-8C2C-D617684D0E90}"/>
               </a:ext>
             </a:extLst>
           </p:cNvPr>
@@ -6069,10 +6685,10 @@
       </p:sp>
       <p:sp>
         <p:nvSpPr>
-          <p:cNvPr id="5" name="Foliennummernplatzhalter 4">
-            <a:extLst>
-              <a:ext uri="{FF2B5EF4-FFF2-40B4-BE49-F238E27FC236}">
-                <a16:creationId xmlns:a16="http://schemas.microsoft.com/office/drawing/2014/main" id="{D04E46B0-905B-4847-8CDD-28DCAE9FCE26}"/>
+          <p:cNvPr id="4" name="Foliennummernplatzhalter 3">
+            <a:extLst>
+              <a:ext uri="{FF2B5EF4-FFF2-40B4-BE49-F238E27FC236}">
+                <a16:creationId xmlns:a16="http://schemas.microsoft.com/office/drawing/2014/main" id="{AC49A9BA-A07E-43E9-831A-4F31F6EA9F83}"/>
               </a:ext>
             </a:extLst>
           </p:cNvPr>
@@ -6098,38 +6714,10 @@
       </p:sp>
       <p:sp>
         <p:nvSpPr>
-          <p:cNvPr id="13" name="Textplatzhalter 12">
-            <a:extLst>
-              <a:ext uri="{FF2B5EF4-FFF2-40B4-BE49-F238E27FC236}">
-                <a16:creationId xmlns:a16="http://schemas.microsoft.com/office/drawing/2014/main" id="{2EDD0FD2-B80B-4994-BB92-67379E1E50E3}"/>
-              </a:ext>
-            </a:extLst>
-          </p:cNvPr>
-          <p:cNvSpPr>
-            <a:spLocks noGrp="1"/>
-          </p:cNvSpPr>
-          <p:nvPr>
-            <p:ph type="body" sz="quarter" idx="14"/>
-          </p:nvPr>
-        </p:nvSpPr>
-        <p:spPr/>
-        <p:txBody>
-          <a:bodyPr/>
-          <a:lstStyle/>
-          <a:p>
-            <a:r>
-              <a:rPr lang="de-DE" dirty="0"/>
-              <a:t>Planung</a:t>
-            </a:r>
-          </a:p>
-        </p:txBody>
-      </p:sp>
-      <p:sp>
-        <p:nvSpPr>
-          <p:cNvPr id="12" name="Textplatzhalter 11">
-            <a:extLst>
-              <a:ext uri="{FF2B5EF4-FFF2-40B4-BE49-F238E27FC236}">
-                <a16:creationId xmlns:a16="http://schemas.microsoft.com/office/drawing/2014/main" id="{94B3AFD3-8A51-41DC-84D8-8A31A1EE8810}"/>
+          <p:cNvPr id="10" name="Textplatzhalter 9">
+            <a:extLst>
+              <a:ext uri="{FF2B5EF4-FFF2-40B4-BE49-F238E27FC236}">
+                <a16:creationId xmlns:a16="http://schemas.microsoft.com/office/drawing/2014/main" id="{26256A19-0B00-4F60-B374-7F40FDC51ADD}"/>
               </a:ext>
             </a:extLst>
           </p:cNvPr>
@@ -6147,7 +6735,7 @@
           <a:p>
             <a:r>
               <a:rPr lang="de-DE" dirty="0"/>
-              <a:t>Hauptfunktionen</a:t>
+              <a:t>Handout</a:t>
             </a:r>
           </a:p>
         </p:txBody>
@@ -6155,7 +6743,7 @@
     </p:spTree>
     <p:extLst>
       <p:ext uri="{BB962C8B-B14F-4D97-AF65-F5344CB8AC3E}">
-        <p14:creationId xmlns:p14="http://schemas.microsoft.com/office/powerpoint/2010/main" val="2008190851"/>
+        <p14:creationId xmlns:p14="http://schemas.microsoft.com/office/powerpoint/2010/main" val="2658621471"/>
       </p:ext>
     </p:extLst>
   </p:cSld>
@@ -6184,10 +6772,247 @@
       </p:grpSpPr>
       <p:sp>
         <p:nvSpPr>
+          <p:cNvPr id="8" name="Textplatzhalter 7">
+            <a:extLst>
+              <a:ext uri="{FF2B5EF4-FFF2-40B4-BE49-F238E27FC236}">
+                <a16:creationId xmlns:a16="http://schemas.microsoft.com/office/drawing/2014/main" id="{E2F5A0EC-FEBD-43AA-8600-2BDED6280966}"/>
+              </a:ext>
+            </a:extLst>
+          </p:cNvPr>
+          <p:cNvSpPr>
+            <a:spLocks noGrp="1"/>
+          </p:cNvSpPr>
+          <p:nvPr>
+            <p:ph type="body" idx="1"/>
+          </p:nvPr>
+        </p:nvSpPr>
+        <p:spPr/>
+        <p:txBody>
+          <a:bodyPr/>
+          <a:lstStyle/>
+          <a:p>
+            <a:r>
+              <a:rPr lang="de-DE" sz="3200" dirty="0">
+                <a:latin typeface="Trebuchet MS" panose="020B0603020202020204" pitchFamily="34" charset="0"/>
+              </a:rPr>
+              <a:t>Data Manipulation</a:t>
+            </a:r>
+          </a:p>
+        </p:txBody>
+      </p:sp>
+      <p:sp>
+        <p:nvSpPr>
+          <p:cNvPr id="10" name="Inhaltsplatzhalter 9">
+            <a:extLst>
+              <a:ext uri="{FF2B5EF4-FFF2-40B4-BE49-F238E27FC236}">
+                <a16:creationId xmlns:a16="http://schemas.microsoft.com/office/drawing/2014/main" id="{A1FFB197-E2B8-49D0-8F36-3D9BC81D35B5}"/>
+              </a:ext>
+            </a:extLst>
+          </p:cNvPr>
+          <p:cNvSpPr>
+            <a:spLocks noGrp="1"/>
+          </p:cNvSpPr>
+          <p:nvPr>
+            <p:ph sz="half" idx="2"/>
+          </p:nvPr>
+        </p:nvSpPr>
+        <p:spPr/>
+        <p:txBody>
+          <a:bodyPr/>
+          <a:lstStyle/>
+          <a:p>
+            <a:r>
+              <a:rPr lang="de-DE" dirty="0">
+                <a:latin typeface="Trebuchet MS" panose="020B0603020202020204" pitchFamily="34" charset="0"/>
+              </a:rPr>
+              <a:t>Datensätze anlegen (</a:t>
+            </a:r>
+            <a:r>
+              <a:rPr lang="de-DE" dirty="0" err="1">
+                <a:latin typeface="Trebuchet MS" panose="020B0603020202020204" pitchFamily="34" charset="0"/>
+              </a:rPr>
+              <a:t>insert</a:t>
+            </a:r>
+            <a:r>
+              <a:rPr lang="de-DE" dirty="0">
+                <a:latin typeface="Trebuchet MS" panose="020B0603020202020204" pitchFamily="34" charset="0"/>
+              </a:rPr>
+              <a:t>)</a:t>
+            </a:r>
+          </a:p>
+          <a:p>
+            <a:r>
+              <a:rPr lang="de-DE" dirty="0">
+                <a:latin typeface="Trebuchet MS" panose="020B0603020202020204" pitchFamily="34" charset="0"/>
+              </a:rPr>
+              <a:t>Datensätze editieren (alter)</a:t>
+            </a:r>
+          </a:p>
+          <a:p>
+            <a:r>
+              <a:rPr lang="de-DE" dirty="0">
+                <a:latin typeface="Trebuchet MS" panose="020B0603020202020204" pitchFamily="34" charset="0"/>
+              </a:rPr>
+              <a:t>Datensätze löschen (</a:t>
+            </a:r>
+            <a:r>
+              <a:rPr lang="de-DE" dirty="0" err="1">
+                <a:latin typeface="Trebuchet MS" panose="020B0603020202020204" pitchFamily="34" charset="0"/>
+              </a:rPr>
+              <a:t>delete</a:t>
+            </a:r>
+            <a:r>
+              <a:rPr lang="de-DE" dirty="0">
+                <a:latin typeface="Trebuchet MS" panose="020B0603020202020204" pitchFamily="34" charset="0"/>
+              </a:rPr>
+              <a:t>)</a:t>
+            </a:r>
+          </a:p>
+          <a:p>
+            <a:r>
+              <a:rPr lang="de-DE" dirty="0">
+                <a:latin typeface="Trebuchet MS" panose="020B0603020202020204" pitchFamily="34" charset="0"/>
+              </a:rPr>
+              <a:t>Datensätze abfragen (</a:t>
+            </a:r>
+            <a:r>
+              <a:rPr lang="de-DE" dirty="0" err="1">
+                <a:latin typeface="Trebuchet MS" panose="020B0603020202020204" pitchFamily="34" charset="0"/>
+              </a:rPr>
+              <a:t>select</a:t>
+            </a:r>
+            <a:r>
+              <a:rPr lang="de-DE" dirty="0">
+                <a:latin typeface="Trebuchet MS" panose="020B0603020202020204" pitchFamily="34" charset="0"/>
+              </a:rPr>
+              <a:t>)</a:t>
+            </a:r>
+          </a:p>
+        </p:txBody>
+      </p:sp>
+      <p:sp>
+        <p:nvSpPr>
+          <p:cNvPr id="9" name="Textplatzhalter 8">
+            <a:extLst>
+              <a:ext uri="{FF2B5EF4-FFF2-40B4-BE49-F238E27FC236}">
+                <a16:creationId xmlns:a16="http://schemas.microsoft.com/office/drawing/2014/main" id="{8908980C-224F-4EA3-B939-F87CF2C1C5D5}"/>
+              </a:ext>
+            </a:extLst>
+          </p:cNvPr>
+          <p:cNvSpPr>
+            <a:spLocks noGrp="1"/>
+          </p:cNvSpPr>
+          <p:nvPr>
+            <p:ph type="body" sz="quarter" idx="3"/>
+          </p:nvPr>
+        </p:nvSpPr>
+        <p:spPr/>
+        <p:txBody>
+          <a:bodyPr/>
+          <a:lstStyle/>
+          <a:p>
+            <a:r>
+              <a:rPr lang="de-DE" sz="3200" dirty="0">
+                <a:latin typeface="Trebuchet MS" panose="020B0603020202020204" pitchFamily="34" charset="0"/>
+              </a:rPr>
+              <a:t>Data Control</a:t>
+            </a:r>
+          </a:p>
+        </p:txBody>
+      </p:sp>
+      <p:sp>
+        <p:nvSpPr>
+          <p:cNvPr id="11" name="Inhaltsplatzhalter 10">
+            <a:extLst>
+              <a:ext uri="{FF2B5EF4-FFF2-40B4-BE49-F238E27FC236}">
+                <a16:creationId xmlns:a16="http://schemas.microsoft.com/office/drawing/2014/main" id="{000B7AB7-605B-4B58-84DF-6A9F6DBA5A46}"/>
+              </a:ext>
+            </a:extLst>
+          </p:cNvPr>
+          <p:cNvSpPr>
+            <a:spLocks noGrp="1"/>
+          </p:cNvSpPr>
+          <p:nvPr>
+            <p:ph sz="quarter" idx="4"/>
+          </p:nvPr>
+        </p:nvSpPr>
+        <p:spPr/>
+        <p:txBody>
+          <a:bodyPr/>
+          <a:lstStyle/>
+          <a:p>
+            <a:r>
+              <a:rPr lang="de-DE" dirty="0">
+                <a:latin typeface="Trebuchet MS" panose="020B0603020202020204" pitchFamily="34" charset="0"/>
+              </a:rPr>
+              <a:t>Benutzer erstellen (</a:t>
+            </a:r>
+            <a:r>
+              <a:rPr lang="de-DE" dirty="0" err="1">
+                <a:latin typeface="Trebuchet MS" panose="020B0603020202020204" pitchFamily="34" charset="0"/>
+              </a:rPr>
+              <a:t>create</a:t>
+            </a:r>
+            <a:r>
+              <a:rPr lang="de-DE" dirty="0">
+                <a:latin typeface="Trebuchet MS" panose="020B0603020202020204" pitchFamily="34" charset="0"/>
+              </a:rPr>
+              <a:t>)</a:t>
+            </a:r>
+          </a:p>
+          <a:p>
+            <a:r>
+              <a:rPr lang="de-DE" dirty="0">
+                <a:latin typeface="Trebuchet MS" panose="020B0603020202020204" pitchFamily="34" charset="0"/>
+              </a:rPr>
+              <a:t>Rechte zuweisen (</a:t>
+            </a:r>
+            <a:r>
+              <a:rPr lang="de-DE" dirty="0" err="1">
+                <a:latin typeface="Trebuchet MS" panose="020B0603020202020204" pitchFamily="34" charset="0"/>
+              </a:rPr>
+              <a:t>grant</a:t>
+            </a:r>
+            <a:r>
+              <a:rPr lang="de-DE" dirty="0">
+                <a:latin typeface="Trebuchet MS" panose="020B0603020202020204" pitchFamily="34" charset="0"/>
+              </a:rPr>
+              <a:t>)</a:t>
+            </a:r>
+          </a:p>
+          <a:p>
+            <a:r>
+              <a:rPr lang="de-DE" dirty="0">
+                <a:latin typeface="Trebuchet MS" panose="020B0603020202020204" pitchFamily="34" charset="0"/>
+              </a:rPr>
+              <a:t>Rechte widerrufen (</a:t>
+            </a:r>
+            <a:r>
+              <a:rPr lang="de-DE" dirty="0" err="1">
+                <a:latin typeface="Trebuchet MS" panose="020B0603020202020204" pitchFamily="34" charset="0"/>
+              </a:rPr>
+              <a:t>revoke</a:t>
+            </a:r>
+            <a:r>
+              <a:rPr lang="de-DE" dirty="0">
+                <a:latin typeface="Trebuchet MS" panose="020B0603020202020204" pitchFamily="34" charset="0"/>
+              </a:rPr>
+              <a:t>)</a:t>
+            </a:r>
+          </a:p>
+          <a:p>
+            <a:endParaRPr lang="de-DE" dirty="0">
+              <a:latin typeface="Trebuchet MS" panose="020B0603020202020204" pitchFamily="34" charset="0"/>
+            </a:endParaRPr>
+          </a:p>
+        </p:txBody>
+      </p:sp>
+      <p:sp>
+        <p:nvSpPr>
           <p:cNvPr id="3" name="Datumsplatzhalter 2">
             <a:extLst>
               <a:ext uri="{FF2B5EF4-FFF2-40B4-BE49-F238E27FC236}">
-                <a16:creationId xmlns:a16="http://schemas.microsoft.com/office/drawing/2014/main" id="{F4C69910-99E2-440C-A8CB-8E4FB07DA468}"/>
+                <a16:creationId xmlns:a16="http://schemas.microsoft.com/office/drawing/2014/main" id="{98745DA7-4AE3-4FEC-8998-6BFBE67DF235}"/>
               </a:ext>
             </a:extLst>
           </p:cNvPr>
@@ -6203,9 +7028,9 @@
           <a:bodyPr/>
           <a:lstStyle/>
           <a:p>
-            <a:fld id="{46C1CA06-F658-4220-8BC8-8FCF6253DAE1}" type="datetime1">
+            <a:fld id="{EF008B3B-8C86-4F35-BCD4-3D71CCC6220B}" type="datetime1">
               <a:rPr lang="de-DE" smtClean="0"/>
-              <a:t>14.11.2019</a:t>
+              <a:t>23.11.2019</a:t>
             </a:fld>
             <a:endParaRPr lang="de-DE"/>
           </a:p>
@@ -6216,7 +7041,7 @@
           <p:cNvPr id="4" name="Fußzeilenplatzhalter 3">
             <a:extLst>
               <a:ext uri="{FF2B5EF4-FFF2-40B4-BE49-F238E27FC236}">
-                <a16:creationId xmlns:a16="http://schemas.microsoft.com/office/drawing/2014/main" id="{901389C8-623A-421C-870E-10923287477F}"/>
+                <a16:creationId xmlns:a16="http://schemas.microsoft.com/office/drawing/2014/main" id="{B0D0F19E-A150-408E-A038-0B8569CCEE2A}"/>
               </a:ext>
             </a:extLst>
           </p:cNvPr>
@@ -6244,7 +7069,7 @@
           <p:cNvPr id="5" name="Foliennummernplatzhalter 4">
             <a:extLst>
               <a:ext uri="{FF2B5EF4-FFF2-40B4-BE49-F238E27FC236}">
-                <a16:creationId xmlns:a16="http://schemas.microsoft.com/office/drawing/2014/main" id="{53118246-E7C5-48DA-8299-E8C332EB64E3}"/>
+                <a16:creationId xmlns:a16="http://schemas.microsoft.com/office/drawing/2014/main" id="{D04E46B0-905B-4847-8CDD-28DCAE9FCE26}"/>
               </a:ext>
             </a:extLst>
           </p:cNvPr>
@@ -6263,6 +7088,1273 @@
             <a:fld id="{75F11FD4-B355-4EAB-967C-DBC12644FBDE}" type="slidenum">
               <a:rPr lang="de-DE" smtClean="0"/>
               <a:t>3</a:t>
+            </a:fld>
+            <a:endParaRPr lang="de-DE"/>
+          </a:p>
+        </p:txBody>
+      </p:sp>
+      <p:sp>
+        <p:nvSpPr>
+          <p:cNvPr id="13" name="Textplatzhalter 12">
+            <a:extLst>
+              <a:ext uri="{FF2B5EF4-FFF2-40B4-BE49-F238E27FC236}">
+                <a16:creationId xmlns:a16="http://schemas.microsoft.com/office/drawing/2014/main" id="{2EDD0FD2-B80B-4994-BB92-67379E1E50E3}"/>
+              </a:ext>
+            </a:extLst>
+          </p:cNvPr>
+          <p:cNvSpPr>
+            <a:spLocks noGrp="1"/>
+          </p:cNvSpPr>
+          <p:nvPr>
+            <p:ph type="body" sz="quarter" idx="14"/>
+          </p:nvPr>
+        </p:nvSpPr>
+        <p:spPr/>
+        <p:txBody>
+          <a:bodyPr/>
+          <a:lstStyle/>
+          <a:p>
+            <a:r>
+              <a:rPr lang="de-DE" dirty="0"/>
+              <a:t>Planung</a:t>
+            </a:r>
+          </a:p>
+        </p:txBody>
+      </p:sp>
+      <p:sp>
+        <p:nvSpPr>
+          <p:cNvPr id="12" name="Textplatzhalter 11">
+            <a:extLst>
+              <a:ext uri="{FF2B5EF4-FFF2-40B4-BE49-F238E27FC236}">
+                <a16:creationId xmlns:a16="http://schemas.microsoft.com/office/drawing/2014/main" id="{94B3AFD3-8A51-41DC-84D8-8A31A1EE8810}"/>
+              </a:ext>
+            </a:extLst>
+          </p:cNvPr>
+          <p:cNvSpPr>
+            <a:spLocks noGrp="1"/>
+          </p:cNvSpPr>
+          <p:nvPr>
+            <p:ph type="body" sz="quarter" idx="13"/>
+          </p:nvPr>
+        </p:nvSpPr>
+        <p:spPr/>
+        <p:txBody>
+          <a:bodyPr/>
+          <a:lstStyle/>
+          <a:p>
+            <a:r>
+              <a:rPr lang="de-DE" dirty="0"/>
+              <a:t>Hauptfunktionen</a:t>
+            </a:r>
+          </a:p>
+        </p:txBody>
+      </p:sp>
+    </p:spTree>
+    <p:extLst>
+      <p:ext uri="{BB962C8B-B14F-4D97-AF65-F5344CB8AC3E}">
+        <p14:creationId xmlns:p14="http://schemas.microsoft.com/office/powerpoint/2010/main" val="2008190851"/>
+      </p:ext>
+    </p:extLst>
+  </p:cSld>
+  <p:clrMapOvr>
+    <a:masterClrMapping/>
+  </p:clrMapOvr>
+  <p:transition spd="slow">
+    <p:push dir="u"/>
+  </p:transition>
+</p:sld>
+</file>
+
+<file path=ppt/slides/slide4.xml><?xml version="1.0" encoding="utf-8"?>
+<p:sld xmlns:a="http://schemas.openxmlformats.org/drawingml/2006/main" xmlns:r="http://schemas.openxmlformats.org/officeDocument/2006/relationships" xmlns:p="http://schemas.openxmlformats.org/presentationml/2006/main">
+  <p:cSld>
+    <p:spTree>
+      <p:nvGrpSpPr>
+        <p:cNvPr id="1" name=""/>
+        <p:cNvGrpSpPr/>
+        <p:nvPr/>
+      </p:nvGrpSpPr>
+      <p:grpSpPr>
+        <a:xfrm>
+          <a:off x="0" y="0"/>
+          <a:ext cx="0" cy="0"/>
+          <a:chOff x="0" y="0"/>
+          <a:chExt cx="0" cy="0"/>
+        </a:xfrm>
+      </p:grpSpPr>
+      <p:sp>
+        <p:nvSpPr>
+          <p:cNvPr id="6" name="Datumsplatzhalter 5">
+            <a:extLst>
+              <a:ext uri="{FF2B5EF4-FFF2-40B4-BE49-F238E27FC236}">
+                <a16:creationId xmlns:a16="http://schemas.microsoft.com/office/drawing/2014/main" id="{5B312B41-13DB-4936-8F00-AB23BC2C78F7}"/>
+              </a:ext>
+            </a:extLst>
+          </p:cNvPr>
+          <p:cNvSpPr>
+            <a:spLocks noGrp="1"/>
+          </p:cNvSpPr>
+          <p:nvPr>
+            <p:ph type="dt" sz="half" idx="10"/>
+          </p:nvPr>
+        </p:nvSpPr>
+        <p:spPr/>
+        <p:txBody>
+          <a:bodyPr/>
+          <a:lstStyle/>
+          <a:p>
+            <a:fld id="{6CFE6BEC-159F-4167-8F4D-D508A4F668F1}" type="datetime1">
+              <a:rPr lang="de-DE" smtClean="0"/>
+              <a:pPr/>
+              <a:t>23.11.2019</a:t>
+            </a:fld>
+            <a:endParaRPr lang="de-DE"/>
+          </a:p>
+        </p:txBody>
+      </p:sp>
+      <p:sp>
+        <p:nvSpPr>
+          <p:cNvPr id="7" name="Fußzeilenplatzhalter 6">
+            <a:extLst>
+              <a:ext uri="{FF2B5EF4-FFF2-40B4-BE49-F238E27FC236}">
+                <a16:creationId xmlns:a16="http://schemas.microsoft.com/office/drawing/2014/main" id="{4715D7C4-9645-4965-8872-A02CC9517201}"/>
+              </a:ext>
+            </a:extLst>
+          </p:cNvPr>
+          <p:cNvSpPr>
+            <a:spLocks noGrp="1"/>
+          </p:cNvSpPr>
+          <p:nvPr>
+            <p:ph type="ftr" sz="quarter" idx="11"/>
+          </p:nvPr>
+        </p:nvSpPr>
+        <p:spPr/>
+        <p:txBody>
+          <a:bodyPr/>
+          <a:lstStyle/>
+          <a:p>
+            <a:r>
+              <a:rPr lang="de-DE"/>
+              <a:t>Krieger</a:t>
+            </a:r>
+          </a:p>
+        </p:txBody>
+      </p:sp>
+      <p:sp>
+        <p:nvSpPr>
+          <p:cNvPr id="8" name="Foliennummernplatzhalter 7">
+            <a:extLst>
+              <a:ext uri="{FF2B5EF4-FFF2-40B4-BE49-F238E27FC236}">
+                <a16:creationId xmlns:a16="http://schemas.microsoft.com/office/drawing/2014/main" id="{20E3E1D2-9C84-4030-879C-1C614B4E80CC}"/>
+              </a:ext>
+            </a:extLst>
+          </p:cNvPr>
+          <p:cNvSpPr>
+            <a:spLocks noGrp="1"/>
+          </p:cNvSpPr>
+          <p:nvPr>
+            <p:ph type="sldNum" sz="quarter" idx="12"/>
+          </p:nvPr>
+        </p:nvSpPr>
+        <p:spPr/>
+        <p:txBody>
+          <a:bodyPr/>
+          <a:lstStyle/>
+          <a:p>
+            <a:fld id="{75F11FD4-B355-4EAB-967C-DBC12644FBDE}" type="slidenum">
+              <a:rPr lang="de-DE" smtClean="0"/>
+              <a:pPr/>
+              <a:t>4</a:t>
+            </a:fld>
+            <a:endParaRPr lang="de-DE"/>
+          </a:p>
+        </p:txBody>
+      </p:sp>
+      <p:sp>
+        <p:nvSpPr>
+          <p:cNvPr id="20" name="Textplatzhalter 19">
+            <a:extLst>
+              <a:ext uri="{FF2B5EF4-FFF2-40B4-BE49-F238E27FC236}">
+                <a16:creationId xmlns:a16="http://schemas.microsoft.com/office/drawing/2014/main" id="{7276640E-800E-4877-AA8B-AEE6D6449720}"/>
+              </a:ext>
+            </a:extLst>
+          </p:cNvPr>
+          <p:cNvSpPr>
+            <a:spLocks noGrp="1"/>
+          </p:cNvSpPr>
+          <p:nvPr>
+            <p:ph type="body" sz="quarter" idx="14"/>
+          </p:nvPr>
+        </p:nvSpPr>
+        <p:spPr/>
+        <p:txBody>
+          <a:bodyPr/>
+          <a:lstStyle/>
+          <a:p>
+            <a:r>
+              <a:rPr lang="de-DE" dirty="0"/>
+              <a:t>Anmeldefenster</a:t>
+            </a:r>
+          </a:p>
+        </p:txBody>
+      </p:sp>
+      <p:sp>
+        <p:nvSpPr>
+          <p:cNvPr id="19" name="Textplatzhalter 18">
+            <a:extLst>
+              <a:ext uri="{FF2B5EF4-FFF2-40B4-BE49-F238E27FC236}">
+                <a16:creationId xmlns:a16="http://schemas.microsoft.com/office/drawing/2014/main" id="{1D37F597-2054-492A-A779-3F9E162AD967}"/>
+              </a:ext>
+            </a:extLst>
+          </p:cNvPr>
+          <p:cNvSpPr>
+            <a:spLocks noGrp="1"/>
+          </p:cNvSpPr>
+          <p:nvPr>
+            <p:ph type="body" sz="quarter" idx="13"/>
+          </p:nvPr>
+        </p:nvSpPr>
+        <p:spPr/>
+        <p:txBody>
+          <a:bodyPr/>
+          <a:lstStyle/>
+          <a:p>
+            <a:r>
+              <a:rPr lang="de-DE" dirty="0"/>
+              <a:t>GUI Design</a:t>
+            </a:r>
+          </a:p>
+        </p:txBody>
+      </p:sp>
+      <p:pic>
+        <p:nvPicPr>
+          <p:cNvPr id="26" name="Grafik 25" descr="Ein Bild, das Screenshot enthält.&#10;&#10;Automatisch generierte Beschreibung">
+            <a:extLst>
+              <a:ext uri="{FF2B5EF4-FFF2-40B4-BE49-F238E27FC236}">
+                <a16:creationId xmlns:a16="http://schemas.microsoft.com/office/drawing/2014/main" id="{5BC3127A-E7C9-410D-8D64-DF35D5856B98}"/>
+              </a:ext>
+            </a:extLst>
+          </p:cNvPr>
+          <p:cNvPicPr>
+            <a:picLocks noChangeAspect="1"/>
+          </p:cNvPicPr>
+          <p:nvPr/>
+        </p:nvPicPr>
+        <p:blipFill>
+          <a:blip r:embed="rId2">
+            <a:extLst>
+              <a:ext uri="{28A0092B-C50C-407E-A947-70E740481C1C}">
+                <a14:useLocalDpi xmlns:a14="http://schemas.microsoft.com/office/drawing/2010/main" val="0"/>
+              </a:ext>
+            </a:extLst>
+          </a:blip>
+          <a:stretch>
+            <a:fillRect/>
+          </a:stretch>
+        </p:blipFill>
+        <p:spPr>
+          <a:xfrm>
+            <a:off x="2238710" y="1837512"/>
+            <a:ext cx="7714579" cy="4339451"/>
+          </a:xfrm>
+          <a:prstGeom prst="rect">
+            <a:avLst/>
+          </a:prstGeom>
+          <a:effectLst>
+            <a:outerShdw blurRad="50800" dist="38100" dir="2700000" algn="tl" rotWithShape="0">
+              <a:prstClr val="black">
+                <a:alpha val="40000"/>
+              </a:prstClr>
+            </a:outerShdw>
+          </a:effectLst>
+        </p:spPr>
+      </p:pic>
+    </p:spTree>
+    <p:extLst>
+      <p:ext uri="{BB962C8B-B14F-4D97-AF65-F5344CB8AC3E}">
+        <p14:creationId xmlns:p14="http://schemas.microsoft.com/office/powerpoint/2010/main" val="2952177076"/>
+      </p:ext>
+    </p:extLst>
+  </p:cSld>
+  <p:clrMapOvr>
+    <a:masterClrMapping/>
+  </p:clrMapOvr>
+  <p:transition spd="slow">
+    <p:push dir="u"/>
+  </p:transition>
+  <p:timing>
+    <p:tnLst>
+      <p:par>
+        <p:cTn id="1" dur="indefinite" restart="never" nodeType="tmRoot">
+          <p:childTnLst>
+            <p:seq concurrent="1" nextAc="seek">
+              <p:cTn id="2" dur="indefinite" nodeType="mainSeq">
+                <p:childTnLst>
+                  <p:par>
+                    <p:cTn id="3" fill="hold">
+                      <p:stCondLst>
+                        <p:cond delay="indefinite"/>
+                      </p:stCondLst>
+                      <p:childTnLst>
+                        <p:par>
+                          <p:cTn id="4" fill="hold">
+                            <p:stCondLst>
+                              <p:cond delay="0"/>
+                            </p:stCondLst>
+                            <p:childTnLst>
+                              <p:par>
+                                <p:cTn id="5" presetID="42" presetClass="entr" presetSubtype="0" fill="hold" grpId="2" nodeType="clickEffect">
+                                  <p:stCondLst>
+                                    <p:cond delay="0"/>
+                                  </p:stCondLst>
+                                  <p:childTnLst>
+                                    <p:set>
+                                      <p:cBhvr>
+                                        <p:cTn id="6" dur="1" fill="hold">
+                                          <p:stCondLst>
+                                            <p:cond delay="0"/>
+                                          </p:stCondLst>
+                                        </p:cTn>
+                                        <p:tgtEl>
+                                          <p:spTgt spid="20">
+                                            <p:txEl>
+                                              <p:pRg st="0" end="0"/>
+                                            </p:txEl>
+                                          </p:spTgt>
+                                        </p:tgtEl>
+                                        <p:attrNameLst>
+                                          <p:attrName>style.visibility</p:attrName>
+                                        </p:attrNameLst>
+                                      </p:cBhvr>
+                                      <p:to>
+                                        <p:strVal val="visible"/>
+                                      </p:to>
+                                    </p:set>
+                                    <p:animEffect transition="in" filter="fade">
+                                      <p:cBhvr>
+                                        <p:cTn id="7" dur="500"/>
+                                        <p:tgtEl>
+                                          <p:spTgt spid="20">
+                                            <p:txEl>
+                                              <p:pRg st="0" end="0"/>
+                                            </p:txEl>
+                                          </p:spTgt>
+                                        </p:tgtEl>
+                                      </p:cBhvr>
+                                    </p:animEffect>
+                                    <p:anim calcmode="lin" valueType="num">
+                                      <p:cBhvr>
+                                        <p:cTn id="8" dur="500" fill="hold"/>
+                                        <p:tgtEl>
+                                          <p:spTgt spid="20">
+                                            <p:txEl>
+                                              <p:pRg st="0" end="0"/>
+                                            </p:txEl>
+                                          </p:spTgt>
+                                        </p:tgtEl>
+                                        <p:attrNameLst>
+                                          <p:attrName>ppt_x</p:attrName>
+                                        </p:attrNameLst>
+                                      </p:cBhvr>
+                                      <p:tavLst>
+                                        <p:tav tm="0">
+                                          <p:val>
+                                            <p:strVal val="#ppt_x"/>
+                                          </p:val>
+                                        </p:tav>
+                                        <p:tav tm="100000">
+                                          <p:val>
+                                            <p:strVal val="#ppt_x"/>
+                                          </p:val>
+                                        </p:tav>
+                                      </p:tavLst>
+                                    </p:anim>
+                                    <p:anim calcmode="lin" valueType="num">
+                                      <p:cBhvr>
+                                        <p:cTn id="9" dur="500" fill="hold"/>
+                                        <p:tgtEl>
+                                          <p:spTgt spid="20">
+                                            <p:txEl>
+                                              <p:pRg st="0" end="0"/>
+                                            </p:txEl>
+                                          </p:spTgt>
+                                        </p:tgtEl>
+                                        <p:attrNameLst>
+                                          <p:attrName>ppt_y</p:attrName>
+                                        </p:attrNameLst>
+                                      </p:cBhvr>
+                                      <p:tavLst>
+                                        <p:tav tm="0">
+                                          <p:val>
+                                            <p:strVal val="#ppt_y+.1"/>
+                                          </p:val>
+                                        </p:tav>
+                                        <p:tav tm="100000">
+                                          <p:val>
+                                            <p:strVal val="#ppt_y"/>
+                                          </p:val>
+                                        </p:tav>
+                                      </p:tavLst>
+                                    </p:anim>
+                                  </p:childTnLst>
+                                </p:cTn>
+                              </p:par>
+                              <p:par>
+                                <p:cTn id="10" presetID="42" presetClass="entr" presetSubtype="0" fill="hold" nodeType="withEffect">
+                                  <p:stCondLst>
+                                    <p:cond delay="0"/>
+                                  </p:stCondLst>
+                                  <p:childTnLst>
+                                    <p:set>
+                                      <p:cBhvr>
+                                        <p:cTn id="11" dur="1" fill="hold">
+                                          <p:stCondLst>
+                                            <p:cond delay="0"/>
+                                          </p:stCondLst>
+                                        </p:cTn>
+                                        <p:tgtEl>
+                                          <p:spTgt spid="26"/>
+                                        </p:tgtEl>
+                                        <p:attrNameLst>
+                                          <p:attrName>style.visibility</p:attrName>
+                                        </p:attrNameLst>
+                                      </p:cBhvr>
+                                      <p:to>
+                                        <p:strVal val="visible"/>
+                                      </p:to>
+                                    </p:set>
+                                    <p:animEffect transition="in" filter="fade">
+                                      <p:cBhvr>
+                                        <p:cTn id="12" dur="500"/>
+                                        <p:tgtEl>
+                                          <p:spTgt spid="26"/>
+                                        </p:tgtEl>
+                                      </p:cBhvr>
+                                    </p:animEffect>
+                                    <p:anim calcmode="lin" valueType="num">
+                                      <p:cBhvr>
+                                        <p:cTn id="13" dur="500" fill="hold"/>
+                                        <p:tgtEl>
+                                          <p:spTgt spid="26"/>
+                                        </p:tgtEl>
+                                        <p:attrNameLst>
+                                          <p:attrName>ppt_x</p:attrName>
+                                        </p:attrNameLst>
+                                      </p:cBhvr>
+                                      <p:tavLst>
+                                        <p:tav tm="0">
+                                          <p:val>
+                                            <p:strVal val="#ppt_x"/>
+                                          </p:val>
+                                        </p:tav>
+                                        <p:tav tm="100000">
+                                          <p:val>
+                                            <p:strVal val="#ppt_x"/>
+                                          </p:val>
+                                        </p:tav>
+                                      </p:tavLst>
+                                    </p:anim>
+                                    <p:anim calcmode="lin" valueType="num">
+                                      <p:cBhvr>
+                                        <p:cTn id="14" dur="500" fill="hold"/>
+                                        <p:tgtEl>
+                                          <p:spTgt spid="26"/>
+                                        </p:tgtEl>
+                                        <p:attrNameLst>
+                                          <p:attrName>ppt_y</p:attrName>
+                                        </p:attrNameLst>
+                                      </p:cBhvr>
+                                      <p:tavLst>
+                                        <p:tav tm="0">
+                                          <p:val>
+                                            <p:strVal val="#ppt_y+.1"/>
+                                          </p:val>
+                                        </p:tav>
+                                        <p:tav tm="100000">
+                                          <p:val>
+                                            <p:strVal val="#ppt_y"/>
+                                          </p:val>
+                                        </p:tav>
+                                      </p:tavLst>
+                                    </p:anim>
+                                  </p:childTnLst>
+                                </p:cTn>
+                              </p:par>
+                            </p:childTnLst>
+                          </p:cTn>
+                        </p:par>
+                      </p:childTnLst>
+                    </p:cTn>
+                  </p:par>
+                  <p:par>
+                    <p:cTn id="15" fill="hold">
+                      <p:stCondLst>
+                        <p:cond delay="indefinite"/>
+                      </p:stCondLst>
+                      <p:childTnLst>
+                        <p:par>
+                          <p:cTn id="16" fill="hold">
+                            <p:stCondLst>
+                              <p:cond delay="0"/>
+                            </p:stCondLst>
+                            <p:childTnLst>
+                              <p:par>
+                                <p:cTn id="17" presetID="42" presetClass="exit" presetSubtype="0" fill="hold" grpId="1" nodeType="clickEffect">
+                                  <p:stCondLst>
+                                    <p:cond delay="0"/>
+                                  </p:stCondLst>
+                                  <p:childTnLst>
+                                    <p:animEffect transition="out" filter="fade">
+                                      <p:cBhvr>
+                                        <p:cTn id="18" dur="500"/>
+                                        <p:tgtEl>
+                                          <p:spTgt spid="20">
+                                            <p:txEl>
+                                              <p:pRg st="0" end="0"/>
+                                            </p:txEl>
+                                          </p:spTgt>
+                                        </p:tgtEl>
+                                      </p:cBhvr>
+                                    </p:animEffect>
+                                    <p:anim calcmode="lin" valueType="num">
+                                      <p:cBhvr>
+                                        <p:cTn id="19" dur="500"/>
+                                        <p:tgtEl>
+                                          <p:spTgt spid="20">
+                                            <p:txEl>
+                                              <p:pRg st="0" end="0"/>
+                                            </p:txEl>
+                                          </p:spTgt>
+                                        </p:tgtEl>
+                                        <p:attrNameLst>
+                                          <p:attrName>ppt_x</p:attrName>
+                                        </p:attrNameLst>
+                                      </p:cBhvr>
+                                      <p:tavLst>
+                                        <p:tav tm="0">
+                                          <p:val>
+                                            <p:strVal val="ppt_x"/>
+                                          </p:val>
+                                        </p:tav>
+                                        <p:tav tm="100000">
+                                          <p:val>
+                                            <p:strVal val="ppt_x"/>
+                                          </p:val>
+                                        </p:tav>
+                                      </p:tavLst>
+                                    </p:anim>
+                                    <p:anim calcmode="lin" valueType="num">
+                                      <p:cBhvr>
+                                        <p:cTn id="20" dur="500"/>
+                                        <p:tgtEl>
+                                          <p:spTgt spid="20">
+                                            <p:txEl>
+                                              <p:pRg st="0" end="0"/>
+                                            </p:txEl>
+                                          </p:spTgt>
+                                        </p:tgtEl>
+                                        <p:attrNameLst>
+                                          <p:attrName>ppt_y</p:attrName>
+                                        </p:attrNameLst>
+                                      </p:cBhvr>
+                                      <p:tavLst>
+                                        <p:tav tm="0">
+                                          <p:val>
+                                            <p:strVal val="ppt_y"/>
+                                          </p:val>
+                                        </p:tav>
+                                        <p:tav tm="100000">
+                                          <p:val>
+                                            <p:strVal val="ppt_y+.1"/>
+                                          </p:val>
+                                        </p:tav>
+                                      </p:tavLst>
+                                    </p:anim>
+                                    <p:set>
+                                      <p:cBhvr>
+                                        <p:cTn id="21" dur="1" fill="hold">
+                                          <p:stCondLst>
+                                            <p:cond delay="499"/>
+                                          </p:stCondLst>
+                                        </p:cTn>
+                                        <p:tgtEl>
+                                          <p:spTgt spid="20">
+                                            <p:txEl>
+                                              <p:pRg st="0" end="0"/>
+                                            </p:txEl>
+                                          </p:spTgt>
+                                        </p:tgtEl>
+                                        <p:attrNameLst>
+                                          <p:attrName>style.visibility</p:attrName>
+                                        </p:attrNameLst>
+                                      </p:cBhvr>
+                                      <p:to>
+                                        <p:strVal val="hidden"/>
+                                      </p:to>
+                                    </p:set>
+                                  </p:childTnLst>
+                                </p:cTn>
+                              </p:par>
+                              <p:par>
+                                <p:cTn id="22" presetID="42" presetClass="exit" presetSubtype="0" fill="hold" nodeType="withEffect">
+                                  <p:stCondLst>
+                                    <p:cond delay="0"/>
+                                  </p:stCondLst>
+                                  <p:childTnLst>
+                                    <p:animEffect transition="out" filter="fade">
+                                      <p:cBhvr>
+                                        <p:cTn id="23" dur="500"/>
+                                        <p:tgtEl>
+                                          <p:spTgt spid="26"/>
+                                        </p:tgtEl>
+                                      </p:cBhvr>
+                                    </p:animEffect>
+                                    <p:anim calcmode="lin" valueType="num">
+                                      <p:cBhvr>
+                                        <p:cTn id="24" dur="500"/>
+                                        <p:tgtEl>
+                                          <p:spTgt spid="26"/>
+                                        </p:tgtEl>
+                                        <p:attrNameLst>
+                                          <p:attrName>ppt_x</p:attrName>
+                                        </p:attrNameLst>
+                                      </p:cBhvr>
+                                      <p:tavLst>
+                                        <p:tav tm="0">
+                                          <p:val>
+                                            <p:strVal val="ppt_x"/>
+                                          </p:val>
+                                        </p:tav>
+                                        <p:tav tm="100000">
+                                          <p:val>
+                                            <p:strVal val="ppt_x"/>
+                                          </p:val>
+                                        </p:tav>
+                                      </p:tavLst>
+                                    </p:anim>
+                                    <p:anim calcmode="lin" valueType="num">
+                                      <p:cBhvr>
+                                        <p:cTn id="25" dur="500"/>
+                                        <p:tgtEl>
+                                          <p:spTgt spid="26"/>
+                                        </p:tgtEl>
+                                        <p:attrNameLst>
+                                          <p:attrName>ppt_y</p:attrName>
+                                        </p:attrNameLst>
+                                      </p:cBhvr>
+                                      <p:tavLst>
+                                        <p:tav tm="0">
+                                          <p:val>
+                                            <p:strVal val="ppt_y"/>
+                                          </p:val>
+                                        </p:tav>
+                                        <p:tav tm="100000">
+                                          <p:val>
+                                            <p:strVal val="ppt_y+.1"/>
+                                          </p:val>
+                                        </p:tav>
+                                      </p:tavLst>
+                                    </p:anim>
+                                    <p:set>
+                                      <p:cBhvr>
+                                        <p:cTn id="26" dur="1" fill="hold">
+                                          <p:stCondLst>
+                                            <p:cond delay="499"/>
+                                          </p:stCondLst>
+                                        </p:cTn>
+                                        <p:tgtEl>
+                                          <p:spTgt spid="26"/>
+                                        </p:tgtEl>
+                                        <p:attrNameLst>
+                                          <p:attrName>style.visibility</p:attrName>
+                                        </p:attrNameLst>
+                                      </p:cBhvr>
+                                      <p:to>
+                                        <p:strVal val="hidden"/>
+                                      </p:to>
+                                    </p:set>
+                                  </p:childTnLst>
+                                </p:cTn>
+                              </p:par>
+                            </p:childTnLst>
+                          </p:cTn>
+                        </p:par>
+                      </p:childTnLst>
+                    </p:cTn>
+                  </p:par>
+                </p:childTnLst>
+              </p:cTn>
+              <p:prevCondLst>
+                <p:cond evt="onPrev" delay="0">
+                  <p:tgtEl>
+                    <p:sldTgt/>
+                  </p:tgtEl>
+                </p:cond>
+              </p:prevCondLst>
+              <p:nextCondLst>
+                <p:cond evt="onNext" delay="0">
+                  <p:tgtEl>
+                    <p:sldTgt/>
+                  </p:tgtEl>
+                </p:cond>
+              </p:nextCondLst>
+            </p:seq>
+          </p:childTnLst>
+        </p:cTn>
+      </p:par>
+    </p:tnLst>
+    <p:bldLst>
+      <p:bldP spid="20" grpId="1" build="p"/>
+      <p:bldP spid="20" grpId="2" build="p"/>
+    </p:bldLst>
+  </p:timing>
+</p:sld>
+</file>
+
+<file path=ppt/slides/slide5.xml><?xml version="1.0" encoding="utf-8"?>
+<p:sld xmlns:a="http://schemas.openxmlformats.org/drawingml/2006/main" xmlns:r="http://schemas.openxmlformats.org/officeDocument/2006/relationships" xmlns:p="http://schemas.openxmlformats.org/presentationml/2006/main">
+  <p:cSld>
+    <p:spTree>
+      <p:nvGrpSpPr>
+        <p:cNvPr id="1" name=""/>
+        <p:cNvGrpSpPr/>
+        <p:nvPr/>
+      </p:nvGrpSpPr>
+      <p:grpSpPr>
+        <a:xfrm>
+          <a:off x="0" y="0"/>
+          <a:ext cx="0" cy="0"/>
+          <a:chOff x="0" y="0"/>
+          <a:chExt cx="0" cy="0"/>
+        </a:xfrm>
+      </p:grpSpPr>
+      <p:sp>
+        <p:nvSpPr>
+          <p:cNvPr id="6" name="Datumsplatzhalter 5">
+            <a:extLst>
+              <a:ext uri="{FF2B5EF4-FFF2-40B4-BE49-F238E27FC236}">
+                <a16:creationId xmlns:a16="http://schemas.microsoft.com/office/drawing/2014/main" id="{5B312B41-13DB-4936-8F00-AB23BC2C78F7}"/>
+              </a:ext>
+            </a:extLst>
+          </p:cNvPr>
+          <p:cNvSpPr>
+            <a:spLocks noGrp="1"/>
+          </p:cNvSpPr>
+          <p:nvPr>
+            <p:ph type="dt" sz="half" idx="10"/>
+          </p:nvPr>
+        </p:nvSpPr>
+        <p:spPr/>
+        <p:txBody>
+          <a:bodyPr/>
+          <a:lstStyle/>
+          <a:p>
+            <a:fld id="{6CFE6BEC-159F-4167-8F4D-D508A4F668F1}" type="datetime1">
+              <a:rPr lang="de-DE" smtClean="0"/>
+              <a:pPr/>
+              <a:t>23.11.2019</a:t>
+            </a:fld>
+            <a:endParaRPr lang="de-DE"/>
+          </a:p>
+        </p:txBody>
+      </p:sp>
+      <p:sp>
+        <p:nvSpPr>
+          <p:cNvPr id="7" name="Fußzeilenplatzhalter 6">
+            <a:extLst>
+              <a:ext uri="{FF2B5EF4-FFF2-40B4-BE49-F238E27FC236}">
+                <a16:creationId xmlns:a16="http://schemas.microsoft.com/office/drawing/2014/main" id="{4715D7C4-9645-4965-8872-A02CC9517201}"/>
+              </a:ext>
+            </a:extLst>
+          </p:cNvPr>
+          <p:cNvSpPr>
+            <a:spLocks noGrp="1"/>
+          </p:cNvSpPr>
+          <p:nvPr>
+            <p:ph type="ftr" sz="quarter" idx="11"/>
+          </p:nvPr>
+        </p:nvSpPr>
+        <p:spPr/>
+        <p:txBody>
+          <a:bodyPr/>
+          <a:lstStyle/>
+          <a:p>
+            <a:r>
+              <a:rPr lang="de-DE"/>
+              <a:t>Krieger</a:t>
+            </a:r>
+          </a:p>
+        </p:txBody>
+      </p:sp>
+      <p:sp>
+        <p:nvSpPr>
+          <p:cNvPr id="8" name="Foliennummernplatzhalter 7">
+            <a:extLst>
+              <a:ext uri="{FF2B5EF4-FFF2-40B4-BE49-F238E27FC236}">
+                <a16:creationId xmlns:a16="http://schemas.microsoft.com/office/drawing/2014/main" id="{20E3E1D2-9C84-4030-879C-1C614B4E80CC}"/>
+              </a:ext>
+            </a:extLst>
+          </p:cNvPr>
+          <p:cNvSpPr>
+            <a:spLocks noGrp="1"/>
+          </p:cNvSpPr>
+          <p:nvPr>
+            <p:ph type="sldNum" sz="quarter" idx="12"/>
+          </p:nvPr>
+        </p:nvSpPr>
+        <p:spPr/>
+        <p:txBody>
+          <a:bodyPr/>
+          <a:lstStyle/>
+          <a:p>
+            <a:fld id="{75F11FD4-B355-4EAB-967C-DBC12644FBDE}" type="slidenum">
+              <a:rPr lang="de-DE" smtClean="0"/>
+              <a:pPr/>
+              <a:t>5</a:t>
+            </a:fld>
+            <a:endParaRPr lang="de-DE"/>
+          </a:p>
+        </p:txBody>
+      </p:sp>
+      <p:sp>
+        <p:nvSpPr>
+          <p:cNvPr id="20" name="Textplatzhalter 19">
+            <a:extLst>
+              <a:ext uri="{FF2B5EF4-FFF2-40B4-BE49-F238E27FC236}">
+                <a16:creationId xmlns:a16="http://schemas.microsoft.com/office/drawing/2014/main" id="{7276640E-800E-4877-AA8B-AEE6D6449720}"/>
+              </a:ext>
+            </a:extLst>
+          </p:cNvPr>
+          <p:cNvSpPr>
+            <a:spLocks noGrp="1"/>
+          </p:cNvSpPr>
+          <p:nvPr>
+            <p:ph type="body" sz="quarter" idx="14"/>
+          </p:nvPr>
+        </p:nvSpPr>
+        <p:spPr/>
+        <p:txBody>
+          <a:bodyPr/>
+          <a:lstStyle/>
+          <a:p>
+            <a:r>
+              <a:rPr lang="de-DE" dirty="0"/>
+              <a:t>Anlegen von Datensätzen</a:t>
+            </a:r>
+          </a:p>
+        </p:txBody>
+      </p:sp>
+      <p:sp>
+        <p:nvSpPr>
+          <p:cNvPr id="19" name="Textplatzhalter 18">
+            <a:extLst>
+              <a:ext uri="{FF2B5EF4-FFF2-40B4-BE49-F238E27FC236}">
+                <a16:creationId xmlns:a16="http://schemas.microsoft.com/office/drawing/2014/main" id="{1D37F597-2054-492A-A779-3F9E162AD967}"/>
+              </a:ext>
+            </a:extLst>
+          </p:cNvPr>
+          <p:cNvSpPr>
+            <a:spLocks noGrp="1"/>
+          </p:cNvSpPr>
+          <p:nvPr>
+            <p:ph type="body" sz="quarter" idx="13"/>
+          </p:nvPr>
+        </p:nvSpPr>
+        <p:spPr/>
+        <p:txBody>
+          <a:bodyPr/>
+          <a:lstStyle/>
+          <a:p>
+            <a:r>
+              <a:rPr lang="de-DE" dirty="0"/>
+              <a:t>GUI Design</a:t>
+            </a:r>
+          </a:p>
+        </p:txBody>
+      </p:sp>
+      <p:pic>
+        <p:nvPicPr>
+          <p:cNvPr id="24" name="Grafik 23" descr="Ein Bild, das Screenshot enthält.&#10;&#10;Automatisch generierte Beschreibung">
+            <a:extLst>
+              <a:ext uri="{FF2B5EF4-FFF2-40B4-BE49-F238E27FC236}">
+                <a16:creationId xmlns:a16="http://schemas.microsoft.com/office/drawing/2014/main" id="{731D0F3E-F404-43CA-B30F-C2E994B283C5}"/>
+              </a:ext>
+            </a:extLst>
+          </p:cNvPr>
+          <p:cNvPicPr>
+            <a:picLocks noChangeAspect="1"/>
+          </p:cNvPicPr>
+          <p:nvPr/>
+        </p:nvPicPr>
+        <p:blipFill>
+          <a:blip r:embed="rId2">
+            <a:extLst>
+              <a:ext uri="{28A0092B-C50C-407E-A947-70E740481C1C}">
+                <a14:useLocalDpi xmlns:a14="http://schemas.microsoft.com/office/drawing/2010/main" val="0"/>
+              </a:ext>
+            </a:extLst>
+          </a:blip>
+          <a:stretch>
+            <a:fillRect/>
+          </a:stretch>
+        </p:blipFill>
+        <p:spPr>
+          <a:xfrm>
+            <a:off x="2240000" y="1832294"/>
+            <a:ext cx="7711999" cy="4338000"/>
+          </a:xfrm>
+          <a:prstGeom prst="rect">
+            <a:avLst/>
+          </a:prstGeom>
+          <a:effectLst>
+            <a:outerShdw blurRad="50800" dist="38100" dir="2700000" algn="tl" rotWithShape="0">
+              <a:prstClr val="black">
+                <a:alpha val="40000"/>
+              </a:prstClr>
+            </a:outerShdw>
+          </a:effectLst>
+        </p:spPr>
+      </p:pic>
+    </p:spTree>
+    <p:extLst>
+      <p:ext uri="{BB962C8B-B14F-4D97-AF65-F5344CB8AC3E}">
+        <p14:creationId xmlns:p14="http://schemas.microsoft.com/office/powerpoint/2010/main" val="2603290138"/>
+      </p:ext>
+    </p:extLst>
+  </p:cSld>
+  <p:clrMapOvr>
+    <a:masterClrMapping/>
+  </p:clrMapOvr>
+  <p:timing>
+    <p:tnLst>
+      <p:par>
+        <p:cTn id="1" dur="indefinite" restart="never" nodeType="tmRoot">
+          <p:childTnLst>
+            <p:seq concurrent="1" nextAc="seek">
+              <p:cTn id="2" dur="indefinite" nodeType="mainSeq">
+                <p:childTnLst>
+                  <p:par>
+                    <p:cTn id="3" fill="hold">
+                      <p:stCondLst>
+                        <p:cond delay="indefinite"/>
+                      </p:stCondLst>
+                      <p:childTnLst>
+                        <p:par>
+                          <p:cTn id="4" fill="hold">
+                            <p:stCondLst>
+                              <p:cond delay="0"/>
+                            </p:stCondLst>
+                            <p:childTnLst>
+                              <p:par>
+                                <p:cTn id="5" presetID="42" presetClass="entr" presetSubtype="0" fill="hold" nodeType="clickEffect">
+                                  <p:stCondLst>
+                                    <p:cond delay="0"/>
+                                  </p:stCondLst>
+                                  <p:childTnLst>
+                                    <p:set>
+                                      <p:cBhvr>
+                                        <p:cTn id="6" dur="1" fill="hold">
+                                          <p:stCondLst>
+                                            <p:cond delay="0"/>
+                                          </p:stCondLst>
+                                        </p:cTn>
+                                        <p:tgtEl>
+                                          <p:spTgt spid="24"/>
+                                        </p:tgtEl>
+                                        <p:attrNameLst>
+                                          <p:attrName>style.visibility</p:attrName>
+                                        </p:attrNameLst>
+                                      </p:cBhvr>
+                                      <p:to>
+                                        <p:strVal val="visible"/>
+                                      </p:to>
+                                    </p:set>
+                                    <p:animEffect transition="in" filter="fade">
+                                      <p:cBhvr>
+                                        <p:cTn id="7" dur="500"/>
+                                        <p:tgtEl>
+                                          <p:spTgt spid="24"/>
+                                        </p:tgtEl>
+                                      </p:cBhvr>
+                                    </p:animEffect>
+                                    <p:anim calcmode="lin" valueType="num">
+                                      <p:cBhvr>
+                                        <p:cTn id="8" dur="500" fill="hold"/>
+                                        <p:tgtEl>
+                                          <p:spTgt spid="24"/>
+                                        </p:tgtEl>
+                                        <p:attrNameLst>
+                                          <p:attrName>ppt_x</p:attrName>
+                                        </p:attrNameLst>
+                                      </p:cBhvr>
+                                      <p:tavLst>
+                                        <p:tav tm="0">
+                                          <p:val>
+                                            <p:strVal val="#ppt_x"/>
+                                          </p:val>
+                                        </p:tav>
+                                        <p:tav tm="100000">
+                                          <p:val>
+                                            <p:strVal val="#ppt_x"/>
+                                          </p:val>
+                                        </p:tav>
+                                      </p:tavLst>
+                                    </p:anim>
+                                    <p:anim calcmode="lin" valueType="num">
+                                      <p:cBhvr>
+                                        <p:cTn id="9" dur="500" fill="hold"/>
+                                        <p:tgtEl>
+                                          <p:spTgt spid="24"/>
+                                        </p:tgtEl>
+                                        <p:attrNameLst>
+                                          <p:attrName>ppt_y</p:attrName>
+                                        </p:attrNameLst>
+                                      </p:cBhvr>
+                                      <p:tavLst>
+                                        <p:tav tm="0">
+                                          <p:val>
+                                            <p:strVal val="#ppt_y+.1"/>
+                                          </p:val>
+                                        </p:tav>
+                                        <p:tav tm="100000">
+                                          <p:val>
+                                            <p:strVal val="#ppt_y"/>
+                                          </p:val>
+                                        </p:tav>
+                                      </p:tavLst>
+                                    </p:anim>
+                                  </p:childTnLst>
+                                </p:cTn>
+                              </p:par>
+                              <p:par>
+                                <p:cTn id="10" presetID="42" presetClass="entr" presetSubtype="0" fill="hold" grpId="0" nodeType="withEffect">
+                                  <p:stCondLst>
+                                    <p:cond delay="0"/>
+                                  </p:stCondLst>
+                                  <p:childTnLst>
+                                    <p:set>
+                                      <p:cBhvr>
+                                        <p:cTn id="11" dur="1" fill="hold">
+                                          <p:stCondLst>
+                                            <p:cond delay="0"/>
+                                          </p:stCondLst>
+                                        </p:cTn>
+                                        <p:tgtEl>
+                                          <p:spTgt spid="20">
+                                            <p:txEl>
+                                              <p:pRg st="0" end="0"/>
+                                            </p:txEl>
+                                          </p:spTgt>
+                                        </p:tgtEl>
+                                        <p:attrNameLst>
+                                          <p:attrName>style.visibility</p:attrName>
+                                        </p:attrNameLst>
+                                      </p:cBhvr>
+                                      <p:to>
+                                        <p:strVal val="visible"/>
+                                      </p:to>
+                                    </p:set>
+                                    <p:animEffect transition="in" filter="fade">
+                                      <p:cBhvr>
+                                        <p:cTn id="12" dur="500"/>
+                                        <p:tgtEl>
+                                          <p:spTgt spid="20">
+                                            <p:txEl>
+                                              <p:pRg st="0" end="0"/>
+                                            </p:txEl>
+                                          </p:spTgt>
+                                        </p:tgtEl>
+                                      </p:cBhvr>
+                                    </p:animEffect>
+                                    <p:anim calcmode="lin" valueType="num">
+                                      <p:cBhvr>
+                                        <p:cTn id="13" dur="500" fill="hold"/>
+                                        <p:tgtEl>
+                                          <p:spTgt spid="20">
+                                            <p:txEl>
+                                              <p:pRg st="0" end="0"/>
+                                            </p:txEl>
+                                          </p:spTgt>
+                                        </p:tgtEl>
+                                        <p:attrNameLst>
+                                          <p:attrName>ppt_x</p:attrName>
+                                        </p:attrNameLst>
+                                      </p:cBhvr>
+                                      <p:tavLst>
+                                        <p:tav tm="0">
+                                          <p:val>
+                                            <p:strVal val="#ppt_x"/>
+                                          </p:val>
+                                        </p:tav>
+                                        <p:tav tm="100000">
+                                          <p:val>
+                                            <p:strVal val="#ppt_x"/>
+                                          </p:val>
+                                        </p:tav>
+                                      </p:tavLst>
+                                    </p:anim>
+                                    <p:anim calcmode="lin" valueType="num">
+                                      <p:cBhvr>
+                                        <p:cTn id="14" dur="500" fill="hold"/>
+                                        <p:tgtEl>
+                                          <p:spTgt spid="20">
+                                            <p:txEl>
+                                              <p:pRg st="0" end="0"/>
+                                            </p:txEl>
+                                          </p:spTgt>
+                                        </p:tgtEl>
+                                        <p:attrNameLst>
+                                          <p:attrName>ppt_y</p:attrName>
+                                        </p:attrNameLst>
+                                      </p:cBhvr>
+                                      <p:tavLst>
+                                        <p:tav tm="0">
+                                          <p:val>
+                                            <p:strVal val="#ppt_y+.1"/>
+                                          </p:val>
+                                        </p:tav>
+                                        <p:tav tm="100000">
+                                          <p:val>
+                                            <p:strVal val="#ppt_y"/>
+                                          </p:val>
+                                        </p:tav>
+                                      </p:tavLst>
+                                    </p:anim>
+                                  </p:childTnLst>
+                                </p:cTn>
+                              </p:par>
+                            </p:childTnLst>
+                          </p:cTn>
+                        </p:par>
+                      </p:childTnLst>
+                    </p:cTn>
+                  </p:par>
+                </p:childTnLst>
+              </p:cTn>
+              <p:prevCondLst>
+                <p:cond evt="onPrev" delay="0">
+                  <p:tgtEl>
+                    <p:sldTgt/>
+                  </p:tgtEl>
+                </p:cond>
+              </p:prevCondLst>
+              <p:nextCondLst>
+                <p:cond evt="onNext" delay="0">
+                  <p:tgtEl>
+                    <p:sldTgt/>
+                  </p:tgtEl>
+                </p:cond>
+              </p:nextCondLst>
+            </p:seq>
+          </p:childTnLst>
+        </p:cTn>
+      </p:par>
+    </p:tnLst>
+    <p:bldLst>
+      <p:bldP spid="20" grpId="0" build="p"/>
+    </p:bldLst>
+  </p:timing>
+</p:sld>
+</file>
+
+<file path=ppt/slides/slide6.xml><?xml version="1.0" encoding="utf-8"?>
+<p:sld xmlns:a="http://schemas.openxmlformats.org/drawingml/2006/main" xmlns:r="http://schemas.openxmlformats.org/officeDocument/2006/relationships" xmlns:p="http://schemas.openxmlformats.org/presentationml/2006/main">
+  <p:cSld>
+    <p:spTree>
+      <p:nvGrpSpPr>
+        <p:cNvPr id="1" name=""/>
+        <p:cNvGrpSpPr/>
+        <p:nvPr/>
+      </p:nvGrpSpPr>
+      <p:grpSpPr>
+        <a:xfrm>
+          <a:off x="0" y="0"/>
+          <a:ext cx="0" cy="0"/>
+          <a:chOff x="0" y="0"/>
+          <a:chExt cx="0" cy="0"/>
+        </a:xfrm>
+      </p:grpSpPr>
+      <p:sp>
+        <p:nvSpPr>
+          <p:cNvPr id="3" name="Datumsplatzhalter 2">
+            <a:extLst>
+              <a:ext uri="{FF2B5EF4-FFF2-40B4-BE49-F238E27FC236}">
+                <a16:creationId xmlns:a16="http://schemas.microsoft.com/office/drawing/2014/main" id="{F4C69910-99E2-440C-A8CB-8E4FB07DA468}"/>
+              </a:ext>
+            </a:extLst>
+          </p:cNvPr>
+          <p:cNvSpPr>
+            <a:spLocks noGrp="1"/>
+          </p:cNvSpPr>
+          <p:nvPr>
+            <p:ph type="dt" sz="half" idx="10"/>
+          </p:nvPr>
+        </p:nvSpPr>
+        <p:spPr/>
+        <p:txBody>
+          <a:bodyPr/>
+          <a:lstStyle/>
+          <a:p>
+            <a:fld id="{46C1CA06-F658-4220-8BC8-8FCF6253DAE1}" type="datetime1">
+              <a:rPr lang="de-DE" smtClean="0"/>
+              <a:t>23.11.2019</a:t>
+            </a:fld>
+            <a:endParaRPr lang="de-DE"/>
+          </a:p>
+        </p:txBody>
+      </p:sp>
+      <p:sp>
+        <p:nvSpPr>
+          <p:cNvPr id="4" name="Fußzeilenplatzhalter 3">
+            <a:extLst>
+              <a:ext uri="{FF2B5EF4-FFF2-40B4-BE49-F238E27FC236}">
+                <a16:creationId xmlns:a16="http://schemas.microsoft.com/office/drawing/2014/main" id="{901389C8-623A-421C-870E-10923287477F}"/>
+              </a:ext>
+            </a:extLst>
+          </p:cNvPr>
+          <p:cNvSpPr>
+            <a:spLocks noGrp="1"/>
+          </p:cNvSpPr>
+          <p:nvPr>
+            <p:ph type="ftr" sz="quarter" idx="11"/>
+          </p:nvPr>
+        </p:nvSpPr>
+        <p:spPr/>
+        <p:txBody>
+          <a:bodyPr/>
+          <a:lstStyle/>
+          <a:p>
+            <a:r>
+              <a:rPr lang="de-DE"/>
+              <a:t>Krieger</a:t>
+            </a:r>
+          </a:p>
+        </p:txBody>
+      </p:sp>
+      <p:sp>
+        <p:nvSpPr>
+          <p:cNvPr id="5" name="Foliennummernplatzhalter 4">
+            <a:extLst>
+              <a:ext uri="{FF2B5EF4-FFF2-40B4-BE49-F238E27FC236}">
+                <a16:creationId xmlns:a16="http://schemas.microsoft.com/office/drawing/2014/main" id="{53118246-E7C5-48DA-8299-E8C332EB64E3}"/>
+              </a:ext>
+            </a:extLst>
+          </p:cNvPr>
+          <p:cNvSpPr>
+            <a:spLocks noGrp="1"/>
+          </p:cNvSpPr>
+          <p:nvPr>
+            <p:ph type="sldNum" sz="quarter" idx="12"/>
+          </p:nvPr>
+        </p:nvSpPr>
+        <p:spPr/>
+        <p:txBody>
+          <a:bodyPr/>
+          <a:lstStyle/>
+          <a:p>
+            <a:fld id="{75F11FD4-B355-4EAB-967C-DBC12644FBDE}" type="slidenum">
+              <a:rPr lang="de-DE" smtClean="0"/>
+              <a:t>6</a:t>
             </a:fld>
             <a:endParaRPr lang="de-DE"/>
           </a:p>
@@ -6467,7 +8559,7 @@
               <a:rPr lang="de-DE" b="1" dirty="0">
                 <a:latin typeface="Trebuchet MS" panose="020B0603020202020204" pitchFamily="34" charset="0"/>
               </a:rPr>
-              <a:t>12 Stunden Arbeit</a:t>
+              <a:t>~143 Stunden Arbeit</a:t>
             </a:r>
           </a:p>
           <a:p>
@@ -6476,7 +8568,7 @@
               <a:rPr lang="de-DE" b="1" dirty="0">
                 <a:latin typeface="Trebuchet MS" panose="020B0603020202020204" pitchFamily="34" charset="0"/>
               </a:rPr>
-              <a:t>in 13 Tagen</a:t>
+              <a:t>in 23 Tagen</a:t>
             </a:r>
           </a:p>
         </p:txBody>
@@ -6495,8 +8587,8 @@
         </p:nvSpPr>
         <p:spPr>
           <a:xfrm>
-            <a:off x="2008872" y="2182482"/>
-            <a:ext cx="3432990" cy="1200329"/>
+            <a:off x="2008871" y="2211460"/>
+            <a:ext cx="2743199" cy="1200329"/>
           </a:xfrm>
           <a:prstGeom prst="rect">
             <a:avLst/>
@@ -6517,7 +8609,7 @@
               <a:rPr lang="de-DE" b="1" dirty="0">
                 <a:latin typeface="Trebuchet MS" panose="020B0603020202020204" pitchFamily="34" charset="0"/>
               </a:rPr>
-              <a:t>1234 Zeilen in 2 Dateien</a:t>
+              <a:t>2747 Zeilen in 16 Klassendateien</a:t>
             </a:r>
           </a:p>
           <a:p>
@@ -6529,30 +8621,7 @@
               <a:rPr lang="de-DE" b="1" dirty="0">
                 <a:latin typeface="Trebuchet MS" panose="020B0603020202020204" pitchFamily="34" charset="0"/>
               </a:rPr>
-              <a:t>123 Objekte instanziiert</a:t>
-            </a:r>
-            <a:br>
-              <a:rPr lang="de-DE" b="1" dirty="0">
-                <a:latin typeface="Trebuchet MS" panose="020B0603020202020204" pitchFamily="34" charset="0"/>
-              </a:rPr>
-            </a:br>
-            <a:r>
-              <a:rPr lang="de-DE" b="1" dirty="0">
-                <a:latin typeface="Trebuchet MS" panose="020B0603020202020204" pitchFamily="34" charset="0"/>
-              </a:rPr>
-              <a:t>(davon XX Swing Elemente)</a:t>
-            </a:r>
-          </a:p>
-          <a:p>
-            <a:pPr marL="285750" indent="-285750">
-              <a:buFont typeface="Wingdings" panose="05000000000000000000" pitchFamily="2" charset="2"/>
-              <a:buChar char="Ø"/>
-            </a:pPr>
-            <a:r>
-              <a:rPr lang="de-DE" b="1" dirty="0">
-                <a:latin typeface="Trebuchet MS" panose="020B0603020202020204" pitchFamily="34" charset="0"/>
-              </a:rPr>
-              <a:t>2 Klassen</a:t>
+              <a:t>Davon 1857 Zeilen reiner Code</a:t>
             </a:r>
           </a:p>
         </p:txBody>
@@ -6694,6 +8763,9 @@
   <p:clrMapOvr>
     <a:masterClrMapping/>
   </p:clrMapOvr>
+  <p:transition spd="slow">
+    <p:push dir="u"/>
+  </p:transition>
   <p:timing>
     <p:tnLst>
       <p:par>
@@ -7255,9 +9327,9 @@
                                           </p:stCondLst>
                                         </p:cTn>
                                         <p:tgtEl>
-                                          <p:spTgt spid="2">
+                                          <p:spTgt spid="9">
                                             <p:txEl>
-                                              <p:pRg st="2" end="2"/>
+                                              <p:pRg st="0" end="0"/>
                                             </p:txEl>
                                           </p:spTgt>
                                         </p:tgtEl>
@@ -7273,9 +9345,9 @@
                                       <p:cBhvr>
                                         <p:cTn id="42" dur="500"/>
                                         <p:tgtEl>
-                                          <p:spTgt spid="2">
+                                          <p:spTgt spid="9">
                                             <p:txEl>
-                                              <p:pRg st="2" end="2"/>
+                                              <p:pRg st="0" end="0"/>
                                             </p:txEl>
                                           </p:spTgt>
                                         </p:tgtEl>
@@ -7285,9 +9357,9 @@
                                       <p:cBhvr>
                                         <p:cTn id="43" dur="500" fill="hold"/>
                                         <p:tgtEl>
-                                          <p:spTgt spid="2">
+                                          <p:spTgt spid="9">
                                             <p:txEl>
-                                              <p:pRg st="2" end="2"/>
+                                              <p:pRg st="0" end="0"/>
                                             </p:txEl>
                                           </p:spTgt>
                                         </p:tgtEl>
@@ -7312,9 +9384,9 @@
                                       <p:cBhvr>
                                         <p:cTn id="44" dur="500" fill="hold"/>
                                         <p:tgtEl>
-                                          <p:spTgt spid="2">
+                                          <p:spTgt spid="9">
                                             <p:txEl>
-                                              <p:pRg st="2" end="2"/>
+                                              <p:pRg st="0" end="0"/>
                                             </p:txEl>
                                           </p:spTgt>
                                         </p:tgtEl>
@@ -7372,7 +9444,7 @@
                                         <p:tgtEl>
                                           <p:spTgt spid="9">
                                             <p:txEl>
-                                              <p:pRg st="0" end="0"/>
+                                              <p:pRg st="1" end="1"/>
                                             </p:txEl>
                                           </p:spTgt>
                                         </p:tgtEl>
@@ -7390,7 +9462,7 @@
                                         <p:tgtEl>
                                           <p:spTgt spid="9">
                                             <p:txEl>
-                                              <p:pRg st="0" end="0"/>
+                                              <p:pRg st="1" end="1"/>
                                             </p:txEl>
                                           </p:spTgt>
                                         </p:tgtEl>
@@ -7402,7 +9474,7 @@
                                         <p:tgtEl>
                                           <p:spTgt spid="9">
                                             <p:txEl>
-                                              <p:pRg st="0" end="0"/>
+                                              <p:pRg st="1" end="1"/>
                                             </p:txEl>
                                           </p:spTgt>
                                         </p:tgtEl>
@@ -7429,7 +9501,7 @@
                                         <p:tgtEl>
                                           <p:spTgt spid="9">
                                             <p:txEl>
-                                              <p:pRg st="0" end="0"/>
+                                              <p:pRg st="1" end="1"/>
                                             </p:txEl>
                                           </p:spTgt>
                                         </p:tgtEl>
@@ -7487,7 +9559,7 @@
                                         <p:tgtEl>
                                           <p:spTgt spid="9">
                                             <p:txEl>
-                                              <p:pRg st="1" end="1"/>
+                                              <p:pRg st="2" end="2"/>
                                             </p:txEl>
                                           </p:spTgt>
                                         </p:tgtEl>
@@ -7505,7 +9577,7 @@
                                         <p:tgtEl>
                                           <p:spTgt spid="9">
                                             <p:txEl>
-                                              <p:pRg st="1" end="1"/>
+                                              <p:pRg st="2" end="2"/>
                                             </p:txEl>
                                           </p:spTgt>
                                         </p:tgtEl>
@@ -7517,7 +9589,7 @@
                                         <p:tgtEl>
                                           <p:spTgt spid="9">
                                             <p:txEl>
-                                              <p:pRg st="1" end="1"/>
+                                              <p:pRg st="2" end="2"/>
                                             </p:txEl>
                                           </p:spTgt>
                                         </p:tgtEl>
@@ -7544,7 +9616,7 @@
                                         <p:tgtEl>
                                           <p:spTgt spid="9">
                                             <p:txEl>
-                                              <p:pRg st="1" end="1"/>
+                                              <p:pRg st="2" end="2"/>
                                             </p:txEl>
                                           </p:spTgt>
                                         </p:tgtEl>
@@ -7600,9 +9672,9 @@
                                           </p:stCondLst>
                                         </p:cTn>
                                         <p:tgtEl>
-                                          <p:spTgt spid="9">
+                                          <p:spTgt spid="8">
                                             <p:txEl>
-                                              <p:pRg st="2" end="2"/>
+                                              <p:pRg st="0" end="0"/>
                                             </p:txEl>
                                           </p:spTgt>
                                         </p:tgtEl>
@@ -7618,9 +9690,9 @@
                                       <p:cBhvr>
                                         <p:cTn id="63" dur="500"/>
                                         <p:tgtEl>
-                                          <p:spTgt spid="9">
+                                          <p:spTgt spid="8">
                                             <p:txEl>
-                                              <p:pRg st="2" end="2"/>
+                                              <p:pRg st="0" end="0"/>
                                             </p:txEl>
                                           </p:spTgt>
                                         </p:tgtEl>
@@ -7630,9 +9702,9 @@
                                       <p:cBhvr>
                                         <p:cTn id="64" dur="500" fill="hold"/>
                                         <p:tgtEl>
-                                          <p:spTgt spid="9">
+                                          <p:spTgt spid="8">
                                             <p:txEl>
-                                              <p:pRg st="2" end="2"/>
+                                              <p:pRg st="0" end="0"/>
                                             </p:txEl>
                                           </p:spTgt>
                                         </p:tgtEl>
@@ -7657,9 +9729,9 @@
                                       <p:cBhvr>
                                         <p:cTn id="65" dur="500" fill="hold"/>
                                         <p:tgtEl>
-                                          <p:spTgt spid="9">
+                                          <p:spTgt spid="8">
                                             <p:txEl>
-                                              <p:pRg st="2" end="2"/>
+                                              <p:pRg st="0" end="0"/>
                                             </p:txEl>
                                           </p:spTgt>
                                         </p:tgtEl>
@@ -7717,7 +9789,7 @@
                                         <p:tgtEl>
                                           <p:spTgt spid="8">
                                             <p:txEl>
-                                              <p:pRg st="0" end="0"/>
+                                              <p:pRg st="1" end="1"/>
                                             </p:txEl>
                                           </p:spTgt>
                                         </p:tgtEl>
@@ -7735,7 +9807,7 @@
                                         <p:tgtEl>
                                           <p:spTgt spid="8">
                                             <p:txEl>
-                                              <p:pRg st="0" end="0"/>
+                                              <p:pRg st="1" end="1"/>
                                             </p:txEl>
                                           </p:spTgt>
                                         </p:tgtEl>
@@ -7747,7 +9819,7 @@
                                         <p:tgtEl>
                                           <p:spTgt spid="8">
                                             <p:txEl>
-                                              <p:pRg st="0" end="0"/>
+                                              <p:pRg st="1" end="1"/>
                                             </p:txEl>
                                           </p:spTgt>
                                         </p:tgtEl>
@@ -7774,7 +9846,7 @@
                                         <p:tgtEl>
                                           <p:spTgt spid="8">
                                             <p:txEl>
-                                              <p:pRg st="0" end="0"/>
+                                              <p:pRg st="1" end="1"/>
                                             </p:txEl>
                                           </p:spTgt>
                                         </p:tgtEl>
@@ -7832,7 +9904,7 @@
                                         <p:tgtEl>
                                           <p:spTgt spid="8">
                                             <p:txEl>
-                                              <p:pRg st="1" end="1"/>
+                                              <p:pRg st="2" end="2"/>
                                             </p:txEl>
                                           </p:spTgt>
                                         </p:tgtEl>
@@ -7850,7 +9922,7 @@
                                         <p:tgtEl>
                                           <p:spTgt spid="8">
                                             <p:txEl>
-                                              <p:pRg st="1" end="1"/>
+                                              <p:pRg st="2" end="2"/>
                                             </p:txEl>
                                           </p:spTgt>
                                         </p:tgtEl>
@@ -7862,7 +9934,7 @@
                                         <p:tgtEl>
                                           <p:spTgt spid="8">
                                             <p:txEl>
-                                              <p:pRg st="1" end="1"/>
+                                              <p:pRg st="2" end="2"/>
                                             </p:txEl>
                                           </p:spTgt>
                                         </p:tgtEl>
@@ -7889,7 +9961,7 @@
                                         <p:tgtEl>
                                           <p:spTgt spid="8">
                                             <p:txEl>
-                                              <p:pRg st="1" end="1"/>
+                                              <p:pRg st="2" end="2"/>
                                             </p:txEl>
                                           </p:spTgt>
                                         </p:tgtEl>
@@ -7945,11 +10017,7 @@
                                           </p:stCondLst>
                                         </p:cTn>
                                         <p:tgtEl>
-                                          <p:spTgt spid="8">
-                                            <p:txEl>
-                                              <p:pRg st="2" end="2"/>
-                                            </p:txEl>
-                                          </p:spTgt>
+                                          <p:spTgt spid="24"/>
                                         </p:tgtEl>
                                         <p:attrNameLst>
                                           <p:attrName>style.visibility</p:attrName>
@@ -7963,124 +10031,13 @@
                                       <p:cBhvr>
                                         <p:cTn id="84" dur="500"/>
                                         <p:tgtEl>
-                                          <p:spTgt spid="8">
-                                            <p:txEl>
-                                              <p:pRg st="2" end="2"/>
-                                            </p:txEl>
-                                          </p:spTgt>
+                                          <p:spTgt spid="24"/>
                                         </p:tgtEl>
                                       </p:cBhvr>
                                     </p:animEffect>
                                     <p:anim calcmode="lin" valueType="num">
                                       <p:cBhvr>
                                         <p:cTn id="85" dur="500" fill="hold"/>
-                                        <p:tgtEl>
-                                          <p:spTgt spid="8">
-                                            <p:txEl>
-                                              <p:pRg st="2" end="2"/>
-                                            </p:txEl>
-                                          </p:spTgt>
-                                        </p:tgtEl>
-                                        <p:attrNameLst>
-                                          <p:attrName>ppt_x</p:attrName>
-                                        </p:attrNameLst>
-                                      </p:cBhvr>
-                                      <p:tavLst>
-                                        <p:tav tm="0">
-                                          <p:val>
-                                            <p:strVal val="#ppt_x"/>
-                                          </p:val>
-                                        </p:tav>
-                                        <p:tav tm="100000">
-                                          <p:val>
-                                            <p:strVal val="#ppt_x"/>
-                                          </p:val>
-                                        </p:tav>
-                                      </p:tavLst>
-                                    </p:anim>
-                                    <p:anim calcmode="lin" valueType="num">
-                                      <p:cBhvr>
-                                        <p:cTn id="86" dur="500" fill="hold"/>
-                                        <p:tgtEl>
-                                          <p:spTgt spid="8">
-                                            <p:txEl>
-                                              <p:pRg st="2" end="2"/>
-                                            </p:txEl>
-                                          </p:spTgt>
-                                        </p:tgtEl>
-                                        <p:attrNameLst>
-                                          <p:attrName>ppt_y</p:attrName>
-                                        </p:attrNameLst>
-                                      </p:cBhvr>
-                                      <p:tavLst>
-                                        <p:tav tm="0">
-                                          <p:val>
-                                            <p:strVal val="#ppt_y+.1"/>
-                                          </p:val>
-                                        </p:tav>
-                                        <p:tav tm="100000">
-                                          <p:val>
-                                            <p:strVal val="#ppt_y"/>
-                                          </p:val>
-                                        </p:tav>
-                                      </p:tavLst>
-                                    </p:anim>
-                                  </p:childTnLst>
-                                </p:cTn>
-                              </p:par>
-                            </p:childTnLst>
-                          </p:cTn>
-                        </p:par>
-                      </p:childTnLst>
-                    </p:cTn>
-                  </p:par>
-                  <p:par>
-                    <p:cTn id="87" fill="hold">
-                      <p:stCondLst>
-                        <p:cond delay="indefinite"/>
-                      </p:stCondLst>
-                      <p:childTnLst>
-                        <p:par>
-                          <p:cTn id="88" fill="hold">
-                            <p:stCondLst>
-                              <p:cond delay="0"/>
-                            </p:stCondLst>
-                            <p:childTnLst>
-                              <p:par>
-                                <p:cTn id="89" presetID="42" presetClass="entr" presetSubtype="0" fill="hold" grpId="0" nodeType="clickEffect">
-                                  <p:stCondLst>
-                                    <p:cond delay="0"/>
-                                  </p:stCondLst>
-                                  <p:childTnLst>
-                                    <p:set>
-                                      <p:cBhvr>
-                                        <p:cTn id="90" dur="1" fill="hold">
-                                          <p:stCondLst>
-                                            <p:cond delay="0"/>
-                                          </p:stCondLst>
-                                        </p:cTn>
-                                        <p:tgtEl>
-                                          <p:spTgt spid="24"/>
-                                        </p:tgtEl>
-                                        <p:attrNameLst>
-                                          <p:attrName>style.visibility</p:attrName>
-                                        </p:attrNameLst>
-                                      </p:cBhvr>
-                                      <p:to>
-                                        <p:strVal val="visible"/>
-                                      </p:to>
-                                    </p:set>
-                                    <p:animEffect transition="in" filter="fade">
-                                      <p:cBhvr>
-                                        <p:cTn id="91" dur="500"/>
-                                        <p:tgtEl>
-                                          <p:spTgt spid="24"/>
-                                        </p:tgtEl>
-                                      </p:cBhvr>
-                                    </p:animEffect>
-                                    <p:anim calcmode="lin" valueType="num">
-                                      <p:cBhvr>
-                                        <p:cTn id="92" dur="500" fill="hold"/>
                                         <p:tgtEl>
                                           <p:spTgt spid="24"/>
                                         </p:tgtEl>
@@ -8103,7 +10060,7 @@
                                     </p:anim>
                                     <p:anim calcmode="lin" valueType="num">
                                       <p:cBhvr>
-                                        <p:cTn id="93" dur="500" fill="hold"/>
+                                        <p:cTn id="86" dur="500" fill="hold"/>
                                         <p:tgtEl>
                                           <p:spTgt spid="24"/>
                                         </p:tgtEl>
@@ -8164,7 +10121,7 @@
 </p:sld>
 </file>
 
-<file path=ppt/slides/slide4.xml><?xml version="1.0" encoding="utf-8"?>
+<file path=ppt/slides/slide7.xml><?xml version="1.0" encoding="utf-8"?>
 <p:sld xmlns:a="http://schemas.openxmlformats.org/drawingml/2006/main" xmlns:r="http://schemas.openxmlformats.org/officeDocument/2006/relationships" xmlns:p="http://schemas.openxmlformats.org/presentationml/2006/main">
   <p:cSld>
     <p:spTree>
@@ -8239,7 +10196,7 @@
           <a:p>
             <a:fld id="{46C1CA06-F658-4220-8BC8-8FCF6253DAE1}" type="datetime1">
               <a:rPr lang="de-DE" smtClean="0"/>
-              <a:t>14.11.2019</a:t>
+              <a:t>23.11.2019</a:t>
             </a:fld>
             <a:endParaRPr lang="de-DE"/>
           </a:p>
@@ -8289,14 +10246,19 @@
             <p:ph type="sldNum" sz="quarter" idx="12"/>
           </p:nvPr>
         </p:nvSpPr>
-        <p:spPr/>
+        <p:spPr>
+          <a:xfrm>
+            <a:off x="8610600" y="6356350"/>
+            <a:ext cx="2743200" cy="365125"/>
+          </a:xfrm>
+        </p:spPr>
         <p:txBody>
           <a:bodyPr/>
           <a:lstStyle/>
           <a:p>
             <a:fld id="{75F11FD4-B355-4EAB-967C-DBC12644FBDE}" type="slidenum">
               <a:rPr lang="de-DE" smtClean="0"/>
-              <a:t>4</a:t>
+              <a:t>7</a:t>
             </a:fld>
             <a:endParaRPr lang="de-DE"/>
           </a:p>
@@ -8507,6 +10469,83 @@
           </a:p>
         </p:txBody>
       </p:sp>
+      <p:sp>
+        <p:nvSpPr>
+          <p:cNvPr id="2" name="Textfeld 1">
+            <a:extLst>
+              <a:ext uri="{FF2B5EF4-FFF2-40B4-BE49-F238E27FC236}">
+                <a16:creationId xmlns:a16="http://schemas.microsoft.com/office/drawing/2014/main" id="{8A7F6ED0-506A-4037-8F3D-7F37BF4E9F73}"/>
+              </a:ext>
+            </a:extLst>
+          </p:cNvPr>
+          <p:cNvSpPr txBox="1"/>
+          <p:nvPr/>
+        </p:nvSpPr>
+        <p:spPr>
+          <a:xfrm>
+            <a:off x="5260006" y="3199610"/>
+            <a:ext cx="1671986" cy="307777"/>
+          </a:xfrm>
+          <a:prstGeom prst="rect">
+            <a:avLst/>
+          </a:prstGeom>
+          <a:noFill/>
+        </p:spPr>
+        <p:txBody>
+          <a:bodyPr wrap="square" rtlCol="0">
+            <a:spAutoFit/>
+          </a:bodyPr>
+          <a:lstStyle/>
+          <a:p>
+            <a:r>
+              <a:rPr lang="de-DE" sz="1400" dirty="0" err="1">
+                <a:latin typeface="Trebuchet MS" panose="020B0603020202020204" pitchFamily="34" charset="0"/>
+              </a:rPr>
+              <a:t>testbenutzer</a:t>
+            </a:r>
+            <a:endParaRPr lang="de-DE" sz="1400" dirty="0">
+              <a:latin typeface="Trebuchet MS" panose="020B0603020202020204" pitchFamily="34" charset="0"/>
+            </a:endParaRPr>
+          </a:p>
+        </p:txBody>
+      </p:sp>
+      <p:sp>
+        <p:nvSpPr>
+          <p:cNvPr id="9" name="Textfeld 8">
+            <a:extLst>
+              <a:ext uri="{FF2B5EF4-FFF2-40B4-BE49-F238E27FC236}">
+                <a16:creationId xmlns:a16="http://schemas.microsoft.com/office/drawing/2014/main" id="{69E9AFE6-BDD4-456F-83C1-4A6E10C89184}"/>
+              </a:ext>
+            </a:extLst>
+          </p:cNvPr>
+          <p:cNvSpPr txBox="1"/>
+          <p:nvPr/>
+        </p:nvSpPr>
+        <p:spPr>
+          <a:xfrm>
+            <a:off x="5260006" y="3544957"/>
+            <a:ext cx="1671986" cy="307777"/>
+          </a:xfrm>
+          <a:prstGeom prst="rect">
+            <a:avLst/>
+          </a:prstGeom>
+          <a:noFill/>
+        </p:spPr>
+        <p:txBody>
+          <a:bodyPr wrap="square" rtlCol="0">
+            <a:spAutoFit/>
+          </a:bodyPr>
+          <a:lstStyle/>
+          <a:p>
+            <a:r>
+              <a:rPr lang="de-DE" sz="1400" dirty="0">
+                <a:latin typeface="Trebuchet MS" panose="020B0603020202020204" pitchFamily="34" charset="0"/>
+              </a:rPr>
+              <a:t>• • • • • • • • • •</a:t>
+            </a:r>
+          </a:p>
+        </p:txBody>
+      </p:sp>
     </p:spTree>
     <p:extLst>
       <p:ext uri="{BB962C8B-B14F-4D97-AF65-F5344CB8AC3E}">
@@ -8517,6 +10556,9 @@
   <p:clrMapOvr>
     <a:masterClrMapping/>
   </p:clrMapOvr>
+  <p:transition spd="slow">
+    <p:push dir="u"/>
+  </p:transition>
   <p:timing>
     <p:tnLst>
       <p:par>
@@ -8810,7 +10852,7 @@
                                   <p:childTnLst>
                                     <p:animScale>
                                       <p:cBhvr>
-                                        <p:cTn id="31" dur="2000" fill="hold"/>
+                                        <p:cTn id="31" dur="1000" fill="hold"/>
                                         <p:tgtEl>
                                           <p:spTgt spid="23"/>
                                         </p:tgtEl>
@@ -8828,13 +10870,192 @@
                                   <p:childTnLst>
                                     <p:animScale>
                                       <p:cBhvr>
-                                        <p:cTn id="33" dur="2000" fill="hold"/>
+                                        <p:cTn id="33" dur="1000" fill="hold"/>
                                         <p:tgtEl>
                                           <p:spTgt spid="24"/>
                                         </p:tgtEl>
                                       </p:cBhvr>
                                       <p:by x="150000" y="150000"/>
                                     </p:animScale>
+                                  </p:childTnLst>
+                                </p:cTn>
+                              </p:par>
+                            </p:childTnLst>
+                          </p:cTn>
+                        </p:par>
+                      </p:childTnLst>
+                    </p:cTn>
+                  </p:par>
+                  <p:par>
+                    <p:cTn id="34" fill="hold">
+                      <p:stCondLst>
+                        <p:cond delay="indefinite"/>
+                      </p:stCondLst>
+                      <p:childTnLst>
+                        <p:par>
+                          <p:cTn id="35" fill="hold">
+                            <p:stCondLst>
+                              <p:cond delay="0"/>
+                            </p:stCondLst>
+                            <p:childTnLst>
+                              <p:par>
+                                <p:cTn id="36" presetID="10" presetClass="exit" presetSubtype="0" fill="hold" grpId="2" nodeType="clickEffect">
+                                  <p:stCondLst>
+                                    <p:cond delay="0"/>
+                                  </p:stCondLst>
+                                  <p:childTnLst>
+                                    <p:animEffect transition="out" filter="fade">
+                                      <p:cBhvr>
+                                        <p:cTn id="37" dur="500"/>
+                                        <p:tgtEl>
+                                          <p:spTgt spid="23"/>
+                                        </p:tgtEl>
+                                      </p:cBhvr>
+                                    </p:animEffect>
+                                    <p:set>
+                                      <p:cBhvr>
+                                        <p:cTn id="38" dur="1" fill="hold">
+                                          <p:stCondLst>
+                                            <p:cond delay="499"/>
+                                          </p:stCondLst>
+                                        </p:cTn>
+                                        <p:tgtEl>
+                                          <p:spTgt spid="23"/>
+                                        </p:tgtEl>
+                                        <p:attrNameLst>
+                                          <p:attrName>style.visibility</p:attrName>
+                                        </p:attrNameLst>
+                                      </p:cBhvr>
+                                      <p:to>
+                                        <p:strVal val="hidden"/>
+                                      </p:to>
+                                    </p:set>
+                                  </p:childTnLst>
+                                </p:cTn>
+                              </p:par>
+                              <p:par>
+                                <p:cTn id="39" presetID="10" presetClass="exit" presetSubtype="0" fill="hold" nodeType="withEffect">
+                                  <p:stCondLst>
+                                    <p:cond delay="0"/>
+                                  </p:stCondLst>
+                                  <p:childTnLst>
+                                    <p:animEffect transition="out" filter="fade">
+                                      <p:cBhvr>
+                                        <p:cTn id="40" dur="500"/>
+                                        <p:tgtEl>
+                                          <p:spTgt spid="24"/>
+                                        </p:tgtEl>
+                                      </p:cBhvr>
+                                    </p:animEffect>
+                                    <p:set>
+                                      <p:cBhvr>
+                                        <p:cTn id="41" dur="1" fill="hold">
+                                          <p:stCondLst>
+                                            <p:cond delay="499"/>
+                                          </p:stCondLst>
+                                        </p:cTn>
+                                        <p:tgtEl>
+                                          <p:spTgt spid="24"/>
+                                        </p:tgtEl>
+                                        <p:attrNameLst>
+                                          <p:attrName>style.visibility</p:attrName>
+                                        </p:attrNameLst>
+                                      </p:cBhvr>
+                                      <p:to>
+                                        <p:strVal val="hidden"/>
+                                      </p:to>
+                                    </p:set>
+                                  </p:childTnLst>
+                                </p:cTn>
+                              </p:par>
+                            </p:childTnLst>
+                          </p:cTn>
+                        </p:par>
+                      </p:childTnLst>
+                    </p:cTn>
+                  </p:par>
+                  <p:par>
+                    <p:cTn id="42" fill="hold">
+                      <p:stCondLst>
+                        <p:cond delay="indefinite"/>
+                      </p:stCondLst>
+                      <p:childTnLst>
+                        <p:par>
+                          <p:cTn id="43" fill="hold">
+                            <p:stCondLst>
+                              <p:cond delay="0"/>
+                            </p:stCondLst>
+                            <p:childTnLst>
+                              <p:par>
+                                <p:cTn id="44" presetID="1" presetClass="entr" presetSubtype="0" fill="hold" nodeType="clickEffect">
+                                  <p:stCondLst>
+                                    <p:cond delay="0"/>
+                                  </p:stCondLst>
+                                  <p:iterate type="lt">
+                                    <p:tmAbs val="70"/>
+                                  </p:iterate>
+                                  <p:childTnLst>
+                                    <p:set>
+                                      <p:cBhvr>
+                                        <p:cTn id="45" dur="1" fill="hold">
+                                          <p:stCondLst>
+                                            <p:cond delay="0"/>
+                                          </p:stCondLst>
+                                        </p:cTn>
+                                        <p:tgtEl>
+                                          <p:spTgt spid="2">
+                                            <p:txEl>
+                                              <p:pRg st="0" end="0"/>
+                                            </p:txEl>
+                                          </p:spTgt>
+                                        </p:tgtEl>
+                                        <p:attrNameLst>
+                                          <p:attrName>style.visibility</p:attrName>
+                                        </p:attrNameLst>
+                                      </p:cBhvr>
+                                      <p:to>
+                                        <p:strVal val="visible"/>
+                                      </p:to>
+                                    </p:set>
+                                  </p:childTnLst>
+                                </p:cTn>
+                              </p:par>
+                            </p:childTnLst>
+                          </p:cTn>
+                        </p:par>
+                        <p:par>
+                          <p:cTn id="46" fill="hold">
+                            <p:stCondLst>
+                              <p:cond delay="771"/>
+                            </p:stCondLst>
+                            <p:childTnLst>
+                              <p:par>
+                                <p:cTn id="47" presetID="1" presetClass="entr" presetSubtype="0" fill="hold" grpId="1" nodeType="afterEffect">
+                                  <p:stCondLst>
+                                    <p:cond delay="0"/>
+                                  </p:stCondLst>
+                                  <p:iterate type="lt">
+                                    <p:tmAbs val="70"/>
+                                  </p:iterate>
+                                  <p:childTnLst>
+                                    <p:set>
+                                      <p:cBhvr>
+                                        <p:cTn id="48" dur="1" fill="hold">
+                                          <p:stCondLst>
+                                            <p:cond delay="0"/>
+                                          </p:stCondLst>
+                                        </p:cTn>
+                                        <p:tgtEl>
+                                          <p:spTgt spid="9"/>
+                                        </p:tgtEl>
+                                        <p:attrNameLst>
+                                          <p:attrName>style.visibility</p:attrName>
+                                        </p:attrNameLst>
+                                      </p:cBhvr>
+                                      <p:to>
+                                        <p:strVal val="visible"/>
+                                      </p:to>
+                                    </p:set>
                                   </p:childTnLst>
                                 </p:cTn>
                               </p:par>
@@ -8868,598 +11089,10 @@
     <p:bldLst>
       <p:bldP spid="23" grpId="0" animBg="1"/>
       <p:bldP spid="23" grpId="1" animBg="1"/>
+      <p:bldP spid="23" grpId="2" animBg="1"/>
+      <p:bldP spid="9" grpId="1"/>
     </p:bldLst>
   </p:timing>
-</p:sld>
-</file>
-
-<file path=ppt/slides/slide5.xml><?xml version="1.0" encoding="utf-8"?>
-<p:sld xmlns:a="http://schemas.openxmlformats.org/drawingml/2006/main" xmlns:r="http://schemas.openxmlformats.org/officeDocument/2006/relationships" xmlns:p="http://schemas.openxmlformats.org/presentationml/2006/main">
-  <p:cSld>
-    <p:spTree>
-      <p:nvGrpSpPr>
-        <p:cNvPr id="1" name=""/>
-        <p:cNvGrpSpPr/>
-        <p:nvPr/>
-      </p:nvGrpSpPr>
-      <p:grpSpPr>
-        <a:xfrm>
-          <a:off x="0" y="0"/>
-          <a:ext cx="0" cy="0"/>
-          <a:chOff x="0" y="0"/>
-          <a:chExt cx="0" cy="0"/>
-        </a:xfrm>
-      </p:grpSpPr>
-      <p:sp>
-        <p:nvSpPr>
-          <p:cNvPr id="2" name="Inhaltsplatzhalter 1">
-            <a:extLst>
-              <a:ext uri="{FF2B5EF4-FFF2-40B4-BE49-F238E27FC236}">
-                <a16:creationId xmlns:a16="http://schemas.microsoft.com/office/drawing/2014/main" id="{15C63717-1B73-429C-88FD-E54484D94826}"/>
-              </a:ext>
-            </a:extLst>
-          </p:cNvPr>
-          <p:cNvSpPr>
-            <a:spLocks noGrp="1"/>
-          </p:cNvSpPr>
-          <p:nvPr>
-            <p:ph idx="1"/>
-          </p:nvPr>
-        </p:nvSpPr>
-        <p:spPr/>
-        <p:txBody>
-          <a:bodyPr/>
-          <a:lstStyle/>
-          <a:p>
-            <a:endParaRPr lang="de-DE" dirty="0"/>
-          </a:p>
-        </p:txBody>
-      </p:sp>
-      <p:sp>
-        <p:nvSpPr>
-          <p:cNvPr id="3" name="Datumsplatzhalter 2">
-            <a:extLst>
-              <a:ext uri="{FF2B5EF4-FFF2-40B4-BE49-F238E27FC236}">
-                <a16:creationId xmlns:a16="http://schemas.microsoft.com/office/drawing/2014/main" id="{758882C4-8B9B-4746-96C5-36A91AF4E8AF}"/>
-              </a:ext>
-            </a:extLst>
-          </p:cNvPr>
-          <p:cNvSpPr>
-            <a:spLocks noGrp="1"/>
-          </p:cNvSpPr>
-          <p:nvPr>
-            <p:ph type="dt" sz="half" idx="10"/>
-          </p:nvPr>
-        </p:nvSpPr>
-        <p:spPr/>
-        <p:txBody>
-          <a:bodyPr/>
-          <a:lstStyle/>
-          <a:p>
-            <a:fld id="{46C1CA06-F658-4220-8BC8-8FCF6253DAE1}" type="datetime1">
-              <a:rPr lang="de-DE" smtClean="0"/>
-              <a:t>14.11.2019</a:t>
-            </a:fld>
-            <a:endParaRPr lang="de-DE"/>
-          </a:p>
-        </p:txBody>
-      </p:sp>
-      <p:sp>
-        <p:nvSpPr>
-          <p:cNvPr id="4" name="Fußzeilenplatzhalter 3">
-            <a:extLst>
-              <a:ext uri="{FF2B5EF4-FFF2-40B4-BE49-F238E27FC236}">
-                <a16:creationId xmlns:a16="http://schemas.microsoft.com/office/drawing/2014/main" id="{51A71253-D448-4037-A6C3-CC7A6E9ED606}"/>
-              </a:ext>
-            </a:extLst>
-          </p:cNvPr>
-          <p:cNvSpPr>
-            <a:spLocks noGrp="1"/>
-          </p:cNvSpPr>
-          <p:nvPr>
-            <p:ph type="ftr" sz="quarter" idx="11"/>
-          </p:nvPr>
-        </p:nvSpPr>
-        <p:spPr/>
-        <p:txBody>
-          <a:bodyPr/>
-          <a:lstStyle/>
-          <a:p>
-            <a:r>
-              <a:rPr lang="de-DE"/>
-              <a:t>Krieger</a:t>
-            </a:r>
-          </a:p>
-        </p:txBody>
-      </p:sp>
-      <p:sp>
-        <p:nvSpPr>
-          <p:cNvPr id="5" name="Foliennummernplatzhalter 4">
-            <a:extLst>
-              <a:ext uri="{FF2B5EF4-FFF2-40B4-BE49-F238E27FC236}">
-                <a16:creationId xmlns:a16="http://schemas.microsoft.com/office/drawing/2014/main" id="{992697C4-33D6-4C2A-899B-084BD779AC26}"/>
-              </a:ext>
-            </a:extLst>
-          </p:cNvPr>
-          <p:cNvSpPr>
-            <a:spLocks noGrp="1"/>
-          </p:cNvSpPr>
-          <p:nvPr>
-            <p:ph type="sldNum" sz="quarter" idx="12"/>
-          </p:nvPr>
-        </p:nvSpPr>
-        <p:spPr/>
-        <p:txBody>
-          <a:bodyPr/>
-          <a:lstStyle/>
-          <a:p>
-            <a:fld id="{75F11FD4-B355-4EAB-967C-DBC12644FBDE}" type="slidenum">
-              <a:rPr lang="de-DE" smtClean="0"/>
-              <a:t>5</a:t>
-            </a:fld>
-            <a:endParaRPr lang="de-DE"/>
-          </a:p>
-        </p:txBody>
-      </p:sp>
-      <p:sp>
-        <p:nvSpPr>
-          <p:cNvPr id="6" name="Textplatzhalter 5">
-            <a:extLst>
-              <a:ext uri="{FF2B5EF4-FFF2-40B4-BE49-F238E27FC236}">
-                <a16:creationId xmlns:a16="http://schemas.microsoft.com/office/drawing/2014/main" id="{1A510F3A-C4AF-4836-9FB5-83584A0F6635}"/>
-              </a:ext>
-            </a:extLst>
-          </p:cNvPr>
-          <p:cNvSpPr>
-            <a:spLocks noGrp="1"/>
-          </p:cNvSpPr>
-          <p:nvPr>
-            <p:ph type="body" sz="quarter" idx="14"/>
-          </p:nvPr>
-        </p:nvSpPr>
-        <p:spPr/>
-        <p:txBody>
-          <a:bodyPr/>
-          <a:lstStyle/>
-          <a:p>
-            <a:endParaRPr lang="de-DE"/>
-          </a:p>
-        </p:txBody>
-      </p:sp>
-      <p:sp>
-        <p:nvSpPr>
-          <p:cNvPr id="7" name="Textplatzhalter 6">
-            <a:extLst>
-              <a:ext uri="{FF2B5EF4-FFF2-40B4-BE49-F238E27FC236}">
-                <a16:creationId xmlns:a16="http://schemas.microsoft.com/office/drawing/2014/main" id="{46D27D0F-F653-4CA3-A806-3F3747C8305D}"/>
-              </a:ext>
-            </a:extLst>
-          </p:cNvPr>
-          <p:cNvSpPr>
-            <a:spLocks noGrp="1"/>
-          </p:cNvSpPr>
-          <p:nvPr>
-            <p:ph type="body" sz="quarter" idx="13"/>
-          </p:nvPr>
-        </p:nvSpPr>
-        <p:spPr>
-          <a:xfrm>
-            <a:off x="3889510" y="681037"/>
-            <a:ext cx="4412980" cy="571500"/>
-          </a:xfrm>
-        </p:spPr>
-        <p:txBody>
-          <a:bodyPr/>
-          <a:lstStyle/>
-          <a:p>
-            <a:r>
-              <a:rPr lang="de-DE" dirty="0"/>
-              <a:t>MySQL Anbindung</a:t>
-            </a:r>
-          </a:p>
-        </p:txBody>
-      </p:sp>
-    </p:spTree>
-    <p:extLst>
-      <p:ext uri="{BB962C8B-B14F-4D97-AF65-F5344CB8AC3E}">
-        <p14:creationId xmlns:p14="http://schemas.microsoft.com/office/powerpoint/2010/main" val="4100918803"/>
-      </p:ext>
-    </p:extLst>
-  </p:cSld>
-  <p:clrMapOvr>
-    <a:masterClrMapping/>
-  </p:clrMapOvr>
-</p:sld>
-</file>
-
-<file path=ppt/slides/slide6.xml><?xml version="1.0" encoding="utf-8"?>
-<p:sld xmlns:a="http://schemas.openxmlformats.org/drawingml/2006/main" xmlns:r="http://schemas.openxmlformats.org/officeDocument/2006/relationships" xmlns:p="http://schemas.openxmlformats.org/presentationml/2006/main">
-  <p:cSld>
-    <p:spTree>
-      <p:nvGrpSpPr>
-        <p:cNvPr id="1" name=""/>
-        <p:cNvGrpSpPr/>
-        <p:nvPr/>
-      </p:nvGrpSpPr>
-      <p:grpSpPr>
-        <a:xfrm>
-          <a:off x="0" y="0"/>
-          <a:ext cx="0" cy="0"/>
-          <a:chOff x="0" y="0"/>
-          <a:chExt cx="0" cy="0"/>
-        </a:xfrm>
-      </p:grpSpPr>
-      <p:sp>
-        <p:nvSpPr>
-          <p:cNvPr id="2" name="Inhaltsplatzhalter 1">
-            <a:extLst>
-              <a:ext uri="{FF2B5EF4-FFF2-40B4-BE49-F238E27FC236}">
-                <a16:creationId xmlns:a16="http://schemas.microsoft.com/office/drawing/2014/main" id="{0B13E24B-FBB7-4D83-AAD2-9118F2562E26}"/>
-              </a:ext>
-            </a:extLst>
-          </p:cNvPr>
-          <p:cNvSpPr>
-            <a:spLocks noGrp="1"/>
-          </p:cNvSpPr>
-          <p:nvPr>
-            <p:ph idx="1"/>
-          </p:nvPr>
-        </p:nvSpPr>
-        <p:spPr/>
-        <p:txBody>
-          <a:bodyPr/>
-          <a:lstStyle/>
-          <a:p>
-            <a:endParaRPr lang="de-DE"/>
-          </a:p>
-        </p:txBody>
-      </p:sp>
-      <p:sp>
-        <p:nvSpPr>
-          <p:cNvPr id="3" name="Datumsplatzhalter 2">
-            <a:extLst>
-              <a:ext uri="{FF2B5EF4-FFF2-40B4-BE49-F238E27FC236}">
-                <a16:creationId xmlns:a16="http://schemas.microsoft.com/office/drawing/2014/main" id="{FFC878E0-6CD5-458F-B9BA-6E3C6F358F90}"/>
-              </a:ext>
-            </a:extLst>
-          </p:cNvPr>
-          <p:cNvSpPr>
-            <a:spLocks noGrp="1"/>
-          </p:cNvSpPr>
-          <p:nvPr>
-            <p:ph type="dt" sz="half" idx="10"/>
-          </p:nvPr>
-        </p:nvSpPr>
-        <p:spPr/>
-        <p:txBody>
-          <a:bodyPr/>
-          <a:lstStyle/>
-          <a:p>
-            <a:fld id="{46C1CA06-F658-4220-8BC8-8FCF6253DAE1}" type="datetime1">
-              <a:rPr lang="de-DE" smtClean="0"/>
-              <a:t>14.11.2019</a:t>
-            </a:fld>
-            <a:endParaRPr lang="de-DE"/>
-          </a:p>
-        </p:txBody>
-      </p:sp>
-      <p:sp>
-        <p:nvSpPr>
-          <p:cNvPr id="4" name="Fußzeilenplatzhalter 3">
-            <a:extLst>
-              <a:ext uri="{FF2B5EF4-FFF2-40B4-BE49-F238E27FC236}">
-                <a16:creationId xmlns:a16="http://schemas.microsoft.com/office/drawing/2014/main" id="{D8C400B5-8E53-452E-87B4-BA9C43958C58}"/>
-              </a:ext>
-            </a:extLst>
-          </p:cNvPr>
-          <p:cNvSpPr>
-            <a:spLocks noGrp="1"/>
-          </p:cNvSpPr>
-          <p:nvPr>
-            <p:ph type="ftr" sz="quarter" idx="11"/>
-          </p:nvPr>
-        </p:nvSpPr>
-        <p:spPr/>
-        <p:txBody>
-          <a:bodyPr/>
-          <a:lstStyle/>
-          <a:p>
-            <a:r>
-              <a:rPr lang="de-DE"/>
-              <a:t>Krieger</a:t>
-            </a:r>
-          </a:p>
-        </p:txBody>
-      </p:sp>
-      <p:sp>
-        <p:nvSpPr>
-          <p:cNvPr id="5" name="Foliennummernplatzhalter 4">
-            <a:extLst>
-              <a:ext uri="{FF2B5EF4-FFF2-40B4-BE49-F238E27FC236}">
-                <a16:creationId xmlns:a16="http://schemas.microsoft.com/office/drawing/2014/main" id="{FFF6272D-B2F5-4D4A-8BE2-FDC78D3C4CB1}"/>
-              </a:ext>
-            </a:extLst>
-          </p:cNvPr>
-          <p:cNvSpPr>
-            <a:spLocks noGrp="1"/>
-          </p:cNvSpPr>
-          <p:nvPr>
-            <p:ph type="sldNum" sz="quarter" idx="12"/>
-          </p:nvPr>
-        </p:nvSpPr>
-        <p:spPr/>
-        <p:txBody>
-          <a:bodyPr/>
-          <a:lstStyle/>
-          <a:p>
-            <a:fld id="{75F11FD4-B355-4EAB-967C-DBC12644FBDE}" type="slidenum">
-              <a:rPr lang="de-DE" smtClean="0"/>
-              <a:t>6</a:t>
-            </a:fld>
-            <a:endParaRPr lang="de-DE"/>
-          </a:p>
-        </p:txBody>
-      </p:sp>
-      <p:sp>
-        <p:nvSpPr>
-          <p:cNvPr id="6" name="Textplatzhalter 5">
-            <a:extLst>
-              <a:ext uri="{FF2B5EF4-FFF2-40B4-BE49-F238E27FC236}">
-                <a16:creationId xmlns:a16="http://schemas.microsoft.com/office/drawing/2014/main" id="{27CB312E-8440-4D49-9195-E27AE78EF5D9}"/>
-              </a:ext>
-            </a:extLst>
-          </p:cNvPr>
-          <p:cNvSpPr>
-            <a:spLocks noGrp="1"/>
-          </p:cNvSpPr>
-          <p:nvPr>
-            <p:ph type="body" sz="quarter" idx="14"/>
-          </p:nvPr>
-        </p:nvSpPr>
-        <p:spPr/>
-        <p:txBody>
-          <a:bodyPr/>
-          <a:lstStyle/>
-          <a:p>
-            <a:r>
-              <a:rPr lang="de-DE" dirty="0"/>
-              <a:t>Umsetzung</a:t>
-            </a:r>
-          </a:p>
-        </p:txBody>
-      </p:sp>
-      <p:sp>
-        <p:nvSpPr>
-          <p:cNvPr id="7" name="Textplatzhalter 6">
-            <a:extLst>
-              <a:ext uri="{FF2B5EF4-FFF2-40B4-BE49-F238E27FC236}">
-                <a16:creationId xmlns:a16="http://schemas.microsoft.com/office/drawing/2014/main" id="{0DACF167-7935-480F-A4D8-24AB942E276A}"/>
-              </a:ext>
-            </a:extLst>
-          </p:cNvPr>
-          <p:cNvSpPr>
-            <a:spLocks noGrp="1"/>
-          </p:cNvSpPr>
-          <p:nvPr>
-            <p:ph type="body" sz="quarter" idx="13"/>
-          </p:nvPr>
-        </p:nvSpPr>
-        <p:spPr/>
-        <p:txBody>
-          <a:bodyPr/>
-          <a:lstStyle/>
-          <a:p>
-            <a:r>
-              <a:rPr lang="de-DE" dirty="0"/>
-              <a:t>Funktionen</a:t>
-            </a:r>
-          </a:p>
-        </p:txBody>
-      </p:sp>
-    </p:spTree>
-    <p:extLst>
-      <p:ext uri="{BB962C8B-B14F-4D97-AF65-F5344CB8AC3E}">
-        <p14:creationId xmlns:p14="http://schemas.microsoft.com/office/powerpoint/2010/main" val="3207530046"/>
-      </p:ext>
-    </p:extLst>
-  </p:cSld>
-  <p:clrMapOvr>
-    <a:masterClrMapping/>
-  </p:clrMapOvr>
-</p:sld>
-</file>
-
-<file path=ppt/slides/slide7.xml><?xml version="1.0" encoding="utf-8"?>
-<p:sld xmlns:a="http://schemas.openxmlformats.org/drawingml/2006/main" xmlns:r="http://schemas.openxmlformats.org/officeDocument/2006/relationships" xmlns:p="http://schemas.openxmlformats.org/presentationml/2006/main">
-  <p:cSld>
-    <p:spTree>
-      <p:nvGrpSpPr>
-        <p:cNvPr id="1" name=""/>
-        <p:cNvGrpSpPr/>
-        <p:nvPr/>
-      </p:nvGrpSpPr>
-      <p:grpSpPr>
-        <a:xfrm>
-          <a:off x="0" y="0"/>
-          <a:ext cx="0" cy="0"/>
-          <a:chOff x="0" y="0"/>
-          <a:chExt cx="0" cy="0"/>
-        </a:xfrm>
-      </p:grpSpPr>
-      <p:sp>
-        <p:nvSpPr>
-          <p:cNvPr id="2" name="Inhaltsplatzhalter 1">
-            <a:extLst>
-              <a:ext uri="{FF2B5EF4-FFF2-40B4-BE49-F238E27FC236}">
-                <a16:creationId xmlns:a16="http://schemas.microsoft.com/office/drawing/2014/main" id="{E612BD94-F616-47A5-8A8A-2BA1E8A73F9F}"/>
-              </a:ext>
-            </a:extLst>
-          </p:cNvPr>
-          <p:cNvSpPr>
-            <a:spLocks noGrp="1"/>
-          </p:cNvSpPr>
-          <p:nvPr>
-            <p:ph idx="1"/>
-          </p:nvPr>
-        </p:nvSpPr>
-        <p:spPr/>
-        <p:txBody>
-          <a:bodyPr/>
-          <a:lstStyle/>
-          <a:p>
-            <a:endParaRPr lang="de-DE"/>
-          </a:p>
-        </p:txBody>
-      </p:sp>
-      <p:sp>
-        <p:nvSpPr>
-          <p:cNvPr id="3" name="Datumsplatzhalter 2">
-            <a:extLst>
-              <a:ext uri="{FF2B5EF4-FFF2-40B4-BE49-F238E27FC236}">
-                <a16:creationId xmlns:a16="http://schemas.microsoft.com/office/drawing/2014/main" id="{EE5559E5-2018-41BC-A0BB-9DDC76DFF886}"/>
-              </a:ext>
-            </a:extLst>
-          </p:cNvPr>
-          <p:cNvSpPr>
-            <a:spLocks noGrp="1"/>
-          </p:cNvSpPr>
-          <p:nvPr>
-            <p:ph type="dt" sz="half" idx="10"/>
-          </p:nvPr>
-        </p:nvSpPr>
-        <p:spPr/>
-        <p:txBody>
-          <a:bodyPr/>
-          <a:lstStyle/>
-          <a:p>
-            <a:fld id="{46C1CA06-F658-4220-8BC8-8FCF6253DAE1}" type="datetime1">
-              <a:rPr lang="de-DE" smtClean="0"/>
-              <a:t>14.11.2019</a:t>
-            </a:fld>
-            <a:endParaRPr lang="de-DE"/>
-          </a:p>
-        </p:txBody>
-      </p:sp>
-      <p:sp>
-        <p:nvSpPr>
-          <p:cNvPr id="4" name="Fußzeilenplatzhalter 3">
-            <a:extLst>
-              <a:ext uri="{FF2B5EF4-FFF2-40B4-BE49-F238E27FC236}">
-                <a16:creationId xmlns:a16="http://schemas.microsoft.com/office/drawing/2014/main" id="{D736E08B-8C68-40E8-A5E4-6C7E60964722}"/>
-              </a:ext>
-            </a:extLst>
-          </p:cNvPr>
-          <p:cNvSpPr>
-            <a:spLocks noGrp="1"/>
-          </p:cNvSpPr>
-          <p:nvPr>
-            <p:ph type="ftr" sz="quarter" idx="11"/>
-          </p:nvPr>
-        </p:nvSpPr>
-        <p:spPr/>
-        <p:txBody>
-          <a:bodyPr/>
-          <a:lstStyle/>
-          <a:p>
-            <a:r>
-              <a:rPr lang="de-DE"/>
-              <a:t>Krieger</a:t>
-            </a:r>
-          </a:p>
-        </p:txBody>
-      </p:sp>
-      <p:sp>
-        <p:nvSpPr>
-          <p:cNvPr id="5" name="Foliennummernplatzhalter 4">
-            <a:extLst>
-              <a:ext uri="{FF2B5EF4-FFF2-40B4-BE49-F238E27FC236}">
-                <a16:creationId xmlns:a16="http://schemas.microsoft.com/office/drawing/2014/main" id="{AA67B7CD-8F4B-431E-8B55-2317E6212962}"/>
-              </a:ext>
-            </a:extLst>
-          </p:cNvPr>
-          <p:cNvSpPr>
-            <a:spLocks noGrp="1"/>
-          </p:cNvSpPr>
-          <p:nvPr>
-            <p:ph type="sldNum" sz="quarter" idx="12"/>
-          </p:nvPr>
-        </p:nvSpPr>
-        <p:spPr/>
-        <p:txBody>
-          <a:bodyPr/>
-          <a:lstStyle/>
-          <a:p>
-            <a:fld id="{75F11FD4-B355-4EAB-967C-DBC12644FBDE}" type="slidenum">
-              <a:rPr lang="de-DE" smtClean="0"/>
-              <a:t>7</a:t>
-            </a:fld>
-            <a:endParaRPr lang="de-DE"/>
-          </a:p>
-        </p:txBody>
-      </p:sp>
-      <p:sp>
-        <p:nvSpPr>
-          <p:cNvPr id="6" name="Textplatzhalter 5">
-            <a:extLst>
-              <a:ext uri="{FF2B5EF4-FFF2-40B4-BE49-F238E27FC236}">
-                <a16:creationId xmlns:a16="http://schemas.microsoft.com/office/drawing/2014/main" id="{69E79B6C-557E-4A59-A4F6-7B03BEC86559}"/>
-              </a:ext>
-            </a:extLst>
-          </p:cNvPr>
-          <p:cNvSpPr>
-            <a:spLocks noGrp="1"/>
-          </p:cNvSpPr>
-          <p:nvPr>
-            <p:ph type="body" sz="quarter" idx="14"/>
-          </p:nvPr>
-        </p:nvSpPr>
-        <p:spPr/>
-        <p:txBody>
-          <a:bodyPr/>
-          <a:lstStyle/>
-          <a:p>
-            <a:endParaRPr lang="de-DE"/>
-          </a:p>
-        </p:txBody>
-      </p:sp>
-      <p:sp>
-        <p:nvSpPr>
-          <p:cNvPr id="7" name="Textplatzhalter 6">
-            <a:extLst>
-              <a:ext uri="{FF2B5EF4-FFF2-40B4-BE49-F238E27FC236}">
-                <a16:creationId xmlns:a16="http://schemas.microsoft.com/office/drawing/2014/main" id="{47B40ACF-4003-405E-9F06-FF8CCE97C464}"/>
-              </a:ext>
-            </a:extLst>
-          </p:cNvPr>
-          <p:cNvSpPr>
-            <a:spLocks noGrp="1"/>
-          </p:cNvSpPr>
-          <p:nvPr>
-            <p:ph type="body" sz="quarter" idx="13"/>
-          </p:nvPr>
-        </p:nvSpPr>
-        <p:spPr/>
-        <p:txBody>
-          <a:bodyPr/>
-          <a:lstStyle/>
-          <a:p>
-            <a:r>
-              <a:rPr lang="de-DE" dirty="0"/>
-              <a:t>UML Diagramm</a:t>
-            </a:r>
-          </a:p>
-        </p:txBody>
-      </p:sp>
-    </p:spTree>
-    <p:extLst>
-      <p:ext uri="{BB962C8B-B14F-4D97-AF65-F5344CB8AC3E}">
-        <p14:creationId xmlns:p14="http://schemas.microsoft.com/office/powerpoint/2010/main" val="2452283257"/>
-      </p:ext>
-    </p:extLst>
-  </p:cSld>
-  <p:clrMapOvr>
-    <a:masterClrMapping/>
-  </p:clrMapOvr>
 </p:sld>
 </file>
 
@@ -9485,7 +11118,7 @@
           <p:cNvPr id="3" name="Datumsplatzhalter 2">
             <a:extLst>
               <a:ext uri="{FF2B5EF4-FFF2-40B4-BE49-F238E27FC236}">
-                <a16:creationId xmlns:a16="http://schemas.microsoft.com/office/drawing/2014/main" id="{C94A59A8-70ED-4BAD-910E-265A8357FBD7}"/>
+                <a16:creationId xmlns:a16="http://schemas.microsoft.com/office/drawing/2014/main" id="{131BBA1C-27C3-4109-972C-2C875FC99485}"/>
               </a:ext>
             </a:extLst>
           </p:cNvPr>
@@ -9503,7 +11136,7 @@
           <a:p>
             <a:fld id="{46C1CA06-F658-4220-8BC8-8FCF6253DAE1}" type="datetime1">
               <a:rPr lang="de-DE" smtClean="0"/>
-              <a:t>14.11.2019</a:t>
+              <a:t>23.11.2019</a:t>
             </a:fld>
             <a:endParaRPr lang="de-DE"/>
           </a:p>
@@ -9514,7 +11147,7 @@
           <p:cNvPr id="4" name="Fußzeilenplatzhalter 3">
             <a:extLst>
               <a:ext uri="{FF2B5EF4-FFF2-40B4-BE49-F238E27FC236}">
-                <a16:creationId xmlns:a16="http://schemas.microsoft.com/office/drawing/2014/main" id="{AF301653-F5EC-4843-8E82-4E8196372726}"/>
+                <a16:creationId xmlns:a16="http://schemas.microsoft.com/office/drawing/2014/main" id="{DA172F6D-6769-48D6-8731-586391C8D979}"/>
               </a:ext>
             </a:extLst>
           </p:cNvPr>
@@ -9542,7 +11175,7 @@
           <p:cNvPr id="5" name="Foliennummernplatzhalter 4">
             <a:extLst>
               <a:ext uri="{FF2B5EF4-FFF2-40B4-BE49-F238E27FC236}">
-                <a16:creationId xmlns:a16="http://schemas.microsoft.com/office/drawing/2014/main" id="{9950CACA-C4A9-4357-8DDB-E002739AF8F2}"/>
+                <a16:creationId xmlns:a16="http://schemas.microsoft.com/office/drawing/2014/main" id="{1823A0F4-1125-4174-91BB-CCF9ECDA24DE}"/>
               </a:ext>
             </a:extLst>
           </p:cNvPr>
@@ -9568,85 +11201,50 @@
       </p:sp>
       <p:sp>
         <p:nvSpPr>
-          <p:cNvPr id="18" name="Textfeld 17">
-            <a:extLst>
-              <a:ext uri="{FF2B5EF4-FFF2-40B4-BE49-F238E27FC236}">
-                <a16:creationId xmlns:a16="http://schemas.microsoft.com/office/drawing/2014/main" id="{350A684C-F70D-49AF-93D0-D1FC562D9DE5}"/>
-              </a:ext>
-            </a:extLst>
-          </p:cNvPr>
-          <p:cNvSpPr txBox="1"/>
-          <p:nvPr/>
+          <p:cNvPr id="7" name="Textplatzhalter 6">
+            <a:extLst>
+              <a:ext uri="{FF2B5EF4-FFF2-40B4-BE49-F238E27FC236}">
+                <a16:creationId xmlns:a16="http://schemas.microsoft.com/office/drawing/2014/main" id="{5EB2F4EC-B864-4310-80DD-C6C453ADE386}"/>
+              </a:ext>
+            </a:extLst>
+          </p:cNvPr>
+          <p:cNvSpPr>
+            <a:spLocks noGrp="1"/>
+          </p:cNvSpPr>
+          <p:nvPr>
+            <p:ph type="body" sz="quarter" idx="13"/>
+          </p:nvPr>
         </p:nvSpPr>
         <p:spPr>
           <a:xfrm>
-            <a:off x="1999861" y="601180"/>
-            <a:ext cx="8192278" cy="646331"/>
+            <a:off x="3335836" y="646169"/>
+            <a:ext cx="5520327" cy="571500"/>
           </a:xfrm>
-          <a:prstGeom prst="rect">
-            <a:avLst/>
-          </a:prstGeom>
-          <a:noFill/>
         </p:spPr>
         <p:txBody>
-          <a:bodyPr wrap="square" rtlCol="0">
-            <a:spAutoFit/>
-          </a:bodyPr>
+          <a:bodyPr/>
           <a:lstStyle/>
           <a:p>
+            <a:pPr>
+              <a:spcBef>
+                <a:spcPts val="0"/>
+              </a:spcBef>
+            </a:pPr>
             <a:r>
-              <a:rPr lang="de-DE" sz="3600" b="1" dirty="0">
+              <a:rPr lang="de-DE" dirty="0">
                 <a:latin typeface="Trebuchet MS" panose="020B0603020202020204" pitchFamily="34" charset="0"/>
               </a:rPr>
-              <a:t>Vielen Dank für die Aufmerksamkeit!</a:t>
-            </a:r>
-          </a:p>
-        </p:txBody>
-      </p:sp>
-      <p:sp>
-        <p:nvSpPr>
-          <p:cNvPr id="19" name="Textfeld 18">
-            <a:extLst>
-              <a:ext uri="{FF2B5EF4-FFF2-40B4-BE49-F238E27FC236}">
-                <a16:creationId xmlns:a16="http://schemas.microsoft.com/office/drawing/2014/main" id="{F8094067-86D9-4382-A4B9-7480948ECA41}"/>
-              </a:ext>
-            </a:extLst>
-          </p:cNvPr>
-          <p:cNvSpPr txBox="1"/>
-          <p:nvPr/>
-        </p:nvSpPr>
-        <p:spPr>
-          <a:xfrm rot="20921754">
-            <a:off x="893690" y="3003588"/>
-            <a:ext cx="5855072" cy="1862048"/>
-          </a:xfrm>
-          <a:prstGeom prst="rect">
-            <a:avLst/>
-          </a:prstGeom>
-          <a:noFill/>
-        </p:spPr>
-        <p:txBody>
-          <a:bodyPr wrap="square" rtlCol="0">
-            <a:spAutoFit/>
-          </a:bodyPr>
-          <a:lstStyle/>
-          <a:p>
-            <a:pPr algn="ctr"/>
-            <a:r>
-              <a:rPr lang="de-DE" sz="11500" dirty="0">
-                <a:latin typeface="Trebuchet MS" panose="020B0603020202020204" pitchFamily="34" charset="0"/>
-              </a:rPr>
-              <a:t>Fragen?</a:t>
+              <a:t>Der Homescreen</a:t>
             </a:r>
           </a:p>
         </p:txBody>
       </p:sp>
       <p:pic>
         <p:nvPicPr>
-          <p:cNvPr id="6" name="Grafik 5" descr="Grinsendes Gesicht mit einfarbiger Füllung">
-            <a:extLst>
-              <a:ext uri="{FF2B5EF4-FFF2-40B4-BE49-F238E27FC236}">
-                <a16:creationId xmlns:a16="http://schemas.microsoft.com/office/drawing/2014/main" id="{2FBF12DD-81D0-41D2-80E1-C74D2EF46FCC}"/>
+          <p:cNvPr id="12" name="Grafik 11" descr="Ein Bild, das Screenshot enthält.&#10;&#10;Automatisch generierte Beschreibung">
+            <a:extLst>
+              <a:ext uri="{FF2B5EF4-FFF2-40B4-BE49-F238E27FC236}">
+                <a16:creationId xmlns:a16="http://schemas.microsoft.com/office/drawing/2014/main" id="{E799735C-80FE-4D29-8C84-F3893EBB56A8}"/>
               </a:ext>
             </a:extLst>
           </p:cNvPr>
@@ -9661,9 +11259,6 @@
               <a:ext uri="{28A0092B-C50C-407E-A947-70E740481C1C}">
                 <a14:useLocalDpi xmlns:a14="http://schemas.microsoft.com/office/drawing/2010/main" val="0"/>
               </a:ext>
-              <a:ext uri="{96DAC541-7B7A-43D3-8B79-37D633B846F1}">
-                <asvg:svgBlip xmlns:asvg="http://schemas.microsoft.com/office/drawing/2016/SVG/main" r:embed="rId3"/>
-              </a:ext>
             </a:extLst>
           </a:blip>
           <a:stretch>
@@ -9672,8 +11267,262 @@
         </p:blipFill>
         <p:spPr>
           <a:xfrm>
-            <a:off x="7985926" y="2267125"/>
-            <a:ext cx="2624356" cy="2624356"/>
+            <a:off x="1526753" y="1465825"/>
+            <a:ext cx="9138491" cy="4957200"/>
+          </a:xfrm>
+          <a:prstGeom prst="rect">
+            <a:avLst/>
+          </a:prstGeom>
+        </p:spPr>
+      </p:pic>
+      <p:pic>
+        <p:nvPicPr>
+          <p:cNvPr id="14" name="Grafik 13">
+            <a:extLst>
+              <a:ext uri="{FF2B5EF4-FFF2-40B4-BE49-F238E27FC236}">
+                <a16:creationId xmlns:a16="http://schemas.microsoft.com/office/drawing/2014/main" id="{C2F5173B-DA26-436E-92CB-3D9FA8E05024}"/>
+              </a:ext>
+            </a:extLst>
+          </p:cNvPr>
+          <p:cNvPicPr>
+            <a:picLocks noChangeAspect="1"/>
+          </p:cNvPicPr>
+          <p:nvPr/>
+        </p:nvPicPr>
+        <p:blipFill>
+          <a:blip r:embed="rId3">
+            <a:extLst>
+              <a:ext uri="{28A0092B-C50C-407E-A947-70E740481C1C}">
+                <a14:useLocalDpi xmlns:a14="http://schemas.microsoft.com/office/drawing/2010/main" val="0"/>
+              </a:ext>
+            </a:extLst>
+          </a:blip>
+          <a:stretch>
+            <a:fillRect/>
+          </a:stretch>
+        </p:blipFill>
+        <p:spPr>
+          <a:xfrm>
+            <a:off x="1526753" y="1480704"/>
+            <a:ext cx="1146409" cy="150115"/>
+          </a:xfrm>
+          <a:prstGeom prst="rect">
+            <a:avLst/>
+          </a:prstGeom>
+        </p:spPr>
+      </p:pic>
+      <p:sp>
+        <p:nvSpPr>
+          <p:cNvPr id="20" name="Rechteck 19">
+            <a:extLst>
+              <a:ext uri="{FF2B5EF4-FFF2-40B4-BE49-F238E27FC236}">
+                <a16:creationId xmlns:a16="http://schemas.microsoft.com/office/drawing/2014/main" id="{963EBA70-3F44-4472-94A3-F479B32539F8}"/>
+              </a:ext>
+            </a:extLst>
+          </p:cNvPr>
+          <p:cNvSpPr/>
+          <p:nvPr/>
+        </p:nvSpPr>
+        <p:spPr>
+          <a:xfrm>
+            <a:off x="1526753" y="1488469"/>
+            <a:ext cx="1146409" cy="130349"/>
+          </a:xfrm>
+          <a:prstGeom prst="rect">
+            <a:avLst/>
+          </a:prstGeom>
+          <a:noFill/>
+          <a:ln>
+            <a:solidFill>
+              <a:schemeClr val="tx1"/>
+            </a:solidFill>
+          </a:ln>
+        </p:spPr>
+        <p:style>
+          <a:lnRef idx="2">
+            <a:schemeClr val="accent1">
+              <a:shade val="50000"/>
+            </a:schemeClr>
+          </a:lnRef>
+          <a:fillRef idx="1">
+            <a:schemeClr val="accent1"/>
+          </a:fillRef>
+          <a:effectRef idx="0">
+            <a:schemeClr val="accent1"/>
+          </a:effectRef>
+          <a:fontRef idx="minor">
+            <a:schemeClr val="lt1"/>
+          </a:fontRef>
+        </p:style>
+        <p:txBody>
+          <a:bodyPr rtlCol="0" anchor="ctr"/>
+          <a:lstStyle/>
+          <a:p>
+            <a:pPr algn="ctr"/>
+            <a:endParaRPr lang="de-DE"/>
+          </a:p>
+        </p:txBody>
+      </p:sp>
+      <p:pic>
+        <p:nvPicPr>
+          <p:cNvPr id="16" name="Grafik 15">
+            <a:extLst>
+              <a:ext uri="{FF2B5EF4-FFF2-40B4-BE49-F238E27FC236}">
+                <a16:creationId xmlns:a16="http://schemas.microsoft.com/office/drawing/2014/main" id="{0FD0D3E2-00DC-4F46-9F4E-9117E2F05530}"/>
+              </a:ext>
+            </a:extLst>
+          </p:cNvPr>
+          <p:cNvPicPr>
+            <a:picLocks noChangeAspect="1"/>
+          </p:cNvPicPr>
+          <p:nvPr/>
+        </p:nvPicPr>
+        <p:blipFill>
+          <a:blip r:embed="rId4">
+            <a:extLst>
+              <a:ext uri="{28A0092B-C50C-407E-A947-70E740481C1C}">
+                <a14:useLocalDpi xmlns:a14="http://schemas.microsoft.com/office/drawing/2010/main" val="0"/>
+              </a:ext>
+            </a:extLst>
+          </a:blip>
+          <a:stretch>
+            <a:fillRect/>
+          </a:stretch>
+        </p:blipFill>
+        <p:spPr>
+          <a:xfrm>
+            <a:off x="9041524" y="1663503"/>
+            <a:ext cx="1562181" cy="115717"/>
+          </a:xfrm>
+          <a:prstGeom prst="rect">
+            <a:avLst/>
+          </a:prstGeom>
+        </p:spPr>
+      </p:pic>
+      <p:sp>
+        <p:nvSpPr>
+          <p:cNvPr id="25" name="Rechteck 24">
+            <a:extLst>
+              <a:ext uri="{FF2B5EF4-FFF2-40B4-BE49-F238E27FC236}">
+                <a16:creationId xmlns:a16="http://schemas.microsoft.com/office/drawing/2014/main" id="{7A1A33F9-2CFB-4D52-A9E5-AA95895289C0}"/>
+              </a:ext>
+            </a:extLst>
+          </p:cNvPr>
+          <p:cNvSpPr/>
+          <p:nvPr/>
+        </p:nvSpPr>
+        <p:spPr>
+          <a:xfrm>
+            <a:off x="9028296" y="1656186"/>
+            <a:ext cx="1575409" cy="130349"/>
+          </a:xfrm>
+          <a:prstGeom prst="rect">
+            <a:avLst/>
+          </a:prstGeom>
+          <a:noFill/>
+          <a:ln>
+            <a:solidFill>
+              <a:schemeClr val="tx1"/>
+            </a:solidFill>
+          </a:ln>
+        </p:spPr>
+        <p:style>
+          <a:lnRef idx="2">
+            <a:schemeClr val="accent1">
+              <a:shade val="50000"/>
+            </a:schemeClr>
+          </a:lnRef>
+          <a:fillRef idx="1">
+            <a:schemeClr val="accent1"/>
+          </a:fillRef>
+          <a:effectRef idx="0">
+            <a:schemeClr val="accent1"/>
+          </a:effectRef>
+          <a:fontRef idx="minor">
+            <a:schemeClr val="lt1"/>
+          </a:fontRef>
+        </p:style>
+        <p:txBody>
+          <a:bodyPr rtlCol="0" anchor="ctr"/>
+          <a:lstStyle/>
+          <a:p>
+            <a:pPr algn="ctr"/>
+            <a:endParaRPr lang="de-DE"/>
+          </a:p>
+        </p:txBody>
+      </p:sp>
+      <p:pic>
+        <p:nvPicPr>
+          <p:cNvPr id="27" name="Grafik 26" descr="Pfeil mit einer Linie: Gerade">
+            <a:extLst>
+              <a:ext uri="{FF2B5EF4-FFF2-40B4-BE49-F238E27FC236}">
+                <a16:creationId xmlns:a16="http://schemas.microsoft.com/office/drawing/2014/main" id="{1061730D-FD06-4BAB-AE67-3C9A175A22BF}"/>
+              </a:ext>
+            </a:extLst>
+          </p:cNvPr>
+          <p:cNvPicPr>
+            <a:picLocks noChangeAspect="1"/>
+          </p:cNvPicPr>
+          <p:nvPr/>
+        </p:nvPicPr>
+        <p:blipFill>
+          <a:blip r:embed="rId5">
+            <a:extLst>
+              <a:ext uri="{28A0092B-C50C-407E-A947-70E740481C1C}">
+                <a14:useLocalDpi xmlns:a14="http://schemas.microsoft.com/office/drawing/2010/main" val="0"/>
+              </a:ext>
+              <a:ext uri="{96DAC541-7B7A-43D3-8B79-37D633B846F1}">
+                <asvg:svgBlip xmlns:asvg="http://schemas.microsoft.com/office/drawing/2016/SVG/main" r:embed="rId6"/>
+              </a:ext>
+            </a:extLst>
+          </a:blip>
+          <a:stretch>
+            <a:fillRect/>
+          </a:stretch>
+        </p:blipFill>
+        <p:spPr>
+          <a:xfrm rot="17269799" flipH="1">
+            <a:off x="9646733" y="1807630"/>
+            <a:ext cx="338533" cy="338533"/>
+          </a:xfrm>
+          <a:prstGeom prst="rect">
+            <a:avLst/>
+          </a:prstGeom>
+        </p:spPr>
+      </p:pic>
+      <p:pic>
+        <p:nvPicPr>
+          <p:cNvPr id="28" name="Grafik 27" descr="Pfeil mit einer Linie: Gerade">
+            <a:extLst>
+              <a:ext uri="{FF2B5EF4-FFF2-40B4-BE49-F238E27FC236}">
+                <a16:creationId xmlns:a16="http://schemas.microsoft.com/office/drawing/2014/main" id="{5BB3B659-4361-473F-B852-DD38551FD461}"/>
+              </a:ext>
+            </a:extLst>
+          </p:cNvPr>
+          <p:cNvPicPr>
+            <a:picLocks noChangeAspect="1"/>
+          </p:cNvPicPr>
+          <p:nvPr/>
+        </p:nvPicPr>
+        <p:blipFill>
+          <a:blip r:embed="rId5">
+            <a:extLst>
+              <a:ext uri="{28A0092B-C50C-407E-A947-70E740481C1C}">
+                <a14:useLocalDpi xmlns:a14="http://schemas.microsoft.com/office/drawing/2010/main" val="0"/>
+              </a:ext>
+              <a:ext uri="{96DAC541-7B7A-43D3-8B79-37D633B846F1}">
+                <asvg:svgBlip xmlns:asvg="http://schemas.microsoft.com/office/drawing/2016/SVG/main" r:embed="rId6"/>
+              </a:ext>
+            </a:extLst>
+          </a:blip>
+          <a:stretch>
+            <a:fillRect/>
+          </a:stretch>
+        </p:blipFill>
+        <p:spPr>
+          <a:xfrm rot="17269799" flipH="1">
+            <a:off x="10208245" y="1805707"/>
+            <a:ext cx="338533" cy="338533"/>
           </a:xfrm>
           <a:prstGeom prst="rect">
             <a:avLst/>
@@ -9683,13 +11532,2418 @@
     </p:spTree>
     <p:extLst>
       <p:ext uri="{BB962C8B-B14F-4D97-AF65-F5344CB8AC3E}">
-        <p14:creationId xmlns:p14="http://schemas.microsoft.com/office/powerpoint/2010/main" val="4036384226"/>
+        <p14:creationId xmlns:p14="http://schemas.microsoft.com/office/powerpoint/2010/main" val="2017552232"/>
       </p:ext>
     </p:extLst>
   </p:cSld>
   <p:clrMapOvr>
     <a:masterClrMapping/>
   </p:clrMapOvr>
+  <p:transition spd="slow">
+    <p:push dir="u"/>
+  </p:transition>
+  <p:timing>
+    <p:tnLst>
+      <p:par>
+        <p:cTn id="1" dur="indefinite" restart="never" nodeType="tmRoot">
+          <p:childTnLst>
+            <p:seq concurrent="1" nextAc="seek">
+              <p:cTn id="2" dur="indefinite" nodeType="mainSeq">
+                <p:childTnLst>
+                  <p:par>
+                    <p:cTn id="3" fill="hold">
+                      <p:stCondLst>
+                        <p:cond delay="indefinite"/>
+                      </p:stCondLst>
+                      <p:childTnLst>
+                        <p:par>
+                          <p:cTn id="4" fill="hold">
+                            <p:stCondLst>
+                              <p:cond delay="0"/>
+                            </p:stCondLst>
+                            <p:childTnLst>
+                              <p:par>
+                                <p:cTn id="5" presetID="21" presetClass="entr" presetSubtype="1" fill="hold" grpId="0" nodeType="clickEffect">
+                                  <p:stCondLst>
+                                    <p:cond delay="0"/>
+                                  </p:stCondLst>
+                                  <p:childTnLst>
+                                    <p:set>
+                                      <p:cBhvr>
+                                        <p:cTn id="6" dur="1" fill="hold">
+                                          <p:stCondLst>
+                                            <p:cond delay="0"/>
+                                          </p:stCondLst>
+                                        </p:cTn>
+                                        <p:tgtEl>
+                                          <p:spTgt spid="20"/>
+                                        </p:tgtEl>
+                                        <p:attrNameLst>
+                                          <p:attrName>style.visibility</p:attrName>
+                                        </p:attrNameLst>
+                                      </p:cBhvr>
+                                      <p:to>
+                                        <p:strVal val="visible"/>
+                                      </p:to>
+                                    </p:set>
+                                    <p:animEffect transition="in" filter="wheel(1)">
+                                      <p:cBhvr>
+                                        <p:cTn id="7" dur="1000"/>
+                                        <p:tgtEl>
+                                          <p:spTgt spid="20"/>
+                                        </p:tgtEl>
+                                      </p:cBhvr>
+                                    </p:animEffect>
+                                  </p:childTnLst>
+                                </p:cTn>
+                              </p:par>
+                            </p:childTnLst>
+                          </p:cTn>
+                        </p:par>
+                      </p:childTnLst>
+                    </p:cTn>
+                  </p:par>
+                  <p:par>
+                    <p:cTn id="8" fill="hold">
+                      <p:stCondLst>
+                        <p:cond delay="indefinite"/>
+                      </p:stCondLst>
+                      <p:childTnLst>
+                        <p:par>
+                          <p:cTn id="9" fill="hold">
+                            <p:stCondLst>
+                              <p:cond delay="0"/>
+                            </p:stCondLst>
+                            <p:childTnLst>
+                              <p:par>
+                                <p:cTn id="10" presetID="6" presetClass="emph" presetSubtype="0" fill="hold" grpId="1" nodeType="clickEffect">
+                                  <p:stCondLst>
+                                    <p:cond delay="0"/>
+                                  </p:stCondLst>
+                                  <p:childTnLst>
+                                    <p:animScale>
+                                      <p:cBhvr>
+                                        <p:cTn id="11" dur="1000" fill="hold"/>
+                                        <p:tgtEl>
+                                          <p:spTgt spid="20"/>
+                                        </p:tgtEl>
+                                      </p:cBhvr>
+                                      <p:by x="150000" y="150000"/>
+                                    </p:animScale>
+                                  </p:childTnLst>
+                                </p:cTn>
+                              </p:par>
+                              <p:par>
+                                <p:cTn id="12" presetID="6" presetClass="emph" presetSubtype="0" fill="hold" nodeType="withEffect">
+                                  <p:stCondLst>
+                                    <p:cond delay="0"/>
+                                  </p:stCondLst>
+                                  <p:childTnLst>
+                                    <p:animScale>
+                                      <p:cBhvr>
+                                        <p:cTn id="13" dur="1000" fill="hold"/>
+                                        <p:tgtEl>
+                                          <p:spTgt spid="14"/>
+                                        </p:tgtEl>
+                                      </p:cBhvr>
+                                      <p:by x="150000" y="150000"/>
+                                    </p:animScale>
+                                  </p:childTnLst>
+                                </p:cTn>
+                              </p:par>
+                            </p:childTnLst>
+                          </p:cTn>
+                        </p:par>
+                      </p:childTnLst>
+                    </p:cTn>
+                  </p:par>
+                  <p:par>
+                    <p:cTn id="14" fill="hold">
+                      <p:stCondLst>
+                        <p:cond delay="indefinite"/>
+                      </p:stCondLst>
+                      <p:childTnLst>
+                        <p:par>
+                          <p:cTn id="15" fill="hold">
+                            <p:stCondLst>
+                              <p:cond delay="0"/>
+                            </p:stCondLst>
+                            <p:childTnLst>
+                              <p:par>
+                                <p:cTn id="16" presetID="10" presetClass="exit" presetSubtype="0" fill="hold" grpId="2" nodeType="clickEffect">
+                                  <p:stCondLst>
+                                    <p:cond delay="0"/>
+                                  </p:stCondLst>
+                                  <p:childTnLst>
+                                    <p:animEffect transition="out" filter="fade">
+                                      <p:cBhvr>
+                                        <p:cTn id="17" dur="500"/>
+                                        <p:tgtEl>
+                                          <p:spTgt spid="20"/>
+                                        </p:tgtEl>
+                                      </p:cBhvr>
+                                    </p:animEffect>
+                                    <p:set>
+                                      <p:cBhvr>
+                                        <p:cTn id="18" dur="1" fill="hold">
+                                          <p:stCondLst>
+                                            <p:cond delay="499"/>
+                                          </p:stCondLst>
+                                        </p:cTn>
+                                        <p:tgtEl>
+                                          <p:spTgt spid="20"/>
+                                        </p:tgtEl>
+                                        <p:attrNameLst>
+                                          <p:attrName>style.visibility</p:attrName>
+                                        </p:attrNameLst>
+                                      </p:cBhvr>
+                                      <p:to>
+                                        <p:strVal val="hidden"/>
+                                      </p:to>
+                                    </p:set>
+                                  </p:childTnLst>
+                                </p:cTn>
+                              </p:par>
+                              <p:par>
+                                <p:cTn id="19" presetID="10" presetClass="exit" presetSubtype="0" fill="hold" nodeType="withEffect">
+                                  <p:stCondLst>
+                                    <p:cond delay="0"/>
+                                  </p:stCondLst>
+                                  <p:childTnLst>
+                                    <p:animEffect transition="out" filter="fade">
+                                      <p:cBhvr>
+                                        <p:cTn id="20" dur="500"/>
+                                        <p:tgtEl>
+                                          <p:spTgt spid="14"/>
+                                        </p:tgtEl>
+                                      </p:cBhvr>
+                                    </p:animEffect>
+                                    <p:set>
+                                      <p:cBhvr>
+                                        <p:cTn id="21" dur="1" fill="hold">
+                                          <p:stCondLst>
+                                            <p:cond delay="499"/>
+                                          </p:stCondLst>
+                                        </p:cTn>
+                                        <p:tgtEl>
+                                          <p:spTgt spid="14"/>
+                                        </p:tgtEl>
+                                        <p:attrNameLst>
+                                          <p:attrName>style.visibility</p:attrName>
+                                        </p:attrNameLst>
+                                      </p:cBhvr>
+                                      <p:to>
+                                        <p:strVal val="hidden"/>
+                                      </p:to>
+                                    </p:set>
+                                  </p:childTnLst>
+                                </p:cTn>
+                              </p:par>
+                            </p:childTnLst>
+                          </p:cTn>
+                        </p:par>
+                      </p:childTnLst>
+                    </p:cTn>
+                  </p:par>
+                  <p:par>
+                    <p:cTn id="22" fill="hold">
+                      <p:stCondLst>
+                        <p:cond delay="indefinite"/>
+                      </p:stCondLst>
+                      <p:childTnLst>
+                        <p:par>
+                          <p:cTn id="23" fill="hold">
+                            <p:stCondLst>
+                              <p:cond delay="0"/>
+                            </p:stCondLst>
+                            <p:childTnLst>
+                              <p:par>
+                                <p:cTn id="24" presetID="21" presetClass="entr" presetSubtype="1" fill="hold" grpId="0" nodeType="clickEffect">
+                                  <p:stCondLst>
+                                    <p:cond delay="0"/>
+                                  </p:stCondLst>
+                                  <p:childTnLst>
+                                    <p:set>
+                                      <p:cBhvr>
+                                        <p:cTn id="25" dur="1" fill="hold">
+                                          <p:stCondLst>
+                                            <p:cond delay="0"/>
+                                          </p:stCondLst>
+                                        </p:cTn>
+                                        <p:tgtEl>
+                                          <p:spTgt spid="25"/>
+                                        </p:tgtEl>
+                                        <p:attrNameLst>
+                                          <p:attrName>style.visibility</p:attrName>
+                                        </p:attrNameLst>
+                                      </p:cBhvr>
+                                      <p:to>
+                                        <p:strVal val="visible"/>
+                                      </p:to>
+                                    </p:set>
+                                    <p:animEffect transition="in" filter="wheel(1)">
+                                      <p:cBhvr>
+                                        <p:cTn id="26" dur="1000"/>
+                                        <p:tgtEl>
+                                          <p:spTgt spid="25"/>
+                                        </p:tgtEl>
+                                      </p:cBhvr>
+                                    </p:animEffect>
+                                  </p:childTnLst>
+                                </p:cTn>
+                              </p:par>
+                            </p:childTnLst>
+                          </p:cTn>
+                        </p:par>
+                      </p:childTnLst>
+                    </p:cTn>
+                  </p:par>
+                  <p:par>
+                    <p:cTn id="27" fill="hold">
+                      <p:stCondLst>
+                        <p:cond delay="indefinite"/>
+                      </p:stCondLst>
+                      <p:childTnLst>
+                        <p:par>
+                          <p:cTn id="28" fill="hold">
+                            <p:stCondLst>
+                              <p:cond delay="0"/>
+                            </p:stCondLst>
+                            <p:childTnLst>
+                              <p:par>
+                                <p:cTn id="29" presetID="6" presetClass="emph" presetSubtype="0" fill="hold" grpId="1" nodeType="clickEffect">
+                                  <p:stCondLst>
+                                    <p:cond delay="0"/>
+                                  </p:stCondLst>
+                                  <p:childTnLst>
+                                    <p:animScale>
+                                      <p:cBhvr>
+                                        <p:cTn id="30" dur="1000" fill="hold"/>
+                                        <p:tgtEl>
+                                          <p:spTgt spid="25"/>
+                                        </p:tgtEl>
+                                      </p:cBhvr>
+                                      <p:by x="150000" y="150000"/>
+                                    </p:animScale>
+                                  </p:childTnLst>
+                                </p:cTn>
+                              </p:par>
+                              <p:par>
+                                <p:cTn id="31" presetID="6" presetClass="emph" presetSubtype="0" fill="hold" nodeType="withEffect">
+                                  <p:stCondLst>
+                                    <p:cond delay="0"/>
+                                  </p:stCondLst>
+                                  <p:childTnLst>
+                                    <p:animScale>
+                                      <p:cBhvr>
+                                        <p:cTn id="32" dur="1000" fill="hold"/>
+                                        <p:tgtEl>
+                                          <p:spTgt spid="16"/>
+                                        </p:tgtEl>
+                                      </p:cBhvr>
+                                      <p:by x="150000" y="150000"/>
+                                    </p:animScale>
+                                  </p:childTnLst>
+                                </p:cTn>
+                              </p:par>
+                            </p:childTnLst>
+                          </p:cTn>
+                        </p:par>
+                      </p:childTnLst>
+                    </p:cTn>
+                  </p:par>
+                  <p:par>
+                    <p:cTn id="33" fill="hold">
+                      <p:stCondLst>
+                        <p:cond delay="indefinite"/>
+                      </p:stCondLst>
+                      <p:childTnLst>
+                        <p:par>
+                          <p:cTn id="34" fill="hold">
+                            <p:stCondLst>
+                              <p:cond delay="0"/>
+                            </p:stCondLst>
+                            <p:childTnLst>
+                              <p:par>
+                                <p:cTn id="35" presetID="10" presetClass="entr" presetSubtype="0" fill="hold" nodeType="clickEffect">
+                                  <p:stCondLst>
+                                    <p:cond delay="0"/>
+                                  </p:stCondLst>
+                                  <p:childTnLst>
+                                    <p:set>
+                                      <p:cBhvr>
+                                        <p:cTn id="36" dur="1" fill="hold">
+                                          <p:stCondLst>
+                                            <p:cond delay="0"/>
+                                          </p:stCondLst>
+                                        </p:cTn>
+                                        <p:tgtEl>
+                                          <p:spTgt spid="27"/>
+                                        </p:tgtEl>
+                                        <p:attrNameLst>
+                                          <p:attrName>style.visibility</p:attrName>
+                                        </p:attrNameLst>
+                                      </p:cBhvr>
+                                      <p:to>
+                                        <p:strVal val="visible"/>
+                                      </p:to>
+                                    </p:set>
+                                    <p:animEffect transition="in" filter="fade">
+                                      <p:cBhvr>
+                                        <p:cTn id="37" dur="500"/>
+                                        <p:tgtEl>
+                                          <p:spTgt spid="27"/>
+                                        </p:tgtEl>
+                                      </p:cBhvr>
+                                    </p:animEffect>
+                                  </p:childTnLst>
+                                </p:cTn>
+                              </p:par>
+                            </p:childTnLst>
+                          </p:cTn>
+                        </p:par>
+                      </p:childTnLst>
+                    </p:cTn>
+                  </p:par>
+                  <p:par>
+                    <p:cTn id="38" fill="hold">
+                      <p:stCondLst>
+                        <p:cond delay="indefinite"/>
+                      </p:stCondLst>
+                      <p:childTnLst>
+                        <p:par>
+                          <p:cTn id="39" fill="hold">
+                            <p:stCondLst>
+                              <p:cond delay="0"/>
+                            </p:stCondLst>
+                            <p:childTnLst>
+                              <p:par>
+                                <p:cTn id="40" presetID="10" presetClass="exit" presetSubtype="0" fill="hold" nodeType="clickEffect">
+                                  <p:stCondLst>
+                                    <p:cond delay="0"/>
+                                  </p:stCondLst>
+                                  <p:childTnLst>
+                                    <p:animEffect transition="out" filter="fade">
+                                      <p:cBhvr>
+                                        <p:cTn id="41" dur="500"/>
+                                        <p:tgtEl>
+                                          <p:spTgt spid="27"/>
+                                        </p:tgtEl>
+                                      </p:cBhvr>
+                                    </p:animEffect>
+                                    <p:set>
+                                      <p:cBhvr>
+                                        <p:cTn id="42" dur="1" fill="hold">
+                                          <p:stCondLst>
+                                            <p:cond delay="499"/>
+                                          </p:stCondLst>
+                                        </p:cTn>
+                                        <p:tgtEl>
+                                          <p:spTgt spid="27"/>
+                                        </p:tgtEl>
+                                        <p:attrNameLst>
+                                          <p:attrName>style.visibility</p:attrName>
+                                        </p:attrNameLst>
+                                      </p:cBhvr>
+                                      <p:to>
+                                        <p:strVal val="hidden"/>
+                                      </p:to>
+                                    </p:set>
+                                  </p:childTnLst>
+                                </p:cTn>
+                              </p:par>
+                            </p:childTnLst>
+                          </p:cTn>
+                        </p:par>
+                      </p:childTnLst>
+                    </p:cTn>
+                  </p:par>
+                  <p:par>
+                    <p:cTn id="43" fill="hold">
+                      <p:stCondLst>
+                        <p:cond delay="indefinite"/>
+                      </p:stCondLst>
+                      <p:childTnLst>
+                        <p:par>
+                          <p:cTn id="44" fill="hold">
+                            <p:stCondLst>
+                              <p:cond delay="0"/>
+                            </p:stCondLst>
+                            <p:childTnLst>
+                              <p:par>
+                                <p:cTn id="45" presetID="10" presetClass="entr" presetSubtype="0" fill="hold" nodeType="clickEffect">
+                                  <p:stCondLst>
+                                    <p:cond delay="0"/>
+                                  </p:stCondLst>
+                                  <p:childTnLst>
+                                    <p:set>
+                                      <p:cBhvr>
+                                        <p:cTn id="46" dur="1" fill="hold">
+                                          <p:stCondLst>
+                                            <p:cond delay="0"/>
+                                          </p:stCondLst>
+                                        </p:cTn>
+                                        <p:tgtEl>
+                                          <p:spTgt spid="28"/>
+                                        </p:tgtEl>
+                                        <p:attrNameLst>
+                                          <p:attrName>style.visibility</p:attrName>
+                                        </p:attrNameLst>
+                                      </p:cBhvr>
+                                      <p:to>
+                                        <p:strVal val="visible"/>
+                                      </p:to>
+                                    </p:set>
+                                    <p:animEffect transition="in" filter="fade">
+                                      <p:cBhvr>
+                                        <p:cTn id="47" dur="500"/>
+                                        <p:tgtEl>
+                                          <p:spTgt spid="28"/>
+                                        </p:tgtEl>
+                                      </p:cBhvr>
+                                    </p:animEffect>
+                                  </p:childTnLst>
+                                </p:cTn>
+                              </p:par>
+                            </p:childTnLst>
+                          </p:cTn>
+                        </p:par>
+                      </p:childTnLst>
+                    </p:cTn>
+                  </p:par>
+                  <p:par>
+                    <p:cTn id="48" fill="hold">
+                      <p:stCondLst>
+                        <p:cond delay="indefinite"/>
+                      </p:stCondLst>
+                      <p:childTnLst>
+                        <p:par>
+                          <p:cTn id="49" fill="hold">
+                            <p:stCondLst>
+                              <p:cond delay="0"/>
+                            </p:stCondLst>
+                            <p:childTnLst>
+                              <p:par>
+                                <p:cTn id="50" presetID="10" presetClass="exit" presetSubtype="0" fill="hold" nodeType="clickEffect">
+                                  <p:stCondLst>
+                                    <p:cond delay="0"/>
+                                  </p:stCondLst>
+                                  <p:childTnLst>
+                                    <p:animEffect transition="out" filter="fade">
+                                      <p:cBhvr>
+                                        <p:cTn id="51" dur="500"/>
+                                        <p:tgtEl>
+                                          <p:spTgt spid="28"/>
+                                        </p:tgtEl>
+                                      </p:cBhvr>
+                                    </p:animEffect>
+                                    <p:set>
+                                      <p:cBhvr>
+                                        <p:cTn id="52" dur="1" fill="hold">
+                                          <p:stCondLst>
+                                            <p:cond delay="499"/>
+                                          </p:stCondLst>
+                                        </p:cTn>
+                                        <p:tgtEl>
+                                          <p:spTgt spid="28"/>
+                                        </p:tgtEl>
+                                        <p:attrNameLst>
+                                          <p:attrName>style.visibility</p:attrName>
+                                        </p:attrNameLst>
+                                      </p:cBhvr>
+                                      <p:to>
+                                        <p:strVal val="hidden"/>
+                                      </p:to>
+                                    </p:set>
+                                  </p:childTnLst>
+                                </p:cTn>
+                              </p:par>
+                            </p:childTnLst>
+                          </p:cTn>
+                        </p:par>
+                      </p:childTnLst>
+                    </p:cTn>
+                  </p:par>
+                  <p:par>
+                    <p:cTn id="53" fill="hold">
+                      <p:stCondLst>
+                        <p:cond delay="indefinite"/>
+                      </p:stCondLst>
+                      <p:childTnLst>
+                        <p:par>
+                          <p:cTn id="54" fill="hold">
+                            <p:stCondLst>
+                              <p:cond delay="0"/>
+                            </p:stCondLst>
+                            <p:childTnLst>
+                              <p:par>
+                                <p:cTn id="55" presetID="10" presetClass="exit" presetSubtype="0" fill="hold" grpId="2" nodeType="clickEffect">
+                                  <p:stCondLst>
+                                    <p:cond delay="0"/>
+                                  </p:stCondLst>
+                                  <p:childTnLst>
+                                    <p:animEffect transition="out" filter="fade">
+                                      <p:cBhvr>
+                                        <p:cTn id="56" dur="500"/>
+                                        <p:tgtEl>
+                                          <p:spTgt spid="25"/>
+                                        </p:tgtEl>
+                                      </p:cBhvr>
+                                    </p:animEffect>
+                                    <p:set>
+                                      <p:cBhvr>
+                                        <p:cTn id="57" dur="1" fill="hold">
+                                          <p:stCondLst>
+                                            <p:cond delay="499"/>
+                                          </p:stCondLst>
+                                        </p:cTn>
+                                        <p:tgtEl>
+                                          <p:spTgt spid="25"/>
+                                        </p:tgtEl>
+                                        <p:attrNameLst>
+                                          <p:attrName>style.visibility</p:attrName>
+                                        </p:attrNameLst>
+                                      </p:cBhvr>
+                                      <p:to>
+                                        <p:strVal val="hidden"/>
+                                      </p:to>
+                                    </p:set>
+                                  </p:childTnLst>
+                                </p:cTn>
+                              </p:par>
+                              <p:par>
+                                <p:cTn id="58" presetID="10" presetClass="exit" presetSubtype="0" fill="hold" nodeType="withEffect">
+                                  <p:stCondLst>
+                                    <p:cond delay="0"/>
+                                  </p:stCondLst>
+                                  <p:childTnLst>
+                                    <p:animEffect transition="out" filter="fade">
+                                      <p:cBhvr>
+                                        <p:cTn id="59" dur="500"/>
+                                        <p:tgtEl>
+                                          <p:spTgt spid="16"/>
+                                        </p:tgtEl>
+                                      </p:cBhvr>
+                                    </p:animEffect>
+                                    <p:set>
+                                      <p:cBhvr>
+                                        <p:cTn id="60" dur="1" fill="hold">
+                                          <p:stCondLst>
+                                            <p:cond delay="499"/>
+                                          </p:stCondLst>
+                                        </p:cTn>
+                                        <p:tgtEl>
+                                          <p:spTgt spid="16"/>
+                                        </p:tgtEl>
+                                        <p:attrNameLst>
+                                          <p:attrName>style.visibility</p:attrName>
+                                        </p:attrNameLst>
+                                      </p:cBhvr>
+                                      <p:to>
+                                        <p:strVal val="hidden"/>
+                                      </p:to>
+                                    </p:set>
+                                  </p:childTnLst>
+                                </p:cTn>
+                              </p:par>
+                            </p:childTnLst>
+                          </p:cTn>
+                        </p:par>
+                      </p:childTnLst>
+                    </p:cTn>
+                  </p:par>
+                </p:childTnLst>
+              </p:cTn>
+              <p:prevCondLst>
+                <p:cond evt="onPrev" delay="0">
+                  <p:tgtEl>
+                    <p:sldTgt/>
+                  </p:tgtEl>
+                </p:cond>
+              </p:prevCondLst>
+              <p:nextCondLst>
+                <p:cond evt="onNext" delay="0">
+                  <p:tgtEl>
+                    <p:sldTgt/>
+                  </p:tgtEl>
+                </p:cond>
+              </p:nextCondLst>
+            </p:seq>
+          </p:childTnLst>
+        </p:cTn>
+      </p:par>
+    </p:tnLst>
+    <p:bldLst>
+      <p:bldP spid="20" grpId="0" animBg="1"/>
+      <p:bldP spid="20" grpId="1" animBg="1"/>
+      <p:bldP spid="20" grpId="2" animBg="1"/>
+      <p:bldP spid="25" grpId="0" animBg="1"/>
+      <p:bldP spid="25" grpId="1" animBg="1"/>
+      <p:bldP spid="25" grpId="2" animBg="1"/>
+    </p:bldLst>
+  </p:timing>
+</p:sld>
+</file>
+
+<file path=ppt/slides/slide9.xml><?xml version="1.0" encoding="utf-8"?>
+<p:sld xmlns:a="http://schemas.openxmlformats.org/drawingml/2006/main" xmlns:r="http://schemas.openxmlformats.org/officeDocument/2006/relationships" xmlns:p="http://schemas.openxmlformats.org/presentationml/2006/main">
+  <p:cSld>
+    <p:spTree>
+      <p:nvGrpSpPr>
+        <p:cNvPr id="1" name=""/>
+        <p:cNvGrpSpPr/>
+        <p:nvPr/>
+      </p:nvGrpSpPr>
+      <p:grpSpPr>
+        <a:xfrm>
+          <a:off x="0" y="0"/>
+          <a:ext cx="0" cy="0"/>
+          <a:chOff x="0" y="0"/>
+          <a:chExt cx="0" cy="0"/>
+        </a:xfrm>
+      </p:grpSpPr>
+      <p:sp>
+        <p:nvSpPr>
+          <p:cNvPr id="3" name="Datumsplatzhalter 2">
+            <a:extLst>
+              <a:ext uri="{FF2B5EF4-FFF2-40B4-BE49-F238E27FC236}">
+                <a16:creationId xmlns:a16="http://schemas.microsoft.com/office/drawing/2014/main" id="{557D5773-1A97-46E4-A563-4AAD46EBA60C}"/>
+              </a:ext>
+            </a:extLst>
+          </p:cNvPr>
+          <p:cNvSpPr>
+            <a:spLocks noGrp="1"/>
+          </p:cNvSpPr>
+          <p:nvPr>
+            <p:ph type="dt" sz="half" idx="10"/>
+          </p:nvPr>
+        </p:nvSpPr>
+        <p:spPr/>
+        <p:txBody>
+          <a:bodyPr/>
+          <a:lstStyle/>
+          <a:p>
+            <a:fld id="{46C1CA06-F658-4220-8BC8-8FCF6253DAE1}" type="datetime1">
+              <a:rPr lang="de-DE" smtClean="0"/>
+              <a:t>23.11.2019</a:t>
+            </a:fld>
+            <a:endParaRPr lang="de-DE"/>
+          </a:p>
+        </p:txBody>
+      </p:sp>
+      <p:sp>
+        <p:nvSpPr>
+          <p:cNvPr id="4" name="Fußzeilenplatzhalter 3">
+            <a:extLst>
+              <a:ext uri="{FF2B5EF4-FFF2-40B4-BE49-F238E27FC236}">
+                <a16:creationId xmlns:a16="http://schemas.microsoft.com/office/drawing/2014/main" id="{BAB17AF9-D081-4B36-B231-5042A42388FB}"/>
+              </a:ext>
+            </a:extLst>
+          </p:cNvPr>
+          <p:cNvSpPr>
+            <a:spLocks noGrp="1"/>
+          </p:cNvSpPr>
+          <p:nvPr>
+            <p:ph type="ftr" sz="quarter" idx="11"/>
+          </p:nvPr>
+        </p:nvSpPr>
+        <p:spPr/>
+        <p:txBody>
+          <a:bodyPr/>
+          <a:lstStyle/>
+          <a:p>
+            <a:r>
+              <a:rPr lang="de-DE"/>
+              <a:t>Krieger</a:t>
+            </a:r>
+          </a:p>
+        </p:txBody>
+      </p:sp>
+      <p:sp>
+        <p:nvSpPr>
+          <p:cNvPr id="5" name="Foliennummernplatzhalter 4">
+            <a:extLst>
+              <a:ext uri="{FF2B5EF4-FFF2-40B4-BE49-F238E27FC236}">
+                <a16:creationId xmlns:a16="http://schemas.microsoft.com/office/drawing/2014/main" id="{D014C2DF-5819-4B66-A752-C2291DBECF79}"/>
+              </a:ext>
+            </a:extLst>
+          </p:cNvPr>
+          <p:cNvSpPr>
+            <a:spLocks noGrp="1"/>
+          </p:cNvSpPr>
+          <p:nvPr>
+            <p:ph type="sldNum" sz="quarter" idx="12"/>
+          </p:nvPr>
+        </p:nvSpPr>
+        <p:spPr/>
+        <p:txBody>
+          <a:bodyPr/>
+          <a:lstStyle/>
+          <a:p>
+            <a:fld id="{75F11FD4-B355-4EAB-967C-DBC12644FBDE}" type="slidenum">
+              <a:rPr lang="de-DE" smtClean="0"/>
+              <a:t>9</a:t>
+            </a:fld>
+            <a:endParaRPr lang="de-DE"/>
+          </a:p>
+        </p:txBody>
+      </p:sp>
+      <p:sp>
+        <p:nvSpPr>
+          <p:cNvPr id="7" name="Textplatzhalter 6">
+            <a:extLst>
+              <a:ext uri="{FF2B5EF4-FFF2-40B4-BE49-F238E27FC236}">
+                <a16:creationId xmlns:a16="http://schemas.microsoft.com/office/drawing/2014/main" id="{39311C28-2A10-4D23-99E5-E247E03E6C1F}"/>
+              </a:ext>
+            </a:extLst>
+          </p:cNvPr>
+          <p:cNvSpPr>
+            <a:spLocks noGrp="1"/>
+          </p:cNvSpPr>
+          <p:nvPr>
+            <p:ph type="body" sz="quarter" idx="13"/>
+          </p:nvPr>
+        </p:nvSpPr>
+        <p:spPr>
+          <a:xfrm>
+            <a:off x="3686496" y="681037"/>
+            <a:ext cx="4819007" cy="571500"/>
+          </a:xfrm>
+        </p:spPr>
+        <p:txBody>
+          <a:bodyPr/>
+          <a:lstStyle/>
+          <a:p>
+            <a:r>
+              <a:rPr lang="de-DE" dirty="0"/>
+              <a:t>Datensätze anlegen</a:t>
+            </a:r>
+          </a:p>
+        </p:txBody>
+      </p:sp>
+      <p:pic>
+        <p:nvPicPr>
+          <p:cNvPr id="16" name="Grafik 15" descr="Ein Bild, das Screenshot enthält.&#10;&#10;Automatisch generierte Beschreibung">
+            <a:extLst>
+              <a:ext uri="{FF2B5EF4-FFF2-40B4-BE49-F238E27FC236}">
+                <a16:creationId xmlns:a16="http://schemas.microsoft.com/office/drawing/2014/main" id="{C47B745E-58DD-463A-8547-E23E2AB878CC}"/>
+              </a:ext>
+            </a:extLst>
+          </p:cNvPr>
+          <p:cNvPicPr>
+            <a:picLocks noChangeAspect="1"/>
+          </p:cNvPicPr>
+          <p:nvPr/>
+        </p:nvPicPr>
+        <p:blipFill>
+          <a:blip r:embed="rId3">
+            <a:extLst>
+              <a:ext uri="{28A0092B-C50C-407E-A947-70E740481C1C}">
+                <a14:useLocalDpi xmlns:a14="http://schemas.microsoft.com/office/drawing/2010/main" val="0"/>
+              </a:ext>
+            </a:extLst>
+          </a:blip>
+          <a:stretch>
+            <a:fillRect/>
+          </a:stretch>
+        </p:blipFill>
+        <p:spPr>
+          <a:xfrm>
+            <a:off x="1526192" y="1463698"/>
+            <a:ext cx="9139613" cy="4957200"/>
+          </a:xfrm>
+          <a:prstGeom prst="rect">
+            <a:avLst/>
+          </a:prstGeom>
+        </p:spPr>
+      </p:pic>
+      <p:pic>
+        <p:nvPicPr>
+          <p:cNvPr id="18" name="Grafik 17" descr="Ein Bild, das Screenshot, Tisch, Computer, Schild enthält.&#10;&#10;Automatisch generierte Beschreibung">
+            <a:extLst>
+              <a:ext uri="{FF2B5EF4-FFF2-40B4-BE49-F238E27FC236}">
+                <a16:creationId xmlns:a16="http://schemas.microsoft.com/office/drawing/2014/main" id="{818F7B92-DAB4-4B65-B56C-BC68CFDDC280}"/>
+              </a:ext>
+            </a:extLst>
+          </p:cNvPr>
+          <p:cNvPicPr>
+            <a:picLocks noChangeAspect="1"/>
+          </p:cNvPicPr>
+          <p:nvPr/>
+        </p:nvPicPr>
+        <p:blipFill rotWithShape="1">
+          <a:blip r:embed="rId4">
+            <a:extLst>
+              <a:ext uri="{28A0092B-C50C-407E-A947-70E740481C1C}">
+                <a14:useLocalDpi xmlns:a14="http://schemas.microsoft.com/office/drawing/2010/main" val="0"/>
+              </a:ext>
+            </a:extLst>
+          </a:blip>
+          <a:srcRect t="3198"/>
+          <a:stretch/>
+        </p:blipFill>
+        <p:spPr>
+          <a:xfrm>
+            <a:off x="1673938" y="2352675"/>
+            <a:ext cx="2374187" cy="3576638"/>
+          </a:xfrm>
+          <a:prstGeom prst="rect">
+            <a:avLst/>
+          </a:prstGeom>
+        </p:spPr>
+      </p:pic>
+      <p:pic>
+        <p:nvPicPr>
+          <p:cNvPr id="20" name="Grafik 19">
+            <a:extLst>
+              <a:ext uri="{FF2B5EF4-FFF2-40B4-BE49-F238E27FC236}">
+                <a16:creationId xmlns:a16="http://schemas.microsoft.com/office/drawing/2014/main" id="{4FCF3E3D-D1E6-4612-A2A8-1EF05A62916F}"/>
+              </a:ext>
+            </a:extLst>
+          </p:cNvPr>
+          <p:cNvPicPr>
+            <a:picLocks noChangeAspect="1"/>
+          </p:cNvPicPr>
+          <p:nvPr/>
+        </p:nvPicPr>
+        <p:blipFill>
+          <a:blip r:embed="rId5">
+            <a:extLst>
+              <a:ext uri="{28A0092B-C50C-407E-A947-70E740481C1C}">
+                <a14:useLocalDpi xmlns:a14="http://schemas.microsoft.com/office/drawing/2010/main" val="0"/>
+              </a:ext>
+            </a:extLst>
+          </a:blip>
+          <a:stretch>
+            <a:fillRect/>
+          </a:stretch>
+        </p:blipFill>
+        <p:spPr>
+          <a:xfrm>
+            <a:off x="4038600" y="2203117"/>
+            <a:ext cx="3816481" cy="3816481"/>
+          </a:xfrm>
+          <a:prstGeom prst="rect">
+            <a:avLst/>
+          </a:prstGeom>
+        </p:spPr>
+      </p:pic>
+      <p:sp>
+        <p:nvSpPr>
+          <p:cNvPr id="21" name="Textfeld 20">
+            <a:extLst>
+              <a:ext uri="{FF2B5EF4-FFF2-40B4-BE49-F238E27FC236}">
+                <a16:creationId xmlns:a16="http://schemas.microsoft.com/office/drawing/2014/main" id="{7C7730FD-BA1A-41E6-BA17-12BDE18585B7}"/>
+              </a:ext>
+            </a:extLst>
+          </p:cNvPr>
+          <p:cNvSpPr txBox="1"/>
+          <p:nvPr/>
+        </p:nvSpPr>
+        <p:spPr>
+          <a:xfrm>
+            <a:off x="5017376" y="2456744"/>
+            <a:ext cx="476250" cy="215444"/>
+          </a:xfrm>
+          <a:prstGeom prst="rect">
+            <a:avLst/>
+          </a:prstGeom>
+          <a:noFill/>
+        </p:spPr>
+        <p:txBody>
+          <a:bodyPr wrap="square" rtlCol="0">
+            <a:spAutoFit/>
+          </a:bodyPr>
+          <a:lstStyle/>
+          <a:p>
+            <a:r>
+              <a:rPr lang="de-DE" sz="800" dirty="0">
+                <a:latin typeface="Trebuchet MS" panose="020B0603020202020204" pitchFamily="34" charset="0"/>
+              </a:rPr>
+              <a:t>1337</a:t>
+            </a:r>
+          </a:p>
+        </p:txBody>
+      </p:sp>
+      <p:sp>
+        <p:nvSpPr>
+          <p:cNvPr id="22" name="Textfeld 21">
+            <a:extLst>
+              <a:ext uri="{FF2B5EF4-FFF2-40B4-BE49-F238E27FC236}">
+                <a16:creationId xmlns:a16="http://schemas.microsoft.com/office/drawing/2014/main" id="{8C6B0F8C-DF36-4962-BDFE-998D76563DC5}"/>
+              </a:ext>
+            </a:extLst>
+          </p:cNvPr>
+          <p:cNvSpPr txBox="1"/>
+          <p:nvPr/>
+        </p:nvSpPr>
+        <p:spPr>
+          <a:xfrm>
+            <a:off x="5003089" y="2704166"/>
+            <a:ext cx="578562" cy="215444"/>
+          </a:xfrm>
+          <a:prstGeom prst="rect">
+            <a:avLst/>
+          </a:prstGeom>
+          <a:noFill/>
+        </p:spPr>
+        <p:txBody>
+          <a:bodyPr wrap="square" rtlCol="0">
+            <a:spAutoFit/>
+          </a:bodyPr>
+          <a:lstStyle/>
+          <a:p>
+            <a:r>
+              <a:rPr lang="de-DE" sz="800" dirty="0"/>
+              <a:t>URMOM</a:t>
+            </a:r>
+          </a:p>
+        </p:txBody>
+      </p:sp>
+      <p:sp>
+        <p:nvSpPr>
+          <p:cNvPr id="23" name="Textfeld 22">
+            <a:extLst>
+              <a:ext uri="{FF2B5EF4-FFF2-40B4-BE49-F238E27FC236}">
+                <a16:creationId xmlns:a16="http://schemas.microsoft.com/office/drawing/2014/main" id="{4FED89CA-6CF0-4C89-AE69-36C33FCE5C54}"/>
+              </a:ext>
+            </a:extLst>
+          </p:cNvPr>
+          <p:cNvSpPr txBox="1"/>
+          <p:nvPr/>
+        </p:nvSpPr>
+        <p:spPr>
+          <a:xfrm>
+            <a:off x="5005470" y="2953969"/>
+            <a:ext cx="578562" cy="215444"/>
+          </a:xfrm>
+          <a:prstGeom prst="rect">
+            <a:avLst/>
+          </a:prstGeom>
+          <a:noFill/>
+        </p:spPr>
+        <p:txBody>
+          <a:bodyPr wrap="square" rtlCol="0">
+            <a:spAutoFit/>
+          </a:bodyPr>
+          <a:lstStyle/>
+          <a:p>
+            <a:r>
+              <a:rPr lang="de-DE" sz="800" dirty="0"/>
+              <a:t>13</a:t>
+            </a:r>
+          </a:p>
+        </p:txBody>
+      </p:sp>
+      <p:sp>
+        <p:nvSpPr>
+          <p:cNvPr id="24" name="Textfeld 23">
+            <a:extLst>
+              <a:ext uri="{FF2B5EF4-FFF2-40B4-BE49-F238E27FC236}">
+                <a16:creationId xmlns:a16="http://schemas.microsoft.com/office/drawing/2014/main" id="{2C010612-46E2-4DE3-ABB5-56CEF5F2F8B4}"/>
+              </a:ext>
+            </a:extLst>
+          </p:cNvPr>
+          <p:cNvSpPr txBox="1"/>
+          <p:nvPr/>
+        </p:nvSpPr>
+        <p:spPr>
+          <a:xfrm>
+            <a:off x="5003089" y="3203772"/>
+            <a:ext cx="671430" cy="215444"/>
+          </a:xfrm>
+          <a:prstGeom prst="rect">
+            <a:avLst/>
+          </a:prstGeom>
+          <a:noFill/>
+        </p:spPr>
+        <p:txBody>
+          <a:bodyPr wrap="square" rtlCol="0">
+            <a:spAutoFit/>
+          </a:bodyPr>
+          <a:lstStyle/>
+          <a:p>
+            <a:r>
+              <a:rPr lang="de-DE" sz="800" dirty="0"/>
+              <a:t>2019-11-11</a:t>
+            </a:r>
+          </a:p>
+        </p:txBody>
+      </p:sp>
+      <p:sp>
+        <p:nvSpPr>
+          <p:cNvPr id="25" name="Textfeld 24">
+            <a:extLst>
+              <a:ext uri="{FF2B5EF4-FFF2-40B4-BE49-F238E27FC236}">
+                <a16:creationId xmlns:a16="http://schemas.microsoft.com/office/drawing/2014/main" id="{E11CA5C0-BF5E-48BB-AD37-5C5E1AD23F9B}"/>
+              </a:ext>
+            </a:extLst>
+          </p:cNvPr>
+          <p:cNvSpPr txBox="1"/>
+          <p:nvPr/>
+        </p:nvSpPr>
+        <p:spPr>
+          <a:xfrm>
+            <a:off x="5003130" y="3461782"/>
+            <a:ext cx="671430" cy="215444"/>
+          </a:xfrm>
+          <a:prstGeom prst="rect">
+            <a:avLst/>
+          </a:prstGeom>
+          <a:noFill/>
+        </p:spPr>
+        <p:txBody>
+          <a:bodyPr wrap="square" rtlCol="0">
+            <a:spAutoFit/>
+          </a:bodyPr>
+          <a:lstStyle/>
+          <a:p>
+            <a:r>
+              <a:rPr lang="de-DE" sz="800" dirty="0"/>
+              <a:t>2019-11-11</a:t>
+            </a:r>
+          </a:p>
+        </p:txBody>
+      </p:sp>
+      <p:sp>
+        <p:nvSpPr>
+          <p:cNvPr id="26" name="Textfeld 25">
+            <a:extLst>
+              <a:ext uri="{FF2B5EF4-FFF2-40B4-BE49-F238E27FC236}">
+                <a16:creationId xmlns:a16="http://schemas.microsoft.com/office/drawing/2014/main" id="{1E7473B0-3F3A-4DDC-9532-0059227E2489}"/>
+              </a:ext>
+            </a:extLst>
+          </p:cNvPr>
+          <p:cNvSpPr txBox="1"/>
+          <p:nvPr/>
+        </p:nvSpPr>
+        <p:spPr>
+          <a:xfrm>
+            <a:off x="5000709" y="3703378"/>
+            <a:ext cx="671430" cy="215444"/>
+          </a:xfrm>
+          <a:prstGeom prst="rect">
+            <a:avLst/>
+          </a:prstGeom>
+          <a:noFill/>
+        </p:spPr>
+        <p:txBody>
+          <a:bodyPr wrap="square" rtlCol="0">
+            <a:spAutoFit/>
+          </a:bodyPr>
+          <a:lstStyle/>
+          <a:p>
+            <a:r>
+              <a:rPr lang="de-DE" sz="800" dirty="0"/>
+              <a:t>2019-11-11</a:t>
+            </a:r>
+          </a:p>
+        </p:txBody>
+      </p:sp>
+      <p:sp>
+        <p:nvSpPr>
+          <p:cNvPr id="27" name="Textfeld 26">
+            <a:extLst>
+              <a:ext uri="{FF2B5EF4-FFF2-40B4-BE49-F238E27FC236}">
+                <a16:creationId xmlns:a16="http://schemas.microsoft.com/office/drawing/2014/main" id="{9E9ADBBC-2A18-4CD8-9649-A87CEC23B32F}"/>
+              </a:ext>
+            </a:extLst>
+          </p:cNvPr>
+          <p:cNvSpPr txBox="1"/>
+          <p:nvPr/>
+        </p:nvSpPr>
+        <p:spPr>
+          <a:xfrm>
+            <a:off x="5017376" y="3961388"/>
+            <a:ext cx="671430" cy="215444"/>
+          </a:xfrm>
+          <a:prstGeom prst="rect">
+            <a:avLst/>
+          </a:prstGeom>
+          <a:noFill/>
+        </p:spPr>
+        <p:txBody>
+          <a:bodyPr wrap="square" rtlCol="0">
+            <a:spAutoFit/>
+          </a:bodyPr>
+          <a:lstStyle/>
+          <a:p>
+            <a:r>
+              <a:rPr lang="de-DE" sz="800" dirty="0"/>
+              <a:t>4</a:t>
+            </a:r>
+          </a:p>
+        </p:txBody>
+      </p:sp>
+      <p:sp>
+        <p:nvSpPr>
+          <p:cNvPr id="28" name="Textfeld 27">
+            <a:extLst>
+              <a:ext uri="{FF2B5EF4-FFF2-40B4-BE49-F238E27FC236}">
+                <a16:creationId xmlns:a16="http://schemas.microsoft.com/office/drawing/2014/main" id="{F70A67C3-E34B-4026-BE1C-96AE2605DF0D}"/>
+              </a:ext>
+            </a:extLst>
+          </p:cNvPr>
+          <p:cNvSpPr txBox="1"/>
+          <p:nvPr/>
+        </p:nvSpPr>
+        <p:spPr>
+          <a:xfrm>
+            <a:off x="5017376" y="4211191"/>
+            <a:ext cx="671430" cy="215444"/>
+          </a:xfrm>
+          <a:prstGeom prst="rect">
+            <a:avLst/>
+          </a:prstGeom>
+          <a:noFill/>
+        </p:spPr>
+        <p:txBody>
+          <a:bodyPr wrap="square" rtlCol="0">
+            <a:spAutoFit/>
+          </a:bodyPr>
+          <a:lstStyle/>
+          <a:p>
+            <a:r>
+              <a:rPr lang="de-DE" sz="800" dirty="0"/>
+              <a:t>31,11</a:t>
+            </a:r>
+          </a:p>
+        </p:txBody>
+      </p:sp>
+      <p:sp>
+        <p:nvSpPr>
+          <p:cNvPr id="29" name="Textfeld 28">
+            <a:extLst>
+              <a:ext uri="{FF2B5EF4-FFF2-40B4-BE49-F238E27FC236}">
+                <a16:creationId xmlns:a16="http://schemas.microsoft.com/office/drawing/2014/main" id="{8E569F27-5012-4457-9679-516F1BFD6B6E}"/>
+              </a:ext>
+            </a:extLst>
+          </p:cNvPr>
+          <p:cNvSpPr txBox="1"/>
+          <p:nvPr/>
+        </p:nvSpPr>
+        <p:spPr>
+          <a:xfrm>
+            <a:off x="5017376" y="4460657"/>
+            <a:ext cx="802317" cy="215444"/>
+          </a:xfrm>
+          <a:prstGeom prst="rect">
+            <a:avLst/>
+          </a:prstGeom>
+          <a:noFill/>
+        </p:spPr>
+        <p:txBody>
+          <a:bodyPr wrap="square" rtlCol="0">
+            <a:spAutoFit/>
+          </a:bodyPr>
+          <a:lstStyle/>
+          <a:p>
+            <a:r>
+              <a:rPr lang="de-DE" sz="800" dirty="0"/>
+              <a:t>Julian Krieger</a:t>
+            </a:r>
+          </a:p>
+        </p:txBody>
+      </p:sp>
+      <p:sp>
+        <p:nvSpPr>
+          <p:cNvPr id="30" name="Textfeld 29">
+            <a:extLst>
+              <a:ext uri="{FF2B5EF4-FFF2-40B4-BE49-F238E27FC236}">
+                <a16:creationId xmlns:a16="http://schemas.microsoft.com/office/drawing/2014/main" id="{F5C73484-C51A-4273-B729-21C332C1BE8C}"/>
+              </a:ext>
+            </a:extLst>
+          </p:cNvPr>
+          <p:cNvSpPr txBox="1"/>
+          <p:nvPr/>
+        </p:nvSpPr>
+        <p:spPr>
+          <a:xfrm>
+            <a:off x="5000709" y="4710123"/>
+            <a:ext cx="1042904" cy="215444"/>
+          </a:xfrm>
+          <a:prstGeom prst="rect">
+            <a:avLst/>
+          </a:prstGeom>
+          <a:noFill/>
+        </p:spPr>
+        <p:txBody>
+          <a:bodyPr wrap="square" rtlCol="0">
+            <a:spAutoFit/>
+          </a:bodyPr>
+          <a:lstStyle/>
+          <a:p>
+            <a:r>
+              <a:rPr lang="de-DE" sz="800" dirty="0"/>
+              <a:t>Frankenstraße 200</a:t>
+            </a:r>
+          </a:p>
+        </p:txBody>
+      </p:sp>
+      <p:sp>
+        <p:nvSpPr>
+          <p:cNvPr id="31" name="Textfeld 30">
+            <a:extLst>
+              <a:ext uri="{FF2B5EF4-FFF2-40B4-BE49-F238E27FC236}">
+                <a16:creationId xmlns:a16="http://schemas.microsoft.com/office/drawing/2014/main" id="{66C72921-44F0-4756-9799-D651B464ACA2}"/>
+              </a:ext>
+            </a:extLst>
+          </p:cNvPr>
+          <p:cNvSpPr txBox="1"/>
+          <p:nvPr/>
+        </p:nvSpPr>
+        <p:spPr>
+          <a:xfrm>
+            <a:off x="5000709" y="4963112"/>
+            <a:ext cx="1042904" cy="215444"/>
+          </a:xfrm>
+          <a:prstGeom prst="rect">
+            <a:avLst/>
+          </a:prstGeom>
+          <a:noFill/>
+        </p:spPr>
+        <p:txBody>
+          <a:bodyPr wrap="square" rtlCol="0">
+            <a:spAutoFit/>
+          </a:bodyPr>
+          <a:lstStyle/>
+          <a:p>
+            <a:r>
+              <a:rPr lang="de-DE" sz="800" dirty="0"/>
+              <a:t>45134</a:t>
+            </a:r>
+          </a:p>
+        </p:txBody>
+      </p:sp>
+      <p:sp>
+        <p:nvSpPr>
+          <p:cNvPr id="32" name="Textfeld 31">
+            <a:extLst>
+              <a:ext uri="{FF2B5EF4-FFF2-40B4-BE49-F238E27FC236}">
+                <a16:creationId xmlns:a16="http://schemas.microsoft.com/office/drawing/2014/main" id="{8996B0F0-7BB8-42CC-8329-C2A2E1A5B6AD}"/>
+              </a:ext>
+            </a:extLst>
+          </p:cNvPr>
+          <p:cNvSpPr txBox="1"/>
+          <p:nvPr/>
+        </p:nvSpPr>
+        <p:spPr>
+          <a:xfrm>
+            <a:off x="5003255" y="5210208"/>
+            <a:ext cx="1042904" cy="215444"/>
+          </a:xfrm>
+          <a:prstGeom prst="rect">
+            <a:avLst/>
+          </a:prstGeom>
+          <a:noFill/>
+        </p:spPr>
+        <p:txBody>
+          <a:bodyPr wrap="square" rtlCol="0">
+            <a:spAutoFit/>
+          </a:bodyPr>
+          <a:lstStyle/>
+          <a:p>
+            <a:r>
+              <a:rPr lang="de-DE" sz="800" dirty="0"/>
+              <a:t>Essen</a:t>
+            </a:r>
+          </a:p>
+        </p:txBody>
+      </p:sp>
+      <p:sp>
+        <p:nvSpPr>
+          <p:cNvPr id="33" name="Textfeld 32">
+            <a:extLst>
+              <a:ext uri="{FF2B5EF4-FFF2-40B4-BE49-F238E27FC236}">
+                <a16:creationId xmlns:a16="http://schemas.microsoft.com/office/drawing/2014/main" id="{527885DB-F757-42A1-8FB8-B7DF5D17BF67}"/>
+              </a:ext>
+            </a:extLst>
+          </p:cNvPr>
+          <p:cNvSpPr txBox="1"/>
+          <p:nvPr/>
+        </p:nvSpPr>
+        <p:spPr>
+          <a:xfrm>
+            <a:off x="5000709" y="5467402"/>
+            <a:ext cx="1042904" cy="215444"/>
+          </a:xfrm>
+          <a:prstGeom prst="rect">
+            <a:avLst/>
+          </a:prstGeom>
+          <a:noFill/>
+        </p:spPr>
+        <p:txBody>
+          <a:bodyPr wrap="square" rtlCol="0">
+            <a:spAutoFit/>
+          </a:bodyPr>
+          <a:lstStyle/>
+          <a:p>
+            <a:r>
+              <a:rPr lang="de-DE" sz="800" dirty="0"/>
+              <a:t>Deutschland</a:t>
+            </a:r>
+          </a:p>
+        </p:txBody>
+      </p:sp>
+      <p:sp>
+        <p:nvSpPr>
+          <p:cNvPr id="34" name="Textfeld 33">
+            <a:extLst>
+              <a:ext uri="{FF2B5EF4-FFF2-40B4-BE49-F238E27FC236}">
+                <a16:creationId xmlns:a16="http://schemas.microsoft.com/office/drawing/2014/main" id="{D0B52A48-ED95-4FB9-B78F-EC6D93D9EE32}"/>
+              </a:ext>
+            </a:extLst>
+          </p:cNvPr>
+          <p:cNvSpPr txBox="1"/>
+          <p:nvPr/>
+        </p:nvSpPr>
+        <p:spPr>
+          <a:xfrm>
+            <a:off x="5003089" y="2953632"/>
+            <a:ext cx="578562" cy="215444"/>
+          </a:xfrm>
+          <a:prstGeom prst="rect">
+            <a:avLst/>
+          </a:prstGeom>
+          <a:noFill/>
+        </p:spPr>
+        <p:txBody>
+          <a:bodyPr wrap="square" rtlCol="0">
+            <a:spAutoFit/>
+          </a:bodyPr>
+          <a:lstStyle/>
+          <a:p>
+            <a:r>
+              <a:rPr lang="de-DE" sz="800" dirty="0"/>
+              <a:t>TEST</a:t>
+            </a:r>
+          </a:p>
+        </p:txBody>
+      </p:sp>
+      <p:pic>
+        <p:nvPicPr>
+          <p:cNvPr id="35" name="Grafik 34" descr="Pfeil mit einer Linie: Gerade">
+            <a:extLst>
+              <a:ext uri="{FF2B5EF4-FFF2-40B4-BE49-F238E27FC236}">
+                <a16:creationId xmlns:a16="http://schemas.microsoft.com/office/drawing/2014/main" id="{D28E2385-E3F0-4A67-A1C2-5E4C357087CE}"/>
+              </a:ext>
+            </a:extLst>
+          </p:cNvPr>
+          <p:cNvPicPr>
+            <a:picLocks noChangeAspect="1"/>
+          </p:cNvPicPr>
+          <p:nvPr/>
+        </p:nvPicPr>
+        <p:blipFill>
+          <a:blip r:embed="rId6">
+            <a:extLst>
+              <a:ext uri="{28A0092B-C50C-407E-A947-70E740481C1C}">
+                <a14:useLocalDpi xmlns:a14="http://schemas.microsoft.com/office/drawing/2010/main" val="0"/>
+              </a:ext>
+              <a:ext uri="{96DAC541-7B7A-43D3-8B79-37D633B846F1}">
+                <asvg:svgBlip xmlns:asvg="http://schemas.microsoft.com/office/drawing/2016/SVG/main" r:embed="rId7"/>
+              </a:ext>
+            </a:extLst>
+          </a:blip>
+          <a:stretch>
+            <a:fillRect/>
+          </a:stretch>
+        </p:blipFill>
+        <p:spPr>
+          <a:xfrm rot="10800000" flipH="1">
+            <a:off x="5442347" y="2914656"/>
+            <a:ext cx="288442" cy="288442"/>
+          </a:xfrm>
+          <a:prstGeom prst="rect">
+            <a:avLst/>
+          </a:prstGeom>
+        </p:spPr>
+      </p:pic>
+      <p:pic>
+        <p:nvPicPr>
+          <p:cNvPr id="37" name="Grafik 36" descr="Ein Bild, das Screenshot enthält.&#10;&#10;Automatisch generierte Beschreibung">
+            <a:extLst>
+              <a:ext uri="{FF2B5EF4-FFF2-40B4-BE49-F238E27FC236}">
+                <a16:creationId xmlns:a16="http://schemas.microsoft.com/office/drawing/2014/main" id="{AB5304AB-5E98-4ABC-83E7-D211BB7E6E07}"/>
+              </a:ext>
+            </a:extLst>
+          </p:cNvPr>
+          <p:cNvPicPr>
+            <a:picLocks noChangeAspect="1"/>
+          </p:cNvPicPr>
+          <p:nvPr/>
+        </p:nvPicPr>
+        <p:blipFill>
+          <a:blip r:embed="rId8">
+            <a:extLst>
+              <a:ext uri="{28A0092B-C50C-407E-A947-70E740481C1C}">
+                <a14:useLocalDpi xmlns:a14="http://schemas.microsoft.com/office/drawing/2010/main" val="0"/>
+              </a:ext>
+            </a:extLst>
+          </a:blip>
+          <a:stretch>
+            <a:fillRect/>
+          </a:stretch>
+        </p:blipFill>
+        <p:spPr>
+          <a:xfrm>
+            <a:off x="4781530" y="3292691"/>
+            <a:ext cx="2619741" cy="1114581"/>
+          </a:xfrm>
+          <a:prstGeom prst="rect">
+            <a:avLst/>
+          </a:prstGeom>
+        </p:spPr>
+      </p:pic>
+    </p:spTree>
+    <p:extLst>
+      <p:ext uri="{BB962C8B-B14F-4D97-AF65-F5344CB8AC3E}">
+        <p14:creationId xmlns:p14="http://schemas.microsoft.com/office/powerpoint/2010/main" val="2764937463"/>
+      </p:ext>
+    </p:extLst>
+  </p:cSld>
+  <p:clrMapOvr>
+    <a:masterClrMapping/>
+  </p:clrMapOvr>
+  <p:transition spd="slow">
+    <p:push dir="u"/>
+  </p:transition>
+  <p:timing>
+    <p:tnLst>
+      <p:par>
+        <p:cTn id="1" dur="indefinite" restart="never" nodeType="tmRoot">
+          <p:childTnLst>
+            <p:seq concurrent="1" nextAc="seek">
+              <p:cTn id="2" dur="indefinite" nodeType="mainSeq">
+                <p:childTnLst>
+                  <p:par>
+                    <p:cTn id="3" fill="hold">
+                      <p:stCondLst>
+                        <p:cond delay="indefinite"/>
+                      </p:stCondLst>
+                      <p:childTnLst>
+                        <p:par>
+                          <p:cTn id="4" fill="hold">
+                            <p:stCondLst>
+                              <p:cond delay="0"/>
+                            </p:stCondLst>
+                            <p:childTnLst>
+                              <p:par>
+                                <p:cTn id="5" presetID="10" presetClass="exit" presetSubtype="0" fill="hold" nodeType="clickEffect">
+                                  <p:stCondLst>
+                                    <p:cond delay="0"/>
+                                  </p:stCondLst>
+                                  <p:childTnLst>
+                                    <p:animEffect transition="out" filter="fade">
+                                      <p:cBhvr>
+                                        <p:cTn id="6" dur="500"/>
+                                        <p:tgtEl>
+                                          <p:spTgt spid="18"/>
+                                        </p:tgtEl>
+                                      </p:cBhvr>
+                                    </p:animEffect>
+                                    <p:set>
+                                      <p:cBhvr>
+                                        <p:cTn id="7" dur="1" fill="hold">
+                                          <p:stCondLst>
+                                            <p:cond delay="499"/>
+                                          </p:stCondLst>
+                                        </p:cTn>
+                                        <p:tgtEl>
+                                          <p:spTgt spid="18"/>
+                                        </p:tgtEl>
+                                        <p:attrNameLst>
+                                          <p:attrName>style.visibility</p:attrName>
+                                        </p:attrNameLst>
+                                      </p:cBhvr>
+                                      <p:to>
+                                        <p:strVal val="hidden"/>
+                                      </p:to>
+                                    </p:set>
+                                  </p:childTnLst>
+                                </p:cTn>
+                              </p:par>
+                              <p:par>
+                                <p:cTn id="8" presetID="10" presetClass="exit" presetSubtype="0" fill="hold" nodeType="withEffect">
+                                  <p:stCondLst>
+                                    <p:cond delay="0"/>
+                                  </p:stCondLst>
+                                  <p:childTnLst>
+                                    <p:animEffect transition="out" filter="fade">
+                                      <p:cBhvr>
+                                        <p:cTn id="9" dur="500"/>
+                                        <p:tgtEl>
+                                          <p:spTgt spid="20"/>
+                                        </p:tgtEl>
+                                      </p:cBhvr>
+                                    </p:animEffect>
+                                    <p:set>
+                                      <p:cBhvr>
+                                        <p:cTn id="10" dur="1" fill="hold">
+                                          <p:stCondLst>
+                                            <p:cond delay="499"/>
+                                          </p:stCondLst>
+                                        </p:cTn>
+                                        <p:tgtEl>
+                                          <p:spTgt spid="20"/>
+                                        </p:tgtEl>
+                                        <p:attrNameLst>
+                                          <p:attrName>style.visibility</p:attrName>
+                                        </p:attrNameLst>
+                                      </p:cBhvr>
+                                      <p:to>
+                                        <p:strVal val="hidden"/>
+                                      </p:to>
+                                    </p:set>
+                                  </p:childTnLst>
+                                </p:cTn>
+                              </p:par>
+                            </p:childTnLst>
+                          </p:cTn>
+                        </p:par>
+                      </p:childTnLst>
+                    </p:cTn>
+                  </p:par>
+                  <p:par>
+                    <p:cTn id="11" fill="hold">
+                      <p:stCondLst>
+                        <p:cond delay="indefinite"/>
+                      </p:stCondLst>
+                      <p:childTnLst>
+                        <p:par>
+                          <p:cTn id="12" fill="hold">
+                            <p:stCondLst>
+                              <p:cond delay="0"/>
+                            </p:stCondLst>
+                            <p:childTnLst>
+                              <p:par>
+                                <p:cTn id="13" presetID="1" presetClass="entr" presetSubtype="0" fill="hold" grpId="0" nodeType="clickEffect">
+                                  <p:stCondLst>
+                                    <p:cond delay="0"/>
+                                  </p:stCondLst>
+                                  <p:iterate type="lt">
+                                    <p:tmAbs val="50"/>
+                                  </p:iterate>
+                                  <p:childTnLst>
+                                    <p:set>
+                                      <p:cBhvr>
+                                        <p:cTn id="14" dur="1" fill="hold">
+                                          <p:stCondLst>
+                                            <p:cond delay="0"/>
+                                          </p:stCondLst>
+                                        </p:cTn>
+                                        <p:tgtEl>
+                                          <p:spTgt spid="21"/>
+                                        </p:tgtEl>
+                                        <p:attrNameLst>
+                                          <p:attrName>style.visibility</p:attrName>
+                                        </p:attrNameLst>
+                                      </p:cBhvr>
+                                      <p:to>
+                                        <p:strVal val="visible"/>
+                                      </p:to>
+                                    </p:set>
+                                  </p:childTnLst>
+                                </p:cTn>
+                              </p:par>
+                            </p:childTnLst>
+                          </p:cTn>
+                        </p:par>
+                        <p:par>
+                          <p:cTn id="15" fill="hold">
+                            <p:stCondLst>
+                              <p:cond delay="151"/>
+                            </p:stCondLst>
+                            <p:childTnLst>
+                              <p:par>
+                                <p:cTn id="16" presetID="1" presetClass="entr" presetSubtype="0" fill="hold" grpId="0" nodeType="afterEffect">
+                                  <p:stCondLst>
+                                    <p:cond delay="0"/>
+                                  </p:stCondLst>
+                                  <p:iterate type="lt">
+                                    <p:tmAbs val="50"/>
+                                  </p:iterate>
+                                  <p:childTnLst>
+                                    <p:set>
+                                      <p:cBhvr>
+                                        <p:cTn id="17" dur="1" fill="hold">
+                                          <p:stCondLst>
+                                            <p:cond delay="0"/>
+                                          </p:stCondLst>
+                                        </p:cTn>
+                                        <p:tgtEl>
+                                          <p:spTgt spid="22"/>
+                                        </p:tgtEl>
+                                        <p:attrNameLst>
+                                          <p:attrName>style.visibility</p:attrName>
+                                        </p:attrNameLst>
+                                      </p:cBhvr>
+                                      <p:to>
+                                        <p:strVal val="visible"/>
+                                      </p:to>
+                                    </p:set>
+                                  </p:childTnLst>
+                                </p:cTn>
+                              </p:par>
+                            </p:childTnLst>
+                          </p:cTn>
+                        </p:par>
+                        <p:par>
+                          <p:cTn id="18" fill="hold">
+                            <p:stCondLst>
+                              <p:cond delay="352"/>
+                            </p:stCondLst>
+                            <p:childTnLst>
+                              <p:par>
+                                <p:cTn id="19" presetID="1" presetClass="entr" presetSubtype="0" fill="hold" grpId="0" nodeType="afterEffect">
+                                  <p:stCondLst>
+                                    <p:cond delay="0"/>
+                                  </p:stCondLst>
+                                  <p:iterate type="lt">
+                                    <p:tmAbs val="50"/>
+                                  </p:iterate>
+                                  <p:childTnLst>
+                                    <p:set>
+                                      <p:cBhvr>
+                                        <p:cTn id="20" dur="1" fill="hold">
+                                          <p:stCondLst>
+                                            <p:cond delay="0"/>
+                                          </p:stCondLst>
+                                        </p:cTn>
+                                        <p:tgtEl>
+                                          <p:spTgt spid="23"/>
+                                        </p:tgtEl>
+                                        <p:attrNameLst>
+                                          <p:attrName>style.visibility</p:attrName>
+                                        </p:attrNameLst>
+                                      </p:cBhvr>
+                                      <p:to>
+                                        <p:strVal val="visible"/>
+                                      </p:to>
+                                    </p:set>
+                                  </p:childTnLst>
+                                </p:cTn>
+                              </p:par>
+                            </p:childTnLst>
+                          </p:cTn>
+                        </p:par>
+                        <p:par>
+                          <p:cTn id="21" fill="hold">
+                            <p:stCondLst>
+                              <p:cond delay="403"/>
+                            </p:stCondLst>
+                            <p:childTnLst>
+                              <p:par>
+                                <p:cTn id="22" presetID="1" presetClass="entr" presetSubtype="0" fill="hold" grpId="0" nodeType="afterEffect">
+                                  <p:stCondLst>
+                                    <p:cond delay="0"/>
+                                  </p:stCondLst>
+                                  <p:iterate type="lt">
+                                    <p:tmAbs val="50"/>
+                                  </p:iterate>
+                                  <p:childTnLst>
+                                    <p:set>
+                                      <p:cBhvr>
+                                        <p:cTn id="23" dur="1" fill="hold">
+                                          <p:stCondLst>
+                                            <p:cond delay="0"/>
+                                          </p:stCondLst>
+                                        </p:cTn>
+                                        <p:tgtEl>
+                                          <p:spTgt spid="24"/>
+                                        </p:tgtEl>
+                                        <p:attrNameLst>
+                                          <p:attrName>style.visibility</p:attrName>
+                                        </p:attrNameLst>
+                                      </p:cBhvr>
+                                      <p:to>
+                                        <p:strVal val="visible"/>
+                                      </p:to>
+                                    </p:set>
+                                  </p:childTnLst>
+                                </p:cTn>
+                              </p:par>
+                            </p:childTnLst>
+                          </p:cTn>
+                        </p:par>
+                        <p:par>
+                          <p:cTn id="24" fill="hold">
+                            <p:stCondLst>
+                              <p:cond delay="854"/>
+                            </p:stCondLst>
+                            <p:childTnLst>
+                              <p:par>
+                                <p:cTn id="25" presetID="1" presetClass="entr" presetSubtype="0" fill="hold" grpId="0" nodeType="afterEffect">
+                                  <p:stCondLst>
+                                    <p:cond delay="0"/>
+                                  </p:stCondLst>
+                                  <p:iterate type="lt">
+                                    <p:tmAbs val="50"/>
+                                  </p:iterate>
+                                  <p:childTnLst>
+                                    <p:set>
+                                      <p:cBhvr>
+                                        <p:cTn id="26" dur="1" fill="hold">
+                                          <p:stCondLst>
+                                            <p:cond delay="0"/>
+                                          </p:stCondLst>
+                                        </p:cTn>
+                                        <p:tgtEl>
+                                          <p:spTgt spid="25"/>
+                                        </p:tgtEl>
+                                        <p:attrNameLst>
+                                          <p:attrName>style.visibility</p:attrName>
+                                        </p:attrNameLst>
+                                      </p:cBhvr>
+                                      <p:to>
+                                        <p:strVal val="visible"/>
+                                      </p:to>
+                                    </p:set>
+                                  </p:childTnLst>
+                                </p:cTn>
+                              </p:par>
+                            </p:childTnLst>
+                          </p:cTn>
+                        </p:par>
+                        <p:par>
+                          <p:cTn id="27" fill="hold">
+                            <p:stCondLst>
+                              <p:cond delay="1305"/>
+                            </p:stCondLst>
+                            <p:childTnLst>
+                              <p:par>
+                                <p:cTn id="28" presetID="1" presetClass="entr" presetSubtype="0" fill="hold" grpId="0" nodeType="afterEffect">
+                                  <p:stCondLst>
+                                    <p:cond delay="0"/>
+                                  </p:stCondLst>
+                                  <p:iterate type="lt">
+                                    <p:tmAbs val="50"/>
+                                  </p:iterate>
+                                  <p:childTnLst>
+                                    <p:set>
+                                      <p:cBhvr>
+                                        <p:cTn id="29" dur="1" fill="hold">
+                                          <p:stCondLst>
+                                            <p:cond delay="0"/>
+                                          </p:stCondLst>
+                                        </p:cTn>
+                                        <p:tgtEl>
+                                          <p:spTgt spid="26"/>
+                                        </p:tgtEl>
+                                        <p:attrNameLst>
+                                          <p:attrName>style.visibility</p:attrName>
+                                        </p:attrNameLst>
+                                      </p:cBhvr>
+                                      <p:to>
+                                        <p:strVal val="visible"/>
+                                      </p:to>
+                                    </p:set>
+                                  </p:childTnLst>
+                                </p:cTn>
+                              </p:par>
+                            </p:childTnLst>
+                          </p:cTn>
+                        </p:par>
+                        <p:par>
+                          <p:cTn id="30" fill="hold">
+                            <p:stCondLst>
+                              <p:cond delay="1756"/>
+                            </p:stCondLst>
+                            <p:childTnLst>
+                              <p:par>
+                                <p:cTn id="31" presetID="1" presetClass="entr" presetSubtype="0" fill="hold" grpId="0" nodeType="afterEffect">
+                                  <p:stCondLst>
+                                    <p:cond delay="0"/>
+                                  </p:stCondLst>
+                                  <p:iterate type="lt">
+                                    <p:tmAbs val="50"/>
+                                  </p:iterate>
+                                  <p:childTnLst>
+                                    <p:set>
+                                      <p:cBhvr>
+                                        <p:cTn id="32" dur="1" fill="hold">
+                                          <p:stCondLst>
+                                            <p:cond delay="0"/>
+                                          </p:stCondLst>
+                                        </p:cTn>
+                                        <p:tgtEl>
+                                          <p:spTgt spid="27"/>
+                                        </p:tgtEl>
+                                        <p:attrNameLst>
+                                          <p:attrName>style.visibility</p:attrName>
+                                        </p:attrNameLst>
+                                      </p:cBhvr>
+                                      <p:to>
+                                        <p:strVal val="visible"/>
+                                      </p:to>
+                                    </p:set>
+                                  </p:childTnLst>
+                                </p:cTn>
+                              </p:par>
+                            </p:childTnLst>
+                          </p:cTn>
+                        </p:par>
+                        <p:par>
+                          <p:cTn id="33" fill="hold">
+                            <p:stCondLst>
+                              <p:cond delay="1756"/>
+                            </p:stCondLst>
+                            <p:childTnLst>
+                              <p:par>
+                                <p:cTn id="34" presetID="1" presetClass="entr" presetSubtype="0" fill="hold" grpId="0" nodeType="afterEffect">
+                                  <p:stCondLst>
+                                    <p:cond delay="0"/>
+                                  </p:stCondLst>
+                                  <p:iterate type="lt">
+                                    <p:tmAbs val="50"/>
+                                  </p:iterate>
+                                  <p:childTnLst>
+                                    <p:set>
+                                      <p:cBhvr>
+                                        <p:cTn id="35" dur="1" fill="hold">
+                                          <p:stCondLst>
+                                            <p:cond delay="0"/>
+                                          </p:stCondLst>
+                                        </p:cTn>
+                                        <p:tgtEl>
+                                          <p:spTgt spid="28"/>
+                                        </p:tgtEl>
+                                        <p:attrNameLst>
+                                          <p:attrName>style.visibility</p:attrName>
+                                        </p:attrNameLst>
+                                      </p:cBhvr>
+                                      <p:to>
+                                        <p:strVal val="visible"/>
+                                      </p:to>
+                                    </p:set>
+                                  </p:childTnLst>
+                                </p:cTn>
+                              </p:par>
+                            </p:childTnLst>
+                          </p:cTn>
+                        </p:par>
+                        <p:par>
+                          <p:cTn id="36" fill="hold">
+                            <p:stCondLst>
+                              <p:cond delay="1957"/>
+                            </p:stCondLst>
+                            <p:childTnLst>
+                              <p:par>
+                                <p:cTn id="37" presetID="1" presetClass="entr" presetSubtype="0" fill="hold" grpId="0" nodeType="afterEffect">
+                                  <p:stCondLst>
+                                    <p:cond delay="0"/>
+                                  </p:stCondLst>
+                                  <p:iterate type="lt">
+                                    <p:tmAbs val="50"/>
+                                  </p:iterate>
+                                  <p:childTnLst>
+                                    <p:set>
+                                      <p:cBhvr>
+                                        <p:cTn id="38" dur="1" fill="hold">
+                                          <p:stCondLst>
+                                            <p:cond delay="0"/>
+                                          </p:stCondLst>
+                                        </p:cTn>
+                                        <p:tgtEl>
+                                          <p:spTgt spid="29"/>
+                                        </p:tgtEl>
+                                        <p:attrNameLst>
+                                          <p:attrName>style.visibility</p:attrName>
+                                        </p:attrNameLst>
+                                      </p:cBhvr>
+                                      <p:to>
+                                        <p:strVal val="visible"/>
+                                      </p:to>
+                                    </p:set>
+                                  </p:childTnLst>
+                                </p:cTn>
+                              </p:par>
+                            </p:childTnLst>
+                          </p:cTn>
+                        </p:par>
+                        <p:par>
+                          <p:cTn id="39" fill="hold">
+                            <p:stCondLst>
+                              <p:cond delay="2558"/>
+                            </p:stCondLst>
+                            <p:childTnLst>
+                              <p:par>
+                                <p:cTn id="40" presetID="1" presetClass="entr" presetSubtype="0" fill="hold" grpId="0" nodeType="afterEffect">
+                                  <p:stCondLst>
+                                    <p:cond delay="0"/>
+                                  </p:stCondLst>
+                                  <p:iterate type="lt">
+                                    <p:tmAbs val="50"/>
+                                  </p:iterate>
+                                  <p:childTnLst>
+                                    <p:set>
+                                      <p:cBhvr>
+                                        <p:cTn id="41" dur="1" fill="hold">
+                                          <p:stCondLst>
+                                            <p:cond delay="0"/>
+                                          </p:stCondLst>
+                                        </p:cTn>
+                                        <p:tgtEl>
+                                          <p:spTgt spid="30"/>
+                                        </p:tgtEl>
+                                        <p:attrNameLst>
+                                          <p:attrName>style.visibility</p:attrName>
+                                        </p:attrNameLst>
+                                      </p:cBhvr>
+                                      <p:to>
+                                        <p:strVal val="visible"/>
+                                      </p:to>
+                                    </p:set>
+                                  </p:childTnLst>
+                                </p:cTn>
+                              </p:par>
+                            </p:childTnLst>
+                          </p:cTn>
+                        </p:par>
+                        <p:par>
+                          <p:cTn id="42" fill="hold">
+                            <p:stCondLst>
+                              <p:cond delay="3309"/>
+                            </p:stCondLst>
+                            <p:childTnLst>
+                              <p:par>
+                                <p:cTn id="43" presetID="1" presetClass="entr" presetSubtype="0" fill="hold" grpId="0" nodeType="afterEffect">
+                                  <p:stCondLst>
+                                    <p:cond delay="0"/>
+                                  </p:stCondLst>
+                                  <p:iterate type="lt">
+                                    <p:tmAbs val="50"/>
+                                  </p:iterate>
+                                  <p:childTnLst>
+                                    <p:set>
+                                      <p:cBhvr>
+                                        <p:cTn id="44" dur="1" fill="hold">
+                                          <p:stCondLst>
+                                            <p:cond delay="0"/>
+                                          </p:stCondLst>
+                                        </p:cTn>
+                                        <p:tgtEl>
+                                          <p:spTgt spid="31"/>
+                                        </p:tgtEl>
+                                        <p:attrNameLst>
+                                          <p:attrName>style.visibility</p:attrName>
+                                        </p:attrNameLst>
+                                      </p:cBhvr>
+                                      <p:to>
+                                        <p:strVal val="visible"/>
+                                      </p:to>
+                                    </p:set>
+                                  </p:childTnLst>
+                                </p:cTn>
+                              </p:par>
+                            </p:childTnLst>
+                          </p:cTn>
+                        </p:par>
+                        <p:par>
+                          <p:cTn id="45" fill="hold">
+                            <p:stCondLst>
+                              <p:cond delay="3510"/>
+                            </p:stCondLst>
+                            <p:childTnLst>
+                              <p:par>
+                                <p:cTn id="46" presetID="1" presetClass="entr" presetSubtype="0" fill="hold" grpId="0" nodeType="afterEffect">
+                                  <p:stCondLst>
+                                    <p:cond delay="0"/>
+                                  </p:stCondLst>
+                                  <p:iterate type="lt">
+                                    <p:tmAbs val="50"/>
+                                  </p:iterate>
+                                  <p:childTnLst>
+                                    <p:set>
+                                      <p:cBhvr>
+                                        <p:cTn id="47" dur="1" fill="hold">
+                                          <p:stCondLst>
+                                            <p:cond delay="0"/>
+                                          </p:stCondLst>
+                                        </p:cTn>
+                                        <p:tgtEl>
+                                          <p:spTgt spid="32"/>
+                                        </p:tgtEl>
+                                        <p:attrNameLst>
+                                          <p:attrName>style.visibility</p:attrName>
+                                        </p:attrNameLst>
+                                      </p:cBhvr>
+                                      <p:to>
+                                        <p:strVal val="visible"/>
+                                      </p:to>
+                                    </p:set>
+                                  </p:childTnLst>
+                                </p:cTn>
+                              </p:par>
+                            </p:childTnLst>
+                          </p:cTn>
+                        </p:par>
+                        <p:par>
+                          <p:cTn id="48" fill="hold">
+                            <p:stCondLst>
+                              <p:cond delay="3711"/>
+                            </p:stCondLst>
+                            <p:childTnLst>
+                              <p:par>
+                                <p:cTn id="49" presetID="1" presetClass="entr" presetSubtype="0" fill="hold" grpId="0" nodeType="afterEffect">
+                                  <p:stCondLst>
+                                    <p:cond delay="0"/>
+                                  </p:stCondLst>
+                                  <p:iterate type="lt">
+                                    <p:tmAbs val="50"/>
+                                  </p:iterate>
+                                  <p:childTnLst>
+                                    <p:set>
+                                      <p:cBhvr>
+                                        <p:cTn id="50" dur="1" fill="hold">
+                                          <p:stCondLst>
+                                            <p:cond delay="0"/>
+                                          </p:stCondLst>
+                                        </p:cTn>
+                                        <p:tgtEl>
+                                          <p:spTgt spid="33"/>
+                                        </p:tgtEl>
+                                        <p:attrNameLst>
+                                          <p:attrName>style.visibility</p:attrName>
+                                        </p:attrNameLst>
+                                      </p:cBhvr>
+                                      <p:to>
+                                        <p:strVal val="visible"/>
+                                      </p:to>
+                                    </p:set>
+                                  </p:childTnLst>
+                                </p:cTn>
+                              </p:par>
+                            </p:childTnLst>
+                          </p:cTn>
+                        </p:par>
+                      </p:childTnLst>
+                    </p:cTn>
+                  </p:par>
+                  <p:par>
+                    <p:cTn id="51" fill="hold">
+                      <p:stCondLst>
+                        <p:cond delay="indefinite"/>
+                      </p:stCondLst>
+                      <p:childTnLst>
+                        <p:par>
+                          <p:cTn id="52" fill="hold">
+                            <p:stCondLst>
+                              <p:cond delay="0"/>
+                            </p:stCondLst>
+                            <p:childTnLst>
+                              <p:par>
+                                <p:cTn id="53" presetID="10" presetClass="exit" presetSubtype="0" fill="hold" grpId="1" nodeType="clickEffect">
+                                  <p:stCondLst>
+                                    <p:cond delay="0"/>
+                                  </p:stCondLst>
+                                  <p:iterate type="lt">
+                                    <p:tmPct val="0"/>
+                                  </p:iterate>
+                                  <p:childTnLst>
+                                    <p:animEffect transition="out" filter="fade">
+                                      <p:cBhvr>
+                                        <p:cTn id="54" dur="500"/>
+                                        <p:tgtEl>
+                                          <p:spTgt spid="25"/>
+                                        </p:tgtEl>
+                                      </p:cBhvr>
+                                    </p:animEffect>
+                                    <p:set>
+                                      <p:cBhvr>
+                                        <p:cTn id="55" dur="1" fill="hold">
+                                          <p:stCondLst>
+                                            <p:cond delay="499"/>
+                                          </p:stCondLst>
+                                        </p:cTn>
+                                        <p:tgtEl>
+                                          <p:spTgt spid="25"/>
+                                        </p:tgtEl>
+                                        <p:attrNameLst>
+                                          <p:attrName>style.visibility</p:attrName>
+                                        </p:attrNameLst>
+                                      </p:cBhvr>
+                                      <p:to>
+                                        <p:strVal val="hidden"/>
+                                      </p:to>
+                                    </p:set>
+                                  </p:childTnLst>
+                                </p:cTn>
+                              </p:par>
+                              <p:par>
+                                <p:cTn id="56" presetID="10" presetClass="exit" presetSubtype="0" fill="hold" grpId="1" nodeType="withEffect">
+                                  <p:stCondLst>
+                                    <p:cond delay="0"/>
+                                  </p:stCondLst>
+                                  <p:iterate type="lt">
+                                    <p:tmPct val="0"/>
+                                  </p:iterate>
+                                  <p:childTnLst>
+                                    <p:animEffect transition="out" filter="fade">
+                                      <p:cBhvr>
+                                        <p:cTn id="57" dur="500"/>
+                                        <p:tgtEl>
+                                          <p:spTgt spid="33"/>
+                                        </p:tgtEl>
+                                      </p:cBhvr>
+                                    </p:animEffect>
+                                    <p:set>
+                                      <p:cBhvr>
+                                        <p:cTn id="58" dur="1" fill="hold">
+                                          <p:stCondLst>
+                                            <p:cond delay="499"/>
+                                          </p:stCondLst>
+                                        </p:cTn>
+                                        <p:tgtEl>
+                                          <p:spTgt spid="33"/>
+                                        </p:tgtEl>
+                                        <p:attrNameLst>
+                                          <p:attrName>style.visibility</p:attrName>
+                                        </p:attrNameLst>
+                                      </p:cBhvr>
+                                      <p:to>
+                                        <p:strVal val="hidden"/>
+                                      </p:to>
+                                    </p:set>
+                                  </p:childTnLst>
+                                </p:cTn>
+                              </p:par>
+                              <p:par>
+                                <p:cTn id="59" presetID="10" presetClass="exit" presetSubtype="0" fill="hold" grpId="1" nodeType="withEffect">
+                                  <p:stCondLst>
+                                    <p:cond delay="0"/>
+                                  </p:stCondLst>
+                                  <p:iterate type="lt">
+                                    <p:tmPct val="0"/>
+                                  </p:iterate>
+                                  <p:childTnLst>
+                                    <p:animEffect transition="out" filter="fade">
+                                      <p:cBhvr>
+                                        <p:cTn id="60" dur="500"/>
+                                        <p:tgtEl>
+                                          <p:spTgt spid="23"/>
+                                        </p:tgtEl>
+                                      </p:cBhvr>
+                                    </p:animEffect>
+                                    <p:set>
+                                      <p:cBhvr>
+                                        <p:cTn id="61" dur="1" fill="hold">
+                                          <p:stCondLst>
+                                            <p:cond delay="499"/>
+                                          </p:stCondLst>
+                                        </p:cTn>
+                                        <p:tgtEl>
+                                          <p:spTgt spid="23"/>
+                                        </p:tgtEl>
+                                        <p:attrNameLst>
+                                          <p:attrName>style.visibility</p:attrName>
+                                        </p:attrNameLst>
+                                      </p:cBhvr>
+                                      <p:to>
+                                        <p:strVal val="hidden"/>
+                                      </p:to>
+                                    </p:set>
+                                  </p:childTnLst>
+                                </p:cTn>
+                              </p:par>
+                            </p:childTnLst>
+                          </p:cTn>
+                        </p:par>
+                      </p:childTnLst>
+                    </p:cTn>
+                  </p:par>
+                  <p:par>
+                    <p:cTn id="62" fill="hold">
+                      <p:stCondLst>
+                        <p:cond delay="indefinite"/>
+                      </p:stCondLst>
+                      <p:childTnLst>
+                        <p:par>
+                          <p:cTn id="63" fill="hold">
+                            <p:stCondLst>
+                              <p:cond delay="0"/>
+                            </p:stCondLst>
+                            <p:childTnLst>
+                              <p:par>
+                                <p:cTn id="64" presetID="1" presetClass="entr" presetSubtype="0" fill="hold" grpId="0" nodeType="clickEffect">
+                                  <p:stCondLst>
+                                    <p:cond delay="0"/>
+                                  </p:stCondLst>
+                                  <p:iterate type="lt">
+                                    <p:tmAbs val="50"/>
+                                  </p:iterate>
+                                  <p:childTnLst>
+                                    <p:set>
+                                      <p:cBhvr>
+                                        <p:cTn id="65" dur="1" fill="hold">
+                                          <p:stCondLst>
+                                            <p:cond delay="0"/>
+                                          </p:stCondLst>
+                                        </p:cTn>
+                                        <p:tgtEl>
+                                          <p:spTgt spid="34"/>
+                                        </p:tgtEl>
+                                        <p:attrNameLst>
+                                          <p:attrName>style.visibility</p:attrName>
+                                        </p:attrNameLst>
+                                      </p:cBhvr>
+                                      <p:to>
+                                        <p:strVal val="visible"/>
+                                      </p:to>
+                                    </p:set>
+                                  </p:childTnLst>
+                                </p:cTn>
+                              </p:par>
+                              <p:par>
+                                <p:cTn id="66" presetID="10" presetClass="entr" presetSubtype="0" fill="hold" nodeType="withEffect">
+                                  <p:stCondLst>
+                                    <p:cond delay="0"/>
+                                  </p:stCondLst>
+                                  <p:childTnLst>
+                                    <p:set>
+                                      <p:cBhvr>
+                                        <p:cTn id="67" dur="1" fill="hold">
+                                          <p:stCondLst>
+                                            <p:cond delay="0"/>
+                                          </p:stCondLst>
+                                        </p:cTn>
+                                        <p:tgtEl>
+                                          <p:spTgt spid="35"/>
+                                        </p:tgtEl>
+                                        <p:attrNameLst>
+                                          <p:attrName>style.visibility</p:attrName>
+                                        </p:attrNameLst>
+                                      </p:cBhvr>
+                                      <p:to>
+                                        <p:strVal val="visible"/>
+                                      </p:to>
+                                    </p:set>
+                                    <p:animEffect transition="in" filter="fade">
+                                      <p:cBhvr>
+                                        <p:cTn id="68" dur="500"/>
+                                        <p:tgtEl>
+                                          <p:spTgt spid="35"/>
+                                        </p:tgtEl>
+                                      </p:cBhvr>
+                                    </p:animEffect>
+                                  </p:childTnLst>
+                                </p:cTn>
+                              </p:par>
+                            </p:childTnLst>
+                          </p:cTn>
+                        </p:par>
+                      </p:childTnLst>
+                    </p:cTn>
+                  </p:par>
+                  <p:par>
+                    <p:cTn id="69" fill="hold">
+                      <p:stCondLst>
+                        <p:cond delay="indefinite"/>
+                      </p:stCondLst>
+                      <p:childTnLst>
+                        <p:par>
+                          <p:cTn id="70" fill="hold">
+                            <p:stCondLst>
+                              <p:cond delay="0"/>
+                            </p:stCondLst>
+                            <p:childTnLst>
+                              <p:par>
+                                <p:cTn id="71" presetID="1" presetClass="entr" presetSubtype="0" fill="hold" nodeType="clickEffect">
+                                  <p:stCondLst>
+                                    <p:cond delay="0"/>
+                                  </p:stCondLst>
+                                  <p:childTnLst>
+                                    <p:set>
+                                      <p:cBhvr>
+                                        <p:cTn id="72" dur="1" fill="hold">
+                                          <p:stCondLst>
+                                            <p:cond delay="0"/>
+                                          </p:stCondLst>
+                                        </p:cTn>
+                                        <p:tgtEl>
+                                          <p:spTgt spid="37"/>
+                                        </p:tgtEl>
+                                        <p:attrNameLst>
+                                          <p:attrName>style.visibility</p:attrName>
+                                        </p:attrNameLst>
+                                      </p:cBhvr>
+                                      <p:to>
+                                        <p:strVal val="visible"/>
+                                      </p:to>
+                                    </p:set>
+                                  </p:childTnLst>
+                                  <p:subTnLst>
+                                    <p:audio>
+                                      <p:cMediaNode>
+                                        <p:cTn display="0" masterRel="sameClick">
+                                          <p:stCondLst>
+                                            <p:cond evt="begin" delay="0">
+                                              <p:tn val="71"/>
+                                            </p:cond>
+                                          </p:stCondLst>
+                                          <p:endCondLst>
+                                            <p:cond evt="onStopAudio" delay="0">
+                                              <p:tgtEl>
+                                                <p:sldTgt/>
+                                              </p:tgtEl>
+                                            </p:cond>
+                                          </p:endCondLst>
+                                        </p:cTn>
+                                        <p:tgtEl>
+                                          <p:sndTgt r:embed="rId2" name="Windows Background.wav"/>
+                                        </p:tgtEl>
+                                      </p:cMediaNode>
+                                    </p:audio>
+                                  </p:subTnLst>
+                                </p:cTn>
+                              </p:par>
+                            </p:childTnLst>
+                          </p:cTn>
+                        </p:par>
+                      </p:childTnLst>
+                    </p:cTn>
+                  </p:par>
+                </p:childTnLst>
+              </p:cTn>
+              <p:prevCondLst>
+                <p:cond evt="onPrev" delay="0">
+                  <p:tgtEl>
+                    <p:sldTgt/>
+                  </p:tgtEl>
+                </p:cond>
+              </p:prevCondLst>
+              <p:nextCondLst>
+                <p:cond evt="onNext" delay="0">
+                  <p:tgtEl>
+                    <p:sldTgt/>
+                  </p:tgtEl>
+                </p:cond>
+              </p:nextCondLst>
+            </p:seq>
+          </p:childTnLst>
+        </p:cTn>
+      </p:par>
+    </p:tnLst>
+    <p:bldLst>
+      <p:bldP spid="21" grpId="0"/>
+      <p:bldP spid="22" grpId="0"/>
+      <p:bldP spid="23" grpId="0"/>
+      <p:bldP spid="23" grpId="1"/>
+      <p:bldP spid="24" grpId="0"/>
+      <p:bldP spid="25" grpId="0"/>
+      <p:bldP spid="25" grpId="1"/>
+      <p:bldP spid="26" grpId="0"/>
+      <p:bldP spid="27" grpId="0"/>
+      <p:bldP spid="28" grpId="0"/>
+      <p:bldP spid="29" grpId="0"/>
+      <p:bldP spid="30" grpId="0"/>
+      <p:bldP spid="31" grpId="0"/>
+      <p:bldP spid="32" grpId="0"/>
+      <p:bldP spid="33" grpId="0"/>
+      <p:bldP spid="33" grpId="1"/>
+      <p:bldP spid="34" grpId="0"/>
+    </p:bldLst>
+  </p:timing>
 </p:sld>
 </file>
 

--- a/Dokumentation/Präsentation.pptx
+++ b/Dokumentation/Präsentation.pptx
@@ -17,9 +17,9 @@
     <p:sldId id="259" r:id="rId8"/>
     <p:sldId id="265" r:id="rId9"/>
     <p:sldId id="264" r:id="rId10"/>
-    <p:sldId id="260" r:id="rId11"/>
-    <p:sldId id="261" r:id="rId12"/>
-    <p:sldId id="262" r:id="rId13"/>
+    <p:sldId id="261" r:id="rId11"/>
+    <p:sldId id="260" r:id="rId12"/>
+    <p:sldId id="269" r:id="rId13"/>
     <p:sldId id="263" r:id="rId14"/>
   </p:sldIdLst>
   <p:sldSz cx="12192000" cy="6858000"/>
@@ -125,6 +125,2502 @@
     </p:ext>
   </p:extLst>
 </p:presentation>
+</file>
+
+<file path=ppt/diagrams/colors1.xml><?xml version="1.0" encoding="utf-8"?>
+<dgm:colorsDef xmlns:dgm="http://schemas.openxmlformats.org/drawingml/2006/diagram" xmlns:a="http://schemas.openxmlformats.org/drawingml/2006/main" uniqueId="urn:microsoft.com/office/officeart/2005/8/colors/accent1_2">
+  <dgm:title val=""/>
+  <dgm:desc val=""/>
+  <dgm:catLst>
+    <dgm:cat type="accent1" pri="11200"/>
+  </dgm:catLst>
+  <dgm:styleLbl name="node0">
+    <dgm:fillClrLst meth="repeat">
+      <a:schemeClr val="accent1"/>
+    </dgm:fillClrLst>
+    <dgm:linClrLst meth="repeat">
+      <a:schemeClr val="lt1"/>
+    </dgm:linClrLst>
+    <dgm:effectClrLst/>
+    <dgm:txLinClrLst/>
+    <dgm:txFillClrLst/>
+    <dgm:txEffectClrLst/>
+  </dgm:styleLbl>
+  <dgm:styleLbl name="alignNode1">
+    <dgm:fillClrLst meth="repeat">
+      <a:schemeClr val="accent1"/>
+    </dgm:fillClrLst>
+    <dgm:linClrLst meth="repeat">
+      <a:schemeClr val="accent1"/>
+    </dgm:linClrLst>
+    <dgm:effectClrLst/>
+    <dgm:txLinClrLst/>
+    <dgm:txFillClrLst/>
+    <dgm:txEffectClrLst/>
+  </dgm:styleLbl>
+  <dgm:styleLbl name="node1">
+    <dgm:fillClrLst meth="repeat">
+      <a:schemeClr val="accent1"/>
+    </dgm:fillClrLst>
+    <dgm:linClrLst meth="repeat">
+      <a:schemeClr val="lt1"/>
+    </dgm:linClrLst>
+    <dgm:effectClrLst/>
+    <dgm:txLinClrLst/>
+    <dgm:txFillClrLst/>
+    <dgm:txEffectClrLst/>
+  </dgm:styleLbl>
+  <dgm:styleLbl name="lnNode1">
+    <dgm:fillClrLst meth="repeat">
+      <a:schemeClr val="accent1"/>
+    </dgm:fillClrLst>
+    <dgm:linClrLst meth="repeat">
+      <a:schemeClr val="lt1"/>
+    </dgm:linClrLst>
+    <dgm:effectClrLst/>
+    <dgm:txLinClrLst/>
+    <dgm:txFillClrLst/>
+    <dgm:txEffectClrLst/>
+  </dgm:styleLbl>
+  <dgm:styleLbl name="vennNode1">
+    <dgm:fillClrLst meth="repeat">
+      <a:schemeClr val="accent1">
+        <a:alpha val="50000"/>
+      </a:schemeClr>
+    </dgm:fillClrLst>
+    <dgm:linClrLst meth="repeat">
+      <a:schemeClr val="lt1"/>
+    </dgm:linClrLst>
+    <dgm:effectClrLst/>
+    <dgm:txLinClrLst/>
+    <dgm:txFillClrLst/>
+    <dgm:txEffectClrLst/>
+  </dgm:styleLbl>
+  <dgm:styleLbl name="node2">
+    <dgm:fillClrLst meth="repeat">
+      <a:schemeClr val="accent1"/>
+    </dgm:fillClrLst>
+    <dgm:linClrLst meth="repeat">
+      <a:schemeClr val="lt1"/>
+    </dgm:linClrLst>
+    <dgm:effectClrLst/>
+    <dgm:txLinClrLst/>
+    <dgm:txFillClrLst/>
+    <dgm:txEffectClrLst/>
+  </dgm:styleLbl>
+  <dgm:styleLbl name="node3">
+    <dgm:fillClrLst meth="repeat">
+      <a:schemeClr val="accent1"/>
+    </dgm:fillClrLst>
+    <dgm:linClrLst meth="repeat">
+      <a:schemeClr val="lt1"/>
+    </dgm:linClrLst>
+    <dgm:effectClrLst/>
+    <dgm:txLinClrLst/>
+    <dgm:txFillClrLst/>
+    <dgm:txEffectClrLst/>
+  </dgm:styleLbl>
+  <dgm:styleLbl name="node4">
+    <dgm:fillClrLst meth="repeat">
+      <a:schemeClr val="accent1"/>
+    </dgm:fillClrLst>
+    <dgm:linClrLst meth="repeat">
+      <a:schemeClr val="lt1"/>
+    </dgm:linClrLst>
+    <dgm:effectClrLst/>
+    <dgm:txLinClrLst/>
+    <dgm:txFillClrLst/>
+    <dgm:txEffectClrLst/>
+  </dgm:styleLbl>
+  <dgm:styleLbl name="fgImgPlace1">
+    <dgm:fillClrLst meth="repeat">
+      <a:schemeClr val="accent1">
+        <a:tint val="50000"/>
+      </a:schemeClr>
+    </dgm:fillClrLst>
+    <dgm:linClrLst meth="repeat">
+      <a:schemeClr val="lt1"/>
+    </dgm:linClrLst>
+    <dgm:effectClrLst/>
+    <dgm:txLinClrLst/>
+    <dgm:txFillClrLst meth="repeat">
+      <a:schemeClr val="lt1"/>
+    </dgm:txFillClrLst>
+    <dgm:txEffectClrLst/>
+  </dgm:styleLbl>
+  <dgm:styleLbl name="alignImgPlace1">
+    <dgm:fillClrLst meth="repeat">
+      <a:schemeClr val="accent1">
+        <a:tint val="50000"/>
+      </a:schemeClr>
+    </dgm:fillClrLst>
+    <dgm:linClrLst meth="repeat">
+      <a:schemeClr val="lt1"/>
+    </dgm:linClrLst>
+    <dgm:effectClrLst/>
+    <dgm:txLinClrLst/>
+    <dgm:txFillClrLst meth="repeat">
+      <a:schemeClr val="lt1"/>
+    </dgm:txFillClrLst>
+    <dgm:txEffectClrLst/>
+  </dgm:styleLbl>
+  <dgm:styleLbl name="bgImgPlace1">
+    <dgm:fillClrLst meth="repeat">
+      <a:schemeClr val="accent1">
+        <a:tint val="50000"/>
+      </a:schemeClr>
+    </dgm:fillClrLst>
+    <dgm:linClrLst meth="repeat">
+      <a:schemeClr val="lt1"/>
+    </dgm:linClrLst>
+    <dgm:effectClrLst/>
+    <dgm:txLinClrLst/>
+    <dgm:txFillClrLst meth="repeat">
+      <a:schemeClr val="lt1"/>
+    </dgm:txFillClrLst>
+    <dgm:txEffectClrLst/>
+  </dgm:styleLbl>
+  <dgm:styleLbl name="sibTrans2D1">
+    <dgm:fillClrLst meth="repeat">
+      <a:schemeClr val="accent1">
+        <a:tint val="60000"/>
+      </a:schemeClr>
+    </dgm:fillClrLst>
+    <dgm:linClrLst meth="repeat">
+      <a:schemeClr val="accent1">
+        <a:tint val="60000"/>
+      </a:schemeClr>
+    </dgm:linClrLst>
+    <dgm:effectClrLst/>
+    <dgm:txLinClrLst/>
+    <dgm:txFillClrLst/>
+    <dgm:txEffectClrLst/>
+  </dgm:styleLbl>
+  <dgm:styleLbl name="fgSibTrans2D1">
+    <dgm:fillClrLst meth="repeat">
+      <a:schemeClr val="accent1">
+        <a:tint val="60000"/>
+      </a:schemeClr>
+    </dgm:fillClrLst>
+    <dgm:linClrLst meth="repeat">
+      <a:schemeClr val="accent1">
+        <a:tint val="60000"/>
+      </a:schemeClr>
+    </dgm:linClrLst>
+    <dgm:effectClrLst/>
+    <dgm:txLinClrLst/>
+    <dgm:txFillClrLst/>
+    <dgm:txEffectClrLst/>
+  </dgm:styleLbl>
+  <dgm:styleLbl name="bgSibTrans2D1">
+    <dgm:fillClrLst meth="repeat">
+      <a:schemeClr val="accent1">
+        <a:tint val="60000"/>
+      </a:schemeClr>
+    </dgm:fillClrLst>
+    <dgm:linClrLst meth="repeat">
+      <a:schemeClr val="accent1">
+        <a:tint val="60000"/>
+      </a:schemeClr>
+    </dgm:linClrLst>
+    <dgm:effectClrLst/>
+    <dgm:txLinClrLst/>
+    <dgm:txFillClrLst/>
+    <dgm:txEffectClrLst/>
+  </dgm:styleLbl>
+  <dgm:styleLbl name="sibTrans1D1">
+    <dgm:fillClrLst meth="repeat">
+      <a:schemeClr val="accent1"/>
+    </dgm:fillClrLst>
+    <dgm:linClrLst meth="repeat">
+      <a:schemeClr val="accent1"/>
+    </dgm:linClrLst>
+    <dgm:effectClrLst/>
+    <dgm:txLinClrLst/>
+    <dgm:txFillClrLst meth="repeat">
+      <a:schemeClr val="tx1"/>
+    </dgm:txFillClrLst>
+    <dgm:txEffectClrLst/>
+  </dgm:styleLbl>
+  <dgm:styleLbl name="callout">
+    <dgm:fillClrLst meth="repeat">
+      <a:schemeClr val="accent1"/>
+    </dgm:fillClrLst>
+    <dgm:linClrLst meth="repeat">
+      <a:schemeClr val="accent1">
+        <a:tint val="50000"/>
+      </a:schemeClr>
+    </dgm:linClrLst>
+    <dgm:effectClrLst/>
+    <dgm:txLinClrLst/>
+    <dgm:txFillClrLst meth="repeat">
+      <a:schemeClr val="tx1"/>
+    </dgm:txFillClrLst>
+    <dgm:txEffectClrLst/>
+  </dgm:styleLbl>
+  <dgm:styleLbl name="asst0">
+    <dgm:fillClrLst meth="repeat">
+      <a:schemeClr val="accent1"/>
+    </dgm:fillClrLst>
+    <dgm:linClrLst meth="repeat">
+      <a:schemeClr val="lt1"/>
+    </dgm:linClrLst>
+    <dgm:effectClrLst/>
+    <dgm:txLinClrLst/>
+    <dgm:txFillClrLst/>
+    <dgm:txEffectClrLst/>
+  </dgm:styleLbl>
+  <dgm:styleLbl name="asst1">
+    <dgm:fillClrLst meth="repeat">
+      <a:schemeClr val="accent1"/>
+    </dgm:fillClrLst>
+    <dgm:linClrLst meth="repeat">
+      <a:schemeClr val="lt1"/>
+    </dgm:linClrLst>
+    <dgm:effectClrLst/>
+    <dgm:txLinClrLst/>
+    <dgm:txFillClrLst/>
+    <dgm:txEffectClrLst/>
+  </dgm:styleLbl>
+  <dgm:styleLbl name="asst2">
+    <dgm:fillClrLst meth="repeat">
+      <a:schemeClr val="accent1"/>
+    </dgm:fillClrLst>
+    <dgm:linClrLst meth="repeat">
+      <a:schemeClr val="lt1"/>
+    </dgm:linClrLst>
+    <dgm:effectClrLst/>
+    <dgm:txLinClrLst/>
+    <dgm:txFillClrLst/>
+    <dgm:txEffectClrLst/>
+  </dgm:styleLbl>
+  <dgm:styleLbl name="asst3">
+    <dgm:fillClrLst meth="repeat">
+      <a:schemeClr val="accent1"/>
+    </dgm:fillClrLst>
+    <dgm:linClrLst meth="repeat">
+      <a:schemeClr val="lt1"/>
+    </dgm:linClrLst>
+    <dgm:effectClrLst/>
+    <dgm:txLinClrLst/>
+    <dgm:txFillClrLst/>
+    <dgm:txEffectClrLst/>
+  </dgm:styleLbl>
+  <dgm:styleLbl name="asst4">
+    <dgm:fillClrLst meth="repeat">
+      <a:schemeClr val="accent1"/>
+    </dgm:fillClrLst>
+    <dgm:linClrLst meth="repeat">
+      <a:schemeClr val="lt1"/>
+    </dgm:linClrLst>
+    <dgm:effectClrLst/>
+    <dgm:txLinClrLst/>
+    <dgm:txFillClrLst/>
+    <dgm:txEffectClrLst/>
+  </dgm:styleLbl>
+  <dgm:styleLbl name="parChTrans2D1">
+    <dgm:fillClrLst meth="repeat">
+      <a:schemeClr val="accent1">
+        <a:tint val="60000"/>
+      </a:schemeClr>
+    </dgm:fillClrLst>
+    <dgm:linClrLst meth="repeat">
+      <a:schemeClr val="accent1">
+        <a:tint val="60000"/>
+      </a:schemeClr>
+    </dgm:linClrLst>
+    <dgm:effectClrLst/>
+    <dgm:txLinClrLst/>
+    <dgm:txFillClrLst meth="repeat">
+      <a:schemeClr val="lt1"/>
+    </dgm:txFillClrLst>
+    <dgm:txEffectClrLst/>
+  </dgm:styleLbl>
+  <dgm:styleLbl name="parChTrans2D2">
+    <dgm:fillClrLst meth="repeat">
+      <a:schemeClr val="accent1"/>
+    </dgm:fillClrLst>
+    <dgm:linClrLst meth="repeat">
+      <a:schemeClr val="accent1"/>
+    </dgm:linClrLst>
+    <dgm:effectClrLst/>
+    <dgm:txLinClrLst/>
+    <dgm:txFillClrLst meth="repeat">
+      <a:schemeClr val="lt1"/>
+    </dgm:txFillClrLst>
+    <dgm:txEffectClrLst/>
+  </dgm:styleLbl>
+  <dgm:styleLbl name="parChTrans2D3">
+    <dgm:fillClrLst meth="repeat">
+      <a:schemeClr val="accent1"/>
+    </dgm:fillClrLst>
+    <dgm:linClrLst meth="repeat">
+      <a:schemeClr val="accent1"/>
+    </dgm:linClrLst>
+    <dgm:effectClrLst/>
+    <dgm:txLinClrLst/>
+    <dgm:txFillClrLst meth="repeat">
+      <a:schemeClr val="lt1"/>
+    </dgm:txFillClrLst>
+    <dgm:txEffectClrLst/>
+  </dgm:styleLbl>
+  <dgm:styleLbl name="parChTrans2D4">
+    <dgm:fillClrLst meth="repeat">
+      <a:schemeClr val="accent1"/>
+    </dgm:fillClrLst>
+    <dgm:linClrLst meth="repeat">
+      <a:schemeClr val="accent1"/>
+    </dgm:linClrLst>
+    <dgm:effectClrLst/>
+    <dgm:txLinClrLst/>
+    <dgm:txFillClrLst meth="repeat">
+      <a:schemeClr val="lt1"/>
+    </dgm:txFillClrLst>
+    <dgm:txEffectClrLst/>
+  </dgm:styleLbl>
+  <dgm:styleLbl name="parChTrans1D1">
+    <dgm:fillClrLst meth="repeat">
+      <a:schemeClr val="accent1"/>
+    </dgm:fillClrLst>
+    <dgm:linClrLst meth="repeat">
+      <a:schemeClr val="accent1">
+        <a:shade val="60000"/>
+      </a:schemeClr>
+    </dgm:linClrLst>
+    <dgm:effectClrLst/>
+    <dgm:txLinClrLst/>
+    <dgm:txFillClrLst meth="repeat">
+      <a:schemeClr val="tx1"/>
+    </dgm:txFillClrLst>
+    <dgm:txEffectClrLst/>
+  </dgm:styleLbl>
+  <dgm:styleLbl name="parChTrans1D2">
+    <dgm:fillClrLst meth="repeat">
+      <a:schemeClr val="accent1"/>
+    </dgm:fillClrLst>
+    <dgm:linClrLst meth="repeat">
+      <a:schemeClr val="accent1">
+        <a:shade val="60000"/>
+      </a:schemeClr>
+    </dgm:linClrLst>
+    <dgm:effectClrLst/>
+    <dgm:txLinClrLst/>
+    <dgm:txFillClrLst meth="repeat">
+      <a:schemeClr val="tx1"/>
+    </dgm:txFillClrLst>
+    <dgm:txEffectClrLst/>
+  </dgm:styleLbl>
+  <dgm:styleLbl name="parChTrans1D3">
+    <dgm:fillClrLst meth="repeat">
+      <a:schemeClr val="accent1"/>
+    </dgm:fillClrLst>
+    <dgm:linClrLst meth="repeat">
+      <a:schemeClr val="accent1">
+        <a:shade val="80000"/>
+      </a:schemeClr>
+    </dgm:linClrLst>
+    <dgm:effectClrLst/>
+    <dgm:txLinClrLst/>
+    <dgm:txFillClrLst meth="repeat">
+      <a:schemeClr val="tx1"/>
+    </dgm:txFillClrLst>
+    <dgm:txEffectClrLst/>
+  </dgm:styleLbl>
+  <dgm:styleLbl name="parChTrans1D4">
+    <dgm:fillClrLst meth="repeat">
+      <a:schemeClr val="accent1"/>
+    </dgm:fillClrLst>
+    <dgm:linClrLst meth="repeat">
+      <a:schemeClr val="accent1">
+        <a:shade val="80000"/>
+      </a:schemeClr>
+    </dgm:linClrLst>
+    <dgm:effectClrLst/>
+    <dgm:txLinClrLst/>
+    <dgm:txFillClrLst meth="repeat">
+      <a:schemeClr val="tx1"/>
+    </dgm:txFillClrLst>
+    <dgm:txEffectClrLst/>
+  </dgm:styleLbl>
+  <dgm:styleLbl name="fgAcc1">
+    <dgm:fillClrLst meth="repeat">
+      <a:schemeClr val="lt1">
+        <a:alpha val="90000"/>
+      </a:schemeClr>
+    </dgm:fillClrLst>
+    <dgm:linClrLst meth="repeat">
+      <a:schemeClr val="accent1"/>
+    </dgm:linClrLst>
+    <dgm:effectClrLst/>
+    <dgm:txLinClrLst/>
+    <dgm:txFillClrLst meth="repeat">
+      <a:schemeClr val="dk1"/>
+    </dgm:txFillClrLst>
+    <dgm:txEffectClrLst/>
+  </dgm:styleLbl>
+  <dgm:styleLbl name="conFgAcc1">
+    <dgm:fillClrLst meth="repeat">
+      <a:schemeClr val="lt1">
+        <a:alpha val="90000"/>
+      </a:schemeClr>
+    </dgm:fillClrLst>
+    <dgm:linClrLst meth="repeat">
+      <a:schemeClr val="accent1"/>
+    </dgm:linClrLst>
+    <dgm:effectClrLst/>
+    <dgm:txLinClrLst/>
+    <dgm:txFillClrLst meth="repeat">
+      <a:schemeClr val="dk1"/>
+    </dgm:txFillClrLst>
+    <dgm:txEffectClrLst/>
+  </dgm:styleLbl>
+  <dgm:styleLbl name="alignAcc1">
+    <dgm:fillClrLst meth="repeat">
+      <a:schemeClr val="lt1">
+        <a:alpha val="90000"/>
+      </a:schemeClr>
+    </dgm:fillClrLst>
+    <dgm:linClrLst meth="repeat">
+      <a:schemeClr val="accent1"/>
+    </dgm:linClrLst>
+    <dgm:effectClrLst/>
+    <dgm:txLinClrLst/>
+    <dgm:txFillClrLst meth="repeat">
+      <a:schemeClr val="dk1"/>
+    </dgm:txFillClrLst>
+    <dgm:txEffectClrLst/>
+  </dgm:styleLbl>
+  <dgm:styleLbl name="trAlignAcc1">
+    <dgm:fillClrLst meth="repeat">
+      <a:schemeClr val="lt1">
+        <a:alpha val="40000"/>
+      </a:schemeClr>
+    </dgm:fillClrLst>
+    <dgm:linClrLst meth="repeat">
+      <a:schemeClr val="accent1"/>
+    </dgm:linClrLst>
+    <dgm:effectClrLst/>
+    <dgm:txLinClrLst/>
+    <dgm:txFillClrLst meth="repeat">
+      <a:schemeClr val="dk1"/>
+    </dgm:txFillClrLst>
+    <dgm:txEffectClrLst/>
+  </dgm:styleLbl>
+  <dgm:styleLbl name="bgAcc1">
+    <dgm:fillClrLst meth="repeat">
+      <a:schemeClr val="lt1">
+        <a:alpha val="90000"/>
+      </a:schemeClr>
+    </dgm:fillClrLst>
+    <dgm:linClrLst meth="repeat">
+      <a:schemeClr val="accent1"/>
+    </dgm:linClrLst>
+    <dgm:effectClrLst/>
+    <dgm:txLinClrLst/>
+    <dgm:txFillClrLst meth="repeat">
+      <a:schemeClr val="dk1"/>
+    </dgm:txFillClrLst>
+    <dgm:txEffectClrLst/>
+  </dgm:styleLbl>
+  <dgm:styleLbl name="solidFgAcc1">
+    <dgm:fillClrLst meth="repeat">
+      <a:schemeClr val="lt1"/>
+    </dgm:fillClrLst>
+    <dgm:linClrLst meth="repeat">
+      <a:schemeClr val="accent1"/>
+    </dgm:linClrLst>
+    <dgm:effectClrLst/>
+    <dgm:txLinClrLst/>
+    <dgm:txFillClrLst meth="repeat">
+      <a:schemeClr val="dk1"/>
+    </dgm:txFillClrLst>
+    <dgm:txEffectClrLst/>
+  </dgm:styleLbl>
+  <dgm:styleLbl name="solidAlignAcc1">
+    <dgm:fillClrLst meth="repeat">
+      <a:schemeClr val="lt1"/>
+    </dgm:fillClrLst>
+    <dgm:linClrLst meth="repeat">
+      <a:schemeClr val="accent1"/>
+    </dgm:linClrLst>
+    <dgm:effectClrLst/>
+    <dgm:txLinClrLst/>
+    <dgm:txFillClrLst meth="repeat">
+      <a:schemeClr val="dk1"/>
+    </dgm:txFillClrLst>
+    <dgm:txEffectClrLst/>
+  </dgm:styleLbl>
+  <dgm:styleLbl name="solidBgAcc1">
+    <dgm:fillClrLst meth="repeat">
+      <a:schemeClr val="lt1"/>
+    </dgm:fillClrLst>
+    <dgm:linClrLst meth="repeat">
+      <a:schemeClr val="accent1"/>
+    </dgm:linClrLst>
+    <dgm:effectClrLst/>
+    <dgm:txLinClrLst/>
+    <dgm:txFillClrLst meth="repeat">
+      <a:schemeClr val="dk1"/>
+    </dgm:txFillClrLst>
+    <dgm:txEffectClrLst/>
+  </dgm:styleLbl>
+  <dgm:styleLbl name="fgAccFollowNode1">
+    <dgm:fillClrLst meth="repeat">
+      <a:schemeClr val="accent1">
+        <a:alpha val="90000"/>
+        <a:tint val="40000"/>
+      </a:schemeClr>
+    </dgm:fillClrLst>
+    <dgm:linClrLst meth="repeat">
+      <a:schemeClr val="accent1">
+        <a:alpha val="90000"/>
+        <a:tint val="40000"/>
+      </a:schemeClr>
+    </dgm:linClrLst>
+    <dgm:effectClrLst/>
+    <dgm:txLinClrLst/>
+    <dgm:txFillClrLst meth="repeat">
+      <a:schemeClr val="dk1"/>
+    </dgm:txFillClrLst>
+    <dgm:txEffectClrLst/>
+  </dgm:styleLbl>
+  <dgm:styleLbl name="alignAccFollowNode1">
+    <dgm:fillClrLst meth="repeat">
+      <a:schemeClr val="accent1">
+        <a:alpha val="90000"/>
+        <a:tint val="40000"/>
+      </a:schemeClr>
+    </dgm:fillClrLst>
+    <dgm:linClrLst meth="repeat">
+      <a:schemeClr val="accent1">
+        <a:alpha val="90000"/>
+        <a:tint val="40000"/>
+      </a:schemeClr>
+    </dgm:linClrLst>
+    <dgm:effectClrLst/>
+    <dgm:txLinClrLst/>
+    <dgm:txFillClrLst meth="repeat">
+      <a:schemeClr val="dk1"/>
+    </dgm:txFillClrLst>
+    <dgm:txEffectClrLst/>
+  </dgm:styleLbl>
+  <dgm:styleLbl name="bgAccFollowNode1">
+    <dgm:fillClrLst meth="repeat">
+      <a:schemeClr val="accent1">
+        <a:alpha val="90000"/>
+        <a:tint val="40000"/>
+      </a:schemeClr>
+    </dgm:fillClrLst>
+    <dgm:linClrLst meth="repeat">
+      <a:schemeClr val="accent1">
+        <a:alpha val="90000"/>
+        <a:tint val="40000"/>
+      </a:schemeClr>
+    </dgm:linClrLst>
+    <dgm:effectClrLst/>
+    <dgm:txLinClrLst/>
+    <dgm:txFillClrLst meth="repeat">
+      <a:schemeClr val="dk1"/>
+    </dgm:txFillClrLst>
+    <dgm:txEffectClrLst/>
+  </dgm:styleLbl>
+  <dgm:styleLbl name="fgAcc0">
+    <dgm:fillClrLst meth="repeat">
+      <a:schemeClr val="lt1">
+        <a:alpha val="90000"/>
+      </a:schemeClr>
+    </dgm:fillClrLst>
+    <dgm:linClrLst meth="repeat">
+      <a:schemeClr val="accent1"/>
+    </dgm:linClrLst>
+    <dgm:effectClrLst/>
+    <dgm:txLinClrLst/>
+    <dgm:txFillClrLst meth="repeat">
+      <a:schemeClr val="dk1"/>
+    </dgm:txFillClrLst>
+    <dgm:txEffectClrLst/>
+  </dgm:styleLbl>
+  <dgm:styleLbl name="fgAcc2">
+    <dgm:fillClrLst meth="repeat">
+      <a:schemeClr val="lt1">
+        <a:alpha val="90000"/>
+      </a:schemeClr>
+    </dgm:fillClrLst>
+    <dgm:linClrLst meth="repeat">
+      <a:schemeClr val="accent1"/>
+    </dgm:linClrLst>
+    <dgm:effectClrLst/>
+    <dgm:txLinClrLst/>
+    <dgm:txFillClrLst meth="repeat">
+      <a:schemeClr val="dk1"/>
+    </dgm:txFillClrLst>
+    <dgm:txEffectClrLst/>
+  </dgm:styleLbl>
+  <dgm:styleLbl name="fgAcc3">
+    <dgm:fillClrLst meth="repeat">
+      <a:schemeClr val="lt1">
+        <a:alpha val="90000"/>
+      </a:schemeClr>
+    </dgm:fillClrLst>
+    <dgm:linClrLst meth="repeat">
+      <a:schemeClr val="accent1"/>
+    </dgm:linClrLst>
+    <dgm:effectClrLst/>
+    <dgm:txLinClrLst/>
+    <dgm:txFillClrLst meth="repeat">
+      <a:schemeClr val="dk1"/>
+    </dgm:txFillClrLst>
+    <dgm:txEffectClrLst/>
+  </dgm:styleLbl>
+  <dgm:styleLbl name="fgAcc4">
+    <dgm:fillClrLst meth="repeat">
+      <a:schemeClr val="lt1">
+        <a:alpha val="90000"/>
+      </a:schemeClr>
+    </dgm:fillClrLst>
+    <dgm:linClrLst meth="repeat">
+      <a:schemeClr val="accent1"/>
+    </dgm:linClrLst>
+    <dgm:effectClrLst/>
+    <dgm:txLinClrLst/>
+    <dgm:txFillClrLst meth="repeat">
+      <a:schemeClr val="dk1"/>
+    </dgm:txFillClrLst>
+    <dgm:txEffectClrLst/>
+  </dgm:styleLbl>
+  <dgm:styleLbl name="bgShp">
+    <dgm:fillClrLst meth="repeat">
+      <a:schemeClr val="accent1">
+        <a:tint val="40000"/>
+      </a:schemeClr>
+    </dgm:fillClrLst>
+    <dgm:linClrLst meth="repeat">
+      <a:schemeClr val="accent1"/>
+    </dgm:linClrLst>
+    <dgm:effectClrLst/>
+    <dgm:txLinClrLst/>
+    <dgm:txFillClrLst meth="repeat">
+      <a:schemeClr val="dk1"/>
+    </dgm:txFillClrLst>
+    <dgm:txEffectClrLst/>
+  </dgm:styleLbl>
+  <dgm:styleLbl name="dkBgShp">
+    <dgm:fillClrLst meth="repeat">
+      <a:schemeClr val="accent1">
+        <a:shade val="80000"/>
+      </a:schemeClr>
+    </dgm:fillClrLst>
+    <dgm:linClrLst meth="repeat">
+      <a:schemeClr val="accent1"/>
+    </dgm:linClrLst>
+    <dgm:effectClrLst/>
+    <dgm:txLinClrLst/>
+    <dgm:txFillClrLst meth="repeat">
+      <a:schemeClr val="lt1"/>
+    </dgm:txFillClrLst>
+    <dgm:txEffectClrLst/>
+  </dgm:styleLbl>
+  <dgm:styleLbl name="trBgShp">
+    <dgm:fillClrLst meth="repeat">
+      <a:schemeClr val="accent1">
+        <a:tint val="50000"/>
+        <a:alpha val="40000"/>
+      </a:schemeClr>
+    </dgm:fillClrLst>
+    <dgm:linClrLst meth="repeat">
+      <a:schemeClr val="accent1"/>
+    </dgm:linClrLst>
+    <dgm:effectClrLst/>
+    <dgm:txLinClrLst/>
+    <dgm:txFillClrLst meth="repeat">
+      <a:schemeClr val="lt1"/>
+    </dgm:txFillClrLst>
+    <dgm:txEffectClrLst/>
+  </dgm:styleLbl>
+  <dgm:styleLbl name="fgShp">
+    <dgm:fillClrLst meth="repeat">
+      <a:schemeClr val="accent1">
+        <a:tint val="60000"/>
+      </a:schemeClr>
+    </dgm:fillClrLst>
+    <dgm:linClrLst meth="repeat">
+      <a:schemeClr val="lt1"/>
+    </dgm:linClrLst>
+    <dgm:effectClrLst/>
+    <dgm:txLinClrLst/>
+    <dgm:txFillClrLst meth="repeat">
+      <a:schemeClr val="dk1"/>
+    </dgm:txFillClrLst>
+    <dgm:txEffectClrLst/>
+  </dgm:styleLbl>
+  <dgm:styleLbl name="revTx">
+    <dgm:fillClrLst meth="repeat">
+      <a:schemeClr val="lt1">
+        <a:alpha val="0"/>
+      </a:schemeClr>
+    </dgm:fillClrLst>
+    <dgm:linClrLst meth="repeat">
+      <a:schemeClr val="dk1">
+        <a:alpha val="0"/>
+      </a:schemeClr>
+    </dgm:linClrLst>
+    <dgm:effectClrLst/>
+    <dgm:txLinClrLst/>
+    <dgm:txFillClrLst meth="repeat">
+      <a:schemeClr val="tx1"/>
+    </dgm:txFillClrLst>
+    <dgm:txEffectClrLst/>
+  </dgm:styleLbl>
+</dgm:colorsDef>
+</file>
+
+<file path=ppt/diagrams/data1.xml><?xml version="1.0" encoding="utf-8"?>
+<dgm:dataModel xmlns:dgm="http://schemas.openxmlformats.org/drawingml/2006/diagram" xmlns:a="http://schemas.openxmlformats.org/drawingml/2006/main">
+  <dgm:ptLst>
+    <dgm:pt modelId="{05CF76B7-3E1D-4A7B-9965-8B05BCF25B63}" type="doc">
+      <dgm:prSet loTypeId="urn:microsoft.com/office/officeart/2005/8/layout/process1" loCatId="process" qsTypeId="urn:microsoft.com/office/officeart/2005/8/quickstyle/simple1" qsCatId="simple" csTypeId="urn:microsoft.com/office/officeart/2005/8/colors/accent1_2" csCatId="accent1" phldr="0"/>
+      <dgm:spPr/>
+    </dgm:pt>
+    <dgm:pt modelId="{5C527DA2-BA91-4D72-8FC4-F56D4F318E1A}">
+      <dgm:prSet phldrT="[Text]" phldr="1"/>
+      <dgm:spPr/>
+      <dgm:t>
+        <a:bodyPr/>
+        <a:lstStyle/>
+        <a:p>
+          <a:endParaRPr lang="de-DE" dirty="0"/>
+        </a:p>
+      </dgm:t>
+    </dgm:pt>
+    <dgm:pt modelId="{9552E2FC-434F-4A67-8814-EEAECA2975BF}" type="parTrans" cxnId="{6F4EF5C9-4E64-4264-821F-E0D95113F934}">
+      <dgm:prSet/>
+      <dgm:spPr/>
+      <dgm:t>
+        <a:bodyPr/>
+        <a:lstStyle/>
+        <a:p>
+          <a:endParaRPr lang="de-DE"/>
+        </a:p>
+      </dgm:t>
+    </dgm:pt>
+    <dgm:pt modelId="{BDCDCD9C-9F78-4F05-82BF-6D5EACC174C6}" type="sibTrans" cxnId="{6F4EF5C9-4E64-4264-821F-E0D95113F934}">
+      <dgm:prSet/>
+      <dgm:spPr/>
+      <dgm:t>
+        <a:bodyPr/>
+        <a:lstStyle/>
+        <a:p>
+          <a:endParaRPr lang="de-DE"/>
+        </a:p>
+      </dgm:t>
+    </dgm:pt>
+    <dgm:pt modelId="{EFB30B57-6156-4194-AF26-9790F84F91FF}">
+      <dgm:prSet phldrT="[Text]" phldr="1"/>
+      <dgm:spPr/>
+      <dgm:t>
+        <a:bodyPr/>
+        <a:lstStyle/>
+        <a:p>
+          <a:endParaRPr lang="de-DE"/>
+        </a:p>
+      </dgm:t>
+    </dgm:pt>
+    <dgm:pt modelId="{D9695F21-E321-42D6-9053-6BF68EADB05F}" type="parTrans" cxnId="{D78B7E61-D1C5-47A8-89BF-E828FB19E9EA}">
+      <dgm:prSet/>
+      <dgm:spPr/>
+      <dgm:t>
+        <a:bodyPr/>
+        <a:lstStyle/>
+        <a:p>
+          <a:endParaRPr lang="de-DE"/>
+        </a:p>
+      </dgm:t>
+    </dgm:pt>
+    <dgm:pt modelId="{0EC57F35-FAA8-44C2-8E59-8E366B32D31B}" type="sibTrans" cxnId="{D78B7E61-D1C5-47A8-89BF-E828FB19E9EA}">
+      <dgm:prSet/>
+      <dgm:spPr/>
+      <dgm:t>
+        <a:bodyPr/>
+        <a:lstStyle/>
+        <a:p>
+          <a:endParaRPr lang="de-DE"/>
+        </a:p>
+      </dgm:t>
+    </dgm:pt>
+    <dgm:pt modelId="{9FE76915-9522-4DB4-B043-62478D62F10B}">
+      <dgm:prSet phldrT="[Text]" phldr="1"/>
+      <dgm:spPr/>
+      <dgm:t>
+        <a:bodyPr/>
+        <a:lstStyle/>
+        <a:p>
+          <a:endParaRPr lang="de-DE"/>
+        </a:p>
+      </dgm:t>
+    </dgm:pt>
+    <dgm:pt modelId="{4FA78F31-0171-491D-B6A2-F1885C4301B1}" type="parTrans" cxnId="{6B7F1FC3-E569-424D-BB61-CE9203BB2F80}">
+      <dgm:prSet/>
+      <dgm:spPr/>
+      <dgm:t>
+        <a:bodyPr/>
+        <a:lstStyle/>
+        <a:p>
+          <a:endParaRPr lang="de-DE"/>
+        </a:p>
+      </dgm:t>
+    </dgm:pt>
+    <dgm:pt modelId="{D3AB913D-CFBC-4A40-AA3F-8A0F94D3E535}" type="sibTrans" cxnId="{6B7F1FC3-E569-424D-BB61-CE9203BB2F80}">
+      <dgm:prSet/>
+      <dgm:spPr/>
+      <dgm:t>
+        <a:bodyPr/>
+        <a:lstStyle/>
+        <a:p>
+          <a:endParaRPr lang="de-DE"/>
+        </a:p>
+      </dgm:t>
+    </dgm:pt>
+    <dgm:pt modelId="{2BEFF1C1-BDBF-48AB-A9B0-943AF3CE23D5}" type="pres">
+      <dgm:prSet presAssocID="{05CF76B7-3E1D-4A7B-9965-8B05BCF25B63}" presName="Name0" presStyleCnt="0">
+        <dgm:presLayoutVars>
+          <dgm:dir/>
+          <dgm:resizeHandles val="exact"/>
+        </dgm:presLayoutVars>
+      </dgm:prSet>
+      <dgm:spPr/>
+    </dgm:pt>
+    <dgm:pt modelId="{EEC2449F-F896-4A4B-BEBE-D6062D501945}" type="pres">
+      <dgm:prSet presAssocID="{5C527DA2-BA91-4D72-8FC4-F56D4F318E1A}" presName="node" presStyleLbl="node1" presStyleIdx="0" presStyleCnt="3">
+        <dgm:presLayoutVars>
+          <dgm:bulletEnabled val="1"/>
+        </dgm:presLayoutVars>
+      </dgm:prSet>
+      <dgm:spPr/>
+    </dgm:pt>
+    <dgm:pt modelId="{E135A227-F98D-4FB8-8DDF-9C412AD5B38C}" type="pres">
+      <dgm:prSet presAssocID="{BDCDCD9C-9F78-4F05-82BF-6D5EACC174C6}" presName="sibTrans" presStyleLbl="sibTrans2D1" presStyleIdx="0" presStyleCnt="2"/>
+      <dgm:spPr/>
+    </dgm:pt>
+    <dgm:pt modelId="{057B0EBD-EB21-4907-B925-26E21FB5D26A}" type="pres">
+      <dgm:prSet presAssocID="{BDCDCD9C-9F78-4F05-82BF-6D5EACC174C6}" presName="connectorText" presStyleLbl="sibTrans2D1" presStyleIdx="0" presStyleCnt="2"/>
+      <dgm:spPr/>
+    </dgm:pt>
+    <dgm:pt modelId="{9D5D1FFC-7477-41E0-95BC-B91FB1B36266}" type="pres">
+      <dgm:prSet presAssocID="{EFB30B57-6156-4194-AF26-9790F84F91FF}" presName="node" presStyleLbl="node1" presStyleIdx="1" presStyleCnt="3">
+        <dgm:presLayoutVars>
+          <dgm:bulletEnabled val="1"/>
+        </dgm:presLayoutVars>
+      </dgm:prSet>
+      <dgm:spPr/>
+    </dgm:pt>
+    <dgm:pt modelId="{929928EB-5B18-46BF-8322-1840C487F3FD}" type="pres">
+      <dgm:prSet presAssocID="{0EC57F35-FAA8-44C2-8E59-8E366B32D31B}" presName="sibTrans" presStyleLbl="sibTrans2D1" presStyleIdx="1" presStyleCnt="2"/>
+      <dgm:spPr/>
+    </dgm:pt>
+    <dgm:pt modelId="{4128C369-CBEA-433E-9CBD-997DAA86336B}" type="pres">
+      <dgm:prSet presAssocID="{0EC57F35-FAA8-44C2-8E59-8E366B32D31B}" presName="connectorText" presStyleLbl="sibTrans2D1" presStyleIdx="1" presStyleCnt="2"/>
+      <dgm:spPr/>
+    </dgm:pt>
+    <dgm:pt modelId="{31BA80D5-3B36-44DB-84D0-465C8827F323}" type="pres">
+      <dgm:prSet presAssocID="{9FE76915-9522-4DB4-B043-62478D62F10B}" presName="node" presStyleLbl="node1" presStyleIdx="2" presStyleCnt="3">
+        <dgm:presLayoutVars>
+          <dgm:bulletEnabled val="1"/>
+        </dgm:presLayoutVars>
+      </dgm:prSet>
+      <dgm:spPr/>
+    </dgm:pt>
+  </dgm:ptLst>
+  <dgm:cxnLst>
+    <dgm:cxn modelId="{A5077110-072A-4878-A22E-6D1B5709DC06}" type="presOf" srcId="{9FE76915-9522-4DB4-B043-62478D62F10B}" destId="{31BA80D5-3B36-44DB-84D0-465C8827F323}" srcOrd="0" destOrd="0" presId="urn:microsoft.com/office/officeart/2005/8/layout/process1"/>
+    <dgm:cxn modelId="{48D5B55C-7BB1-49F4-BB03-3F7708BE61CB}" type="presOf" srcId="{BDCDCD9C-9F78-4F05-82BF-6D5EACC174C6}" destId="{E135A227-F98D-4FB8-8DDF-9C412AD5B38C}" srcOrd="0" destOrd="0" presId="urn:microsoft.com/office/officeart/2005/8/layout/process1"/>
+    <dgm:cxn modelId="{D78B7E61-D1C5-47A8-89BF-E828FB19E9EA}" srcId="{05CF76B7-3E1D-4A7B-9965-8B05BCF25B63}" destId="{EFB30B57-6156-4194-AF26-9790F84F91FF}" srcOrd="1" destOrd="0" parTransId="{D9695F21-E321-42D6-9053-6BF68EADB05F}" sibTransId="{0EC57F35-FAA8-44C2-8E59-8E366B32D31B}"/>
+    <dgm:cxn modelId="{D7081D48-9449-42A9-B434-F615DABD943C}" type="presOf" srcId="{EFB30B57-6156-4194-AF26-9790F84F91FF}" destId="{9D5D1FFC-7477-41E0-95BC-B91FB1B36266}" srcOrd="0" destOrd="0" presId="urn:microsoft.com/office/officeart/2005/8/layout/process1"/>
+    <dgm:cxn modelId="{E3CFEC9C-FB7E-4197-B30F-BDB1B9ECF143}" type="presOf" srcId="{0EC57F35-FAA8-44C2-8E59-8E366B32D31B}" destId="{4128C369-CBEA-433E-9CBD-997DAA86336B}" srcOrd="1" destOrd="0" presId="urn:microsoft.com/office/officeart/2005/8/layout/process1"/>
+    <dgm:cxn modelId="{AB036F9E-FD51-4903-9E56-C848A7B8CC25}" type="presOf" srcId="{05CF76B7-3E1D-4A7B-9965-8B05BCF25B63}" destId="{2BEFF1C1-BDBF-48AB-A9B0-943AF3CE23D5}" srcOrd="0" destOrd="0" presId="urn:microsoft.com/office/officeart/2005/8/layout/process1"/>
+    <dgm:cxn modelId="{FE7440BC-D4C3-4132-9219-7D55A3AFA068}" type="presOf" srcId="{5C527DA2-BA91-4D72-8FC4-F56D4F318E1A}" destId="{EEC2449F-F896-4A4B-BEBE-D6062D501945}" srcOrd="0" destOrd="0" presId="urn:microsoft.com/office/officeart/2005/8/layout/process1"/>
+    <dgm:cxn modelId="{6B7F1FC3-E569-424D-BB61-CE9203BB2F80}" srcId="{05CF76B7-3E1D-4A7B-9965-8B05BCF25B63}" destId="{9FE76915-9522-4DB4-B043-62478D62F10B}" srcOrd="2" destOrd="0" parTransId="{4FA78F31-0171-491D-B6A2-F1885C4301B1}" sibTransId="{D3AB913D-CFBC-4A40-AA3F-8A0F94D3E535}"/>
+    <dgm:cxn modelId="{6F4EF5C9-4E64-4264-821F-E0D95113F934}" srcId="{05CF76B7-3E1D-4A7B-9965-8B05BCF25B63}" destId="{5C527DA2-BA91-4D72-8FC4-F56D4F318E1A}" srcOrd="0" destOrd="0" parTransId="{9552E2FC-434F-4A67-8814-EEAECA2975BF}" sibTransId="{BDCDCD9C-9F78-4F05-82BF-6D5EACC174C6}"/>
+    <dgm:cxn modelId="{39F1F4CE-97FF-4C55-BB47-59263CE4146F}" type="presOf" srcId="{BDCDCD9C-9F78-4F05-82BF-6D5EACC174C6}" destId="{057B0EBD-EB21-4907-B925-26E21FB5D26A}" srcOrd="1" destOrd="0" presId="urn:microsoft.com/office/officeart/2005/8/layout/process1"/>
+    <dgm:cxn modelId="{F8A4EAD6-2159-437C-BFC1-C4EAF3DB88E5}" type="presOf" srcId="{0EC57F35-FAA8-44C2-8E59-8E366B32D31B}" destId="{929928EB-5B18-46BF-8322-1840C487F3FD}" srcOrd="0" destOrd="0" presId="urn:microsoft.com/office/officeart/2005/8/layout/process1"/>
+    <dgm:cxn modelId="{316D6EB4-20C9-4F4D-9F39-3403FB4932A8}" type="presParOf" srcId="{2BEFF1C1-BDBF-48AB-A9B0-943AF3CE23D5}" destId="{EEC2449F-F896-4A4B-BEBE-D6062D501945}" srcOrd="0" destOrd="0" presId="urn:microsoft.com/office/officeart/2005/8/layout/process1"/>
+    <dgm:cxn modelId="{31EA9B0C-A082-4C7B-B33E-58550D1C063E}" type="presParOf" srcId="{2BEFF1C1-BDBF-48AB-A9B0-943AF3CE23D5}" destId="{E135A227-F98D-4FB8-8DDF-9C412AD5B38C}" srcOrd="1" destOrd="0" presId="urn:microsoft.com/office/officeart/2005/8/layout/process1"/>
+    <dgm:cxn modelId="{2EDB23CD-2CDC-4713-ADFF-68AD24031A36}" type="presParOf" srcId="{E135A227-F98D-4FB8-8DDF-9C412AD5B38C}" destId="{057B0EBD-EB21-4907-B925-26E21FB5D26A}" srcOrd="0" destOrd="0" presId="urn:microsoft.com/office/officeart/2005/8/layout/process1"/>
+    <dgm:cxn modelId="{4D23CE33-878F-416C-B19C-9C0384D4857D}" type="presParOf" srcId="{2BEFF1C1-BDBF-48AB-A9B0-943AF3CE23D5}" destId="{9D5D1FFC-7477-41E0-95BC-B91FB1B36266}" srcOrd="2" destOrd="0" presId="urn:microsoft.com/office/officeart/2005/8/layout/process1"/>
+    <dgm:cxn modelId="{69E8DC7D-D7CC-4465-83A7-0B749E9ACC5A}" type="presParOf" srcId="{2BEFF1C1-BDBF-48AB-A9B0-943AF3CE23D5}" destId="{929928EB-5B18-46BF-8322-1840C487F3FD}" srcOrd="3" destOrd="0" presId="urn:microsoft.com/office/officeart/2005/8/layout/process1"/>
+    <dgm:cxn modelId="{CDBEC265-D79F-48DA-AF99-4A64E6F68E6D}" type="presParOf" srcId="{929928EB-5B18-46BF-8322-1840C487F3FD}" destId="{4128C369-CBEA-433E-9CBD-997DAA86336B}" srcOrd="0" destOrd="0" presId="urn:microsoft.com/office/officeart/2005/8/layout/process1"/>
+    <dgm:cxn modelId="{C60E2F1F-8F41-4159-8E08-84C57227A353}" type="presParOf" srcId="{2BEFF1C1-BDBF-48AB-A9B0-943AF3CE23D5}" destId="{31BA80D5-3B36-44DB-84D0-465C8827F323}" srcOrd="4" destOrd="0" presId="urn:microsoft.com/office/officeart/2005/8/layout/process1"/>
+  </dgm:cxnLst>
+  <dgm:bg/>
+  <dgm:whole/>
+  <dgm:extLst>
+    <a:ext uri="http://schemas.microsoft.com/office/drawing/2008/diagram">
+      <dsp:dataModelExt xmlns:dsp="http://schemas.microsoft.com/office/drawing/2008/diagram" relId="rId6" minVer="http://schemas.openxmlformats.org/drawingml/2006/diagram"/>
+    </a:ext>
+  </dgm:extLst>
+</dgm:dataModel>
+</file>
+
+<file path=ppt/diagrams/drawing1.xml><?xml version="1.0" encoding="utf-8"?>
+<dsp:drawing xmlns:dgm="http://schemas.openxmlformats.org/drawingml/2006/diagram" xmlns:dsp="http://schemas.microsoft.com/office/drawing/2008/diagram" xmlns:a="http://schemas.openxmlformats.org/drawingml/2006/main">
+  <dsp:spTree>
+    <dsp:nvGrpSpPr>
+      <dsp:cNvPr id="0" name=""/>
+      <dsp:cNvGrpSpPr/>
+    </dsp:nvGrpSpPr>
+    <dsp:grpSpPr/>
+    <dsp:sp modelId="{EEC2449F-F896-4A4B-BEBE-D6062D501945}">
+      <dsp:nvSpPr>
+        <dsp:cNvPr id="0" name=""/>
+        <dsp:cNvSpPr/>
+      </dsp:nvSpPr>
+      <dsp:spPr>
+        <a:xfrm>
+          <a:off x="7579" y="1263474"/>
+          <a:ext cx="2265335" cy="1359201"/>
+        </a:xfrm>
+        <a:prstGeom prst="roundRect">
+          <a:avLst>
+            <a:gd name="adj" fmla="val 10000"/>
+          </a:avLst>
+        </a:prstGeom>
+        <a:solidFill>
+          <a:schemeClr val="accent1">
+            <a:hueOff val="0"/>
+            <a:satOff val="0"/>
+            <a:lumOff val="0"/>
+            <a:alphaOff val="0"/>
+          </a:schemeClr>
+        </a:solidFill>
+        <a:ln w="12700" cap="flat" cmpd="sng" algn="ctr">
+          <a:solidFill>
+            <a:schemeClr val="lt1">
+              <a:hueOff val="0"/>
+              <a:satOff val="0"/>
+              <a:lumOff val="0"/>
+              <a:alphaOff val="0"/>
+            </a:schemeClr>
+          </a:solidFill>
+          <a:prstDash val="solid"/>
+          <a:miter lim="800000"/>
+        </a:ln>
+        <a:effectLst/>
+      </dsp:spPr>
+      <dsp:style>
+        <a:lnRef idx="2">
+          <a:scrgbClr r="0" g="0" b="0"/>
+        </a:lnRef>
+        <a:fillRef idx="1">
+          <a:scrgbClr r="0" g="0" b="0"/>
+        </a:fillRef>
+        <a:effectRef idx="0">
+          <a:scrgbClr r="0" g="0" b="0"/>
+        </a:effectRef>
+        <a:fontRef idx="minor">
+          <a:schemeClr val="lt1"/>
+        </a:fontRef>
+      </dsp:style>
+      <dsp:txBody>
+        <a:bodyPr spcFirstLastPara="0" vert="horz" wrap="square" lIns="224790" tIns="224790" rIns="224790" bIns="224790" numCol="1" spcCol="1270" anchor="ctr" anchorCtr="0">
+          <a:noAutofit/>
+        </a:bodyPr>
+        <a:lstStyle/>
+        <a:p>
+          <a:pPr marL="0" lvl="0" indent="0" algn="ctr" defTabSz="2622550">
+            <a:lnSpc>
+              <a:spcPct val="90000"/>
+            </a:lnSpc>
+            <a:spcBef>
+              <a:spcPct val="0"/>
+            </a:spcBef>
+            <a:spcAft>
+              <a:spcPct val="35000"/>
+            </a:spcAft>
+            <a:buNone/>
+          </a:pPr>
+          <a:endParaRPr lang="de-DE" sz="5900" kern="1200"/>
+        </a:p>
+      </dsp:txBody>
+      <dsp:txXfrm>
+        <a:off x="47389" y="1303284"/>
+        <a:ext cx="2185715" cy="1279581"/>
+      </dsp:txXfrm>
+    </dsp:sp>
+    <dsp:sp modelId="{E135A227-F98D-4FB8-8DDF-9C412AD5B38C}">
+      <dsp:nvSpPr>
+        <dsp:cNvPr id="0" name=""/>
+        <dsp:cNvSpPr/>
+      </dsp:nvSpPr>
+      <dsp:spPr>
+        <a:xfrm>
+          <a:off x="2499448" y="1662173"/>
+          <a:ext cx="480251" cy="561803"/>
+        </a:xfrm>
+        <a:prstGeom prst="rightArrow">
+          <a:avLst>
+            <a:gd name="adj1" fmla="val 60000"/>
+            <a:gd name="adj2" fmla="val 50000"/>
+          </a:avLst>
+        </a:prstGeom>
+        <a:solidFill>
+          <a:schemeClr val="accent1">
+            <a:tint val="60000"/>
+            <a:hueOff val="0"/>
+            <a:satOff val="0"/>
+            <a:lumOff val="0"/>
+            <a:alphaOff val="0"/>
+          </a:schemeClr>
+        </a:solidFill>
+        <a:ln>
+          <a:noFill/>
+        </a:ln>
+        <a:effectLst/>
+      </dsp:spPr>
+      <dsp:style>
+        <a:lnRef idx="0">
+          <a:scrgbClr r="0" g="0" b="0"/>
+        </a:lnRef>
+        <a:fillRef idx="1">
+          <a:scrgbClr r="0" g="0" b="0"/>
+        </a:fillRef>
+        <a:effectRef idx="0">
+          <a:scrgbClr r="0" g="0" b="0"/>
+        </a:effectRef>
+        <a:fontRef idx="minor">
+          <a:schemeClr val="lt1"/>
+        </a:fontRef>
+      </dsp:style>
+      <dsp:txBody>
+        <a:bodyPr spcFirstLastPara="0" vert="horz" wrap="square" lIns="0" tIns="0" rIns="0" bIns="0" numCol="1" spcCol="1270" anchor="ctr" anchorCtr="0">
+          <a:noAutofit/>
+        </a:bodyPr>
+        <a:lstStyle/>
+        <a:p>
+          <a:pPr marL="0" lvl="0" indent="0" algn="ctr" defTabSz="1066800">
+            <a:lnSpc>
+              <a:spcPct val="90000"/>
+            </a:lnSpc>
+            <a:spcBef>
+              <a:spcPct val="0"/>
+            </a:spcBef>
+            <a:spcAft>
+              <a:spcPct val="35000"/>
+            </a:spcAft>
+            <a:buNone/>
+          </a:pPr>
+          <a:endParaRPr lang="de-DE" sz="2400" kern="1200"/>
+        </a:p>
+      </dsp:txBody>
+      <dsp:txXfrm>
+        <a:off x="2499448" y="1774534"/>
+        <a:ext cx="336176" cy="337081"/>
+      </dsp:txXfrm>
+    </dsp:sp>
+    <dsp:sp modelId="{9D5D1FFC-7477-41E0-95BC-B91FB1B36266}">
+      <dsp:nvSpPr>
+        <dsp:cNvPr id="0" name=""/>
+        <dsp:cNvSpPr/>
+      </dsp:nvSpPr>
+      <dsp:spPr>
+        <a:xfrm>
+          <a:off x="3179049" y="1263474"/>
+          <a:ext cx="2265335" cy="1359201"/>
+        </a:xfrm>
+        <a:prstGeom prst="roundRect">
+          <a:avLst>
+            <a:gd name="adj" fmla="val 10000"/>
+          </a:avLst>
+        </a:prstGeom>
+        <a:solidFill>
+          <a:schemeClr val="accent1">
+            <a:hueOff val="0"/>
+            <a:satOff val="0"/>
+            <a:lumOff val="0"/>
+            <a:alphaOff val="0"/>
+          </a:schemeClr>
+        </a:solidFill>
+        <a:ln w="12700" cap="flat" cmpd="sng" algn="ctr">
+          <a:solidFill>
+            <a:schemeClr val="lt1">
+              <a:hueOff val="0"/>
+              <a:satOff val="0"/>
+              <a:lumOff val="0"/>
+              <a:alphaOff val="0"/>
+            </a:schemeClr>
+          </a:solidFill>
+          <a:prstDash val="solid"/>
+          <a:miter lim="800000"/>
+        </a:ln>
+        <a:effectLst/>
+      </dsp:spPr>
+      <dsp:style>
+        <a:lnRef idx="2">
+          <a:scrgbClr r="0" g="0" b="0"/>
+        </a:lnRef>
+        <a:fillRef idx="1">
+          <a:scrgbClr r="0" g="0" b="0"/>
+        </a:fillRef>
+        <a:effectRef idx="0">
+          <a:scrgbClr r="0" g="0" b="0"/>
+        </a:effectRef>
+        <a:fontRef idx="minor">
+          <a:schemeClr val="lt1"/>
+        </a:fontRef>
+      </dsp:style>
+      <dsp:txBody>
+        <a:bodyPr spcFirstLastPara="0" vert="horz" wrap="square" lIns="224790" tIns="224790" rIns="224790" bIns="224790" numCol="1" spcCol="1270" anchor="ctr" anchorCtr="0">
+          <a:noAutofit/>
+        </a:bodyPr>
+        <a:lstStyle/>
+        <a:p>
+          <a:pPr marL="0" lvl="0" indent="0" algn="ctr" defTabSz="2622550">
+            <a:lnSpc>
+              <a:spcPct val="90000"/>
+            </a:lnSpc>
+            <a:spcBef>
+              <a:spcPct val="0"/>
+            </a:spcBef>
+            <a:spcAft>
+              <a:spcPct val="35000"/>
+            </a:spcAft>
+            <a:buNone/>
+          </a:pPr>
+          <a:endParaRPr lang="de-DE" sz="5900" kern="1200"/>
+        </a:p>
+      </dsp:txBody>
+      <dsp:txXfrm>
+        <a:off x="3218859" y="1303284"/>
+        <a:ext cx="2185715" cy="1279581"/>
+      </dsp:txXfrm>
+    </dsp:sp>
+    <dsp:sp modelId="{929928EB-5B18-46BF-8322-1840C487F3FD}">
+      <dsp:nvSpPr>
+        <dsp:cNvPr id="0" name=""/>
+        <dsp:cNvSpPr/>
+      </dsp:nvSpPr>
+      <dsp:spPr>
+        <a:xfrm>
+          <a:off x="5670918" y="1662173"/>
+          <a:ext cx="480251" cy="561803"/>
+        </a:xfrm>
+        <a:prstGeom prst="rightArrow">
+          <a:avLst>
+            <a:gd name="adj1" fmla="val 60000"/>
+            <a:gd name="adj2" fmla="val 50000"/>
+          </a:avLst>
+        </a:prstGeom>
+        <a:solidFill>
+          <a:schemeClr val="accent1">
+            <a:tint val="60000"/>
+            <a:hueOff val="0"/>
+            <a:satOff val="0"/>
+            <a:lumOff val="0"/>
+            <a:alphaOff val="0"/>
+          </a:schemeClr>
+        </a:solidFill>
+        <a:ln>
+          <a:noFill/>
+        </a:ln>
+        <a:effectLst/>
+      </dsp:spPr>
+      <dsp:style>
+        <a:lnRef idx="0">
+          <a:scrgbClr r="0" g="0" b="0"/>
+        </a:lnRef>
+        <a:fillRef idx="1">
+          <a:scrgbClr r="0" g="0" b="0"/>
+        </a:fillRef>
+        <a:effectRef idx="0">
+          <a:scrgbClr r="0" g="0" b="0"/>
+        </a:effectRef>
+        <a:fontRef idx="minor">
+          <a:schemeClr val="lt1"/>
+        </a:fontRef>
+      </dsp:style>
+      <dsp:txBody>
+        <a:bodyPr spcFirstLastPara="0" vert="horz" wrap="square" lIns="0" tIns="0" rIns="0" bIns="0" numCol="1" spcCol="1270" anchor="ctr" anchorCtr="0">
+          <a:noAutofit/>
+        </a:bodyPr>
+        <a:lstStyle/>
+        <a:p>
+          <a:pPr marL="0" lvl="0" indent="0" algn="ctr" defTabSz="1066800">
+            <a:lnSpc>
+              <a:spcPct val="90000"/>
+            </a:lnSpc>
+            <a:spcBef>
+              <a:spcPct val="0"/>
+            </a:spcBef>
+            <a:spcAft>
+              <a:spcPct val="35000"/>
+            </a:spcAft>
+            <a:buNone/>
+          </a:pPr>
+          <a:endParaRPr lang="de-DE" sz="2400" kern="1200"/>
+        </a:p>
+      </dsp:txBody>
+      <dsp:txXfrm>
+        <a:off x="5670918" y="1774534"/>
+        <a:ext cx="336176" cy="337081"/>
+      </dsp:txXfrm>
+    </dsp:sp>
+    <dsp:sp modelId="{31BA80D5-3B36-44DB-84D0-465C8827F323}">
+      <dsp:nvSpPr>
+        <dsp:cNvPr id="0" name=""/>
+        <dsp:cNvSpPr/>
+      </dsp:nvSpPr>
+      <dsp:spPr>
+        <a:xfrm>
+          <a:off x="6350519" y="1263474"/>
+          <a:ext cx="2265335" cy="1359201"/>
+        </a:xfrm>
+        <a:prstGeom prst="roundRect">
+          <a:avLst>
+            <a:gd name="adj" fmla="val 10000"/>
+          </a:avLst>
+        </a:prstGeom>
+        <a:solidFill>
+          <a:schemeClr val="accent1">
+            <a:hueOff val="0"/>
+            <a:satOff val="0"/>
+            <a:lumOff val="0"/>
+            <a:alphaOff val="0"/>
+          </a:schemeClr>
+        </a:solidFill>
+        <a:ln w="12700" cap="flat" cmpd="sng" algn="ctr">
+          <a:solidFill>
+            <a:schemeClr val="lt1">
+              <a:hueOff val="0"/>
+              <a:satOff val="0"/>
+              <a:lumOff val="0"/>
+              <a:alphaOff val="0"/>
+            </a:schemeClr>
+          </a:solidFill>
+          <a:prstDash val="solid"/>
+          <a:miter lim="800000"/>
+        </a:ln>
+        <a:effectLst/>
+      </dsp:spPr>
+      <dsp:style>
+        <a:lnRef idx="2">
+          <a:scrgbClr r="0" g="0" b="0"/>
+        </a:lnRef>
+        <a:fillRef idx="1">
+          <a:scrgbClr r="0" g="0" b="0"/>
+        </a:fillRef>
+        <a:effectRef idx="0">
+          <a:scrgbClr r="0" g="0" b="0"/>
+        </a:effectRef>
+        <a:fontRef idx="minor">
+          <a:schemeClr val="lt1"/>
+        </a:fontRef>
+      </dsp:style>
+      <dsp:txBody>
+        <a:bodyPr spcFirstLastPara="0" vert="horz" wrap="square" lIns="224790" tIns="224790" rIns="224790" bIns="224790" numCol="1" spcCol="1270" anchor="ctr" anchorCtr="0">
+          <a:noAutofit/>
+        </a:bodyPr>
+        <a:lstStyle/>
+        <a:p>
+          <a:pPr marL="0" lvl="0" indent="0" algn="ctr" defTabSz="2622550">
+            <a:lnSpc>
+              <a:spcPct val="90000"/>
+            </a:lnSpc>
+            <a:spcBef>
+              <a:spcPct val="0"/>
+            </a:spcBef>
+            <a:spcAft>
+              <a:spcPct val="35000"/>
+            </a:spcAft>
+            <a:buNone/>
+          </a:pPr>
+          <a:endParaRPr lang="de-DE" sz="5900" kern="1200"/>
+        </a:p>
+      </dsp:txBody>
+      <dsp:txXfrm>
+        <a:off x="6390329" y="1303284"/>
+        <a:ext cx="2185715" cy="1279581"/>
+      </dsp:txXfrm>
+    </dsp:sp>
+  </dsp:spTree>
+</dsp:drawing>
+</file>
+
+<file path=ppt/diagrams/layout1.xml><?xml version="1.0" encoding="utf-8"?>
+<dgm:layoutDef xmlns:dgm="http://schemas.openxmlformats.org/drawingml/2006/diagram" xmlns:a="http://schemas.openxmlformats.org/drawingml/2006/main" uniqueId="urn:microsoft.com/office/officeart/2005/8/layout/process1">
+  <dgm:title val=""/>
+  <dgm:desc val=""/>
+  <dgm:catLst>
+    <dgm:cat type="process" pri="1000"/>
+    <dgm:cat type="convert" pri="15000"/>
+  </dgm:catLst>
+  <dgm:sampData useDef="1">
+    <dgm:dataModel>
+      <dgm:ptLst/>
+      <dgm:bg/>
+      <dgm:whole/>
+    </dgm:dataModel>
+  </dgm:sampData>
+  <dgm:styleData>
+    <dgm:dataModel>
+      <dgm:ptLst>
+        <dgm:pt modelId="0" type="doc"/>
+        <dgm:pt modelId="1"/>
+        <dgm:pt modelId="2"/>
+      </dgm:ptLst>
+      <dgm:cxnLst>
+        <dgm:cxn modelId="3" srcId="0" destId="1" srcOrd="0" destOrd="0"/>
+        <dgm:cxn modelId="4" srcId="0" destId="2" srcOrd="1" destOrd="0"/>
+      </dgm:cxnLst>
+      <dgm:bg/>
+      <dgm:whole/>
+    </dgm:dataModel>
+  </dgm:styleData>
+  <dgm:clrData>
+    <dgm:dataModel>
+      <dgm:ptLst>
+        <dgm:pt modelId="0" type="doc"/>
+        <dgm:pt modelId="1"/>
+        <dgm:pt modelId="2"/>
+        <dgm:pt modelId="3"/>
+        <dgm:pt modelId="4"/>
+      </dgm:ptLst>
+      <dgm:cxnLst>
+        <dgm:cxn modelId="5" srcId="0" destId="1" srcOrd="0" destOrd="0"/>
+        <dgm:cxn modelId="6" srcId="0" destId="2" srcOrd="1" destOrd="0"/>
+        <dgm:cxn modelId="7" srcId="0" destId="3" srcOrd="2" destOrd="0"/>
+        <dgm:cxn modelId="8" srcId="0" destId="4" srcOrd="3" destOrd="0"/>
+      </dgm:cxnLst>
+      <dgm:bg/>
+      <dgm:whole/>
+    </dgm:dataModel>
+  </dgm:clrData>
+  <dgm:layoutNode name="Name0">
+    <dgm:varLst>
+      <dgm:dir/>
+      <dgm:resizeHandles val="exact"/>
+    </dgm:varLst>
+    <dgm:choose name="Name1">
+      <dgm:if name="Name2" func="var" arg="dir" op="equ" val="norm">
+        <dgm:alg type="lin"/>
+      </dgm:if>
+      <dgm:else name="Name3">
+        <dgm:alg type="lin">
+          <dgm:param type="linDir" val="fromR"/>
+        </dgm:alg>
+      </dgm:else>
+    </dgm:choose>
+    <dgm:shape xmlns:r="http://schemas.openxmlformats.org/officeDocument/2006/relationships" r:blip="">
+      <dgm:adjLst/>
+    </dgm:shape>
+    <dgm:presOf/>
+    <dgm:constrLst>
+      <dgm:constr type="w" for="ch" ptType="node" refType="w"/>
+      <dgm:constr type="h" for="ch" ptType="node" op="equ"/>
+      <dgm:constr type="primFontSz" for="ch" ptType="node" op="equ" val="65"/>
+      <dgm:constr type="w" for="ch" ptType="sibTrans" refType="w" refFor="ch" refPtType="node" op="equ" fact="0.4"/>
+      <dgm:constr type="h" for="ch" ptType="sibTrans" op="equ"/>
+      <dgm:constr type="primFontSz" for="des" forName="connectorText" op="equ" val="55"/>
+      <dgm:constr type="primFontSz" for="des" forName="connectorText" refType="primFontSz" refFor="ch" refPtType="node" op="lte" fact="0.8"/>
+    </dgm:constrLst>
+    <dgm:ruleLst/>
+    <dgm:forEach name="nodesForEach" axis="ch" ptType="node">
+      <dgm:layoutNode name="node">
+        <dgm:varLst>
+          <dgm:bulletEnabled val="1"/>
+        </dgm:varLst>
+        <dgm:alg type="tx"/>
+        <dgm:shape xmlns:r="http://schemas.openxmlformats.org/officeDocument/2006/relationships" type="roundRect" r:blip="">
+          <dgm:adjLst>
+            <dgm:adj idx="1" val="0.1"/>
+          </dgm:adjLst>
+        </dgm:shape>
+        <dgm:presOf axis="desOrSelf" ptType="node"/>
+        <dgm:constrLst>
+          <dgm:constr type="h" refType="w" fact="0.6"/>
+          <dgm:constr type="tMarg" refType="primFontSz" fact="0.3"/>
+          <dgm:constr type="bMarg" refType="primFontSz" fact="0.3"/>
+          <dgm:constr type="lMarg" refType="primFontSz" fact="0.3"/>
+          <dgm:constr type="rMarg" refType="primFontSz" fact="0.3"/>
+        </dgm:constrLst>
+        <dgm:ruleLst>
+          <dgm:rule type="primFontSz" val="18" fact="NaN" max="NaN"/>
+          <dgm:rule type="h" val="NaN" fact="1.5" max="NaN"/>
+          <dgm:rule type="primFontSz" val="5" fact="NaN" max="NaN"/>
+          <dgm:rule type="h" val="INF" fact="NaN" max="NaN"/>
+        </dgm:ruleLst>
+      </dgm:layoutNode>
+      <dgm:forEach name="sibTransForEach" axis="followSib" ptType="sibTrans" cnt="1">
+        <dgm:layoutNode name="sibTrans">
+          <dgm:alg type="conn">
+            <dgm:param type="begPts" val="auto"/>
+            <dgm:param type="endPts" val="auto"/>
+          </dgm:alg>
+          <dgm:shape xmlns:r="http://schemas.openxmlformats.org/officeDocument/2006/relationships" type="conn" r:blip="">
+            <dgm:adjLst/>
+          </dgm:shape>
+          <dgm:presOf axis="self"/>
+          <dgm:constrLst>
+            <dgm:constr type="h" refType="w" fact="0.62"/>
+            <dgm:constr type="connDist"/>
+            <dgm:constr type="begPad" refType="connDist" fact="0.25"/>
+            <dgm:constr type="endPad" refType="connDist" fact="0.22"/>
+          </dgm:constrLst>
+          <dgm:ruleLst/>
+          <dgm:layoutNode name="connectorText">
+            <dgm:alg type="tx">
+              <dgm:param type="autoTxRot" val="grav"/>
+            </dgm:alg>
+            <dgm:shape xmlns:r="http://schemas.openxmlformats.org/officeDocument/2006/relationships" type="conn" r:blip="" hideGeom="1">
+              <dgm:adjLst/>
+            </dgm:shape>
+            <dgm:presOf axis="self"/>
+            <dgm:constrLst>
+              <dgm:constr type="lMarg"/>
+              <dgm:constr type="rMarg"/>
+              <dgm:constr type="tMarg"/>
+              <dgm:constr type="bMarg"/>
+            </dgm:constrLst>
+            <dgm:ruleLst>
+              <dgm:rule type="primFontSz" val="5" fact="NaN" max="NaN"/>
+            </dgm:ruleLst>
+          </dgm:layoutNode>
+        </dgm:layoutNode>
+      </dgm:forEach>
+    </dgm:forEach>
+  </dgm:layoutNode>
+</dgm:layoutDef>
+</file>
+
+<file path=ppt/diagrams/quickStyle1.xml><?xml version="1.0" encoding="utf-8"?>
+<dgm:styleDef xmlns:dgm="http://schemas.openxmlformats.org/drawingml/2006/diagram" xmlns:a="http://schemas.openxmlformats.org/drawingml/2006/main" uniqueId="urn:microsoft.com/office/officeart/2005/8/quickstyle/simple1">
+  <dgm:title val=""/>
+  <dgm:desc val=""/>
+  <dgm:catLst>
+    <dgm:cat type="simple" pri="10100"/>
+  </dgm:catLst>
+  <dgm:scene3d>
+    <a:camera prst="orthographicFront"/>
+    <a:lightRig rig="threePt" dir="t"/>
+  </dgm:scene3d>
+  <dgm:styleLbl name="node0">
+    <dgm:scene3d>
+      <a:camera prst="orthographicFront"/>
+      <a:lightRig rig="threePt" dir="t"/>
+    </dgm:scene3d>
+    <dgm:sp3d/>
+    <dgm:txPr/>
+    <dgm:style>
+      <a:lnRef idx="2">
+        <a:scrgbClr r="0" g="0" b="0"/>
+      </a:lnRef>
+      <a:fillRef idx="1">
+        <a:scrgbClr r="0" g="0" b="0"/>
+      </a:fillRef>
+      <a:effectRef idx="0">
+        <a:scrgbClr r="0" g="0" b="0"/>
+      </a:effectRef>
+      <a:fontRef idx="minor">
+        <a:schemeClr val="lt1"/>
+      </a:fontRef>
+    </dgm:style>
+  </dgm:styleLbl>
+  <dgm:styleLbl name="lnNode1">
+    <dgm:scene3d>
+      <a:camera prst="orthographicFront"/>
+      <a:lightRig rig="threePt" dir="t"/>
+    </dgm:scene3d>
+    <dgm:sp3d/>
+    <dgm:txPr/>
+    <dgm:style>
+      <a:lnRef idx="2">
+        <a:scrgbClr r="0" g="0" b="0"/>
+      </a:lnRef>
+      <a:fillRef idx="1">
+        <a:scrgbClr r="0" g="0" b="0"/>
+      </a:fillRef>
+      <a:effectRef idx="0">
+        <a:scrgbClr r="0" g="0" b="0"/>
+      </a:effectRef>
+      <a:fontRef idx="minor">
+        <a:schemeClr val="lt1"/>
+      </a:fontRef>
+    </dgm:style>
+  </dgm:styleLbl>
+  <dgm:styleLbl name="vennNode1">
+    <dgm:scene3d>
+      <a:camera prst="orthographicFront"/>
+      <a:lightRig rig="threePt" dir="t"/>
+    </dgm:scene3d>
+    <dgm:sp3d/>
+    <dgm:txPr/>
+    <dgm:style>
+      <a:lnRef idx="2">
+        <a:scrgbClr r="0" g="0" b="0"/>
+      </a:lnRef>
+      <a:fillRef idx="1">
+        <a:scrgbClr r="0" g="0" b="0"/>
+      </a:fillRef>
+      <a:effectRef idx="0">
+        <a:scrgbClr r="0" g="0" b="0"/>
+      </a:effectRef>
+      <a:fontRef idx="minor">
+        <a:schemeClr val="tx1"/>
+      </a:fontRef>
+    </dgm:style>
+  </dgm:styleLbl>
+  <dgm:styleLbl name="alignNode1">
+    <dgm:scene3d>
+      <a:camera prst="orthographicFront"/>
+      <a:lightRig rig="threePt" dir="t"/>
+    </dgm:scene3d>
+    <dgm:sp3d/>
+    <dgm:txPr/>
+    <dgm:style>
+      <a:lnRef idx="2">
+        <a:scrgbClr r="0" g="0" b="0"/>
+      </a:lnRef>
+      <a:fillRef idx="1">
+        <a:scrgbClr r="0" g="0" b="0"/>
+      </a:fillRef>
+      <a:effectRef idx="0">
+        <a:scrgbClr r="0" g="0" b="0"/>
+      </a:effectRef>
+      <a:fontRef idx="minor">
+        <a:schemeClr val="lt1"/>
+      </a:fontRef>
+    </dgm:style>
+  </dgm:styleLbl>
+  <dgm:styleLbl name="node1">
+    <dgm:scene3d>
+      <a:camera prst="orthographicFront"/>
+      <a:lightRig rig="threePt" dir="t"/>
+    </dgm:scene3d>
+    <dgm:sp3d/>
+    <dgm:txPr/>
+    <dgm:style>
+      <a:lnRef idx="2">
+        <a:scrgbClr r="0" g="0" b="0"/>
+      </a:lnRef>
+      <a:fillRef idx="1">
+        <a:scrgbClr r="0" g="0" b="0"/>
+      </a:fillRef>
+      <a:effectRef idx="0">
+        <a:scrgbClr r="0" g="0" b="0"/>
+      </a:effectRef>
+      <a:fontRef idx="minor">
+        <a:schemeClr val="lt1"/>
+      </a:fontRef>
+    </dgm:style>
+  </dgm:styleLbl>
+  <dgm:styleLbl name="node2">
+    <dgm:scene3d>
+      <a:camera prst="orthographicFront"/>
+      <a:lightRig rig="threePt" dir="t"/>
+    </dgm:scene3d>
+    <dgm:sp3d/>
+    <dgm:txPr/>
+    <dgm:style>
+      <a:lnRef idx="2">
+        <a:scrgbClr r="0" g="0" b="0"/>
+      </a:lnRef>
+      <a:fillRef idx="1">
+        <a:scrgbClr r="0" g="0" b="0"/>
+      </a:fillRef>
+      <a:effectRef idx="0">
+        <a:scrgbClr r="0" g="0" b="0"/>
+      </a:effectRef>
+      <a:fontRef idx="minor">
+        <a:schemeClr val="lt1"/>
+      </a:fontRef>
+    </dgm:style>
+  </dgm:styleLbl>
+  <dgm:styleLbl name="node3">
+    <dgm:scene3d>
+      <a:camera prst="orthographicFront"/>
+      <a:lightRig rig="threePt" dir="t"/>
+    </dgm:scene3d>
+    <dgm:sp3d/>
+    <dgm:txPr/>
+    <dgm:style>
+      <a:lnRef idx="2">
+        <a:scrgbClr r="0" g="0" b="0"/>
+      </a:lnRef>
+      <a:fillRef idx="1">
+        <a:scrgbClr r="0" g="0" b="0"/>
+      </a:fillRef>
+      <a:effectRef idx="0">
+        <a:scrgbClr r="0" g="0" b="0"/>
+      </a:effectRef>
+      <a:fontRef idx="minor">
+        <a:schemeClr val="lt1"/>
+      </a:fontRef>
+    </dgm:style>
+  </dgm:styleLbl>
+  <dgm:styleLbl name="node4">
+    <dgm:scene3d>
+      <a:camera prst="orthographicFront"/>
+      <a:lightRig rig="threePt" dir="t"/>
+    </dgm:scene3d>
+    <dgm:sp3d/>
+    <dgm:txPr/>
+    <dgm:style>
+      <a:lnRef idx="2">
+        <a:scrgbClr r="0" g="0" b="0"/>
+      </a:lnRef>
+      <a:fillRef idx="1">
+        <a:scrgbClr r="0" g="0" b="0"/>
+      </a:fillRef>
+      <a:effectRef idx="0">
+        <a:scrgbClr r="0" g="0" b="0"/>
+      </a:effectRef>
+      <a:fontRef idx="minor">
+        <a:schemeClr val="lt1"/>
+      </a:fontRef>
+    </dgm:style>
+  </dgm:styleLbl>
+  <dgm:styleLbl name="fgImgPlace1">
+    <dgm:scene3d>
+      <a:camera prst="orthographicFront"/>
+      <a:lightRig rig="threePt" dir="t"/>
+    </dgm:scene3d>
+    <dgm:sp3d/>
+    <dgm:txPr/>
+    <dgm:style>
+      <a:lnRef idx="2">
+        <a:scrgbClr r="0" g="0" b="0"/>
+      </a:lnRef>
+      <a:fillRef idx="1">
+        <a:scrgbClr r="0" g="0" b="0"/>
+      </a:fillRef>
+      <a:effectRef idx="0">
+        <a:scrgbClr r="0" g="0" b="0"/>
+      </a:effectRef>
+      <a:fontRef idx="minor"/>
+    </dgm:style>
+  </dgm:styleLbl>
+  <dgm:styleLbl name="alignImgPlace1">
+    <dgm:scene3d>
+      <a:camera prst="orthographicFront"/>
+      <a:lightRig rig="threePt" dir="t"/>
+    </dgm:scene3d>
+    <dgm:sp3d/>
+    <dgm:txPr/>
+    <dgm:style>
+      <a:lnRef idx="2">
+        <a:scrgbClr r="0" g="0" b="0"/>
+      </a:lnRef>
+      <a:fillRef idx="1">
+        <a:scrgbClr r="0" g="0" b="0"/>
+      </a:fillRef>
+      <a:effectRef idx="0">
+        <a:scrgbClr r="0" g="0" b="0"/>
+      </a:effectRef>
+      <a:fontRef idx="minor"/>
+    </dgm:style>
+  </dgm:styleLbl>
+  <dgm:styleLbl name="bgImgPlace1">
+    <dgm:scene3d>
+      <a:camera prst="orthographicFront"/>
+      <a:lightRig rig="threePt" dir="t"/>
+    </dgm:scene3d>
+    <dgm:sp3d/>
+    <dgm:txPr/>
+    <dgm:style>
+      <a:lnRef idx="2">
+        <a:scrgbClr r="0" g="0" b="0"/>
+      </a:lnRef>
+      <a:fillRef idx="1">
+        <a:scrgbClr r="0" g="0" b="0"/>
+      </a:fillRef>
+      <a:effectRef idx="0">
+        <a:scrgbClr r="0" g="0" b="0"/>
+      </a:effectRef>
+      <a:fontRef idx="minor"/>
+    </dgm:style>
+  </dgm:styleLbl>
+  <dgm:styleLbl name="sibTrans2D1">
+    <dgm:scene3d>
+      <a:camera prst="orthographicFront"/>
+      <a:lightRig rig="threePt" dir="t"/>
+    </dgm:scene3d>
+    <dgm:sp3d/>
+    <dgm:txPr/>
+    <dgm:style>
+      <a:lnRef idx="0">
+        <a:scrgbClr r="0" g="0" b="0"/>
+      </a:lnRef>
+      <a:fillRef idx="1">
+        <a:scrgbClr r="0" g="0" b="0"/>
+      </a:fillRef>
+      <a:effectRef idx="0">
+        <a:scrgbClr r="0" g="0" b="0"/>
+      </a:effectRef>
+      <a:fontRef idx="minor">
+        <a:schemeClr val="lt1"/>
+      </a:fontRef>
+    </dgm:style>
+  </dgm:styleLbl>
+  <dgm:styleLbl name="fgSibTrans2D1">
+    <dgm:scene3d>
+      <a:camera prst="orthographicFront"/>
+      <a:lightRig rig="threePt" dir="t"/>
+    </dgm:scene3d>
+    <dgm:sp3d/>
+    <dgm:txPr/>
+    <dgm:style>
+      <a:lnRef idx="0">
+        <a:scrgbClr r="0" g="0" b="0"/>
+      </a:lnRef>
+      <a:fillRef idx="1">
+        <a:scrgbClr r="0" g="0" b="0"/>
+      </a:fillRef>
+      <a:effectRef idx="0">
+        <a:scrgbClr r="0" g="0" b="0"/>
+      </a:effectRef>
+      <a:fontRef idx="minor">
+        <a:schemeClr val="lt1"/>
+      </a:fontRef>
+    </dgm:style>
+  </dgm:styleLbl>
+  <dgm:styleLbl name="bgSibTrans2D1">
+    <dgm:scene3d>
+      <a:camera prst="orthographicFront"/>
+      <a:lightRig rig="threePt" dir="t"/>
+    </dgm:scene3d>
+    <dgm:sp3d/>
+    <dgm:txPr/>
+    <dgm:style>
+      <a:lnRef idx="0">
+        <a:scrgbClr r="0" g="0" b="0"/>
+      </a:lnRef>
+      <a:fillRef idx="1">
+        <a:scrgbClr r="0" g="0" b="0"/>
+      </a:fillRef>
+      <a:effectRef idx="0">
+        <a:scrgbClr r="0" g="0" b="0"/>
+      </a:effectRef>
+      <a:fontRef idx="minor">
+        <a:schemeClr val="lt1"/>
+      </a:fontRef>
+    </dgm:style>
+  </dgm:styleLbl>
+  <dgm:styleLbl name="sibTrans1D1">
+    <dgm:scene3d>
+      <a:camera prst="orthographicFront"/>
+      <a:lightRig rig="threePt" dir="t"/>
+    </dgm:scene3d>
+    <dgm:sp3d/>
+    <dgm:txPr/>
+    <dgm:style>
+      <a:lnRef idx="1">
+        <a:scrgbClr r="0" g="0" b="0"/>
+      </a:lnRef>
+      <a:fillRef idx="0">
+        <a:scrgbClr r="0" g="0" b="0"/>
+      </a:fillRef>
+      <a:effectRef idx="0">
+        <a:scrgbClr r="0" g="0" b="0"/>
+      </a:effectRef>
+      <a:fontRef idx="minor"/>
+    </dgm:style>
+  </dgm:styleLbl>
+  <dgm:styleLbl name="callout">
+    <dgm:scene3d>
+      <a:camera prst="orthographicFront"/>
+      <a:lightRig rig="threePt" dir="t"/>
+    </dgm:scene3d>
+    <dgm:sp3d/>
+    <dgm:txPr/>
+    <dgm:style>
+      <a:lnRef idx="2">
+        <a:scrgbClr r="0" g="0" b="0"/>
+      </a:lnRef>
+      <a:fillRef idx="1">
+        <a:scrgbClr r="0" g="0" b="0"/>
+      </a:fillRef>
+      <a:effectRef idx="0">
+        <a:scrgbClr r="0" g="0" b="0"/>
+      </a:effectRef>
+      <a:fontRef idx="minor"/>
+    </dgm:style>
+  </dgm:styleLbl>
+  <dgm:styleLbl name="asst0">
+    <dgm:scene3d>
+      <a:camera prst="orthographicFront"/>
+      <a:lightRig rig="threePt" dir="t"/>
+    </dgm:scene3d>
+    <dgm:sp3d/>
+    <dgm:txPr/>
+    <dgm:style>
+      <a:lnRef idx="2">
+        <a:scrgbClr r="0" g="0" b="0"/>
+      </a:lnRef>
+      <a:fillRef idx="1">
+        <a:scrgbClr r="0" g="0" b="0"/>
+      </a:fillRef>
+      <a:effectRef idx="0">
+        <a:scrgbClr r="0" g="0" b="0"/>
+      </a:effectRef>
+      <a:fontRef idx="minor">
+        <a:schemeClr val="lt1"/>
+      </a:fontRef>
+    </dgm:style>
+  </dgm:styleLbl>
+  <dgm:styleLbl name="asst1">
+    <dgm:scene3d>
+      <a:camera prst="orthographicFront"/>
+      <a:lightRig rig="threePt" dir="t"/>
+    </dgm:scene3d>
+    <dgm:sp3d/>
+    <dgm:txPr/>
+    <dgm:style>
+      <a:lnRef idx="2">
+        <a:scrgbClr r="0" g="0" b="0"/>
+      </a:lnRef>
+      <a:fillRef idx="1">
+        <a:scrgbClr r="0" g="0" b="0"/>
+      </a:fillRef>
+      <a:effectRef idx="0">
+        <a:scrgbClr r="0" g="0" b="0"/>
+      </a:effectRef>
+      <a:fontRef idx="minor">
+        <a:schemeClr val="lt1"/>
+      </a:fontRef>
+    </dgm:style>
+  </dgm:styleLbl>
+  <dgm:styleLbl name="asst2">
+    <dgm:scene3d>
+      <a:camera prst="orthographicFront"/>
+      <a:lightRig rig="threePt" dir="t"/>
+    </dgm:scene3d>
+    <dgm:sp3d/>
+    <dgm:txPr/>
+    <dgm:style>
+      <a:lnRef idx="2">
+        <a:scrgbClr r="0" g="0" b="0"/>
+      </a:lnRef>
+      <a:fillRef idx="1">
+        <a:scrgbClr r="0" g="0" b="0"/>
+      </a:fillRef>
+      <a:effectRef idx="0">
+        <a:scrgbClr r="0" g="0" b="0"/>
+      </a:effectRef>
+      <a:fontRef idx="minor">
+        <a:schemeClr val="lt1"/>
+      </a:fontRef>
+    </dgm:style>
+  </dgm:styleLbl>
+  <dgm:styleLbl name="asst3">
+    <dgm:scene3d>
+      <a:camera prst="orthographicFront"/>
+      <a:lightRig rig="threePt" dir="t"/>
+    </dgm:scene3d>
+    <dgm:sp3d/>
+    <dgm:txPr/>
+    <dgm:style>
+      <a:lnRef idx="2">
+        <a:scrgbClr r="0" g="0" b="0"/>
+      </a:lnRef>
+      <a:fillRef idx="1">
+        <a:scrgbClr r="0" g="0" b="0"/>
+      </a:fillRef>
+      <a:effectRef idx="0">
+        <a:scrgbClr r="0" g="0" b="0"/>
+      </a:effectRef>
+      <a:fontRef idx="minor">
+        <a:schemeClr val="lt1"/>
+      </a:fontRef>
+    </dgm:style>
+  </dgm:styleLbl>
+  <dgm:styleLbl name="asst4">
+    <dgm:scene3d>
+      <a:camera prst="orthographicFront"/>
+      <a:lightRig rig="threePt" dir="t"/>
+    </dgm:scene3d>
+    <dgm:sp3d/>
+    <dgm:txPr/>
+    <dgm:style>
+      <a:lnRef idx="2">
+        <a:scrgbClr r="0" g="0" b="0"/>
+      </a:lnRef>
+      <a:fillRef idx="1">
+        <a:scrgbClr r="0" g="0" b="0"/>
+      </a:fillRef>
+      <a:effectRef idx="0">
+        <a:scrgbClr r="0" g="0" b="0"/>
+      </a:effectRef>
+      <a:fontRef idx="minor">
+        <a:schemeClr val="lt1"/>
+      </a:fontRef>
+    </dgm:style>
+  </dgm:styleLbl>
+  <dgm:styleLbl name="parChTrans2D1">
+    <dgm:scene3d>
+      <a:camera prst="orthographicFront"/>
+      <a:lightRig rig="threePt" dir="t"/>
+    </dgm:scene3d>
+    <dgm:sp3d/>
+    <dgm:txPr/>
+    <dgm:style>
+      <a:lnRef idx="2">
+        <a:scrgbClr r="0" g="0" b="0"/>
+      </a:lnRef>
+      <a:fillRef idx="1">
+        <a:scrgbClr r="0" g="0" b="0"/>
+      </a:fillRef>
+      <a:effectRef idx="0">
+        <a:scrgbClr r="0" g="0" b="0"/>
+      </a:effectRef>
+      <a:fontRef idx="minor">
+        <a:schemeClr val="lt1"/>
+      </a:fontRef>
+    </dgm:style>
+  </dgm:styleLbl>
+  <dgm:styleLbl name="parChTrans2D2">
+    <dgm:scene3d>
+      <a:camera prst="orthographicFront"/>
+      <a:lightRig rig="threePt" dir="t"/>
+    </dgm:scene3d>
+    <dgm:sp3d/>
+    <dgm:txPr/>
+    <dgm:style>
+      <a:lnRef idx="2">
+        <a:scrgbClr r="0" g="0" b="0"/>
+      </a:lnRef>
+      <a:fillRef idx="1">
+        <a:scrgbClr r="0" g="0" b="0"/>
+      </a:fillRef>
+      <a:effectRef idx="0">
+        <a:scrgbClr r="0" g="0" b="0"/>
+      </a:effectRef>
+      <a:fontRef idx="minor">
+        <a:schemeClr val="lt1"/>
+      </a:fontRef>
+    </dgm:style>
+  </dgm:styleLbl>
+  <dgm:styleLbl name="parChTrans2D3">
+    <dgm:scene3d>
+      <a:camera prst="orthographicFront"/>
+      <a:lightRig rig="threePt" dir="t"/>
+    </dgm:scene3d>
+    <dgm:sp3d/>
+    <dgm:txPr/>
+    <dgm:style>
+      <a:lnRef idx="2">
+        <a:scrgbClr r="0" g="0" b="0"/>
+      </a:lnRef>
+      <a:fillRef idx="1">
+        <a:scrgbClr r="0" g="0" b="0"/>
+      </a:fillRef>
+      <a:effectRef idx="0">
+        <a:scrgbClr r="0" g="0" b="0"/>
+      </a:effectRef>
+      <a:fontRef idx="minor">
+        <a:schemeClr val="lt1"/>
+      </a:fontRef>
+    </dgm:style>
+  </dgm:styleLbl>
+  <dgm:styleLbl name="parChTrans2D4">
+    <dgm:scene3d>
+      <a:camera prst="orthographicFront"/>
+      <a:lightRig rig="threePt" dir="t"/>
+    </dgm:scene3d>
+    <dgm:sp3d/>
+    <dgm:txPr/>
+    <dgm:style>
+      <a:lnRef idx="2">
+        <a:scrgbClr r="0" g="0" b="0"/>
+      </a:lnRef>
+      <a:fillRef idx="1">
+        <a:scrgbClr r="0" g="0" b="0"/>
+      </a:fillRef>
+      <a:effectRef idx="0">
+        <a:scrgbClr r="0" g="0" b="0"/>
+      </a:effectRef>
+      <a:fontRef idx="minor">
+        <a:schemeClr val="lt1"/>
+      </a:fontRef>
+    </dgm:style>
+  </dgm:styleLbl>
+  <dgm:styleLbl name="parChTrans1D1">
+    <dgm:scene3d>
+      <a:camera prst="orthographicFront"/>
+      <a:lightRig rig="threePt" dir="t"/>
+    </dgm:scene3d>
+    <dgm:sp3d/>
+    <dgm:txPr/>
+    <dgm:style>
+      <a:lnRef idx="2">
+        <a:scrgbClr r="0" g="0" b="0"/>
+      </a:lnRef>
+      <a:fillRef idx="0">
+        <a:scrgbClr r="0" g="0" b="0"/>
+      </a:fillRef>
+      <a:effectRef idx="0">
+        <a:scrgbClr r="0" g="0" b="0"/>
+      </a:effectRef>
+      <a:fontRef idx="minor"/>
+    </dgm:style>
+  </dgm:styleLbl>
+  <dgm:styleLbl name="parChTrans1D2">
+    <dgm:scene3d>
+      <a:camera prst="orthographicFront"/>
+      <a:lightRig rig="threePt" dir="t"/>
+    </dgm:scene3d>
+    <dgm:sp3d/>
+    <dgm:txPr/>
+    <dgm:style>
+      <a:lnRef idx="2">
+        <a:scrgbClr r="0" g="0" b="0"/>
+      </a:lnRef>
+      <a:fillRef idx="0">
+        <a:scrgbClr r="0" g="0" b="0"/>
+      </a:fillRef>
+      <a:effectRef idx="0">
+        <a:scrgbClr r="0" g="0" b="0"/>
+      </a:effectRef>
+      <a:fontRef idx="minor"/>
+    </dgm:style>
+  </dgm:styleLbl>
+  <dgm:styleLbl name="parChTrans1D3">
+    <dgm:scene3d>
+      <a:camera prst="orthographicFront"/>
+      <a:lightRig rig="threePt" dir="t"/>
+    </dgm:scene3d>
+    <dgm:sp3d/>
+    <dgm:txPr/>
+    <dgm:style>
+      <a:lnRef idx="2">
+        <a:scrgbClr r="0" g="0" b="0"/>
+      </a:lnRef>
+      <a:fillRef idx="0">
+        <a:scrgbClr r="0" g="0" b="0"/>
+      </a:fillRef>
+      <a:effectRef idx="0">
+        <a:scrgbClr r="0" g="0" b="0"/>
+      </a:effectRef>
+      <a:fontRef idx="minor"/>
+    </dgm:style>
+  </dgm:styleLbl>
+  <dgm:styleLbl name="parChTrans1D4">
+    <dgm:scene3d>
+      <a:camera prst="orthographicFront"/>
+      <a:lightRig rig="threePt" dir="t"/>
+    </dgm:scene3d>
+    <dgm:sp3d/>
+    <dgm:txPr/>
+    <dgm:style>
+      <a:lnRef idx="2">
+        <a:scrgbClr r="0" g="0" b="0"/>
+      </a:lnRef>
+      <a:fillRef idx="0">
+        <a:scrgbClr r="0" g="0" b="0"/>
+      </a:fillRef>
+      <a:effectRef idx="0">
+        <a:scrgbClr r="0" g="0" b="0"/>
+      </a:effectRef>
+      <a:fontRef idx="minor"/>
+    </dgm:style>
+  </dgm:styleLbl>
+  <dgm:styleLbl name="fgAcc1">
+    <dgm:scene3d>
+      <a:camera prst="orthographicFront"/>
+      <a:lightRig rig="threePt" dir="t"/>
+    </dgm:scene3d>
+    <dgm:sp3d/>
+    <dgm:txPr/>
+    <dgm:style>
+      <a:lnRef idx="2">
+        <a:scrgbClr r="0" g="0" b="0"/>
+      </a:lnRef>
+      <a:fillRef idx="1">
+        <a:scrgbClr r="0" g="0" b="0"/>
+      </a:fillRef>
+      <a:effectRef idx="0">
+        <a:scrgbClr r="0" g="0" b="0"/>
+      </a:effectRef>
+      <a:fontRef idx="minor"/>
+    </dgm:style>
+  </dgm:styleLbl>
+  <dgm:styleLbl name="conFgAcc1">
+    <dgm:scene3d>
+      <a:camera prst="orthographicFront"/>
+      <a:lightRig rig="threePt" dir="t"/>
+    </dgm:scene3d>
+    <dgm:sp3d/>
+    <dgm:txPr/>
+    <dgm:style>
+      <a:lnRef idx="2">
+        <a:scrgbClr r="0" g="0" b="0"/>
+      </a:lnRef>
+      <a:fillRef idx="1">
+        <a:scrgbClr r="0" g="0" b="0"/>
+      </a:fillRef>
+      <a:effectRef idx="0">
+        <a:scrgbClr r="0" g="0" b="0"/>
+      </a:effectRef>
+      <a:fontRef idx="minor"/>
+    </dgm:style>
+  </dgm:styleLbl>
+  <dgm:styleLbl name="alignAcc1">
+    <dgm:scene3d>
+      <a:camera prst="orthographicFront"/>
+      <a:lightRig rig="threePt" dir="t"/>
+    </dgm:scene3d>
+    <dgm:sp3d/>
+    <dgm:txPr/>
+    <dgm:style>
+      <a:lnRef idx="2">
+        <a:scrgbClr r="0" g="0" b="0"/>
+      </a:lnRef>
+      <a:fillRef idx="1">
+        <a:scrgbClr r="0" g="0" b="0"/>
+      </a:fillRef>
+      <a:effectRef idx="0">
+        <a:scrgbClr r="0" g="0" b="0"/>
+      </a:effectRef>
+      <a:fontRef idx="minor"/>
+    </dgm:style>
+  </dgm:styleLbl>
+  <dgm:styleLbl name="trAlignAcc1">
+    <dgm:scene3d>
+      <a:camera prst="orthographicFront"/>
+      <a:lightRig rig="threePt" dir="t"/>
+    </dgm:scene3d>
+    <dgm:sp3d/>
+    <dgm:txPr/>
+    <dgm:style>
+      <a:lnRef idx="1">
+        <a:scrgbClr r="0" g="0" b="0"/>
+      </a:lnRef>
+      <a:fillRef idx="1">
+        <a:scrgbClr r="0" g="0" b="0"/>
+      </a:fillRef>
+      <a:effectRef idx="0">
+        <a:scrgbClr r="0" g="0" b="0"/>
+      </a:effectRef>
+      <a:fontRef idx="minor"/>
+    </dgm:style>
+  </dgm:styleLbl>
+  <dgm:styleLbl name="bgAcc1">
+    <dgm:scene3d>
+      <a:camera prst="orthographicFront"/>
+      <a:lightRig rig="threePt" dir="t"/>
+    </dgm:scene3d>
+    <dgm:sp3d/>
+    <dgm:txPr/>
+    <dgm:style>
+      <a:lnRef idx="2">
+        <a:scrgbClr r="0" g="0" b="0"/>
+      </a:lnRef>
+      <a:fillRef idx="1">
+        <a:scrgbClr r="0" g="0" b="0"/>
+      </a:fillRef>
+      <a:effectRef idx="0">
+        <a:scrgbClr r="0" g="0" b="0"/>
+      </a:effectRef>
+      <a:fontRef idx="minor"/>
+    </dgm:style>
+  </dgm:styleLbl>
+  <dgm:styleLbl name="solidFgAcc1">
+    <dgm:scene3d>
+      <a:camera prst="orthographicFront"/>
+      <a:lightRig rig="threePt" dir="t"/>
+    </dgm:scene3d>
+    <dgm:sp3d/>
+    <dgm:txPr/>
+    <dgm:style>
+      <a:lnRef idx="2">
+        <a:scrgbClr r="0" g="0" b="0"/>
+      </a:lnRef>
+      <a:fillRef idx="1">
+        <a:scrgbClr r="0" g="0" b="0"/>
+      </a:fillRef>
+      <a:effectRef idx="0">
+        <a:scrgbClr r="0" g="0" b="0"/>
+      </a:effectRef>
+      <a:fontRef idx="minor"/>
+    </dgm:style>
+  </dgm:styleLbl>
+  <dgm:styleLbl name="solidAlignAcc1">
+    <dgm:scene3d>
+      <a:camera prst="orthographicFront"/>
+      <a:lightRig rig="threePt" dir="t"/>
+    </dgm:scene3d>
+    <dgm:sp3d/>
+    <dgm:txPr/>
+    <dgm:style>
+      <a:lnRef idx="2">
+        <a:scrgbClr r="0" g="0" b="0"/>
+      </a:lnRef>
+      <a:fillRef idx="1">
+        <a:scrgbClr r="0" g="0" b="0"/>
+      </a:fillRef>
+      <a:effectRef idx="0">
+        <a:scrgbClr r="0" g="0" b="0"/>
+      </a:effectRef>
+      <a:fontRef idx="minor"/>
+    </dgm:style>
+  </dgm:styleLbl>
+  <dgm:styleLbl name="solidBgAcc1">
+    <dgm:scene3d>
+      <a:camera prst="orthographicFront"/>
+      <a:lightRig rig="threePt" dir="t"/>
+    </dgm:scene3d>
+    <dgm:sp3d/>
+    <dgm:txPr/>
+    <dgm:style>
+      <a:lnRef idx="2">
+        <a:scrgbClr r="0" g="0" b="0"/>
+      </a:lnRef>
+      <a:fillRef idx="1">
+        <a:scrgbClr r="0" g="0" b="0"/>
+      </a:fillRef>
+      <a:effectRef idx="0">
+        <a:scrgbClr r="0" g="0" b="0"/>
+      </a:effectRef>
+      <a:fontRef idx="minor"/>
+    </dgm:style>
+  </dgm:styleLbl>
+  <dgm:styleLbl name="fgAccFollowNode1">
+    <dgm:scene3d>
+      <a:camera prst="orthographicFront"/>
+      <a:lightRig rig="threePt" dir="t"/>
+    </dgm:scene3d>
+    <dgm:sp3d/>
+    <dgm:txPr/>
+    <dgm:style>
+      <a:lnRef idx="2">
+        <a:scrgbClr r="0" g="0" b="0"/>
+      </a:lnRef>
+      <a:fillRef idx="1">
+        <a:scrgbClr r="0" g="0" b="0"/>
+      </a:fillRef>
+      <a:effectRef idx="0">
+        <a:scrgbClr r="0" g="0" b="0"/>
+      </a:effectRef>
+      <a:fontRef idx="minor"/>
+    </dgm:style>
+  </dgm:styleLbl>
+  <dgm:styleLbl name="alignAccFollowNode1">
+    <dgm:scene3d>
+      <a:camera prst="orthographicFront"/>
+      <a:lightRig rig="threePt" dir="t"/>
+    </dgm:scene3d>
+    <dgm:sp3d/>
+    <dgm:txPr/>
+    <dgm:style>
+      <a:lnRef idx="2">
+        <a:scrgbClr r="0" g="0" b="0"/>
+      </a:lnRef>
+      <a:fillRef idx="1">
+        <a:scrgbClr r="0" g="0" b="0"/>
+      </a:fillRef>
+      <a:effectRef idx="0">
+        <a:scrgbClr r="0" g="0" b="0"/>
+      </a:effectRef>
+      <a:fontRef idx="minor"/>
+    </dgm:style>
+  </dgm:styleLbl>
+  <dgm:styleLbl name="bgAccFollowNode1">
+    <dgm:scene3d>
+      <a:camera prst="orthographicFront"/>
+      <a:lightRig rig="threePt" dir="t"/>
+    </dgm:scene3d>
+    <dgm:sp3d/>
+    <dgm:txPr/>
+    <dgm:style>
+      <a:lnRef idx="2">
+        <a:scrgbClr r="0" g="0" b="0"/>
+      </a:lnRef>
+      <a:fillRef idx="1">
+        <a:scrgbClr r="0" g="0" b="0"/>
+      </a:fillRef>
+      <a:effectRef idx="0">
+        <a:scrgbClr r="0" g="0" b="0"/>
+      </a:effectRef>
+      <a:fontRef idx="minor"/>
+    </dgm:style>
+  </dgm:styleLbl>
+  <dgm:styleLbl name="fgAcc0">
+    <dgm:scene3d>
+      <a:camera prst="orthographicFront"/>
+      <a:lightRig rig="threePt" dir="t"/>
+    </dgm:scene3d>
+    <dgm:sp3d/>
+    <dgm:txPr/>
+    <dgm:style>
+      <a:lnRef idx="2">
+        <a:scrgbClr r="0" g="0" b="0"/>
+      </a:lnRef>
+      <a:fillRef idx="1">
+        <a:scrgbClr r="0" g="0" b="0"/>
+      </a:fillRef>
+      <a:effectRef idx="0">
+        <a:scrgbClr r="0" g="0" b="0"/>
+      </a:effectRef>
+      <a:fontRef idx="minor"/>
+    </dgm:style>
+  </dgm:styleLbl>
+  <dgm:styleLbl name="fgAcc2">
+    <dgm:scene3d>
+      <a:camera prst="orthographicFront"/>
+      <a:lightRig rig="threePt" dir="t"/>
+    </dgm:scene3d>
+    <dgm:sp3d/>
+    <dgm:txPr/>
+    <dgm:style>
+      <a:lnRef idx="2">
+        <a:scrgbClr r="0" g="0" b="0"/>
+      </a:lnRef>
+      <a:fillRef idx="1">
+        <a:scrgbClr r="0" g="0" b="0"/>
+      </a:fillRef>
+      <a:effectRef idx="0">
+        <a:scrgbClr r="0" g="0" b="0"/>
+      </a:effectRef>
+      <a:fontRef idx="minor"/>
+    </dgm:style>
+  </dgm:styleLbl>
+  <dgm:styleLbl name="fgAcc3">
+    <dgm:scene3d>
+      <a:camera prst="orthographicFront"/>
+      <a:lightRig rig="threePt" dir="t"/>
+    </dgm:scene3d>
+    <dgm:sp3d/>
+    <dgm:txPr/>
+    <dgm:style>
+      <a:lnRef idx="2">
+        <a:scrgbClr r="0" g="0" b="0"/>
+      </a:lnRef>
+      <a:fillRef idx="1">
+        <a:scrgbClr r="0" g="0" b="0"/>
+      </a:fillRef>
+      <a:effectRef idx="0">
+        <a:scrgbClr r="0" g="0" b="0"/>
+      </a:effectRef>
+      <a:fontRef idx="minor"/>
+    </dgm:style>
+  </dgm:styleLbl>
+  <dgm:styleLbl name="fgAcc4">
+    <dgm:scene3d>
+      <a:camera prst="orthographicFront"/>
+      <a:lightRig rig="threePt" dir="t"/>
+    </dgm:scene3d>
+    <dgm:sp3d/>
+    <dgm:txPr/>
+    <dgm:style>
+      <a:lnRef idx="2">
+        <a:scrgbClr r="0" g="0" b="0"/>
+      </a:lnRef>
+      <a:fillRef idx="1">
+        <a:scrgbClr r="0" g="0" b="0"/>
+      </a:fillRef>
+      <a:effectRef idx="0">
+        <a:scrgbClr r="0" g="0" b="0"/>
+      </a:effectRef>
+      <a:fontRef idx="minor"/>
+    </dgm:style>
+  </dgm:styleLbl>
+  <dgm:styleLbl name="bgShp">
+    <dgm:scene3d>
+      <a:camera prst="orthographicFront"/>
+      <a:lightRig rig="threePt" dir="t"/>
+    </dgm:scene3d>
+    <dgm:sp3d/>
+    <dgm:txPr/>
+    <dgm:style>
+      <a:lnRef idx="0">
+        <a:scrgbClr r="0" g="0" b="0"/>
+      </a:lnRef>
+      <a:fillRef idx="1">
+        <a:scrgbClr r="0" g="0" b="0"/>
+      </a:fillRef>
+      <a:effectRef idx="0">
+        <a:scrgbClr r="0" g="0" b="0"/>
+      </a:effectRef>
+      <a:fontRef idx="minor"/>
+    </dgm:style>
+  </dgm:styleLbl>
+  <dgm:styleLbl name="dkBgShp">
+    <dgm:scene3d>
+      <a:camera prst="orthographicFront"/>
+      <a:lightRig rig="threePt" dir="t"/>
+    </dgm:scene3d>
+    <dgm:sp3d/>
+    <dgm:txPr/>
+    <dgm:style>
+      <a:lnRef idx="0">
+        <a:scrgbClr r="0" g="0" b="0"/>
+      </a:lnRef>
+      <a:fillRef idx="1">
+        <a:scrgbClr r="0" g="0" b="0"/>
+      </a:fillRef>
+      <a:effectRef idx="0">
+        <a:scrgbClr r="0" g="0" b="0"/>
+      </a:effectRef>
+      <a:fontRef idx="minor"/>
+    </dgm:style>
+  </dgm:styleLbl>
+  <dgm:styleLbl name="trBgShp">
+    <dgm:scene3d>
+      <a:camera prst="orthographicFront"/>
+      <a:lightRig rig="threePt" dir="t"/>
+    </dgm:scene3d>
+    <dgm:sp3d/>
+    <dgm:txPr/>
+    <dgm:style>
+      <a:lnRef idx="0">
+        <a:scrgbClr r="0" g="0" b="0"/>
+      </a:lnRef>
+      <a:fillRef idx="1">
+        <a:scrgbClr r="0" g="0" b="0"/>
+      </a:fillRef>
+      <a:effectRef idx="0">
+        <a:scrgbClr r="0" g="0" b="0"/>
+      </a:effectRef>
+      <a:fontRef idx="minor"/>
+    </dgm:style>
+  </dgm:styleLbl>
+  <dgm:styleLbl name="fgShp">
+    <dgm:scene3d>
+      <a:camera prst="orthographicFront"/>
+      <a:lightRig rig="threePt" dir="t"/>
+    </dgm:scene3d>
+    <dgm:sp3d/>
+    <dgm:txPr/>
+    <dgm:style>
+      <a:lnRef idx="2">
+        <a:scrgbClr r="0" g="0" b="0"/>
+      </a:lnRef>
+      <a:fillRef idx="1">
+        <a:scrgbClr r="0" g="0" b="0"/>
+      </a:fillRef>
+      <a:effectRef idx="0">
+        <a:scrgbClr r="0" g="0" b="0"/>
+      </a:effectRef>
+      <a:fontRef idx="minor"/>
+    </dgm:style>
+  </dgm:styleLbl>
+  <dgm:styleLbl name="revTx">
+    <dgm:scene3d>
+      <a:camera prst="orthographicFront"/>
+      <a:lightRig rig="threePt" dir="t"/>
+    </dgm:scene3d>
+    <dgm:sp3d/>
+    <dgm:txPr/>
+    <dgm:style>
+      <a:lnRef idx="0">
+        <a:scrgbClr r="0" g="0" b="0"/>
+      </a:lnRef>
+      <a:fillRef idx="0">
+        <a:scrgbClr r="0" g="0" b="0"/>
+      </a:fillRef>
+      <a:effectRef idx="0">
+        <a:scrgbClr r="0" g="0" b="0"/>
+      </a:effectRef>
+      <a:fontRef idx="minor"/>
+    </dgm:style>
+  </dgm:styleLbl>
+</dgm:styleDef>
 </file>
 
 <file path=ppt/notesMasters/notesMaster1.xml><?xml version="1.0" encoding="utf-8"?>
@@ -5778,37 +8274,43 @@
           <a:chExt cx="0" cy="0"/>
         </a:xfrm>
       </p:grpSpPr>
-      <p:sp>
-        <p:nvSpPr>
-          <p:cNvPr id="2" name="Inhaltsplatzhalter 1">
+      <p:graphicFrame>
+        <p:nvGraphicFramePr>
+          <p:cNvPr id="8" name="Inhaltsplatzhalter 7">
             <a:extLst>
               <a:ext uri="{FF2B5EF4-FFF2-40B4-BE49-F238E27FC236}">
-                <a16:creationId xmlns:a16="http://schemas.microsoft.com/office/drawing/2014/main" id="{15C63717-1B73-429C-88FD-E54484D94826}"/>
+                <a16:creationId xmlns:a16="http://schemas.microsoft.com/office/drawing/2014/main" id="{FBF90D89-FC18-44EB-B2E5-11BAEC0F4E16}"/>
               </a:ext>
             </a:extLst>
           </p:cNvPr>
-          <p:cNvSpPr>
-            <a:spLocks noGrp="1"/>
-          </p:cNvSpPr>
+          <p:cNvGraphicFramePr>
+            <a:graphicFrameLocks noGrp="1"/>
+          </p:cNvGraphicFramePr>
           <p:nvPr>
             <p:ph idx="1"/>
+            <p:extLst>
+              <p:ext uri="{D42A27DB-BD31-4B8C-83A1-F6EECF244321}">
+                <p14:modId xmlns:p14="http://schemas.microsoft.com/office/powerpoint/2010/main" val="578986704"/>
+              </p:ext>
+            </p:extLst>
           </p:nvPr>
-        </p:nvSpPr>
-        <p:spPr/>
-        <p:txBody>
-          <a:bodyPr/>
-          <a:lstStyle/>
-          <a:p>
-            <a:endParaRPr lang="de-DE" dirty="0"/>
-          </a:p>
-        </p:txBody>
-      </p:sp>
+        </p:nvGraphicFramePr>
+        <p:xfrm>
+          <a:off x="1784283" y="1701063"/>
+          <a:ext cx="8623434" cy="3886150"/>
+        </p:xfrm>
+        <a:graphic>
+          <a:graphicData uri="http://schemas.openxmlformats.org/drawingml/2006/diagram">
+            <dgm:relIds xmlns:dgm="http://schemas.openxmlformats.org/drawingml/2006/diagram" xmlns:r="http://schemas.openxmlformats.org/officeDocument/2006/relationships" r:dm="rId2" r:lo="rId3" r:qs="rId4" r:cs="rId5"/>
+          </a:graphicData>
+        </a:graphic>
+      </p:graphicFrame>
       <p:sp>
         <p:nvSpPr>
           <p:cNvPr id="3" name="Datumsplatzhalter 2">
             <a:extLst>
               <a:ext uri="{FF2B5EF4-FFF2-40B4-BE49-F238E27FC236}">
-                <a16:creationId xmlns:a16="http://schemas.microsoft.com/office/drawing/2014/main" id="{758882C4-8B9B-4746-96C5-36A91AF4E8AF}"/>
+                <a16:creationId xmlns:a16="http://schemas.microsoft.com/office/drawing/2014/main" id="{FFC878E0-6CD5-458F-B9BA-6E3C6F358F90}"/>
               </a:ext>
             </a:extLst>
           </p:cNvPr>
@@ -5837,7 +8339,7 @@
           <p:cNvPr id="4" name="Fußzeilenplatzhalter 3">
             <a:extLst>
               <a:ext uri="{FF2B5EF4-FFF2-40B4-BE49-F238E27FC236}">
-                <a16:creationId xmlns:a16="http://schemas.microsoft.com/office/drawing/2014/main" id="{51A71253-D448-4037-A6C3-CC7A6E9ED606}"/>
+                <a16:creationId xmlns:a16="http://schemas.microsoft.com/office/drawing/2014/main" id="{D8C400B5-8E53-452E-87B4-BA9C43958C58}"/>
               </a:ext>
             </a:extLst>
           </p:cNvPr>
@@ -5865,7 +8367,7 @@
           <p:cNvPr id="5" name="Foliennummernplatzhalter 4">
             <a:extLst>
               <a:ext uri="{FF2B5EF4-FFF2-40B4-BE49-F238E27FC236}">
-                <a16:creationId xmlns:a16="http://schemas.microsoft.com/office/drawing/2014/main" id="{992697C4-33D6-4C2A-899B-084BD779AC26}"/>
+                <a16:creationId xmlns:a16="http://schemas.microsoft.com/office/drawing/2014/main" id="{FFF6272D-B2F5-4D4A-8BE2-FDC78D3C4CB1}"/>
               </a:ext>
             </a:extLst>
           </p:cNvPr>
@@ -5894,7 +8396,7 @@
           <p:cNvPr id="6" name="Textplatzhalter 5">
             <a:extLst>
               <a:ext uri="{FF2B5EF4-FFF2-40B4-BE49-F238E27FC236}">
-                <a16:creationId xmlns:a16="http://schemas.microsoft.com/office/drawing/2014/main" id="{1A510F3A-C4AF-4836-9FB5-83584A0F6635}"/>
+                <a16:creationId xmlns:a16="http://schemas.microsoft.com/office/drawing/2014/main" id="{27CB312E-8440-4D49-9195-E27AE78EF5D9}"/>
               </a:ext>
             </a:extLst>
           </p:cNvPr>
@@ -5910,7 +8412,10 @@
           <a:bodyPr/>
           <a:lstStyle/>
           <a:p>
-            <a:endParaRPr lang="de-DE"/>
+            <a:r>
+              <a:rPr lang="de-DE" dirty="0"/>
+              <a:t>Umsetzung</a:t>
+            </a:r>
           </a:p>
         </p:txBody>
       </p:sp>
@@ -5919,7 +8424,7 @@
           <p:cNvPr id="7" name="Textplatzhalter 6">
             <a:extLst>
               <a:ext uri="{FF2B5EF4-FFF2-40B4-BE49-F238E27FC236}">
-                <a16:creationId xmlns:a16="http://schemas.microsoft.com/office/drawing/2014/main" id="{46D27D0F-F653-4CA3-A806-3F3747C8305D}"/>
+                <a16:creationId xmlns:a16="http://schemas.microsoft.com/office/drawing/2014/main" id="{0DACF167-7935-480F-A4D8-24AB942E276A}"/>
               </a:ext>
             </a:extLst>
           </p:cNvPr>
@@ -5930,19 +8435,14 @@
             <p:ph type="body" sz="quarter" idx="13"/>
           </p:nvPr>
         </p:nvSpPr>
-        <p:spPr>
-          <a:xfrm>
-            <a:off x="3889510" y="681037"/>
-            <a:ext cx="4412980" cy="571500"/>
-          </a:xfrm>
-        </p:spPr>
+        <p:spPr/>
         <p:txBody>
           <a:bodyPr/>
           <a:lstStyle/>
           <a:p>
             <a:r>
               <a:rPr lang="de-DE" dirty="0"/>
-              <a:t>MySQL Anbindung</a:t>
+              <a:t>Anmeldung</a:t>
             </a:r>
           </a:p>
         </p:txBody>
@@ -5950,16 +8450,13 @@
     </p:spTree>
     <p:extLst>
       <p:ext uri="{BB962C8B-B14F-4D97-AF65-F5344CB8AC3E}">
-        <p14:creationId xmlns:p14="http://schemas.microsoft.com/office/powerpoint/2010/main" val="4100918803"/>
+        <p14:creationId xmlns:p14="http://schemas.microsoft.com/office/powerpoint/2010/main" val="3207530046"/>
       </p:ext>
     </p:extLst>
   </p:cSld>
   <p:clrMapOvr>
     <a:masterClrMapping/>
   </p:clrMapOvr>
-  <p:transition spd="slow">
-    <p:push dir="u"/>
-  </p:transition>
 </p:sld>
 </file>
 
@@ -5985,7 +8482,7 @@
           <p:cNvPr id="2" name="Inhaltsplatzhalter 1">
             <a:extLst>
               <a:ext uri="{FF2B5EF4-FFF2-40B4-BE49-F238E27FC236}">
-                <a16:creationId xmlns:a16="http://schemas.microsoft.com/office/drawing/2014/main" id="{0B13E24B-FBB7-4D83-AAD2-9118F2562E26}"/>
+                <a16:creationId xmlns:a16="http://schemas.microsoft.com/office/drawing/2014/main" id="{15C63717-1B73-429C-88FD-E54484D94826}"/>
               </a:ext>
             </a:extLst>
           </p:cNvPr>
@@ -6001,7 +8498,7 @@
           <a:bodyPr/>
           <a:lstStyle/>
           <a:p>
-            <a:endParaRPr lang="de-DE"/>
+            <a:endParaRPr lang="de-DE" dirty="0"/>
           </a:p>
         </p:txBody>
       </p:sp>
@@ -6010,7 +8507,7 @@
           <p:cNvPr id="3" name="Datumsplatzhalter 2">
             <a:extLst>
               <a:ext uri="{FF2B5EF4-FFF2-40B4-BE49-F238E27FC236}">
-                <a16:creationId xmlns:a16="http://schemas.microsoft.com/office/drawing/2014/main" id="{FFC878E0-6CD5-458F-B9BA-6E3C6F358F90}"/>
+                <a16:creationId xmlns:a16="http://schemas.microsoft.com/office/drawing/2014/main" id="{758882C4-8B9B-4746-96C5-36A91AF4E8AF}"/>
               </a:ext>
             </a:extLst>
           </p:cNvPr>
@@ -6039,7 +8536,7 @@
           <p:cNvPr id="4" name="Fußzeilenplatzhalter 3">
             <a:extLst>
               <a:ext uri="{FF2B5EF4-FFF2-40B4-BE49-F238E27FC236}">
-                <a16:creationId xmlns:a16="http://schemas.microsoft.com/office/drawing/2014/main" id="{D8C400B5-8E53-452E-87B4-BA9C43958C58}"/>
+                <a16:creationId xmlns:a16="http://schemas.microsoft.com/office/drawing/2014/main" id="{51A71253-D448-4037-A6C3-CC7A6E9ED606}"/>
               </a:ext>
             </a:extLst>
           </p:cNvPr>
@@ -6067,7 +8564,7 @@
           <p:cNvPr id="5" name="Foliennummernplatzhalter 4">
             <a:extLst>
               <a:ext uri="{FF2B5EF4-FFF2-40B4-BE49-F238E27FC236}">
-                <a16:creationId xmlns:a16="http://schemas.microsoft.com/office/drawing/2014/main" id="{FFF6272D-B2F5-4D4A-8BE2-FDC78D3C4CB1}"/>
+                <a16:creationId xmlns:a16="http://schemas.microsoft.com/office/drawing/2014/main" id="{992697C4-33D6-4C2A-899B-084BD779AC26}"/>
               </a:ext>
             </a:extLst>
           </p:cNvPr>
@@ -6096,7 +8593,7 @@
           <p:cNvPr id="6" name="Textplatzhalter 5">
             <a:extLst>
               <a:ext uri="{FF2B5EF4-FFF2-40B4-BE49-F238E27FC236}">
-                <a16:creationId xmlns:a16="http://schemas.microsoft.com/office/drawing/2014/main" id="{27CB312E-8440-4D49-9195-E27AE78EF5D9}"/>
+                <a16:creationId xmlns:a16="http://schemas.microsoft.com/office/drawing/2014/main" id="{1A510F3A-C4AF-4836-9FB5-83584A0F6635}"/>
               </a:ext>
             </a:extLst>
           </p:cNvPr>
@@ -6112,10 +8609,7 @@
           <a:bodyPr/>
           <a:lstStyle/>
           <a:p>
-            <a:r>
-              <a:rPr lang="de-DE" dirty="0"/>
-              <a:t>Umsetzung</a:t>
-            </a:r>
+            <a:endParaRPr lang="de-DE"/>
           </a:p>
         </p:txBody>
       </p:sp>
@@ -6124,7 +8618,7 @@
           <p:cNvPr id="7" name="Textplatzhalter 6">
             <a:extLst>
               <a:ext uri="{FF2B5EF4-FFF2-40B4-BE49-F238E27FC236}">
-                <a16:creationId xmlns:a16="http://schemas.microsoft.com/office/drawing/2014/main" id="{0DACF167-7935-480F-A4D8-24AB942E276A}"/>
+                <a16:creationId xmlns:a16="http://schemas.microsoft.com/office/drawing/2014/main" id="{46D27D0F-F653-4CA3-A806-3F3747C8305D}"/>
               </a:ext>
             </a:extLst>
           </p:cNvPr>
@@ -6135,14 +8629,19 @@
             <p:ph type="body" sz="quarter" idx="13"/>
           </p:nvPr>
         </p:nvSpPr>
-        <p:spPr/>
+        <p:spPr>
+          <a:xfrm>
+            <a:off x="3889510" y="681037"/>
+            <a:ext cx="4412980" cy="571500"/>
+          </a:xfrm>
+        </p:spPr>
         <p:txBody>
           <a:bodyPr/>
           <a:lstStyle/>
           <a:p>
             <a:r>
               <a:rPr lang="de-DE" dirty="0"/>
-              <a:t>Funktionen</a:t>
+              <a:t>MySQL Anbindung</a:t>
             </a:r>
           </a:p>
         </p:txBody>
@@ -6150,13 +8649,16 @@
     </p:spTree>
     <p:extLst>
       <p:ext uri="{BB962C8B-B14F-4D97-AF65-F5344CB8AC3E}">
-        <p14:creationId xmlns:p14="http://schemas.microsoft.com/office/powerpoint/2010/main" val="3207530046"/>
+        <p14:creationId xmlns:p14="http://schemas.microsoft.com/office/powerpoint/2010/main" val="4100918803"/>
       </p:ext>
     </p:extLst>
   </p:cSld>
   <p:clrMapOvr>
     <a:masterClrMapping/>
   </p:clrMapOvr>
+  <p:transition spd="slow">
+    <p:push dir="u"/>
+  </p:transition>
 </p:sld>
 </file>
 
@@ -6182,7 +8684,7 @@
           <p:cNvPr id="2" name="Inhaltsplatzhalter 1">
             <a:extLst>
               <a:ext uri="{FF2B5EF4-FFF2-40B4-BE49-F238E27FC236}">
-                <a16:creationId xmlns:a16="http://schemas.microsoft.com/office/drawing/2014/main" id="{E612BD94-F616-47A5-8A8A-2BA1E8A73F9F}"/>
+                <a16:creationId xmlns:a16="http://schemas.microsoft.com/office/drawing/2014/main" id="{8AA4BFA7-8161-4079-9C4F-6A3057302B12}"/>
               </a:ext>
             </a:extLst>
           </p:cNvPr>
@@ -6207,7 +8709,7 @@
           <p:cNvPr id="3" name="Datumsplatzhalter 2">
             <a:extLst>
               <a:ext uri="{FF2B5EF4-FFF2-40B4-BE49-F238E27FC236}">
-                <a16:creationId xmlns:a16="http://schemas.microsoft.com/office/drawing/2014/main" id="{EE5559E5-2018-41BC-A0BB-9DDC76DFF886}"/>
+                <a16:creationId xmlns:a16="http://schemas.microsoft.com/office/drawing/2014/main" id="{BA15DD8D-1C9A-453B-8A83-B8C09DC0A5F7}"/>
               </a:ext>
             </a:extLst>
           </p:cNvPr>
@@ -6236,7 +8738,7 @@
           <p:cNvPr id="4" name="Fußzeilenplatzhalter 3">
             <a:extLst>
               <a:ext uri="{FF2B5EF4-FFF2-40B4-BE49-F238E27FC236}">
-                <a16:creationId xmlns:a16="http://schemas.microsoft.com/office/drawing/2014/main" id="{D736E08B-8C68-40E8-A5E4-6C7E60964722}"/>
+                <a16:creationId xmlns:a16="http://schemas.microsoft.com/office/drawing/2014/main" id="{6668ACCD-E6CA-418B-95B6-DF62C72E7588}"/>
               </a:ext>
             </a:extLst>
           </p:cNvPr>
@@ -6264,7 +8766,7 @@
           <p:cNvPr id="5" name="Foliennummernplatzhalter 4">
             <a:extLst>
               <a:ext uri="{FF2B5EF4-FFF2-40B4-BE49-F238E27FC236}">
-                <a16:creationId xmlns:a16="http://schemas.microsoft.com/office/drawing/2014/main" id="{AA67B7CD-8F4B-431E-8B55-2317E6212962}"/>
+                <a16:creationId xmlns:a16="http://schemas.microsoft.com/office/drawing/2014/main" id="{F0E85529-4EB5-4EE0-843D-21709DC11FDF}"/>
               </a:ext>
             </a:extLst>
           </p:cNvPr>
@@ -6293,7 +8795,7 @@
           <p:cNvPr id="6" name="Textplatzhalter 5">
             <a:extLst>
               <a:ext uri="{FF2B5EF4-FFF2-40B4-BE49-F238E27FC236}">
-                <a16:creationId xmlns:a16="http://schemas.microsoft.com/office/drawing/2014/main" id="{69E79B6C-557E-4A59-A4F6-7B03BEC86559}"/>
+                <a16:creationId xmlns:a16="http://schemas.microsoft.com/office/drawing/2014/main" id="{F3ADD919-596E-40A7-BE72-1CCFDAD57502}"/>
               </a:ext>
             </a:extLst>
           </p:cNvPr>
@@ -6318,7 +8820,7 @@
           <p:cNvPr id="7" name="Textplatzhalter 6">
             <a:extLst>
               <a:ext uri="{FF2B5EF4-FFF2-40B4-BE49-F238E27FC236}">
-                <a16:creationId xmlns:a16="http://schemas.microsoft.com/office/drawing/2014/main" id="{47B40ACF-4003-405E-9F06-FF8CCE97C464}"/>
+                <a16:creationId xmlns:a16="http://schemas.microsoft.com/office/drawing/2014/main" id="{AA7FF5AE-D648-4614-AE32-056E41165369}"/>
               </a:ext>
             </a:extLst>
           </p:cNvPr>
@@ -6334,17 +8836,14 @@
           <a:bodyPr/>
           <a:lstStyle/>
           <a:p>
-            <a:r>
-              <a:rPr lang="de-DE" dirty="0"/>
-              <a:t>UML Diagramm</a:t>
-            </a:r>
+            <a:endParaRPr lang="de-DE"/>
           </a:p>
         </p:txBody>
       </p:sp>
     </p:spTree>
     <p:extLst>
       <p:ext uri="{BB962C8B-B14F-4D97-AF65-F5344CB8AC3E}">
-        <p14:creationId xmlns:p14="http://schemas.microsoft.com/office/powerpoint/2010/main" val="2452283257"/>
+        <p14:creationId xmlns:p14="http://schemas.microsoft.com/office/powerpoint/2010/main" val="1391399883"/>
       </p:ext>
     </p:extLst>
   </p:cSld>
@@ -6786,7 +9285,12 @@
             <p:ph type="body" idx="1"/>
           </p:nvPr>
         </p:nvSpPr>
-        <p:spPr/>
+        <p:spPr>
+          <a:xfrm>
+            <a:off x="332714" y="1323716"/>
+            <a:ext cx="5157787" cy="823912"/>
+          </a:xfrm>
+        </p:spPr>
         <p:txBody>
           <a:bodyPr/>
           <a:lstStyle/>
@@ -6816,7 +9320,12 @@
             <p:ph sz="half" idx="2"/>
           </p:nvPr>
         </p:nvSpPr>
-        <p:spPr/>
+        <p:spPr>
+          <a:xfrm>
+            <a:off x="332714" y="2243441"/>
+            <a:ext cx="5157787" cy="3933522"/>
+          </a:xfrm>
+        </p:spPr>
         <p:txBody>
           <a:bodyPr/>
           <a:lstStyle/>
@@ -7149,6 +9658,67 @@
           </a:p>
         </p:txBody>
       </p:sp>
+      <p:sp>
+        <p:nvSpPr>
+          <p:cNvPr id="6" name="Rechteck 5">
+            <a:extLst>
+              <a:ext uri="{FF2B5EF4-FFF2-40B4-BE49-F238E27FC236}">
+                <a16:creationId xmlns:a16="http://schemas.microsoft.com/office/drawing/2014/main" id="{A885326E-FCB9-4AA4-AD34-FC582BDCE351}"/>
+              </a:ext>
+            </a:extLst>
+          </p:cNvPr>
+          <p:cNvSpPr/>
+          <p:nvPr/>
+        </p:nvSpPr>
+        <p:spPr>
+          <a:xfrm>
+            <a:off x="3048000" y="4699400"/>
+            <a:ext cx="6096000" cy="1384995"/>
+          </a:xfrm>
+          <a:prstGeom prst="rect">
+            <a:avLst/>
+          </a:prstGeom>
+        </p:spPr>
+        <p:txBody>
+          <a:bodyPr>
+            <a:spAutoFit/>
+          </a:bodyPr>
+          <a:lstStyle/>
+          <a:p>
+            <a:pPr marL="457200" indent="-457200">
+              <a:buFont typeface="Arial" panose="020B0604020202020204" pitchFamily="34" charset="0"/>
+              <a:buChar char="•"/>
+            </a:pPr>
+            <a:r>
+              <a:rPr lang="de-DE" sz="2800" dirty="0">
+                <a:latin typeface="Trebuchet MS" panose="020B0603020202020204" pitchFamily="34" charset="0"/>
+              </a:rPr>
+              <a:t>„Über Nordwind – Tool“ Fenster</a:t>
+            </a:r>
+          </a:p>
+          <a:p>
+            <a:pPr marL="457200" indent="-457200">
+              <a:buFont typeface="Arial" panose="020B0604020202020204" pitchFamily="34" charset="0"/>
+              <a:buChar char="•"/>
+            </a:pPr>
+            <a:r>
+              <a:rPr lang="de-DE" sz="2800" dirty="0">
+                <a:latin typeface="Trebuchet MS" panose="020B0603020202020204" pitchFamily="34" charset="0"/>
+              </a:rPr>
+              <a:t>Sicheres Anmeldefenster</a:t>
+            </a:r>
+          </a:p>
+          <a:p>
+            <a:pPr marL="457200" indent="-457200">
+              <a:buFont typeface="Arial" panose="020B0604020202020204" pitchFamily="34" charset="0"/>
+              <a:buChar char="•"/>
+            </a:pPr>
+            <a:endParaRPr lang="de-DE" sz="2800" dirty="0">
+              <a:latin typeface="Trebuchet MS" panose="020B0603020202020204" pitchFamily="34" charset="0"/>
+            </a:endParaRPr>
+          </a:p>
+        </p:txBody>
+      </p:sp>
     </p:spTree>
     <p:extLst>
       <p:ext uri="{BB962C8B-B14F-4D97-AF65-F5344CB8AC3E}">
@@ -7162,6 +9732,982 @@
   <p:transition spd="slow">
     <p:push dir="u"/>
   </p:transition>
+  <p:timing>
+    <p:tnLst>
+      <p:par>
+        <p:cTn id="1" dur="indefinite" restart="never" nodeType="tmRoot">
+          <p:childTnLst>
+            <p:seq concurrent="1" nextAc="seek">
+              <p:cTn id="2" dur="indefinite" nodeType="mainSeq">
+                <p:childTnLst>
+                  <p:par>
+                    <p:cTn id="3" fill="hold">
+                      <p:stCondLst>
+                        <p:cond delay="indefinite"/>
+                      </p:stCondLst>
+                      <p:childTnLst>
+                        <p:par>
+                          <p:cTn id="4" fill="hold">
+                            <p:stCondLst>
+                              <p:cond delay="0"/>
+                            </p:stCondLst>
+                            <p:childTnLst>
+                              <p:par>
+                                <p:cTn id="5" presetID="10" presetClass="entr" presetSubtype="0" fill="hold" grpId="0" nodeType="clickEffect">
+                                  <p:stCondLst>
+                                    <p:cond delay="0"/>
+                                  </p:stCondLst>
+                                  <p:childTnLst>
+                                    <p:set>
+                                      <p:cBhvr>
+                                        <p:cTn id="6" dur="1" fill="hold">
+                                          <p:stCondLst>
+                                            <p:cond delay="0"/>
+                                          </p:stCondLst>
+                                        </p:cTn>
+                                        <p:tgtEl>
+                                          <p:spTgt spid="8">
+                                            <p:txEl>
+                                              <p:pRg st="0" end="0"/>
+                                            </p:txEl>
+                                          </p:spTgt>
+                                        </p:tgtEl>
+                                        <p:attrNameLst>
+                                          <p:attrName>style.visibility</p:attrName>
+                                        </p:attrNameLst>
+                                      </p:cBhvr>
+                                      <p:to>
+                                        <p:strVal val="visible"/>
+                                      </p:to>
+                                    </p:set>
+                                    <p:animEffect transition="in" filter="fade">
+                                      <p:cBhvr>
+                                        <p:cTn id="7" dur="500"/>
+                                        <p:tgtEl>
+                                          <p:spTgt spid="8">
+                                            <p:txEl>
+                                              <p:pRg st="0" end="0"/>
+                                            </p:txEl>
+                                          </p:spTgt>
+                                        </p:tgtEl>
+                                      </p:cBhvr>
+                                    </p:animEffect>
+                                  </p:childTnLst>
+                                </p:cTn>
+                              </p:par>
+                            </p:childTnLst>
+                          </p:cTn>
+                        </p:par>
+                      </p:childTnLst>
+                    </p:cTn>
+                  </p:par>
+                  <p:par>
+                    <p:cTn id="8" fill="hold">
+                      <p:stCondLst>
+                        <p:cond delay="indefinite"/>
+                      </p:stCondLst>
+                      <p:childTnLst>
+                        <p:par>
+                          <p:cTn id="9" fill="hold">
+                            <p:stCondLst>
+                              <p:cond delay="0"/>
+                            </p:stCondLst>
+                            <p:childTnLst>
+                              <p:par>
+                                <p:cTn id="10" presetID="10" presetClass="entr" presetSubtype="0" fill="hold" grpId="0" nodeType="clickEffect">
+                                  <p:stCondLst>
+                                    <p:cond delay="0"/>
+                                  </p:stCondLst>
+                                  <p:childTnLst>
+                                    <p:set>
+                                      <p:cBhvr>
+                                        <p:cTn id="11" dur="1" fill="hold">
+                                          <p:stCondLst>
+                                            <p:cond delay="0"/>
+                                          </p:stCondLst>
+                                        </p:cTn>
+                                        <p:tgtEl>
+                                          <p:spTgt spid="10">
+                                            <p:txEl>
+                                              <p:pRg st="0" end="0"/>
+                                            </p:txEl>
+                                          </p:spTgt>
+                                        </p:tgtEl>
+                                        <p:attrNameLst>
+                                          <p:attrName>style.visibility</p:attrName>
+                                        </p:attrNameLst>
+                                      </p:cBhvr>
+                                      <p:to>
+                                        <p:strVal val="visible"/>
+                                      </p:to>
+                                    </p:set>
+                                    <p:animEffect transition="in" filter="fade">
+                                      <p:cBhvr>
+                                        <p:cTn id="12" dur="1000"/>
+                                        <p:tgtEl>
+                                          <p:spTgt spid="10">
+                                            <p:txEl>
+                                              <p:pRg st="0" end="0"/>
+                                            </p:txEl>
+                                          </p:spTgt>
+                                        </p:tgtEl>
+                                      </p:cBhvr>
+                                    </p:animEffect>
+                                  </p:childTnLst>
+                                </p:cTn>
+                              </p:par>
+                            </p:childTnLst>
+                          </p:cTn>
+                        </p:par>
+                        <p:par>
+                          <p:cTn id="13" fill="hold">
+                            <p:stCondLst>
+                              <p:cond delay="1000"/>
+                            </p:stCondLst>
+                            <p:childTnLst>
+                              <p:par>
+                                <p:cTn id="14" presetID="10" presetClass="entr" presetSubtype="0" fill="hold" grpId="0" nodeType="afterEffect">
+                                  <p:stCondLst>
+                                    <p:cond delay="0"/>
+                                  </p:stCondLst>
+                                  <p:childTnLst>
+                                    <p:set>
+                                      <p:cBhvr>
+                                        <p:cTn id="15" dur="1" fill="hold">
+                                          <p:stCondLst>
+                                            <p:cond delay="0"/>
+                                          </p:stCondLst>
+                                        </p:cTn>
+                                        <p:tgtEl>
+                                          <p:spTgt spid="10">
+                                            <p:txEl>
+                                              <p:pRg st="1" end="1"/>
+                                            </p:txEl>
+                                          </p:spTgt>
+                                        </p:tgtEl>
+                                        <p:attrNameLst>
+                                          <p:attrName>style.visibility</p:attrName>
+                                        </p:attrNameLst>
+                                      </p:cBhvr>
+                                      <p:to>
+                                        <p:strVal val="visible"/>
+                                      </p:to>
+                                    </p:set>
+                                    <p:animEffect transition="in" filter="fade">
+                                      <p:cBhvr>
+                                        <p:cTn id="16" dur="1000"/>
+                                        <p:tgtEl>
+                                          <p:spTgt spid="10">
+                                            <p:txEl>
+                                              <p:pRg st="1" end="1"/>
+                                            </p:txEl>
+                                          </p:spTgt>
+                                        </p:tgtEl>
+                                      </p:cBhvr>
+                                    </p:animEffect>
+                                  </p:childTnLst>
+                                </p:cTn>
+                              </p:par>
+                            </p:childTnLst>
+                          </p:cTn>
+                        </p:par>
+                        <p:par>
+                          <p:cTn id="17" fill="hold">
+                            <p:stCondLst>
+                              <p:cond delay="2000"/>
+                            </p:stCondLst>
+                            <p:childTnLst>
+                              <p:par>
+                                <p:cTn id="18" presetID="10" presetClass="entr" presetSubtype="0" fill="hold" grpId="0" nodeType="afterEffect">
+                                  <p:stCondLst>
+                                    <p:cond delay="0"/>
+                                  </p:stCondLst>
+                                  <p:childTnLst>
+                                    <p:set>
+                                      <p:cBhvr>
+                                        <p:cTn id="19" dur="1" fill="hold">
+                                          <p:stCondLst>
+                                            <p:cond delay="0"/>
+                                          </p:stCondLst>
+                                        </p:cTn>
+                                        <p:tgtEl>
+                                          <p:spTgt spid="10">
+                                            <p:txEl>
+                                              <p:pRg st="2" end="2"/>
+                                            </p:txEl>
+                                          </p:spTgt>
+                                        </p:tgtEl>
+                                        <p:attrNameLst>
+                                          <p:attrName>style.visibility</p:attrName>
+                                        </p:attrNameLst>
+                                      </p:cBhvr>
+                                      <p:to>
+                                        <p:strVal val="visible"/>
+                                      </p:to>
+                                    </p:set>
+                                    <p:animEffect transition="in" filter="fade">
+                                      <p:cBhvr>
+                                        <p:cTn id="20" dur="1000"/>
+                                        <p:tgtEl>
+                                          <p:spTgt spid="10">
+                                            <p:txEl>
+                                              <p:pRg st="2" end="2"/>
+                                            </p:txEl>
+                                          </p:spTgt>
+                                        </p:tgtEl>
+                                      </p:cBhvr>
+                                    </p:animEffect>
+                                  </p:childTnLst>
+                                </p:cTn>
+                              </p:par>
+                            </p:childTnLst>
+                          </p:cTn>
+                        </p:par>
+                        <p:par>
+                          <p:cTn id="21" fill="hold">
+                            <p:stCondLst>
+                              <p:cond delay="3000"/>
+                            </p:stCondLst>
+                            <p:childTnLst>
+                              <p:par>
+                                <p:cTn id="22" presetID="10" presetClass="entr" presetSubtype="0" fill="hold" grpId="0" nodeType="afterEffect">
+                                  <p:stCondLst>
+                                    <p:cond delay="0"/>
+                                  </p:stCondLst>
+                                  <p:childTnLst>
+                                    <p:set>
+                                      <p:cBhvr>
+                                        <p:cTn id="23" dur="1" fill="hold">
+                                          <p:stCondLst>
+                                            <p:cond delay="0"/>
+                                          </p:stCondLst>
+                                        </p:cTn>
+                                        <p:tgtEl>
+                                          <p:spTgt spid="10">
+                                            <p:txEl>
+                                              <p:pRg st="3" end="3"/>
+                                            </p:txEl>
+                                          </p:spTgt>
+                                        </p:tgtEl>
+                                        <p:attrNameLst>
+                                          <p:attrName>style.visibility</p:attrName>
+                                        </p:attrNameLst>
+                                      </p:cBhvr>
+                                      <p:to>
+                                        <p:strVal val="visible"/>
+                                      </p:to>
+                                    </p:set>
+                                    <p:animEffect transition="in" filter="fade">
+                                      <p:cBhvr>
+                                        <p:cTn id="24" dur="1000"/>
+                                        <p:tgtEl>
+                                          <p:spTgt spid="10">
+                                            <p:txEl>
+                                              <p:pRg st="3" end="3"/>
+                                            </p:txEl>
+                                          </p:spTgt>
+                                        </p:tgtEl>
+                                      </p:cBhvr>
+                                    </p:animEffect>
+                                  </p:childTnLst>
+                                </p:cTn>
+                              </p:par>
+                            </p:childTnLst>
+                          </p:cTn>
+                        </p:par>
+                      </p:childTnLst>
+                    </p:cTn>
+                  </p:par>
+                  <p:par>
+                    <p:cTn id="25" fill="hold">
+                      <p:stCondLst>
+                        <p:cond delay="indefinite"/>
+                      </p:stCondLst>
+                      <p:childTnLst>
+                        <p:par>
+                          <p:cTn id="26" fill="hold">
+                            <p:stCondLst>
+                              <p:cond delay="0"/>
+                            </p:stCondLst>
+                            <p:childTnLst>
+                              <p:par>
+                                <p:cTn id="27" presetID="10" presetClass="entr" presetSubtype="0" fill="hold" grpId="0" nodeType="clickEffect">
+                                  <p:stCondLst>
+                                    <p:cond delay="0"/>
+                                  </p:stCondLst>
+                                  <p:childTnLst>
+                                    <p:set>
+                                      <p:cBhvr>
+                                        <p:cTn id="28" dur="1" fill="hold">
+                                          <p:stCondLst>
+                                            <p:cond delay="0"/>
+                                          </p:stCondLst>
+                                        </p:cTn>
+                                        <p:tgtEl>
+                                          <p:spTgt spid="9">
+                                            <p:txEl>
+                                              <p:pRg st="0" end="0"/>
+                                            </p:txEl>
+                                          </p:spTgt>
+                                        </p:tgtEl>
+                                        <p:attrNameLst>
+                                          <p:attrName>style.visibility</p:attrName>
+                                        </p:attrNameLst>
+                                      </p:cBhvr>
+                                      <p:to>
+                                        <p:strVal val="visible"/>
+                                      </p:to>
+                                    </p:set>
+                                    <p:animEffect transition="in" filter="fade">
+                                      <p:cBhvr>
+                                        <p:cTn id="29" dur="500"/>
+                                        <p:tgtEl>
+                                          <p:spTgt spid="9">
+                                            <p:txEl>
+                                              <p:pRg st="0" end="0"/>
+                                            </p:txEl>
+                                          </p:spTgt>
+                                        </p:tgtEl>
+                                      </p:cBhvr>
+                                    </p:animEffect>
+                                  </p:childTnLst>
+                                </p:cTn>
+                              </p:par>
+                            </p:childTnLst>
+                          </p:cTn>
+                        </p:par>
+                      </p:childTnLst>
+                    </p:cTn>
+                  </p:par>
+                  <p:par>
+                    <p:cTn id="30" fill="hold">
+                      <p:stCondLst>
+                        <p:cond delay="indefinite"/>
+                      </p:stCondLst>
+                      <p:childTnLst>
+                        <p:par>
+                          <p:cTn id="31" fill="hold">
+                            <p:stCondLst>
+                              <p:cond delay="0"/>
+                            </p:stCondLst>
+                            <p:childTnLst>
+                              <p:par>
+                                <p:cTn id="32" presetID="10" presetClass="entr" presetSubtype="0" fill="hold" grpId="0" nodeType="clickEffect">
+                                  <p:stCondLst>
+                                    <p:cond delay="0"/>
+                                  </p:stCondLst>
+                                  <p:childTnLst>
+                                    <p:set>
+                                      <p:cBhvr>
+                                        <p:cTn id="33" dur="1" fill="hold">
+                                          <p:stCondLst>
+                                            <p:cond delay="0"/>
+                                          </p:stCondLst>
+                                        </p:cTn>
+                                        <p:tgtEl>
+                                          <p:spTgt spid="11">
+                                            <p:txEl>
+                                              <p:pRg st="0" end="0"/>
+                                            </p:txEl>
+                                          </p:spTgt>
+                                        </p:tgtEl>
+                                        <p:attrNameLst>
+                                          <p:attrName>style.visibility</p:attrName>
+                                        </p:attrNameLst>
+                                      </p:cBhvr>
+                                      <p:to>
+                                        <p:strVal val="visible"/>
+                                      </p:to>
+                                    </p:set>
+                                    <p:animEffect transition="in" filter="fade">
+                                      <p:cBhvr>
+                                        <p:cTn id="34" dur="1000"/>
+                                        <p:tgtEl>
+                                          <p:spTgt spid="11">
+                                            <p:txEl>
+                                              <p:pRg st="0" end="0"/>
+                                            </p:txEl>
+                                          </p:spTgt>
+                                        </p:tgtEl>
+                                      </p:cBhvr>
+                                    </p:animEffect>
+                                  </p:childTnLst>
+                                </p:cTn>
+                              </p:par>
+                            </p:childTnLst>
+                          </p:cTn>
+                        </p:par>
+                        <p:par>
+                          <p:cTn id="35" fill="hold">
+                            <p:stCondLst>
+                              <p:cond delay="1000"/>
+                            </p:stCondLst>
+                            <p:childTnLst>
+                              <p:par>
+                                <p:cTn id="36" presetID="10" presetClass="entr" presetSubtype="0" fill="hold" grpId="0" nodeType="afterEffect">
+                                  <p:stCondLst>
+                                    <p:cond delay="0"/>
+                                  </p:stCondLst>
+                                  <p:childTnLst>
+                                    <p:set>
+                                      <p:cBhvr>
+                                        <p:cTn id="37" dur="1" fill="hold">
+                                          <p:stCondLst>
+                                            <p:cond delay="0"/>
+                                          </p:stCondLst>
+                                        </p:cTn>
+                                        <p:tgtEl>
+                                          <p:spTgt spid="11">
+                                            <p:txEl>
+                                              <p:pRg st="1" end="1"/>
+                                            </p:txEl>
+                                          </p:spTgt>
+                                        </p:tgtEl>
+                                        <p:attrNameLst>
+                                          <p:attrName>style.visibility</p:attrName>
+                                        </p:attrNameLst>
+                                      </p:cBhvr>
+                                      <p:to>
+                                        <p:strVal val="visible"/>
+                                      </p:to>
+                                    </p:set>
+                                    <p:animEffect transition="in" filter="fade">
+                                      <p:cBhvr>
+                                        <p:cTn id="38" dur="1000"/>
+                                        <p:tgtEl>
+                                          <p:spTgt spid="11">
+                                            <p:txEl>
+                                              <p:pRg st="1" end="1"/>
+                                            </p:txEl>
+                                          </p:spTgt>
+                                        </p:tgtEl>
+                                      </p:cBhvr>
+                                    </p:animEffect>
+                                  </p:childTnLst>
+                                </p:cTn>
+                              </p:par>
+                            </p:childTnLst>
+                          </p:cTn>
+                        </p:par>
+                        <p:par>
+                          <p:cTn id="39" fill="hold">
+                            <p:stCondLst>
+                              <p:cond delay="2000"/>
+                            </p:stCondLst>
+                            <p:childTnLst>
+                              <p:par>
+                                <p:cTn id="40" presetID="10" presetClass="entr" presetSubtype="0" fill="hold" grpId="0" nodeType="afterEffect">
+                                  <p:stCondLst>
+                                    <p:cond delay="0"/>
+                                  </p:stCondLst>
+                                  <p:childTnLst>
+                                    <p:set>
+                                      <p:cBhvr>
+                                        <p:cTn id="41" dur="1" fill="hold">
+                                          <p:stCondLst>
+                                            <p:cond delay="0"/>
+                                          </p:stCondLst>
+                                        </p:cTn>
+                                        <p:tgtEl>
+                                          <p:spTgt spid="11">
+                                            <p:txEl>
+                                              <p:pRg st="2" end="2"/>
+                                            </p:txEl>
+                                          </p:spTgt>
+                                        </p:tgtEl>
+                                        <p:attrNameLst>
+                                          <p:attrName>style.visibility</p:attrName>
+                                        </p:attrNameLst>
+                                      </p:cBhvr>
+                                      <p:to>
+                                        <p:strVal val="visible"/>
+                                      </p:to>
+                                    </p:set>
+                                    <p:animEffect transition="in" filter="fade">
+                                      <p:cBhvr>
+                                        <p:cTn id="42" dur="1000"/>
+                                        <p:tgtEl>
+                                          <p:spTgt spid="11">
+                                            <p:txEl>
+                                              <p:pRg st="2" end="2"/>
+                                            </p:txEl>
+                                          </p:spTgt>
+                                        </p:tgtEl>
+                                      </p:cBhvr>
+                                    </p:animEffect>
+                                  </p:childTnLst>
+                                </p:cTn>
+                              </p:par>
+                            </p:childTnLst>
+                          </p:cTn>
+                        </p:par>
+                      </p:childTnLst>
+                    </p:cTn>
+                  </p:par>
+                  <p:par>
+                    <p:cTn id="43" fill="hold">
+                      <p:stCondLst>
+                        <p:cond delay="indefinite"/>
+                      </p:stCondLst>
+                      <p:childTnLst>
+                        <p:par>
+                          <p:cTn id="44" fill="hold">
+                            <p:stCondLst>
+                              <p:cond delay="0"/>
+                            </p:stCondLst>
+                            <p:childTnLst>
+                              <p:par>
+                                <p:cTn id="45" presetID="10" presetClass="entr" presetSubtype="0" fill="hold" grpId="0" nodeType="clickEffect">
+                                  <p:stCondLst>
+                                    <p:cond delay="0"/>
+                                  </p:stCondLst>
+                                  <p:childTnLst>
+                                    <p:set>
+                                      <p:cBhvr>
+                                        <p:cTn id="46" dur="1" fill="hold">
+                                          <p:stCondLst>
+                                            <p:cond delay="0"/>
+                                          </p:stCondLst>
+                                        </p:cTn>
+                                        <p:tgtEl>
+                                          <p:spTgt spid="6">
+                                            <p:txEl>
+                                              <p:pRg st="0" end="0"/>
+                                            </p:txEl>
+                                          </p:spTgt>
+                                        </p:tgtEl>
+                                        <p:attrNameLst>
+                                          <p:attrName>style.visibility</p:attrName>
+                                        </p:attrNameLst>
+                                      </p:cBhvr>
+                                      <p:to>
+                                        <p:strVal val="visible"/>
+                                      </p:to>
+                                    </p:set>
+                                    <p:animEffect transition="in" filter="fade">
+                                      <p:cBhvr>
+                                        <p:cTn id="47" dur="500"/>
+                                        <p:tgtEl>
+                                          <p:spTgt spid="6">
+                                            <p:txEl>
+                                              <p:pRg st="0" end="0"/>
+                                            </p:txEl>
+                                          </p:spTgt>
+                                        </p:tgtEl>
+                                      </p:cBhvr>
+                                    </p:animEffect>
+                                  </p:childTnLst>
+                                </p:cTn>
+                              </p:par>
+                            </p:childTnLst>
+                          </p:cTn>
+                        </p:par>
+                        <p:par>
+                          <p:cTn id="48" fill="hold">
+                            <p:stCondLst>
+                              <p:cond delay="500"/>
+                            </p:stCondLst>
+                            <p:childTnLst>
+                              <p:par>
+                                <p:cTn id="49" presetID="10" presetClass="entr" presetSubtype="0" fill="hold" grpId="0" nodeType="afterEffect">
+                                  <p:stCondLst>
+                                    <p:cond delay="0"/>
+                                  </p:stCondLst>
+                                  <p:childTnLst>
+                                    <p:set>
+                                      <p:cBhvr>
+                                        <p:cTn id="50" dur="1" fill="hold">
+                                          <p:stCondLst>
+                                            <p:cond delay="0"/>
+                                          </p:stCondLst>
+                                        </p:cTn>
+                                        <p:tgtEl>
+                                          <p:spTgt spid="6">
+                                            <p:txEl>
+                                              <p:pRg st="1" end="1"/>
+                                            </p:txEl>
+                                          </p:spTgt>
+                                        </p:tgtEl>
+                                        <p:attrNameLst>
+                                          <p:attrName>style.visibility</p:attrName>
+                                        </p:attrNameLst>
+                                      </p:cBhvr>
+                                      <p:to>
+                                        <p:strVal val="visible"/>
+                                      </p:to>
+                                    </p:set>
+                                    <p:animEffect transition="in" filter="fade">
+                                      <p:cBhvr>
+                                        <p:cTn id="51" dur="500"/>
+                                        <p:tgtEl>
+                                          <p:spTgt spid="6">
+                                            <p:txEl>
+                                              <p:pRg st="1" end="1"/>
+                                            </p:txEl>
+                                          </p:spTgt>
+                                        </p:tgtEl>
+                                      </p:cBhvr>
+                                    </p:animEffect>
+                                  </p:childTnLst>
+                                </p:cTn>
+                              </p:par>
+                            </p:childTnLst>
+                          </p:cTn>
+                        </p:par>
+                      </p:childTnLst>
+                    </p:cTn>
+                  </p:par>
+                  <p:par>
+                    <p:cTn id="52" fill="hold">
+                      <p:stCondLst>
+                        <p:cond delay="indefinite"/>
+                      </p:stCondLst>
+                      <p:childTnLst>
+                        <p:par>
+                          <p:cTn id="53" fill="hold">
+                            <p:stCondLst>
+                              <p:cond delay="0"/>
+                            </p:stCondLst>
+                            <p:childTnLst>
+                              <p:par>
+                                <p:cTn id="54" presetID="22" presetClass="exit" presetSubtype="4" fill="hold" grpId="1" nodeType="clickEffect">
+                                  <p:stCondLst>
+                                    <p:cond delay="0"/>
+                                  </p:stCondLst>
+                                  <p:childTnLst>
+                                    <p:animEffect transition="out" filter="wipe(down)">
+                                      <p:cBhvr>
+                                        <p:cTn id="55" dur="500"/>
+                                        <p:tgtEl>
+                                          <p:spTgt spid="10">
+                                            <p:txEl>
+                                              <p:pRg st="1" end="1"/>
+                                            </p:txEl>
+                                          </p:spTgt>
+                                        </p:tgtEl>
+                                      </p:cBhvr>
+                                    </p:animEffect>
+                                    <p:set>
+                                      <p:cBhvr>
+                                        <p:cTn id="56" dur="1" fill="hold">
+                                          <p:stCondLst>
+                                            <p:cond delay="499"/>
+                                          </p:stCondLst>
+                                        </p:cTn>
+                                        <p:tgtEl>
+                                          <p:spTgt spid="10">
+                                            <p:txEl>
+                                              <p:pRg st="1" end="1"/>
+                                            </p:txEl>
+                                          </p:spTgt>
+                                        </p:tgtEl>
+                                        <p:attrNameLst>
+                                          <p:attrName>style.visibility</p:attrName>
+                                        </p:attrNameLst>
+                                      </p:cBhvr>
+                                      <p:to>
+                                        <p:strVal val="hidden"/>
+                                      </p:to>
+                                    </p:set>
+                                  </p:childTnLst>
+                                </p:cTn>
+                              </p:par>
+                              <p:par>
+                                <p:cTn id="57" presetID="22" presetClass="exit" presetSubtype="4" fill="hold" grpId="1" nodeType="withEffect">
+                                  <p:stCondLst>
+                                    <p:cond delay="0"/>
+                                  </p:stCondLst>
+                                  <p:childTnLst>
+                                    <p:animEffect transition="out" filter="wipe(down)">
+                                      <p:cBhvr>
+                                        <p:cTn id="58" dur="500"/>
+                                        <p:tgtEl>
+                                          <p:spTgt spid="10">
+                                            <p:txEl>
+                                              <p:pRg st="2" end="2"/>
+                                            </p:txEl>
+                                          </p:spTgt>
+                                        </p:tgtEl>
+                                      </p:cBhvr>
+                                    </p:animEffect>
+                                    <p:set>
+                                      <p:cBhvr>
+                                        <p:cTn id="59" dur="1" fill="hold">
+                                          <p:stCondLst>
+                                            <p:cond delay="499"/>
+                                          </p:stCondLst>
+                                        </p:cTn>
+                                        <p:tgtEl>
+                                          <p:spTgt spid="10">
+                                            <p:txEl>
+                                              <p:pRg st="2" end="2"/>
+                                            </p:txEl>
+                                          </p:spTgt>
+                                        </p:tgtEl>
+                                        <p:attrNameLst>
+                                          <p:attrName>style.visibility</p:attrName>
+                                        </p:attrNameLst>
+                                      </p:cBhvr>
+                                      <p:to>
+                                        <p:strVal val="hidden"/>
+                                      </p:to>
+                                    </p:set>
+                                  </p:childTnLst>
+                                </p:cTn>
+                              </p:par>
+                              <p:par>
+                                <p:cTn id="60" presetID="22" presetClass="exit" presetSubtype="4" fill="hold" grpId="1" nodeType="withEffect">
+                                  <p:stCondLst>
+                                    <p:cond delay="0"/>
+                                  </p:stCondLst>
+                                  <p:childTnLst>
+                                    <p:animEffect transition="out" filter="wipe(down)">
+                                      <p:cBhvr>
+                                        <p:cTn id="61" dur="500"/>
+                                        <p:tgtEl>
+                                          <p:spTgt spid="10">
+                                            <p:txEl>
+                                              <p:pRg st="3" end="3"/>
+                                            </p:txEl>
+                                          </p:spTgt>
+                                        </p:tgtEl>
+                                      </p:cBhvr>
+                                    </p:animEffect>
+                                    <p:set>
+                                      <p:cBhvr>
+                                        <p:cTn id="62" dur="1" fill="hold">
+                                          <p:stCondLst>
+                                            <p:cond delay="499"/>
+                                          </p:stCondLst>
+                                        </p:cTn>
+                                        <p:tgtEl>
+                                          <p:spTgt spid="10">
+                                            <p:txEl>
+                                              <p:pRg st="3" end="3"/>
+                                            </p:txEl>
+                                          </p:spTgt>
+                                        </p:tgtEl>
+                                        <p:attrNameLst>
+                                          <p:attrName>style.visibility</p:attrName>
+                                        </p:attrNameLst>
+                                      </p:cBhvr>
+                                      <p:to>
+                                        <p:strVal val="hidden"/>
+                                      </p:to>
+                                    </p:set>
+                                  </p:childTnLst>
+                                </p:cTn>
+                              </p:par>
+                              <p:par>
+                                <p:cTn id="63" presetID="22" presetClass="exit" presetSubtype="4" fill="hold" grpId="1" nodeType="withEffect">
+                                  <p:stCondLst>
+                                    <p:cond delay="0"/>
+                                  </p:stCondLst>
+                                  <p:childTnLst>
+                                    <p:animEffect transition="out" filter="wipe(down)">
+                                      <p:cBhvr>
+                                        <p:cTn id="64" dur="500"/>
+                                        <p:tgtEl>
+                                          <p:spTgt spid="9">
+                                            <p:txEl>
+                                              <p:pRg st="0" end="0"/>
+                                            </p:txEl>
+                                          </p:spTgt>
+                                        </p:tgtEl>
+                                      </p:cBhvr>
+                                    </p:animEffect>
+                                    <p:set>
+                                      <p:cBhvr>
+                                        <p:cTn id="65" dur="1" fill="hold">
+                                          <p:stCondLst>
+                                            <p:cond delay="499"/>
+                                          </p:stCondLst>
+                                        </p:cTn>
+                                        <p:tgtEl>
+                                          <p:spTgt spid="9">
+                                            <p:txEl>
+                                              <p:pRg st="0" end="0"/>
+                                            </p:txEl>
+                                          </p:spTgt>
+                                        </p:tgtEl>
+                                        <p:attrNameLst>
+                                          <p:attrName>style.visibility</p:attrName>
+                                        </p:attrNameLst>
+                                      </p:cBhvr>
+                                      <p:to>
+                                        <p:strVal val="hidden"/>
+                                      </p:to>
+                                    </p:set>
+                                  </p:childTnLst>
+                                </p:cTn>
+                              </p:par>
+                              <p:par>
+                                <p:cTn id="66" presetID="22" presetClass="exit" presetSubtype="4" fill="hold" grpId="1" nodeType="withEffect">
+                                  <p:stCondLst>
+                                    <p:cond delay="0"/>
+                                  </p:stCondLst>
+                                  <p:childTnLst>
+                                    <p:animEffect transition="out" filter="wipe(down)">
+                                      <p:cBhvr>
+                                        <p:cTn id="67" dur="500"/>
+                                        <p:tgtEl>
+                                          <p:spTgt spid="11">
+                                            <p:txEl>
+                                              <p:pRg st="0" end="0"/>
+                                            </p:txEl>
+                                          </p:spTgt>
+                                        </p:tgtEl>
+                                      </p:cBhvr>
+                                    </p:animEffect>
+                                    <p:set>
+                                      <p:cBhvr>
+                                        <p:cTn id="68" dur="1" fill="hold">
+                                          <p:stCondLst>
+                                            <p:cond delay="499"/>
+                                          </p:stCondLst>
+                                        </p:cTn>
+                                        <p:tgtEl>
+                                          <p:spTgt spid="11">
+                                            <p:txEl>
+                                              <p:pRg st="0" end="0"/>
+                                            </p:txEl>
+                                          </p:spTgt>
+                                        </p:tgtEl>
+                                        <p:attrNameLst>
+                                          <p:attrName>style.visibility</p:attrName>
+                                        </p:attrNameLst>
+                                      </p:cBhvr>
+                                      <p:to>
+                                        <p:strVal val="hidden"/>
+                                      </p:to>
+                                    </p:set>
+                                  </p:childTnLst>
+                                </p:cTn>
+                              </p:par>
+                              <p:par>
+                                <p:cTn id="69" presetID="22" presetClass="exit" presetSubtype="4" fill="hold" grpId="1" nodeType="withEffect">
+                                  <p:stCondLst>
+                                    <p:cond delay="0"/>
+                                  </p:stCondLst>
+                                  <p:childTnLst>
+                                    <p:animEffect transition="out" filter="wipe(down)">
+                                      <p:cBhvr>
+                                        <p:cTn id="70" dur="500"/>
+                                        <p:tgtEl>
+                                          <p:spTgt spid="11">
+                                            <p:txEl>
+                                              <p:pRg st="1" end="1"/>
+                                            </p:txEl>
+                                          </p:spTgt>
+                                        </p:tgtEl>
+                                      </p:cBhvr>
+                                    </p:animEffect>
+                                    <p:set>
+                                      <p:cBhvr>
+                                        <p:cTn id="71" dur="1" fill="hold">
+                                          <p:stCondLst>
+                                            <p:cond delay="499"/>
+                                          </p:stCondLst>
+                                        </p:cTn>
+                                        <p:tgtEl>
+                                          <p:spTgt spid="11">
+                                            <p:txEl>
+                                              <p:pRg st="1" end="1"/>
+                                            </p:txEl>
+                                          </p:spTgt>
+                                        </p:tgtEl>
+                                        <p:attrNameLst>
+                                          <p:attrName>style.visibility</p:attrName>
+                                        </p:attrNameLst>
+                                      </p:cBhvr>
+                                      <p:to>
+                                        <p:strVal val="hidden"/>
+                                      </p:to>
+                                    </p:set>
+                                  </p:childTnLst>
+                                </p:cTn>
+                              </p:par>
+                              <p:par>
+                                <p:cTn id="72" presetID="22" presetClass="exit" presetSubtype="4" fill="hold" grpId="1" nodeType="withEffect">
+                                  <p:stCondLst>
+                                    <p:cond delay="0"/>
+                                  </p:stCondLst>
+                                  <p:childTnLst>
+                                    <p:animEffect transition="out" filter="wipe(down)">
+                                      <p:cBhvr>
+                                        <p:cTn id="73" dur="500"/>
+                                        <p:tgtEl>
+                                          <p:spTgt spid="11">
+                                            <p:txEl>
+                                              <p:pRg st="2" end="2"/>
+                                            </p:txEl>
+                                          </p:spTgt>
+                                        </p:tgtEl>
+                                      </p:cBhvr>
+                                    </p:animEffect>
+                                    <p:set>
+                                      <p:cBhvr>
+                                        <p:cTn id="74" dur="1" fill="hold">
+                                          <p:stCondLst>
+                                            <p:cond delay="499"/>
+                                          </p:stCondLst>
+                                        </p:cTn>
+                                        <p:tgtEl>
+                                          <p:spTgt spid="11">
+                                            <p:txEl>
+                                              <p:pRg st="2" end="2"/>
+                                            </p:txEl>
+                                          </p:spTgt>
+                                        </p:tgtEl>
+                                        <p:attrNameLst>
+                                          <p:attrName>style.visibility</p:attrName>
+                                        </p:attrNameLst>
+                                      </p:cBhvr>
+                                      <p:to>
+                                        <p:strVal val="hidden"/>
+                                      </p:to>
+                                    </p:set>
+                                  </p:childTnLst>
+                                </p:cTn>
+                              </p:par>
+                            </p:childTnLst>
+                          </p:cTn>
+                        </p:par>
+                      </p:childTnLst>
+                    </p:cTn>
+                  </p:par>
+                </p:childTnLst>
+              </p:cTn>
+              <p:prevCondLst>
+                <p:cond evt="onPrev" delay="0">
+                  <p:tgtEl>
+                    <p:sldTgt/>
+                  </p:tgtEl>
+                </p:cond>
+              </p:prevCondLst>
+              <p:nextCondLst>
+                <p:cond evt="onNext" delay="0">
+                  <p:tgtEl>
+                    <p:sldTgt/>
+                  </p:tgtEl>
+                </p:cond>
+              </p:nextCondLst>
+            </p:seq>
+          </p:childTnLst>
+        </p:cTn>
+      </p:par>
+    </p:tnLst>
+    <p:bldLst>
+      <p:bldP spid="8" grpId="0" build="p"/>
+      <p:bldP spid="10" grpId="0" build="p"/>
+      <p:bldP spid="10" grpId="1" uiExpand="1" build="p"/>
+      <p:bldP spid="9" grpId="0" build="p"/>
+      <p:bldP spid="9" grpId="1" build="p"/>
+      <p:bldP spid="11" grpId="0" build="p"/>
+      <p:bldP spid="11" grpId="1" uiExpand="1" build="p"/>
+      <p:bldP spid="6" grpId="0" uiExpand="1" build="p"/>
+    </p:bldLst>
+  </p:timing>
 </p:sld>
 </file>
 
@@ -10501,7 +14047,7 @@
               <a:rPr lang="de-DE" sz="1400" dirty="0" err="1">
                 <a:latin typeface="Trebuchet MS" panose="020B0603020202020204" pitchFamily="34" charset="0"/>
               </a:rPr>
-              <a:t>testbenutzer</a:t>
+              <a:t>jkrieger</a:t>
             </a:r>
             <a:endParaRPr lang="de-DE" sz="1400" dirty="0">
               <a:latin typeface="Trebuchet MS" panose="020B0603020202020204" pitchFamily="34" charset="0"/>
@@ -10667,33 +14213,15 @@
                                   </p:childTnLst>
                                 </p:cTn>
                               </p:par>
-                            </p:childTnLst>
-                          </p:cTn>
-                        </p:par>
-                      </p:childTnLst>
-                    </p:cTn>
-                  </p:par>
-                  <p:par>
-                    <p:cTn id="13" fill="hold">
-                      <p:stCondLst>
-                        <p:cond delay="indefinite"/>
-                      </p:stCondLst>
-                      <p:childTnLst>
-                        <p:par>
-                          <p:cTn id="14" fill="hold">
-                            <p:stCondLst>
-                              <p:cond delay="0"/>
-                            </p:stCondLst>
-                            <p:childTnLst>
                               <p:par>
-                                <p:cTn id="15" presetID="10" presetClass="entr" presetSubtype="0" fill="hold" nodeType="clickEffect">
+                                <p:cTn id="13" presetID="10" presetClass="entr" presetSubtype="0" fill="hold" nodeType="withEffect">
                                   <p:stCondLst>
                                     <p:cond delay="0"/>
                                   </p:stCondLst>
                                   <p:childTnLst>
                                     <p:set>
                                       <p:cBhvr>
-                                        <p:cTn id="16" dur="1" fill="hold">
+                                        <p:cTn id="14" dur="1" fill="hold">
                                           <p:stCondLst>
                                             <p:cond delay="0"/>
                                           </p:stCondLst>
@@ -10711,7 +14239,7 @@
                                     </p:set>
                                     <p:animEffect transition="in" filter="fade">
                                       <p:cBhvr>
-                                        <p:cTn id="17" dur="500"/>
+                                        <p:cTn id="15" dur="500"/>
                                         <p:tgtEl>
                                           <p:spTgt spid="18"/>
                                         </p:tgtEl>
@@ -10727,26 +14255,26 @@
                     </p:cTn>
                   </p:par>
                   <p:par>
-                    <p:cTn id="18" fill="hold">
+                    <p:cTn id="16" fill="hold">
                       <p:stCondLst>
                         <p:cond delay="indefinite"/>
                       </p:stCondLst>
                       <p:childTnLst>
                         <p:par>
-                          <p:cTn id="19" fill="hold">
+                          <p:cTn id="17" fill="hold">
                             <p:stCondLst>
                               <p:cond delay="0"/>
                             </p:stCondLst>
                             <p:childTnLst>
                               <p:par>
-                                <p:cTn id="20" presetID="10" presetClass="exit" presetSubtype="0" fill="hold" nodeType="clickEffect">
+                                <p:cTn id="18" presetID="10" presetClass="exit" presetSubtype="0" fill="hold" nodeType="clickEffect">
                                   <p:stCondLst>
                                     <p:cond delay="0"/>
                                   </p:stCondLst>
                                   <p:childTnLst>
                                     <p:animEffect transition="out" filter="fade">
                                       <p:cBhvr>
-                                        <p:cTn id="21" dur="500"/>
+                                        <p:cTn id="19" dur="500"/>
                                         <p:tgtEl>
                                           <p:spTgt spid="18"/>
                                         </p:tgtEl>
@@ -10754,7 +14282,7 @@
                                     </p:animEffect>
                                     <p:set>
                                       <p:cBhvr>
-                                        <p:cTn id="22" dur="1" fill="hold">
+                                        <p:cTn id="20" dur="1" fill="hold">
                                           <p:stCondLst>
                                             <p:cond delay="499"/>
                                           </p:stCondLst>
@@ -10780,26 +14308,26 @@
                     </p:cTn>
                   </p:par>
                   <p:par>
-                    <p:cTn id="23" fill="hold">
+                    <p:cTn id="21" fill="hold">
                       <p:stCondLst>
                         <p:cond delay="indefinite"/>
                       </p:stCondLst>
                       <p:childTnLst>
                         <p:par>
-                          <p:cTn id="24" fill="hold">
+                          <p:cTn id="22" fill="hold">
                             <p:stCondLst>
                               <p:cond delay="0"/>
                             </p:stCondLst>
                             <p:childTnLst>
                               <p:par>
-                                <p:cTn id="25" presetID="21" presetClass="entr" presetSubtype="1" fill="hold" grpId="0" nodeType="clickEffect">
+                                <p:cTn id="23" presetID="21" presetClass="entr" presetSubtype="1" fill="hold" grpId="0" nodeType="clickEffect">
                                   <p:stCondLst>
                                     <p:cond delay="0"/>
                                   </p:stCondLst>
                                   <p:childTnLst>
                                     <p:set>
                                       <p:cBhvr>
-                                        <p:cTn id="26" dur="1" fill="hold">
+                                        <p:cTn id="24" dur="1" fill="hold">
                                           <p:stCondLst>
                                             <p:cond delay="0"/>
                                           </p:stCondLst>
@@ -10817,7 +14345,7 @@
                                     </p:set>
                                     <p:animEffect transition="in" filter="wheel(1)">
                                       <p:cBhvr>
-                                        <p:cTn id="27" dur="1000"/>
+                                        <p:cTn id="25" dur="1000"/>
                                         <p:tgtEl>
                                           <p:spTgt spid="23"/>
                                         </p:tgtEl>
@@ -10833,26 +14361,26 @@
                     </p:cTn>
                   </p:par>
                   <p:par>
-                    <p:cTn id="28" fill="hold">
+                    <p:cTn id="26" fill="hold">
                       <p:stCondLst>
                         <p:cond delay="indefinite"/>
                       </p:stCondLst>
                       <p:childTnLst>
                         <p:par>
-                          <p:cTn id="29" fill="hold">
+                          <p:cTn id="27" fill="hold">
                             <p:stCondLst>
                               <p:cond delay="0"/>
                             </p:stCondLst>
                             <p:childTnLst>
                               <p:par>
-                                <p:cTn id="30" presetID="6" presetClass="emph" presetSubtype="0" fill="hold" grpId="1" nodeType="clickEffect">
+                                <p:cTn id="28" presetID="6" presetClass="emph" presetSubtype="0" fill="hold" grpId="1" nodeType="clickEffect">
                                   <p:stCondLst>
                                     <p:cond delay="0"/>
                                   </p:stCondLst>
                                   <p:childTnLst>
                                     <p:animScale>
                                       <p:cBhvr>
-                                        <p:cTn id="31" dur="1000" fill="hold"/>
+                                        <p:cTn id="29" dur="1000" fill="hold"/>
                                         <p:tgtEl>
                                           <p:spTgt spid="23"/>
                                         </p:tgtEl>
@@ -10863,14 +14391,14 @@
                                 </p:cTn>
                               </p:par>
                               <p:par>
-                                <p:cTn id="32" presetID="6" presetClass="emph" presetSubtype="0" fill="hold" nodeType="withEffect">
+                                <p:cTn id="30" presetID="6" presetClass="emph" presetSubtype="0" fill="hold" nodeType="withEffect">
                                   <p:stCondLst>
                                     <p:cond delay="0"/>
                                   </p:stCondLst>
                                   <p:childTnLst>
                                     <p:animScale>
                                       <p:cBhvr>
-                                        <p:cTn id="33" dur="1000" fill="hold"/>
+                                        <p:cTn id="31" dur="1000" fill="hold"/>
                                         <p:tgtEl>
                                           <p:spTgt spid="24"/>
                                         </p:tgtEl>
@@ -10887,26 +14415,26 @@
                     </p:cTn>
                   </p:par>
                   <p:par>
-                    <p:cTn id="34" fill="hold">
+                    <p:cTn id="32" fill="hold">
                       <p:stCondLst>
                         <p:cond delay="indefinite"/>
                       </p:stCondLst>
                       <p:childTnLst>
                         <p:par>
-                          <p:cTn id="35" fill="hold">
+                          <p:cTn id="33" fill="hold">
                             <p:stCondLst>
                               <p:cond delay="0"/>
                             </p:stCondLst>
                             <p:childTnLst>
                               <p:par>
-                                <p:cTn id="36" presetID="10" presetClass="exit" presetSubtype="0" fill="hold" grpId="2" nodeType="clickEffect">
+                                <p:cTn id="34" presetID="10" presetClass="exit" presetSubtype="0" fill="hold" grpId="2" nodeType="clickEffect">
                                   <p:stCondLst>
                                     <p:cond delay="0"/>
                                   </p:stCondLst>
                                   <p:childTnLst>
                                     <p:animEffect transition="out" filter="fade">
                                       <p:cBhvr>
-                                        <p:cTn id="37" dur="500"/>
+                                        <p:cTn id="35" dur="500"/>
                                         <p:tgtEl>
                                           <p:spTgt spid="23"/>
                                         </p:tgtEl>
@@ -10914,7 +14442,7 @@
                                     </p:animEffect>
                                     <p:set>
                                       <p:cBhvr>
-                                        <p:cTn id="38" dur="1" fill="hold">
+                                        <p:cTn id="36" dur="1" fill="hold">
                                           <p:stCondLst>
                                             <p:cond delay="499"/>
                                           </p:stCondLst>
@@ -10934,14 +14462,14 @@
                                 </p:cTn>
                               </p:par>
                               <p:par>
-                                <p:cTn id="39" presetID="10" presetClass="exit" presetSubtype="0" fill="hold" nodeType="withEffect">
+                                <p:cTn id="37" presetID="10" presetClass="exit" presetSubtype="0" fill="hold" nodeType="withEffect">
                                   <p:stCondLst>
                                     <p:cond delay="0"/>
                                   </p:stCondLst>
                                   <p:childTnLst>
                                     <p:animEffect transition="out" filter="fade">
                                       <p:cBhvr>
-                                        <p:cTn id="40" dur="500"/>
+                                        <p:cTn id="38" dur="500"/>
                                         <p:tgtEl>
                                           <p:spTgt spid="24"/>
                                         </p:tgtEl>
@@ -10949,7 +14477,7 @@
                                     </p:animEffect>
                                     <p:set>
                                       <p:cBhvr>
-                                        <p:cTn id="41" dur="1" fill="hold">
+                                        <p:cTn id="39" dur="1" fill="hold">
                                           <p:stCondLst>
                                             <p:cond delay="499"/>
                                           </p:stCondLst>
@@ -10975,19 +14503,19 @@
                     </p:cTn>
                   </p:par>
                   <p:par>
-                    <p:cTn id="42" fill="hold">
+                    <p:cTn id="40" fill="hold">
                       <p:stCondLst>
                         <p:cond delay="indefinite"/>
                       </p:stCondLst>
                       <p:childTnLst>
                         <p:par>
-                          <p:cTn id="43" fill="hold">
+                          <p:cTn id="41" fill="hold">
                             <p:stCondLst>
                               <p:cond delay="0"/>
                             </p:stCondLst>
                             <p:childTnLst>
                               <p:par>
-                                <p:cTn id="44" presetID="1" presetClass="entr" presetSubtype="0" fill="hold" nodeType="clickEffect">
+                                <p:cTn id="42" presetID="1" presetClass="entr" presetSubtype="0" fill="hold" nodeType="clickEffect">
                                   <p:stCondLst>
                                     <p:cond delay="0"/>
                                   </p:stCondLst>
@@ -10997,7 +14525,7 @@
                                   <p:childTnLst>
                                     <p:set>
                                       <p:cBhvr>
-                                        <p:cTn id="45" dur="1" fill="hold">
+                                        <p:cTn id="43" dur="1" fill="hold">
                                           <p:stCondLst>
                                             <p:cond delay="0"/>
                                           </p:stCondLst>
@@ -11024,13 +14552,13 @@
                           </p:cTn>
                         </p:par>
                         <p:par>
-                          <p:cTn id="46" fill="hold">
+                          <p:cTn id="44" fill="hold">
                             <p:stCondLst>
-                              <p:cond delay="771"/>
+                              <p:cond delay="491"/>
                             </p:stCondLst>
                             <p:childTnLst>
                               <p:par>
-                                <p:cTn id="47" presetID="1" presetClass="entr" presetSubtype="0" fill="hold" grpId="1" nodeType="afterEffect">
+                                <p:cTn id="45" presetID="1" presetClass="entr" presetSubtype="0" fill="hold" grpId="1" nodeType="afterEffect">
                                   <p:stCondLst>
                                     <p:cond delay="0"/>
                                   </p:stCondLst>
@@ -11040,7 +14568,7 @@
                                   <p:childTnLst>
                                     <p:set>
                                       <p:cBhvr>
-                                        <p:cTn id="48" dur="1" fill="hold">
+                                        <p:cTn id="46" dur="1" fill="hold">
                                           <p:stCondLst>
                                             <p:cond delay="0"/>
                                           </p:stCondLst>
@@ -11952,33 +15480,15 @@
                                   </p:childTnLst>
                                 </p:cTn>
                               </p:par>
-                            </p:childTnLst>
-                          </p:cTn>
-                        </p:par>
-                      </p:childTnLst>
-                    </p:cTn>
-                  </p:par>
-                  <p:par>
-                    <p:cTn id="43" fill="hold">
-                      <p:stCondLst>
-                        <p:cond delay="indefinite"/>
-                      </p:stCondLst>
-                      <p:childTnLst>
-                        <p:par>
-                          <p:cTn id="44" fill="hold">
-                            <p:stCondLst>
-                              <p:cond delay="0"/>
-                            </p:stCondLst>
-                            <p:childTnLst>
                               <p:par>
-                                <p:cTn id="45" presetID="10" presetClass="entr" presetSubtype="0" fill="hold" nodeType="clickEffect">
+                                <p:cTn id="43" presetID="10" presetClass="entr" presetSubtype="0" fill="hold" nodeType="withEffect">
                                   <p:stCondLst>
                                     <p:cond delay="0"/>
                                   </p:stCondLst>
                                   <p:childTnLst>
                                     <p:set>
                                       <p:cBhvr>
-                                        <p:cTn id="46" dur="1" fill="hold">
+                                        <p:cTn id="44" dur="1" fill="hold">
                                           <p:stCondLst>
                                             <p:cond delay="0"/>
                                           </p:stCondLst>
@@ -11996,7 +15506,7 @@
                                     </p:set>
                                     <p:animEffect transition="in" filter="fade">
                                       <p:cBhvr>
-                                        <p:cTn id="47" dur="500"/>
+                                        <p:cTn id="45" dur="500"/>
                                         <p:tgtEl>
                                           <p:spTgt spid="28"/>
                                         </p:tgtEl>
@@ -12012,26 +15522,26 @@
                     </p:cTn>
                   </p:par>
                   <p:par>
-                    <p:cTn id="48" fill="hold">
+                    <p:cTn id="46" fill="hold">
                       <p:stCondLst>
                         <p:cond delay="indefinite"/>
                       </p:stCondLst>
                       <p:childTnLst>
                         <p:par>
-                          <p:cTn id="49" fill="hold">
+                          <p:cTn id="47" fill="hold">
                             <p:stCondLst>
                               <p:cond delay="0"/>
                             </p:stCondLst>
                             <p:childTnLst>
                               <p:par>
-                                <p:cTn id="50" presetID="10" presetClass="exit" presetSubtype="0" fill="hold" nodeType="clickEffect">
+                                <p:cTn id="48" presetID="10" presetClass="exit" presetSubtype="0" fill="hold" nodeType="clickEffect">
                                   <p:stCondLst>
                                     <p:cond delay="0"/>
                                   </p:stCondLst>
                                   <p:childTnLst>
                                     <p:animEffect transition="out" filter="fade">
                                       <p:cBhvr>
-                                        <p:cTn id="51" dur="500"/>
+                                        <p:cTn id="49" dur="500"/>
                                         <p:tgtEl>
                                           <p:spTgt spid="28"/>
                                         </p:tgtEl>
@@ -12039,7 +15549,7 @@
                                     </p:animEffect>
                                     <p:set>
                                       <p:cBhvr>
-                                        <p:cTn id="52" dur="1" fill="hold">
+                                        <p:cTn id="50" dur="1" fill="hold">
                                           <p:stCondLst>
                                             <p:cond delay="499"/>
                                           </p:stCondLst>
@@ -12065,26 +15575,26 @@
                     </p:cTn>
                   </p:par>
                   <p:par>
-                    <p:cTn id="53" fill="hold">
+                    <p:cTn id="51" fill="hold">
                       <p:stCondLst>
                         <p:cond delay="indefinite"/>
                       </p:stCondLst>
                       <p:childTnLst>
                         <p:par>
-                          <p:cTn id="54" fill="hold">
+                          <p:cTn id="52" fill="hold">
                             <p:stCondLst>
                               <p:cond delay="0"/>
                             </p:stCondLst>
                             <p:childTnLst>
                               <p:par>
-                                <p:cTn id="55" presetID="10" presetClass="exit" presetSubtype="0" fill="hold" grpId="2" nodeType="clickEffect">
+                                <p:cTn id="53" presetID="10" presetClass="exit" presetSubtype="0" fill="hold" grpId="2" nodeType="clickEffect">
                                   <p:stCondLst>
                                     <p:cond delay="0"/>
                                   </p:stCondLst>
                                   <p:childTnLst>
                                     <p:animEffect transition="out" filter="fade">
                                       <p:cBhvr>
-                                        <p:cTn id="56" dur="500"/>
+                                        <p:cTn id="54" dur="500"/>
                                         <p:tgtEl>
                                           <p:spTgt spid="25"/>
                                         </p:tgtEl>
@@ -12092,7 +15602,7 @@
                                     </p:animEffect>
                                     <p:set>
                                       <p:cBhvr>
-                                        <p:cTn id="57" dur="1" fill="hold">
+                                        <p:cTn id="55" dur="1" fill="hold">
                                           <p:stCondLst>
                                             <p:cond delay="499"/>
                                           </p:stCondLst>
@@ -12112,14 +15622,14 @@
                                 </p:cTn>
                               </p:par>
                               <p:par>
-                                <p:cTn id="58" presetID="10" presetClass="exit" presetSubtype="0" fill="hold" nodeType="withEffect">
+                                <p:cTn id="56" presetID="10" presetClass="exit" presetSubtype="0" fill="hold" nodeType="withEffect">
                                   <p:stCondLst>
                                     <p:cond delay="0"/>
                                   </p:stCondLst>
                                   <p:childTnLst>
                                     <p:animEffect transition="out" filter="fade">
                                       <p:cBhvr>
-                                        <p:cTn id="59" dur="500"/>
+                                        <p:cTn id="57" dur="500"/>
                                         <p:tgtEl>
                                           <p:spTgt spid="16"/>
                                         </p:tgtEl>
@@ -12127,7 +15637,7 @@
                                     </p:animEffect>
                                     <p:set>
                                       <p:cBhvr>
-                                        <p:cTn id="60" dur="1" fill="hold">
+                                        <p:cTn id="58" dur="1" fill="hold">
                                           <p:stCondLst>
                                             <p:cond delay="499"/>
                                           </p:stCondLst>

--- a/Dokumentation/Präsentation.pptx
+++ b/Dokumentation/Präsentation.pptx
@@ -1137,7 +1137,7 @@
             </a:spcAft>
             <a:buNone/>
           </a:pPr>
-          <a:endParaRPr lang="de-DE" sz="5900" kern="1200"/>
+          <a:endParaRPr lang="de-DE" sz="5900" kern="1200" dirty="0"/>
         </a:p>
       </dsp:txBody>
       <dsp:txXfrm>
@@ -9102,31 +9102,6 @@
       </p:grpSpPr>
       <p:sp>
         <p:nvSpPr>
-          <p:cNvPr id="9" name="Inhaltsplatzhalter 8">
-            <a:extLst>
-              <a:ext uri="{FF2B5EF4-FFF2-40B4-BE49-F238E27FC236}">
-                <a16:creationId xmlns:a16="http://schemas.microsoft.com/office/drawing/2014/main" id="{93188998-1173-4676-A443-B9A74812132F}"/>
-              </a:ext>
-            </a:extLst>
-          </p:cNvPr>
-          <p:cNvSpPr>
-            <a:spLocks noGrp="1"/>
-          </p:cNvSpPr>
-          <p:nvPr>
-            <p:ph idx="1"/>
-          </p:nvPr>
-        </p:nvSpPr>
-        <p:spPr/>
-        <p:txBody>
-          <a:bodyPr/>
-          <a:lstStyle/>
-          <a:p>
-            <a:endParaRPr lang="de-DE" dirty="0"/>
-          </a:p>
-        </p:txBody>
-      </p:sp>
-      <p:sp>
-        <p:nvSpPr>
           <p:cNvPr id="2" name="Datumsplatzhalter 1">
             <a:extLst>
               <a:ext uri="{FF2B5EF4-FFF2-40B4-BE49-F238E27FC236}">
@@ -9235,6 +9210,353 @@
             <a:r>
               <a:rPr lang="de-DE" dirty="0"/>
               <a:t>Handout</a:t>
+            </a:r>
+          </a:p>
+        </p:txBody>
+      </p:sp>
+      <p:sp>
+        <p:nvSpPr>
+          <p:cNvPr id="5" name="Textfeld 4">
+            <a:extLst>
+              <a:ext uri="{FF2B5EF4-FFF2-40B4-BE49-F238E27FC236}">
+                <a16:creationId xmlns:a16="http://schemas.microsoft.com/office/drawing/2014/main" id="{5D90BD57-49F9-4B60-8F6D-53E7E1B9E6DE}"/>
+              </a:ext>
+            </a:extLst>
+          </p:cNvPr>
+          <p:cNvSpPr txBox="1"/>
+          <p:nvPr/>
+        </p:nvSpPr>
+        <p:spPr>
+          <a:xfrm>
+            <a:off x="697684" y="2589681"/>
+            <a:ext cx="2306973" cy="369332"/>
+          </a:xfrm>
+          <a:prstGeom prst="rect">
+            <a:avLst/>
+          </a:prstGeom>
+          <a:noFill/>
+        </p:spPr>
+        <p:txBody>
+          <a:bodyPr wrap="square" rtlCol="0">
+            <a:spAutoFit/>
+          </a:bodyPr>
+          <a:lstStyle/>
+          <a:p>
+            <a:pPr algn="ctr"/>
+            <a:r>
+              <a:rPr lang="de-DE" b="1" dirty="0">
+                <a:latin typeface="Trebuchet MS" panose="020B0603020202020204" pitchFamily="34" charset="0"/>
+              </a:rPr>
+              <a:t>Hauptfunktionen</a:t>
+            </a:r>
+          </a:p>
+        </p:txBody>
+      </p:sp>
+      <p:pic>
+        <p:nvPicPr>
+          <p:cNvPr id="7" name="Grafik 6" descr="Datenbank">
+            <a:extLst>
+              <a:ext uri="{FF2B5EF4-FFF2-40B4-BE49-F238E27FC236}">
+                <a16:creationId xmlns:a16="http://schemas.microsoft.com/office/drawing/2014/main" id="{2D3B6209-B4A5-453A-897E-005A224B146F}"/>
+              </a:ext>
+            </a:extLst>
+          </p:cNvPr>
+          <p:cNvPicPr>
+            <a:picLocks noChangeAspect="1"/>
+          </p:cNvPicPr>
+          <p:nvPr/>
+        </p:nvPicPr>
+        <p:blipFill>
+          <a:blip r:embed="rId2">
+            <a:extLst>
+              <a:ext uri="{28A0092B-C50C-407E-A947-70E740481C1C}">
+                <a14:useLocalDpi xmlns:a14="http://schemas.microsoft.com/office/drawing/2010/main" val="0"/>
+              </a:ext>
+              <a:ext uri="{96DAC541-7B7A-43D3-8B79-37D633B846F1}">
+                <asvg:svgBlip xmlns:asvg="http://schemas.microsoft.com/office/drawing/2016/SVG/main" r:embed="rId3"/>
+              </a:ext>
+            </a:extLst>
+          </a:blip>
+          <a:stretch>
+            <a:fillRect/>
+          </a:stretch>
+        </p:blipFill>
+        <p:spPr>
+          <a:xfrm>
+            <a:off x="1393971" y="2971800"/>
+            <a:ext cx="914400" cy="914400"/>
+          </a:xfrm>
+          <a:prstGeom prst="rect">
+            <a:avLst/>
+          </a:prstGeom>
+        </p:spPr>
+      </p:pic>
+      <p:pic>
+        <p:nvPicPr>
+          <p:cNvPr id="11" name="Grafik 10" descr="Balkendiagramm">
+            <a:extLst>
+              <a:ext uri="{FF2B5EF4-FFF2-40B4-BE49-F238E27FC236}">
+                <a16:creationId xmlns:a16="http://schemas.microsoft.com/office/drawing/2014/main" id="{7DAA9151-BBB4-4221-8854-A032256E79C8}"/>
+              </a:ext>
+            </a:extLst>
+          </p:cNvPr>
+          <p:cNvPicPr>
+            <a:picLocks noChangeAspect="1"/>
+          </p:cNvPicPr>
+          <p:nvPr/>
+        </p:nvPicPr>
+        <p:blipFill>
+          <a:blip r:embed="rId4">
+            <a:extLst>
+              <a:ext uri="{28A0092B-C50C-407E-A947-70E740481C1C}">
+                <a14:useLocalDpi xmlns:a14="http://schemas.microsoft.com/office/drawing/2010/main" val="0"/>
+              </a:ext>
+              <a:ext uri="{96DAC541-7B7A-43D3-8B79-37D633B846F1}">
+                <asvg:svgBlip xmlns:asvg="http://schemas.microsoft.com/office/drawing/2016/SVG/main" r:embed="rId5"/>
+              </a:ext>
+            </a:extLst>
+          </a:blip>
+          <a:stretch>
+            <a:fillRect/>
+          </a:stretch>
+        </p:blipFill>
+        <p:spPr>
+          <a:xfrm>
+            <a:off x="6599339" y="2980278"/>
+            <a:ext cx="914400" cy="914400"/>
+          </a:xfrm>
+          <a:prstGeom prst="rect">
+            <a:avLst/>
+          </a:prstGeom>
+        </p:spPr>
+      </p:pic>
+      <p:pic>
+        <p:nvPicPr>
+          <p:cNvPr id="13" name="Grafik 12" descr="Bild">
+            <a:extLst>
+              <a:ext uri="{FF2B5EF4-FFF2-40B4-BE49-F238E27FC236}">
+                <a16:creationId xmlns:a16="http://schemas.microsoft.com/office/drawing/2014/main" id="{1131C5B6-28B9-42A6-BB0D-E7396F724367}"/>
+              </a:ext>
+            </a:extLst>
+          </p:cNvPr>
+          <p:cNvPicPr>
+            <a:picLocks noChangeAspect="1"/>
+          </p:cNvPicPr>
+          <p:nvPr/>
+        </p:nvPicPr>
+        <p:blipFill>
+          <a:blip r:embed="rId6">
+            <a:extLst>
+              <a:ext uri="{28A0092B-C50C-407E-A947-70E740481C1C}">
+                <a14:useLocalDpi xmlns:a14="http://schemas.microsoft.com/office/drawing/2010/main" val="0"/>
+              </a:ext>
+              <a:ext uri="{96DAC541-7B7A-43D3-8B79-37D633B846F1}">
+                <asvg:svgBlip xmlns:asvg="http://schemas.microsoft.com/office/drawing/2016/SVG/main" r:embed="rId7"/>
+              </a:ext>
+            </a:extLst>
+          </a:blip>
+          <a:stretch>
+            <a:fillRect/>
+          </a:stretch>
+        </p:blipFill>
+        <p:spPr>
+          <a:xfrm>
+            <a:off x="4127780" y="3276244"/>
+            <a:ext cx="569051" cy="569051"/>
+          </a:xfrm>
+          <a:prstGeom prst="rect">
+            <a:avLst/>
+          </a:prstGeom>
+        </p:spPr>
+      </p:pic>
+      <p:pic>
+        <p:nvPicPr>
+          <p:cNvPr id="15" name="Grafik 14" descr="Browserfenster">
+            <a:extLst>
+              <a:ext uri="{FF2B5EF4-FFF2-40B4-BE49-F238E27FC236}">
+                <a16:creationId xmlns:a16="http://schemas.microsoft.com/office/drawing/2014/main" id="{36FE17D7-9AA3-4596-A7CD-7CAE37C66470}"/>
+              </a:ext>
+            </a:extLst>
+          </p:cNvPr>
+          <p:cNvPicPr>
+            <a:picLocks noChangeAspect="1"/>
+          </p:cNvPicPr>
+          <p:nvPr/>
+        </p:nvPicPr>
+        <p:blipFill>
+          <a:blip r:embed="rId8">
+            <a:extLst>
+              <a:ext uri="{28A0092B-C50C-407E-A947-70E740481C1C}">
+                <a14:useLocalDpi xmlns:a14="http://schemas.microsoft.com/office/drawing/2010/main" val="0"/>
+              </a:ext>
+              <a:ext uri="{96DAC541-7B7A-43D3-8B79-37D633B846F1}">
+                <asvg:svgBlip xmlns:asvg="http://schemas.microsoft.com/office/drawing/2016/SVG/main" r:embed="rId9"/>
+              </a:ext>
+            </a:extLst>
+          </a:blip>
+          <a:stretch>
+            <a:fillRect/>
+          </a:stretch>
+        </p:blipFill>
+        <p:spPr>
+          <a:xfrm>
+            <a:off x="3892332" y="2980278"/>
+            <a:ext cx="1054720" cy="1054720"/>
+          </a:xfrm>
+          <a:prstGeom prst="rect">
+            <a:avLst/>
+          </a:prstGeom>
+        </p:spPr>
+      </p:pic>
+      <p:sp>
+        <p:nvSpPr>
+          <p:cNvPr id="17" name="Textfeld 16">
+            <a:extLst>
+              <a:ext uri="{FF2B5EF4-FFF2-40B4-BE49-F238E27FC236}">
+                <a16:creationId xmlns:a16="http://schemas.microsoft.com/office/drawing/2014/main" id="{EE0A3091-6217-4A4B-A90F-390FA76E8DCD}"/>
+              </a:ext>
+            </a:extLst>
+          </p:cNvPr>
+          <p:cNvSpPr txBox="1"/>
+          <p:nvPr/>
+        </p:nvSpPr>
+        <p:spPr>
+          <a:xfrm>
+            <a:off x="3300368" y="2629217"/>
+            <a:ext cx="2306973" cy="369332"/>
+          </a:xfrm>
+          <a:prstGeom prst="rect">
+            <a:avLst/>
+          </a:prstGeom>
+          <a:noFill/>
+        </p:spPr>
+        <p:txBody>
+          <a:bodyPr wrap="square" rtlCol="0">
+            <a:spAutoFit/>
+          </a:bodyPr>
+          <a:lstStyle/>
+          <a:p>
+            <a:pPr algn="ctr"/>
+            <a:r>
+              <a:rPr lang="de-DE" b="1" dirty="0">
+                <a:latin typeface="Trebuchet MS" panose="020B0603020202020204" pitchFamily="34" charset="0"/>
+              </a:rPr>
+              <a:t>GUI - Design</a:t>
+            </a:r>
+          </a:p>
+        </p:txBody>
+      </p:sp>
+      <p:sp>
+        <p:nvSpPr>
+          <p:cNvPr id="18" name="Textfeld 17">
+            <a:extLst>
+              <a:ext uri="{FF2B5EF4-FFF2-40B4-BE49-F238E27FC236}">
+                <a16:creationId xmlns:a16="http://schemas.microsoft.com/office/drawing/2014/main" id="{40694194-27CE-463C-85FC-17742AFE5AC2}"/>
+              </a:ext>
+            </a:extLst>
+          </p:cNvPr>
+          <p:cNvSpPr txBox="1"/>
+          <p:nvPr/>
+        </p:nvSpPr>
+        <p:spPr>
+          <a:xfrm>
+            <a:off x="5898159" y="2589681"/>
+            <a:ext cx="2306973" cy="369332"/>
+          </a:xfrm>
+          <a:prstGeom prst="rect">
+            <a:avLst/>
+          </a:prstGeom>
+          <a:noFill/>
+        </p:spPr>
+        <p:txBody>
+          <a:bodyPr wrap="square" rtlCol="0">
+            <a:spAutoFit/>
+          </a:bodyPr>
+          <a:lstStyle/>
+          <a:p>
+            <a:pPr algn="ctr"/>
+            <a:r>
+              <a:rPr lang="de-DE" b="1" dirty="0">
+                <a:latin typeface="Trebuchet MS" panose="020B0603020202020204" pitchFamily="34" charset="0"/>
+              </a:rPr>
+              <a:t>Statistiken</a:t>
+            </a:r>
+          </a:p>
+        </p:txBody>
+      </p:sp>
+      <p:pic>
+        <p:nvPicPr>
+          <p:cNvPr id="22" name="Grafik 21" descr="Workflow">
+            <a:extLst>
+              <a:ext uri="{FF2B5EF4-FFF2-40B4-BE49-F238E27FC236}">
+                <a16:creationId xmlns:a16="http://schemas.microsoft.com/office/drawing/2014/main" id="{C5DCB0CF-44E8-4692-92D4-5E80A4D75C26}"/>
+              </a:ext>
+            </a:extLst>
+          </p:cNvPr>
+          <p:cNvPicPr>
+            <a:picLocks noChangeAspect="1"/>
+          </p:cNvPicPr>
+          <p:nvPr/>
+        </p:nvPicPr>
+        <p:blipFill>
+          <a:blip r:embed="rId10">
+            <a:extLst>
+              <a:ext uri="{28A0092B-C50C-407E-A947-70E740481C1C}">
+                <a14:useLocalDpi xmlns:a14="http://schemas.microsoft.com/office/drawing/2010/main" val="0"/>
+              </a:ext>
+              <a:ext uri="{96DAC541-7B7A-43D3-8B79-37D633B846F1}">
+                <asvg:svgBlip xmlns:asvg="http://schemas.microsoft.com/office/drawing/2016/SVG/main" r:embed="rId11"/>
+              </a:ext>
+            </a:extLst>
+          </a:blip>
+          <a:stretch>
+            <a:fillRect/>
+          </a:stretch>
+        </p:blipFill>
+        <p:spPr>
+          <a:xfrm>
+            <a:off x="8708826" y="2909763"/>
+            <a:ext cx="914400" cy="914400"/>
+          </a:xfrm>
+          <a:prstGeom prst="rect">
+            <a:avLst/>
+          </a:prstGeom>
+        </p:spPr>
+      </p:pic>
+      <p:sp>
+        <p:nvSpPr>
+          <p:cNvPr id="23" name="Textfeld 22">
+            <a:extLst>
+              <a:ext uri="{FF2B5EF4-FFF2-40B4-BE49-F238E27FC236}">
+                <a16:creationId xmlns:a16="http://schemas.microsoft.com/office/drawing/2014/main" id="{B1FBCF6B-6AE5-4B6A-A5F7-F04BF728EE9D}"/>
+              </a:ext>
+            </a:extLst>
+          </p:cNvPr>
+          <p:cNvSpPr txBox="1"/>
+          <p:nvPr/>
+        </p:nvSpPr>
+        <p:spPr>
+          <a:xfrm>
+            <a:off x="8012539" y="2629217"/>
+            <a:ext cx="2306973" cy="369332"/>
+          </a:xfrm>
+          <a:prstGeom prst="rect">
+            <a:avLst/>
+          </a:prstGeom>
+          <a:noFill/>
+        </p:spPr>
+        <p:txBody>
+          <a:bodyPr wrap="square" rtlCol="0">
+            <a:spAutoFit/>
+          </a:bodyPr>
+          <a:lstStyle/>
+          <a:p>
+            <a:pPr algn="ctr"/>
+            <a:r>
+              <a:rPr lang="de-DE" b="1" dirty="0">
+                <a:latin typeface="Trebuchet MS" panose="020B0603020202020204" pitchFamily="34" charset="0"/>
+              </a:rPr>
+              <a:t>Statistiken</a:t>
             </a:r>
           </a:p>
         </p:txBody>

--- a/Dokumentation/Präsentation.pptx
+++ b/Dokumentation/Präsentation.pptx
@@ -121,7 +121,18 @@
   </p:defaultTextStyle>
   <p:extLst>
     <p:ext uri="{EFAFB233-063F-42B5-8137-9DF3F51BA10A}">
-      <p15:sldGuideLst xmlns:p15="http://schemas.microsoft.com/office/powerpoint/2012/main"/>
+      <p15:sldGuideLst xmlns:p15="http://schemas.microsoft.com/office/powerpoint/2012/main">
+        <p15:guide id="1" orient="horz" pos="2160" userDrawn="1">
+          <p15:clr>
+            <a:srgbClr val="A4A3A4"/>
+          </p15:clr>
+        </p15:guide>
+        <p15:guide id="2" pos="3840" userDrawn="1">
+          <p15:clr>
+            <a:srgbClr val="A4A3A4"/>
+          </p15:clr>
+        </p15:guide>
+      </p15:sldGuideLst>
     </p:ext>
   </p:extLst>
 </p:presentation>
@@ -2705,7 +2716,7 @@
           <a:p>
             <a:fld id="{7B7A28CD-82A6-451A-9ECC-C5B68CB99823}" type="datetimeFigureOut">
               <a:rPr lang="de-DE" smtClean="0"/>
-              <a:t>23.11.2019</a:t>
+              <a:t>24.11.2019</a:t>
             </a:fld>
             <a:endParaRPr lang="de-DE"/>
           </a:p>
@@ -3387,7 +3398,7 @@
           <a:p>
             <a:fld id="{64F9F675-049C-4039-886A-7641A3ED83AA}" type="datetime1">
               <a:rPr lang="de-DE" smtClean="0"/>
-              <a:t>23.11.2019</a:t>
+              <a:t>24.11.2019</a:t>
             </a:fld>
             <a:endParaRPr lang="de-DE" dirty="0"/>
           </a:p>
@@ -3569,7 +3580,7 @@
           <a:p>
             <a:fld id="{EF008B3B-8C86-4F35-BCD4-3D71CCC6220B}" type="datetime1">
               <a:rPr lang="de-DE" smtClean="0"/>
-              <a:t>23.11.2019</a:t>
+              <a:t>24.11.2019</a:t>
             </a:fld>
             <a:endParaRPr lang="de-DE"/>
           </a:p>
@@ -4023,7 +4034,7 @@
           <a:p>
             <a:fld id="{46C1CA06-F658-4220-8BC8-8FCF6253DAE1}" type="datetime1">
               <a:rPr lang="de-DE" smtClean="0"/>
-              <a:t>23.11.2019</a:t>
+              <a:t>24.11.2019</a:t>
             </a:fld>
             <a:endParaRPr lang="de-DE"/>
           </a:p>
@@ -4815,7 +4826,7 @@
           <a:p>
             <a:fld id="{4F6382F7-6B8A-47B3-AA70-C81E5D8F4180}" type="datetime1">
               <a:rPr lang="de-DE" smtClean="0"/>
-              <a:t>23.11.2019</a:t>
+              <a:t>24.11.2019</a:t>
             </a:fld>
             <a:endParaRPr lang="de-DE"/>
           </a:p>
@@ -5527,7 +5538,7 @@
           <a:p>
             <a:fld id="{6CFE6BEC-159F-4167-8F4D-D508A4F668F1}" type="datetime1">
               <a:rPr lang="de-DE" smtClean="0"/>
-              <a:t>23.11.2019</a:t>
+              <a:t>24.11.2019</a:t>
             </a:fld>
             <a:endParaRPr lang="de-DE"/>
           </a:p>
@@ -5958,7 +5969,7 @@
           <a:p>
             <a:fld id="{0650A090-A051-46A1-8797-56EEC00D0A83}" type="datetime1">
               <a:rPr lang="de-DE" smtClean="0"/>
-              <a:t>23.11.2019</a:t>
+              <a:t>24.11.2019</a:t>
             </a:fld>
             <a:endParaRPr lang="de-DE"/>
           </a:p>
@@ -6390,7 +6401,7 @@
           <a:p>
             <a:fld id="{76147A52-9CE4-4E84-B5AD-2E19D43BDEB9}" type="datetime1">
               <a:rPr lang="de-DE" smtClean="0"/>
-              <a:t>23.11.2019</a:t>
+              <a:t>24.11.2019</a:t>
             </a:fld>
             <a:endParaRPr lang="de-DE"/>
           </a:p>
@@ -6793,7 +6804,7 @@
           <a:p>
             <a:fld id="{088C7F9A-48FF-4E97-A5D8-34ABB2AA95D7}" type="datetime1">
               <a:rPr lang="de-DE" smtClean="0"/>
-              <a:t>23.11.2019</a:t>
+              <a:t>24.11.2019</a:t>
             </a:fld>
             <a:endParaRPr lang="de-DE"/>
           </a:p>
@@ -7244,7 +7255,7 @@
           <a:p>
             <a:fld id="{89EBD14D-9873-4385-9F14-4BFEE858A98C}" type="datetime1">
               <a:rPr lang="de-DE" smtClean="0"/>
-              <a:t>23.11.2019</a:t>
+              <a:t>24.11.2019</a:t>
             </a:fld>
             <a:endParaRPr lang="de-DE" dirty="0"/>
           </a:p>
@@ -8123,10 +8134,10 @@
       </p:grpSpPr>
       <p:sp>
         <p:nvSpPr>
-          <p:cNvPr id="5" name="Datumsplatzhalter 4">
+          <p:cNvPr id="3" name="Textplatzhalter 2">
             <a:extLst>
               <a:ext uri="{FF2B5EF4-FFF2-40B4-BE49-F238E27FC236}">
-                <a16:creationId xmlns:a16="http://schemas.microsoft.com/office/drawing/2014/main" id="{14A00891-DB46-4377-B203-CEE67B900F1C}"/>
+                <a16:creationId xmlns:a16="http://schemas.microsoft.com/office/drawing/2014/main" id="{3892C5D8-B203-42D5-8D91-07F8FBA9B719}"/>
               </a:ext>
             </a:extLst>
           </p:cNvPr>
@@ -8134,7 +8145,7 @@
             <a:spLocks noGrp="1"/>
           </p:cNvSpPr>
           <p:nvPr>
-            <p:ph type="dt" sz="half" idx="10"/>
+            <p:ph type="body" sz="quarter" idx="14"/>
           </p:nvPr>
         </p:nvSpPr>
         <p:spPr/>
@@ -8142,20 +8153,19 @@
           <a:bodyPr/>
           <a:lstStyle/>
           <a:p>
-            <a:fld id="{F91931D6-F9D8-406D-9851-24FA674187DB}" type="datetime1">
-              <a:rPr lang="de-DE" smtClean="0"/>
-              <a:t>23.11.2019</a:t>
-            </a:fld>
-            <a:endParaRPr lang="de-DE" dirty="0"/>
+            <a:r>
+              <a:rPr lang="de-DE" dirty="0"/>
+              <a:t>Fach Programmieren</a:t>
+            </a:r>
           </a:p>
         </p:txBody>
       </p:sp>
       <p:sp>
         <p:nvSpPr>
-          <p:cNvPr id="4" name="Fußzeilenplatzhalter 3">
+          <p:cNvPr id="7" name="Bildplatzhalter 6">
             <a:extLst>
               <a:ext uri="{FF2B5EF4-FFF2-40B4-BE49-F238E27FC236}">
-                <a16:creationId xmlns:a16="http://schemas.microsoft.com/office/drawing/2014/main" id="{0D7257E5-CAC7-4582-8DB2-9B4BA3E4793C}"/>
+                <a16:creationId xmlns:a16="http://schemas.microsoft.com/office/drawing/2014/main" id="{1A72DC6B-F3BC-4CFC-84A6-0C3DD49567CB}"/>
               </a:ext>
             </a:extLst>
           </p:cNvPr>
@@ -8163,7 +8173,25 @@
             <a:spLocks noGrp="1"/>
           </p:cNvSpPr>
           <p:nvPr>
-            <p:ph type="ftr" sz="quarter" idx="11"/>
+            <p:ph type="pic" sz="quarter" idx="15"/>
+          </p:nvPr>
+        </p:nvSpPr>
+        <p:spPr/>
+      </p:sp>
+      <p:sp>
+        <p:nvSpPr>
+          <p:cNvPr id="5" name="Datumsplatzhalter 4">
+            <a:extLst>
+              <a:ext uri="{FF2B5EF4-FFF2-40B4-BE49-F238E27FC236}">
+                <a16:creationId xmlns:a16="http://schemas.microsoft.com/office/drawing/2014/main" id="{14A00891-DB46-4377-B203-CEE67B900F1C}"/>
+              </a:ext>
+            </a:extLst>
+          </p:cNvPr>
+          <p:cNvSpPr>
+            <a:spLocks noGrp="1"/>
+          </p:cNvSpPr>
+          <p:nvPr>
+            <p:ph type="dt" sz="half" idx="16"/>
           </p:nvPr>
         </p:nvSpPr>
         <p:spPr/>
@@ -8171,20 +8199,20 @@
           <a:bodyPr/>
           <a:lstStyle/>
           <a:p>
-            <a:r>
-              <a:rPr lang="de-DE"/>
-              <a:t>Krieger</a:t>
-            </a:r>
+            <a:fld id="{F91931D6-F9D8-406D-9851-24FA674187DB}" type="datetime1">
+              <a:rPr lang="de-DE" smtClean="0"/>
+              <a:t>24.11.2019</a:t>
+            </a:fld>
             <a:endParaRPr lang="de-DE" dirty="0"/>
           </a:p>
         </p:txBody>
       </p:sp>
       <p:sp>
         <p:nvSpPr>
-          <p:cNvPr id="6" name="Foliennummernplatzhalter 5">
+          <p:cNvPr id="4" name="Fußzeilenplatzhalter 3">
             <a:extLst>
               <a:ext uri="{FF2B5EF4-FFF2-40B4-BE49-F238E27FC236}">
-                <a16:creationId xmlns:a16="http://schemas.microsoft.com/office/drawing/2014/main" id="{5BFE090F-1008-47A2-9114-FF36426B1890}"/>
+                <a16:creationId xmlns:a16="http://schemas.microsoft.com/office/drawing/2014/main" id="{0D7257E5-CAC7-4582-8DB2-9B4BA3E4793C}"/>
               </a:ext>
             </a:extLst>
           </p:cNvPr>
@@ -8192,7 +8220,7 @@
             <a:spLocks noGrp="1"/>
           </p:cNvSpPr>
           <p:nvPr>
-            <p:ph type="sldNum" sz="quarter" idx="12"/>
+            <p:ph type="ftr" sz="quarter" idx="17"/>
           </p:nvPr>
         </p:nvSpPr>
         <p:spPr/>
@@ -8200,6 +8228,35 @@
           <a:bodyPr/>
           <a:lstStyle/>
           <a:p>
+            <a:r>
+              <a:rPr lang="de-DE"/>
+              <a:t>Krieger</a:t>
+            </a:r>
+            <a:endParaRPr lang="de-DE" dirty="0"/>
+          </a:p>
+        </p:txBody>
+      </p:sp>
+      <p:sp>
+        <p:nvSpPr>
+          <p:cNvPr id="6" name="Foliennummernplatzhalter 5">
+            <a:extLst>
+              <a:ext uri="{FF2B5EF4-FFF2-40B4-BE49-F238E27FC236}">
+                <a16:creationId xmlns:a16="http://schemas.microsoft.com/office/drawing/2014/main" id="{5BFE090F-1008-47A2-9114-FF36426B1890}"/>
+              </a:ext>
+            </a:extLst>
+          </p:cNvPr>
+          <p:cNvSpPr>
+            <a:spLocks noGrp="1"/>
+          </p:cNvSpPr>
+          <p:nvPr>
+            <p:ph type="sldNum" sz="quarter" idx="18"/>
+          </p:nvPr>
+        </p:nvSpPr>
+        <p:spPr/>
+        <p:txBody>
+          <a:bodyPr/>
+          <a:lstStyle/>
+          <a:p>
             <a:fld id="{75F11FD4-B355-4EAB-967C-DBC12644FBDE}" type="slidenum">
               <a:rPr lang="de-DE" smtClean="0"/>
               <a:t>1</a:t>
@@ -8210,17 +8267,19 @@
       </p:sp>
       <p:pic>
         <p:nvPicPr>
-          <p:cNvPr id="14" name="Grafik 13">
+          <p:cNvPr id="9" name="Inhaltsplatzhalter 8">
             <a:extLst>
               <a:ext uri="{FF2B5EF4-FFF2-40B4-BE49-F238E27FC236}">
-                <a16:creationId xmlns:a16="http://schemas.microsoft.com/office/drawing/2014/main" id="{B001B99B-4D7C-4E77-87C7-7CE31938CB39}"/>
+                <a16:creationId xmlns:a16="http://schemas.microsoft.com/office/drawing/2014/main" id="{203F01D0-2E67-48F0-AC93-940E454910A8}"/>
               </a:ext>
             </a:extLst>
           </p:cNvPr>
           <p:cNvPicPr>
-            <a:picLocks noChangeAspect="1"/>
+            <a:picLocks noGrp="1" noChangeAspect="1"/>
           </p:cNvPicPr>
-          <p:nvPr/>
+          <p:nvPr>
+            <p:ph sz="quarter" idx="13"/>
+          </p:nvPr>
         </p:nvPicPr>
         <p:blipFill>
           <a:blip r:embed="rId2">
@@ -8236,8 +8295,8 @@
         </p:blipFill>
         <p:spPr>
           <a:xfrm>
-            <a:off x="2019300" y="774204"/>
-            <a:ext cx="8153400" cy="924116"/>
+            <a:off x="604838" y="2794797"/>
+            <a:ext cx="3708400" cy="420314"/>
           </a:xfrm>
           <a:prstGeom prst="rect">
             <a:avLst/>
@@ -8328,7 +8387,7 @@
           <a:p>
             <a:fld id="{46C1CA06-F658-4220-8BC8-8FCF6253DAE1}" type="datetime1">
               <a:rPr lang="de-DE" smtClean="0"/>
-              <a:t>23.11.2019</a:t>
+              <a:t>24.11.2019</a:t>
             </a:fld>
             <a:endParaRPr lang="de-DE"/>
           </a:p>
@@ -8525,7 +8584,7 @@
           <a:p>
             <a:fld id="{46C1CA06-F658-4220-8BC8-8FCF6253DAE1}" type="datetime1">
               <a:rPr lang="de-DE" smtClean="0"/>
-              <a:t>23.11.2019</a:t>
+              <a:t>24.11.2019</a:t>
             </a:fld>
             <a:endParaRPr lang="de-DE"/>
           </a:p>
@@ -8727,7 +8786,7 @@
           <a:p>
             <a:fld id="{46C1CA06-F658-4220-8BC8-8FCF6253DAE1}" type="datetime1">
               <a:rPr lang="de-DE" smtClean="0"/>
-              <a:t>23.11.2019</a:t>
+              <a:t>24.11.2019</a:t>
             </a:fld>
             <a:endParaRPr lang="de-DE"/>
           </a:p>
@@ -8893,7 +8952,7 @@
           <a:p>
             <a:fld id="{46C1CA06-F658-4220-8BC8-8FCF6253DAE1}" type="datetime1">
               <a:rPr lang="de-DE" smtClean="0"/>
-              <a:t>23.11.2019</a:t>
+              <a:t>24.11.2019</a:t>
             </a:fld>
             <a:endParaRPr lang="de-DE"/>
           </a:p>
@@ -9123,7 +9182,7 @@
           <a:p>
             <a:fld id="{76147A52-9CE4-4E84-B5AD-2E19D43BDEB9}" type="datetime1">
               <a:rPr lang="de-DE" smtClean="0"/>
-              <a:t>23.11.2019</a:t>
+              <a:t>24.11.2019</a:t>
             </a:fld>
             <a:endParaRPr lang="de-DE"/>
           </a:p>
@@ -9202,7 +9261,12 @@
             <p:ph type="body" sz="quarter" idx="13"/>
           </p:nvPr>
         </p:nvSpPr>
-        <p:spPr/>
+        <p:spPr>
+          <a:xfrm>
+            <a:off x="3959233" y="756538"/>
+            <a:ext cx="4248000" cy="571500"/>
+          </a:xfrm>
+        </p:spPr>
         <p:txBody>
           <a:bodyPr/>
           <a:lstStyle/>
@@ -9228,7 +9292,7 @@
         </p:nvSpPr>
         <p:spPr>
           <a:xfrm>
-            <a:off x="697684" y="2589681"/>
+            <a:off x="926373" y="2438576"/>
             <a:ext cx="2306973" cy="369332"/>
           </a:xfrm>
           <a:prstGeom prst="rect">
@@ -9283,8 +9347,8 @@
         </p:blipFill>
         <p:spPr>
           <a:xfrm>
-            <a:off x="1393971" y="2971800"/>
-            <a:ext cx="914400" cy="914400"/>
+            <a:off x="1206640" y="2742263"/>
+            <a:ext cx="1746441" cy="1746441"/>
           </a:xfrm>
           <a:prstGeom prst="rect">
             <a:avLst/>
@@ -9322,8 +9386,8 @@
         </p:blipFill>
         <p:spPr>
           <a:xfrm>
-            <a:off x="6599339" y="2980278"/>
-            <a:ext cx="914400" cy="914400"/>
+            <a:off x="6368833" y="2572818"/>
+            <a:ext cx="1921777" cy="1921777"/>
           </a:xfrm>
           <a:prstGeom prst="rect">
             <a:avLst/>
@@ -9361,8 +9425,8 @@
         </p:blipFill>
         <p:spPr>
           <a:xfrm>
-            <a:off x="4127780" y="3276244"/>
-            <a:ext cx="569051" cy="569051"/>
+            <a:off x="4005342" y="3157786"/>
+            <a:ext cx="1131712" cy="1131712"/>
           </a:xfrm>
           <a:prstGeom prst="rect">
             <a:avLst/>
@@ -9400,8 +9464,8 @@
         </p:blipFill>
         <p:spPr>
           <a:xfrm>
-            <a:off x="3892332" y="2980278"/>
-            <a:ext cx="1054720" cy="1054720"/>
+            <a:off x="3544375" y="2572818"/>
+            <a:ext cx="2097597" cy="2097597"/>
           </a:xfrm>
           <a:prstGeom prst="rect">
             <a:avLst/>
@@ -9422,7 +9486,7 @@
         </p:nvSpPr>
         <p:spPr>
           <a:xfrm>
-            <a:off x="3300368" y="2629217"/>
+            <a:off x="3414048" y="2438576"/>
             <a:ext cx="2306973" cy="369332"/>
           </a:xfrm>
           <a:prstGeom prst="rect">
@@ -9460,7 +9524,7 @@
         </p:nvSpPr>
         <p:spPr>
           <a:xfrm>
-            <a:off x="5898159" y="2589681"/>
+            <a:off x="6181988" y="2438576"/>
             <a:ext cx="2306973" cy="369332"/>
           </a:xfrm>
           <a:prstGeom prst="rect">
@@ -9515,8 +9579,8 @@
         </p:blipFill>
         <p:spPr>
           <a:xfrm>
-            <a:off x="8708826" y="2909763"/>
-            <a:ext cx="914400" cy="914400"/>
+            <a:off x="9083642" y="2572819"/>
+            <a:ext cx="1993508" cy="1993508"/>
           </a:xfrm>
           <a:prstGeom prst="rect">
             <a:avLst/>
@@ -9537,7 +9601,7 @@
         </p:nvSpPr>
         <p:spPr>
           <a:xfrm>
-            <a:off x="8012539" y="2629217"/>
+            <a:off x="8938422" y="2438576"/>
             <a:ext cx="2306973" cy="369332"/>
           </a:xfrm>
           <a:prstGeom prst="rect">
@@ -9556,7 +9620,7 @@
               <a:rPr lang="de-DE" b="1" dirty="0">
                 <a:latin typeface="Trebuchet MS" panose="020B0603020202020204" pitchFamily="34" charset="0"/>
               </a:rPr>
-              <a:t>Statistiken</a:t>
+              <a:t>Umsetzung</a:t>
             </a:r>
           </a:p>
         </p:txBody>
@@ -9571,6 +9635,843 @@
   <p:clrMapOvr>
     <a:masterClrMapping/>
   </p:clrMapOvr>
+  <p:timing>
+    <p:tnLst>
+      <p:par>
+        <p:cTn id="1" dur="indefinite" restart="never" nodeType="tmRoot">
+          <p:childTnLst>
+            <p:seq concurrent="1" nextAc="seek">
+              <p:cTn id="2" dur="indefinite" nodeType="mainSeq">
+                <p:childTnLst>
+                  <p:par>
+                    <p:cTn id="3" fill="hold">
+                      <p:stCondLst>
+                        <p:cond delay="indefinite"/>
+                      </p:stCondLst>
+                      <p:childTnLst>
+                        <p:par>
+                          <p:cTn id="4" fill="hold">
+                            <p:stCondLst>
+                              <p:cond delay="0"/>
+                            </p:stCondLst>
+                            <p:childTnLst>
+                              <p:par>
+                                <p:cTn id="5" presetID="42" presetClass="entr" presetSubtype="0" fill="hold" grpId="0" nodeType="clickEffect">
+                                  <p:stCondLst>
+                                    <p:cond delay="0"/>
+                                  </p:stCondLst>
+                                  <p:childTnLst>
+                                    <p:set>
+                                      <p:cBhvr>
+                                        <p:cTn id="6" dur="1" fill="hold">
+                                          <p:stCondLst>
+                                            <p:cond delay="0"/>
+                                          </p:stCondLst>
+                                        </p:cTn>
+                                        <p:tgtEl>
+                                          <p:spTgt spid="5"/>
+                                        </p:tgtEl>
+                                        <p:attrNameLst>
+                                          <p:attrName>style.visibility</p:attrName>
+                                        </p:attrNameLst>
+                                      </p:cBhvr>
+                                      <p:to>
+                                        <p:strVal val="visible"/>
+                                      </p:to>
+                                    </p:set>
+                                    <p:animEffect transition="in" filter="fade">
+                                      <p:cBhvr>
+                                        <p:cTn id="7" dur="500"/>
+                                        <p:tgtEl>
+                                          <p:spTgt spid="5"/>
+                                        </p:tgtEl>
+                                      </p:cBhvr>
+                                    </p:animEffect>
+                                    <p:anim calcmode="lin" valueType="num">
+                                      <p:cBhvr>
+                                        <p:cTn id="8" dur="500" fill="hold"/>
+                                        <p:tgtEl>
+                                          <p:spTgt spid="5"/>
+                                        </p:tgtEl>
+                                        <p:attrNameLst>
+                                          <p:attrName>ppt_x</p:attrName>
+                                        </p:attrNameLst>
+                                      </p:cBhvr>
+                                      <p:tavLst>
+                                        <p:tav tm="0">
+                                          <p:val>
+                                            <p:strVal val="#ppt_x"/>
+                                          </p:val>
+                                        </p:tav>
+                                        <p:tav tm="100000">
+                                          <p:val>
+                                            <p:strVal val="#ppt_x"/>
+                                          </p:val>
+                                        </p:tav>
+                                      </p:tavLst>
+                                    </p:anim>
+                                    <p:anim calcmode="lin" valueType="num">
+                                      <p:cBhvr>
+                                        <p:cTn id="9" dur="500" fill="hold"/>
+                                        <p:tgtEl>
+                                          <p:spTgt spid="5"/>
+                                        </p:tgtEl>
+                                        <p:attrNameLst>
+                                          <p:attrName>ppt_y</p:attrName>
+                                        </p:attrNameLst>
+                                      </p:cBhvr>
+                                      <p:tavLst>
+                                        <p:tav tm="0">
+                                          <p:val>
+                                            <p:strVal val="#ppt_y+.1"/>
+                                          </p:val>
+                                        </p:tav>
+                                        <p:tav tm="100000">
+                                          <p:val>
+                                            <p:strVal val="#ppt_y"/>
+                                          </p:val>
+                                        </p:tav>
+                                      </p:tavLst>
+                                    </p:anim>
+                                  </p:childTnLst>
+                                </p:cTn>
+                              </p:par>
+                              <p:par>
+                                <p:cTn id="10" presetID="42" presetClass="entr" presetSubtype="0" fill="hold" nodeType="withEffect">
+                                  <p:stCondLst>
+                                    <p:cond delay="0"/>
+                                  </p:stCondLst>
+                                  <p:childTnLst>
+                                    <p:set>
+                                      <p:cBhvr>
+                                        <p:cTn id="11" dur="1" fill="hold">
+                                          <p:stCondLst>
+                                            <p:cond delay="0"/>
+                                          </p:stCondLst>
+                                        </p:cTn>
+                                        <p:tgtEl>
+                                          <p:spTgt spid="7"/>
+                                        </p:tgtEl>
+                                        <p:attrNameLst>
+                                          <p:attrName>style.visibility</p:attrName>
+                                        </p:attrNameLst>
+                                      </p:cBhvr>
+                                      <p:to>
+                                        <p:strVal val="visible"/>
+                                      </p:to>
+                                    </p:set>
+                                    <p:animEffect transition="in" filter="fade">
+                                      <p:cBhvr>
+                                        <p:cTn id="12" dur="500"/>
+                                        <p:tgtEl>
+                                          <p:spTgt spid="7"/>
+                                        </p:tgtEl>
+                                      </p:cBhvr>
+                                    </p:animEffect>
+                                    <p:anim calcmode="lin" valueType="num">
+                                      <p:cBhvr>
+                                        <p:cTn id="13" dur="500" fill="hold"/>
+                                        <p:tgtEl>
+                                          <p:spTgt spid="7"/>
+                                        </p:tgtEl>
+                                        <p:attrNameLst>
+                                          <p:attrName>ppt_x</p:attrName>
+                                        </p:attrNameLst>
+                                      </p:cBhvr>
+                                      <p:tavLst>
+                                        <p:tav tm="0">
+                                          <p:val>
+                                            <p:strVal val="#ppt_x"/>
+                                          </p:val>
+                                        </p:tav>
+                                        <p:tav tm="100000">
+                                          <p:val>
+                                            <p:strVal val="#ppt_x"/>
+                                          </p:val>
+                                        </p:tav>
+                                      </p:tavLst>
+                                    </p:anim>
+                                    <p:anim calcmode="lin" valueType="num">
+                                      <p:cBhvr>
+                                        <p:cTn id="14" dur="500" fill="hold"/>
+                                        <p:tgtEl>
+                                          <p:spTgt spid="7"/>
+                                        </p:tgtEl>
+                                        <p:attrNameLst>
+                                          <p:attrName>ppt_y</p:attrName>
+                                        </p:attrNameLst>
+                                      </p:cBhvr>
+                                      <p:tavLst>
+                                        <p:tav tm="0">
+                                          <p:val>
+                                            <p:strVal val="#ppt_y+.1"/>
+                                          </p:val>
+                                        </p:tav>
+                                        <p:tav tm="100000">
+                                          <p:val>
+                                            <p:strVal val="#ppt_y"/>
+                                          </p:val>
+                                        </p:tav>
+                                      </p:tavLst>
+                                    </p:anim>
+                                  </p:childTnLst>
+                                </p:cTn>
+                              </p:par>
+                            </p:childTnLst>
+                          </p:cTn>
+                        </p:par>
+                      </p:childTnLst>
+                    </p:cTn>
+                  </p:par>
+                  <p:par>
+                    <p:cTn id="15" fill="hold">
+                      <p:stCondLst>
+                        <p:cond delay="indefinite"/>
+                      </p:stCondLst>
+                      <p:childTnLst>
+                        <p:par>
+                          <p:cTn id="16" fill="hold">
+                            <p:stCondLst>
+                              <p:cond delay="0"/>
+                            </p:stCondLst>
+                            <p:childTnLst>
+                              <p:par>
+                                <p:cTn id="17" presetID="42" presetClass="entr" presetSubtype="0" fill="hold" grpId="0" nodeType="clickEffect">
+                                  <p:stCondLst>
+                                    <p:cond delay="0"/>
+                                  </p:stCondLst>
+                                  <p:childTnLst>
+                                    <p:set>
+                                      <p:cBhvr>
+                                        <p:cTn id="18" dur="1" fill="hold">
+                                          <p:stCondLst>
+                                            <p:cond delay="0"/>
+                                          </p:stCondLst>
+                                        </p:cTn>
+                                        <p:tgtEl>
+                                          <p:spTgt spid="17"/>
+                                        </p:tgtEl>
+                                        <p:attrNameLst>
+                                          <p:attrName>style.visibility</p:attrName>
+                                        </p:attrNameLst>
+                                      </p:cBhvr>
+                                      <p:to>
+                                        <p:strVal val="visible"/>
+                                      </p:to>
+                                    </p:set>
+                                    <p:animEffect transition="in" filter="fade">
+                                      <p:cBhvr>
+                                        <p:cTn id="19" dur="500"/>
+                                        <p:tgtEl>
+                                          <p:spTgt spid="17"/>
+                                        </p:tgtEl>
+                                      </p:cBhvr>
+                                    </p:animEffect>
+                                    <p:anim calcmode="lin" valueType="num">
+                                      <p:cBhvr>
+                                        <p:cTn id="20" dur="500" fill="hold"/>
+                                        <p:tgtEl>
+                                          <p:spTgt spid="17"/>
+                                        </p:tgtEl>
+                                        <p:attrNameLst>
+                                          <p:attrName>ppt_x</p:attrName>
+                                        </p:attrNameLst>
+                                      </p:cBhvr>
+                                      <p:tavLst>
+                                        <p:tav tm="0">
+                                          <p:val>
+                                            <p:strVal val="#ppt_x"/>
+                                          </p:val>
+                                        </p:tav>
+                                        <p:tav tm="100000">
+                                          <p:val>
+                                            <p:strVal val="#ppt_x"/>
+                                          </p:val>
+                                        </p:tav>
+                                      </p:tavLst>
+                                    </p:anim>
+                                    <p:anim calcmode="lin" valueType="num">
+                                      <p:cBhvr>
+                                        <p:cTn id="21" dur="500" fill="hold"/>
+                                        <p:tgtEl>
+                                          <p:spTgt spid="17"/>
+                                        </p:tgtEl>
+                                        <p:attrNameLst>
+                                          <p:attrName>ppt_y</p:attrName>
+                                        </p:attrNameLst>
+                                      </p:cBhvr>
+                                      <p:tavLst>
+                                        <p:tav tm="0">
+                                          <p:val>
+                                            <p:strVal val="#ppt_y+.1"/>
+                                          </p:val>
+                                        </p:tav>
+                                        <p:tav tm="100000">
+                                          <p:val>
+                                            <p:strVal val="#ppt_y"/>
+                                          </p:val>
+                                        </p:tav>
+                                      </p:tavLst>
+                                    </p:anim>
+                                  </p:childTnLst>
+                                </p:cTn>
+                              </p:par>
+                              <p:par>
+                                <p:cTn id="22" presetID="42" presetClass="entr" presetSubtype="0" fill="hold" nodeType="withEffect">
+                                  <p:stCondLst>
+                                    <p:cond delay="0"/>
+                                  </p:stCondLst>
+                                  <p:childTnLst>
+                                    <p:set>
+                                      <p:cBhvr>
+                                        <p:cTn id="23" dur="1" fill="hold">
+                                          <p:stCondLst>
+                                            <p:cond delay="0"/>
+                                          </p:stCondLst>
+                                        </p:cTn>
+                                        <p:tgtEl>
+                                          <p:spTgt spid="15"/>
+                                        </p:tgtEl>
+                                        <p:attrNameLst>
+                                          <p:attrName>style.visibility</p:attrName>
+                                        </p:attrNameLst>
+                                      </p:cBhvr>
+                                      <p:to>
+                                        <p:strVal val="visible"/>
+                                      </p:to>
+                                    </p:set>
+                                    <p:animEffect transition="in" filter="fade">
+                                      <p:cBhvr>
+                                        <p:cTn id="24" dur="500"/>
+                                        <p:tgtEl>
+                                          <p:spTgt spid="15"/>
+                                        </p:tgtEl>
+                                      </p:cBhvr>
+                                    </p:animEffect>
+                                    <p:anim calcmode="lin" valueType="num">
+                                      <p:cBhvr>
+                                        <p:cTn id="25" dur="500" fill="hold"/>
+                                        <p:tgtEl>
+                                          <p:spTgt spid="15"/>
+                                        </p:tgtEl>
+                                        <p:attrNameLst>
+                                          <p:attrName>ppt_x</p:attrName>
+                                        </p:attrNameLst>
+                                      </p:cBhvr>
+                                      <p:tavLst>
+                                        <p:tav tm="0">
+                                          <p:val>
+                                            <p:strVal val="#ppt_x"/>
+                                          </p:val>
+                                        </p:tav>
+                                        <p:tav tm="100000">
+                                          <p:val>
+                                            <p:strVal val="#ppt_x"/>
+                                          </p:val>
+                                        </p:tav>
+                                      </p:tavLst>
+                                    </p:anim>
+                                    <p:anim calcmode="lin" valueType="num">
+                                      <p:cBhvr>
+                                        <p:cTn id="26" dur="500" fill="hold"/>
+                                        <p:tgtEl>
+                                          <p:spTgt spid="15"/>
+                                        </p:tgtEl>
+                                        <p:attrNameLst>
+                                          <p:attrName>ppt_y</p:attrName>
+                                        </p:attrNameLst>
+                                      </p:cBhvr>
+                                      <p:tavLst>
+                                        <p:tav tm="0">
+                                          <p:val>
+                                            <p:strVal val="#ppt_y+.1"/>
+                                          </p:val>
+                                        </p:tav>
+                                        <p:tav tm="100000">
+                                          <p:val>
+                                            <p:strVal val="#ppt_y"/>
+                                          </p:val>
+                                        </p:tav>
+                                      </p:tavLst>
+                                    </p:anim>
+                                  </p:childTnLst>
+                                </p:cTn>
+                              </p:par>
+                              <p:par>
+                                <p:cTn id="27" presetID="42" presetClass="entr" presetSubtype="0" fill="hold" nodeType="withEffect">
+                                  <p:stCondLst>
+                                    <p:cond delay="0"/>
+                                  </p:stCondLst>
+                                  <p:childTnLst>
+                                    <p:set>
+                                      <p:cBhvr>
+                                        <p:cTn id="28" dur="1" fill="hold">
+                                          <p:stCondLst>
+                                            <p:cond delay="0"/>
+                                          </p:stCondLst>
+                                        </p:cTn>
+                                        <p:tgtEl>
+                                          <p:spTgt spid="13"/>
+                                        </p:tgtEl>
+                                        <p:attrNameLst>
+                                          <p:attrName>style.visibility</p:attrName>
+                                        </p:attrNameLst>
+                                      </p:cBhvr>
+                                      <p:to>
+                                        <p:strVal val="visible"/>
+                                      </p:to>
+                                    </p:set>
+                                    <p:animEffect transition="in" filter="fade">
+                                      <p:cBhvr>
+                                        <p:cTn id="29" dur="500"/>
+                                        <p:tgtEl>
+                                          <p:spTgt spid="13"/>
+                                        </p:tgtEl>
+                                      </p:cBhvr>
+                                    </p:animEffect>
+                                    <p:anim calcmode="lin" valueType="num">
+                                      <p:cBhvr>
+                                        <p:cTn id="30" dur="500" fill="hold"/>
+                                        <p:tgtEl>
+                                          <p:spTgt spid="13"/>
+                                        </p:tgtEl>
+                                        <p:attrNameLst>
+                                          <p:attrName>ppt_x</p:attrName>
+                                        </p:attrNameLst>
+                                      </p:cBhvr>
+                                      <p:tavLst>
+                                        <p:tav tm="0">
+                                          <p:val>
+                                            <p:strVal val="#ppt_x"/>
+                                          </p:val>
+                                        </p:tav>
+                                        <p:tav tm="100000">
+                                          <p:val>
+                                            <p:strVal val="#ppt_x"/>
+                                          </p:val>
+                                        </p:tav>
+                                      </p:tavLst>
+                                    </p:anim>
+                                    <p:anim calcmode="lin" valueType="num">
+                                      <p:cBhvr>
+                                        <p:cTn id="31" dur="500" fill="hold"/>
+                                        <p:tgtEl>
+                                          <p:spTgt spid="13"/>
+                                        </p:tgtEl>
+                                        <p:attrNameLst>
+                                          <p:attrName>ppt_y</p:attrName>
+                                        </p:attrNameLst>
+                                      </p:cBhvr>
+                                      <p:tavLst>
+                                        <p:tav tm="0">
+                                          <p:val>
+                                            <p:strVal val="#ppt_y+.1"/>
+                                          </p:val>
+                                        </p:tav>
+                                        <p:tav tm="100000">
+                                          <p:val>
+                                            <p:strVal val="#ppt_y"/>
+                                          </p:val>
+                                        </p:tav>
+                                      </p:tavLst>
+                                    </p:anim>
+                                  </p:childTnLst>
+                                </p:cTn>
+                              </p:par>
+                            </p:childTnLst>
+                          </p:cTn>
+                        </p:par>
+                      </p:childTnLst>
+                    </p:cTn>
+                  </p:par>
+                  <p:par>
+                    <p:cTn id="32" fill="hold">
+                      <p:stCondLst>
+                        <p:cond delay="indefinite"/>
+                      </p:stCondLst>
+                      <p:childTnLst>
+                        <p:par>
+                          <p:cTn id="33" fill="hold">
+                            <p:stCondLst>
+                              <p:cond delay="0"/>
+                            </p:stCondLst>
+                            <p:childTnLst>
+                              <p:par>
+                                <p:cTn id="34" presetID="42" presetClass="entr" presetSubtype="0" fill="hold" nodeType="clickEffect">
+                                  <p:stCondLst>
+                                    <p:cond delay="0"/>
+                                  </p:stCondLst>
+                                  <p:childTnLst>
+                                    <p:set>
+                                      <p:cBhvr>
+                                        <p:cTn id="35" dur="1" fill="hold">
+                                          <p:stCondLst>
+                                            <p:cond delay="0"/>
+                                          </p:stCondLst>
+                                        </p:cTn>
+                                        <p:tgtEl>
+                                          <p:spTgt spid="11"/>
+                                        </p:tgtEl>
+                                        <p:attrNameLst>
+                                          <p:attrName>style.visibility</p:attrName>
+                                        </p:attrNameLst>
+                                      </p:cBhvr>
+                                      <p:to>
+                                        <p:strVal val="visible"/>
+                                      </p:to>
+                                    </p:set>
+                                    <p:animEffect transition="in" filter="fade">
+                                      <p:cBhvr>
+                                        <p:cTn id="36" dur="500"/>
+                                        <p:tgtEl>
+                                          <p:spTgt spid="11"/>
+                                        </p:tgtEl>
+                                      </p:cBhvr>
+                                    </p:animEffect>
+                                    <p:anim calcmode="lin" valueType="num">
+                                      <p:cBhvr>
+                                        <p:cTn id="37" dur="500" fill="hold"/>
+                                        <p:tgtEl>
+                                          <p:spTgt spid="11"/>
+                                        </p:tgtEl>
+                                        <p:attrNameLst>
+                                          <p:attrName>ppt_x</p:attrName>
+                                        </p:attrNameLst>
+                                      </p:cBhvr>
+                                      <p:tavLst>
+                                        <p:tav tm="0">
+                                          <p:val>
+                                            <p:strVal val="#ppt_x"/>
+                                          </p:val>
+                                        </p:tav>
+                                        <p:tav tm="100000">
+                                          <p:val>
+                                            <p:strVal val="#ppt_x"/>
+                                          </p:val>
+                                        </p:tav>
+                                      </p:tavLst>
+                                    </p:anim>
+                                    <p:anim calcmode="lin" valueType="num">
+                                      <p:cBhvr>
+                                        <p:cTn id="38" dur="500" fill="hold"/>
+                                        <p:tgtEl>
+                                          <p:spTgt spid="11"/>
+                                        </p:tgtEl>
+                                        <p:attrNameLst>
+                                          <p:attrName>ppt_y</p:attrName>
+                                        </p:attrNameLst>
+                                      </p:cBhvr>
+                                      <p:tavLst>
+                                        <p:tav tm="0">
+                                          <p:val>
+                                            <p:strVal val="#ppt_y+.1"/>
+                                          </p:val>
+                                        </p:tav>
+                                        <p:tav tm="100000">
+                                          <p:val>
+                                            <p:strVal val="#ppt_y"/>
+                                          </p:val>
+                                        </p:tav>
+                                      </p:tavLst>
+                                    </p:anim>
+                                  </p:childTnLst>
+                                </p:cTn>
+                              </p:par>
+                              <p:par>
+                                <p:cTn id="39" presetID="42" presetClass="entr" presetSubtype="0" fill="hold" grpId="0" nodeType="withEffect">
+                                  <p:stCondLst>
+                                    <p:cond delay="0"/>
+                                  </p:stCondLst>
+                                  <p:childTnLst>
+                                    <p:set>
+                                      <p:cBhvr>
+                                        <p:cTn id="40" dur="1" fill="hold">
+                                          <p:stCondLst>
+                                            <p:cond delay="0"/>
+                                          </p:stCondLst>
+                                        </p:cTn>
+                                        <p:tgtEl>
+                                          <p:spTgt spid="18"/>
+                                        </p:tgtEl>
+                                        <p:attrNameLst>
+                                          <p:attrName>style.visibility</p:attrName>
+                                        </p:attrNameLst>
+                                      </p:cBhvr>
+                                      <p:to>
+                                        <p:strVal val="visible"/>
+                                      </p:to>
+                                    </p:set>
+                                    <p:animEffect transition="in" filter="fade">
+                                      <p:cBhvr>
+                                        <p:cTn id="41" dur="500"/>
+                                        <p:tgtEl>
+                                          <p:spTgt spid="18"/>
+                                        </p:tgtEl>
+                                      </p:cBhvr>
+                                    </p:animEffect>
+                                    <p:anim calcmode="lin" valueType="num">
+                                      <p:cBhvr>
+                                        <p:cTn id="42" dur="500" fill="hold"/>
+                                        <p:tgtEl>
+                                          <p:spTgt spid="18"/>
+                                        </p:tgtEl>
+                                        <p:attrNameLst>
+                                          <p:attrName>ppt_x</p:attrName>
+                                        </p:attrNameLst>
+                                      </p:cBhvr>
+                                      <p:tavLst>
+                                        <p:tav tm="0">
+                                          <p:val>
+                                            <p:strVal val="#ppt_x"/>
+                                          </p:val>
+                                        </p:tav>
+                                        <p:tav tm="100000">
+                                          <p:val>
+                                            <p:strVal val="#ppt_x"/>
+                                          </p:val>
+                                        </p:tav>
+                                      </p:tavLst>
+                                    </p:anim>
+                                    <p:anim calcmode="lin" valueType="num">
+                                      <p:cBhvr>
+                                        <p:cTn id="43" dur="500" fill="hold"/>
+                                        <p:tgtEl>
+                                          <p:spTgt spid="18"/>
+                                        </p:tgtEl>
+                                        <p:attrNameLst>
+                                          <p:attrName>ppt_y</p:attrName>
+                                        </p:attrNameLst>
+                                      </p:cBhvr>
+                                      <p:tavLst>
+                                        <p:tav tm="0">
+                                          <p:val>
+                                            <p:strVal val="#ppt_y+.1"/>
+                                          </p:val>
+                                        </p:tav>
+                                        <p:tav tm="100000">
+                                          <p:val>
+                                            <p:strVal val="#ppt_y"/>
+                                          </p:val>
+                                        </p:tav>
+                                      </p:tavLst>
+                                    </p:anim>
+                                  </p:childTnLst>
+                                </p:cTn>
+                              </p:par>
+                            </p:childTnLst>
+                          </p:cTn>
+                        </p:par>
+                      </p:childTnLst>
+                    </p:cTn>
+                  </p:par>
+                  <p:par>
+                    <p:cTn id="44" fill="hold">
+                      <p:stCondLst>
+                        <p:cond delay="indefinite"/>
+                      </p:stCondLst>
+                      <p:childTnLst>
+                        <p:par>
+                          <p:cTn id="45" fill="hold">
+                            <p:stCondLst>
+                              <p:cond delay="0"/>
+                            </p:stCondLst>
+                            <p:childTnLst>
+                              <p:par>
+                                <p:cTn id="46" presetID="42" presetClass="entr" presetSubtype="0" fill="hold" nodeType="clickEffect">
+                                  <p:stCondLst>
+                                    <p:cond delay="0"/>
+                                  </p:stCondLst>
+                                  <p:childTnLst>
+                                    <p:set>
+                                      <p:cBhvr>
+                                        <p:cTn id="47" dur="1" fill="hold">
+                                          <p:stCondLst>
+                                            <p:cond delay="0"/>
+                                          </p:stCondLst>
+                                        </p:cTn>
+                                        <p:tgtEl>
+                                          <p:spTgt spid="22"/>
+                                        </p:tgtEl>
+                                        <p:attrNameLst>
+                                          <p:attrName>style.visibility</p:attrName>
+                                        </p:attrNameLst>
+                                      </p:cBhvr>
+                                      <p:to>
+                                        <p:strVal val="visible"/>
+                                      </p:to>
+                                    </p:set>
+                                    <p:animEffect transition="in" filter="fade">
+                                      <p:cBhvr>
+                                        <p:cTn id="48" dur="500"/>
+                                        <p:tgtEl>
+                                          <p:spTgt spid="22"/>
+                                        </p:tgtEl>
+                                      </p:cBhvr>
+                                    </p:animEffect>
+                                    <p:anim calcmode="lin" valueType="num">
+                                      <p:cBhvr>
+                                        <p:cTn id="49" dur="500" fill="hold"/>
+                                        <p:tgtEl>
+                                          <p:spTgt spid="22"/>
+                                        </p:tgtEl>
+                                        <p:attrNameLst>
+                                          <p:attrName>ppt_x</p:attrName>
+                                        </p:attrNameLst>
+                                      </p:cBhvr>
+                                      <p:tavLst>
+                                        <p:tav tm="0">
+                                          <p:val>
+                                            <p:strVal val="#ppt_x"/>
+                                          </p:val>
+                                        </p:tav>
+                                        <p:tav tm="100000">
+                                          <p:val>
+                                            <p:strVal val="#ppt_x"/>
+                                          </p:val>
+                                        </p:tav>
+                                      </p:tavLst>
+                                    </p:anim>
+                                    <p:anim calcmode="lin" valueType="num">
+                                      <p:cBhvr>
+                                        <p:cTn id="50" dur="500" fill="hold"/>
+                                        <p:tgtEl>
+                                          <p:spTgt spid="22"/>
+                                        </p:tgtEl>
+                                        <p:attrNameLst>
+                                          <p:attrName>ppt_y</p:attrName>
+                                        </p:attrNameLst>
+                                      </p:cBhvr>
+                                      <p:tavLst>
+                                        <p:tav tm="0">
+                                          <p:val>
+                                            <p:strVal val="#ppt_y+.1"/>
+                                          </p:val>
+                                        </p:tav>
+                                        <p:tav tm="100000">
+                                          <p:val>
+                                            <p:strVal val="#ppt_y"/>
+                                          </p:val>
+                                        </p:tav>
+                                      </p:tavLst>
+                                    </p:anim>
+                                  </p:childTnLst>
+                                </p:cTn>
+                              </p:par>
+                              <p:par>
+                                <p:cTn id="51" presetID="42" presetClass="entr" presetSubtype="0" fill="hold" grpId="0" nodeType="withEffect">
+                                  <p:stCondLst>
+                                    <p:cond delay="0"/>
+                                  </p:stCondLst>
+                                  <p:childTnLst>
+                                    <p:set>
+                                      <p:cBhvr>
+                                        <p:cTn id="52" dur="1" fill="hold">
+                                          <p:stCondLst>
+                                            <p:cond delay="0"/>
+                                          </p:stCondLst>
+                                        </p:cTn>
+                                        <p:tgtEl>
+                                          <p:spTgt spid="23"/>
+                                        </p:tgtEl>
+                                        <p:attrNameLst>
+                                          <p:attrName>style.visibility</p:attrName>
+                                        </p:attrNameLst>
+                                      </p:cBhvr>
+                                      <p:to>
+                                        <p:strVal val="visible"/>
+                                      </p:to>
+                                    </p:set>
+                                    <p:animEffect transition="in" filter="fade">
+                                      <p:cBhvr>
+                                        <p:cTn id="53" dur="500"/>
+                                        <p:tgtEl>
+                                          <p:spTgt spid="23"/>
+                                        </p:tgtEl>
+                                      </p:cBhvr>
+                                    </p:animEffect>
+                                    <p:anim calcmode="lin" valueType="num">
+                                      <p:cBhvr>
+                                        <p:cTn id="54" dur="500" fill="hold"/>
+                                        <p:tgtEl>
+                                          <p:spTgt spid="23"/>
+                                        </p:tgtEl>
+                                        <p:attrNameLst>
+                                          <p:attrName>ppt_x</p:attrName>
+                                        </p:attrNameLst>
+                                      </p:cBhvr>
+                                      <p:tavLst>
+                                        <p:tav tm="0">
+                                          <p:val>
+                                            <p:strVal val="#ppt_x"/>
+                                          </p:val>
+                                        </p:tav>
+                                        <p:tav tm="100000">
+                                          <p:val>
+                                            <p:strVal val="#ppt_x"/>
+                                          </p:val>
+                                        </p:tav>
+                                      </p:tavLst>
+                                    </p:anim>
+                                    <p:anim calcmode="lin" valueType="num">
+                                      <p:cBhvr>
+                                        <p:cTn id="55" dur="500" fill="hold"/>
+                                        <p:tgtEl>
+                                          <p:spTgt spid="23"/>
+                                        </p:tgtEl>
+                                        <p:attrNameLst>
+                                          <p:attrName>ppt_y</p:attrName>
+                                        </p:attrNameLst>
+                                      </p:cBhvr>
+                                      <p:tavLst>
+                                        <p:tav tm="0">
+                                          <p:val>
+                                            <p:strVal val="#ppt_y+.1"/>
+                                          </p:val>
+                                        </p:tav>
+                                        <p:tav tm="100000">
+                                          <p:val>
+                                            <p:strVal val="#ppt_y"/>
+                                          </p:val>
+                                        </p:tav>
+                                      </p:tavLst>
+                                    </p:anim>
+                                  </p:childTnLst>
+                                </p:cTn>
+                              </p:par>
+                            </p:childTnLst>
+                          </p:cTn>
+                        </p:par>
+                      </p:childTnLst>
+                    </p:cTn>
+                  </p:par>
+                </p:childTnLst>
+              </p:cTn>
+              <p:prevCondLst>
+                <p:cond evt="onPrev" delay="0">
+                  <p:tgtEl>
+                    <p:sldTgt/>
+                  </p:tgtEl>
+                </p:cond>
+              </p:prevCondLst>
+              <p:nextCondLst>
+                <p:cond evt="onNext" delay="0">
+                  <p:tgtEl>
+                    <p:sldTgt/>
+                  </p:tgtEl>
+                </p:cond>
+              </p:nextCondLst>
+            </p:seq>
+          </p:childTnLst>
+        </p:cTn>
+      </p:par>
+    </p:tnLst>
+    <p:bldLst>
+      <p:bldP spid="5" grpId="0"/>
+      <p:bldP spid="17" grpId="0"/>
+      <p:bldP spid="18" grpId="0"/>
+      <p:bldP spid="23" grpId="0"/>
+    </p:bldLst>
+  </p:timing>
 </p:sld>
 </file>
 
@@ -9861,7 +10762,7 @@
           <a:p>
             <a:fld id="{EF008B3B-8C86-4F35-BCD4-3D71CCC6220B}" type="datetime1">
               <a:rPr lang="de-DE" smtClean="0"/>
-              <a:t>23.11.2019</a:t>
+              <a:t>24.11.2019</a:t>
             </a:fld>
             <a:endParaRPr lang="de-DE"/>
           </a:p>
@@ -11074,7 +11975,7 @@
             <a:fld id="{6CFE6BEC-159F-4167-8F4D-D508A4F668F1}" type="datetime1">
               <a:rPr lang="de-DE" smtClean="0"/>
               <a:pPr/>
-              <a:t>23.11.2019</a:t>
+              <a:t>24.11.2019</a:t>
             </a:fld>
             <a:endParaRPr lang="de-DE"/>
           </a:p>
@@ -11720,7 +12621,7 @@
             <a:fld id="{6CFE6BEC-159F-4167-8F4D-D508A4F668F1}" type="datetime1">
               <a:rPr lang="de-DE" smtClean="0"/>
               <a:pPr/>
-              <a:t>23.11.2019</a:t>
+              <a:t>24.11.2019</a:t>
             </a:fld>
             <a:endParaRPr lang="de-DE"/>
           </a:p>
@@ -12165,7 +13066,7 @@
           <a:p>
             <a:fld id="{46C1CA06-F658-4220-8BC8-8FCF6253DAE1}" type="datetime1">
               <a:rPr lang="de-DE" smtClean="0"/>
-              <a:t>23.11.2019</a:t>
+              <a:t>24.11.2019</a:t>
             </a:fld>
             <a:endParaRPr lang="de-DE"/>
           </a:p>
@@ -14064,7 +14965,7 @@
           <a:p>
             <a:fld id="{46C1CA06-F658-4220-8BC8-8FCF6253DAE1}" type="datetime1">
               <a:rPr lang="de-DE" smtClean="0"/>
-              <a:t>23.11.2019</a:t>
+              <a:t>24.11.2019</a:t>
             </a:fld>
             <a:endParaRPr lang="de-DE"/>
           </a:p>
@@ -14986,7 +15887,7 @@
           <a:p>
             <a:fld id="{46C1CA06-F658-4220-8BC8-8FCF6253DAE1}" type="datetime1">
               <a:rPr lang="de-DE" smtClean="0"/>
-              <a:t>23.11.2019</a:t>
+              <a:t>24.11.2019</a:t>
             </a:fld>
             <a:endParaRPr lang="de-DE"/>
           </a:p>
@@ -16057,7 +16958,7 @@
           <a:p>
             <a:fld id="{46C1CA06-F658-4220-8BC8-8FCF6253DAE1}" type="datetime1">
               <a:rPr lang="de-DE" smtClean="0"/>
-              <a:t>23.11.2019</a:t>
+              <a:t>24.11.2019</a:t>
             </a:fld>
             <a:endParaRPr lang="de-DE"/>
           </a:p>

--- a/Dokumentation/Präsentation.pptx
+++ b/Dokumentation/Präsentation.pptx
@@ -2716,7 +2716,7 @@
           <a:p>
             <a:fld id="{7B7A28CD-82A6-451A-9ECC-C5B68CB99823}" type="datetimeFigureOut">
               <a:rPr lang="de-DE" smtClean="0"/>
-              <a:t>24.11.2019</a:t>
+              <a:t>12.12.2019</a:t>
             </a:fld>
             <a:endParaRPr lang="de-DE"/>
           </a:p>
@@ -3398,7 +3398,7 @@
           <a:p>
             <a:fld id="{64F9F675-049C-4039-886A-7641A3ED83AA}" type="datetime1">
               <a:rPr lang="de-DE" smtClean="0"/>
-              <a:t>24.11.2019</a:t>
+              <a:t>12.12.2019</a:t>
             </a:fld>
             <a:endParaRPr lang="de-DE" dirty="0"/>
           </a:p>
@@ -3580,7 +3580,7 @@
           <a:p>
             <a:fld id="{EF008B3B-8C86-4F35-BCD4-3D71CCC6220B}" type="datetime1">
               <a:rPr lang="de-DE" smtClean="0"/>
-              <a:t>24.11.2019</a:t>
+              <a:t>12.12.2019</a:t>
             </a:fld>
             <a:endParaRPr lang="de-DE"/>
           </a:p>
@@ -4034,7 +4034,7 @@
           <a:p>
             <a:fld id="{46C1CA06-F658-4220-8BC8-8FCF6253DAE1}" type="datetime1">
               <a:rPr lang="de-DE" smtClean="0"/>
-              <a:t>24.11.2019</a:t>
+              <a:t>12.12.2019</a:t>
             </a:fld>
             <a:endParaRPr lang="de-DE"/>
           </a:p>
@@ -4826,7 +4826,7 @@
           <a:p>
             <a:fld id="{4F6382F7-6B8A-47B3-AA70-C81E5D8F4180}" type="datetime1">
               <a:rPr lang="de-DE" smtClean="0"/>
-              <a:t>24.11.2019</a:t>
+              <a:t>12.12.2019</a:t>
             </a:fld>
             <a:endParaRPr lang="de-DE"/>
           </a:p>
@@ -5538,7 +5538,7 @@
           <a:p>
             <a:fld id="{6CFE6BEC-159F-4167-8F4D-D508A4F668F1}" type="datetime1">
               <a:rPr lang="de-DE" smtClean="0"/>
-              <a:t>24.11.2019</a:t>
+              <a:t>12.12.2019</a:t>
             </a:fld>
             <a:endParaRPr lang="de-DE"/>
           </a:p>
@@ -5969,7 +5969,7 @@
           <a:p>
             <a:fld id="{0650A090-A051-46A1-8797-56EEC00D0A83}" type="datetime1">
               <a:rPr lang="de-DE" smtClean="0"/>
-              <a:t>24.11.2019</a:t>
+              <a:t>12.12.2019</a:t>
             </a:fld>
             <a:endParaRPr lang="de-DE"/>
           </a:p>
@@ -6401,7 +6401,7 @@
           <a:p>
             <a:fld id="{76147A52-9CE4-4E84-B5AD-2E19D43BDEB9}" type="datetime1">
               <a:rPr lang="de-DE" smtClean="0"/>
-              <a:t>24.11.2019</a:t>
+              <a:t>12.12.2019</a:t>
             </a:fld>
             <a:endParaRPr lang="de-DE"/>
           </a:p>
@@ -6804,7 +6804,7 @@
           <a:p>
             <a:fld id="{088C7F9A-48FF-4E97-A5D8-34ABB2AA95D7}" type="datetime1">
               <a:rPr lang="de-DE" smtClean="0"/>
-              <a:t>24.11.2019</a:t>
+              <a:t>12.12.2019</a:t>
             </a:fld>
             <a:endParaRPr lang="de-DE"/>
           </a:p>
@@ -7255,7 +7255,7 @@
           <a:p>
             <a:fld id="{89EBD14D-9873-4385-9F14-4BFEE858A98C}" type="datetime1">
               <a:rPr lang="de-DE" smtClean="0"/>
-              <a:t>24.11.2019</a:t>
+              <a:t>12.12.2019</a:t>
             </a:fld>
             <a:endParaRPr lang="de-DE" dirty="0"/>
           </a:p>
@@ -8201,7 +8201,7 @@
           <a:p>
             <a:fld id="{F91931D6-F9D8-406D-9851-24FA674187DB}" type="datetime1">
               <a:rPr lang="de-DE" smtClean="0"/>
-              <a:t>24.11.2019</a:t>
+              <a:t>12.12.2019</a:t>
             </a:fld>
             <a:endParaRPr lang="de-DE" dirty="0"/>
           </a:p>
@@ -8387,7 +8387,7 @@
           <a:p>
             <a:fld id="{46C1CA06-F658-4220-8BC8-8FCF6253DAE1}" type="datetime1">
               <a:rPr lang="de-DE" smtClean="0"/>
-              <a:t>24.11.2019</a:t>
+              <a:t>12.12.2019</a:t>
             </a:fld>
             <a:endParaRPr lang="de-DE"/>
           </a:p>
@@ -8584,7 +8584,7 @@
           <a:p>
             <a:fld id="{46C1CA06-F658-4220-8BC8-8FCF6253DAE1}" type="datetime1">
               <a:rPr lang="de-DE" smtClean="0"/>
-              <a:t>24.11.2019</a:t>
+              <a:t>12.12.2019</a:t>
             </a:fld>
             <a:endParaRPr lang="de-DE"/>
           </a:p>
@@ -8786,7 +8786,7 @@
           <a:p>
             <a:fld id="{46C1CA06-F658-4220-8BC8-8FCF6253DAE1}" type="datetime1">
               <a:rPr lang="de-DE" smtClean="0"/>
-              <a:t>24.11.2019</a:t>
+              <a:t>12.12.2019</a:t>
             </a:fld>
             <a:endParaRPr lang="de-DE"/>
           </a:p>
@@ -8952,7 +8952,7 @@
           <a:p>
             <a:fld id="{46C1CA06-F658-4220-8BC8-8FCF6253DAE1}" type="datetime1">
               <a:rPr lang="de-DE" smtClean="0"/>
-              <a:t>24.11.2019</a:t>
+              <a:t>12.12.2019</a:t>
             </a:fld>
             <a:endParaRPr lang="de-DE"/>
           </a:p>
@@ -9182,7 +9182,7 @@
           <a:p>
             <a:fld id="{76147A52-9CE4-4E84-B5AD-2E19D43BDEB9}" type="datetime1">
               <a:rPr lang="de-DE" smtClean="0"/>
-              <a:t>24.11.2019</a:t>
+              <a:t>12.12.2019</a:t>
             </a:fld>
             <a:endParaRPr lang="de-DE"/>
           </a:p>
@@ -10762,7 +10762,7 @@
           <a:p>
             <a:fld id="{EF008B3B-8C86-4F35-BCD4-3D71CCC6220B}" type="datetime1">
               <a:rPr lang="de-DE" smtClean="0"/>
-              <a:t>24.11.2019</a:t>
+              <a:t>12.12.2019</a:t>
             </a:fld>
             <a:endParaRPr lang="de-DE"/>
           </a:p>
@@ -11975,7 +11975,7 @@
             <a:fld id="{6CFE6BEC-159F-4167-8F4D-D508A4F668F1}" type="datetime1">
               <a:rPr lang="de-DE" smtClean="0"/>
               <a:pPr/>
-              <a:t>24.11.2019</a:t>
+              <a:t>12.12.2019</a:t>
             </a:fld>
             <a:endParaRPr lang="de-DE"/>
           </a:p>
@@ -12621,7 +12621,7 @@
             <a:fld id="{6CFE6BEC-159F-4167-8F4D-D508A4F668F1}" type="datetime1">
               <a:rPr lang="de-DE" smtClean="0"/>
               <a:pPr/>
-              <a:t>24.11.2019</a:t>
+              <a:t>12.12.2019</a:t>
             </a:fld>
             <a:endParaRPr lang="de-DE"/>
           </a:p>
@@ -13066,7 +13066,7 @@
           <a:p>
             <a:fld id="{46C1CA06-F658-4220-8BC8-8FCF6253DAE1}" type="datetime1">
               <a:rPr lang="de-DE" smtClean="0"/>
-              <a:t>24.11.2019</a:t>
+              <a:t>12.12.2019</a:t>
             </a:fld>
             <a:endParaRPr lang="de-DE"/>
           </a:p>
@@ -14965,7 +14965,7 @@
           <a:p>
             <a:fld id="{46C1CA06-F658-4220-8BC8-8FCF6253DAE1}" type="datetime1">
               <a:rPr lang="de-DE" smtClean="0"/>
-              <a:t>24.11.2019</a:t>
+              <a:t>12.12.2019</a:t>
             </a:fld>
             <a:endParaRPr lang="de-DE"/>
           </a:p>
@@ -15887,7 +15887,7 @@
           <a:p>
             <a:fld id="{46C1CA06-F658-4220-8BC8-8FCF6253DAE1}" type="datetime1">
               <a:rPr lang="de-DE" smtClean="0"/>
-              <a:t>24.11.2019</a:t>
+              <a:t>12.12.2019</a:t>
             </a:fld>
             <a:endParaRPr lang="de-DE"/>
           </a:p>
@@ -16958,7 +16958,7 @@
           <a:p>
             <a:fld id="{46C1CA06-F658-4220-8BC8-8FCF6253DAE1}" type="datetime1">
               <a:rPr lang="de-DE" smtClean="0"/>
-              <a:t>24.11.2019</a:t>
+              <a:t>12.12.2019</a:t>
             </a:fld>
             <a:endParaRPr lang="de-DE"/>
           </a:p>

--- a/Dokumentation/Präsentation.pptx
+++ b/Dokumentation/Präsentation.pptx
@@ -5,7 +5,7 @@
     <p:sldMasterId id="2147483648" r:id="rId1"/>
   </p:sldMasterIdLst>
   <p:notesMasterIdLst>
-    <p:notesMasterId r:id="rId15"/>
+    <p:notesMasterId r:id="rId16"/>
   </p:notesMasterIdLst>
   <p:sldIdLst>
     <p:sldId id="256" r:id="rId2"/>
@@ -17,10 +17,11 @@
     <p:sldId id="259" r:id="rId8"/>
     <p:sldId id="265" r:id="rId9"/>
     <p:sldId id="264" r:id="rId10"/>
-    <p:sldId id="261" r:id="rId11"/>
-    <p:sldId id="260" r:id="rId12"/>
-    <p:sldId id="269" r:id="rId13"/>
-    <p:sldId id="263" r:id="rId14"/>
+    <p:sldId id="270" r:id="rId11"/>
+    <p:sldId id="271" r:id="rId12"/>
+    <p:sldId id="261" r:id="rId13"/>
+    <p:sldId id="260" r:id="rId14"/>
+    <p:sldId id="263" r:id="rId15"/>
   </p:sldIdLst>
   <p:sldSz cx="12192000" cy="6858000"/>
   <p:notesSz cx="6858000" cy="9144000"/>
@@ -139,68 +140,86 @@
 </file>
 
 <file path=ppt/diagrams/colors1.xml><?xml version="1.0" encoding="utf-8"?>
-<dgm:colorsDef xmlns:dgm="http://schemas.openxmlformats.org/drawingml/2006/diagram" xmlns:a="http://schemas.openxmlformats.org/drawingml/2006/main" uniqueId="urn:microsoft.com/office/officeart/2005/8/colors/accent1_2">
+<dgm:colorsDef xmlns:dgm="http://schemas.openxmlformats.org/drawingml/2006/diagram" xmlns:a="http://schemas.openxmlformats.org/drawingml/2006/main" uniqueId="urn:microsoft.com/office/officeart/2005/8/colors/accent3_1">
   <dgm:title val=""/>
   <dgm:desc val=""/>
   <dgm:catLst>
-    <dgm:cat type="accent1" pri="11200"/>
+    <dgm:cat type="accent3" pri="11100"/>
   </dgm:catLst>
   <dgm:styleLbl name="node0">
     <dgm:fillClrLst meth="repeat">
-      <a:schemeClr val="accent1"/>
+      <a:schemeClr val="lt1"/>
     </dgm:fillClrLst>
     <dgm:linClrLst meth="repeat">
-      <a:schemeClr val="lt1"/>
+      <a:schemeClr val="accent3">
+        <a:shade val="80000"/>
+      </a:schemeClr>
     </dgm:linClrLst>
     <dgm:effectClrLst/>
     <dgm:txLinClrLst/>
-    <dgm:txFillClrLst/>
+    <dgm:txFillClrLst meth="repeat">
+      <a:schemeClr val="dk1"/>
+    </dgm:txFillClrLst>
+    <dgm:txEffectClrLst/>
+  </dgm:styleLbl>
+  <dgm:styleLbl name="node1">
+    <dgm:fillClrLst meth="repeat">
+      <a:schemeClr val="lt1"/>
+    </dgm:fillClrLst>
+    <dgm:linClrLst meth="repeat">
+      <a:schemeClr val="accent3">
+        <a:shade val="80000"/>
+      </a:schemeClr>
+    </dgm:linClrLst>
+    <dgm:effectClrLst/>
+    <dgm:txLinClrLst/>
+    <dgm:txFillClrLst meth="repeat">
+      <a:schemeClr val="dk1"/>
+    </dgm:txFillClrLst>
     <dgm:txEffectClrLst/>
   </dgm:styleLbl>
   <dgm:styleLbl name="alignNode1">
     <dgm:fillClrLst meth="repeat">
-      <a:schemeClr val="accent1"/>
+      <a:schemeClr val="lt1"/>
     </dgm:fillClrLst>
     <dgm:linClrLst meth="repeat">
-      <a:schemeClr val="accent1"/>
+      <a:schemeClr val="accent3">
+        <a:shade val="80000"/>
+      </a:schemeClr>
     </dgm:linClrLst>
     <dgm:effectClrLst/>
     <dgm:txLinClrLst/>
-    <dgm:txFillClrLst/>
-    <dgm:txEffectClrLst/>
-  </dgm:styleLbl>
-  <dgm:styleLbl name="node1">
-    <dgm:fillClrLst meth="repeat">
-      <a:schemeClr val="accent1"/>
-    </dgm:fillClrLst>
-    <dgm:linClrLst meth="repeat">
-      <a:schemeClr val="lt1"/>
-    </dgm:linClrLst>
-    <dgm:effectClrLst/>
-    <dgm:txLinClrLst/>
-    <dgm:txFillClrLst/>
+    <dgm:txFillClrLst meth="repeat">
+      <a:schemeClr val="dk1"/>
+    </dgm:txFillClrLst>
     <dgm:txEffectClrLst/>
   </dgm:styleLbl>
   <dgm:styleLbl name="lnNode1">
     <dgm:fillClrLst meth="repeat">
-      <a:schemeClr val="accent1"/>
+      <a:schemeClr val="lt1"/>
     </dgm:fillClrLst>
     <dgm:linClrLst meth="repeat">
-      <a:schemeClr val="lt1"/>
+      <a:schemeClr val="accent3">
+        <a:shade val="80000"/>
+      </a:schemeClr>
     </dgm:linClrLst>
     <dgm:effectClrLst/>
     <dgm:txLinClrLst/>
-    <dgm:txFillClrLst/>
+    <dgm:txFillClrLst meth="repeat">
+      <a:schemeClr val="dk1"/>
+    </dgm:txFillClrLst>
     <dgm:txEffectClrLst/>
   </dgm:styleLbl>
   <dgm:styleLbl name="vennNode1">
     <dgm:fillClrLst meth="repeat">
-      <a:schemeClr val="accent1">
+      <a:schemeClr val="lt1">
         <a:alpha val="50000"/>
       </a:schemeClr>
     </dgm:fillClrLst>
     <dgm:linClrLst meth="repeat">
-      <a:schemeClr val="lt1"/>
+      <a:schemeClr val="accent3">
+        <a:shade val="80000"/>
+      </a:schemeClr>
     </dgm:linClrLst>
     <dgm:effectClrLst/>
     <dgm:txLinClrLst/>
@@ -209,48 +228,62 @@
   </dgm:styleLbl>
   <dgm:styleLbl name="node2">
     <dgm:fillClrLst meth="repeat">
-      <a:schemeClr val="accent1"/>
+      <a:schemeClr val="lt1"/>
     </dgm:fillClrLst>
     <dgm:linClrLst meth="repeat">
-      <a:schemeClr val="lt1"/>
+      <a:schemeClr val="accent3">
+        <a:shade val="80000"/>
+      </a:schemeClr>
     </dgm:linClrLst>
     <dgm:effectClrLst/>
     <dgm:txLinClrLst/>
-    <dgm:txFillClrLst/>
+    <dgm:txFillClrLst meth="repeat">
+      <a:schemeClr val="dk1"/>
+    </dgm:txFillClrLst>
     <dgm:txEffectClrLst/>
   </dgm:styleLbl>
   <dgm:styleLbl name="node3">
     <dgm:fillClrLst meth="repeat">
-      <a:schemeClr val="accent1"/>
+      <a:schemeClr val="lt1"/>
     </dgm:fillClrLst>
     <dgm:linClrLst meth="repeat">
-      <a:schemeClr val="lt1"/>
+      <a:schemeClr val="accent3">
+        <a:shade val="80000"/>
+      </a:schemeClr>
     </dgm:linClrLst>
     <dgm:effectClrLst/>
     <dgm:txLinClrLst/>
-    <dgm:txFillClrLst/>
+    <dgm:txFillClrLst meth="repeat">
+      <a:schemeClr val="dk1"/>
+    </dgm:txFillClrLst>
     <dgm:txEffectClrLst/>
   </dgm:styleLbl>
   <dgm:styleLbl name="node4">
     <dgm:fillClrLst meth="repeat">
-      <a:schemeClr val="accent1"/>
+      <a:schemeClr val="lt1"/>
     </dgm:fillClrLst>
     <dgm:linClrLst meth="repeat">
-      <a:schemeClr val="lt1"/>
+      <a:schemeClr val="accent3">
+        <a:shade val="80000"/>
+      </a:schemeClr>
     </dgm:linClrLst>
     <dgm:effectClrLst/>
     <dgm:txLinClrLst/>
-    <dgm:txFillClrLst/>
+    <dgm:txFillClrLst meth="repeat">
+      <a:schemeClr val="dk1"/>
+    </dgm:txFillClrLst>
     <dgm:txEffectClrLst/>
   </dgm:styleLbl>
   <dgm:styleLbl name="fgImgPlace1">
     <dgm:fillClrLst meth="repeat">
-      <a:schemeClr val="accent1">
-        <a:tint val="50000"/>
+      <a:schemeClr val="accent3">
+        <a:tint val="40000"/>
       </a:schemeClr>
     </dgm:fillClrLst>
     <dgm:linClrLst meth="repeat">
-      <a:schemeClr val="lt1"/>
+      <a:schemeClr val="accent3">
+        <a:shade val="80000"/>
+      </a:schemeClr>
     </dgm:linClrLst>
     <dgm:effectClrLst/>
     <dgm:txLinClrLst/>
@@ -261,12 +294,14 @@
   </dgm:styleLbl>
   <dgm:styleLbl name="alignImgPlace1">
     <dgm:fillClrLst meth="repeat">
-      <a:schemeClr val="accent1">
-        <a:tint val="50000"/>
+      <a:schemeClr val="accent3">
+        <a:tint val="40000"/>
       </a:schemeClr>
     </dgm:fillClrLst>
     <dgm:linClrLst meth="repeat">
-      <a:schemeClr val="lt1"/>
+      <a:schemeClr val="accent3">
+        <a:shade val="80000"/>
+      </a:schemeClr>
     </dgm:linClrLst>
     <dgm:effectClrLst/>
     <dgm:txLinClrLst/>
@@ -277,12 +312,14 @@
   </dgm:styleLbl>
   <dgm:styleLbl name="bgImgPlace1">
     <dgm:fillClrLst meth="repeat">
-      <a:schemeClr val="accent1">
-        <a:tint val="50000"/>
+      <a:schemeClr val="accent3">
+        <a:tint val="40000"/>
       </a:schemeClr>
     </dgm:fillClrLst>
     <dgm:linClrLst meth="repeat">
-      <a:schemeClr val="lt1"/>
+      <a:schemeClr val="accent3">
+        <a:shade val="80000"/>
+      </a:schemeClr>
     </dgm:linClrLst>
     <dgm:effectClrLst/>
     <dgm:txLinClrLst/>
@@ -293,58 +330,64 @@
   </dgm:styleLbl>
   <dgm:styleLbl name="sibTrans2D1">
     <dgm:fillClrLst meth="repeat">
-      <a:schemeClr val="accent1">
+      <a:schemeClr val="accent3">
         <a:tint val="60000"/>
       </a:schemeClr>
     </dgm:fillClrLst>
     <dgm:linClrLst meth="repeat">
-      <a:schemeClr val="accent1">
+      <a:schemeClr val="accent3">
         <a:tint val="60000"/>
       </a:schemeClr>
     </dgm:linClrLst>
     <dgm:effectClrLst/>
     <dgm:txLinClrLst/>
-    <dgm:txFillClrLst/>
+    <dgm:txFillClrLst meth="repeat">
+      <a:schemeClr val="dk1"/>
+    </dgm:txFillClrLst>
     <dgm:txEffectClrLst/>
   </dgm:styleLbl>
   <dgm:styleLbl name="fgSibTrans2D1">
     <dgm:fillClrLst meth="repeat">
-      <a:schemeClr val="accent1">
+      <a:schemeClr val="accent3">
         <a:tint val="60000"/>
       </a:schemeClr>
     </dgm:fillClrLst>
     <dgm:linClrLst meth="repeat">
-      <a:schemeClr val="accent1">
+      <a:schemeClr val="accent3">
         <a:tint val="60000"/>
       </a:schemeClr>
     </dgm:linClrLst>
     <dgm:effectClrLst/>
     <dgm:txLinClrLst/>
-    <dgm:txFillClrLst/>
+    <dgm:txFillClrLst meth="repeat">
+      <a:schemeClr val="dk1"/>
+    </dgm:txFillClrLst>
     <dgm:txEffectClrLst/>
   </dgm:styleLbl>
   <dgm:styleLbl name="bgSibTrans2D1">
     <dgm:fillClrLst meth="repeat">
-      <a:schemeClr val="accent1">
+      <a:schemeClr val="accent3">
         <a:tint val="60000"/>
       </a:schemeClr>
     </dgm:fillClrLst>
     <dgm:linClrLst meth="repeat">
-      <a:schemeClr val="accent1">
+      <a:schemeClr val="accent3">
         <a:tint val="60000"/>
       </a:schemeClr>
     </dgm:linClrLst>
     <dgm:effectClrLst/>
     <dgm:txLinClrLst/>
-    <dgm:txFillClrLst/>
+    <dgm:txFillClrLst meth="repeat">
+      <a:schemeClr val="dk1"/>
+    </dgm:txFillClrLst>
     <dgm:txEffectClrLst/>
   </dgm:styleLbl>
   <dgm:styleLbl name="sibTrans1D1">
     <dgm:fillClrLst meth="repeat">
-      <a:schemeClr val="accent1"/>
+      <a:schemeClr val="accent3"/>
     </dgm:fillClrLst>
     <dgm:linClrLst meth="repeat">
-      <a:schemeClr val="accent1"/>
+      <a:schemeClr val="accent3"/>
     </dgm:linClrLst>
     <dgm:effectClrLst/>
     <dgm:txLinClrLst/>
@@ -355,12 +398,10 @@
   </dgm:styleLbl>
   <dgm:styleLbl name="callout">
     <dgm:fillClrLst meth="repeat">
-      <a:schemeClr val="accent1"/>
+      <a:schemeClr val="accent3"/>
     </dgm:fillClrLst>
     <dgm:linClrLst meth="repeat">
-      <a:schemeClr val="accent1">
-        <a:tint val="50000"/>
-      </a:schemeClr>
+      <a:schemeClr val="accent3"/>
     </dgm:linClrLst>
     <dgm:effectClrLst/>
     <dgm:txLinClrLst/>
@@ -371,116 +412,130 @@
   </dgm:styleLbl>
   <dgm:styleLbl name="asst0">
     <dgm:fillClrLst meth="repeat">
-      <a:schemeClr val="accent1"/>
+      <a:schemeClr val="lt1"/>
     </dgm:fillClrLst>
     <dgm:linClrLst meth="repeat">
+      <a:schemeClr val="accent3">
+        <a:shade val="80000"/>
+      </a:schemeClr>
+    </dgm:linClrLst>
+    <dgm:effectClrLst/>
+    <dgm:txLinClrLst/>
+    <dgm:txFillClrLst meth="repeat">
+      <a:schemeClr val="dk1"/>
+    </dgm:txFillClrLst>
+    <dgm:txEffectClrLst/>
+  </dgm:styleLbl>
+  <dgm:styleLbl name="asst1">
+    <dgm:fillClrLst meth="repeat">
       <a:schemeClr val="lt1"/>
+    </dgm:fillClrLst>
+    <dgm:linClrLst meth="repeat">
+      <a:schemeClr val="accent3">
+        <a:shade val="80000"/>
+      </a:schemeClr>
+    </dgm:linClrLst>
+    <dgm:effectClrLst/>
+    <dgm:txLinClrLst/>
+    <dgm:txFillClrLst meth="repeat">
+      <a:schemeClr val="dk1"/>
+    </dgm:txFillClrLst>
+    <dgm:txEffectClrLst/>
+  </dgm:styleLbl>
+  <dgm:styleLbl name="asst2">
+    <dgm:fillClrLst meth="repeat">
+      <a:schemeClr val="lt1"/>
+    </dgm:fillClrLst>
+    <dgm:linClrLst meth="repeat">
+      <a:schemeClr val="accent3">
+        <a:shade val="80000"/>
+      </a:schemeClr>
+    </dgm:linClrLst>
+    <dgm:effectClrLst/>
+    <dgm:txLinClrLst/>
+    <dgm:txFillClrLst meth="repeat">
+      <a:schemeClr val="dk1"/>
+    </dgm:txFillClrLst>
+    <dgm:txEffectClrLst/>
+  </dgm:styleLbl>
+  <dgm:styleLbl name="asst3">
+    <dgm:fillClrLst meth="repeat">
+      <a:schemeClr val="lt1"/>
+    </dgm:fillClrLst>
+    <dgm:linClrLst meth="repeat">
+      <a:schemeClr val="accent3">
+        <a:shade val="80000"/>
+      </a:schemeClr>
+    </dgm:linClrLst>
+    <dgm:effectClrLst/>
+    <dgm:txLinClrLst/>
+    <dgm:txFillClrLst meth="repeat">
+      <a:schemeClr val="dk1"/>
+    </dgm:txFillClrLst>
+    <dgm:txEffectClrLst/>
+  </dgm:styleLbl>
+  <dgm:styleLbl name="asst4">
+    <dgm:fillClrLst meth="repeat">
+      <a:schemeClr val="lt1"/>
+    </dgm:fillClrLst>
+    <dgm:linClrLst meth="repeat">
+      <a:schemeClr val="accent3">
+        <a:shade val="80000"/>
+      </a:schemeClr>
+    </dgm:linClrLst>
+    <dgm:effectClrLst/>
+    <dgm:txLinClrLst/>
+    <dgm:txFillClrLst meth="repeat">
+      <a:schemeClr val="dk1"/>
+    </dgm:txFillClrLst>
+    <dgm:txEffectClrLst/>
+  </dgm:styleLbl>
+  <dgm:styleLbl name="parChTrans2D1">
+    <dgm:fillClrLst meth="repeat">
+      <a:schemeClr val="accent3">
+        <a:tint val="60000"/>
+      </a:schemeClr>
+    </dgm:fillClrLst>
+    <dgm:linClrLst meth="repeat">
+      <a:schemeClr val="accent3">
+        <a:tint val="60000"/>
+      </a:schemeClr>
     </dgm:linClrLst>
     <dgm:effectClrLst/>
     <dgm:txLinClrLst/>
     <dgm:txFillClrLst/>
     <dgm:txEffectClrLst/>
   </dgm:styleLbl>
-  <dgm:styleLbl name="asst1">
+  <dgm:styleLbl name="parChTrans2D2">
     <dgm:fillClrLst meth="repeat">
-      <a:schemeClr val="accent1"/>
+      <a:schemeClr val="accent3"/>
     </dgm:fillClrLst>
     <dgm:linClrLst meth="repeat">
-      <a:schemeClr val="lt1"/>
+      <a:schemeClr val="accent3"/>
     </dgm:linClrLst>
     <dgm:effectClrLst/>
     <dgm:txLinClrLst/>
     <dgm:txFillClrLst/>
     <dgm:txEffectClrLst/>
   </dgm:styleLbl>
-  <dgm:styleLbl name="asst2">
+  <dgm:styleLbl name="parChTrans2D3">
     <dgm:fillClrLst meth="repeat">
-      <a:schemeClr val="accent1"/>
+      <a:schemeClr val="accent3"/>
     </dgm:fillClrLst>
     <dgm:linClrLst meth="repeat">
-      <a:schemeClr val="lt1"/>
+      <a:schemeClr val="accent3"/>
     </dgm:linClrLst>
     <dgm:effectClrLst/>
     <dgm:txLinClrLst/>
     <dgm:txFillClrLst/>
     <dgm:txEffectClrLst/>
   </dgm:styleLbl>
-  <dgm:styleLbl name="asst3">
+  <dgm:styleLbl name="parChTrans2D4">
     <dgm:fillClrLst meth="repeat">
-      <a:schemeClr val="accent1"/>
+      <a:schemeClr val="accent3"/>
     </dgm:fillClrLst>
     <dgm:linClrLst meth="repeat">
-      <a:schemeClr val="lt1"/>
-    </dgm:linClrLst>
-    <dgm:effectClrLst/>
-    <dgm:txLinClrLst/>
-    <dgm:txFillClrLst/>
-    <dgm:txEffectClrLst/>
-  </dgm:styleLbl>
-  <dgm:styleLbl name="asst4">
-    <dgm:fillClrLst meth="repeat">
-      <a:schemeClr val="accent1"/>
-    </dgm:fillClrLst>
-    <dgm:linClrLst meth="repeat">
-      <a:schemeClr val="lt1"/>
-    </dgm:linClrLst>
-    <dgm:effectClrLst/>
-    <dgm:txLinClrLst/>
-    <dgm:txFillClrLst/>
-    <dgm:txEffectClrLst/>
-  </dgm:styleLbl>
-  <dgm:styleLbl name="parChTrans2D1">
-    <dgm:fillClrLst meth="repeat">
-      <a:schemeClr val="accent1">
-        <a:tint val="60000"/>
-      </a:schemeClr>
-    </dgm:fillClrLst>
-    <dgm:linClrLst meth="repeat">
-      <a:schemeClr val="accent1">
-        <a:tint val="60000"/>
-      </a:schemeClr>
-    </dgm:linClrLst>
-    <dgm:effectClrLst/>
-    <dgm:txLinClrLst/>
-    <dgm:txFillClrLst meth="repeat">
-      <a:schemeClr val="lt1"/>
-    </dgm:txFillClrLst>
-    <dgm:txEffectClrLst/>
-  </dgm:styleLbl>
-  <dgm:styleLbl name="parChTrans2D2">
-    <dgm:fillClrLst meth="repeat">
-      <a:schemeClr val="accent1"/>
-    </dgm:fillClrLst>
-    <dgm:linClrLst meth="repeat">
-      <a:schemeClr val="accent1"/>
-    </dgm:linClrLst>
-    <dgm:effectClrLst/>
-    <dgm:txLinClrLst/>
-    <dgm:txFillClrLst meth="repeat">
-      <a:schemeClr val="lt1"/>
-    </dgm:txFillClrLst>
-    <dgm:txEffectClrLst/>
-  </dgm:styleLbl>
-  <dgm:styleLbl name="parChTrans2D3">
-    <dgm:fillClrLst meth="repeat">
-      <a:schemeClr val="accent1"/>
-    </dgm:fillClrLst>
-    <dgm:linClrLst meth="repeat">
-      <a:schemeClr val="accent1"/>
-    </dgm:linClrLst>
-    <dgm:effectClrLst/>
-    <dgm:txLinClrLst/>
-    <dgm:txFillClrLst meth="repeat">
-      <a:schemeClr val="lt1"/>
-    </dgm:txFillClrLst>
-    <dgm:txEffectClrLst/>
-  </dgm:styleLbl>
-  <dgm:styleLbl name="parChTrans2D4">
-    <dgm:fillClrLst meth="repeat">
-      <a:schemeClr val="accent1"/>
-    </dgm:fillClrLst>
-    <dgm:linClrLst meth="repeat">
-      <a:schemeClr val="accent1"/>
+      <a:schemeClr val="accent3"/>
     </dgm:linClrLst>
     <dgm:effectClrLst/>
     <dgm:txLinClrLst/>
@@ -491,10 +546,10 @@
   </dgm:styleLbl>
   <dgm:styleLbl name="parChTrans1D1">
     <dgm:fillClrLst meth="repeat">
-      <a:schemeClr val="accent1"/>
+      <a:schemeClr val="accent3"/>
     </dgm:fillClrLst>
     <dgm:linClrLst meth="repeat">
-      <a:schemeClr val="accent1">
+      <a:schemeClr val="accent3">
         <a:shade val="60000"/>
       </a:schemeClr>
     </dgm:linClrLst>
@@ -507,10 +562,10 @@
   </dgm:styleLbl>
   <dgm:styleLbl name="parChTrans1D2">
     <dgm:fillClrLst meth="repeat">
-      <a:schemeClr val="accent1"/>
+      <a:schemeClr val="accent3"/>
     </dgm:fillClrLst>
     <dgm:linClrLst meth="repeat">
-      <a:schemeClr val="accent1">
+      <a:schemeClr val="accent3">
         <a:shade val="60000"/>
       </a:schemeClr>
     </dgm:linClrLst>
@@ -523,10 +578,10 @@
   </dgm:styleLbl>
   <dgm:styleLbl name="parChTrans1D3">
     <dgm:fillClrLst meth="repeat">
-      <a:schemeClr val="accent1"/>
+      <a:schemeClr val="accent3"/>
     </dgm:fillClrLst>
     <dgm:linClrLst meth="repeat">
-      <a:schemeClr val="accent1">
+      <a:schemeClr val="accent3">
         <a:shade val="80000"/>
       </a:schemeClr>
     </dgm:linClrLst>
@@ -539,10 +594,10 @@
   </dgm:styleLbl>
   <dgm:styleLbl name="parChTrans1D4">
     <dgm:fillClrLst meth="repeat">
-      <a:schemeClr val="accent1"/>
+      <a:schemeClr val="accent3"/>
     </dgm:fillClrLst>
     <dgm:linClrLst meth="repeat">
-      <a:schemeClr val="accent1">
+      <a:schemeClr val="accent3">
         <a:shade val="80000"/>
       </a:schemeClr>
     </dgm:linClrLst>
@@ -555,12 +610,13 @@
   </dgm:styleLbl>
   <dgm:styleLbl name="fgAcc1">
     <dgm:fillClrLst meth="repeat">
-      <a:schemeClr val="lt1">
+      <a:schemeClr val="accent3">
         <a:alpha val="90000"/>
+        <a:tint val="40000"/>
       </a:schemeClr>
     </dgm:fillClrLst>
     <dgm:linClrLst meth="repeat">
-      <a:schemeClr val="accent1"/>
+      <a:schemeClr val="accent3"/>
     </dgm:linClrLst>
     <dgm:effectClrLst/>
     <dgm:txLinClrLst/>
@@ -571,12 +627,13 @@
   </dgm:styleLbl>
   <dgm:styleLbl name="conFgAcc1">
     <dgm:fillClrLst meth="repeat">
-      <a:schemeClr val="lt1">
+      <a:schemeClr val="accent3">
         <a:alpha val="90000"/>
+        <a:tint val="40000"/>
       </a:schemeClr>
     </dgm:fillClrLst>
     <dgm:linClrLst meth="repeat">
-      <a:schemeClr val="accent1"/>
+      <a:schemeClr val="accent3"/>
     </dgm:linClrLst>
     <dgm:effectClrLst/>
     <dgm:txLinClrLst/>
@@ -587,12 +644,13 @@
   </dgm:styleLbl>
   <dgm:styleLbl name="alignAcc1">
     <dgm:fillClrLst meth="repeat">
-      <a:schemeClr val="lt1">
+      <a:schemeClr val="accent3">
         <a:alpha val="90000"/>
+        <a:tint val="40000"/>
       </a:schemeClr>
     </dgm:fillClrLst>
     <dgm:linClrLst meth="repeat">
-      <a:schemeClr val="accent1"/>
+      <a:schemeClr val="accent3"/>
     </dgm:linClrLst>
     <dgm:effectClrLst/>
     <dgm:txLinClrLst/>
@@ -603,12 +661,13 @@
   </dgm:styleLbl>
   <dgm:styleLbl name="trAlignAcc1">
     <dgm:fillClrLst meth="repeat">
-      <a:schemeClr val="lt1">
+      <a:schemeClr val="accent3">
         <a:alpha val="40000"/>
+        <a:tint val="40000"/>
       </a:schemeClr>
     </dgm:fillClrLst>
     <dgm:linClrLst meth="repeat">
-      <a:schemeClr val="accent1"/>
+      <a:schemeClr val="accent3"/>
     </dgm:linClrLst>
     <dgm:effectClrLst/>
     <dgm:txLinClrLst/>
@@ -619,12 +678,13 @@
   </dgm:styleLbl>
   <dgm:styleLbl name="bgAcc1">
     <dgm:fillClrLst meth="repeat">
-      <a:schemeClr val="lt1">
+      <a:schemeClr val="accent3">
         <a:alpha val="90000"/>
+        <a:tint val="40000"/>
       </a:schemeClr>
     </dgm:fillClrLst>
     <dgm:linClrLst meth="repeat">
-      <a:schemeClr val="accent1"/>
+      <a:schemeClr val="accent3"/>
     </dgm:linClrLst>
     <dgm:effectClrLst/>
     <dgm:txLinClrLst/>
@@ -638,7 +698,7 @@
       <a:schemeClr val="lt1"/>
     </dgm:fillClrLst>
     <dgm:linClrLst meth="repeat">
-      <a:schemeClr val="accent1"/>
+      <a:schemeClr val="accent3"/>
     </dgm:linClrLst>
     <dgm:effectClrLst/>
     <dgm:txLinClrLst/>
@@ -652,7 +712,7 @@
       <a:schemeClr val="lt1"/>
     </dgm:fillClrLst>
     <dgm:linClrLst meth="repeat">
-      <a:schemeClr val="accent1"/>
+      <a:schemeClr val="accent3"/>
     </dgm:linClrLst>
     <dgm:effectClrLst/>
     <dgm:txLinClrLst/>
@@ -666,7 +726,7 @@
       <a:schemeClr val="lt1"/>
     </dgm:fillClrLst>
     <dgm:linClrLst meth="repeat">
-      <a:schemeClr val="accent1"/>
+      <a:schemeClr val="accent3"/>
     </dgm:linClrLst>
     <dgm:effectClrLst/>
     <dgm:txLinClrLst/>
@@ -677,15 +737,14 @@
   </dgm:styleLbl>
   <dgm:styleLbl name="fgAccFollowNode1">
     <dgm:fillClrLst meth="repeat">
-      <a:schemeClr val="accent1">
+      <a:schemeClr val="lt1">
         <a:alpha val="90000"/>
         <a:tint val="40000"/>
       </a:schemeClr>
     </dgm:fillClrLst>
     <dgm:linClrLst meth="repeat">
-      <a:schemeClr val="accent1">
+      <a:schemeClr val="accent3">
         <a:alpha val="90000"/>
-        <a:tint val="40000"/>
       </a:schemeClr>
     </dgm:linClrLst>
     <dgm:effectClrLst/>
@@ -697,15 +756,14 @@
   </dgm:styleLbl>
   <dgm:styleLbl name="alignAccFollowNode1">
     <dgm:fillClrLst meth="repeat">
-      <a:schemeClr val="accent1">
+      <a:schemeClr val="lt1">
         <a:alpha val="90000"/>
         <a:tint val="40000"/>
       </a:schemeClr>
     </dgm:fillClrLst>
     <dgm:linClrLst meth="repeat">
-      <a:schemeClr val="accent1">
+      <a:schemeClr val="accent3">
         <a:alpha val="90000"/>
-        <a:tint val="40000"/>
       </a:schemeClr>
     </dgm:linClrLst>
     <dgm:effectClrLst/>
@@ -717,15 +775,14 @@
   </dgm:styleLbl>
   <dgm:styleLbl name="bgAccFollowNode1">
     <dgm:fillClrLst meth="repeat">
-      <a:schemeClr val="accent1">
+      <a:schemeClr val="lt1">
         <a:alpha val="90000"/>
         <a:tint val="40000"/>
       </a:schemeClr>
     </dgm:fillClrLst>
     <dgm:linClrLst meth="repeat">
-      <a:schemeClr val="accent1">
+      <a:schemeClr val="accent3">
         <a:alpha val="90000"/>
-        <a:tint val="40000"/>
       </a:schemeClr>
     </dgm:linClrLst>
     <dgm:effectClrLst/>
@@ -737,12 +794,13 @@
   </dgm:styleLbl>
   <dgm:styleLbl name="fgAcc0">
     <dgm:fillClrLst meth="repeat">
-      <a:schemeClr val="lt1">
+      <a:schemeClr val="accent3">
         <a:alpha val="90000"/>
+        <a:tint val="40000"/>
       </a:schemeClr>
     </dgm:fillClrLst>
     <dgm:linClrLst meth="repeat">
-      <a:schemeClr val="accent1"/>
+      <a:schemeClr val="accent3"/>
     </dgm:linClrLst>
     <dgm:effectClrLst/>
     <dgm:txLinClrLst/>
@@ -753,12 +811,13 @@
   </dgm:styleLbl>
   <dgm:styleLbl name="fgAcc2">
     <dgm:fillClrLst meth="repeat">
-      <a:schemeClr val="lt1">
+      <a:schemeClr val="accent3">
         <a:alpha val="90000"/>
+        <a:tint val="40000"/>
       </a:schemeClr>
     </dgm:fillClrLst>
     <dgm:linClrLst meth="repeat">
-      <a:schemeClr val="accent1"/>
+      <a:schemeClr val="accent3"/>
     </dgm:linClrLst>
     <dgm:effectClrLst/>
     <dgm:txLinClrLst/>
@@ -769,12 +828,13 @@
   </dgm:styleLbl>
   <dgm:styleLbl name="fgAcc3">
     <dgm:fillClrLst meth="repeat">
-      <a:schemeClr val="lt1">
+      <a:schemeClr val="accent3">
         <a:alpha val="90000"/>
+        <a:tint val="40000"/>
       </a:schemeClr>
     </dgm:fillClrLst>
     <dgm:linClrLst meth="repeat">
-      <a:schemeClr val="accent1"/>
+      <a:schemeClr val="accent3"/>
     </dgm:linClrLst>
     <dgm:effectClrLst/>
     <dgm:txLinClrLst/>
@@ -785,12 +845,13 @@
   </dgm:styleLbl>
   <dgm:styleLbl name="fgAcc4">
     <dgm:fillClrLst meth="repeat">
-      <a:schemeClr val="lt1">
+      <a:schemeClr val="accent3">
         <a:alpha val="90000"/>
+        <a:tint val="40000"/>
       </a:schemeClr>
     </dgm:fillClrLst>
     <dgm:linClrLst meth="repeat">
-      <a:schemeClr val="accent1"/>
+      <a:schemeClr val="accent3"/>
     </dgm:linClrLst>
     <dgm:effectClrLst/>
     <dgm:txLinClrLst/>
@@ -801,12 +862,12 @@
   </dgm:styleLbl>
   <dgm:styleLbl name="bgShp">
     <dgm:fillClrLst meth="repeat">
-      <a:schemeClr val="accent1">
+      <a:schemeClr val="accent3">
         <a:tint val="40000"/>
       </a:schemeClr>
     </dgm:fillClrLst>
     <dgm:linClrLst meth="repeat">
-      <a:schemeClr val="accent1"/>
+      <a:schemeClr val="accent3"/>
     </dgm:linClrLst>
     <dgm:effectClrLst/>
     <dgm:txLinClrLst/>
@@ -817,12 +878,12 @@
   </dgm:styleLbl>
   <dgm:styleLbl name="dkBgShp">
     <dgm:fillClrLst meth="repeat">
-      <a:schemeClr val="accent1">
+      <a:schemeClr val="accent3">
         <a:shade val="80000"/>
       </a:schemeClr>
     </dgm:fillClrLst>
     <dgm:linClrLst meth="repeat">
-      <a:schemeClr val="accent1"/>
+      <a:schemeClr val="accent3"/>
     </dgm:linClrLst>
     <dgm:effectClrLst/>
     <dgm:txLinClrLst/>
@@ -833,13 +894,13 @@
   </dgm:styleLbl>
   <dgm:styleLbl name="trBgShp">
     <dgm:fillClrLst meth="repeat">
-      <a:schemeClr val="accent1">
+      <a:schemeClr val="accent3">
         <a:tint val="50000"/>
         <a:alpha val="40000"/>
       </a:schemeClr>
     </dgm:fillClrLst>
     <dgm:linClrLst meth="repeat">
-      <a:schemeClr val="accent1"/>
+      <a:schemeClr val="accent3"/>
     </dgm:linClrLst>
     <dgm:effectClrLst/>
     <dgm:txLinClrLst/>
@@ -850,7 +911,7 @@
   </dgm:styleLbl>
   <dgm:styleLbl name="fgShp">
     <dgm:fillClrLst meth="repeat">
-      <a:schemeClr val="accent1">
+      <a:schemeClr val="accent3">
         <a:tint val="60000"/>
       </a:schemeClr>
     </dgm:fillClrLst>
@@ -888,22 +949,48 @@
 <file path=ppt/diagrams/data1.xml><?xml version="1.0" encoding="utf-8"?>
 <dgm:dataModel xmlns:dgm="http://schemas.openxmlformats.org/drawingml/2006/diagram" xmlns:a="http://schemas.openxmlformats.org/drawingml/2006/main">
   <dgm:ptLst>
-    <dgm:pt modelId="{05CF76B7-3E1D-4A7B-9965-8B05BCF25B63}" type="doc">
-      <dgm:prSet loTypeId="urn:microsoft.com/office/officeart/2005/8/layout/process1" loCatId="process" qsTypeId="urn:microsoft.com/office/officeart/2005/8/quickstyle/simple1" qsCatId="simple" csTypeId="urn:microsoft.com/office/officeart/2005/8/colors/accent1_2" csCatId="accent1" phldr="0"/>
-      <dgm:spPr/>
-    </dgm:pt>
-    <dgm:pt modelId="{5C527DA2-BA91-4D72-8FC4-F56D4F318E1A}">
-      <dgm:prSet phldrT="[Text]" phldr="1"/>
+    <dgm:pt modelId="{AD38924F-5E74-42AD-9E6F-74501FA372E1}" type="doc">
+      <dgm:prSet loTypeId="urn:microsoft.com/office/officeart/2005/8/layout/hierarchy4" loCatId="hierarchy" qsTypeId="urn:microsoft.com/office/officeart/2005/8/quickstyle/simple1" qsCatId="simple" csTypeId="urn:microsoft.com/office/officeart/2005/8/colors/accent3_1" csCatId="accent3" phldr="1"/>
       <dgm:spPr/>
       <dgm:t>
         <a:bodyPr/>
         <a:lstStyle/>
         <a:p>
-          <a:endParaRPr lang="de-DE" dirty="0"/>
+          <a:endParaRPr lang="de-DE"/>
         </a:p>
       </dgm:t>
     </dgm:pt>
-    <dgm:pt modelId="{9552E2FC-434F-4A67-8814-EEAECA2975BF}" type="parTrans" cxnId="{6F4EF5C9-4E64-4264-821F-E0D95113F934}">
+    <dgm:pt modelId="{EA8087CF-AE97-4B05-B14B-990168BE7384}">
+      <dgm:prSet phldrT="[Text]" custT="1"/>
+      <dgm:spPr>
+        <a:solidFill>
+          <a:schemeClr val="accent1">
+            <a:lumMod val="20000"/>
+            <a:lumOff val="80000"/>
+          </a:schemeClr>
+        </a:solidFill>
+        <a:ln>
+          <a:solidFill>
+            <a:schemeClr val="bg1">
+              <a:lumMod val="50000"/>
+            </a:schemeClr>
+          </a:solidFill>
+        </a:ln>
+      </dgm:spPr>
+      <dgm:t>
+        <a:bodyPr/>
+        <a:lstStyle/>
+        <a:p>
+          <a:r>
+            <a:rPr lang="de-DE" sz="2400" dirty="0">
+              <a:latin typeface="Trebuchet MS" panose="020B0603020202020204" pitchFamily="34" charset="0"/>
+            </a:rPr>
+            <a:t>Anmeldedaten angeben</a:t>
+          </a:r>
+        </a:p>
+      </dgm:t>
+    </dgm:pt>
+    <dgm:pt modelId="{D8B184A9-C653-46F7-BABD-7CB9CF003988}" type="parTrans" cxnId="{2F919DA1-5DEB-4632-A8AA-4CF3C312B8E6}">
       <dgm:prSet/>
       <dgm:spPr/>
       <dgm:t>
@@ -914,7 +1001,7 @@
         </a:p>
       </dgm:t>
     </dgm:pt>
-    <dgm:pt modelId="{BDCDCD9C-9F78-4F05-82BF-6D5EACC174C6}" type="sibTrans" cxnId="{6F4EF5C9-4E64-4264-821F-E0D95113F934}">
+    <dgm:pt modelId="{0BF916AF-28A8-4E6D-A051-D4A4A6F1728C}" type="sibTrans" cxnId="{2F919DA1-5DEB-4632-A8AA-4CF3C312B8E6}">
       <dgm:prSet/>
       <dgm:spPr/>
       <dgm:t>
@@ -925,9 +1012,45 @@
         </a:p>
       </dgm:t>
     </dgm:pt>
-    <dgm:pt modelId="{EFB30B57-6156-4194-AF26-9790F84F91FF}">
-      <dgm:prSet phldrT="[Text]" phldr="1"/>
-      <dgm:spPr/>
+    <dgm:pt modelId="{460BAFBD-1550-4D9C-982C-DCB0AE977DEA}">
+      <dgm:prSet phldrT="[Text]" custT="1"/>
+      <dgm:spPr>
+        <a:solidFill>
+          <a:schemeClr val="accent1">
+            <a:lumMod val="20000"/>
+            <a:lumOff val="80000"/>
+          </a:schemeClr>
+        </a:solidFill>
+        <a:ln>
+          <a:solidFill>
+            <a:schemeClr val="bg1">
+              <a:lumMod val="50000"/>
+            </a:schemeClr>
+          </a:solidFill>
+        </a:ln>
+      </dgm:spPr>
+      <dgm:t>
+        <a:bodyPr/>
+        <a:lstStyle/>
+        <a:p>
+          <a:r>
+            <a:rPr lang="de-DE" sz="2400" dirty="0">
+              <a:latin typeface="Trebuchet MS" panose="020B0603020202020204" pitchFamily="34" charset="0"/>
+            </a:rPr>
+            <a:t>Benutzername wird auf Existenz geprüft</a:t>
+          </a:r>
+        </a:p>
+      </dgm:t>
+    </dgm:pt>
+    <dgm:pt modelId="{8F09C74D-8517-4BD7-913C-82BEBD6A8535}" type="parTrans" cxnId="{3B2E8462-ABB0-4F1D-AA91-A4F158D51009}">
+      <dgm:prSet/>
+      <dgm:spPr>
+        <a:ln>
+          <a:solidFill>
+            <a:srgbClr val="00B050"/>
+          </a:solidFill>
+        </a:ln>
+      </dgm:spPr>
       <dgm:t>
         <a:bodyPr/>
         <a:lstStyle/>
@@ -936,7 +1059,7 @@
         </a:p>
       </dgm:t>
     </dgm:pt>
-    <dgm:pt modelId="{D9695F21-E321-42D6-9053-6BF68EADB05F}" type="parTrans" cxnId="{D78B7E61-D1C5-47A8-89BF-E828FB19E9EA}">
+    <dgm:pt modelId="{689755D2-FCB2-4199-B009-E68083EC6082}" type="sibTrans" cxnId="{3B2E8462-ABB0-4F1D-AA91-A4F158D51009}">
       <dgm:prSet/>
       <dgm:spPr/>
       <dgm:t>
@@ -947,7 +1070,57 @@
         </a:p>
       </dgm:t>
     </dgm:pt>
-    <dgm:pt modelId="{0EC57F35-FAA8-44C2-8E59-8E366B32D31B}" type="sibTrans" cxnId="{D78B7E61-D1C5-47A8-89BF-E828FB19E9EA}">
+    <dgm:pt modelId="{8EF9CF6C-1A9D-477A-A982-CA9253225293}">
+      <dgm:prSet phldrT="[Text]" custT="1"/>
+      <dgm:spPr>
+        <a:solidFill>
+          <a:schemeClr val="accent1">
+            <a:lumMod val="20000"/>
+            <a:lumOff val="80000"/>
+          </a:schemeClr>
+        </a:solidFill>
+        <a:ln>
+          <a:solidFill>
+            <a:schemeClr val="bg1">
+              <a:lumMod val="50000"/>
+            </a:schemeClr>
+          </a:solidFill>
+        </a:ln>
+      </dgm:spPr>
+      <dgm:t>
+        <a:bodyPr/>
+        <a:lstStyle/>
+        <a:p>
+          <a:r>
+            <a:rPr lang="de-DE" sz="2400">
+              <a:latin typeface="Trebuchet MS" panose="020B0603020202020204" pitchFamily="34" charset="0"/>
+            </a:rPr>
+            <a:t>Eingegebenes Passwort wird gehasht und überprüft</a:t>
+          </a:r>
+          <a:endParaRPr lang="de-DE" sz="2400" dirty="0">
+            <a:latin typeface="Trebuchet MS" panose="020B0603020202020204" pitchFamily="34" charset="0"/>
+          </a:endParaRPr>
+        </a:p>
+      </dgm:t>
+    </dgm:pt>
+    <dgm:pt modelId="{82EB9088-4555-439D-A1FF-588FEC827F9E}" type="parTrans" cxnId="{7844F8EA-A6F8-4EAD-B2E6-9139CE3AD54A}">
+      <dgm:prSet/>
+      <dgm:spPr>
+        <a:ln>
+          <a:solidFill>
+            <a:srgbClr val="00B050"/>
+          </a:solidFill>
+        </a:ln>
+      </dgm:spPr>
+      <dgm:t>
+        <a:bodyPr/>
+        <a:lstStyle/>
+        <a:p>
+          <a:endParaRPr lang="de-DE"/>
+        </a:p>
+      </dgm:t>
+    </dgm:pt>
+    <dgm:pt modelId="{2CE743D6-6C71-4978-AC1E-D3D400DD3E30}" type="sibTrans" cxnId="{7844F8EA-A6F8-4EAD-B2E6-9139CE3AD54A}">
       <dgm:prSet/>
       <dgm:spPr/>
       <dgm:t>
@@ -958,9 +1131,51 @@
         </a:p>
       </dgm:t>
     </dgm:pt>
-    <dgm:pt modelId="{9FE76915-9522-4DB4-B043-62478D62F10B}">
-      <dgm:prSet phldrT="[Text]" phldr="1"/>
-      <dgm:spPr/>
+    <dgm:pt modelId="{4522BE0B-484E-4B4C-8700-673BCA233B74}">
+      <dgm:prSet phldrT="[Text]" custT="1"/>
+      <dgm:spPr>
+        <a:solidFill>
+          <a:schemeClr val="accent1">
+            <a:lumMod val="20000"/>
+            <a:lumOff val="80000"/>
+          </a:schemeClr>
+        </a:solidFill>
+        <a:ln>
+          <a:solidFill>
+            <a:schemeClr val="bg1">
+              <a:lumMod val="50000"/>
+            </a:schemeClr>
+          </a:solidFill>
+        </a:ln>
+      </dgm:spPr>
+      <dgm:t>
+        <a:bodyPr/>
+        <a:lstStyle/>
+        <a:p>
+          <a:r>
+            <a:rPr lang="de-DE" sz="2400" b="1" dirty="0">
+              <a:latin typeface="Trebuchet MS" panose="020B0603020202020204" pitchFamily="34" charset="0"/>
+            </a:rPr>
+            <a:t>Fehlermeldung </a:t>
+          </a:r>
+          <a:r>
+            <a:rPr lang="de-DE" sz="2400" dirty="0">
+              <a:latin typeface="Trebuchet MS" panose="020B0603020202020204" pitchFamily="34" charset="0"/>
+            </a:rPr>
+            <a:t>Benutzername existiert nicht</a:t>
+          </a:r>
+        </a:p>
+      </dgm:t>
+    </dgm:pt>
+    <dgm:pt modelId="{9EF99BEF-8721-4C67-9A99-31D37DD41F75}" type="parTrans" cxnId="{73DAFA12-25FB-4329-9365-006A81B45AEA}">
+      <dgm:prSet/>
+      <dgm:spPr>
+        <a:ln>
+          <a:solidFill>
+            <a:srgbClr val="C00000"/>
+          </a:solidFill>
+        </a:ln>
+      </dgm:spPr>
       <dgm:t>
         <a:bodyPr/>
         <a:lstStyle/>
@@ -969,7 +1184,7 @@
         </a:p>
       </dgm:t>
     </dgm:pt>
-    <dgm:pt modelId="{4FA78F31-0171-491D-B6A2-F1885C4301B1}" type="parTrans" cxnId="{6B7F1FC3-E569-424D-BB61-CE9203BB2F80}">
+    <dgm:pt modelId="{2830772D-3BB5-4750-9CDE-93E9DB4442CB}" type="sibTrans" cxnId="{73DAFA12-25FB-4329-9365-006A81B45AEA}">
       <dgm:prSet/>
       <dgm:spPr/>
       <dgm:t>
@@ -980,7 +1195,54 @@
         </a:p>
       </dgm:t>
     </dgm:pt>
-    <dgm:pt modelId="{D3AB913D-CFBC-4A40-AA3F-8A0F94D3E535}" type="sibTrans" cxnId="{6B7F1FC3-E569-424D-BB61-CE9203BB2F80}">
+    <dgm:pt modelId="{11E43227-BDCB-435B-82C0-244ED78CDC05}">
+      <dgm:prSet phldrT="[Text]" custT="1"/>
+      <dgm:spPr>
+        <a:solidFill>
+          <a:schemeClr val="accent1">
+            <a:lumMod val="20000"/>
+            <a:lumOff val="80000"/>
+          </a:schemeClr>
+        </a:solidFill>
+        <a:ln>
+          <a:solidFill>
+            <a:schemeClr val="bg1">
+              <a:lumMod val="50000"/>
+            </a:schemeClr>
+          </a:solidFill>
+        </a:ln>
+      </dgm:spPr>
+      <dgm:t>
+        <a:bodyPr/>
+        <a:lstStyle/>
+        <a:p>
+          <a:r>
+            <a:rPr lang="de-DE" sz="2400" dirty="0">
+              <a:latin typeface="Trebuchet MS" panose="020B0603020202020204" pitchFamily="34" charset="0"/>
+            </a:rPr>
+            <a:t>Nutzer wird angemeldet</a:t>
+          </a:r>
+        </a:p>
+      </dgm:t>
+    </dgm:pt>
+    <dgm:pt modelId="{57491AD9-C631-4078-9661-1ABF60493DEA}" type="parTrans" cxnId="{ACB302A6-33EF-40B3-83B2-6FE28AEB5016}">
+      <dgm:prSet/>
+      <dgm:spPr>
+        <a:ln>
+          <a:solidFill>
+            <a:srgbClr val="C00000"/>
+          </a:solidFill>
+        </a:ln>
+      </dgm:spPr>
+      <dgm:t>
+        <a:bodyPr/>
+        <a:lstStyle/>
+        <a:p>
+          <a:endParaRPr lang="de-DE"/>
+        </a:p>
+      </dgm:t>
+    </dgm:pt>
+    <dgm:pt modelId="{17A38CF2-FB22-4923-9683-32A427266263}" type="sibTrans" cxnId="{ACB302A6-33EF-40B3-83B2-6FE28AEB5016}">
       <dgm:prSet/>
       <dgm:spPr/>
       <dgm:t>
@@ -991,75 +1253,249 @@
         </a:p>
       </dgm:t>
     </dgm:pt>
-    <dgm:pt modelId="{2BEFF1C1-BDBF-48AB-A9B0-943AF3CE23D5}" type="pres">
-      <dgm:prSet presAssocID="{05CF76B7-3E1D-4A7B-9965-8B05BCF25B63}" presName="Name0" presStyleCnt="0">
+    <dgm:pt modelId="{B8538466-EC4B-4657-90C7-DAACCFC8A44A}">
+      <dgm:prSet phldrT="[Text]" custT="1"/>
+      <dgm:spPr>
+        <a:solidFill>
+          <a:schemeClr val="accent1">
+            <a:lumMod val="20000"/>
+            <a:lumOff val="80000"/>
+          </a:schemeClr>
+        </a:solidFill>
+        <a:ln>
+          <a:solidFill>
+            <a:schemeClr val="bg1">
+              <a:lumMod val="50000"/>
+            </a:schemeClr>
+          </a:solidFill>
+        </a:ln>
+      </dgm:spPr>
+      <dgm:t>
+        <a:bodyPr/>
+        <a:lstStyle/>
+        <a:p>
+          <a:r>
+            <a:rPr lang="de-DE" sz="2400" b="1" dirty="0">
+              <a:latin typeface="Trebuchet MS" panose="020B0603020202020204" pitchFamily="34" charset="0"/>
+            </a:rPr>
+            <a:t>Fehlermeldung</a:t>
+          </a:r>
+          <a:br>
+            <a:rPr lang="de-DE" sz="2400" dirty="0">
+              <a:latin typeface="Trebuchet MS" panose="020B0603020202020204" pitchFamily="34" charset="0"/>
+            </a:rPr>
+          </a:br>
+          <a:r>
+            <a:rPr lang="de-DE" sz="2400" dirty="0">
+              <a:latin typeface="Trebuchet MS" panose="020B0603020202020204" pitchFamily="34" charset="0"/>
+            </a:rPr>
+            <a:t>Falsches Passwort</a:t>
+          </a:r>
+        </a:p>
+      </dgm:t>
+    </dgm:pt>
+    <dgm:pt modelId="{FABC43AB-444C-4972-B8E2-75192B3B13F6}" type="parTrans" cxnId="{F52D1103-8113-4740-B213-0A9FAE40E796}">
+      <dgm:prSet/>
+      <dgm:spPr>
+        <a:ln>
+          <a:solidFill>
+            <a:srgbClr val="00B050"/>
+          </a:solidFill>
+        </a:ln>
+      </dgm:spPr>
+      <dgm:t>
+        <a:bodyPr/>
+        <a:lstStyle/>
+        <a:p>
+          <a:endParaRPr lang="de-DE"/>
+        </a:p>
+      </dgm:t>
+    </dgm:pt>
+    <dgm:pt modelId="{3F1BCE14-F35B-41EE-AAC5-F5CE9866FE5B}" type="sibTrans" cxnId="{F52D1103-8113-4740-B213-0A9FAE40E796}">
+      <dgm:prSet/>
+      <dgm:spPr/>
+      <dgm:t>
+        <a:bodyPr/>
+        <a:lstStyle/>
+        <a:p>
+          <a:endParaRPr lang="de-DE"/>
+        </a:p>
+      </dgm:t>
+    </dgm:pt>
+    <dgm:pt modelId="{7183CD01-2919-499A-9BD6-21FE2DB2BFAC}" type="pres">
+      <dgm:prSet presAssocID="{AD38924F-5E74-42AD-9E6F-74501FA372E1}" presName="Name0" presStyleCnt="0">
         <dgm:presLayoutVars>
+          <dgm:chPref val="1"/>
           <dgm:dir/>
-          <dgm:resizeHandles val="exact"/>
+          <dgm:animOne val="branch"/>
+          <dgm:animLvl val="lvl"/>
+          <dgm:resizeHandles/>
         </dgm:presLayoutVars>
       </dgm:prSet>
       <dgm:spPr/>
     </dgm:pt>
-    <dgm:pt modelId="{EEC2449F-F896-4A4B-BEBE-D6062D501945}" type="pres">
-      <dgm:prSet presAssocID="{5C527DA2-BA91-4D72-8FC4-F56D4F318E1A}" presName="node" presStyleLbl="node1" presStyleIdx="0" presStyleCnt="3">
+    <dgm:pt modelId="{7E784989-0A03-4F5A-8B89-6CCF5BE1C7E6}" type="pres">
+      <dgm:prSet presAssocID="{EA8087CF-AE97-4B05-B14B-990168BE7384}" presName="vertOne" presStyleCnt="0"/>
+      <dgm:spPr/>
+    </dgm:pt>
+    <dgm:pt modelId="{50E50971-2C72-43CF-B5D1-8765764FAAA3}" type="pres">
+      <dgm:prSet presAssocID="{EA8087CF-AE97-4B05-B14B-990168BE7384}" presName="txOne" presStyleLbl="node0" presStyleIdx="0" presStyleCnt="1">
         <dgm:presLayoutVars>
-          <dgm:bulletEnabled val="1"/>
+          <dgm:chPref val="3"/>
         </dgm:presLayoutVars>
       </dgm:prSet>
       <dgm:spPr/>
     </dgm:pt>
-    <dgm:pt modelId="{E135A227-F98D-4FB8-8DDF-9C412AD5B38C}" type="pres">
-      <dgm:prSet presAssocID="{BDCDCD9C-9F78-4F05-82BF-6D5EACC174C6}" presName="sibTrans" presStyleLbl="sibTrans2D1" presStyleIdx="0" presStyleCnt="2"/>
+    <dgm:pt modelId="{F119A91F-6C95-4334-AD03-DA076F2FC786}" type="pres">
+      <dgm:prSet presAssocID="{EA8087CF-AE97-4B05-B14B-990168BE7384}" presName="parTransOne" presStyleCnt="0"/>
       <dgm:spPr/>
     </dgm:pt>
-    <dgm:pt modelId="{057B0EBD-EB21-4907-B925-26E21FB5D26A}" type="pres">
-      <dgm:prSet presAssocID="{BDCDCD9C-9F78-4F05-82BF-6D5EACC174C6}" presName="connectorText" presStyleLbl="sibTrans2D1" presStyleIdx="0" presStyleCnt="2"/>
+    <dgm:pt modelId="{7248B13F-E06A-4423-984D-8DA1DD782842}" type="pres">
+      <dgm:prSet presAssocID="{EA8087CF-AE97-4B05-B14B-990168BE7384}" presName="horzOne" presStyleCnt="0"/>
       <dgm:spPr/>
     </dgm:pt>
-    <dgm:pt modelId="{9D5D1FFC-7477-41E0-95BC-B91FB1B36266}" type="pres">
-      <dgm:prSet presAssocID="{EFB30B57-6156-4194-AF26-9790F84F91FF}" presName="node" presStyleLbl="node1" presStyleIdx="1" presStyleCnt="3">
+    <dgm:pt modelId="{732C44FD-CF17-42E5-8E29-E02D7135394E}" type="pres">
+      <dgm:prSet presAssocID="{460BAFBD-1550-4D9C-982C-DCB0AE977DEA}" presName="vertTwo" presStyleCnt="0"/>
+      <dgm:spPr/>
+    </dgm:pt>
+    <dgm:pt modelId="{07D35655-8ABB-410A-87B1-1148D8DF26C5}" type="pres">
+      <dgm:prSet presAssocID="{460BAFBD-1550-4D9C-982C-DCB0AE977DEA}" presName="txTwo" presStyleLbl="node2" presStyleIdx="0" presStyleCnt="1">
         <dgm:presLayoutVars>
-          <dgm:bulletEnabled val="1"/>
+          <dgm:chPref val="3"/>
         </dgm:presLayoutVars>
       </dgm:prSet>
       <dgm:spPr/>
     </dgm:pt>
-    <dgm:pt modelId="{929928EB-5B18-46BF-8322-1840C487F3FD}" type="pres">
-      <dgm:prSet presAssocID="{0EC57F35-FAA8-44C2-8E59-8E366B32D31B}" presName="sibTrans" presStyleLbl="sibTrans2D1" presStyleIdx="1" presStyleCnt="2"/>
+    <dgm:pt modelId="{C2486A51-51D5-47AC-BD33-7C9198C6F0C8}" type="pres">
+      <dgm:prSet presAssocID="{460BAFBD-1550-4D9C-982C-DCB0AE977DEA}" presName="parTransTwo" presStyleCnt="0"/>
       <dgm:spPr/>
     </dgm:pt>
-    <dgm:pt modelId="{4128C369-CBEA-433E-9CBD-997DAA86336B}" type="pres">
-      <dgm:prSet presAssocID="{0EC57F35-FAA8-44C2-8E59-8E366B32D31B}" presName="connectorText" presStyleLbl="sibTrans2D1" presStyleIdx="1" presStyleCnt="2"/>
+    <dgm:pt modelId="{21227C3A-23A5-4F93-A235-936EEE0EF9FA}" type="pres">
+      <dgm:prSet presAssocID="{460BAFBD-1550-4D9C-982C-DCB0AE977DEA}" presName="horzTwo" presStyleCnt="0"/>
       <dgm:spPr/>
     </dgm:pt>
-    <dgm:pt modelId="{31BA80D5-3B36-44DB-84D0-465C8827F323}" type="pres">
-      <dgm:prSet presAssocID="{9FE76915-9522-4DB4-B043-62478D62F10B}" presName="node" presStyleLbl="node1" presStyleIdx="2" presStyleCnt="3">
+    <dgm:pt modelId="{7A5DF85E-442A-431F-B955-F9FEC44E615B}" type="pres">
+      <dgm:prSet presAssocID="{8EF9CF6C-1A9D-477A-A982-CA9253225293}" presName="vertThree" presStyleCnt="0"/>
+      <dgm:spPr/>
+    </dgm:pt>
+    <dgm:pt modelId="{BA8B41C2-0E8F-4922-9B06-07D72E294C84}" type="pres">
+      <dgm:prSet presAssocID="{8EF9CF6C-1A9D-477A-A982-CA9253225293}" presName="txThree" presStyleLbl="node3" presStyleIdx="0" presStyleCnt="2">
         <dgm:presLayoutVars>
-          <dgm:bulletEnabled val="1"/>
+          <dgm:chPref val="3"/>
         </dgm:presLayoutVars>
       </dgm:prSet>
       <dgm:spPr/>
     </dgm:pt>
+    <dgm:pt modelId="{9E0013A9-1245-45A9-BA2B-8C43D0DDEB89}" type="pres">
+      <dgm:prSet presAssocID="{8EF9CF6C-1A9D-477A-A982-CA9253225293}" presName="parTransThree" presStyleCnt="0"/>
+      <dgm:spPr/>
+    </dgm:pt>
+    <dgm:pt modelId="{AB2A9110-3F9E-4711-BAF7-ED164BFF47F9}" type="pres">
+      <dgm:prSet presAssocID="{8EF9CF6C-1A9D-477A-A982-CA9253225293}" presName="horzThree" presStyleCnt="0"/>
+      <dgm:spPr/>
+    </dgm:pt>
+    <dgm:pt modelId="{CC6D3922-9B0B-4B11-90E9-4F8E47BA67CA}" type="pres">
+      <dgm:prSet presAssocID="{11E43227-BDCB-435B-82C0-244ED78CDC05}" presName="vertFour" presStyleCnt="0">
+        <dgm:presLayoutVars>
+          <dgm:chPref val="3"/>
+        </dgm:presLayoutVars>
+      </dgm:prSet>
+      <dgm:spPr/>
+    </dgm:pt>
+    <dgm:pt modelId="{ABBBE257-6395-4392-9F0D-C8F816B4BF8F}" type="pres">
+      <dgm:prSet presAssocID="{11E43227-BDCB-435B-82C0-244ED78CDC05}" presName="txFour" presStyleLbl="node4" presStyleIdx="0" presStyleCnt="2">
+        <dgm:presLayoutVars>
+          <dgm:chPref val="3"/>
+        </dgm:presLayoutVars>
+      </dgm:prSet>
+      <dgm:spPr/>
+    </dgm:pt>
+    <dgm:pt modelId="{EED6251D-728C-4EA7-8904-B98807B71266}" type="pres">
+      <dgm:prSet presAssocID="{11E43227-BDCB-435B-82C0-244ED78CDC05}" presName="horzFour" presStyleCnt="0"/>
+      <dgm:spPr/>
+    </dgm:pt>
+    <dgm:pt modelId="{85638F62-EA0D-4852-95D0-65E604B4EC1E}" type="pres">
+      <dgm:prSet presAssocID="{17A38CF2-FB22-4923-9683-32A427266263}" presName="sibSpaceFour" presStyleCnt="0"/>
+      <dgm:spPr/>
+    </dgm:pt>
+    <dgm:pt modelId="{9C1EA538-EFE0-4FBF-B668-B3B8AA44106A}" type="pres">
+      <dgm:prSet presAssocID="{B8538466-EC4B-4657-90C7-DAACCFC8A44A}" presName="vertFour" presStyleCnt="0">
+        <dgm:presLayoutVars>
+          <dgm:chPref val="3"/>
+        </dgm:presLayoutVars>
+      </dgm:prSet>
+      <dgm:spPr/>
+    </dgm:pt>
+    <dgm:pt modelId="{746BC9AA-DF23-4421-9B45-CA0C15278158}" type="pres">
+      <dgm:prSet presAssocID="{B8538466-EC4B-4657-90C7-DAACCFC8A44A}" presName="txFour" presStyleLbl="node4" presStyleIdx="1" presStyleCnt="2">
+        <dgm:presLayoutVars>
+          <dgm:chPref val="3"/>
+        </dgm:presLayoutVars>
+      </dgm:prSet>
+      <dgm:spPr/>
+    </dgm:pt>
+    <dgm:pt modelId="{C452FF24-4FA8-4E61-AFB6-399BFB10C13E}" type="pres">
+      <dgm:prSet presAssocID="{B8538466-EC4B-4657-90C7-DAACCFC8A44A}" presName="horzFour" presStyleCnt="0"/>
+      <dgm:spPr/>
+    </dgm:pt>
+    <dgm:pt modelId="{A8B70EA5-952E-43C1-8F92-D5D8608894D0}" type="pres">
+      <dgm:prSet presAssocID="{2CE743D6-6C71-4978-AC1E-D3D400DD3E30}" presName="sibSpaceThree" presStyleCnt="0"/>
+      <dgm:spPr/>
+    </dgm:pt>
+    <dgm:pt modelId="{91C6B85D-D42C-4656-BE06-19BA846670EA}" type="pres">
+      <dgm:prSet presAssocID="{4522BE0B-484E-4B4C-8700-673BCA233B74}" presName="vertThree" presStyleCnt="0"/>
+      <dgm:spPr/>
+    </dgm:pt>
+    <dgm:pt modelId="{12DFF1BA-6598-4F24-9042-B4E8CF5A936A}" type="pres">
+      <dgm:prSet presAssocID="{4522BE0B-484E-4B4C-8700-673BCA233B74}" presName="txThree" presStyleLbl="node3" presStyleIdx="1" presStyleCnt="2">
+        <dgm:presLayoutVars>
+          <dgm:chPref val="3"/>
+        </dgm:presLayoutVars>
+      </dgm:prSet>
+      <dgm:spPr/>
+    </dgm:pt>
+    <dgm:pt modelId="{6D63438D-07DA-4DAE-9CC3-B61C8F7B7499}" type="pres">
+      <dgm:prSet presAssocID="{4522BE0B-484E-4B4C-8700-673BCA233B74}" presName="horzThree" presStyleCnt="0"/>
+      <dgm:spPr/>
+    </dgm:pt>
   </dgm:ptLst>
   <dgm:cxnLst>
-    <dgm:cxn modelId="{A5077110-072A-4878-A22E-6D1B5709DC06}" type="presOf" srcId="{9FE76915-9522-4DB4-B043-62478D62F10B}" destId="{31BA80D5-3B36-44DB-84D0-465C8827F323}" srcOrd="0" destOrd="0" presId="urn:microsoft.com/office/officeart/2005/8/layout/process1"/>
-    <dgm:cxn modelId="{48D5B55C-7BB1-49F4-BB03-3F7708BE61CB}" type="presOf" srcId="{BDCDCD9C-9F78-4F05-82BF-6D5EACC174C6}" destId="{E135A227-F98D-4FB8-8DDF-9C412AD5B38C}" srcOrd="0" destOrd="0" presId="urn:microsoft.com/office/officeart/2005/8/layout/process1"/>
-    <dgm:cxn modelId="{D78B7E61-D1C5-47A8-89BF-E828FB19E9EA}" srcId="{05CF76B7-3E1D-4A7B-9965-8B05BCF25B63}" destId="{EFB30B57-6156-4194-AF26-9790F84F91FF}" srcOrd="1" destOrd="0" parTransId="{D9695F21-E321-42D6-9053-6BF68EADB05F}" sibTransId="{0EC57F35-FAA8-44C2-8E59-8E366B32D31B}"/>
-    <dgm:cxn modelId="{D7081D48-9449-42A9-B434-F615DABD943C}" type="presOf" srcId="{EFB30B57-6156-4194-AF26-9790F84F91FF}" destId="{9D5D1FFC-7477-41E0-95BC-B91FB1B36266}" srcOrd="0" destOrd="0" presId="urn:microsoft.com/office/officeart/2005/8/layout/process1"/>
-    <dgm:cxn modelId="{E3CFEC9C-FB7E-4197-B30F-BDB1B9ECF143}" type="presOf" srcId="{0EC57F35-FAA8-44C2-8E59-8E366B32D31B}" destId="{4128C369-CBEA-433E-9CBD-997DAA86336B}" srcOrd="1" destOrd="0" presId="urn:microsoft.com/office/officeart/2005/8/layout/process1"/>
-    <dgm:cxn modelId="{AB036F9E-FD51-4903-9E56-C848A7B8CC25}" type="presOf" srcId="{05CF76B7-3E1D-4A7B-9965-8B05BCF25B63}" destId="{2BEFF1C1-BDBF-48AB-A9B0-943AF3CE23D5}" srcOrd="0" destOrd="0" presId="urn:microsoft.com/office/officeart/2005/8/layout/process1"/>
-    <dgm:cxn modelId="{FE7440BC-D4C3-4132-9219-7D55A3AFA068}" type="presOf" srcId="{5C527DA2-BA91-4D72-8FC4-F56D4F318E1A}" destId="{EEC2449F-F896-4A4B-BEBE-D6062D501945}" srcOrd="0" destOrd="0" presId="urn:microsoft.com/office/officeart/2005/8/layout/process1"/>
-    <dgm:cxn modelId="{6B7F1FC3-E569-424D-BB61-CE9203BB2F80}" srcId="{05CF76B7-3E1D-4A7B-9965-8B05BCF25B63}" destId="{9FE76915-9522-4DB4-B043-62478D62F10B}" srcOrd="2" destOrd="0" parTransId="{4FA78F31-0171-491D-B6A2-F1885C4301B1}" sibTransId="{D3AB913D-CFBC-4A40-AA3F-8A0F94D3E535}"/>
-    <dgm:cxn modelId="{6F4EF5C9-4E64-4264-821F-E0D95113F934}" srcId="{05CF76B7-3E1D-4A7B-9965-8B05BCF25B63}" destId="{5C527DA2-BA91-4D72-8FC4-F56D4F318E1A}" srcOrd="0" destOrd="0" parTransId="{9552E2FC-434F-4A67-8814-EEAECA2975BF}" sibTransId="{BDCDCD9C-9F78-4F05-82BF-6D5EACC174C6}"/>
-    <dgm:cxn modelId="{39F1F4CE-97FF-4C55-BB47-59263CE4146F}" type="presOf" srcId="{BDCDCD9C-9F78-4F05-82BF-6D5EACC174C6}" destId="{057B0EBD-EB21-4907-B925-26E21FB5D26A}" srcOrd="1" destOrd="0" presId="urn:microsoft.com/office/officeart/2005/8/layout/process1"/>
-    <dgm:cxn modelId="{F8A4EAD6-2159-437C-BFC1-C4EAF3DB88E5}" type="presOf" srcId="{0EC57F35-FAA8-44C2-8E59-8E366B32D31B}" destId="{929928EB-5B18-46BF-8322-1840C487F3FD}" srcOrd="0" destOrd="0" presId="urn:microsoft.com/office/officeart/2005/8/layout/process1"/>
-    <dgm:cxn modelId="{316D6EB4-20C9-4F4D-9F39-3403FB4932A8}" type="presParOf" srcId="{2BEFF1C1-BDBF-48AB-A9B0-943AF3CE23D5}" destId="{EEC2449F-F896-4A4B-BEBE-D6062D501945}" srcOrd="0" destOrd="0" presId="urn:microsoft.com/office/officeart/2005/8/layout/process1"/>
-    <dgm:cxn modelId="{31EA9B0C-A082-4C7B-B33E-58550D1C063E}" type="presParOf" srcId="{2BEFF1C1-BDBF-48AB-A9B0-943AF3CE23D5}" destId="{E135A227-F98D-4FB8-8DDF-9C412AD5B38C}" srcOrd="1" destOrd="0" presId="urn:microsoft.com/office/officeart/2005/8/layout/process1"/>
-    <dgm:cxn modelId="{2EDB23CD-2CDC-4713-ADFF-68AD24031A36}" type="presParOf" srcId="{E135A227-F98D-4FB8-8DDF-9C412AD5B38C}" destId="{057B0EBD-EB21-4907-B925-26E21FB5D26A}" srcOrd="0" destOrd="0" presId="urn:microsoft.com/office/officeart/2005/8/layout/process1"/>
-    <dgm:cxn modelId="{4D23CE33-878F-416C-B19C-9C0384D4857D}" type="presParOf" srcId="{2BEFF1C1-BDBF-48AB-A9B0-943AF3CE23D5}" destId="{9D5D1FFC-7477-41E0-95BC-B91FB1B36266}" srcOrd="2" destOrd="0" presId="urn:microsoft.com/office/officeart/2005/8/layout/process1"/>
-    <dgm:cxn modelId="{69E8DC7D-D7CC-4465-83A7-0B749E9ACC5A}" type="presParOf" srcId="{2BEFF1C1-BDBF-48AB-A9B0-943AF3CE23D5}" destId="{929928EB-5B18-46BF-8322-1840C487F3FD}" srcOrd="3" destOrd="0" presId="urn:microsoft.com/office/officeart/2005/8/layout/process1"/>
-    <dgm:cxn modelId="{CDBEC265-D79F-48DA-AF99-4A64E6F68E6D}" type="presParOf" srcId="{929928EB-5B18-46BF-8322-1840C487F3FD}" destId="{4128C369-CBEA-433E-9CBD-997DAA86336B}" srcOrd="0" destOrd="0" presId="urn:microsoft.com/office/officeart/2005/8/layout/process1"/>
-    <dgm:cxn modelId="{C60E2F1F-8F41-4159-8E08-84C57227A353}" type="presParOf" srcId="{2BEFF1C1-BDBF-48AB-A9B0-943AF3CE23D5}" destId="{31BA80D5-3B36-44DB-84D0-465C8827F323}" srcOrd="4" destOrd="0" presId="urn:microsoft.com/office/officeart/2005/8/layout/process1"/>
+    <dgm:cxn modelId="{F52D1103-8113-4740-B213-0A9FAE40E796}" srcId="{8EF9CF6C-1A9D-477A-A982-CA9253225293}" destId="{B8538466-EC4B-4657-90C7-DAACCFC8A44A}" srcOrd="1" destOrd="0" parTransId="{FABC43AB-444C-4972-B8E2-75192B3B13F6}" sibTransId="{3F1BCE14-F35B-41EE-AAC5-F5CE9866FE5B}"/>
+    <dgm:cxn modelId="{CE356A08-52C9-4C02-AC4E-714718916C10}" type="presOf" srcId="{8EF9CF6C-1A9D-477A-A982-CA9253225293}" destId="{BA8B41C2-0E8F-4922-9B06-07D72E294C84}" srcOrd="0" destOrd="0" presId="urn:microsoft.com/office/officeart/2005/8/layout/hierarchy4"/>
+    <dgm:cxn modelId="{73DAFA12-25FB-4329-9365-006A81B45AEA}" srcId="{460BAFBD-1550-4D9C-982C-DCB0AE977DEA}" destId="{4522BE0B-484E-4B4C-8700-673BCA233B74}" srcOrd="1" destOrd="0" parTransId="{9EF99BEF-8721-4C67-9A99-31D37DD41F75}" sibTransId="{2830772D-3BB5-4750-9CDE-93E9DB4442CB}"/>
+    <dgm:cxn modelId="{223FDB29-D148-447A-A53A-AAECBA588832}" type="presOf" srcId="{4522BE0B-484E-4B4C-8700-673BCA233B74}" destId="{12DFF1BA-6598-4F24-9042-B4E8CF5A936A}" srcOrd="0" destOrd="0" presId="urn:microsoft.com/office/officeart/2005/8/layout/hierarchy4"/>
+    <dgm:cxn modelId="{3B2E8462-ABB0-4F1D-AA91-A4F158D51009}" srcId="{EA8087CF-AE97-4B05-B14B-990168BE7384}" destId="{460BAFBD-1550-4D9C-982C-DCB0AE977DEA}" srcOrd="0" destOrd="0" parTransId="{8F09C74D-8517-4BD7-913C-82BEBD6A8535}" sibTransId="{689755D2-FCB2-4199-B009-E68083EC6082}"/>
+    <dgm:cxn modelId="{E584E464-BC45-4B25-BCDD-37DE44695B17}" type="presOf" srcId="{EA8087CF-AE97-4B05-B14B-990168BE7384}" destId="{50E50971-2C72-43CF-B5D1-8765764FAAA3}" srcOrd="0" destOrd="0" presId="urn:microsoft.com/office/officeart/2005/8/layout/hierarchy4"/>
+    <dgm:cxn modelId="{AD062453-E714-4E12-B96C-21B6EE077770}" type="presOf" srcId="{AD38924F-5E74-42AD-9E6F-74501FA372E1}" destId="{7183CD01-2919-499A-9BD6-21FE2DB2BFAC}" srcOrd="0" destOrd="0" presId="urn:microsoft.com/office/officeart/2005/8/layout/hierarchy4"/>
+    <dgm:cxn modelId="{2F919DA1-5DEB-4632-A8AA-4CF3C312B8E6}" srcId="{AD38924F-5E74-42AD-9E6F-74501FA372E1}" destId="{EA8087CF-AE97-4B05-B14B-990168BE7384}" srcOrd="0" destOrd="0" parTransId="{D8B184A9-C653-46F7-BABD-7CB9CF003988}" sibTransId="{0BF916AF-28A8-4E6D-A051-D4A4A6F1728C}"/>
+    <dgm:cxn modelId="{ACB302A6-33EF-40B3-83B2-6FE28AEB5016}" srcId="{8EF9CF6C-1A9D-477A-A982-CA9253225293}" destId="{11E43227-BDCB-435B-82C0-244ED78CDC05}" srcOrd="0" destOrd="0" parTransId="{57491AD9-C631-4078-9661-1ABF60493DEA}" sibTransId="{17A38CF2-FB22-4923-9683-32A427266263}"/>
+    <dgm:cxn modelId="{0A8C6CA6-F099-418D-A928-C70FF89388AF}" type="presOf" srcId="{11E43227-BDCB-435B-82C0-244ED78CDC05}" destId="{ABBBE257-6395-4392-9F0D-C8F816B4BF8F}" srcOrd="0" destOrd="0" presId="urn:microsoft.com/office/officeart/2005/8/layout/hierarchy4"/>
+    <dgm:cxn modelId="{17A94ABA-4CBC-4B6B-A2E2-9B55384DC756}" type="presOf" srcId="{460BAFBD-1550-4D9C-982C-DCB0AE977DEA}" destId="{07D35655-8ABB-410A-87B1-1148D8DF26C5}" srcOrd="0" destOrd="0" presId="urn:microsoft.com/office/officeart/2005/8/layout/hierarchy4"/>
+    <dgm:cxn modelId="{7844F8EA-A6F8-4EAD-B2E6-9139CE3AD54A}" srcId="{460BAFBD-1550-4D9C-982C-DCB0AE977DEA}" destId="{8EF9CF6C-1A9D-477A-A982-CA9253225293}" srcOrd="0" destOrd="0" parTransId="{82EB9088-4555-439D-A1FF-588FEC827F9E}" sibTransId="{2CE743D6-6C71-4978-AC1E-D3D400DD3E30}"/>
+    <dgm:cxn modelId="{5EF998F6-D6F8-471D-A56B-2E27EF89BDB6}" type="presOf" srcId="{B8538466-EC4B-4657-90C7-DAACCFC8A44A}" destId="{746BC9AA-DF23-4421-9B45-CA0C15278158}" srcOrd="0" destOrd="0" presId="urn:microsoft.com/office/officeart/2005/8/layout/hierarchy4"/>
+    <dgm:cxn modelId="{1CFFA20C-A469-41F4-83AC-55E1F1899456}" type="presParOf" srcId="{7183CD01-2919-499A-9BD6-21FE2DB2BFAC}" destId="{7E784989-0A03-4F5A-8B89-6CCF5BE1C7E6}" srcOrd="0" destOrd="0" presId="urn:microsoft.com/office/officeart/2005/8/layout/hierarchy4"/>
+    <dgm:cxn modelId="{3F42E03E-73B8-493A-8E84-34BF54167C80}" type="presParOf" srcId="{7E784989-0A03-4F5A-8B89-6CCF5BE1C7E6}" destId="{50E50971-2C72-43CF-B5D1-8765764FAAA3}" srcOrd="0" destOrd="0" presId="urn:microsoft.com/office/officeart/2005/8/layout/hierarchy4"/>
+    <dgm:cxn modelId="{0A0943B3-3759-448C-8B75-0E307C36596F}" type="presParOf" srcId="{7E784989-0A03-4F5A-8B89-6CCF5BE1C7E6}" destId="{F119A91F-6C95-4334-AD03-DA076F2FC786}" srcOrd="1" destOrd="0" presId="urn:microsoft.com/office/officeart/2005/8/layout/hierarchy4"/>
+    <dgm:cxn modelId="{C91626B8-B27F-4F6E-9EDD-7D440234C1AD}" type="presParOf" srcId="{7E784989-0A03-4F5A-8B89-6CCF5BE1C7E6}" destId="{7248B13F-E06A-4423-984D-8DA1DD782842}" srcOrd="2" destOrd="0" presId="urn:microsoft.com/office/officeart/2005/8/layout/hierarchy4"/>
+    <dgm:cxn modelId="{5F8C12EA-E97B-44E4-A50B-99525128079C}" type="presParOf" srcId="{7248B13F-E06A-4423-984D-8DA1DD782842}" destId="{732C44FD-CF17-42E5-8E29-E02D7135394E}" srcOrd="0" destOrd="0" presId="urn:microsoft.com/office/officeart/2005/8/layout/hierarchy4"/>
+    <dgm:cxn modelId="{39104EB4-F0F6-469A-811A-138500431EB5}" type="presParOf" srcId="{732C44FD-CF17-42E5-8E29-E02D7135394E}" destId="{07D35655-8ABB-410A-87B1-1148D8DF26C5}" srcOrd="0" destOrd="0" presId="urn:microsoft.com/office/officeart/2005/8/layout/hierarchy4"/>
+    <dgm:cxn modelId="{4CED3857-B246-49E5-B443-B84D27C497A5}" type="presParOf" srcId="{732C44FD-CF17-42E5-8E29-E02D7135394E}" destId="{C2486A51-51D5-47AC-BD33-7C9198C6F0C8}" srcOrd="1" destOrd="0" presId="urn:microsoft.com/office/officeart/2005/8/layout/hierarchy4"/>
+    <dgm:cxn modelId="{C0FDB947-2DCE-4930-AB27-37D93393918F}" type="presParOf" srcId="{732C44FD-CF17-42E5-8E29-E02D7135394E}" destId="{21227C3A-23A5-4F93-A235-936EEE0EF9FA}" srcOrd="2" destOrd="0" presId="urn:microsoft.com/office/officeart/2005/8/layout/hierarchy4"/>
+    <dgm:cxn modelId="{BAB9CCD2-1C6B-4A09-A10C-5C39E88E3419}" type="presParOf" srcId="{21227C3A-23A5-4F93-A235-936EEE0EF9FA}" destId="{7A5DF85E-442A-431F-B955-F9FEC44E615B}" srcOrd="0" destOrd="0" presId="urn:microsoft.com/office/officeart/2005/8/layout/hierarchy4"/>
+    <dgm:cxn modelId="{4F493E48-68C8-4BEB-B95B-223199B325EA}" type="presParOf" srcId="{7A5DF85E-442A-431F-B955-F9FEC44E615B}" destId="{BA8B41C2-0E8F-4922-9B06-07D72E294C84}" srcOrd="0" destOrd="0" presId="urn:microsoft.com/office/officeart/2005/8/layout/hierarchy4"/>
+    <dgm:cxn modelId="{0B4D20D4-F6FE-4162-8672-0920A82D0C73}" type="presParOf" srcId="{7A5DF85E-442A-431F-B955-F9FEC44E615B}" destId="{9E0013A9-1245-45A9-BA2B-8C43D0DDEB89}" srcOrd="1" destOrd="0" presId="urn:microsoft.com/office/officeart/2005/8/layout/hierarchy4"/>
+    <dgm:cxn modelId="{A4155FDB-D791-4230-BF09-74AAB7DE78D5}" type="presParOf" srcId="{7A5DF85E-442A-431F-B955-F9FEC44E615B}" destId="{AB2A9110-3F9E-4711-BAF7-ED164BFF47F9}" srcOrd="2" destOrd="0" presId="urn:microsoft.com/office/officeart/2005/8/layout/hierarchy4"/>
+    <dgm:cxn modelId="{17A7303A-76D1-49E4-B0C3-FF3C8926C85A}" type="presParOf" srcId="{AB2A9110-3F9E-4711-BAF7-ED164BFF47F9}" destId="{CC6D3922-9B0B-4B11-90E9-4F8E47BA67CA}" srcOrd="0" destOrd="0" presId="urn:microsoft.com/office/officeart/2005/8/layout/hierarchy4"/>
+    <dgm:cxn modelId="{1DF17A1C-E965-4915-B57F-88AA27EAA624}" type="presParOf" srcId="{CC6D3922-9B0B-4B11-90E9-4F8E47BA67CA}" destId="{ABBBE257-6395-4392-9F0D-C8F816B4BF8F}" srcOrd="0" destOrd="0" presId="urn:microsoft.com/office/officeart/2005/8/layout/hierarchy4"/>
+    <dgm:cxn modelId="{55B470D5-D931-48CC-A9A4-196619BE79D3}" type="presParOf" srcId="{CC6D3922-9B0B-4B11-90E9-4F8E47BA67CA}" destId="{EED6251D-728C-4EA7-8904-B98807B71266}" srcOrd="1" destOrd="0" presId="urn:microsoft.com/office/officeart/2005/8/layout/hierarchy4"/>
+    <dgm:cxn modelId="{F0CA373F-2897-4F59-BFF5-D3C423456956}" type="presParOf" srcId="{AB2A9110-3F9E-4711-BAF7-ED164BFF47F9}" destId="{85638F62-EA0D-4852-95D0-65E604B4EC1E}" srcOrd="1" destOrd="0" presId="urn:microsoft.com/office/officeart/2005/8/layout/hierarchy4"/>
+    <dgm:cxn modelId="{7D1F7845-2664-4426-AA21-AF3C57EC995A}" type="presParOf" srcId="{AB2A9110-3F9E-4711-BAF7-ED164BFF47F9}" destId="{9C1EA538-EFE0-4FBF-B668-B3B8AA44106A}" srcOrd="2" destOrd="0" presId="urn:microsoft.com/office/officeart/2005/8/layout/hierarchy4"/>
+    <dgm:cxn modelId="{EFE3FF6A-1ADC-4F49-B93C-B0ABA649CE0F}" type="presParOf" srcId="{9C1EA538-EFE0-4FBF-B668-B3B8AA44106A}" destId="{746BC9AA-DF23-4421-9B45-CA0C15278158}" srcOrd="0" destOrd="0" presId="urn:microsoft.com/office/officeart/2005/8/layout/hierarchy4"/>
+    <dgm:cxn modelId="{5B285640-2626-4E79-9AC1-2C63A17E0CE7}" type="presParOf" srcId="{9C1EA538-EFE0-4FBF-B668-B3B8AA44106A}" destId="{C452FF24-4FA8-4E61-AFB6-399BFB10C13E}" srcOrd="1" destOrd="0" presId="urn:microsoft.com/office/officeart/2005/8/layout/hierarchy4"/>
+    <dgm:cxn modelId="{297F25DC-815E-4935-B6DD-B70FB56C3240}" type="presParOf" srcId="{21227C3A-23A5-4F93-A235-936EEE0EF9FA}" destId="{A8B70EA5-952E-43C1-8F92-D5D8608894D0}" srcOrd="1" destOrd="0" presId="urn:microsoft.com/office/officeart/2005/8/layout/hierarchy4"/>
+    <dgm:cxn modelId="{7B9A6F4A-7563-4092-B056-0BF91652C34E}" type="presParOf" srcId="{21227C3A-23A5-4F93-A235-936EEE0EF9FA}" destId="{91C6B85D-D42C-4656-BE06-19BA846670EA}" srcOrd="2" destOrd="0" presId="urn:microsoft.com/office/officeart/2005/8/layout/hierarchy4"/>
+    <dgm:cxn modelId="{C44F631B-3D7A-478D-9CEB-DDB7C8E73E79}" type="presParOf" srcId="{91C6B85D-D42C-4656-BE06-19BA846670EA}" destId="{12DFF1BA-6598-4F24-9042-B4E8CF5A936A}" srcOrd="0" destOrd="0" presId="urn:microsoft.com/office/officeart/2005/8/layout/hierarchy4"/>
+    <dgm:cxn modelId="{F31484FE-4DAE-4D6D-91B8-03BD4D285F61}" type="presParOf" srcId="{91C6B85D-D42C-4656-BE06-19BA846670EA}" destId="{6D63438D-07DA-4DAE-9CC3-B61C8F7B7499}" srcOrd="1" destOrd="0" presId="urn:microsoft.com/office/officeart/2005/8/layout/hierarchy4"/>
   </dgm:cxnLst>
   <dgm:bg/>
   <dgm:whole/>
@@ -1079,15 +1515,15 @@
       <dsp:cNvGrpSpPr/>
     </dsp:nvGrpSpPr>
     <dsp:grpSpPr/>
-    <dsp:sp modelId="{EEC2449F-F896-4A4B-BEBE-D6062D501945}">
+    <dsp:sp modelId="{50E50971-2C72-43CF-B5D1-8765764FAAA3}">
       <dsp:nvSpPr>
         <dsp:cNvPr id="0" name=""/>
         <dsp:cNvSpPr/>
       </dsp:nvSpPr>
       <dsp:spPr>
         <a:xfrm>
-          <a:off x="7579" y="1263474"/>
-          <a:ext cx="2265335" cy="1359201"/>
+          <a:off x="5612" y="58"/>
+          <a:ext cx="11987685" cy="1025663"/>
         </a:xfrm>
         <a:prstGeom prst="roundRect">
           <a:avLst>
@@ -1096,19 +1532,14 @@
         </a:prstGeom>
         <a:solidFill>
           <a:schemeClr val="accent1">
-            <a:hueOff val="0"/>
-            <a:satOff val="0"/>
-            <a:lumOff val="0"/>
-            <a:alphaOff val="0"/>
+            <a:lumMod val="20000"/>
+            <a:lumOff val="80000"/>
           </a:schemeClr>
         </a:solidFill>
         <a:ln w="12700" cap="flat" cmpd="sng" algn="ctr">
           <a:solidFill>
-            <a:schemeClr val="lt1">
-              <a:hueOff val="0"/>
-              <a:satOff val="0"/>
-              <a:lumOff val="0"/>
-              <a:alphaOff val="0"/>
+            <a:schemeClr val="bg1">
+              <a:lumMod val="50000"/>
             </a:schemeClr>
           </a:solidFill>
           <a:prstDash val="solid"/>
@@ -1131,77 +1562,7 @@
         </a:fontRef>
       </dsp:style>
       <dsp:txBody>
-        <a:bodyPr spcFirstLastPara="0" vert="horz" wrap="square" lIns="224790" tIns="224790" rIns="224790" bIns="224790" numCol="1" spcCol="1270" anchor="ctr" anchorCtr="0">
-          <a:noAutofit/>
-        </a:bodyPr>
-        <a:lstStyle/>
-        <a:p>
-          <a:pPr marL="0" lvl="0" indent="0" algn="ctr" defTabSz="2622550">
-            <a:lnSpc>
-              <a:spcPct val="90000"/>
-            </a:lnSpc>
-            <a:spcBef>
-              <a:spcPct val="0"/>
-            </a:spcBef>
-            <a:spcAft>
-              <a:spcPct val="35000"/>
-            </a:spcAft>
-            <a:buNone/>
-          </a:pPr>
-          <a:endParaRPr lang="de-DE" sz="5900" kern="1200" dirty="0"/>
-        </a:p>
-      </dsp:txBody>
-      <dsp:txXfrm>
-        <a:off x="47389" y="1303284"/>
-        <a:ext cx="2185715" cy="1279581"/>
-      </dsp:txXfrm>
-    </dsp:sp>
-    <dsp:sp modelId="{E135A227-F98D-4FB8-8DDF-9C412AD5B38C}">
-      <dsp:nvSpPr>
-        <dsp:cNvPr id="0" name=""/>
-        <dsp:cNvSpPr/>
-      </dsp:nvSpPr>
-      <dsp:spPr>
-        <a:xfrm>
-          <a:off x="2499448" y="1662173"/>
-          <a:ext cx="480251" cy="561803"/>
-        </a:xfrm>
-        <a:prstGeom prst="rightArrow">
-          <a:avLst>
-            <a:gd name="adj1" fmla="val 60000"/>
-            <a:gd name="adj2" fmla="val 50000"/>
-          </a:avLst>
-        </a:prstGeom>
-        <a:solidFill>
-          <a:schemeClr val="accent1">
-            <a:tint val="60000"/>
-            <a:hueOff val="0"/>
-            <a:satOff val="0"/>
-            <a:lumOff val="0"/>
-            <a:alphaOff val="0"/>
-          </a:schemeClr>
-        </a:solidFill>
-        <a:ln>
-          <a:noFill/>
-        </a:ln>
-        <a:effectLst/>
-      </dsp:spPr>
-      <dsp:style>
-        <a:lnRef idx="0">
-          <a:scrgbClr r="0" g="0" b="0"/>
-        </a:lnRef>
-        <a:fillRef idx="1">
-          <a:scrgbClr r="0" g="0" b="0"/>
-        </a:fillRef>
-        <a:effectRef idx="0">
-          <a:scrgbClr r="0" g="0" b="0"/>
-        </a:effectRef>
-        <a:fontRef idx="minor">
-          <a:schemeClr val="lt1"/>
-        </a:fontRef>
-      </dsp:style>
-      <dsp:txBody>
-        <a:bodyPr spcFirstLastPara="0" vert="horz" wrap="square" lIns="0" tIns="0" rIns="0" bIns="0" numCol="1" spcCol="1270" anchor="ctr" anchorCtr="0">
+        <a:bodyPr spcFirstLastPara="0" vert="horz" wrap="square" lIns="91440" tIns="91440" rIns="91440" bIns="91440" numCol="1" spcCol="1270" anchor="ctr" anchorCtr="0">
           <a:noAutofit/>
         </a:bodyPr>
         <a:lstStyle/>
@@ -1218,23 +1579,28 @@
             </a:spcAft>
             <a:buNone/>
           </a:pPr>
-          <a:endParaRPr lang="de-DE" sz="2400" kern="1200"/>
+          <a:r>
+            <a:rPr lang="de-DE" sz="2400" kern="1200" dirty="0">
+              <a:latin typeface="Trebuchet MS" panose="020B0603020202020204" pitchFamily="34" charset="0"/>
+            </a:rPr>
+            <a:t>Anmeldedaten angeben</a:t>
+          </a:r>
         </a:p>
       </dsp:txBody>
       <dsp:txXfrm>
-        <a:off x="2499448" y="1774534"/>
-        <a:ext cx="336176" cy="337081"/>
+        <a:off x="35653" y="30099"/>
+        <a:ext cx="11927603" cy="965581"/>
       </dsp:txXfrm>
     </dsp:sp>
-    <dsp:sp modelId="{9D5D1FFC-7477-41E0-95BC-B91FB1B36266}">
+    <dsp:sp modelId="{07D35655-8ABB-410A-87B1-1148D8DF26C5}">
       <dsp:nvSpPr>
         <dsp:cNvPr id="0" name=""/>
         <dsp:cNvSpPr/>
       </dsp:nvSpPr>
       <dsp:spPr>
         <a:xfrm>
-          <a:off x="3179049" y="1263474"/>
-          <a:ext cx="2265335" cy="1359201"/>
+          <a:off x="5612" y="1176974"/>
+          <a:ext cx="11987685" cy="1025663"/>
         </a:xfrm>
         <a:prstGeom prst="roundRect">
           <a:avLst>
@@ -1243,19 +1609,14 @@
         </a:prstGeom>
         <a:solidFill>
           <a:schemeClr val="accent1">
-            <a:hueOff val="0"/>
-            <a:satOff val="0"/>
-            <a:lumOff val="0"/>
-            <a:alphaOff val="0"/>
+            <a:lumMod val="20000"/>
+            <a:lumOff val="80000"/>
           </a:schemeClr>
         </a:solidFill>
         <a:ln w="12700" cap="flat" cmpd="sng" algn="ctr">
           <a:solidFill>
-            <a:schemeClr val="lt1">
-              <a:hueOff val="0"/>
-              <a:satOff val="0"/>
-              <a:lumOff val="0"/>
-              <a:alphaOff val="0"/>
+            <a:schemeClr val="bg1">
+              <a:lumMod val="50000"/>
             </a:schemeClr>
           </a:solidFill>
           <a:prstDash val="solid"/>
@@ -1278,77 +1639,7 @@
         </a:fontRef>
       </dsp:style>
       <dsp:txBody>
-        <a:bodyPr spcFirstLastPara="0" vert="horz" wrap="square" lIns="224790" tIns="224790" rIns="224790" bIns="224790" numCol="1" spcCol="1270" anchor="ctr" anchorCtr="0">
-          <a:noAutofit/>
-        </a:bodyPr>
-        <a:lstStyle/>
-        <a:p>
-          <a:pPr marL="0" lvl="0" indent="0" algn="ctr" defTabSz="2622550">
-            <a:lnSpc>
-              <a:spcPct val="90000"/>
-            </a:lnSpc>
-            <a:spcBef>
-              <a:spcPct val="0"/>
-            </a:spcBef>
-            <a:spcAft>
-              <a:spcPct val="35000"/>
-            </a:spcAft>
-            <a:buNone/>
-          </a:pPr>
-          <a:endParaRPr lang="de-DE" sz="5900" kern="1200"/>
-        </a:p>
-      </dsp:txBody>
-      <dsp:txXfrm>
-        <a:off x="3218859" y="1303284"/>
-        <a:ext cx="2185715" cy="1279581"/>
-      </dsp:txXfrm>
-    </dsp:sp>
-    <dsp:sp modelId="{929928EB-5B18-46BF-8322-1840C487F3FD}">
-      <dsp:nvSpPr>
-        <dsp:cNvPr id="0" name=""/>
-        <dsp:cNvSpPr/>
-      </dsp:nvSpPr>
-      <dsp:spPr>
-        <a:xfrm>
-          <a:off x="5670918" y="1662173"/>
-          <a:ext cx="480251" cy="561803"/>
-        </a:xfrm>
-        <a:prstGeom prst="rightArrow">
-          <a:avLst>
-            <a:gd name="adj1" fmla="val 60000"/>
-            <a:gd name="adj2" fmla="val 50000"/>
-          </a:avLst>
-        </a:prstGeom>
-        <a:solidFill>
-          <a:schemeClr val="accent1">
-            <a:tint val="60000"/>
-            <a:hueOff val="0"/>
-            <a:satOff val="0"/>
-            <a:lumOff val="0"/>
-            <a:alphaOff val="0"/>
-          </a:schemeClr>
-        </a:solidFill>
-        <a:ln>
-          <a:noFill/>
-        </a:ln>
-        <a:effectLst/>
-      </dsp:spPr>
-      <dsp:style>
-        <a:lnRef idx="0">
-          <a:scrgbClr r="0" g="0" b="0"/>
-        </a:lnRef>
-        <a:fillRef idx="1">
-          <a:scrgbClr r="0" g="0" b="0"/>
-        </a:fillRef>
-        <a:effectRef idx="0">
-          <a:scrgbClr r="0" g="0" b="0"/>
-        </a:effectRef>
-        <a:fontRef idx="minor">
-          <a:schemeClr val="lt1"/>
-        </a:fontRef>
-      </dsp:style>
-      <dsp:txBody>
-        <a:bodyPr spcFirstLastPara="0" vert="horz" wrap="square" lIns="0" tIns="0" rIns="0" bIns="0" numCol="1" spcCol="1270" anchor="ctr" anchorCtr="0">
+        <a:bodyPr spcFirstLastPara="0" vert="horz" wrap="square" lIns="91440" tIns="91440" rIns="91440" bIns="91440" numCol="1" spcCol="1270" anchor="ctr" anchorCtr="0">
           <a:noAutofit/>
         </a:bodyPr>
         <a:lstStyle/>
@@ -1365,23 +1656,28 @@
             </a:spcAft>
             <a:buNone/>
           </a:pPr>
-          <a:endParaRPr lang="de-DE" sz="2400" kern="1200"/>
+          <a:r>
+            <a:rPr lang="de-DE" sz="2400" kern="1200" dirty="0">
+              <a:latin typeface="Trebuchet MS" panose="020B0603020202020204" pitchFamily="34" charset="0"/>
+            </a:rPr>
+            <a:t>Benutzername wird auf Existenz geprüft</a:t>
+          </a:r>
         </a:p>
       </dsp:txBody>
       <dsp:txXfrm>
-        <a:off x="5670918" y="1774534"/>
-        <a:ext cx="336176" cy="337081"/>
+        <a:off x="35653" y="1207015"/>
+        <a:ext cx="11927603" cy="965581"/>
       </dsp:txXfrm>
     </dsp:sp>
-    <dsp:sp modelId="{31BA80D5-3B36-44DB-84D0-465C8827F323}">
+    <dsp:sp modelId="{BA8B41C2-0E8F-4922-9B06-07D72E294C84}">
       <dsp:nvSpPr>
         <dsp:cNvPr id="0" name=""/>
         <dsp:cNvSpPr/>
       </dsp:nvSpPr>
       <dsp:spPr>
         <a:xfrm>
-          <a:off x="6350519" y="1263474"/>
-          <a:ext cx="2265335" cy="1359201"/>
+          <a:off x="5612" y="2353889"/>
+          <a:ext cx="7909602" cy="1025663"/>
         </a:xfrm>
         <a:prstGeom prst="roundRect">
           <a:avLst>
@@ -1390,19 +1686,14 @@
         </a:prstGeom>
         <a:solidFill>
           <a:schemeClr val="accent1">
-            <a:hueOff val="0"/>
-            <a:satOff val="0"/>
-            <a:lumOff val="0"/>
-            <a:alphaOff val="0"/>
+            <a:lumMod val="20000"/>
+            <a:lumOff val="80000"/>
           </a:schemeClr>
         </a:solidFill>
         <a:ln w="12700" cap="flat" cmpd="sng" algn="ctr">
           <a:solidFill>
-            <a:schemeClr val="lt1">
-              <a:hueOff val="0"/>
-              <a:satOff val="0"/>
-              <a:lumOff val="0"/>
-              <a:alphaOff val="0"/>
+            <a:schemeClr val="bg1">
+              <a:lumMod val="50000"/>
             </a:schemeClr>
           </a:solidFill>
           <a:prstDash val="solid"/>
@@ -1425,12 +1716,12 @@
         </a:fontRef>
       </dsp:style>
       <dsp:txBody>
-        <a:bodyPr spcFirstLastPara="0" vert="horz" wrap="square" lIns="224790" tIns="224790" rIns="224790" bIns="224790" numCol="1" spcCol="1270" anchor="ctr" anchorCtr="0">
+        <a:bodyPr spcFirstLastPara="0" vert="horz" wrap="square" lIns="91440" tIns="91440" rIns="91440" bIns="91440" numCol="1" spcCol="1270" anchor="ctr" anchorCtr="0">
           <a:noAutofit/>
         </a:bodyPr>
         <a:lstStyle/>
         <a:p>
-          <a:pPr marL="0" lvl="0" indent="0" algn="ctr" defTabSz="2622550">
+          <a:pPr marL="0" lvl="0" indent="0" algn="ctr" defTabSz="1066800">
             <a:lnSpc>
               <a:spcPct val="90000"/>
             </a:lnSpc>
@@ -1442,12 +1733,268 @@
             </a:spcAft>
             <a:buNone/>
           </a:pPr>
-          <a:endParaRPr lang="de-DE" sz="5900" kern="1200"/>
+          <a:r>
+            <a:rPr lang="de-DE" sz="2400" kern="1200">
+              <a:latin typeface="Trebuchet MS" panose="020B0603020202020204" pitchFamily="34" charset="0"/>
+            </a:rPr>
+            <a:t>Eingegebenes Passwort wird gehasht und überprüft</a:t>
+          </a:r>
+          <a:endParaRPr lang="de-DE" sz="2400" kern="1200" dirty="0">
+            <a:latin typeface="Trebuchet MS" panose="020B0603020202020204" pitchFamily="34" charset="0"/>
+          </a:endParaRPr>
         </a:p>
       </dsp:txBody>
       <dsp:txXfrm>
-        <a:off x="6390329" y="1303284"/>
-        <a:ext cx="2185715" cy="1279581"/>
+        <a:off x="35653" y="2383930"/>
+        <a:ext cx="7849520" cy="965581"/>
+      </dsp:txXfrm>
+    </dsp:sp>
+    <dsp:sp modelId="{ABBBE257-6395-4392-9F0D-C8F816B4BF8F}">
+      <dsp:nvSpPr>
+        <dsp:cNvPr id="0" name=""/>
+        <dsp:cNvSpPr/>
+      </dsp:nvSpPr>
+      <dsp:spPr>
+        <a:xfrm>
+          <a:off x="5612" y="3530804"/>
+          <a:ext cx="3913707" cy="1025663"/>
+        </a:xfrm>
+        <a:prstGeom prst="roundRect">
+          <a:avLst>
+            <a:gd name="adj" fmla="val 10000"/>
+          </a:avLst>
+        </a:prstGeom>
+        <a:solidFill>
+          <a:schemeClr val="accent1">
+            <a:lumMod val="20000"/>
+            <a:lumOff val="80000"/>
+          </a:schemeClr>
+        </a:solidFill>
+        <a:ln w="12700" cap="flat" cmpd="sng" algn="ctr">
+          <a:solidFill>
+            <a:schemeClr val="bg1">
+              <a:lumMod val="50000"/>
+            </a:schemeClr>
+          </a:solidFill>
+          <a:prstDash val="solid"/>
+          <a:miter lim="800000"/>
+        </a:ln>
+        <a:effectLst/>
+      </dsp:spPr>
+      <dsp:style>
+        <a:lnRef idx="2">
+          <a:scrgbClr r="0" g="0" b="0"/>
+        </a:lnRef>
+        <a:fillRef idx="1">
+          <a:scrgbClr r="0" g="0" b="0"/>
+        </a:fillRef>
+        <a:effectRef idx="0">
+          <a:scrgbClr r="0" g="0" b="0"/>
+        </a:effectRef>
+        <a:fontRef idx="minor">
+          <a:schemeClr val="lt1"/>
+        </a:fontRef>
+      </dsp:style>
+      <dsp:txBody>
+        <a:bodyPr spcFirstLastPara="0" vert="horz" wrap="square" lIns="91440" tIns="91440" rIns="91440" bIns="91440" numCol="1" spcCol="1270" anchor="ctr" anchorCtr="0">
+          <a:noAutofit/>
+        </a:bodyPr>
+        <a:lstStyle/>
+        <a:p>
+          <a:pPr marL="0" lvl="0" indent="0" algn="ctr" defTabSz="1066800">
+            <a:lnSpc>
+              <a:spcPct val="90000"/>
+            </a:lnSpc>
+            <a:spcBef>
+              <a:spcPct val="0"/>
+            </a:spcBef>
+            <a:spcAft>
+              <a:spcPct val="35000"/>
+            </a:spcAft>
+            <a:buNone/>
+          </a:pPr>
+          <a:r>
+            <a:rPr lang="de-DE" sz="2400" kern="1200" dirty="0">
+              <a:latin typeface="Trebuchet MS" panose="020B0603020202020204" pitchFamily="34" charset="0"/>
+            </a:rPr>
+            <a:t>Nutzer wird angemeldet</a:t>
+          </a:r>
+        </a:p>
+      </dsp:txBody>
+      <dsp:txXfrm>
+        <a:off x="35653" y="3560845"/>
+        <a:ext cx="3853625" cy="965581"/>
+      </dsp:txXfrm>
+    </dsp:sp>
+    <dsp:sp modelId="{746BC9AA-DF23-4421-9B45-CA0C15278158}">
+      <dsp:nvSpPr>
+        <dsp:cNvPr id="0" name=""/>
+        <dsp:cNvSpPr/>
+      </dsp:nvSpPr>
+      <dsp:spPr>
+        <a:xfrm>
+          <a:off x="4001507" y="3530804"/>
+          <a:ext cx="3913707" cy="1025663"/>
+        </a:xfrm>
+        <a:prstGeom prst="roundRect">
+          <a:avLst>
+            <a:gd name="adj" fmla="val 10000"/>
+          </a:avLst>
+        </a:prstGeom>
+        <a:solidFill>
+          <a:schemeClr val="accent1">
+            <a:lumMod val="20000"/>
+            <a:lumOff val="80000"/>
+          </a:schemeClr>
+        </a:solidFill>
+        <a:ln w="12700" cap="flat" cmpd="sng" algn="ctr">
+          <a:solidFill>
+            <a:schemeClr val="bg1">
+              <a:lumMod val="50000"/>
+            </a:schemeClr>
+          </a:solidFill>
+          <a:prstDash val="solid"/>
+          <a:miter lim="800000"/>
+        </a:ln>
+        <a:effectLst/>
+      </dsp:spPr>
+      <dsp:style>
+        <a:lnRef idx="2">
+          <a:scrgbClr r="0" g="0" b="0"/>
+        </a:lnRef>
+        <a:fillRef idx="1">
+          <a:scrgbClr r="0" g="0" b="0"/>
+        </a:fillRef>
+        <a:effectRef idx="0">
+          <a:scrgbClr r="0" g="0" b="0"/>
+        </a:effectRef>
+        <a:fontRef idx="minor">
+          <a:schemeClr val="lt1"/>
+        </a:fontRef>
+      </dsp:style>
+      <dsp:txBody>
+        <a:bodyPr spcFirstLastPara="0" vert="horz" wrap="square" lIns="91440" tIns="91440" rIns="91440" bIns="91440" numCol="1" spcCol="1270" anchor="ctr" anchorCtr="0">
+          <a:noAutofit/>
+        </a:bodyPr>
+        <a:lstStyle/>
+        <a:p>
+          <a:pPr marL="0" lvl="0" indent="0" algn="ctr" defTabSz="1066800">
+            <a:lnSpc>
+              <a:spcPct val="90000"/>
+            </a:lnSpc>
+            <a:spcBef>
+              <a:spcPct val="0"/>
+            </a:spcBef>
+            <a:spcAft>
+              <a:spcPct val="35000"/>
+            </a:spcAft>
+            <a:buNone/>
+          </a:pPr>
+          <a:r>
+            <a:rPr lang="de-DE" sz="2400" b="1" kern="1200" dirty="0">
+              <a:latin typeface="Trebuchet MS" panose="020B0603020202020204" pitchFamily="34" charset="0"/>
+            </a:rPr>
+            <a:t>Fehlermeldung</a:t>
+          </a:r>
+          <a:br>
+            <a:rPr lang="de-DE" sz="2400" kern="1200" dirty="0">
+              <a:latin typeface="Trebuchet MS" panose="020B0603020202020204" pitchFamily="34" charset="0"/>
+            </a:rPr>
+          </a:br>
+          <a:r>
+            <a:rPr lang="de-DE" sz="2400" kern="1200" dirty="0">
+              <a:latin typeface="Trebuchet MS" panose="020B0603020202020204" pitchFamily="34" charset="0"/>
+            </a:rPr>
+            <a:t>Falsches Passwort</a:t>
+          </a:r>
+        </a:p>
+      </dsp:txBody>
+      <dsp:txXfrm>
+        <a:off x="4031548" y="3560845"/>
+        <a:ext cx="3853625" cy="965581"/>
+      </dsp:txXfrm>
+    </dsp:sp>
+    <dsp:sp modelId="{12DFF1BA-6598-4F24-9042-B4E8CF5A936A}">
+      <dsp:nvSpPr>
+        <dsp:cNvPr id="0" name=""/>
+        <dsp:cNvSpPr/>
+      </dsp:nvSpPr>
+      <dsp:spPr>
+        <a:xfrm>
+          <a:off x="8079590" y="2353889"/>
+          <a:ext cx="3913707" cy="1025663"/>
+        </a:xfrm>
+        <a:prstGeom prst="roundRect">
+          <a:avLst>
+            <a:gd name="adj" fmla="val 10000"/>
+          </a:avLst>
+        </a:prstGeom>
+        <a:solidFill>
+          <a:schemeClr val="accent1">
+            <a:lumMod val="20000"/>
+            <a:lumOff val="80000"/>
+          </a:schemeClr>
+        </a:solidFill>
+        <a:ln w="12700" cap="flat" cmpd="sng" algn="ctr">
+          <a:solidFill>
+            <a:schemeClr val="bg1">
+              <a:lumMod val="50000"/>
+            </a:schemeClr>
+          </a:solidFill>
+          <a:prstDash val="solid"/>
+          <a:miter lim="800000"/>
+        </a:ln>
+        <a:effectLst/>
+      </dsp:spPr>
+      <dsp:style>
+        <a:lnRef idx="2">
+          <a:scrgbClr r="0" g="0" b="0"/>
+        </a:lnRef>
+        <a:fillRef idx="1">
+          <a:scrgbClr r="0" g="0" b="0"/>
+        </a:fillRef>
+        <a:effectRef idx="0">
+          <a:scrgbClr r="0" g="0" b="0"/>
+        </a:effectRef>
+        <a:fontRef idx="minor">
+          <a:schemeClr val="lt1"/>
+        </a:fontRef>
+      </dsp:style>
+      <dsp:txBody>
+        <a:bodyPr spcFirstLastPara="0" vert="horz" wrap="square" lIns="91440" tIns="91440" rIns="91440" bIns="91440" numCol="1" spcCol="1270" anchor="ctr" anchorCtr="0">
+          <a:noAutofit/>
+        </a:bodyPr>
+        <a:lstStyle/>
+        <a:p>
+          <a:pPr marL="0" lvl="0" indent="0" algn="ctr" defTabSz="1066800">
+            <a:lnSpc>
+              <a:spcPct val="90000"/>
+            </a:lnSpc>
+            <a:spcBef>
+              <a:spcPct val="0"/>
+            </a:spcBef>
+            <a:spcAft>
+              <a:spcPct val="35000"/>
+            </a:spcAft>
+            <a:buNone/>
+          </a:pPr>
+          <a:r>
+            <a:rPr lang="de-DE" sz="2400" b="1" kern="1200" dirty="0">
+              <a:latin typeface="Trebuchet MS" panose="020B0603020202020204" pitchFamily="34" charset="0"/>
+            </a:rPr>
+            <a:t>Fehlermeldung </a:t>
+          </a:r>
+          <a:r>
+            <a:rPr lang="de-DE" sz="2400" kern="1200" dirty="0">
+              <a:latin typeface="Trebuchet MS" panose="020B0603020202020204" pitchFamily="34" charset="0"/>
+            </a:rPr>
+            <a:t>Benutzername existiert nicht</a:t>
+          </a:r>
+        </a:p>
+      </dsp:txBody>
+      <dsp:txXfrm>
+        <a:off x="8109631" y="2383930"/>
+        <a:ext cx="3853625" cy="965581"/>
       </dsp:txXfrm>
     </dsp:sp>
   </dsp:spTree>
@@ -1455,16 +2002,45 @@
 </file>
 
 <file path=ppt/diagrams/layout1.xml><?xml version="1.0" encoding="utf-8"?>
-<dgm:layoutDef xmlns:dgm="http://schemas.openxmlformats.org/drawingml/2006/diagram" xmlns:a="http://schemas.openxmlformats.org/drawingml/2006/main" uniqueId="urn:microsoft.com/office/officeart/2005/8/layout/process1">
+<dgm:layoutDef xmlns:dgm="http://schemas.openxmlformats.org/drawingml/2006/diagram" xmlns:a="http://schemas.openxmlformats.org/drawingml/2006/main" uniqueId="urn:microsoft.com/office/officeart/2005/8/layout/hierarchy4">
   <dgm:title val=""/>
   <dgm:desc val=""/>
   <dgm:catLst>
-    <dgm:cat type="process" pri="1000"/>
-    <dgm:cat type="convert" pri="15000"/>
+    <dgm:cat type="hierarchy" pri="4000"/>
+    <dgm:cat type="list" pri="24000"/>
+    <dgm:cat type="relationship" pri="10000"/>
   </dgm:catLst>
-  <dgm:sampData useDef="1">
+  <dgm:sampData>
     <dgm:dataModel>
-      <dgm:ptLst/>
+      <dgm:ptLst>
+        <dgm:pt modelId="0" type="doc"/>
+        <dgm:pt modelId="1">
+          <dgm:prSet phldr="1"/>
+        </dgm:pt>
+        <dgm:pt modelId="2">
+          <dgm:prSet phldr="1"/>
+        </dgm:pt>
+        <dgm:pt modelId="21">
+          <dgm:prSet phldr="1"/>
+        </dgm:pt>
+        <dgm:pt modelId="22">
+          <dgm:prSet phldr="1"/>
+        </dgm:pt>
+        <dgm:pt modelId="3">
+          <dgm:prSet phldr="1"/>
+        </dgm:pt>
+        <dgm:pt modelId="31">
+          <dgm:prSet phldr="1"/>
+        </dgm:pt>
+      </dgm:ptLst>
+      <dgm:cxnLst>
+        <dgm:cxn modelId="4" srcId="0" destId="1" srcOrd="0" destOrd="0"/>
+        <dgm:cxn modelId="5" srcId="1" destId="2" srcOrd="0" destOrd="0"/>
+        <dgm:cxn modelId="6" srcId="1" destId="3" srcOrd="1" destOrd="0"/>
+        <dgm:cxn modelId="23" srcId="2" destId="21" srcOrd="0" destOrd="0"/>
+        <dgm:cxn modelId="24" srcId="2" destId="22" srcOrd="1" destOrd="0"/>
+        <dgm:cxn modelId="33" srcId="3" destId="31" srcOrd="0" destOrd="0"/>
+      </dgm:cxnLst>
       <dgm:bg/>
       <dgm:whole/>
     </dgm:dataModel>
@@ -1474,11 +2050,13 @@
       <dgm:ptLst>
         <dgm:pt modelId="0" type="doc"/>
         <dgm:pt modelId="1"/>
-        <dgm:pt modelId="2"/>
+        <dgm:pt modelId="11"/>
+        <dgm:pt modelId="12"/>
       </dgm:ptLst>
       <dgm:cxnLst>
-        <dgm:cxn modelId="3" srcId="0" destId="1" srcOrd="0" destOrd="0"/>
-        <dgm:cxn modelId="4" srcId="0" destId="2" srcOrd="1" destOrd="0"/>
+        <dgm:cxn modelId="2" srcId="0" destId="1" srcOrd="0" destOrd="0"/>
+        <dgm:cxn modelId="13" srcId="1" destId="11" srcOrd="0" destOrd="0"/>
+        <dgm:cxn modelId="14" srcId="1" destId="12" srcOrd="1" destOrd="0"/>
       </dgm:cxnLst>
       <dgm:bg/>
       <dgm:whole/>
@@ -1490,14 +2068,20 @@
         <dgm:pt modelId="0" type="doc"/>
         <dgm:pt modelId="1"/>
         <dgm:pt modelId="2"/>
+        <dgm:pt modelId="21"/>
+        <dgm:pt modelId="211"/>
         <dgm:pt modelId="3"/>
-        <dgm:pt modelId="4"/>
+        <dgm:pt modelId="31"/>
+        <dgm:pt modelId="311"/>
       </dgm:ptLst>
       <dgm:cxnLst>
-        <dgm:cxn modelId="5" srcId="0" destId="1" srcOrd="0" destOrd="0"/>
-        <dgm:cxn modelId="6" srcId="0" destId="2" srcOrd="1" destOrd="0"/>
-        <dgm:cxn modelId="7" srcId="0" destId="3" srcOrd="2" destOrd="0"/>
-        <dgm:cxn modelId="8" srcId="0" destId="4" srcOrd="3" destOrd="0"/>
+        <dgm:cxn modelId="4" srcId="0" destId="1" srcOrd="0" destOrd="0"/>
+        <dgm:cxn modelId="5" srcId="1" destId="2" srcOrd="0" destOrd="0"/>
+        <dgm:cxn modelId="6" srcId="1" destId="3" srcOrd="1" destOrd="0"/>
+        <dgm:cxn modelId="23" srcId="2" destId="21" srcOrd="0" destOrd="0"/>
+        <dgm:cxn modelId="24" srcId="21" destId="211" srcOrd="0" destOrd="0"/>
+        <dgm:cxn modelId="33" srcId="3" destId="31" srcOrd="0" destOrd="0"/>
+        <dgm:cxn modelId="34" srcId="31" destId="311" srcOrd="0" destOrd="0"/>
       </dgm:cxnLst>
       <dgm:bg/>
       <dgm:whole/>
@@ -1505,16 +2089,23 @@
   </dgm:clrData>
   <dgm:layoutNode name="Name0">
     <dgm:varLst>
+      <dgm:chPref val="1"/>
       <dgm:dir/>
-      <dgm:resizeHandles val="exact"/>
+      <dgm:animOne val="branch"/>
+      <dgm:animLvl val="lvl"/>
+      <dgm:resizeHandles/>
     </dgm:varLst>
     <dgm:choose name="Name1">
       <dgm:if name="Name2" func="var" arg="dir" op="equ" val="norm">
-        <dgm:alg type="lin"/>
+        <dgm:alg type="lin">
+          <dgm:param type="linDir" val="fromL"/>
+          <dgm:param type="nodeVertAlign" val="t"/>
+        </dgm:alg>
       </dgm:if>
       <dgm:else name="Name3">
         <dgm:alg type="lin">
           <dgm:param type="linDir" val="fromR"/>
+          <dgm:param type="nodeVertAlign" val="t"/>
         </dgm:alg>
       </dgm:else>
     </dgm:choose>
@@ -1523,78 +2114,410 @@
     </dgm:shape>
     <dgm:presOf/>
     <dgm:constrLst>
-      <dgm:constr type="w" for="ch" ptType="node" refType="w"/>
-      <dgm:constr type="h" for="ch" ptType="node" op="equ"/>
-      <dgm:constr type="primFontSz" for="ch" ptType="node" op="equ" val="65"/>
-      <dgm:constr type="w" for="ch" ptType="sibTrans" refType="w" refFor="ch" refPtType="node" op="equ" fact="0.4"/>
-      <dgm:constr type="h" for="ch" ptType="sibTrans" op="equ"/>
-      <dgm:constr type="primFontSz" for="des" forName="connectorText" op="equ" val="55"/>
-      <dgm:constr type="primFontSz" for="des" forName="connectorText" refType="primFontSz" refFor="ch" refPtType="node" op="lte" fact="0.8"/>
+      <dgm:constr type="w" for="ch" forName="vertOne" refType="w"/>
+      <dgm:constr type="w" for="des" forName="horzOne" refType="w"/>
+      <dgm:constr type="w" for="des" forName="txOne" refType="w"/>
+      <dgm:constr type="w" for="des" forName="vertTwo" refType="w"/>
+      <dgm:constr type="w" for="des" forName="horzTwo" refType="w"/>
+      <dgm:constr type="w" for="des" forName="txTwo" refType="w"/>
+      <dgm:constr type="w" for="des" forName="vertThree" refType="w"/>
+      <dgm:constr type="w" for="des" forName="horzThree" refType="w"/>
+      <dgm:constr type="w" for="des" forName="txThree" refType="w"/>
+      <dgm:constr type="w" for="des" forName="vertFour" refType="w"/>
+      <dgm:constr type="w" for="des" forName="horzFour" refType="w"/>
+      <dgm:constr type="w" for="des" forName="txFour" refType="w"/>
+      <dgm:constr type="h" for="des" ptType="node" op="equ"/>
+      <dgm:constr type="h" for="des" forName="txOne" refType="h"/>
+      <dgm:constr type="userH" for="des" ptType="node" refType="h" refFor="des" refForName="txOne"/>
+      <dgm:constr type="primFontSz" for="des" forName="txOne" val="65"/>
+      <dgm:constr type="primFontSz" for="des" forName="txTwo" val="65"/>
+      <dgm:constr type="primFontSz" for="des" forName="txTwo" refType="primFontSz" refFor="des" refForName="txOne" op="lte"/>
+      <dgm:constr type="primFontSz" for="des" forName="txThree" val="65"/>
+      <dgm:constr type="primFontSz" for="des" forName="txThree" refType="primFontSz" refFor="des" refForName="txOne" op="lte"/>
+      <dgm:constr type="primFontSz" for="des" forName="txThree" refType="primFontSz" refFor="des" refForName="txTwo" op="lte"/>
+      <dgm:constr type="primFontSz" for="des" forName="txFour" val="65"/>
+      <dgm:constr type="primFontSz" for="des" forName="txFour" refType="primFontSz" refFor="des" refForName="txOne" op="lte"/>
+      <dgm:constr type="primFontSz" for="des" forName="txFour" refType="primFontSz" refFor="des" refForName="txTwo" op="lte"/>
+      <dgm:constr type="primFontSz" for="des" forName="txFour" refType="primFontSz" refFor="des" refForName="txThree" op="lte"/>
+      <dgm:constr type="w" for="des" forName="sibSpaceOne" refType="w" fact="0.168"/>
+      <dgm:constr type="w" for="des" forName="sibSpaceTwo" refType="w" refFor="des" refForName="sibSpaceOne" op="equ" fact="0.5"/>
+      <dgm:constr type="w" for="des" forName="sibSpaceThree" refType="w" refFor="des" refForName="sibSpaceTwo" op="equ" fact="0.5"/>
+      <dgm:constr type="w" for="des" forName="sibSpaceFour" refType="w" refFor="des" refForName="sibSpaceThree" op="equ" fact="0.5"/>
+      <dgm:constr type="h" for="des" forName="parTransOne" refType="w" fact="0.056"/>
+      <dgm:constr type="h" for="des" forName="parTransTwo" refType="h" refFor="des" refForName="parTransOne" op="equ"/>
+      <dgm:constr type="h" for="des" forName="parTransThree" refType="h" refFor="des" refForName="parTransTwo" op="equ"/>
+      <dgm:constr type="h" for="des" forName="parTransFour" refType="h" refFor="des" refForName="parTransThree" op="equ"/>
     </dgm:constrLst>
     <dgm:ruleLst/>
-    <dgm:forEach name="nodesForEach" axis="ch" ptType="node">
-      <dgm:layoutNode name="node">
-        <dgm:varLst>
-          <dgm:bulletEnabled val="1"/>
-        </dgm:varLst>
-        <dgm:alg type="tx"/>
-        <dgm:shape xmlns:r="http://schemas.openxmlformats.org/officeDocument/2006/relationships" type="roundRect" r:blip="">
-          <dgm:adjLst>
-            <dgm:adj idx="1" val="0.1"/>
-          </dgm:adjLst>
+    <dgm:forEach name="Name4" axis="ch" ptType="node">
+      <dgm:layoutNode name="vertOne">
+        <dgm:alg type="lin">
+          <dgm:param type="linDir" val="fromT"/>
+        </dgm:alg>
+        <dgm:shape xmlns:r="http://schemas.openxmlformats.org/officeDocument/2006/relationships" r:blip="">
+          <dgm:adjLst/>
         </dgm:shape>
-        <dgm:presOf axis="desOrSelf" ptType="node"/>
+        <dgm:presOf/>
         <dgm:constrLst>
-          <dgm:constr type="h" refType="w" fact="0.6"/>
-          <dgm:constr type="tMarg" refType="primFontSz" fact="0.3"/>
-          <dgm:constr type="bMarg" refType="primFontSz" fact="0.3"/>
-          <dgm:constr type="lMarg" refType="primFontSz" fact="0.3"/>
-          <dgm:constr type="rMarg" refType="primFontSz" fact="0.3"/>
+          <dgm:constr type="w" for="ch" forName="txOne" refType="w" refFor="ch" refForName="horzOne" op="gte"/>
         </dgm:constrLst>
-        <dgm:ruleLst>
-          <dgm:rule type="primFontSz" val="18" fact="NaN" max="NaN"/>
-          <dgm:rule type="h" val="NaN" fact="1.5" max="NaN"/>
-          <dgm:rule type="primFontSz" val="5" fact="NaN" max="NaN"/>
-          <dgm:rule type="h" val="INF" fact="NaN" max="NaN"/>
-        </dgm:ruleLst>
-      </dgm:layoutNode>
-      <dgm:forEach name="sibTransForEach" axis="followSib" ptType="sibTrans" cnt="1">
-        <dgm:layoutNode name="sibTrans">
-          <dgm:alg type="conn">
-            <dgm:param type="begPts" val="auto"/>
-            <dgm:param type="endPts" val="auto"/>
-          </dgm:alg>
-          <dgm:shape xmlns:r="http://schemas.openxmlformats.org/officeDocument/2006/relationships" type="conn" r:blip="">
-            <dgm:adjLst/>
+        <dgm:ruleLst/>
+        <dgm:layoutNode name="txOne" styleLbl="node0">
+          <dgm:varLst>
+            <dgm:chPref val="3"/>
+          </dgm:varLst>
+          <dgm:alg type="tx"/>
+          <dgm:shape xmlns:r="http://schemas.openxmlformats.org/officeDocument/2006/relationships" type="roundRect" r:blip="">
+            <dgm:adjLst>
+              <dgm:adj idx="1" val="0.1"/>
+            </dgm:adjLst>
           </dgm:shape>
           <dgm:presOf axis="self"/>
           <dgm:constrLst>
-            <dgm:constr type="h" refType="w" fact="0.62"/>
-            <dgm:constr type="connDist"/>
-            <dgm:constr type="begPad" refType="connDist" fact="0.25"/>
-            <dgm:constr type="endPad" refType="connDist" fact="0.22"/>
+            <dgm:constr type="tMarg" refType="primFontSz" fact="0.3"/>
+            <dgm:constr type="bMarg" refType="primFontSz" fact="0.3"/>
+            <dgm:constr type="lMarg" refType="primFontSz" fact="0.3"/>
+            <dgm:constr type="rMarg" refType="primFontSz" fact="0.3"/>
           </dgm:constrLst>
-          <dgm:ruleLst/>
-          <dgm:layoutNode name="connectorText">
-            <dgm:alg type="tx">
-              <dgm:param type="autoTxRot" val="grav"/>
-            </dgm:alg>
-            <dgm:shape xmlns:r="http://schemas.openxmlformats.org/officeDocument/2006/relationships" type="conn" r:blip="" hideGeom="1">
-              <dgm:adjLst/>
-            </dgm:shape>
-            <dgm:presOf axis="self"/>
-            <dgm:constrLst>
-              <dgm:constr type="lMarg"/>
-              <dgm:constr type="rMarg"/>
-              <dgm:constr type="tMarg"/>
-              <dgm:constr type="bMarg"/>
-            </dgm:constrLst>
-            <dgm:ruleLst>
-              <dgm:rule type="primFontSz" val="5" fact="NaN" max="NaN"/>
-            </dgm:ruleLst>
-          </dgm:layoutNode>
+          <dgm:ruleLst>
+            <dgm:rule type="primFontSz" val="5" fact="NaN" max="NaN"/>
+          </dgm:ruleLst>
         </dgm:layoutNode>
-      </dgm:forEach>
+        <dgm:choose name="Name5">
+          <dgm:if name="Name6" axis="des" ptType="node" func="cnt" op="gt" val="0">
+            <dgm:layoutNode name="parTransOne">
+              <dgm:alg type="sp"/>
+              <dgm:shape xmlns:r="http://schemas.openxmlformats.org/officeDocument/2006/relationships" r:blip="">
+                <dgm:adjLst/>
+              </dgm:shape>
+              <dgm:presOf/>
+              <dgm:constrLst/>
+              <dgm:ruleLst/>
+            </dgm:layoutNode>
+          </dgm:if>
+          <dgm:else name="Name7"/>
+        </dgm:choose>
+        <dgm:layoutNode name="horzOne">
+          <dgm:choose name="Name8">
+            <dgm:if name="Name9" func="var" arg="dir" op="equ" val="norm">
+              <dgm:alg type="lin">
+                <dgm:param type="linDir" val="fromL"/>
+                <dgm:param type="nodeVertAlign" val="t"/>
+              </dgm:alg>
+            </dgm:if>
+            <dgm:else name="Name10">
+              <dgm:alg type="lin">
+                <dgm:param type="linDir" val="fromR"/>
+                <dgm:param type="nodeVertAlign" val="t"/>
+              </dgm:alg>
+            </dgm:else>
+          </dgm:choose>
+          <dgm:shape xmlns:r="http://schemas.openxmlformats.org/officeDocument/2006/relationships" r:blip="">
+            <dgm:adjLst/>
+          </dgm:shape>
+          <dgm:presOf/>
+          <dgm:constrLst/>
+          <dgm:ruleLst>
+            <dgm:rule type="w" val="INF" fact="NaN" max="NaN"/>
+          </dgm:ruleLst>
+          <dgm:forEach name="Name11" axis="ch" ptType="node">
+            <dgm:layoutNode name="vertTwo">
+              <dgm:alg type="lin">
+                <dgm:param type="linDir" val="fromT"/>
+              </dgm:alg>
+              <dgm:shape xmlns:r="http://schemas.openxmlformats.org/officeDocument/2006/relationships" r:blip="">
+                <dgm:adjLst/>
+              </dgm:shape>
+              <dgm:presOf/>
+              <dgm:constrLst>
+                <dgm:constr type="w" for="ch" forName="txTwo" refType="w" refFor="ch" refForName="horzTwo" op="gte"/>
+              </dgm:constrLst>
+              <dgm:ruleLst/>
+              <dgm:layoutNode name="txTwo">
+                <dgm:varLst>
+                  <dgm:chPref val="3"/>
+                </dgm:varLst>
+                <dgm:alg type="tx"/>
+                <dgm:shape xmlns:r="http://schemas.openxmlformats.org/officeDocument/2006/relationships" type="roundRect" r:blip="">
+                  <dgm:adjLst>
+                    <dgm:adj idx="1" val="0.1"/>
+                  </dgm:adjLst>
+                </dgm:shape>
+                <dgm:presOf axis="self"/>
+                <dgm:constrLst>
+                  <dgm:constr type="userH"/>
+                  <dgm:constr type="h" refType="userH"/>
+                  <dgm:constr type="tMarg" refType="primFontSz" fact="0.3"/>
+                  <dgm:constr type="bMarg" refType="primFontSz" fact="0.3"/>
+                  <dgm:constr type="lMarg" refType="primFontSz" fact="0.3"/>
+                  <dgm:constr type="rMarg" refType="primFontSz" fact="0.3"/>
+                </dgm:constrLst>
+                <dgm:ruleLst>
+                  <dgm:rule type="primFontSz" val="5" fact="NaN" max="NaN"/>
+                </dgm:ruleLst>
+              </dgm:layoutNode>
+              <dgm:choose name="Name12">
+                <dgm:if name="Name13" axis="des" ptType="node" func="cnt" op="gt" val="0">
+                  <dgm:layoutNode name="parTransTwo">
+                    <dgm:alg type="sp"/>
+                    <dgm:shape xmlns:r="http://schemas.openxmlformats.org/officeDocument/2006/relationships" r:blip="">
+                      <dgm:adjLst/>
+                    </dgm:shape>
+                    <dgm:presOf/>
+                    <dgm:constrLst/>
+                    <dgm:ruleLst/>
+                  </dgm:layoutNode>
+                </dgm:if>
+                <dgm:else name="Name14"/>
+              </dgm:choose>
+              <dgm:layoutNode name="horzTwo">
+                <dgm:choose name="Name15">
+                  <dgm:if name="Name16" func="var" arg="dir" op="equ" val="norm">
+                    <dgm:alg type="lin">
+                      <dgm:param type="linDir" val="fromL"/>
+                      <dgm:param type="nodeVertAlign" val="t"/>
+                    </dgm:alg>
+                  </dgm:if>
+                  <dgm:else name="Name17">
+                    <dgm:alg type="lin">
+                      <dgm:param type="linDir" val="fromR"/>
+                      <dgm:param type="nodeVertAlign" val="t"/>
+                    </dgm:alg>
+                  </dgm:else>
+                </dgm:choose>
+                <dgm:shape xmlns:r="http://schemas.openxmlformats.org/officeDocument/2006/relationships" r:blip="">
+                  <dgm:adjLst/>
+                </dgm:shape>
+                <dgm:presOf/>
+                <dgm:constrLst/>
+                <dgm:ruleLst>
+                  <dgm:rule type="w" val="INF" fact="NaN" max="NaN"/>
+                </dgm:ruleLst>
+                <dgm:forEach name="Name18" axis="ch" ptType="node">
+                  <dgm:layoutNode name="vertThree">
+                    <dgm:alg type="lin">
+                      <dgm:param type="linDir" val="fromT"/>
+                    </dgm:alg>
+                    <dgm:shape xmlns:r="http://schemas.openxmlformats.org/officeDocument/2006/relationships" r:blip="">
+                      <dgm:adjLst/>
+                    </dgm:shape>
+                    <dgm:presOf/>
+                    <dgm:constrLst>
+                      <dgm:constr type="w" for="ch" forName="txThree" refType="w" refFor="ch" refForName="horzThree" op="gte"/>
+                    </dgm:constrLst>
+                    <dgm:ruleLst/>
+                    <dgm:layoutNode name="txThree">
+                      <dgm:varLst>
+                        <dgm:chPref val="3"/>
+                      </dgm:varLst>
+                      <dgm:alg type="tx"/>
+                      <dgm:shape xmlns:r="http://schemas.openxmlformats.org/officeDocument/2006/relationships" type="roundRect" r:blip="">
+                        <dgm:adjLst>
+                          <dgm:adj idx="1" val="0.1"/>
+                        </dgm:adjLst>
+                      </dgm:shape>
+                      <dgm:presOf axis="self"/>
+                      <dgm:constrLst>
+                        <dgm:constr type="userH"/>
+                        <dgm:constr type="h" refType="userH"/>
+                        <dgm:constr type="tMarg" refType="primFontSz" fact="0.3"/>
+                        <dgm:constr type="bMarg" refType="primFontSz" fact="0.3"/>
+                        <dgm:constr type="lMarg" refType="primFontSz" fact="0.3"/>
+                        <dgm:constr type="rMarg" refType="primFontSz" fact="0.3"/>
+                      </dgm:constrLst>
+                      <dgm:ruleLst>
+                        <dgm:rule type="primFontSz" val="5" fact="NaN" max="NaN"/>
+                      </dgm:ruleLst>
+                    </dgm:layoutNode>
+                    <dgm:choose name="Name19">
+                      <dgm:if name="Name20" axis="des" ptType="node" func="cnt" op="gt" val="0">
+                        <dgm:layoutNode name="parTransThree">
+                          <dgm:alg type="sp"/>
+                          <dgm:shape xmlns:r="http://schemas.openxmlformats.org/officeDocument/2006/relationships" r:blip="">
+                            <dgm:adjLst/>
+                          </dgm:shape>
+                          <dgm:presOf/>
+                          <dgm:constrLst/>
+                          <dgm:ruleLst/>
+                        </dgm:layoutNode>
+                      </dgm:if>
+                      <dgm:else name="Name21"/>
+                    </dgm:choose>
+                    <dgm:layoutNode name="horzThree">
+                      <dgm:choose name="Name22">
+                        <dgm:if name="Name23" func="var" arg="dir" op="equ" val="norm">
+                          <dgm:alg type="lin">
+                            <dgm:param type="linDir" val="fromL"/>
+                            <dgm:param type="nodeVertAlign" val="t"/>
+                          </dgm:alg>
+                        </dgm:if>
+                        <dgm:else name="Name24">
+                          <dgm:alg type="lin">
+                            <dgm:param type="linDir" val="fromR"/>
+                            <dgm:param type="nodeVertAlign" val="t"/>
+                          </dgm:alg>
+                        </dgm:else>
+                      </dgm:choose>
+                      <dgm:shape xmlns:r="http://schemas.openxmlformats.org/officeDocument/2006/relationships" r:blip="">
+                        <dgm:adjLst/>
+                      </dgm:shape>
+                      <dgm:presOf/>
+                      <dgm:constrLst/>
+                      <dgm:ruleLst>
+                        <dgm:rule type="w" val="INF" fact="NaN" max="NaN"/>
+                      </dgm:ruleLst>
+                      <dgm:forEach name="repeat" axis="ch" ptType="node">
+                        <dgm:layoutNode name="vertFour">
+                          <dgm:varLst>
+                            <dgm:chPref val="3"/>
+                          </dgm:varLst>
+                          <dgm:alg type="lin">
+                            <dgm:param type="linDir" val="fromT"/>
+                          </dgm:alg>
+                          <dgm:shape xmlns:r="http://schemas.openxmlformats.org/officeDocument/2006/relationships" r:blip="">
+                            <dgm:adjLst/>
+                          </dgm:shape>
+                          <dgm:presOf/>
+                          <dgm:constrLst>
+                            <dgm:constr type="w" for="ch" forName="txFour" refType="w" refFor="ch" refForName="horzFour" op="gte"/>
+                          </dgm:constrLst>
+                          <dgm:ruleLst/>
+                          <dgm:layoutNode name="txFour">
+                            <dgm:varLst>
+                              <dgm:chPref val="3"/>
+                            </dgm:varLst>
+                            <dgm:alg type="tx"/>
+                            <dgm:shape xmlns:r="http://schemas.openxmlformats.org/officeDocument/2006/relationships" type="roundRect" r:blip="">
+                              <dgm:adjLst>
+                                <dgm:adj idx="1" val="0.1"/>
+                              </dgm:adjLst>
+                            </dgm:shape>
+                            <dgm:presOf axis="self"/>
+                            <dgm:constrLst>
+                              <dgm:constr type="userH"/>
+                              <dgm:constr type="h" refType="userH"/>
+                              <dgm:constr type="tMarg" refType="primFontSz" fact="0.3"/>
+                              <dgm:constr type="bMarg" refType="primFontSz" fact="0.3"/>
+                              <dgm:constr type="lMarg" refType="primFontSz" fact="0.3"/>
+                              <dgm:constr type="rMarg" refType="primFontSz" fact="0.3"/>
+                            </dgm:constrLst>
+                            <dgm:ruleLst>
+                              <dgm:rule type="primFontSz" val="5" fact="NaN" max="NaN"/>
+                            </dgm:ruleLst>
+                          </dgm:layoutNode>
+                          <dgm:choose name="Name25">
+                            <dgm:if name="Name26" axis="des" ptType="node" func="cnt" op="gt" val="0">
+                              <dgm:layoutNode name="parTransFour">
+                                <dgm:alg type="sp"/>
+                                <dgm:shape xmlns:r="http://schemas.openxmlformats.org/officeDocument/2006/relationships" r:blip="">
+                                  <dgm:adjLst/>
+                                </dgm:shape>
+                                <dgm:presOf/>
+                                <dgm:constrLst/>
+                                <dgm:ruleLst/>
+                              </dgm:layoutNode>
+                            </dgm:if>
+                            <dgm:else name="Name27"/>
+                          </dgm:choose>
+                          <dgm:layoutNode name="horzFour">
+                            <dgm:choose name="Name28">
+                              <dgm:if name="Name29" func="var" arg="dir" op="equ" val="norm">
+                                <dgm:alg type="lin">
+                                  <dgm:param type="linDir" val="fromL"/>
+                                  <dgm:param type="nodeVertAlign" val="t"/>
+                                </dgm:alg>
+                              </dgm:if>
+                              <dgm:else name="Name30">
+                                <dgm:alg type="lin">
+                                  <dgm:param type="linDir" val="fromR"/>
+                                  <dgm:param type="nodeVertAlign" val="t"/>
+                                </dgm:alg>
+                              </dgm:else>
+                            </dgm:choose>
+                            <dgm:shape xmlns:r="http://schemas.openxmlformats.org/officeDocument/2006/relationships" r:blip="">
+                              <dgm:adjLst/>
+                            </dgm:shape>
+                            <dgm:presOf/>
+                            <dgm:constrLst/>
+                            <dgm:ruleLst>
+                              <dgm:rule type="w" val="INF" fact="NaN" max="NaN"/>
+                            </dgm:ruleLst>
+                            <dgm:forEach name="Name31" ref="repeat"/>
+                          </dgm:layoutNode>
+                        </dgm:layoutNode>
+                        <dgm:choose name="Name32">
+                          <dgm:if name="Name33" axis="self" ptType="node" func="revPos" op="gte" val="2">
+                            <dgm:forEach name="Name34" axis="followSib" ptType="sibTrans" cnt="1">
+                              <dgm:layoutNode name="sibSpaceFour">
+                                <dgm:alg type="sp"/>
+                                <dgm:shape xmlns:r="http://schemas.openxmlformats.org/officeDocument/2006/relationships" r:blip="">
+                                  <dgm:adjLst/>
+                                </dgm:shape>
+                                <dgm:presOf/>
+                                <dgm:constrLst/>
+                                <dgm:ruleLst/>
+                              </dgm:layoutNode>
+                            </dgm:forEach>
+                          </dgm:if>
+                          <dgm:else name="Name35"/>
+                        </dgm:choose>
+                      </dgm:forEach>
+                    </dgm:layoutNode>
+                  </dgm:layoutNode>
+                  <dgm:choose name="Name36">
+                    <dgm:if name="Name37" axis="self" ptType="node" func="revPos" op="gte" val="2">
+                      <dgm:forEach name="Name38" axis="followSib" ptType="sibTrans" cnt="1">
+                        <dgm:layoutNode name="sibSpaceThree">
+                          <dgm:alg type="sp"/>
+                          <dgm:shape xmlns:r="http://schemas.openxmlformats.org/officeDocument/2006/relationships" r:blip="">
+                            <dgm:adjLst/>
+                          </dgm:shape>
+                          <dgm:presOf/>
+                          <dgm:constrLst/>
+                          <dgm:ruleLst/>
+                        </dgm:layoutNode>
+                      </dgm:forEach>
+                    </dgm:if>
+                    <dgm:else name="Name39"/>
+                  </dgm:choose>
+                </dgm:forEach>
+              </dgm:layoutNode>
+            </dgm:layoutNode>
+            <dgm:choose name="Name40">
+              <dgm:if name="Name41" axis="self" ptType="node" func="revPos" op="gte" val="2">
+                <dgm:forEach name="Name42" axis="followSib" ptType="sibTrans" cnt="1">
+                  <dgm:layoutNode name="sibSpaceTwo">
+                    <dgm:alg type="sp"/>
+                    <dgm:shape xmlns:r="http://schemas.openxmlformats.org/officeDocument/2006/relationships" r:blip="">
+                      <dgm:adjLst/>
+                    </dgm:shape>
+                    <dgm:presOf/>
+                    <dgm:constrLst/>
+                    <dgm:ruleLst/>
+                  </dgm:layoutNode>
+                </dgm:forEach>
+              </dgm:if>
+              <dgm:else name="Name43"/>
+            </dgm:choose>
+          </dgm:forEach>
+        </dgm:layoutNode>
+      </dgm:layoutNode>
+      <dgm:choose name="Name44">
+        <dgm:if name="Name45" axis="self" ptType="node" func="revPos" op="gte" val="2">
+          <dgm:forEach name="Name46" axis="followSib" ptType="sibTrans" cnt="1">
+            <dgm:layoutNode name="sibSpaceOne">
+              <dgm:alg type="sp"/>
+              <dgm:shape xmlns:r="http://schemas.openxmlformats.org/officeDocument/2006/relationships" r:blip="">
+                <dgm:adjLst/>
+              </dgm:shape>
+              <dgm:presOf/>
+              <dgm:constrLst/>
+              <dgm:ruleLst/>
+            </dgm:layoutNode>
+          </dgm:forEach>
+        </dgm:if>
+        <dgm:else name="Name47"/>
+      </dgm:choose>
     </dgm:forEach>
   </dgm:layoutNode>
 </dgm:layoutDef>
@@ -2716,7 +3639,7 @@
           <a:p>
             <a:fld id="{7B7A28CD-82A6-451A-9ECC-C5B68CB99823}" type="datetimeFigureOut">
               <a:rPr lang="de-DE" smtClean="0"/>
-              <a:t>12.12.2019</a:t>
+              <a:t>24.12.2019</a:t>
             </a:fld>
             <a:endParaRPr lang="de-DE"/>
           </a:p>
@@ -2983,6 +3906,93 @@
 </p:notesMaster>
 </file>
 
+<file path=ppt/notesSlides/notesSlide1.xml><?xml version="1.0" encoding="utf-8"?>
+<p:notes xmlns:a="http://schemas.openxmlformats.org/drawingml/2006/main" xmlns:r="http://schemas.openxmlformats.org/officeDocument/2006/relationships" xmlns:p="http://schemas.openxmlformats.org/presentationml/2006/main">
+  <p:cSld>
+    <p:spTree>
+      <p:nvGrpSpPr>
+        <p:cNvPr id="1" name=""/>
+        <p:cNvGrpSpPr/>
+        <p:nvPr/>
+      </p:nvGrpSpPr>
+      <p:grpSpPr>
+        <a:xfrm>
+          <a:off x="0" y="0"/>
+          <a:ext cx="0" cy="0"/>
+          <a:chOff x="0" y="0"/>
+          <a:chExt cx="0" cy="0"/>
+        </a:xfrm>
+      </p:grpSpPr>
+      <p:sp>
+        <p:nvSpPr>
+          <p:cNvPr id="2" name="Folienbildplatzhalter 1"/>
+          <p:cNvSpPr>
+            <a:spLocks noGrp="1" noRot="1" noChangeAspect="1"/>
+          </p:cNvSpPr>
+          <p:nvPr>
+            <p:ph type="sldImg"/>
+          </p:nvPr>
+        </p:nvSpPr>
+        <p:spPr/>
+      </p:sp>
+      <p:sp>
+        <p:nvSpPr>
+          <p:cNvPr id="3" name="Notizenplatzhalter 2"/>
+          <p:cNvSpPr>
+            <a:spLocks noGrp="1"/>
+          </p:cNvSpPr>
+          <p:nvPr>
+            <p:ph type="body" idx="1"/>
+          </p:nvPr>
+        </p:nvSpPr>
+        <p:spPr/>
+        <p:txBody>
+          <a:bodyPr/>
+          <a:lstStyle/>
+          <a:p>
+            <a:r>
+              <a:rPr lang="de-DE" dirty="0"/>
+              <a:t>Warum modifiziert? Nicht eigen, sondern nur angepasst</a:t>
+            </a:r>
+          </a:p>
+        </p:txBody>
+      </p:sp>
+      <p:sp>
+        <p:nvSpPr>
+          <p:cNvPr id="4" name="Foliennummernplatzhalter 3"/>
+          <p:cNvSpPr>
+            <a:spLocks noGrp="1"/>
+          </p:cNvSpPr>
+          <p:nvPr>
+            <p:ph type="sldNum" sz="quarter" idx="5"/>
+          </p:nvPr>
+        </p:nvSpPr>
+        <p:spPr/>
+        <p:txBody>
+          <a:bodyPr/>
+          <a:lstStyle/>
+          <a:p>
+            <a:fld id="{7EE4654F-3241-414A-B441-28AFE5B57905}" type="slidenum">
+              <a:rPr lang="de-DE" smtClean="0"/>
+              <a:t>13</a:t>
+            </a:fld>
+            <a:endParaRPr lang="de-DE"/>
+          </a:p>
+        </p:txBody>
+      </p:sp>
+    </p:spTree>
+    <p:extLst>
+      <p:ext uri="{BB962C8B-B14F-4D97-AF65-F5344CB8AC3E}">
+        <p14:creationId xmlns:p14="http://schemas.microsoft.com/office/powerpoint/2010/main" val="2394374613"/>
+      </p:ext>
+    </p:extLst>
+  </p:cSld>
+  <p:clrMapOvr>
+    <a:masterClrMapping/>
+  </p:clrMapOvr>
+</p:notes>
+</file>
+
 <file path=ppt/slideLayouts/slideLayout1.xml><?xml version="1.0" encoding="utf-8"?>
 <p:sldLayout xmlns:a="http://schemas.openxmlformats.org/drawingml/2006/main" xmlns:r="http://schemas.openxmlformats.org/officeDocument/2006/relationships" xmlns:p="http://schemas.openxmlformats.org/presentationml/2006/main" preserve="1" userDrawn="1">
   <p:cSld name="Titelfolie">
@@ -3398,7 +4408,7 @@
           <a:p>
             <a:fld id="{64F9F675-049C-4039-886A-7641A3ED83AA}" type="datetime1">
               <a:rPr lang="de-DE" smtClean="0"/>
-              <a:t>12.12.2019</a:t>
+              <a:t>24.12.2019</a:t>
             </a:fld>
             <a:endParaRPr lang="de-DE" dirty="0"/>
           </a:p>
@@ -3580,7 +4590,7 @@
           <a:p>
             <a:fld id="{EF008B3B-8C86-4F35-BCD4-3D71CCC6220B}" type="datetime1">
               <a:rPr lang="de-DE" smtClean="0"/>
-              <a:t>12.12.2019</a:t>
+              <a:t>24.12.2019</a:t>
             </a:fld>
             <a:endParaRPr lang="de-DE"/>
           </a:p>
@@ -4034,7 +5044,7 @@
           <a:p>
             <a:fld id="{46C1CA06-F658-4220-8BC8-8FCF6253DAE1}" type="datetime1">
               <a:rPr lang="de-DE" smtClean="0"/>
-              <a:t>12.12.2019</a:t>
+              <a:t>24.12.2019</a:t>
             </a:fld>
             <a:endParaRPr lang="de-DE"/>
           </a:p>
@@ -4826,7 +5836,7 @@
           <a:p>
             <a:fld id="{4F6382F7-6B8A-47B3-AA70-C81E5D8F4180}" type="datetime1">
               <a:rPr lang="de-DE" smtClean="0"/>
-              <a:t>12.12.2019</a:t>
+              <a:t>24.12.2019</a:t>
             </a:fld>
             <a:endParaRPr lang="de-DE"/>
           </a:p>
@@ -5538,7 +6548,7 @@
           <a:p>
             <a:fld id="{6CFE6BEC-159F-4167-8F4D-D508A4F668F1}" type="datetime1">
               <a:rPr lang="de-DE" smtClean="0"/>
-              <a:t>12.12.2019</a:t>
+              <a:t>24.12.2019</a:t>
             </a:fld>
             <a:endParaRPr lang="de-DE"/>
           </a:p>
@@ -5969,7 +6979,7 @@
           <a:p>
             <a:fld id="{0650A090-A051-46A1-8797-56EEC00D0A83}" type="datetime1">
               <a:rPr lang="de-DE" smtClean="0"/>
-              <a:t>12.12.2019</a:t>
+              <a:t>24.12.2019</a:t>
             </a:fld>
             <a:endParaRPr lang="de-DE"/>
           </a:p>
@@ -6401,7 +7411,7 @@
           <a:p>
             <a:fld id="{76147A52-9CE4-4E84-B5AD-2E19D43BDEB9}" type="datetime1">
               <a:rPr lang="de-DE" smtClean="0"/>
-              <a:t>12.12.2019</a:t>
+              <a:t>24.12.2019</a:t>
             </a:fld>
             <a:endParaRPr lang="de-DE"/>
           </a:p>
@@ -6804,7 +7814,7 @@
           <a:p>
             <a:fld id="{088C7F9A-48FF-4E97-A5D8-34ABB2AA95D7}" type="datetime1">
               <a:rPr lang="de-DE" smtClean="0"/>
-              <a:t>12.12.2019</a:t>
+              <a:t>24.12.2019</a:t>
             </a:fld>
             <a:endParaRPr lang="de-DE"/>
           </a:p>
@@ -7255,7 +8265,7 @@
           <a:p>
             <a:fld id="{89EBD14D-9873-4385-9F14-4BFEE858A98C}" type="datetime1">
               <a:rPr lang="de-DE" smtClean="0"/>
-              <a:t>12.12.2019</a:t>
+              <a:t>24.12.2019</a:t>
             </a:fld>
             <a:endParaRPr lang="de-DE" dirty="0"/>
           </a:p>
@@ -8201,7 +9211,7 @@
           <a:p>
             <a:fld id="{F91931D6-F9D8-406D-9851-24FA674187DB}" type="datetime1">
               <a:rPr lang="de-DE" smtClean="0"/>
-              <a:t>12.12.2019</a:t>
+              <a:t>24.12.2019</a:t>
             </a:fld>
             <a:endParaRPr lang="de-DE" dirty="0"/>
           </a:p>
@@ -8333,43 +9343,250 @@
           <a:chExt cx="0" cy="0"/>
         </a:xfrm>
       </p:grpSpPr>
-      <p:graphicFrame>
-        <p:nvGraphicFramePr>
-          <p:cNvPr id="8" name="Inhaltsplatzhalter 7">
+      <p:sp>
+        <p:nvSpPr>
+          <p:cNvPr id="2" name="Inhaltsplatzhalter 1">
             <a:extLst>
               <a:ext uri="{FF2B5EF4-FFF2-40B4-BE49-F238E27FC236}">
-                <a16:creationId xmlns:a16="http://schemas.microsoft.com/office/drawing/2014/main" id="{FBF90D89-FC18-44EB-B2E5-11BAEC0F4E16}"/>
+                <a16:creationId xmlns:a16="http://schemas.microsoft.com/office/drawing/2014/main" id="{28371C8F-013F-429B-B5EB-9A006F85AC7F}"/>
               </a:ext>
             </a:extLst>
           </p:cNvPr>
-          <p:cNvGraphicFramePr>
-            <a:graphicFrameLocks noGrp="1"/>
-          </p:cNvGraphicFramePr>
+          <p:cNvSpPr>
+            <a:spLocks noGrp="1"/>
+          </p:cNvSpPr>
           <p:nvPr>
             <p:ph idx="1"/>
-            <p:extLst>
-              <p:ext uri="{D42A27DB-BD31-4B8C-83A1-F6EECF244321}">
-                <p14:modId xmlns:p14="http://schemas.microsoft.com/office/powerpoint/2010/main" val="578986704"/>
-              </p:ext>
-            </p:extLst>
           </p:nvPr>
-        </p:nvGraphicFramePr>
-        <p:xfrm>
-          <a:off x="1784283" y="1701063"/>
-          <a:ext cx="8623434" cy="3886150"/>
-        </p:xfrm>
-        <a:graphic>
-          <a:graphicData uri="http://schemas.openxmlformats.org/drawingml/2006/diagram">
-            <dgm:relIds xmlns:dgm="http://schemas.openxmlformats.org/drawingml/2006/diagram" xmlns:r="http://schemas.openxmlformats.org/officeDocument/2006/relationships" r:dm="rId2" r:lo="rId3" r:qs="rId4" r:cs="rId5"/>
-          </a:graphicData>
-        </a:graphic>
-      </p:graphicFrame>
+        </p:nvSpPr>
+        <p:spPr>
+          <a:xfrm>
+            <a:off x="275208" y="1825625"/>
+            <a:ext cx="11603114" cy="4351338"/>
+          </a:xfrm>
+        </p:spPr>
+        <p:txBody>
+          <a:bodyPr/>
+          <a:lstStyle/>
+          <a:p>
+            <a:pPr>
+              <a:lnSpc>
+                <a:spcPct val="100000"/>
+              </a:lnSpc>
+              <a:spcBef>
+                <a:spcPts val="1500"/>
+              </a:spcBef>
+            </a:pPr>
+            <a:r>
+              <a:rPr lang="de-DE" dirty="0">
+                <a:latin typeface="Trebuchet MS" panose="020B0603020202020204" pitchFamily="34" charset="0"/>
+              </a:rPr>
+              <a:t>Hauptklasse „</a:t>
+            </a:r>
+            <a:r>
+              <a:rPr lang="de-DE" b="1" i="1" dirty="0" err="1">
+                <a:latin typeface="Trebuchet MS" panose="020B0603020202020204" pitchFamily="34" charset="0"/>
+              </a:rPr>
+              <a:t>NordwindTool</a:t>
+            </a:r>
+            <a:r>
+              <a:rPr lang="de-DE" dirty="0">
+                <a:latin typeface="Trebuchet MS" panose="020B0603020202020204" pitchFamily="34" charset="0"/>
+              </a:rPr>
+              <a:t>“ – definiert das JFrame</a:t>
+            </a:r>
+          </a:p>
+          <a:p>
+            <a:pPr>
+              <a:lnSpc>
+                <a:spcPct val="100000"/>
+              </a:lnSpc>
+              <a:spcBef>
+                <a:spcPts val="1500"/>
+              </a:spcBef>
+            </a:pPr>
+            <a:r>
+              <a:rPr lang="de-DE" dirty="0">
+                <a:latin typeface="Trebuchet MS" panose="020B0603020202020204" pitchFamily="34" charset="0"/>
+              </a:rPr>
+              <a:t>Klasse „</a:t>
+            </a:r>
+            <a:r>
+              <a:rPr lang="de-DE" b="1" i="1" dirty="0">
+                <a:latin typeface="Trebuchet MS" panose="020B0603020202020204" pitchFamily="34" charset="0"/>
+              </a:rPr>
+              <a:t>Menu</a:t>
+            </a:r>
+            <a:r>
+              <a:rPr lang="de-DE" dirty="0">
+                <a:latin typeface="Trebuchet MS" panose="020B0603020202020204" pitchFamily="34" charset="0"/>
+              </a:rPr>
+              <a:t>“ – definiert Funktionen und Aufbau des </a:t>
+            </a:r>
+            <a:r>
+              <a:rPr lang="de-DE" dirty="0" err="1">
+                <a:latin typeface="Trebuchet MS" panose="020B0603020202020204" pitchFamily="34" charset="0"/>
+              </a:rPr>
+              <a:t>JMenus</a:t>
+            </a:r>
+            <a:endParaRPr lang="de-DE" dirty="0">
+              <a:latin typeface="Trebuchet MS" panose="020B0603020202020204" pitchFamily="34" charset="0"/>
+            </a:endParaRPr>
+          </a:p>
+          <a:p>
+            <a:pPr>
+              <a:lnSpc>
+                <a:spcPct val="100000"/>
+              </a:lnSpc>
+              <a:spcBef>
+                <a:spcPts val="1500"/>
+              </a:spcBef>
+            </a:pPr>
+            <a:r>
+              <a:rPr lang="de-DE" dirty="0">
+                <a:latin typeface="Trebuchet MS" panose="020B0603020202020204" pitchFamily="34" charset="0"/>
+              </a:rPr>
+              <a:t>Klasse „</a:t>
+            </a:r>
+            <a:r>
+              <a:rPr lang="de-DE" b="1" i="1" dirty="0">
+                <a:latin typeface="Trebuchet MS" panose="020B0603020202020204" pitchFamily="34" charset="0"/>
+              </a:rPr>
+              <a:t>Login</a:t>
+            </a:r>
+            <a:r>
+              <a:rPr lang="de-DE" dirty="0">
+                <a:latin typeface="Trebuchet MS" panose="020B0603020202020204" pitchFamily="34" charset="0"/>
+              </a:rPr>
+              <a:t>“ – beinhaltet den Login Screen und Anmeldefunktionen</a:t>
+            </a:r>
+          </a:p>
+          <a:p>
+            <a:pPr>
+              <a:lnSpc>
+                <a:spcPct val="100000"/>
+              </a:lnSpc>
+              <a:spcBef>
+                <a:spcPts val="1500"/>
+              </a:spcBef>
+            </a:pPr>
+            <a:r>
+              <a:rPr lang="de-DE" dirty="0">
+                <a:latin typeface="Trebuchet MS" panose="020B0603020202020204" pitchFamily="34" charset="0"/>
+              </a:rPr>
+              <a:t>Klasse „</a:t>
+            </a:r>
+            <a:r>
+              <a:rPr lang="de-DE" b="1" i="1" dirty="0" err="1">
+                <a:latin typeface="Trebuchet MS" panose="020B0603020202020204" pitchFamily="34" charset="0"/>
+              </a:rPr>
+              <a:t>DBQuery</a:t>
+            </a:r>
+            <a:r>
+              <a:rPr lang="de-DE" dirty="0">
+                <a:latin typeface="Trebuchet MS" panose="020B0603020202020204" pitchFamily="34" charset="0"/>
+              </a:rPr>
+              <a:t>“ – bietet Funktionalität für alle Datenbankabfragen</a:t>
+            </a:r>
+          </a:p>
+          <a:p>
+            <a:pPr>
+              <a:lnSpc>
+                <a:spcPct val="100000"/>
+              </a:lnSpc>
+              <a:spcBef>
+                <a:spcPts val="1500"/>
+              </a:spcBef>
+            </a:pPr>
+            <a:r>
+              <a:rPr lang="de-DE" dirty="0">
+                <a:latin typeface="Trebuchet MS" panose="020B0603020202020204" pitchFamily="34" charset="0"/>
+              </a:rPr>
+              <a:t>Klasse „</a:t>
+            </a:r>
+            <a:r>
+              <a:rPr lang="de-DE" b="1" i="1" dirty="0" err="1">
+                <a:latin typeface="Trebuchet MS" panose="020B0603020202020204" pitchFamily="34" charset="0"/>
+              </a:rPr>
+              <a:t>PasswordHasher</a:t>
+            </a:r>
+            <a:r>
+              <a:rPr lang="de-DE" dirty="0">
+                <a:latin typeface="Trebuchet MS" panose="020B0603020202020204" pitchFamily="34" charset="0"/>
+              </a:rPr>
+              <a:t>“ – verwaltet den Umgang mit Passwörtern</a:t>
+            </a:r>
+          </a:p>
+          <a:p>
+            <a:pPr>
+              <a:lnSpc>
+                <a:spcPct val="100000"/>
+              </a:lnSpc>
+              <a:spcBef>
+                <a:spcPts val="1500"/>
+              </a:spcBef>
+            </a:pPr>
+            <a:r>
+              <a:rPr lang="de-DE" dirty="0">
+                <a:latin typeface="Trebuchet MS" panose="020B0603020202020204" pitchFamily="34" charset="0"/>
+              </a:rPr>
+              <a:t>Klasse „</a:t>
+            </a:r>
+            <a:r>
+              <a:rPr lang="de-DE" b="1" i="1" dirty="0">
+                <a:latin typeface="Trebuchet MS" panose="020B0603020202020204" pitchFamily="34" charset="0"/>
+              </a:rPr>
+              <a:t>Liste</a:t>
+            </a:r>
+            <a:r>
+              <a:rPr lang="de-DE" dirty="0">
+                <a:latin typeface="Trebuchet MS" panose="020B0603020202020204" pitchFamily="34" charset="0"/>
+              </a:rPr>
+              <a:t>“ – enthält Funktionen für die Tabellenliste</a:t>
+            </a:r>
+          </a:p>
+          <a:p>
+            <a:pPr>
+              <a:lnSpc>
+                <a:spcPct val="100000"/>
+              </a:lnSpc>
+              <a:spcBef>
+                <a:spcPts val="1500"/>
+              </a:spcBef>
+            </a:pPr>
+            <a:r>
+              <a:rPr lang="de-DE" dirty="0">
+                <a:latin typeface="Trebuchet MS" panose="020B0603020202020204" pitchFamily="34" charset="0"/>
+              </a:rPr>
+              <a:t>Klassen „</a:t>
+            </a:r>
+            <a:r>
+              <a:rPr lang="de-DE" b="1" i="1" dirty="0" err="1">
+                <a:latin typeface="Trebuchet MS" panose="020B0603020202020204" pitchFamily="34" charset="0"/>
+              </a:rPr>
+              <a:t>XY</a:t>
+            </a:r>
+            <a:r>
+              <a:rPr lang="de-DE" b="1" dirty="0" err="1">
+                <a:latin typeface="Trebuchet MS" panose="020B0603020202020204" pitchFamily="34" charset="0"/>
+              </a:rPr>
+              <a:t>Filter</a:t>
+            </a:r>
+            <a:r>
+              <a:rPr lang="de-DE" dirty="0">
+                <a:latin typeface="Trebuchet MS" panose="020B0603020202020204" pitchFamily="34" charset="0"/>
+              </a:rPr>
+              <a:t>“ – dienen zum Aufruf der Filter</a:t>
+            </a:r>
+          </a:p>
+        </p:txBody>
+      </p:sp>
       <p:sp>
         <p:nvSpPr>
           <p:cNvPr id="3" name="Datumsplatzhalter 2">
             <a:extLst>
               <a:ext uri="{FF2B5EF4-FFF2-40B4-BE49-F238E27FC236}">
-                <a16:creationId xmlns:a16="http://schemas.microsoft.com/office/drawing/2014/main" id="{FFC878E0-6CD5-458F-B9BA-6E3C6F358F90}"/>
+                <a16:creationId xmlns:a16="http://schemas.microsoft.com/office/drawing/2014/main" id="{20E77EDD-6A4E-4621-891A-EDDD5EDA6640}"/>
               </a:ext>
             </a:extLst>
           </p:cNvPr>
@@ -8387,9 +9604,9 @@
           <a:p>
             <a:fld id="{46C1CA06-F658-4220-8BC8-8FCF6253DAE1}" type="datetime1">
               <a:rPr lang="de-DE" smtClean="0"/>
-              <a:t>12.12.2019</a:t>
+              <a:t>24.12.2019</a:t>
             </a:fld>
-            <a:endParaRPr lang="de-DE"/>
+            <a:endParaRPr lang="de-DE" dirty="0"/>
           </a:p>
         </p:txBody>
       </p:sp>
@@ -8398,7 +9615,7 @@
           <p:cNvPr id="4" name="Fußzeilenplatzhalter 3">
             <a:extLst>
               <a:ext uri="{FF2B5EF4-FFF2-40B4-BE49-F238E27FC236}">
-                <a16:creationId xmlns:a16="http://schemas.microsoft.com/office/drawing/2014/main" id="{D8C400B5-8E53-452E-87B4-BA9C43958C58}"/>
+                <a16:creationId xmlns:a16="http://schemas.microsoft.com/office/drawing/2014/main" id="{65751E27-41D4-4CAD-9222-11A5FDF5BDF6}"/>
               </a:ext>
             </a:extLst>
           </p:cNvPr>
@@ -8426,7 +9643,7 @@
           <p:cNvPr id="5" name="Foliennummernplatzhalter 4">
             <a:extLst>
               <a:ext uri="{FF2B5EF4-FFF2-40B4-BE49-F238E27FC236}">
-                <a16:creationId xmlns:a16="http://schemas.microsoft.com/office/drawing/2014/main" id="{FFF6272D-B2F5-4D4A-8BE2-FDC78D3C4CB1}"/>
+                <a16:creationId xmlns:a16="http://schemas.microsoft.com/office/drawing/2014/main" id="{00F8E14B-95C8-4296-BB32-D4E9B6427857}"/>
               </a:ext>
             </a:extLst>
           </p:cNvPr>
@@ -8455,7 +9672,7 @@
           <p:cNvPr id="6" name="Textplatzhalter 5">
             <a:extLst>
               <a:ext uri="{FF2B5EF4-FFF2-40B4-BE49-F238E27FC236}">
-                <a16:creationId xmlns:a16="http://schemas.microsoft.com/office/drawing/2014/main" id="{27CB312E-8440-4D49-9195-E27AE78EF5D9}"/>
+                <a16:creationId xmlns:a16="http://schemas.microsoft.com/office/drawing/2014/main" id="{40A59714-D8E9-416E-B58D-22BEDE690561}"/>
               </a:ext>
             </a:extLst>
           </p:cNvPr>
@@ -8472,8 +9689,10 @@
           <a:lstStyle/>
           <a:p>
             <a:r>
-              <a:rPr lang="de-DE" dirty="0"/>
-              <a:t>Umsetzung</a:t>
+              <a:rPr lang="de-DE" dirty="0">
+                <a:latin typeface="Trebuchet MS" panose="020B0603020202020204" pitchFamily="34" charset="0"/>
+              </a:rPr>
+              <a:t>Coding</a:t>
             </a:r>
           </a:p>
         </p:txBody>
@@ -8483,7 +9702,7 @@
           <p:cNvPr id="7" name="Textplatzhalter 6">
             <a:extLst>
               <a:ext uri="{FF2B5EF4-FFF2-40B4-BE49-F238E27FC236}">
-                <a16:creationId xmlns:a16="http://schemas.microsoft.com/office/drawing/2014/main" id="{0DACF167-7935-480F-A4D8-24AB942E276A}"/>
+                <a16:creationId xmlns:a16="http://schemas.microsoft.com/office/drawing/2014/main" id="{84762CCC-C5F3-4B01-B75A-D4ED078F6F58}"/>
               </a:ext>
             </a:extLst>
           </p:cNvPr>
@@ -8500,8 +9719,10 @@
           <a:lstStyle/>
           <a:p>
             <a:r>
-              <a:rPr lang="de-DE" dirty="0"/>
-              <a:t>Anmeldung</a:t>
+              <a:rPr lang="de-DE" dirty="0">
+                <a:latin typeface="Trebuchet MS" panose="020B0603020202020204" pitchFamily="34" charset="0"/>
+              </a:rPr>
+              <a:t>Aufbau</a:t>
             </a:r>
           </a:p>
         </p:txBody>
@@ -8509,13 +9730,851 @@
     </p:spTree>
     <p:extLst>
       <p:ext uri="{BB962C8B-B14F-4D97-AF65-F5344CB8AC3E}">
-        <p14:creationId xmlns:p14="http://schemas.microsoft.com/office/powerpoint/2010/main" val="3207530046"/>
+        <p14:creationId xmlns:p14="http://schemas.microsoft.com/office/powerpoint/2010/main" val="3821634043"/>
       </p:ext>
     </p:extLst>
   </p:cSld>
   <p:clrMapOvr>
     <a:masterClrMapping/>
   </p:clrMapOvr>
+  <p:transition spd="slow">
+    <p:push dir="u"/>
+  </p:transition>
+  <p:timing>
+    <p:tnLst>
+      <p:par>
+        <p:cTn id="1" dur="indefinite" restart="never" nodeType="tmRoot">
+          <p:childTnLst>
+            <p:seq concurrent="1" nextAc="seek">
+              <p:cTn id="2" dur="indefinite" nodeType="mainSeq">
+                <p:childTnLst>
+                  <p:par>
+                    <p:cTn id="3" fill="hold">
+                      <p:stCondLst>
+                        <p:cond delay="indefinite"/>
+                      </p:stCondLst>
+                      <p:childTnLst>
+                        <p:par>
+                          <p:cTn id="4" fill="hold">
+                            <p:stCondLst>
+                              <p:cond delay="0"/>
+                            </p:stCondLst>
+                            <p:childTnLst>
+                              <p:par>
+                                <p:cTn id="5" presetID="42" presetClass="entr" presetSubtype="0" fill="hold" nodeType="clickEffect">
+                                  <p:stCondLst>
+                                    <p:cond delay="0"/>
+                                  </p:stCondLst>
+                                  <p:childTnLst>
+                                    <p:set>
+                                      <p:cBhvr>
+                                        <p:cTn id="6" dur="1" fill="hold">
+                                          <p:stCondLst>
+                                            <p:cond delay="0"/>
+                                          </p:stCondLst>
+                                        </p:cTn>
+                                        <p:tgtEl>
+                                          <p:spTgt spid="2">
+                                            <p:txEl>
+                                              <p:pRg st="0" end="0"/>
+                                            </p:txEl>
+                                          </p:spTgt>
+                                        </p:tgtEl>
+                                        <p:attrNameLst>
+                                          <p:attrName>style.visibility</p:attrName>
+                                        </p:attrNameLst>
+                                      </p:cBhvr>
+                                      <p:to>
+                                        <p:strVal val="visible"/>
+                                      </p:to>
+                                    </p:set>
+                                    <p:animEffect transition="in" filter="fade">
+                                      <p:cBhvr>
+                                        <p:cTn id="7" dur="500"/>
+                                        <p:tgtEl>
+                                          <p:spTgt spid="2">
+                                            <p:txEl>
+                                              <p:pRg st="0" end="0"/>
+                                            </p:txEl>
+                                          </p:spTgt>
+                                        </p:tgtEl>
+                                      </p:cBhvr>
+                                    </p:animEffect>
+                                    <p:anim calcmode="lin" valueType="num">
+                                      <p:cBhvr>
+                                        <p:cTn id="8" dur="500" fill="hold"/>
+                                        <p:tgtEl>
+                                          <p:spTgt spid="2">
+                                            <p:txEl>
+                                              <p:pRg st="0" end="0"/>
+                                            </p:txEl>
+                                          </p:spTgt>
+                                        </p:tgtEl>
+                                        <p:attrNameLst>
+                                          <p:attrName>ppt_x</p:attrName>
+                                        </p:attrNameLst>
+                                      </p:cBhvr>
+                                      <p:tavLst>
+                                        <p:tav tm="0">
+                                          <p:val>
+                                            <p:strVal val="#ppt_x"/>
+                                          </p:val>
+                                        </p:tav>
+                                        <p:tav tm="100000">
+                                          <p:val>
+                                            <p:strVal val="#ppt_x"/>
+                                          </p:val>
+                                        </p:tav>
+                                      </p:tavLst>
+                                    </p:anim>
+                                    <p:anim calcmode="lin" valueType="num">
+                                      <p:cBhvr>
+                                        <p:cTn id="9" dur="500" fill="hold"/>
+                                        <p:tgtEl>
+                                          <p:spTgt spid="2">
+                                            <p:txEl>
+                                              <p:pRg st="0" end="0"/>
+                                            </p:txEl>
+                                          </p:spTgt>
+                                        </p:tgtEl>
+                                        <p:attrNameLst>
+                                          <p:attrName>ppt_y</p:attrName>
+                                        </p:attrNameLst>
+                                      </p:cBhvr>
+                                      <p:tavLst>
+                                        <p:tav tm="0">
+                                          <p:val>
+                                            <p:strVal val="#ppt_y+.1"/>
+                                          </p:val>
+                                        </p:tav>
+                                        <p:tav tm="100000">
+                                          <p:val>
+                                            <p:strVal val="#ppt_y"/>
+                                          </p:val>
+                                        </p:tav>
+                                      </p:tavLst>
+                                    </p:anim>
+                                  </p:childTnLst>
+                                </p:cTn>
+                              </p:par>
+                            </p:childTnLst>
+                          </p:cTn>
+                        </p:par>
+                      </p:childTnLst>
+                    </p:cTn>
+                  </p:par>
+                  <p:par>
+                    <p:cTn id="10" fill="hold">
+                      <p:stCondLst>
+                        <p:cond delay="indefinite"/>
+                      </p:stCondLst>
+                      <p:childTnLst>
+                        <p:par>
+                          <p:cTn id="11" fill="hold">
+                            <p:stCondLst>
+                              <p:cond delay="0"/>
+                            </p:stCondLst>
+                            <p:childTnLst>
+                              <p:par>
+                                <p:cTn id="12" presetID="42" presetClass="entr" presetSubtype="0" fill="hold" nodeType="clickEffect">
+                                  <p:stCondLst>
+                                    <p:cond delay="0"/>
+                                  </p:stCondLst>
+                                  <p:childTnLst>
+                                    <p:set>
+                                      <p:cBhvr>
+                                        <p:cTn id="13" dur="1" fill="hold">
+                                          <p:stCondLst>
+                                            <p:cond delay="0"/>
+                                          </p:stCondLst>
+                                        </p:cTn>
+                                        <p:tgtEl>
+                                          <p:spTgt spid="2">
+                                            <p:txEl>
+                                              <p:pRg st="1" end="1"/>
+                                            </p:txEl>
+                                          </p:spTgt>
+                                        </p:tgtEl>
+                                        <p:attrNameLst>
+                                          <p:attrName>style.visibility</p:attrName>
+                                        </p:attrNameLst>
+                                      </p:cBhvr>
+                                      <p:to>
+                                        <p:strVal val="visible"/>
+                                      </p:to>
+                                    </p:set>
+                                    <p:animEffect transition="in" filter="fade">
+                                      <p:cBhvr>
+                                        <p:cTn id="14" dur="500"/>
+                                        <p:tgtEl>
+                                          <p:spTgt spid="2">
+                                            <p:txEl>
+                                              <p:pRg st="1" end="1"/>
+                                            </p:txEl>
+                                          </p:spTgt>
+                                        </p:tgtEl>
+                                      </p:cBhvr>
+                                    </p:animEffect>
+                                    <p:anim calcmode="lin" valueType="num">
+                                      <p:cBhvr>
+                                        <p:cTn id="15" dur="500" fill="hold"/>
+                                        <p:tgtEl>
+                                          <p:spTgt spid="2">
+                                            <p:txEl>
+                                              <p:pRg st="1" end="1"/>
+                                            </p:txEl>
+                                          </p:spTgt>
+                                        </p:tgtEl>
+                                        <p:attrNameLst>
+                                          <p:attrName>ppt_x</p:attrName>
+                                        </p:attrNameLst>
+                                      </p:cBhvr>
+                                      <p:tavLst>
+                                        <p:tav tm="0">
+                                          <p:val>
+                                            <p:strVal val="#ppt_x"/>
+                                          </p:val>
+                                        </p:tav>
+                                        <p:tav tm="100000">
+                                          <p:val>
+                                            <p:strVal val="#ppt_x"/>
+                                          </p:val>
+                                        </p:tav>
+                                      </p:tavLst>
+                                    </p:anim>
+                                    <p:anim calcmode="lin" valueType="num">
+                                      <p:cBhvr>
+                                        <p:cTn id="16" dur="500" fill="hold"/>
+                                        <p:tgtEl>
+                                          <p:spTgt spid="2">
+                                            <p:txEl>
+                                              <p:pRg st="1" end="1"/>
+                                            </p:txEl>
+                                          </p:spTgt>
+                                        </p:tgtEl>
+                                        <p:attrNameLst>
+                                          <p:attrName>ppt_y</p:attrName>
+                                        </p:attrNameLst>
+                                      </p:cBhvr>
+                                      <p:tavLst>
+                                        <p:tav tm="0">
+                                          <p:val>
+                                            <p:strVal val="#ppt_y+.1"/>
+                                          </p:val>
+                                        </p:tav>
+                                        <p:tav tm="100000">
+                                          <p:val>
+                                            <p:strVal val="#ppt_y"/>
+                                          </p:val>
+                                        </p:tav>
+                                      </p:tavLst>
+                                    </p:anim>
+                                  </p:childTnLst>
+                                </p:cTn>
+                              </p:par>
+                            </p:childTnLst>
+                          </p:cTn>
+                        </p:par>
+                      </p:childTnLst>
+                    </p:cTn>
+                  </p:par>
+                  <p:par>
+                    <p:cTn id="17" fill="hold">
+                      <p:stCondLst>
+                        <p:cond delay="indefinite"/>
+                      </p:stCondLst>
+                      <p:childTnLst>
+                        <p:par>
+                          <p:cTn id="18" fill="hold">
+                            <p:stCondLst>
+                              <p:cond delay="0"/>
+                            </p:stCondLst>
+                            <p:childTnLst>
+                              <p:par>
+                                <p:cTn id="19" presetID="42" presetClass="entr" presetSubtype="0" fill="hold" nodeType="clickEffect">
+                                  <p:stCondLst>
+                                    <p:cond delay="0"/>
+                                  </p:stCondLst>
+                                  <p:childTnLst>
+                                    <p:set>
+                                      <p:cBhvr>
+                                        <p:cTn id="20" dur="1" fill="hold">
+                                          <p:stCondLst>
+                                            <p:cond delay="0"/>
+                                          </p:stCondLst>
+                                        </p:cTn>
+                                        <p:tgtEl>
+                                          <p:spTgt spid="2">
+                                            <p:txEl>
+                                              <p:pRg st="2" end="2"/>
+                                            </p:txEl>
+                                          </p:spTgt>
+                                        </p:tgtEl>
+                                        <p:attrNameLst>
+                                          <p:attrName>style.visibility</p:attrName>
+                                        </p:attrNameLst>
+                                      </p:cBhvr>
+                                      <p:to>
+                                        <p:strVal val="visible"/>
+                                      </p:to>
+                                    </p:set>
+                                    <p:animEffect transition="in" filter="fade">
+                                      <p:cBhvr>
+                                        <p:cTn id="21" dur="500"/>
+                                        <p:tgtEl>
+                                          <p:spTgt spid="2">
+                                            <p:txEl>
+                                              <p:pRg st="2" end="2"/>
+                                            </p:txEl>
+                                          </p:spTgt>
+                                        </p:tgtEl>
+                                      </p:cBhvr>
+                                    </p:animEffect>
+                                    <p:anim calcmode="lin" valueType="num">
+                                      <p:cBhvr>
+                                        <p:cTn id="22" dur="500" fill="hold"/>
+                                        <p:tgtEl>
+                                          <p:spTgt spid="2">
+                                            <p:txEl>
+                                              <p:pRg st="2" end="2"/>
+                                            </p:txEl>
+                                          </p:spTgt>
+                                        </p:tgtEl>
+                                        <p:attrNameLst>
+                                          <p:attrName>ppt_x</p:attrName>
+                                        </p:attrNameLst>
+                                      </p:cBhvr>
+                                      <p:tavLst>
+                                        <p:tav tm="0">
+                                          <p:val>
+                                            <p:strVal val="#ppt_x"/>
+                                          </p:val>
+                                        </p:tav>
+                                        <p:tav tm="100000">
+                                          <p:val>
+                                            <p:strVal val="#ppt_x"/>
+                                          </p:val>
+                                        </p:tav>
+                                      </p:tavLst>
+                                    </p:anim>
+                                    <p:anim calcmode="lin" valueType="num">
+                                      <p:cBhvr>
+                                        <p:cTn id="23" dur="500" fill="hold"/>
+                                        <p:tgtEl>
+                                          <p:spTgt spid="2">
+                                            <p:txEl>
+                                              <p:pRg st="2" end="2"/>
+                                            </p:txEl>
+                                          </p:spTgt>
+                                        </p:tgtEl>
+                                        <p:attrNameLst>
+                                          <p:attrName>ppt_y</p:attrName>
+                                        </p:attrNameLst>
+                                      </p:cBhvr>
+                                      <p:tavLst>
+                                        <p:tav tm="0">
+                                          <p:val>
+                                            <p:strVal val="#ppt_y+.1"/>
+                                          </p:val>
+                                        </p:tav>
+                                        <p:tav tm="100000">
+                                          <p:val>
+                                            <p:strVal val="#ppt_y"/>
+                                          </p:val>
+                                        </p:tav>
+                                      </p:tavLst>
+                                    </p:anim>
+                                  </p:childTnLst>
+                                </p:cTn>
+                              </p:par>
+                            </p:childTnLst>
+                          </p:cTn>
+                        </p:par>
+                      </p:childTnLst>
+                    </p:cTn>
+                  </p:par>
+                  <p:par>
+                    <p:cTn id="24" fill="hold">
+                      <p:stCondLst>
+                        <p:cond delay="indefinite"/>
+                      </p:stCondLst>
+                      <p:childTnLst>
+                        <p:par>
+                          <p:cTn id="25" fill="hold">
+                            <p:stCondLst>
+                              <p:cond delay="0"/>
+                            </p:stCondLst>
+                            <p:childTnLst>
+                              <p:par>
+                                <p:cTn id="26" presetID="42" presetClass="entr" presetSubtype="0" fill="hold" nodeType="clickEffect">
+                                  <p:stCondLst>
+                                    <p:cond delay="0"/>
+                                  </p:stCondLst>
+                                  <p:childTnLst>
+                                    <p:set>
+                                      <p:cBhvr>
+                                        <p:cTn id="27" dur="1" fill="hold">
+                                          <p:stCondLst>
+                                            <p:cond delay="0"/>
+                                          </p:stCondLst>
+                                        </p:cTn>
+                                        <p:tgtEl>
+                                          <p:spTgt spid="2">
+                                            <p:txEl>
+                                              <p:pRg st="3" end="3"/>
+                                            </p:txEl>
+                                          </p:spTgt>
+                                        </p:tgtEl>
+                                        <p:attrNameLst>
+                                          <p:attrName>style.visibility</p:attrName>
+                                        </p:attrNameLst>
+                                      </p:cBhvr>
+                                      <p:to>
+                                        <p:strVal val="visible"/>
+                                      </p:to>
+                                    </p:set>
+                                    <p:animEffect transition="in" filter="fade">
+                                      <p:cBhvr>
+                                        <p:cTn id="28" dur="500"/>
+                                        <p:tgtEl>
+                                          <p:spTgt spid="2">
+                                            <p:txEl>
+                                              <p:pRg st="3" end="3"/>
+                                            </p:txEl>
+                                          </p:spTgt>
+                                        </p:tgtEl>
+                                      </p:cBhvr>
+                                    </p:animEffect>
+                                    <p:anim calcmode="lin" valueType="num">
+                                      <p:cBhvr>
+                                        <p:cTn id="29" dur="500" fill="hold"/>
+                                        <p:tgtEl>
+                                          <p:spTgt spid="2">
+                                            <p:txEl>
+                                              <p:pRg st="3" end="3"/>
+                                            </p:txEl>
+                                          </p:spTgt>
+                                        </p:tgtEl>
+                                        <p:attrNameLst>
+                                          <p:attrName>ppt_x</p:attrName>
+                                        </p:attrNameLst>
+                                      </p:cBhvr>
+                                      <p:tavLst>
+                                        <p:tav tm="0">
+                                          <p:val>
+                                            <p:strVal val="#ppt_x"/>
+                                          </p:val>
+                                        </p:tav>
+                                        <p:tav tm="100000">
+                                          <p:val>
+                                            <p:strVal val="#ppt_x"/>
+                                          </p:val>
+                                        </p:tav>
+                                      </p:tavLst>
+                                    </p:anim>
+                                    <p:anim calcmode="lin" valueType="num">
+                                      <p:cBhvr>
+                                        <p:cTn id="30" dur="500" fill="hold"/>
+                                        <p:tgtEl>
+                                          <p:spTgt spid="2">
+                                            <p:txEl>
+                                              <p:pRg st="3" end="3"/>
+                                            </p:txEl>
+                                          </p:spTgt>
+                                        </p:tgtEl>
+                                        <p:attrNameLst>
+                                          <p:attrName>ppt_y</p:attrName>
+                                        </p:attrNameLst>
+                                      </p:cBhvr>
+                                      <p:tavLst>
+                                        <p:tav tm="0">
+                                          <p:val>
+                                            <p:strVal val="#ppt_y+.1"/>
+                                          </p:val>
+                                        </p:tav>
+                                        <p:tav tm="100000">
+                                          <p:val>
+                                            <p:strVal val="#ppt_y"/>
+                                          </p:val>
+                                        </p:tav>
+                                      </p:tavLst>
+                                    </p:anim>
+                                  </p:childTnLst>
+                                </p:cTn>
+                              </p:par>
+                            </p:childTnLst>
+                          </p:cTn>
+                        </p:par>
+                      </p:childTnLst>
+                    </p:cTn>
+                  </p:par>
+                  <p:par>
+                    <p:cTn id="31" fill="hold">
+                      <p:stCondLst>
+                        <p:cond delay="indefinite"/>
+                      </p:stCondLst>
+                      <p:childTnLst>
+                        <p:par>
+                          <p:cTn id="32" fill="hold">
+                            <p:stCondLst>
+                              <p:cond delay="0"/>
+                            </p:stCondLst>
+                            <p:childTnLst>
+                              <p:par>
+                                <p:cTn id="33" presetID="42" presetClass="entr" presetSubtype="0" fill="hold" nodeType="clickEffect">
+                                  <p:stCondLst>
+                                    <p:cond delay="0"/>
+                                  </p:stCondLst>
+                                  <p:childTnLst>
+                                    <p:set>
+                                      <p:cBhvr>
+                                        <p:cTn id="34" dur="1" fill="hold">
+                                          <p:stCondLst>
+                                            <p:cond delay="0"/>
+                                          </p:stCondLst>
+                                        </p:cTn>
+                                        <p:tgtEl>
+                                          <p:spTgt spid="2">
+                                            <p:txEl>
+                                              <p:pRg st="4" end="4"/>
+                                            </p:txEl>
+                                          </p:spTgt>
+                                        </p:tgtEl>
+                                        <p:attrNameLst>
+                                          <p:attrName>style.visibility</p:attrName>
+                                        </p:attrNameLst>
+                                      </p:cBhvr>
+                                      <p:to>
+                                        <p:strVal val="visible"/>
+                                      </p:to>
+                                    </p:set>
+                                    <p:animEffect transition="in" filter="fade">
+                                      <p:cBhvr>
+                                        <p:cTn id="35" dur="500"/>
+                                        <p:tgtEl>
+                                          <p:spTgt spid="2">
+                                            <p:txEl>
+                                              <p:pRg st="4" end="4"/>
+                                            </p:txEl>
+                                          </p:spTgt>
+                                        </p:tgtEl>
+                                      </p:cBhvr>
+                                    </p:animEffect>
+                                    <p:anim calcmode="lin" valueType="num">
+                                      <p:cBhvr>
+                                        <p:cTn id="36" dur="500" fill="hold"/>
+                                        <p:tgtEl>
+                                          <p:spTgt spid="2">
+                                            <p:txEl>
+                                              <p:pRg st="4" end="4"/>
+                                            </p:txEl>
+                                          </p:spTgt>
+                                        </p:tgtEl>
+                                        <p:attrNameLst>
+                                          <p:attrName>ppt_x</p:attrName>
+                                        </p:attrNameLst>
+                                      </p:cBhvr>
+                                      <p:tavLst>
+                                        <p:tav tm="0">
+                                          <p:val>
+                                            <p:strVal val="#ppt_x"/>
+                                          </p:val>
+                                        </p:tav>
+                                        <p:tav tm="100000">
+                                          <p:val>
+                                            <p:strVal val="#ppt_x"/>
+                                          </p:val>
+                                        </p:tav>
+                                      </p:tavLst>
+                                    </p:anim>
+                                    <p:anim calcmode="lin" valueType="num">
+                                      <p:cBhvr>
+                                        <p:cTn id="37" dur="500" fill="hold"/>
+                                        <p:tgtEl>
+                                          <p:spTgt spid="2">
+                                            <p:txEl>
+                                              <p:pRg st="4" end="4"/>
+                                            </p:txEl>
+                                          </p:spTgt>
+                                        </p:tgtEl>
+                                        <p:attrNameLst>
+                                          <p:attrName>ppt_y</p:attrName>
+                                        </p:attrNameLst>
+                                      </p:cBhvr>
+                                      <p:tavLst>
+                                        <p:tav tm="0">
+                                          <p:val>
+                                            <p:strVal val="#ppt_y+.1"/>
+                                          </p:val>
+                                        </p:tav>
+                                        <p:tav tm="100000">
+                                          <p:val>
+                                            <p:strVal val="#ppt_y"/>
+                                          </p:val>
+                                        </p:tav>
+                                      </p:tavLst>
+                                    </p:anim>
+                                  </p:childTnLst>
+                                </p:cTn>
+                              </p:par>
+                            </p:childTnLst>
+                          </p:cTn>
+                        </p:par>
+                      </p:childTnLst>
+                    </p:cTn>
+                  </p:par>
+                  <p:par>
+                    <p:cTn id="38" fill="hold">
+                      <p:stCondLst>
+                        <p:cond delay="indefinite"/>
+                      </p:stCondLst>
+                      <p:childTnLst>
+                        <p:par>
+                          <p:cTn id="39" fill="hold">
+                            <p:stCondLst>
+                              <p:cond delay="0"/>
+                            </p:stCondLst>
+                            <p:childTnLst>
+                              <p:par>
+                                <p:cTn id="40" presetID="42" presetClass="entr" presetSubtype="0" fill="hold" nodeType="clickEffect">
+                                  <p:stCondLst>
+                                    <p:cond delay="0"/>
+                                  </p:stCondLst>
+                                  <p:childTnLst>
+                                    <p:set>
+                                      <p:cBhvr>
+                                        <p:cTn id="41" dur="1" fill="hold">
+                                          <p:stCondLst>
+                                            <p:cond delay="0"/>
+                                          </p:stCondLst>
+                                        </p:cTn>
+                                        <p:tgtEl>
+                                          <p:spTgt spid="2">
+                                            <p:txEl>
+                                              <p:pRg st="5" end="5"/>
+                                            </p:txEl>
+                                          </p:spTgt>
+                                        </p:tgtEl>
+                                        <p:attrNameLst>
+                                          <p:attrName>style.visibility</p:attrName>
+                                        </p:attrNameLst>
+                                      </p:cBhvr>
+                                      <p:to>
+                                        <p:strVal val="visible"/>
+                                      </p:to>
+                                    </p:set>
+                                    <p:animEffect transition="in" filter="fade">
+                                      <p:cBhvr>
+                                        <p:cTn id="42" dur="500"/>
+                                        <p:tgtEl>
+                                          <p:spTgt spid="2">
+                                            <p:txEl>
+                                              <p:pRg st="5" end="5"/>
+                                            </p:txEl>
+                                          </p:spTgt>
+                                        </p:tgtEl>
+                                      </p:cBhvr>
+                                    </p:animEffect>
+                                    <p:anim calcmode="lin" valueType="num">
+                                      <p:cBhvr>
+                                        <p:cTn id="43" dur="500" fill="hold"/>
+                                        <p:tgtEl>
+                                          <p:spTgt spid="2">
+                                            <p:txEl>
+                                              <p:pRg st="5" end="5"/>
+                                            </p:txEl>
+                                          </p:spTgt>
+                                        </p:tgtEl>
+                                        <p:attrNameLst>
+                                          <p:attrName>ppt_x</p:attrName>
+                                        </p:attrNameLst>
+                                      </p:cBhvr>
+                                      <p:tavLst>
+                                        <p:tav tm="0">
+                                          <p:val>
+                                            <p:strVal val="#ppt_x"/>
+                                          </p:val>
+                                        </p:tav>
+                                        <p:tav tm="100000">
+                                          <p:val>
+                                            <p:strVal val="#ppt_x"/>
+                                          </p:val>
+                                        </p:tav>
+                                      </p:tavLst>
+                                    </p:anim>
+                                    <p:anim calcmode="lin" valueType="num">
+                                      <p:cBhvr>
+                                        <p:cTn id="44" dur="500" fill="hold"/>
+                                        <p:tgtEl>
+                                          <p:spTgt spid="2">
+                                            <p:txEl>
+                                              <p:pRg st="5" end="5"/>
+                                            </p:txEl>
+                                          </p:spTgt>
+                                        </p:tgtEl>
+                                        <p:attrNameLst>
+                                          <p:attrName>ppt_y</p:attrName>
+                                        </p:attrNameLst>
+                                      </p:cBhvr>
+                                      <p:tavLst>
+                                        <p:tav tm="0">
+                                          <p:val>
+                                            <p:strVal val="#ppt_y+.1"/>
+                                          </p:val>
+                                        </p:tav>
+                                        <p:tav tm="100000">
+                                          <p:val>
+                                            <p:strVal val="#ppt_y"/>
+                                          </p:val>
+                                        </p:tav>
+                                      </p:tavLst>
+                                    </p:anim>
+                                  </p:childTnLst>
+                                </p:cTn>
+                              </p:par>
+                            </p:childTnLst>
+                          </p:cTn>
+                        </p:par>
+                      </p:childTnLst>
+                    </p:cTn>
+                  </p:par>
+                  <p:par>
+                    <p:cTn id="45" fill="hold">
+                      <p:stCondLst>
+                        <p:cond delay="indefinite"/>
+                      </p:stCondLst>
+                      <p:childTnLst>
+                        <p:par>
+                          <p:cTn id="46" fill="hold">
+                            <p:stCondLst>
+                              <p:cond delay="0"/>
+                            </p:stCondLst>
+                            <p:childTnLst>
+                              <p:par>
+                                <p:cTn id="47" presetID="42" presetClass="entr" presetSubtype="0" fill="hold" nodeType="clickEffect">
+                                  <p:stCondLst>
+                                    <p:cond delay="0"/>
+                                  </p:stCondLst>
+                                  <p:childTnLst>
+                                    <p:set>
+                                      <p:cBhvr>
+                                        <p:cTn id="48" dur="1" fill="hold">
+                                          <p:stCondLst>
+                                            <p:cond delay="0"/>
+                                          </p:stCondLst>
+                                        </p:cTn>
+                                        <p:tgtEl>
+                                          <p:spTgt spid="2">
+                                            <p:txEl>
+                                              <p:pRg st="6" end="6"/>
+                                            </p:txEl>
+                                          </p:spTgt>
+                                        </p:tgtEl>
+                                        <p:attrNameLst>
+                                          <p:attrName>style.visibility</p:attrName>
+                                        </p:attrNameLst>
+                                      </p:cBhvr>
+                                      <p:to>
+                                        <p:strVal val="visible"/>
+                                      </p:to>
+                                    </p:set>
+                                    <p:animEffect transition="in" filter="fade">
+                                      <p:cBhvr>
+                                        <p:cTn id="49" dur="500"/>
+                                        <p:tgtEl>
+                                          <p:spTgt spid="2">
+                                            <p:txEl>
+                                              <p:pRg st="6" end="6"/>
+                                            </p:txEl>
+                                          </p:spTgt>
+                                        </p:tgtEl>
+                                      </p:cBhvr>
+                                    </p:animEffect>
+                                    <p:anim calcmode="lin" valueType="num">
+                                      <p:cBhvr>
+                                        <p:cTn id="50" dur="500" fill="hold"/>
+                                        <p:tgtEl>
+                                          <p:spTgt spid="2">
+                                            <p:txEl>
+                                              <p:pRg st="6" end="6"/>
+                                            </p:txEl>
+                                          </p:spTgt>
+                                        </p:tgtEl>
+                                        <p:attrNameLst>
+                                          <p:attrName>ppt_x</p:attrName>
+                                        </p:attrNameLst>
+                                      </p:cBhvr>
+                                      <p:tavLst>
+                                        <p:tav tm="0">
+                                          <p:val>
+                                            <p:strVal val="#ppt_x"/>
+                                          </p:val>
+                                        </p:tav>
+                                        <p:tav tm="100000">
+                                          <p:val>
+                                            <p:strVal val="#ppt_x"/>
+                                          </p:val>
+                                        </p:tav>
+                                      </p:tavLst>
+                                    </p:anim>
+                                    <p:anim calcmode="lin" valueType="num">
+                                      <p:cBhvr>
+                                        <p:cTn id="51" dur="500" fill="hold"/>
+                                        <p:tgtEl>
+                                          <p:spTgt spid="2">
+                                            <p:txEl>
+                                              <p:pRg st="6" end="6"/>
+                                            </p:txEl>
+                                          </p:spTgt>
+                                        </p:tgtEl>
+                                        <p:attrNameLst>
+                                          <p:attrName>ppt_y</p:attrName>
+                                        </p:attrNameLst>
+                                      </p:cBhvr>
+                                      <p:tavLst>
+                                        <p:tav tm="0">
+                                          <p:val>
+                                            <p:strVal val="#ppt_y+.1"/>
+                                          </p:val>
+                                        </p:tav>
+                                        <p:tav tm="100000">
+                                          <p:val>
+                                            <p:strVal val="#ppt_y"/>
+                                          </p:val>
+                                        </p:tav>
+                                      </p:tavLst>
+                                    </p:anim>
+                                  </p:childTnLst>
+                                </p:cTn>
+                              </p:par>
+                            </p:childTnLst>
+                          </p:cTn>
+                        </p:par>
+                      </p:childTnLst>
+                    </p:cTn>
+                  </p:par>
+                </p:childTnLst>
+              </p:cTn>
+              <p:prevCondLst>
+                <p:cond evt="onPrev" delay="0">
+                  <p:tgtEl>
+                    <p:sldTgt/>
+                  </p:tgtEl>
+                </p:cond>
+              </p:prevCondLst>
+              <p:nextCondLst>
+                <p:cond evt="onNext" delay="0">
+                  <p:tgtEl>
+                    <p:sldTgt/>
+                  </p:tgtEl>
+                </p:cond>
+              </p:nextCondLst>
+            </p:seq>
+          </p:childTnLst>
+        </p:cTn>
+      </p:par>
+    </p:tnLst>
+  </p:timing>
 </p:sld>
 </file>
 
@@ -8538,35 +10597,10 @@
       </p:grpSpPr>
       <p:sp>
         <p:nvSpPr>
-          <p:cNvPr id="2" name="Inhaltsplatzhalter 1">
-            <a:extLst>
-              <a:ext uri="{FF2B5EF4-FFF2-40B4-BE49-F238E27FC236}">
-                <a16:creationId xmlns:a16="http://schemas.microsoft.com/office/drawing/2014/main" id="{15C63717-1B73-429C-88FD-E54484D94826}"/>
-              </a:ext>
-            </a:extLst>
-          </p:cNvPr>
-          <p:cNvSpPr>
-            <a:spLocks noGrp="1"/>
-          </p:cNvSpPr>
-          <p:nvPr>
-            <p:ph idx="1"/>
-          </p:nvPr>
-        </p:nvSpPr>
-        <p:spPr/>
-        <p:txBody>
-          <a:bodyPr/>
-          <a:lstStyle/>
-          <a:p>
-            <a:endParaRPr lang="de-DE" dirty="0"/>
-          </a:p>
-        </p:txBody>
-      </p:sp>
-      <p:sp>
-        <p:nvSpPr>
           <p:cNvPr id="3" name="Datumsplatzhalter 2">
             <a:extLst>
               <a:ext uri="{FF2B5EF4-FFF2-40B4-BE49-F238E27FC236}">
-                <a16:creationId xmlns:a16="http://schemas.microsoft.com/office/drawing/2014/main" id="{758882C4-8B9B-4746-96C5-36A91AF4E8AF}"/>
+                <a16:creationId xmlns:a16="http://schemas.microsoft.com/office/drawing/2014/main" id="{00A779D6-CCE3-4BFD-80AB-16A590623642}"/>
               </a:ext>
             </a:extLst>
           </p:cNvPr>
@@ -8584,7 +10618,7 @@
           <a:p>
             <a:fld id="{46C1CA06-F658-4220-8BC8-8FCF6253DAE1}" type="datetime1">
               <a:rPr lang="de-DE" smtClean="0"/>
-              <a:t>12.12.2019</a:t>
+              <a:t>24.12.2019</a:t>
             </a:fld>
             <a:endParaRPr lang="de-DE"/>
           </a:p>
@@ -8595,7 +10629,7 @@
           <p:cNvPr id="4" name="Fußzeilenplatzhalter 3">
             <a:extLst>
               <a:ext uri="{FF2B5EF4-FFF2-40B4-BE49-F238E27FC236}">
-                <a16:creationId xmlns:a16="http://schemas.microsoft.com/office/drawing/2014/main" id="{51A71253-D448-4037-A6C3-CC7A6E9ED606}"/>
+                <a16:creationId xmlns:a16="http://schemas.microsoft.com/office/drawing/2014/main" id="{1532F898-419B-4C54-B592-E8594CC369A5}"/>
               </a:ext>
             </a:extLst>
           </p:cNvPr>
@@ -8623,7 +10657,7 @@
           <p:cNvPr id="5" name="Foliennummernplatzhalter 4">
             <a:extLst>
               <a:ext uri="{FF2B5EF4-FFF2-40B4-BE49-F238E27FC236}">
-                <a16:creationId xmlns:a16="http://schemas.microsoft.com/office/drawing/2014/main" id="{992697C4-33D6-4C2A-899B-084BD779AC26}"/>
+                <a16:creationId xmlns:a16="http://schemas.microsoft.com/office/drawing/2014/main" id="{41A82360-FE5D-46A1-B497-41E6E290A345}"/>
               </a:ext>
             </a:extLst>
           </p:cNvPr>
@@ -8649,10 +10683,10 @@
       </p:sp>
       <p:sp>
         <p:nvSpPr>
-          <p:cNvPr id="6" name="Textplatzhalter 5">
+          <p:cNvPr id="9" name="Textplatzhalter 8">
             <a:extLst>
               <a:ext uri="{FF2B5EF4-FFF2-40B4-BE49-F238E27FC236}">
-                <a16:creationId xmlns:a16="http://schemas.microsoft.com/office/drawing/2014/main" id="{1A510F3A-C4AF-4836-9FB5-83584A0F6635}"/>
+                <a16:creationId xmlns:a16="http://schemas.microsoft.com/office/drawing/2014/main" id="{8B28DDC8-2E98-4A35-BE16-9BF6AFE33437}"/>
               </a:ext>
             </a:extLst>
           </p:cNvPr>
@@ -8668,16 +10702,21 @@
           <a:bodyPr/>
           <a:lstStyle/>
           <a:p>
-            <a:endParaRPr lang="de-DE"/>
+            <a:r>
+              <a:rPr lang="de-DE" dirty="0">
+                <a:latin typeface="Trebuchet MS" panose="020B0603020202020204" pitchFamily="34" charset="0"/>
+              </a:rPr>
+              <a:t>Coding</a:t>
+            </a:r>
           </a:p>
         </p:txBody>
       </p:sp>
       <p:sp>
         <p:nvSpPr>
-          <p:cNvPr id="7" name="Textplatzhalter 6">
+          <p:cNvPr id="8" name="Textplatzhalter 7">
             <a:extLst>
               <a:ext uri="{FF2B5EF4-FFF2-40B4-BE49-F238E27FC236}">
-                <a16:creationId xmlns:a16="http://schemas.microsoft.com/office/drawing/2014/main" id="{46D27D0F-F653-4CA3-A806-3F3747C8305D}"/>
+                <a16:creationId xmlns:a16="http://schemas.microsoft.com/office/drawing/2014/main" id="{C8C468A6-BDD9-442B-A831-895AA5C88457}"/>
               </a:ext>
             </a:extLst>
           </p:cNvPr>
@@ -8688,27 +10727,132 @@
             <p:ph type="body" sz="quarter" idx="13"/>
           </p:nvPr>
         </p:nvSpPr>
-        <p:spPr>
-          <a:xfrm>
-            <a:off x="3889510" y="681037"/>
-            <a:ext cx="4412980" cy="571500"/>
-          </a:xfrm>
-        </p:spPr>
+        <p:spPr/>
         <p:txBody>
           <a:bodyPr/>
           <a:lstStyle/>
           <a:p>
             <a:r>
-              <a:rPr lang="de-DE" dirty="0"/>
-              <a:t>MySQL Anbindung</a:t>
+              <a:rPr lang="de-DE" dirty="0">
+                <a:latin typeface="Trebuchet MS" panose="020B0603020202020204" pitchFamily="34" charset="0"/>
+              </a:rPr>
+              <a:t>Aufbau</a:t>
             </a:r>
           </a:p>
         </p:txBody>
       </p:sp>
+      <p:pic>
+        <p:nvPicPr>
+          <p:cNvPr id="11" name="Grafik 10">
+            <a:extLst>
+              <a:ext uri="{FF2B5EF4-FFF2-40B4-BE49-F238E27FC236}">
+                <a16:creationId xmlns:a16="http://schemas.microsoft.com/office/drawing/2014/main" id="{4925D0E1-CEF8-40E4-90B8-B21CB9FC8CF9}"/>
+              </a:ext>
+            </a:extLst>
+          </p:cNvPr>
+          <p:cNvPicPr>
+            <a:picLocks noChangeAspect="1"/>
+          </p:cNvPicPr>
+          <p:nvPr/>
+        </p:nvPicPr>
+        <p:blipFill>
+          <a:blip r:embed="rId2">
+            <a:extLst>
+              <a:ext uri="{28A0092B-C50C-407E-A947-70E740481C1C}">
+                <a14:useLocalDpi xmlns:a14="http://schemas.microsoft.com/office/drawing/2010/main" val="0"/>
+              </a:ext>
+            </a:extLst>
+          </a:blip>
+          <a:stretch>
+            <a:fillRect/>
+          </a:stretch>
+        </p:blipFill>
+        <p:spPr>
+          <a:xfrm>
+            <a:off x="341946" y="1646238"/>
+            <a:ext cx="4359363" cy="4421819"/>
+          </a:xfrm>
+          <a:prstGeom prst="rect">
+            <a:avLst/>
+          </a:prstGeom>
+        </p:spPr>
+      </p:pic>
+      <p:pic>
+        <p:nvPicPr>
+          <p:cNvPr id="13" name="Grafik 12">
+            <a:extLst>
+              <a:ext uri="{FF2B5EF4-FFF2-40B4-BE49-F238E27FC236}">
+                <a16:creationId xmlns:a16="http://schemas.microsoft.com/office/drawing/2014/main" id="{5CEC83F7-12AF-43C2-A467-F9BE9F2B7323}"/>
+              </a:ext>
+            </a:extLst>
+          </p:cNvPr>
+          <p:cNvPicPr>
+            <a:picLocks noChangeAspect="1"/>
+          </p:cNvPicPr>
+          <p:nvPr/>
+        </p:nvPicPr>
+        <p:blipFill>
+          <a:blip r:embed="rId3">
+            <a:extLst>
+              <a:ext uri="{28A0092B-C50C-407E-A947-70E740481C1C}">
+                <a14:useLocalDpi xmlns:a14="http://schemas.microsoft.com/office/drawing/2010/main" val="0"/>
+              </a:ext>
+            </a:extLst>
+          </a:blip>
+          <a:stretch>
+            <a:fillRect/>
+          </a:stretch>
+        </p:blipFill>
+        <p:spPr>
+          <a:xfrm>
+            <a:off x="5168334" y="1806971"/>
+            <a:ext cx="6077798" cy="1686160"/>
+          </a:xfrm>
+          <a:prstGeom prst="rect">
+            <a:avLst/>
+          </a:prstGeom>
+        </p:spPr>
+      </p:pic>
+      <p:pic>
+        <p:nvPicPr>
+          <p:cNvPr id="15" name="Grafik 14">
+            <a:extLst>
+              <a:ext uri="{FF2B5EF4-FFF2-40B4-BE49-F238E27FC236}">
+                <a16:creationId xmlns:a16="http://schemas.microsoft.com/office/drawing/2014/main" id="{4A612349-1E3E-4E68-A4DC-063A333CE6A3}"/>
+              </a:ext>
+            </a:extLst>
+          </p:cNvPr>
+          <p:cNvPicPr>
+            <a:picLocks noChangeAspect="1"/>
+          </p:cNvPicPr>
+          <p:nvPr/>
+        </p:nvPicPr>
+        <p:blipFill>
+          <a:blip r:embed="rId4">
+            <a:extLst>
+              <a:ext uri="{28A0092B-C50C-407E-A947-70E740481C1C}">
+                <a14:useLocalDpi xmlns:a14="http://schemas.microsoft.com/office/drawing/2010/main" val="0"/>
+              </a:ext>
+            </a:extLst>
+          </a:blip>
+          <a:stretch>
+            <a:fillRect/>
+          </a:stretch>
+        </p:blipFill>
+        <p:spPr>
+          <a:xfrm>
+            <a:off x="5190153" y="3849171"/>
+            <a:ext cx="6137662" cy="1565988"/>
+          </a:xfrm>
+          <a:prstGeom prst="rect">
+            <a:avLst/>
+          </a:prstGeom>
+        </p:spPr>
+      </p:pic>
     </p:spTree>
     <p:extLst>
       <p:ext uri="{BB962C8B-B14F-4D97-AF65-F5344CB8AC3E}">
-        <p14:creationId xmlns:p14="http://schemas.microsoft.com/office/powerpoint/2010/main" val="4100918803"/>
+        <p14:creationId xmlns:p14="http://schemas.microsoft.com/office/powerpoint/2010/main" val="1181665148"/>
       </p:ext>
     </p:extLst>
   </p:cSld>
@@ -8740,35 +10884,10 @@
       </p:grpSpPr>
       <p:sp>
         <p:nvSpPr>
-          <p:cNvPr id="2" name="Inhaltsplatzhalter 1">
-            <a:extLst>
-              <a:ext uri="{FF2B5EF4-FFF2-40B4-BE49-F238E27FC236}">
-                <a16:creationId xmlns:a16="http://schemas.microsoft.com/office/drawing/2014/main" id="{8AA4BFA7-8161-4079-9C4F-6A3057302B12}"/>
-              </a:ext>
-            </a:extLst>
-          </p:cNvPr>
-          <p:cNvSpPr>
-            <a:spLocks noGrp="1"/>
-          </p:cNvSpPr>
-          <p:nvPr>
-            <p:ph idx="1"/>
-          </p:nvPr>
-        </p:nvSpPr>
-        <p:spPr/>
-        <p:txBody>
-          <a:bodyPr/>
-          <a:lstStyle/>
-          <a:p>
-            <a:endParaRPr lang="de-DE"/>
-          </a:p>
-        </p:txBody>
-      </p:sp>
-      <p:sp>
-        <p:nvSpPr>
           <p:cNvPr id="3" name="Datumsplatzhalter 2">
             <a:extLst>
               <a:ext uri="{FF2B5EF4-FFF2-40B4-BE49-F238E27FC236}">
-                <a16:creationId xmlns:a16="http://schemas.microsoft.com/office/drawing/2014/main" id="{BA15DD8D-1C9A-453B-8A83-B8C09DC0A5F7}"/>
+                <a16:creationId xmlns:a16="http://schemas.microsoft.com/office/drawing/2014/main" id="{FFC878E0-6CD5-458F-B9BA-6E3C6F358F90}"/>
               </a:ext>
             </a:extLst>
           </p:cNvPr>
@@ -8786,7 +10905,7 @@
           <a:p>
             <a:fld id="{46C1CA06-F658-4220-8BC8-8FCF6253DAE1}" type="datetime1">
               <a:rPr lang="de-DE" smtClean="0"/>
-              <a:t>12.12.2019</a:t>
+              <a:t>24.12.2019</a:t>
             </a:fld>
             <a:endParaRPr lang="de-DE"/>
           </a:p>
@@ -8797,7 +10916,7 @@
           <p:cNvPr id="4" name="Fußzeilenplatzhalter 3">
             <a:extLst>
               <a:ext uri="{FF2B5EF4-FFF2-40B4-BE49-F238E27FC236}">
-                <a16:creationId xmlns:a16="http://schemas.microsoft.com/office/drawing/2014/main" id="{6668ACCD-E6CA-418B-95B6-DF62C72E7588}"/>
+                <a16:creationId xmlns:a16="http://schemas.microsoft.com/office/drawing/2014/main" id="{D8C400B5-8E53-452E-87B4-BA9C43958C58}"/>
               </a:ext>
             </a:extLst>
           </p:cNvPr>
@@ -8825,7 +10944,7 @@
           <p:cNvPr id="5" name="Foliennummernplatzhalter 4">
             <a:extLst>
               <a:ext uri="{FF2B5EF4-FFF2-40B4-BE49-F238E27FC236}">
-                <a16:creationId xmlns:a16="http://schemas.microsoft.com/office/drawing/2014/main" id="{F0E85529-4EB5-4EE0-843D-21709DC11FDF}"/>
+                <a16:creationId xmlns:a16="http://schemas.microsoft.com/office/drawing/2014/main" id="{FFF6272D-B2F5-4D4A-8BE2-FDC78D3C4CB1}"/>
               </a:ext>
             </a:extLst>
           </p:cNvPr>
@@ -8854,7 +10973,7 @@
           <p:cNvPr id="6" name="Textplatzhalter 5">
             <a:extLst>
               <a:ext uri="{FF2B5EF4-FFF2-40B4-BE49-F238E27FC236}">
-                <a16:creationId xmlns:a16="http://schemas.microsoft.com/office/drawing/2014/main" id="{F3ADD919-596E-40A7-BE72-1CCFDAD57502}"/>
+                <a16:creationId xmlns:a16="http://schemas.microsoft.com/office/drawing/2014/main" id="{27CB312E-8440-4D49-9195-E27AE78EF5D9}"/>
               </a:ext>
             </a:extLst>
           </p:cNvPr>
@@ -8870,7 +10989,12 @@
           <a:bodyPr/>
           <a:lstStyle/>
           <a:p>
-            <a:endParaRPr lang="de-DE"/>
+            <a:r>
+              <a:rPr lang="de-DE" dirty="0">
+                <a:latin typeface="Trebuchet MS" panose="020B0603020202020204" pitchFamily="34" charset="0"/>
+              </a:rPr>
+              <a:t>Umsetzung</a:t>
+            </a:r>
           </a:p>
         </p:txBody>
       </p:sp>
@@ -8879,7 +11003,7 @@
           <p:cNvPr id="7" name="Textplatzhalter 6">
             <a:extLst>
               <a:ext uri="{FF2B5EF4-FFF2-40B4-BE49-F238E27FC236}">
-                <a16:creationId xmlns:a16="http://schemas.microsoft.com/office/drawing/2014/main" id="{AA7FF5AE-D648-4614-AE32-056E41165369}"/>
+                <a16:creationId xmlns:a16="http://schemas.microsoft.com/office/drawing/2014/main" id="{0DACF167-7935-480F-A4D8-24AB942E276A}"/>
               </a:ext>
             </a:extLst>
           </p:cNvPr>
@@ -8895,20 +11019,462 @@
           <a:bodyPr/>
           <a:lstStyle/>
           <a:p>
-            <a:endParaRPr lang="de-DE"/>
+            <a:r>
+              <a:rPr lang="de-DE" dirty="0">
+                <a:latin typeface="Trebuchet MS" panose="020B0603020202020204" pitchFamily="34" charset="0"/>
+              </a:rPr>
+              <a:t>Anmeldung</a:t>
+            </a:r>
           </a:p>
         </p:txBody>
       </p:sp>
+      <p:graphicFrame>
+        <p:nvGraphicFramePr>
+          <p:cNvPr id="9" name="Inhaltsplatzhalter 8">
+            <a:extLst>
+              <a:ext uri="{FF2B5EF4-FFF2-40B4-BE49-F238E27FC236}">
+                <a16:creationId xmlns:a16="http://schemas.microsoft.com/office/drawing/2014/main" id="{51405A85-A1C8-42B2-A630-B31288291130}"/>
+              </a:ext>
+            </a:extLst>
+          </p:cNvPr>
+          <p:cNvGraphicFramePr>
+            <a:graphicFrameLocks noGrp="1"/>
+          </p:cNvGraphicFramePr>
+          <p:nvPr>
+            <p:ph idx="1"/>
+            <p:extLst>
+              <p:ext uri="{D42A27DB-BD31-4B8C-83A1-F6EECF244321}">
+                <p14:modId xmlns:p14="http://schemas.microsoft.com/office/powerpoint/2010/main" val="3449823854"/>
+              </p:ext>
+            </p:extLst>
+          </p:nvPr>
+        </p:nvGraphicFramePr>
+        <p:xfrm>
+          <a:off x="110231" y="1701063"/>
+          <a:ext cx="11998911" cy="4556527"/>
+        </p:xfrm>
+        <a:graphic>
+          <a:graphicData uri="http://schemas.openxmlformats.org/drawingml/2006/diagram">
+            <dgm:relIds xmlns:dgm="http://schemas.openxmlformats.org/drawingml/2006/diagram" xmlns:r="http://schemas.openxmlformats.org/officeDocument/2006/relationships" r:dm="rId2" r:lo="rId3" r:qs="rId4" r:cs="rId5"/>
+          </a:graphicData>
+        </a:graphic>
+      </p:graphicFrame>
     </p:spTree>
     <p:extLst>
       <p:ext uri="{BB962C8B-B14F-4D97-AF65-F5344CB8AC3E}">
-        <p14:creationId xmlns:p14="http://schemas.microsoft.com/office/powerpoint/2010/main" val="1391399883"/>
+        <p14:creationId xmlns:p14="http://schemas.microsoft.com/office/powerpoint/2010/main" val="3207530046"/>
       </p:ext>
     </p:extLst>
   </p:cSld>
   <p:clrMapOvr>
     <a:masterClrMapping/>
   </p:clrMapOvr>
+  <p:transition spd="slow">
+    <p:push dir="u"/>
+  </p:transition>
+  <p:timing>
+    <p:tnLst>
+      <p:par>
+        <p:cTn id="1" dur="indefinite" restart="never" nodeType="tmRoot">
+          <p:childTnLst>
+            <p:seq concurrent="1" nextAc="seek">
+              <p:cTn id="2" dur="indefinite" nodeType="mainSeq">
+                <p:childTnLst>
+                  <p:par>
+                    <p:cTn id="3" fill="hold">
+                      <p:stCondLst>
+                        <p:cond delay="indefinite"/>
+                      </p:stCondLst>
+                      <p:childTnLst>
+                        <p:par>
+                          <p:cTn id="4" fill="hold">
+                            <p:stCondLst>
+                              <p:cond delay="0"/>
+                            </p:stCondLst>
+                            <p:childTnLst>
+                              <p:par>
+                                <p:cTn id="5" presetID="10" presetClass="entr" presetSubtype="0" fill="hold" grpId="0" nodeType="clickEffect">
+                                  <p:stCondLst>
+                                    <p:cond delay="0"/>
+                                  </p:stCondLst>
+                                  <p:childTnLst>
+                                    <p:set>
+                                      <p:cBhvr>
+                                        <p:cTn id="6" dur="1" fill="hold">
+                                          <p:stCondLst>
+                                            <p:cond delay="0"/>
+                                          </p:stCondLst>
+                                        </p:cTn>
+                                        <p:tgtEl>
+                                          <p:spTgt spid="9">
+                                            <p:graphicEl>
+                                              <a:dgm id="{50E50971-2C72-43CF-B5D1-8765764FAAA3}"/>
+                                            </p:graphicEl>
+                                          </p:spTgt>
+                                        </p:tgtEl>
+                                        <p:attrNameLst>
+                                          <p:attrName>style.visibility</p:attrName>
+                                        </p:attrNameLst>
+                                      </p:cBhvr>
+                                      <p:to>
+                                        <p:strVal val="visible"/>
+                                      </p:to>
+                                    </p:set>
+                                    <p:animEffect transition="in" filter="fade">
+                                      <p:cBhvr>
+                                        <p:cTn id="7" dur="500"/>
+                                        <p:tgtEl>
+                                          <p:spTgt spid="9">
+                                            <p:graphicEl>
+                                              <a:dgm id="{50E50971-2C72-43CF-B5D1-8765764FAAA3}"/>
+                                            </p:graphicEl>
+                                          </p:spTgt>
+                                        </p:tgtEl>
+                                      </p:cBhvr>
+                                    </p:animEffect>
+                                  </p:childTnLst>
+                                </p:cTn>
+                              </p:par>
+                            </p:childTnLst>
+                          </p:cTn>
+                        </p:par>
+                      </p:childTnLst>
+                    </p:cTn>
+                  </p:par>
+                  <p:par>
+                    <p:cTn id="8" fill="hold">
+                      <p:stCondLst>
+                        <p:cond delay="indefinite"/>
+                      </p:stCondLst>
+                      <p:childTnLst>
+                        <p:par>
+                          <p:cTn id="9" fill="hold">
+                            <p:stCondLst>
+                              <p:cond delay="0"/>
+                            </p:stCondLst>
+                            <p:childTnLst>
+                              <p:par>
+                                <p:cTn id="10" presetID="10" presetClass="entr" presetSubtype="0" fill="hold" grpId="0" nodeType="clickEffect">
+                                  <p:stCondLst>
+                                    <p:cond delay="0"/>
+                                  </p:stCondLst>
+                                  <p:childTnLst>
+                                    <p:set>
+                                      <p:cBhvr>
+                                        <p:cTn id="11" dur="1" fill="hold">
+                                          <p:stCondLst>
+                                            <p:cond delay="0"/>
+                                          </p:stCondLst>
+                                        </p:cTn>
+                                        <p:tgtEl>
+                                          <p:spTgt spid="9">
+                                            <p:graphicEl>
+                                              <a:dgm id="{07D35655-8ABB-410A-87B1-1148D8DF26C5}"/>
+                                            </p:graphicEl>
+                                          </p:spTgt>
+                                        </p:tgtEl>
+                                        <p:attrNameLst>
+                                          <p:attrName>style.visibility</p:attrName>
+                                        </p:attrNameLst>
+                                      </p:cBhvr>
+                                      <p:to>
+                                        <p:strVal val="visible"/>
+                                      </p:to>
+                                    </p:set>
+                                    <p:animEffect transition="in" filter="fade">
+                                      <p:cBhvr>
+                                        <p:cTn id="12" dur="500"/>
+                                        <p:tgtEl>
+                                          <p:spTgt spid="9">
+                                            <p:graphicEl>
+                                              <a:dgm id="{07D35655-8ABB-410A-87B1-1148D8DF26C5}"/>
+                                            </p:graphicEl>
+                                          </p:spTgt>
+                                        </p:tgtEl>
+                                      </p:cBhvr>
+                                    </p:animEffect>
+                                  </p:childTnLst>
+                                </p:cTn>
+                              </p:par>
+                            </p:childTnLst>
+                          </p:cTn>
+                        </p:par>
+                      </p:childTnLst>
+                    </p:cTn>
+                  </p:par>
+                  <p:par>
+                    <p:cTn id="13" fill="hold">
+                      <p:stCondLst>
+                        <p:cond delay="indefinite"/>
+                      </p:stCondLst>
+                      <p:childTnLst>
+                        <p:par>
+                          <p:cTn id="14" fill="hold">
+                            <p:stCondLst>
+                              <p:cond delay="0"/>
+                            </p:stCondLst>
+                            <p:childTnLst>
+                              <p:par>
+                                <p:cTn id="15" presetID="10" presetClass="entr" presetSubtype="0" fill="hold" grpId="0" nodeType="clickEffect">
+                                  <p:stCondLst>
+                                    <p:cond delay="0"/>
+                                  </p:stCondLst>
+                                  <p:childTnLst>
+                                    <p:set>
+                                      <p:cBhvr>
+                                        <p:cTn id="16" dur="1" fill="hold">
+                                          <p:stCondLst>
+                                            <p:cond delay="0"/>
+                                          </p:stCondLst>
+                                        </p:cTn>
+                                        <p:tgtEl>
+                                          <p:spTgt spid="9">
+                                            <p:graphicEl>
+                                              <a:dgm id="{BA8B41C2-0E8F-4922-9B06-07D72E294C84}"/>
+                                            </p:graphicEl>
+                                          </p:spTgt>
+                                        </p:tgtEl>
+                                        <p:attrNameLst>
+                                          <p:attrName>style.visibility</p:attrName>
+                                        </p:attrNameLst>
+                                      </p:cBhvr>
+                                      <p:to>
+                                        <p:strVal val="visible"/>
+                                      </p:to>
+                                    </p:set>
+                                    <p:animEffect transition="in" filter="fade">
+                                      <p:cBhvr>
+                                        <p:cTn id="17" dur="500"/>
+                                        <p:tgtEl>
+                                          <p:spTgt spid="9">
+                                            <p:graphicEl>
+                                              <a:dgm id="{BA8B41C2-0E8F-4922-9B06-07D72E294C84}"/>
+                                            </p:graphicEl>
+                                          </p:spTgt>
+                                        </p:tgtEl>
+                                      </p:cBhvr>
+                                    </p:animEffect>
+                                  </p:childTnLst>
+                                </p:cTn>
+                              </p:par>
+                            </p:childTnLst>
+                          </p:cTn>
+                        </p:par>
+                      </p:childTnLst>
+                    </p:cTn>
+                  </p:par>
+                  <p:par>
+                    <p:cTn id="18" fill="hold">
+                      <p:stCondLst>
+                        <p:cond delay="indefinite"/>
+                      </p:stCondLst>
+                      <p:childTnLst>
+                        <p:par>
+                          <p:cTn id="19" fill="hold">
+                            <p:stCondLst>
+                              <p:cond delay="0"/>
+                            </p:stCondLst>
+                            <p:childTnLst>
+                              <p:par>
+                                <p:cTn id="20" presetID="10" presetClass="entr" presetSubtype="0" fill="hold" grpId="0" nodeType="clickEffect">
+                                  <p:stCondLst>
+                                    <p:cond delay="0"/>
+                                  </p:stCondLst>
+                                  <p:childTnLst>
+                                    <p:set>
+                                      <p:cBhvr>
+                                        <p:cTn id="21" dur="1" fill="hold">
+                                          <p:stCondLst>
+                                            <p:cond delay="0"/>
+                                          </p:stCondLst>
+                                        </p:cTn>
+                                        <p:tgtEl>
+                                          <p:spTgt spid="9">
+                                            <p:graphicEl>
+                                              <a:dgm id="{12DFF1BA-6598-4F24-9042-B4E8CF5A936A}"/>
+                                            </p:graphicEl>
+                                          </p:spTgt>
+                                        </p:tgtEl>
+                                        <p:attrNameLst>
+                                          <p:attrName>style.visibility</p:attrName>
+                                        </p:attrNameLst>
+                                      </p:cBhvr>
+                                      <p:to>
+                                        <p:strVal val="visible"/>
+                                      </p:to>
+                                    </p:set>
+                                    <p:animEffect transition="in" filter="fade">
+                                      <p:cBhvr>
+                                        <p:cTn id="22" dur="500"/>
+                                        <p:tgtEl>
+                                          <p:spTgt spid="9">
+                                            <p:graphicEl>
+                                              <a:dgm id="{12DFF1BA-6598-4F24-9042-B4E8CF5A936A}"/>
+                                            </p:graphicEl>
+                                          </p:spTgt>
+                                        </p:tgtEl>
+                                      </p:cBhvr>
+                                    </p:animEffect>
+                                  </p:childTnLst>
+                                </p:cTn>
+                              </p:par>
+                            </p:childTnLst>
+                          </p:cTn>
+                        </p:par>
+                      </p:childTnLst>
+                    </p:cTn>
+                  </p:par>
+                  <p:par>
+                    <p:cTn id="23" fill="hold">
+                      <p:stCondLst>
+                        <p:cond delay="indefinite"/>
+                      </p:stCondLst>
+                      <p:childTnLst>
+                        <p:par>
+                          <p:cTn id="24" fill="hold">
+                            <p:stCondLst>
+                              <p:cond delay="0"/>
+                            </p:stCondLst>
+                            <p:childTnLst>
+                              <p:par>
+                                <p:cTn id="25" presetID="10" presetClass="entr" presetSubtype="0" fill="hold" grpId="0" nodeType="clickEffect">
+                                  <p:stCondLst>
+                                    <p:cond delay="0"/>
+                                  </p:stCondLst>
+                                  <p:childTnLst>
+                                    <p:set>
+                                      <p:cBhvr>
+                                        <p:cTn id="26" dur="1" fill="hold">
+                                          <p:stCondLst>
+                                            <p:cond delay="0"/>
+                                          </p:stCondLst>
+                                        </p:cTn>
+                                        <p:tgtEl>
+                                          <p:spTgt spid="9">
+                                            <p:graphicEl>
+                                              <a:dgm id="{ABBBE257-6395-4392-9F0D-C8F816B4BF8F}"/>
+                                            </p:graphicEl>
+                                          </p:spTgt>
+                                        </p:tgtEl>
+                                        <p:attrNameLst>
+                                          <p:attrName>style.visibility</p:attrName>
+                                        </p:attrNameLst>
+                                      </p:cBhvr>
+                                      <p:to>
+                                        <p:strVal val="visible"/>
+                                      </p:to>
+                                    </p:set>
+                                    <p:animEffect transition="in" filter="fade">
+                                      <p:cBhvr>
+                                        <p:cTn id="27" dur="500"/>
+                                        <p:tgtEl>
+                                          <p:spTgt spid="9">
+                                            <p:graphicEl>
+                                              <a:dgm id="{ABBBE257-6395-4392-9F0D-C8F816B4BF8F}"/>
+                                            </p:graphicEl>
+                                          </p:spTgt>
+                                        </p:tgtEl>
+                                      </p:cBhvr>
+                                    </p:animEffect>
+                                  </p:childTnLst>
+                                </p:cTn>
+                              </p:par>
+                            </p:childTnLst>
+                          </p:cTn>
+                        </p:par>
+                      </p:childTnLst>
+                    </p:cTn>
+                  </p:par>
+                  <p:par>
+                    <p:cTn id="28" fill="hold">
+                      <p:stCondLst>
+                        <p:cond delay="indefinite"/>
+                      </p:stCondLst>
+                      <p:childTnLst>
+                        <p:par>
+                          <p:cTn id="29" fill="hold">
+                            <p:stCondLst>
+                              <p:cond delay="0"/>
+                            </p:stCondLst>
+                            <p:childTnLst>
+                              <p:par>
+                                <p:cTn id="30" presetID="10" presetClass="entr" presetSubtype="0" fill="hold" grpId="0" nodeType="clickEffect">
+                                  <p:stCondLst>
+                                    <p:cond delay="0"/>
+                                  </p:stCondLst>
+                                  <p:childTnLst>
+                                    <p:set>
+                                      <p:cBhvr>
+                                        <p:cTn id="31" dur="1" fill="hold">
+                                          <p:stCondLst>
+                                            <p:cond delay="0"/>
+                                          </p:stCondLst>
+                                        </p:cTn>
+                                        <p:tgtEl>
+                                          <p:spTgt spid="9">
+                                            <p:graphicEl>
+                                              <a:dgm id="{746BC9AA-DF23-4421-9B45-CA0C15278158}"/>
+                                            </p:graphicEl>
+                                          </p:spTgt>
+                                        </p:tgtEl>
+                                        <p:attrNameLst>
+                                          <p:attrName>style.visibility</p:attrName>
+                                        </p:attrNameLst>
+                                      </p:cBhvr>
+                                      <p:to>
+                                        <p:strVal val="visible"/>
+                                      </p:to>
+                                    </p:set>
+                                    <p:animEffect transition="in" filter="fade">
+                                      <p:cBhvr>
+                                        <p:cTn id="32" dur="500"/>
+                                        <p:tgtEl>
+                                          <p:spTgt spid="9">
+                                            <p:graphicEl>
+                                              <a:dgm id="{746BC9AA-DF23-4421-9B45-CA0C15278158}"/>
+                                            </p:graphicEl>
+                                          </p:spTgt>
+                                        </p:tgtEl>
+                                      </p:cBhvr>
+                                    </p:animEffect>
+                                  </p:childTnLst>
+                                </p:cTn>
+                              </p:par>
+                            </p:childTnLst>
+                          </p:cTn>
+                        </p:par>
+                      </p:childTnLst>
+                    </p:cTn>
+                  </p:par>
+                </p:childTnLst>
+              </p:cTn>
+              <p:prevCondLst>
+                <p:cond evt="onPrev" delay="0">
+                  <p:tgtEl>
+                    <p:sldTgt/>
+                  </p:tgtEl>
+                </p:cond>
+              </p:prevCondLst>
+              <p:nextCondLst>
+                <p:cond evt="onNext" delay="0">
+                  <p:tgtEl>
+                    <p:sldTgt/>
+                  </p:tgtEl>
+                </p:cond>
+              </p:nextCondLst>
+            </p:seq>
+          </p:childTnLst>
+        </p:cTn>
+      </p:par>
+    </p:tnLst>
+    <p:bldLst>
+      <p:bldGraphic spid="9" grpId="0">
+        <p:bldSub>
+          <a:bldDgm bld="lvlOne"/>
+        </p:bldSub>
+      </p:bldGraphic>
+    </p:bldLst>
+  </p:timing>
 </p:sld>
 </file>
 
@@ -8931,10 +11497,242 @@
       </p:grpSpPr>
       <p:sp>
         <p:nvSpPr>
+          <p:cNvPr id="7" name="Textplatzhalter 6">
+            <a:extLst>
+              <a:ext uri="{FF2B5EF4-FFF2-40B4-BE49-F238E27FC236}">
+                <a16:creationId xmlns:a16="http://schemas.microsoft.com/office/drawing/2014/main" id="{46D27D0F-F653-4CA3-A806-3F3747C8305D}"/>
+              </a:ext>
+            </a:extLst>
+          </p:cNvPr>
+          <p:cNvSpPr>
+            <a:spLocks noGrp="1"/>
+          </p:cNvSpPr>
+          <p:nvPr>
+            <p:ph type="body" idx="1"/>
+          </p:nvPr>
+        </p:nvSpPr>
+        <p:spPr>
+          <a:xfrm>
+            <a:off x="-109413" y="1462005"/>
+            <a:ext cx="5157787" cy="823912"/>
+          </a:xfrm>
+        </p:spPr>
+        <p:txBody>
+          <a:bodyPr/>
+          <a:lstStyle/>
+          <a:p>
+            <a:r>
+              <a:rPr lang="de-DE" sz="2800" dirty="0">
+                <a:latin typeface="Trebuchet MS" panose="020B0603020202020204" pitchFamily="34" charset="0"/>
+              </a:rPr>
+              <a:t>DATENBANKEN</a:t>
+            </a:r>
+          </a:p>
+        </p:txBody>
+      </p:sp>
+      <p:sp>
+        <p:nvSpPr>
+          <p:cNvPr id="8" name="Inhaltsplatzhalter 7">
+            <a:extLst>
+              <a:ext uri="{FF2B5EF4-FFF2-40B4-BE49-F238E27FC236}">
+                <a16:creationId xmlns:a16="http://schemas.microsoft.com/office/drawing/2014/main" id="{05FDF6BC-5F16-407A-8665-54AF3E455D21}"/>
+              </a:ext>
+            </a:extLst>
+          </p:cNvPr>
+          <p:cNvSpPr>
+            <a:spLocks noGrp="1"/>
+          </p:cNvSpPr>
+          <p:nvPr>
+            <p:ph sz="half" idx="2"/>
+          </p:nvPr>
+        </p:nvSpPr>
+        <p:spPr>
+          <a:xfrm>
+            <a:off x="599414" y="2343094"/>
+            <a:ext cx="5157787" cy="3933522"/>
+          </a:xfrm>
+        </p:spPr>
+        <p:txBody>
+          <a:bodyPr/>
+          <a:lstStyle/>
+          <a:p>
+            <a:r>
+              <a:rPr lang="de-DE" sz="2400" dirty="0">
+                <a:latin typeface="Trebuchet MS" panose="020B0603020202020204" pitchFamily="34" charset="0"/>
+              </a:rPr>
+              <a:t>Eigene Klasse „</a:t>
+            </a:r>
+            <a:r>
+              <a:rPr lang="de-DE" sz="2400" dirty="0" err="1">
+                <a:latin typeface="Trebuchet MS" panose="020B0603020202020204" pitchFamily="34" charset="0"/>
+              </a:rPr>
+              <a:t>DBQuery</a:t>
+            </a:r>
+            <a:r>
+              <a:rPr lang="de-DE" sz="2400" dirty="0">
+                <a:latin typeface="Trebuchet MS" panose="020B0603020202020204" pitchFamily="34" charset="0"/>
+              </a:rPr>
+              <a:t>“ zuständig</a:t>
+            </a:r>
+          </a:p>
+          <a:p>
+            <a:r>
+              <a:rPr lang="de-DE" sz="2400" dirty="0">
+                <a:latin typeface="Trebuchet MS" panose="020B0603020202020204" pitchFamily="34" charset="0"/>
+              </a:rPr>
+              <a:t>Verwaltet Zugriffe auf beide Datenbanken</a:t>
+            </a:r>
+          </a:p>
+          <a:p>
+            <a:r>
+              <a:rPr lang="de-DE" sz="2400" dirty="0">
+                <a:latin typeface="Trebuchet MS" panose="020B0603020202020204" pitchFamily="34" charset="0"/>
+              </a:rPr>
+              <a:t>u. A. Überprüfung der Anmeldedaten, Erstellen der Datensätze</a:t>
+            </a:r>
+          </a:p>
+          <a:p>
+            <a:endParaRPr lang="de-DE" sz="2400" dirty="0">
+              <a:latin typeface="Trebuchet MS" panose="020B0603020202020204" pitchFamily="34" charset="0"/>
+            </a:endParaRPr>
+          </a:p>
+          <a:p>
+            <a:endParaRPr lang="de-DE" sz="2400" dirty="0"/>
+          </a:p>
+        </p:txBody>
+      </p:sp>
+      <p:sp>
+        <p:nvSpPr>
+          <p:cNvPr id="6" name="Textplatzhalter 5">
+            <a:extLst>
+              <a:ext uri="{FF2B5EF4-FFF2-40B4-BE49-F238E27FC236}">
+                <a16:creationId xmlns:a16="http://schemas.microsoft.com/office/drawing/2014/main" id="{1A510F3A-C4AF-4836-9FB5-83584A0F6635}"/>
+              </a:ext>
+            </a:extLst>
+          </p:cNvPr>
+          <p:cNvSpPr>
+            <a:spLocks noGrp="1"/>
+          </p:cNvSpPr>
+          <p:nvPr>
+            <p:ph type="body" sz="quarter" idx="3"/>
+          </p:nvPr>
+        </p:nvSpPr>
+        <p:spPr>
+          <a:xfrm>
+            <a:off x="5616048" y="1462005"/>
+            <a:ext cx="5737752" cy="823912"/>
+          </a:xfrm>
+        </p:spPr>
+        <p:txBody>
+          <a:bodyPr/>
+          <a:lstStyle/>
+          <a:p>
+            <a:r>
+              <a:rPr lang="de-DE" sz="2800" dirty="0">
+                <a:latin typeface="Trebuchet MS" panose="020B0603020202020204" pitchFamily="34" charset="0"/>
+              </a:rPr>
+              <a:t>PASSWÖRTER</a:t>
+            </a:r>
+          </a:p>
+        </p:txBody>
+      </p:sp>
+      <p:sp>
+        <p:nvSpPr>
+          <p:cNvPr id="9" name="Inhaltsplatzhalter 8">
+            <a:extLst>
+              <a:ext uri="{FF2B5EF4-FFF2-40B4-BE49-F238E27FC236}">
+                <a16:creationId xmlns:a16="http://schemas.microsoft.com/office/drawing/2014/main" id="{7DC33A7C-11D6-4256-A5D0-37AF7886ABF9}"/>
+              </a:ext>
+            </a:extLst>
+          </p:cNvPr>
+          <p:cNvSpPr>
+            <a:spLocks noGrp="1"/>
+          </p:cNvSpPr>
+          <p:nvPr>
+            <p:ph sz="quarter" idx="4"/>
+          </p:nvPr>
+        </p:nvSpPr>
+        <p:spPr>
+          <a:xfrm>
+            <a:off x="6000750" y="2343094"/>
+            <a:ext cx="5895976" cy="3898902"/>
+          </a:xfrm>
+        </p:spPr>
+        <p:txBody>
+          <a:bodyPr/>
+          <a:lstStyle/>
+          <a:p>
+            <a:r>
+              <a:rPr lang="de-DE" sz="2400" dirty="0">
+                <a:latin typeface="Trebuchet MS" panose="020B0603020202020204" pitchFamily="34" charset="0"/>
+              </a:rPr>
+              <a:t>Modifizierte Klasse „</a:t>
+            </a:r>
+            <a:r>
+              <a:rPr lang="de-DE" sz="2400" dirty="0" err="1">
+                <a:latin typeface="Trebuchet MS" panose="020B0603020202020204" pitchFamily="34" charset="0"/>
+              </a:rPr>
+              <a:t>PasswordHasher</a:t>
+            </a:r>
+            <a:r>
+              <a:rPr lang="de-DE" sz="2400" dirty="0">
+                <a:latin typeface="Trebuchet MS" panose="020B0603020202020204" pitchFamily="34" charset="0"/>
+              </a:rPr>
+              <a:t>“ von </a:t>
+            </a:r>
+            <a:r>
+              <a:rPr lang="de-DE" sz="2400" b="1" i="1" dirty="0">
+                <a:latin typeface="Trebuchet MS" panose="020B0603020202020204" pitchFamily="34" charset="0"/>
+              </a:rPr>
+              <a:t>learnjavaonline.com</a:t>
+            </a:r>
+          </a:p>
+          <a:p>
+            <a:r>
+              <a:rPr lang="de-DE" sz="2400" dirty="0">
+                <a:latin typeface="Trebuchet MS" panose="020B0603020202020204" pitchFamily="34" charset="0"/>
+              </a:rPr>
+              <a:t>Verwaltet sämtliche Interaktionen mit Passwörtern, z.B.:</a:t>
+            </a:r>
+          </a:p>
+          <a:p>
+            <a:pPr lvl="1"/>
+            <a:r>
+              <a:rPr lang="de-DE" sz="2000" dirty="0">
+                <a:latin typeface="Trebuchet MS" panose="020B0603020202020204" pitchFamily="34" charset="0"/>
+              </a:rPr>
+              <a:t>Generieren des Hashwerts aus einem Passwort</a:t>
+            </a:r>
+          </a:p>
+          <a:p>
+            <a:pPr lvl="1"/>
+            <a:r>
+              <a:rPr lang="de-DE" sz="2000" dirty="0">
+                <a:latin typeface="Trebuchet MS" panose="020B0603020202020204" pitchFamily="34" charset="0"/>
+              </a:rPr>
+              <a:t>Überprüfen des eingegeben Passworts (</a:t>
+            </a:r>
+            <a:r>
+              <a:rPr lang="de-DE" sz="2000" dirty="0" err="1">
+                <a:latin typeface="Trebuchet MS" panose="020B0603020202020204" pitchFamily="34" charset="0"/>
+              </a:rPr>
+              <a:t>Hashen</a:t>
+            </a:r>
+            <a:r>
+              <a:rPr lang="de-DE" sz="2000" dirty="0">
+                <a:latin typeface="Trebuchet MS" panose="020B0603020202020204" pitchFamily="34" charset="0"/>
+              </a:rPr>
+              <a:t> + Vergleichen)</a:t>
+            </a:r>
+          </a:p>
+        </p:txBody>
+      </p:sp>
+      <p:sp>
+        <p:nvSpPr>
           <p:cNvPr id="3" name="Datumsplatzhalter 2">
             <a:extLst>
               <a:ext uri="{FF2B5EF4-FFF2-40B4-BE49-F238E27FC236}">
-                <a16:creationId xmlns:a16="http://schemas.microsoft.com/office/drawing/2014/main" id="{C94A59A8-70ED-4BAD-910E-265A8357FBD7}"/>
+                <a16:creationId xmlns:a16="http://schemas.microsoft.com/office/drawing/2014/main" id="{758882C4-8B9B-4746-96C5-36A91AF4E8AF}"/>
               </a:ext>
             </a:extLst>
           </p:cNvPr>
@@ -8952,7 +11750,769 @@
           <a:p>
             <a:fld id="{46C1CA06-F658-4220-8BC8-8FCF6253DAE1}" type="datetime1">
               <a:rPr lang="de-DE" smtClean="0"/>
-              <a:t>12.12.2019</a:t>
+              <a:t>24.12.2019</a:t>
+            </a:fld>
+            <a:endParaRPr lang="de-DE"/>
+          </a:p>
+        </p:txBody>
+      </p:sp>
+      <p:sp>
+        <p:nvSpPr>
+          <p:cNvPr id="4" name="Fußzeilenplatzhalter 3">
+            <a:extLst>
+              <a:ext uri="{FF2B5EF4-FFF2-40B4-BE49-F238E27FC236}">
+                <a16:creationId xmlns:a16="http://schemas.microsoft.com/office/drawing/2014/main" id="{51A71253-D448-4037-A6C3-CC7A6E9ED606}"/>
+              </a:ext>
+            </a:extLst>
+          </p:cNvPr>
+          <p:cNvSpPr>
+            <a:spLocks noGrp="1"/>
+          </p:cNvSpPr>
+          <p:nvPr>
+            <p:ph type="ftr" sz="quarter" idx="11"/>
+          </p:nvPr>
+        </p:nvSpPr>
+        <p:spPr/>
+        <p:txBody>
+          <a:bodyPr/>
+          <a:lstStyle/>
+          <a:p>
+            <a:r>
+              <a:rPr lang="de-DE"/>
+              <a:t>Krieger</a:t>
+            </a:r>
+          </a:p>
+        </p:txBody>
+      </p:sp>
+      <p:sp>
+        <p:nvSpPr>
+          <p:cNvPr id="5" name="Foliennummernplatzhalter 4">
+            <a:extLst>
+              <a:ext uri="{FF2B5EF4-FFF2-40B4-BE49-F238E27FC236}">
+                <a16:creationId xmlns:a16="http://schemas.microsoft.com/office/drawing/2014/main" id="{992697C4-33D6-4C2A-899B-084BD779AC26}"/>
+              </a:ext>
+            </a:extLst>
+          </p:cNvPr>
+          <p:cNvSpPr>
+            <a:spLocks noGrp="1"/>
+          </p:cNvSpPr>
+          <p:nvPr>
+            <p:ph type="sldNum" sz="quarter" idx="12"/>
+          </p:nvPr>
+        </p:nvSpPr>
+        <p:spPr/>
+        <p:txBody>
+          <a:bodyPr/>
+          <a:lstStyle/>
+          <a:p>
+            <a:fld id="{75F11FD4-B355-4EAB-967C-DBC12644FBDE}" type="slidenum">
+              <a:rPr lang="de-DE" smtClean="0"/>
+              <a:t>13</a:t>
+            </a:fld>
+            <a:endParaRPr lang="de-DE"/>
+          </a:p>
+        </p:txBody>
+      </p:sp>
+      <p:sp>
+        <p:nvSpPr>
+          <p:cNvPr id="11" name="Textplatzhalter 10">
+            <a:extLst>
+              <a:ext uri="{FF2B5EF4-FFF2-40B4-BE49-F238E27FC236}">
+                <a16:creationId xmlns:a16="http://schemas.microsoft.com/office/drawing/2014/main" id="{E46C44E2-00DD-4D34-9F8A-3FF545133398}"/>
+              </a:ext>
+            </a:extLst>
+          </p:cNvPr>
+          <p:cNvSpPr>
+            <a:spLocks noGrp="1"/>
+          </p:cNvSpPr>
+          <p:nvPr>
+            <p:ph type="body" sz="quarter" idx="14"/>
+          </p:nvPr>
+        </p:nvSpPr>
+        <p:spPr/>
+        <p:txBody>
+          <a:bodyPr/>
+          <a:lstStyle/>
+          <a:p>
+            <a:r>
+              <a:rPr lang="de-DE" dirty="0">
+                <a:latin typeface="Trebuchet MS" panose="020B0603020202020204" pitchFamily="34" charset="0"/>
+              </a:rPr>
+              <a:t>Datenbanken und Passwörter</a:t>
+            </a:r>
+          </a:p>
+        </p:txBody>
+      </p:sp>
+      <p:sp>
+        <p:nvSpPr>
+          <p:cNvPr id="10" name="Textplatzhalter 9">
+            <a:extLst>
+              <a:ext uri="{FF2B5EF4-FFF2-40B4-BE49-F238E27FC236}">
+                <a16:creationId xmlns:a16="http://schemas.microsoft.com/office/drawing/2014/main" id="{87BB9A2F-FD74-4CB9-A853-A3C5FB3DBFB5}"/>
+              </a:ext>
+            </a:extLst>
+          </p:cNvPr>
+          <p:cNvSpPr>
+            <a:spLocks noGrp="1"/>
+          </p:cNvSpPr>
+          <p:nvPr>
+            <p:ph type="body" sz="quarter" idx="13"/>
+          </p:nvPr>
+        </p:nvSpPr>
+        <p:spPr/>
+        <p:txBody>
+          <a:bodyPr/>
+          <a:lstStyle/>
+          <a:p>
+            <a:r>
+              <a:rPr lang="de-DE" dirty="0">
+                <a:latin typeface="Trebuchet MS" panose="020B0603020202020204" pitchFamily="34" charset="0"/>
+              </a:rPr>
+              <a:t>Utility - Klassen</a:t>
+            </a:r>
+          </a:p>
+        </p:txBody>
+      </p:sp>
+    </p:spTree>
+    <p:extLst>
+      <p:ext uri="{BB962C8B-B14F-4D97-AF65-F5344CB8AC3E}">
+        <p14:creationId xmlns:p14="http://schemas.microsoft.com/office/powerpoint/2010/main" val="4100918803"/>
+      </p:ext>
+    </p:extLst>
+  </p:cSld>
+  <p:clrMapOvr>
+    <a:masterClrMapping/>
+  </p:clrMapOvr>
+  <p:transition spd="slow">
+    <p:push dir="u"/>
+  </p:transition>
+  <p:timing>
+    <p:tnLst>
+      <p:par>
+        <p:cTn id="1" dur="indefinite" restart="never" nodeType="tmRoot">
+          <p:childTnLst>
+            <p:seq concurrent="1" nextAc="seek">
+              <p:cTn id="2" dur="indefinite" nodeType="mainSeq">
+                <p:childTnLst>
+                  <p:par>
+                    <p:cTn id="3" fill="hold">
+                      <p:stCondLst>
+                        <p:cond delay="indefinite"/>
+                      </p:stCondLst>
+                      <p:childTnLst>
+                        <p:par>
+                          <p:cTn id="4" fill="hold">
+                            <p:stCondLst>
+                              <p:cond delay="0"/>
+                            </p:stCondLst>
+                            <p:childTnLst>
+                              <p:par>
+                                <p:cTn id="5" presetID="10" presetClass="entr" presetSubtype="0" fill="hold" grpId="0" nodeType="clickEffect">
+                                  <p:stCondLst>
+                                    <p:cond delay="0"/>
+                                  </p:stCondLst>
+                                  <p:childTnLst>
+                                    <p:set>
+                                      <p:cBhvr>
+                                        <p:cTn id="6" dur="1" fill="hold">
+                                          <p:stCondLst>
+                                            <p:cond delay="0"/>
+                                          </p:stCondLst>
+                                        </p:cTn>
+                                        <p:tgtEl>
+                                          <p:spTgt spid="7">
+                                            <p:txEl>
+                                              <p:pRg st="0" end="0"/>
+                                            </p:txEl>
+                                          </p:spTgt>
+                                        </p:tgtEl>
+                                        <p:attrNameLst>
+                                          <p:attrName>style.visibility</p:attrName>
+                                        </p:attrNameLst>
+                                      </p:cBhvr>
+                                      <p:to>
+                                        <p:strVal val="visible"/>
+                                      </p:to>
+                                    </p:set>
+                                    <p:animEffect transition="in" filter="fade">
+                                      <p:cBhvr>
+                                        <p:cTn id="7" dur="500"/>
+                                        <p:tgtEl>
+                                          <p:spTgt spid="7">
+                                            <p:txEl>
+                                              <p:pRg st="0" end="0"/>
+                                            </p:txEl>
+                                          </p:spTgt>
+                                        </p:tgtEl>
+                                      </p:cBhvr>
+                                    </p:animEffect>
+                                  </p:childTnLst>
+                                </p:cTn>
+                              </p:par>
+                            </p:childTnLst>
+                          </p:cTn>
+                        </p:par>
+                      </p:childTnLst>
+                    </p:cTn>
+                  </p:par>
+                  <p:par>
+                    <p:cTn id="8" fill="hold">
+                      <p:stCondLst>
+                        <p:cond delay="indefinite"/>
+                      </p:stCondLst>
+                      <p:childTnLst>
+                        <p:par>
+                          <p:cTn id="9" fill="hold">
+                            <p:stCondLst>
+                              <p:cond delay="0"/>
+                            </p:stCondLst>
+                            <p:childTnLst>
+                              <p:par>
+                                <p:cTn id="10" presetID="10" presetClass="entr" presetSubtype="0" fill="hold" nodeType="clickEffect">
+                                  <p:stCondLst>
+                                    <p:cond delay="0"/>
+                                  </p:stCondLst>
+                                  <p:childTnLst>
+                                    <p:set>
+                                      <p:cBhvr>
+                                        <p:cTn id="11" dur="1" fill="hold">
+                                          <p:stCondLst>
+                                            <p:cond delay="0"/>
+                                          </p:stCondLst>
+                                        </p:cTn>
+                                        <p:tgtEl>
+                                          <p:spTgt spid="8">
+                                            <p:txEl>
+                                              <p:pRg st="0" end="0"/>
+                                            </p:txEl>
+                                          </p:spTgt>
+                                        </p:tgtEl>
+                                        <p:attrNameLst>
+                                          <p:attrName>style.visibility</p:attrName>
+                                        </p:attrNameLst>
+                                      </p:cBhvr>
+                                      <p:to>
+                                        <p:strVal val="visible"/>
+                                      </p:to>
+                                    </p:set>
+                                    <p:animEffect transition="in" filter="fade">
+                                      <p:cBhvr>
+                                        <p:cTn id="12" dur="500"/>
+                                        <p:tgtEl>
+                                          <p:spTgt spid="8">
+                                            <p:txEl>
+                                              <p:pRg st="0" end="0"/>
+                                            </p:txEl>
+                                          </p:spTgt>
+                                        </p:tgtEl>
+                                      </p:cBhvr>
+                                    </p:animEffect>
+                                  </p:childTnLst>
+                                </p:cTn>
+                              </p:par>
+                            </p:childTnLst>
+                          </p:cTn>
+                        </p:par>
+                      </p:childTnLst>
+                    </p:cTn>
+                  </p:par>
+                  <p:par>
+                    <p:cTn id="13" fill="hold">
+                      <p:stCondLst>
+                        <p:cond delay="indefinite"/>
+                      </p:stCondLst>
+                      <p:childTnLst>
+                        <p:par>
+                          <p:cTn id="14" fill="hold">
+                            <p:stCondLst>
+                              <p:cond delay="0"/>
+                            </p:stCondLst>
+                            <p:childTnLst>
+                              <p:par>
+                                <p:cTn id="15" presetID="10" presetClass="entr" presetSubtype="0" fill="hold" nodeType="clickEffect">
+                                  <p:stCondLst>
+                                    <p:cond delay="0"/>
+                                  </p:stCondLst>
+                                  <p:childTnLst>
+                                    <p:set>
+                                      <p:cBhvr>
+                                        <p:cTn id="16" dur="1" fill="hold">
+                                          <p:stCondLst>
+                                            <p:cond delay="0"/>
+                                          </p:stCondLst>
+                                        </p:cTn>
+                                        <p:tgtEl>
+                                          <p:spTgt spid="8">
+                                            <p:txEl>
+                                              <p:pRg st="1" end="1"/>
+                                            </p:txEl>
+                                          </p:spTgt>
+                                        </p:tgtEl>
+                                        <p:attrNameLst>
+                                          <p:attrName>style.visibility</p:attrName>
+                                        </p:attrNameLst>
+                                      </p:cBhvr>
+                                      <p:to>
+                                        <p:strVal val="visible"/>
+                                      </p:to>
+                                    </p:set>
+                                    <p:animEffect transition="in" filter="fade">
+                                      <p:cBhvr>
+                                        <p:cTn id="17" dur="500"/>
+                                        <p:tgtEl>
+                                          <p:spTgt spid="8">
+                                            <p:txEl>
+                                              <p:pRg st="1" end="1"/>
+                                            </p:txEl>
+                                          </p:spTgt>
+                                        </p:tgtEl>
+                                      </p:cBhvr>
+                                    </p:animEffect>
+                                  </p:childTnLst>
+                                </p:cTn>
+                              </p:par>
+                            </p:childTnLst>
+                          </p:cTn>
+                        </p:par>
+                      </p:childTnLst>
+                    </p:cTn>
+                  </p:par>
+                  <p:par>
+                    <p:cTn id="18" fill="hold">
+                      <p:stCondLst>
+                        <p:cond delay="indefinite"/>
+                      </p:stCondLst>
+                      <p:childTnLst>
+                        <p:par>
+                          <p:cTn id="19" fill="hold">
+                            <p:stCondLst>
+                              <p:cond delay="0"/>
+                            </p:stCondLst>
+                            <p:childTnLst>
+                              <p:par>
+                                <p:cTn id="20" presetID="10" presetClass="entr" presetSubtype="0" fill="hold" nodeType="clickEffect">
+                                  <p:stCondLst>
+                                    <p:cond delay="0"/>
+                                  </p:stCondLst>
+                                  <p:childTnLst>
+                                    <p:set>
+                                      <p:cBhvr>
+                                        <p:cTn id="21" dur="1" fill="hold">
+                                          <p:stCondLst>
+                                            <p:cond delay="0"/>
+                                          </p:stCondLst>
+                                        </p:cTn>
+                                        <p:tgtEl>
+                                          <p:spTgt spid="8">
+                                            <p:txEl>
+                                              <p:pRg st="2" end="2"/>
+                                            </p:txEl>
+                                          </p:spTgt>
+                                        </p:tgtEl>
+                                        <p:attrNameLst>
+                                          <p:attrName>style.visibility</p:attrName>
+                                        </p:attrNameLst>
+                                      </p:cBhvr>
+                                      <p:to>
+                                        <p:strVal val="visible"/>
+                                      </p:to>
+                                    </p:set>
+                                    <p:animEffect transition="in" filter="fade">
+                                      <p:cBhvr>
+                                        <p:cTn id="22" dur="500"/>
+                                        <p:tgtEl>
+                                          <p:spTgt spid="8">
+                                            <p:txEl>
+                                              <p:pRg st="2" end="2"/>
+                                            </p:txEl>
+                                          </p:spTgt>
+                                        </p:tgtEl>
+                                      </p:cBhvr>
+                                    </p:animEffect>
+                                  </p:childTnLst>
+                                </p:cTn>
+                              </p:par>
+                            </p:childTnLst>
+                          </p:cTn>
+                        </p:par>
+                      </p:childTnLst>
+                    </p:cTn>
+                  </p:par>
+                  <p:par>
+                    <p:cTn id="23" fill="hold">
+                      <p:stCondLst>
+                        <p:cond delay="indefinite"/>
+                      </p:stCondLst>
+                      <p:childTnLst>
+                        <p:par>
+                          <p:cTn id="24" fill="hold">
+                            <p:stCondLst>
+                              <p:cond delay="0"/>
+                            </p:stCondLst>
+                            <p:childTnLst>
+                              <p:par>
+                                <p:cTn id="25" presetID="10" presetClass="entr" presetSubtype="0" fill="hold" grpId="0" nodeType="clickEffect">
+                                  <p:stCondLst>
+                                    <p:cond delay="0"/>
+                                  </p:stCondLst>
+                                  <p:childTnLst>
+                                    <p:set>
+                                      <p:cBhvr>
+                                        <p:cTn id="26" dur="1" fill="hold">
+                                          <p:stCondLst>
+                                            <p:cond delay="0"/>
+                                          </p:stCondLst>
+                                        </p:cTn>
+                                        <p:tgtEl>
+                                          <p:spTgt spid="6">
+                                            <p:txEl>
+                                              <p:pRg st="0" end="0"/>
+                                            </p:txEl>
+                                          </p:spTgt>
+                                        </p:tgtEl>
+                                        <p:attrNameLst>
+                                          <p:attrName>style.visibility</p:attrName>
+                                        </p:attrNameLst>
+                                      </p:cBhvr>
+                                      <p:to>
+                                        <p:strVal val="visible"/>
+                                      </p:to>
+                                    </p:set>
+                                    <p:animEffect transition="in" filter="fade">
+                                      <p:cBhvr>
+                                        <p:cTn id="27" dur="500"/>
+                                        <p:tgtEl>
+                                          <p:spTgt spid="6">
+                                            <p:txEl>
+                                              <p:pRg st="0" end="0"/>
+                                            </p:txEl>
+                                          </p:spTgt>
+                                        </p:tgtEl>
+                                      </p:cBhvr>
+                                    </p:animEffect>
+                                  </p:childTnLst>
+                                </p:cTn>
+                              </p:par>
+                            </p:childTnLst>
+                          </p:cTn>
+                        </p:par>
+                      </p:childTnLst>
+                    </p:cTn>
+                  </p:par>
+                  <p:par>
+                    <p:cTn id="28" fill="hold">
+                      <p:stCondLst>
+                        <p:cond delay="indefinite"/>
+                      </p:stCondLst>
+                      <p:childTnLst>
+                        <p:par>
+                          <p:cTn id="29" fill="hold">
+                            <p:stCondLst>
+                              <p:cond delay="0"/>
+                            </p:stCondLst>
+                            <p:childTnLst>
+                              <p:par>
+                                <p:cTn id="30" presetID="10" presetClass="entr" presetSubtype="0" fill="hold" nodeType="clickEffect">
+                                  <p:stCondLst>
+                                    <p:cond delay="0"/>
+                                  </p:stCondLst>
+                                  <p:childTnLst>
+                                    <p:set>
+                                      <p:cBhvr>
+                                        <p:cTn id="31" dur="1" fill="hold">
+                                          <p:stCondLst>
+                                            <p:cond delay="0"/>
+                                          </p:stCondLst>
+                                        </p:cTn>
+                                        <p:tgtEl>
+                                          <p:spTgt spid="9">
+                                            <p:txEl>
+                                              <p:pRg st="0" end="0"/>
+                                            </p:txEl>
+                                          </p:spTgt>
+                                        </p:tgtEl>
+                                        <p:attrNameLst>
+                                          <p:attrName>style.visibility</p:attrName>
+                                        </p:attrNameLst>
+                                      </p:cBhvr>
+                                      <p:to>
+                                        <p:strVal val="visible"/>
+                                      </p:to>
+                                    </p:set>
+                                    <p:animEffect transition="in" filter="fade">
+                                      <p:cBhvr>
+                                        <p:cTn id="32" dur="500"/>
+                                        <p:tgtEl>
+                                          <p:spTgt spid="9">
+                                            <p:txEl>
+                                              <p:pRg st="0" end="0"/>
+                                            </p:txEl>
+                                          </p:spTgt>
+                                        </p:tgtEl>
+                                      </p:cBhvr>
+                                    </p:animEffect>
+                                  </p:childTnLst>
+                                </p:cTn>
+                              </p:par>
+                            </p:childTnLst>
+                          </p:cTn>
+                        </p:par>
+                      </p:childTnLst>
+                    </p:cTn>
+                  </p:par>
+                  <p:par>
+                    <p:cTn id="33" fill="hold">
+                      <p:stCondLst>
+                        <p:cond delay="indefinite"/>
+                      </p:stCondLst>
+                      <p:childTnLst>
+                        <p:par>
+                          <p:cTn id="34" fill="hold">
+                            <p:stCondLst>
+                              <p:cond delay="0"/>
+                            </p:stCondLst>
+                            <p:childTnLst>
+                              <p:par>
+                                <p:cTn id="35" presetID="10" presetClass="entr" presetSubtype="0" fill="hold" nodeType="clickEffect">
+                                  <p:stCondLst>
+                                    <p:cond delay="0"/>
+                                  </p:stCondLst>
+                                  <p:childTnLst>
+                                    <p:set>
+                                      <p:cBhvr>
+                                        <p:cTn id="36" dur="1" fill="hold">
+                                          <p:stCondLst>
+                                            <p:cond delay="0"/>
+                                          </p:stCondLst>
+                                        </p:cTn>
+                                        <p:tgtEl>
+                                          <p:spTgt spid="9">
+                                            <p:txEl>
+                                              <p:pRg st="1" end="1"/>
+                                            </p:txEl>
+                                          </p:spTgt>
+                                        </p:tgtEl>
+                                        <p:attrNameLst>
+                                          <p:attrName>style.visibility</p:attrName>
+                                        </p:attrNameLst>
+                                      </p:cBhvr>
+                                      <p:to>
+                                        <p:strVal val="visible"/>
+                                      </p:to>
+                                    </p:set>
+                                    <p:animEffect transition="in" filter="fade">
+                                      <p:cBhvr>
+                                        <p:cTn id="37" dur="500"/>
+                                        <p:tgtEl>
+                                          <p:spTgt spid="9">
+                                            <p:txEl>
+                                              <p:pRg st="1" end="1"/>
+                                            </p:txEl>
+                                          </p:spTgt>
+                                        </p:tgtEl>
+                                      </p:cBhvr>
+                                    </p:animEffect>
+                                  </p:childTnLst>
+                                </p:cTn>
+                              </p:par>
+                            </p:childTnLst>
+                          </p:cTn>
+                        </p:par>
+                      </p:childTnLst>
+                    </p:cTn>
+                  </p:par>
+                  <p:par>
+                    <p:cTn id="38" fill="hold">
+                      <p:stCondLst>
+                        <p:cond delay="indefinite"/>
+                      </p:stCondLst>
+                      <p:childTnLst>
+                        <p:par>
+                          <p:cTn id="39" fill="hold">
+                            <p:stCondLst>
+                              <p:cond delay="0"/>
+                            </p:stCondLst>
+                            <p:childTnLst>
+                              <p:par>
+                                <p:cTn id="40" presetID="10" presetClass="entr" presetSubtype="0" fill="hold" nodeType="clickEffect">
+                                  <p:stCondLst>
+                                    <p:cond delay="0"/>
+                                  </p:stCondLst>
+                                  <p:childTnLst>
+                                    <p:set>
+                                      <p:cBhvr>
+                                        <p:cTn id="41" dur="1" fill="hold">
+                                          <p:stCondLst>
+                                            <p:cond delay="0"/>
+                                          </p:stCondLst>
+                                        </p:cTn>
+                                        <p:tgtEl>
+                                          <p:spTgt spid="9">
+                                            <p:txEl>
+                                              <p:pRg st="2" end="2"/>
+                                            </p:txEl>
+                                          </p:spTgt>
+                                        </p:tgtEl>
+                                        <p:attrNameLst>
+                                          <p:attrName>style.visibility</p:attrName>
+                                        </p:attrNameLst>
+                                      </p:cBhvr>
+                                      <p:to>
+                                        <p:strVal val="visible"/>
+                                      </p:to>
+                                    </p:set>
+                                    <p:animEffect transition="in" filter="fade">
+                                      <p:cBhvr>
+                                        <p:cTn id="42" dur="500"/>
+                                        <p:tgtEl>
+                                          <p:spTgt spid="9">
+                                            <p:txEl>
+                                              <p:pRg st="2" end="2"/>
+                                            </p:txEl>
+                                          </p:spTgt>
+                                        </p:tgtEl>
+                                      </p:cBhvr>
+                                    </p:animEffect>
+                                  </p:childTnLst>
+                                </p:cTn>
+                              </p:par>
+                            </p:childTnLst>
+                          </p:cTn>
+                        </p:par>
+                      </p:childTnLst>
+                    </p:cTn>
+                  </p:par>
+                  <p:par>
+                    <p:cTn id="43" fill="hold">
+                      <p:stCondLst>
+                        <p:cond delay="indefinite"/>
+                      </p:stCondLst>
+                      <p:childTnLst>
+                        <p:par>
+                          <p:cTn id="44" fill="hold">
+                            <p:stCondLst>
+                              <p:cond delay="0"/>
+                            </p:stCondLst>
+                            <p:childTnLst>
+                              <p:par>
+                                <p:cTn id="45" presetID="10" presetClass="entr" presetSubtype="0" fill="hold" nodeType="clickEffect">
+                                  <p:stCondLst>
+                                    <p:cond delay="0"/>
+                                  </p:stCondLst>
+                                  <p:childTnLst>
+                                    <p:set>
+                                      <p:cBhvr>
+                                        <p:cTn id="46" dur="1" fill="hold">
+                                          <p:stCondLst>
+                                            <p:cond delay="0"/>
+                                          </p:stCondLst>
+                                        </p:cTn>
+                                        <p:tgtEl>
+                                          <p:spTgt spid="9">
+                                            <p:txEl>
+                                              <p:pRg st="3" end="3"/>
+                                            </p:txEl>
+                                          </p:spTgt>
+                                        </p:tgtEl>
+                                        <p:attrNameLst>
+                                          <p:attrName>style.visibility</p:attrName>
+                                        </p:attrNameLst>
+                                      </p:cBhvr>
+                                      <p:to>
+                                        <p:strVal val="visible"/>
+                                      </p:to>
+                                    </p:set>
+                                    <p:animEffect transition="in" filter="fade">
+                                      <p:cBhvr>
+                                        <p:cTn id="47" dur="500"/>
+                                        <p:tgtEl>
+                                          <p:spTgt spid="9">
+                                            <p:txEl>
+                                              <p:pRg st="3" end="3"/>
+                                            </p:txEl>
+                                          </p:spTgt>
+                                        </p:tgtEl>
+                                      </p:cBhvr>
+                                    </p:animEffect>
+                                  </p:childTnLst>
+                                </p:cTn>
+                              </p:par>
+                            </p:childTnLst>
+                          </p:cTn>
+                        </p:par>
+                      </p:childTnLst>
+                    </p:cTn>
+                  </p:par>
+                </p:childTnLst>
+              </p:cTn>
+              <p:prevCondLst>
+                <p:cond evt="onPrev" delay="0">
+                  <p:tgtEl>
+                    <p:sldTgt/>
+                  </p:tgtEl>
+                </p:cond>
+              </p:prevCondLst>
+              <p:nextCondLst>
+                <p:cond evt="onNext" delay="0">
+                  <p:tgtEl>
+                    <p:sldTgt/>
+                  </p:tgtEl>
+                </p:cond>
+              </p:nextCondLst>
+            </p:seq>
+          </p:childTnLst>
+        </p:cTn>
+      </p:par>
+    </p:tnLst>
+    <p:bldLst>
+      <p:bldP spid="7" grpId="0" build="p"/>
+      <p:bldP spid="6" grpId="0" build="p"/>
+    </p:bldLst>
+  </p:timing>
+</p:sld>
+</file>
+
+<file path=ppt/slides/slide14.xml><?xml version="1.0" encoding="utf-8"?>
+<p:sld xmlns:a="http://schemas.openxmlformats.org/drawingml/2006/main" xmlns:r="http://schemas.openxmlformats.org/officeDocument/2006/relationships" xmlns:p="http://schemas.openxmlformats.org/presentationml/2006/main">
+  <p:cSld>
+    <p:spTree>
+      <p:nvGrpSpPr>
+        <p:cNvPr id="1" name=""/>
+        <p:cNvGrpSpPr/>
+        <p:nvPr/>
+      </p:nvGrpSpPr>
+      <p:grpSpPr>
+        <a:xfrm>
+          <a:off x="0" y="0"/>
+          <a:ext cx="0" cy="0"/>
+          <a:chOff x="0" y="0"/>
+          <a:chExt cx="0" cy="0"/>
+        </a:xfrm>
+      </p:grpSpPr>
+      <p:sp>
+        <p:nvSpPr>
+          <p:cNvPr id="3" name="Datumsplatzhalter 2">
+            <a:extLst>
+              <a:ext uri="{FF2B5EF4-FFF2-40B4-BE49-F238E27FC236}">
+                <a16:creationId xmlns:a16="http://schemas.microsoft.com/office/drawing/2014/main" id="{C94A59A8-70ED-4BAD-910E-265A8357FBD7}"/>
+              </a:ext>
+            </a:extLst>
+          </p:cNvPr>
+          <p:cNvSpPr>
+            <a:spLocks noGrp="1"/>
+          </p:cNvSpPr>
+          <p:nvPr>
+            <p:ph type="dt" sz="half" idx="10"/>
+          </p:nvPr>
+        </p:nvSpPr>
+        <p:spPr/>
+        <p:txBody>
+          <a:bodyPr/>
+          <a:lstStyle/>
+          <a:p>
+            <a:fld id="{46C1CA06-F658-4220-8BC8-8FCF6253DAE1}" type="datetime1">
+              <a:rPr lang="de-DE" smtClean="0"/>
+              <a:t>24.12.2019</a:t>
             </a:fld>
             <a:endParaRPr lang="de-DE"/>
           </a:p>
@@ -9009,7 +12569,7 @@
           <a:p>
             <a:fld id="{75F11FD4-B355-4EAB-967C-DBC12644FBDE}" type="slidenum">
               <a:rPr lang="de-DE" smtClean="0"/>
-              <a:t>13</a:t>
+              <a:t>14</a:t>
             </a:fld>
             <a:endParaRPr lang="de-DE"/>
           </a:p>
@@ -9029,8 +12589,8 @@
         </p:nvSpPr>
         <p:spPr>
           <a:xfrm>
-            <a:off x="1999861" y="601180"/>
-            <a:ext cx="8192278" cy="646331"/>
+            <a:off x="0" y="601180"/>
+            <a:ext cx="12192000" cy="646331"/>
           </a:xfrm>
           <a:prstGeom prst="rect">
             <a:avLst/>
@@ -9043,11 +12603,12 @@
           </a:bodyPr>
           <a:lstStyle/>
           <a:p>
+            <a:pPr algn="ctr"/>
             <a:r>
               <a:rPr lang="de-DE" sz="3600" b="1" dirty="0">
                 <a:latin typeface="Trebuchet MS" panose="020B0603020202020204" pitchFamily="34" charset="0"/>
               </a:rPr>
-              <a:t>Vielen Dank für die Aufmerksamkeit!</a:t>
+              <a:t>Vielen Dank für Eure Aufmerksamkeit!</a:t>
             </a:r>
           </a:p>
         </p:txBody>
@@ -9139,6 +12700,9 @@
   <p:clrMapOvr>
     <a:masterClrMapping/>
   </p:clrMapOvr>
+  <p:transition spd="slow">
+    <p:push dir="u"/>
+  </p:transition>
 </p:sld>
 </file>
 
@@ -9182,7 +12746,7 @@
           <a:p>
             <a:fld id="{76147A52-9CE4-4E84-B5AD-2E19D43BDEB9}" type="datetime1">
               <a:rPr lang="de-DE" smtClean="0"/>
-              <a:t>12.12.2019</a:t>
+              <a:t>24.12.2019</a:t>
             </a:fld>
             <a:endParaRPr lang="de-DE"/>
           </a:p>
@@ -9635,6 +13199,9 @@
   <p:clrMapOvr>
     <a:masterClrMapping/>
   </p:clrMapOvr>
+  <p:transition spd="slow">
+    <p:wipe/>
+  </p:transition>
   <p:timing>
     <p:tnLst>
       <p:par>
@@ -10762,7 +14329,7 @@
           <a:p>
             <a:fld id="{EF008B3B-8C86-4F35-BCD4-3D71CCC6220B}" type="datetime1">
               <a:rPr lang="de-DE" smtClean="0"/>
-              <a:t>12.12.2019</a:t>
+              <a:t>24.12.2019</a:t>
             </a:fld>
             <a:endParaRPr lang="de-DE"/>
           </a:p>
@@ -11975,7 +15542,7 @@
             <a:fld id="{6CFE6BEC-159F-4167-8F4D-D508A4F668F1}" type="datetime1">
               <a:rPr lang="de-DE" smtClean="0"/>
               <a:pPr/>
-              <a:t>12.12.2019</a:t>
+              <a:t>24.12.2019</a:t>
             </a:fld>
             <a:endParaRPr lang="de-DE"/>
           </a:p>
@@ -12621,7 +16188,7 @@
             <a:fld id="{6CFE6BEC-159F-4167-8F4D-D508A4F668F1}" type="datetime1">
               <a:rPr lang="de-DE" smtClean="0"/>
               <a:pPr/>
-              <a:t>12.12.2019</a:t>
+              <a:t>24.12.2019</a:t>
             </a:fld>
             <a:endParaRPr lang="de-DE"/>
           </a:p>
@@ -12794,6 +16361,9 @@
   <p:clrMapOvr>
     <a:masterClrMapping/>
   </p:clrMapOvr>
+  <p:transition spd="slow">
+    <p:push dir="u"/>
+  </p:transition>
   <p:timing>
     <p:tnLst>
       <p:par>
@@ -13066,7 +16636,7 @@
           <a:p>
             <a:fld id="{46C1CA06-F658-4220-8BC8-8FCF6253DAE1}" type="datetime1">
               <a:rPr lang="de-DE" smtClean="0"/>
-              <a:t>12.12.2019</a:t>
+              <a:t>24.12.2019</a:t>
             </a:fld>
             <a:endParaRPr lang="de-DE"/>
           </a:p>
@@ -14965,7 +18535,7 @@
           <a:p>
             <a:fld id="{46C1CA06-F658-4220-8BC8-8FCF6253DAE1}" type="datetime1">
               <a:rPr lang="de-DE" smtClean="0"/>
-              <a:t>12.12.2019</a:t>
+              <a:t>24.12.2019</a:t>
             </a:fld>
             <a:endParaRPr lang="de-DE"/>
           </a:p>
@@ -15887,7 +19457,7 @@
           <a:p>
             <a:fld id="{46C1CA06-F658-4220-8BC8-8FCF6253DAE1}" type="datetime1">
               <a:rPr lang="de-DE" smtClean="0"/>
-              <a:t>12.12.2019</a:t>
+              <a:t>24.12.2019</a:t>
             </a:fld>
             <a:endParaRPr lang="de-DE"/>
           </a:p>
@@ -16958,7 +20528,7 @@
           <a:p>
             <a:fld id="{46C1CA06-F658-4220-8BC8-8FCF6253DAE1}" type="datetime1">
               <a:rPr lang="de-DE" smtClean="0"/>
-              <a:t>12.12.2019</a:t>
+              <a:t>24.12.2019</a:t>
             </a:fld>
             <a:endParaRPr lang="de-DE"/>
           </a:p>

--- a/Dokumentation/Präsentation.pptx
+++ b/Dokumentation/Präsentation.pptx
@@ -3639,7 +3639,7 @@
           <a:p>
             <a:fld id="{7B7A28CD-82A6-451A-9ECC-C5B68CB99823}" type="datetimeFigureOut">
               <a:rPr lang="de-DE" smtClean="0"/>
-              <a:t>24.12.2019</a:t>
+              <a:t>25.12.2019</a:t>
             </a:fld>
             <a:endParaRPr lang="de-DE"/>
           </a:p>
@@ -4408,7 +4408,7 @@
           <a:p>
             <a:fld id="{64F9F675-049C-4039-886A-7641A3ED83AA}" type="datetime1">
               <a:rPr lang="de-DE" smtClean="0"/>
-              <a:t>24.12.2019</a:t>
+              <a:t>25.12.2019</a:t>
             </a:fld>
             <a:endParaRPr lang="de-DE" dirty="0"/>
           </a:p>
@@ -4590,7 +4590,7 @@
           <a:p>
             <a:fld id="{EF008B3B-8C86-4F35-BCD4-3D71CCC6220B}" type="datetime1">
               <a:rPr lang="de-DE" smtClean="0"/>
-              <a:t>24.12.2019</a:t>
+              <a:t>25.12.2019</a:t>
             </a:fld>
             <a:endParaRPr lang="de-DE"/>
           </a:p>
@@ -5044,7 +5044,7 @@
           <a:p>
             <a:fld id="{46C1CA06-F658-4220-8BC8-8FCF6253DAE1}" type="datetime1">
               <a:rPr lang="de-DE" smtClean="0"/>
-              <a:t>24.12.2019</a:t>
+              <a:t>25.12.2019</a:t>
             </a:fld>
             <a:endParaRPr lang="de-DE"/>
           </a:p>
@@ -5836,7 +5836,7 @@
           <a:p>
             <a:fld id="{4F6382F7-6B8A-47B3-AA70-C81E5D8F4180}" type="datetime1">
               <a:rPr lang="de-DE" smtClean="0"/>
-              <a:t>24.12.2019</a:t>
+              <a:t>25.12.2019</a:t>
             </a:fld>
             <a:endParaRPr lang="de-DE"/>
           </a:p>
@@ -6548,7 +6548,7 @@
           <a:p>
             <a:fld id="{6CFE6BEC-159F-4167-8F4D-D508A4F668F1}" type="datetime1">
               <a:rPr lang="de-DE" smtClean="0"/>
-              <a:t>24.12.2019</a:t>
+              <a:t>25.12.2019</a:t>
             </a:fld>
             <a:endParaRPr lang="de-DE"/>
           </a:p>
@@ -6979,7 +6979,7 @@
           <a:p>
             <a:fld id="{0650A090-A051-46A1-8797-56EEC00D0A83}" type="datetime1">
               <a:rPr lang="de-DE" smtClean="0"/>
-              <a:t>24.12.2019</a:t>
+              <a:t>25.12.2019</a:t>
             </a:fld>
             <a:endParaRPr lang="de-DE"/>
           </a:p>
@@ -7411,7 +7411,7 @@
           <a:p>
             <a:fld id="{76147A52-9CE4-4E84-B5AD-2E19D43BDEB9}" type="datetime1">
               <a:rPr lang="de-DE" smtClean="0"/>
-              <a:t>24.12.2019</a:t>
+              <a:t>25.12.2019</a:t>
             </a:fld>
             <a:endParaRPr lang="de-DE"/>
           </a:p>
@@ -7814,7 +7814,7 @@
           <a:p>
             <a:fld id="{088C7F9A-48FF-4E97-A5D8-34ABB2AA95D7}" type="datetime1">
               <a:rPr lang="de-DE" smtClean="0"/>
-              <a:t>24.12.2019</a:t>
+              <a:t>25.12.2019</a:t>
             </a:fld>
             <a:endParaRPr lang="de-DE"/>
           </a:p>
@@ -8265,7 +8265,7 @@
           <a:p>
             <a:fld id="{89EBD14D-9873-4385-9F14-4BFEE858A98C}" type="datetime1">
               <a:rPr lang="de-DE" smtClean="0"/>
-              <a:t>24.12.2019</a:t>
+              <a:t>25.12.2019</a:t>
             </a:fld>
             <a:endParaRPr lang="de-DE" dirty="0"/>
           </a:p>
@@ -9211,7 +9211,7 @@
           <a:p>
             <a:fld id="{F91931D6-F9D8-406D-9851-24FA674187DB}" type="datetime1">
               <a:rPr lang="de-DE" smtClean="0"/>
-              <a:t>24.12.2019</a:t>
+              <a:t>25.12.2019</a:t>
             </a:fld>
             <a:endParaRPr lang="de-DE" dirty="0"/>
           </a:p>
@@ -9604,7 +9604,7 @@
           <a:p>
             <a:fld id="{46C1CA06-F658-4220-8BC8-8FCF6253DAE1}" type="datetime1">
               <a:rPr lang="de-DE" smtClean="0"/>
-              <a:t>24.12.2019</a:t>
+              <a:t>25.12.2019</a:t>
             </a:fld>
             <a:endParaRPr lang="de-DE" dirty="0"/>
           </a:p>
@@ -10618,7 +10618,7 @@
           <a:p>
             <a:fld id="{46C1CA06-F658-4220-8BC8-8FCF6253DAE1}" type="datetime1">
               <a:rPr lang="de-DE" smtClean="0"/>
-              <a:t>24.12.2019</a:t>
+              <a:t>25.12.2019</a:t>
             </a:fld>
             <a:endParaRPr lang="de-DE"/>
           </a:p>
@@ -10905,7 +10905,7 @@
           <a:p>
             <a:fld id="{46C1CA06-F658-4220-8BC8-8FCF6253DAE1}" type="datetime1">
               <a:rPr lang="de-DE" smtClean="0"/>
-              <a:t>24.12.2019</a:t>
+              <a:t>25.12.2019</a:t>
             </a:fld>
             <a:endParaRPr lang="de-DE"/>
           </a:p>
@@ -11750,7 +11750,7 @@
           <a:p>
             <a:fld id="{46C1CA06-F658-4220-8BC8-8FCF6253DAE1}" type="datetime1">
               <a:rPr lang="de-DE" smtClean="0"/>
-              <a:t>24.12.2019</a:t>
+              <a:t>25.12.2019</a:t>
             </a:fld>
             <a:endParaRPr lang="de-DE"/>
           </a:p>
@@ -12512,7 +12512,7 @@
           <a:p>
             <a:fld id="{46C1CA06-F658-4220-8BC8-8FCF6253DAE1}" type="datetime1">
               <a:rPr lang="de-DE" smtClean="0"/>
-              <a:t>24.12.2019</a:t>
+              <a:t>25.12.2019</a:t>
             </a:fld>
             <a:endParaRPr lang="de-DE"/>
           </a:p>
@@ -12746,7 +12746,7 @@
           <a:p>
             <a:fld id="{76147A52-9CE4-4E84-B5AD-2E19D43BDEB9}" type="datetime1">
               <a:rPr lang="de-DE" smtClean="0"/>
-              <a:t>24.12.2019</a:t>
+              <a:t>25.12.2019</a:t>
             </a:fld>
             <a:endParaRPr lang="de-DE"/>
           </a:p>
@@ -14329,7 +14329,7 @@
           <a:p>
             <a:fld id="{EF008B3B-8C86-4F35-BCD4-3D71CCC6220B}" type="datetime1">
               <a:rPr lang="de-DE" smtClean="0"/>
-              <a:t>24.12.2019</a:t>
+              <a:t>25.12.2019</a:t>
             </a:fld>
             <a:endParaRPr lang="de-DE"/>
           </a:p>
@@ -15542,7 +15542,7 @@
             <a:fld id="{6CFE6BEC-159F-4167-8F4D-D508A4F668F1}" type="datetime1">
               <a:rPr lang="de-DE" smtClean="0"/>
               <a:pPr/>
-              <a:t>24.12.2019</a:t>
+              <a:t>25.12.2019</a:t>
             </a:fld>
             <a:endParaRPr lang="de-DE"/>
           </a:p>
@@ -16188,7 +16188,7 @@
             <a:fld id="{6CFE6BEC-159F-4167-8F4D-D508A4F668F1}" type="datetime1">
               <a:rPr lang="de-DE" smtClean="0"/>
               <a:pPr/>
-              <a:t>24.12.2019</a:t>
+              <a:t>25.12.2019</a:t>
             </a:fld>
             <a:endParaRPr lang="de-DE"/>
           </a:p>
@@ -16636,7 +16636,7 @@
           <a:p>
             <a:fld id="{46C1CA06-F658-4220-8BC8-8FCF6253DAE1}" type="datetime1">
               <a:rPr lang="de-DE" smtClean="0"/>
-              <a:t>24.12.2019</a:t>
+              <a:t>25.12.2019</a:t>
             </a:fld>
             <a:endParaRPr lang="de-DE"/>
           </a:p>
@@ -18535,7 +18535,7 @@
           <a:p>
             <a:fld id="{46C1CA06-F658-4220-8BC8-8FCF6253DAE1}" type="datetime1">
               <a:rPr lang="de-DE" smtClean="0"/>
-              <a:t>24.12.2019</a:t>
+              <a:t>25.12.2019</a:t>
             </a:fld>
             <a:endParaRPr lang="de-DE"/>
           </a:p>
@@ -19457,7 +19457,7 @@
           <a:p>
             <a:fld id="{46C1CA06-F658-4220-8BC8-8FCF6253DAE1}" type="datetime1">
               <a:rPr lang="de-DE" smtClean="0"/>
-              <a:t>24.12.2019</a:t>
+              <a:t>25.12.2019</a:t>
             </a:fld>
             <a:endParaRPr lang="de-DE"/>
           </a:p>
@@ -20528,7 +20528,7 @@
           <a:p>
             <a:fld id="{46C1CA06-F658-4220-8BC8-8FCF6253DAE1}" type="datetime1">
               <a:rPr lang="de-DE" smtClean="0"/>
-              <a:t>24.12.2019</a:t>
+              <a:t>25.12.2019</a:t>
             </a:fld>
             <a:endParaRPr lang="de-DE"/>
           </a:p>

--- a/Dokumentation/Präsentation.pptx
+++ b/Dokumentation/Präsentation.pptx
@@ -5,7 +5,7 @@
     <p:sldMasterId id="2147483648" r:id="rId1"/>
   </p:sldMasterIdLst>
   <p:notesMasterIdLst>
-    <p:notesMasterId r:id="rId16"/>
+    <p:notesMasterId r:id="rId17"/>
   </p:notesMasterIdLst>
   <p:sldIdLst>
     <p:sldId id="256" r:id="rId2"/>
@@ -19,9 +19,10 @@
     <p:sldId id="264" r:id="rId10"/>
     <p:sldId id="270" r:id="rId11"/>
     <p:sldId id="271" r:id="rId12"/>
-    <p:sldId id="261" r:id="rId13"/>
-    <p:sldId id="260" r:id="rId14"/>
-    <p:sldId id="263" r:id="rId15"/>
+    <p:sldId id="260" r:id="rId13"/>
+    <p:sldId id="261" r:id="rId14"/>
+    <p:sldId id="272" r:id="rId15"/>
+    <p:sldId id="263" r:id="rId16"/>
   </p:sldIdLst>
   <p:sldSz cx="12192000" cy="6858000"/>
   <p:notesSz cx="6858000" cy="9144000"/>
@@ -3639,7 +3640,7 @@
           <a:p>
             <a:fld id="{7B7A28CD-82A6-451A-9ECC-C5B68CB99823}" type="datetimeFigureOut">
               <a:rPr lang="de-DE" smtClean="0"/>
-              <a:t>25.12.2019</a:t>
+              <a:t>26.12.2019</a:t>
             </a:fld>
             <a:endParaRPr lang="de-DE"/>
           </a:p>
@@ -3974,7 +3975,7 @@
           <a:p>
             <a:fld id="{7EE4654F-3241-414A-B441-28AFE5B57905}" type="slidenum">
               <a:rPr lang="de-DE" smtClean="0"/>
-              <a:t>13</a:t>
+              <a:t>12</a:t>
             </a:fld>
             <a:endParaRPr lang="de-DE"/>
           </a:p>
@@ -4408,7 +4409,7 @@
           <a:p>
             <a:fld id="{64F9F675-049C-4039-886A-7641A3ED83AA}" type="datetime1">
               <a:rPr lang="de-DE" smtClean="0"/>
-              <a:t>25.12.2019</a:t>
+              <a:t>26.12.2019</a:t>
             </a:fld>
             <a:endParaRPr lang="de-DE" dirty="0"/>
           </a:p>
@@ -4590,7 +4591,7 @@
           <a:p>
             <a:fld id="{EF008B3B-8C86-4F35-BCD4-3D71CCC6220B}" type="datetime1">
               <a:rPr lang="de-DE" smtClean="0"/>
-              <a:t>25.12.2019</a:t>
+              <a:t>26.12.2019</a:t>
             </a:fld>
             <a:endParaRPr lang="de-DE"/>
           </a:p>
@@ -5044,7 +5045,7 @@
           <a:p>
             <a:fld id="{46C1CA06-F658-4220-8BC8-8FCF6253DAE1}" type="datetime1">
               <a:rPr lang="de-DE" smtClean="0"/>
-              <a:t>25.12.2019</a:t>
+              <a:t>26.12.2019</a:t>
             </a:fld>
             <a:endParaRPr lang="de-DE"/>
           </a:p>
@@ -5836,7 +5837,7 @@
           <a:p>
             <a:fld id="{4F6382F7-6B8A-47B3-AA70-C81E5D8F4180}" type="datetime1">
               <a:rPr lang="de-DE" smtClean="0"/>
-              <a:t>25.12.2019</a:t>
+              <a:t>26.12.2019</a:t>
             </a:fld>
             <a:endParaRPr lang="de-DE"/>
           </a:p>
@@ -6548,7 +6549,7 @@
           <a:p>
             <a:fld id="{6CFE6BEC-159F-4167-8F4D-D508A4F668F1}" type="datetime1">
               <a:rPr lang="de-DE" smtClean="0"/>
-              <a:t>25.12.2019</a:t>
+              <a:t>26.12.2019</a:t>
             </a:fld>
             <a:endParaRPr lang="de-DE"/>
           </a:p>
@@ -6979,7 +6980,7 @@
           <a:p>
             <a:fld id="{0650A090-A051-46A1-8797-56EEC00D0A83}" type="datetime1">
               <a:rPr lang="de-DE" smtClean="0"/>
-              <a:t>25.12.2019</a:t>
+              <a:t>26.12.2019</a:t>
             </a:fld>
             <a:endParaRPr lang="de-DE"/>
           </a:p>
@@ -7411,7 +7412,7 @@
           <a:p>
             <a:fld id="{76147A52-9CE4-4E84-B5AD-2E19D43BDEB9}" type="datetime1">
               <a:rPr lang="de-DE" smtClean="0"/>
-              <a:t>25.12.2019</a:t>
+              <a:t>26.12.2019</a:t>
             </a:fld>
             <a:endParaRPr lang="de-DE"/>
           </a:p>
@@ -7814,7 +7815,7 @@
           <a:p>
             <a:fld id="{088C7F9A-48FF-4E97-A5D8-34ABB2AA95D7}" type="datetime1">
               <a:rPr lang="de-DE" smtClean="0"/>
-              <a:t>25.12.2019</a:t>
+              <a:t>26.12.2019</a:t>
             </a:fld>
             <a:endParaRPr lang="de-DE"/>
           </a:p>
@@ -8265,7 +8266,7 @@
           <a:p>
             <a:fld id="{89EBD14D-9873-4385-9F14-4BFEE858A98C}" type="datetime1">
               <a:rPr lang="de-DE" smtClean="0"/>
-              <a:t>25.12.2019</a:t>
+              <a:t>26.12.2019</a:t>
             </a:fld>
             <a:endParaRPr lang="de-DE" dirty="0"/>
           </a:p>
@@ -9211,7 +9212,7 @@
           <a:p>
             <a:fld id="{F91931D6-F9D8-406D-9851-24FA674187DB}" type="datetime1">
               <a:rPr lang="de-DE" smtClean="0"/>
-              <a:t>25.12.2019</a:t>
+              <a:t>26.12.2019</a:t>
             </a:fld>
             <a:endParaRPr lang="de-DE" dirty="0"/>
           </a:p>
@@ -9604,7 +9605,7 @@
           <a:p>
             <a:fld id="{46C1CA06-F658-4220-8BC8-8FCF6253DAE1}" type="datetime1">
               <a:rPr lang="de-DE" smtClean="0"/>
-              <a:t>25.12.2019</a:t>
+              <a:t>26.12.2019</a:t>
             </a:fld>
             <a:endParaRPr lang="de-DE" dirty="0"/>
           </a:p>
@@ -10618,7 +10619,7 @@
           <a:p>
             <a:fld id="{46C1CA06-F658-4220-8BC8-8FCF6253DAE1}" type="datetime1">
               <a:rPr lang="de-DE" smtClean="0"/>
-              <a:t>25.12.2019</a:t>
+              <a:t>26.12.2019</a:t>
             </a:fld>
             <a:endParaRPr lang="de-DE"/>
           </a:p>
@@ -10866,619 +10867,6 @@
 </file>
 
 <file path=ppt/slides/slide12.xml><?xml version="1.0" encoding="utf-8"?>
-<p:sld xmlns:a="http://schemas.openxmlformats.org/drawingml/2006/main" xmlns:r="http://schemas.openxmlformats.org/officeDocument/2006/relationships" xmlns:p="http://schemas.openxmlformats.org/presentationml/2006/main">
-  <p:cSld>
-    <p:spTree>
-      <p:nvGrpSpPr>
-        <p:cNvPr id="1" name=""/>
-        <p:cNvGrpSpPr/>
-        <p:nvPr/>
-      </p:nvGrpSpPr>
-      <p:grpSpPr>
-        <a:xfrm>
-          <a:off x="0" y="0"/>
-          <a:ext cx="0" cy="0"/>
-          <a:chOff x="0" y="0"/>
-          <a:chExt cx="0" cy="0"/>
-        </a:xfrm>
-      </p:grpSpPr>
-      <p:sp>
-        <p:nvSpPr>
-          <p:cNvPr id="3" name="Datumsplatzhalter 2">
-            <a:extLst>
-              <a:ext uri="{FF2B5EF4-FFF2-40B4-BE49-F238E27FC236}">
-                <a16:creationId xmlns:a16="http://schemas.microsoft.com/office/drawing/2014/main" id="{FFC878E0-6CD5-458F-B9BA-6E3C6F358F90}"/>
-              </a:ext>
-            </a:extLst>
-          </p:cNvPr>
-          <p:cNvSpPr>
-            <a:spLocks noGrp="1"/>
-          </p:cNvSpPr>
-          <p:nvPr>
-            <p:ph type="dt" sz="half" idx="10"/>
-          </p:nvPr>
-        </p:nvSpPr>
-        <p:spPr/>
-        <p:txBody>
-          <a:bodyPr/>
-          <a:lstStyle/>
-          <a:p>
-            <a:fld id="{46C1CA06-F658-4220-8BC8-8FCF6253DAE1}" type="datetime1">
-              <a:rPr lang="de-DE" smtClean="0"/>
-              <a:t>25.12.2019</a:t>
-            </a:fld>
-            <a:endParaRPr lang="de-DE"/>
-          </a:p>
-        </p:txBody>
-      </p:sp>
-      <p:sp>
-        <p:nvSpPr>
-          <p:cNvPr id="4" name="Fußzeilenplatzhalter 3">
-            <a:extLst>
-              <a:ext uri="{FF2B5EF4-FFF2-40B4-BE49-F238E27FC236}">
-                <a16:creationId xmlns:a16="http://schemas.microsoft.com/office/drawing/2014/main" id="{D8C400B5-8E53-452E-87B4-BA9C43958C58}"/>
-              </a:ext>
-            </a:extLst>
-          </p:cNvPr>
-          <p:cNvSpPr>
-            <a:spLocks noGrp="1"/>
-          </p:cNvSpPr>
-          <p:nvPr>
-            <p:ph type="ftr" sz="quarter" idx="11"/>
-          </p:nvPr>
-        </p:nvSpPr>
-        <p:spPr/>
-        <p:txBody>
-          <a:bodyPr/>
-          <a:lstStyle/>
-          <a:p>
-            <a:r>
-              <a:rPr lang="de-DE"/>
-              <a:t>Krieger</a:t>
-            </a:r>
-          </a:p>
-        </p:txBody>
-      </p:sp>
-      <p:sp>
-        <p:nvSpPr>
-          <p:cNvPr id="5" name="Foliennummernplatzhalter 4">
-            <a:extLst>
-              <a:ext uri="{FF2B5EF4-FFF2-40B4-BE49-F238E27FC236}">
-                <a16:creationId xmlns:a16="http://schemas.microsoft.com/office/drawing/2014/main" id="{FFF6272D-B2F5-4D4A-8BE2-FDC78D3C4CB1}"/>
-              </a:ext>
-            </a:extLst>
-          </p:cNvPr>
-          <p:cNvSpPr>
-            <a:spLocks noGrp="1"/>
-          </p:cNvSpPr>
-          <p:nvPr>
-            <p:ph type="sldNum" sz="quarter" idx="12"/>
-          </p:nvPr>
-        </p:nvSpPr>
-        <p:spPr/>
-        <p:txBody>
-          <a:bodyPr/>
-          <a:lstStyle/>
-          <a:p>
-            <a:fld id="{75F11FD4-B355-4EAB-967C-DBC12644FBDE}" type="slidenum">
-              <a:rPr lang="de-DE" smtClean="0"/>
-              <a:t>12</a:t>
-            </a:fld>
-            <a:endParaRPr lang="de-DE"/>
-          </a:p>
-        </p:txBody>
-      </p:sp>
-      <p:sp>
-        <p:nvSpPr>
-          <p:cNvPr id="6" name="Textplatzhalter 5">
-            <a:extLst>
-              <a:ext uri="{FF2B5EF4-FFF2-40B4-BE49-F238E27FC236}">
-                <a16:creationId xmlns:a16="http://schemas.microsoft.com/office/drawing/2014/main" id="{27CB312E-8440-4D49-9195-E27AE78EF5D9}"/>
-              </a:ext>
-            </a:extLst>
-          </p:cNvPr>
-          <p:cNvSpPr>
-            <a:spLocks noGrp="1"/>
-          </p:cNvSpPr>
-          <p:nvPr>
-            <p:ph type="body" sz="quarter" idx="14"/>
-          </p:nvPr>
-        </p:nvSpPr>
-        <p:spPr/>
-        <p:txBody>
-          <a:bodyPr/>
-          <a:lstStyle/>
-          <a:p>
-            <a:r>
-              <a:rPr lang="de-DE" dirty="0">
-                <a:latin typeface="Trebuchet MS" panose="020B0603020202020204" pitchFamily="34" charset="0"/>
-              </a:rPr>
-              <a:t>Umsetzung</a:t>
-            </a:r>
-          </a:p>
-        </p:txBody>
-      </p:sp>
-      <p:sp>
-        <p:nvSpPr>
-          <p:cNvPr id="7" name="Textplatzhalter 6">
-            <a:extLst>
-              <a:ext uri="{FF2B5EF4-FFF2-40B4-BE49-F238E27FC236}">
-                <a16:creationId xmlns:a16="http://schemas.microsoft.com/office/drawing/2014/main" id="{0DACF167-7935-480F-A4D8-24AB942E276A}"/>
-              </a:ext>
-            </a:extLst>
-          </p:cNvPr>
-          <p:cNvSpPr>
-            <a:spLocks noGrp="1"/>
-          </p:cNvSpPr>
-          <p:nvPr>
-            <p:ph type="body" sz="quarter" idx="13"/>
-          </p:nvPr>
-        </p:nvSpPr>
-        <p:spPr/>
-        <p:txBody>
-          <a:bodyPr/>
-          <a:lstStyle/>
-          <a:p>
-            <a:r>
-              <a:rPr lang="de-DE" dirty="0">
-                <a:latin typeface="Trebuchet MS" panose="020B0603020202020204" pitchFamily="34" charset="0"/>
-              </a:rPr>
-              <a:t>Anmeldung</a:t>
-            </a:r>
-          </a:p>
-        </p:txBody>
-      </p:sp>
-      <p:graphicFrame>
-        <p:nvGraphicFramePr>
-          <p:cNvPr id="9" name="Inhaltsplatzhalter 8">
-            <a:extLst>
-              <a:ext uri="{FF2B5EF4-FFF2-40B4-BE49-F238E27FC236}">
-                <a16:creationId xmlns:a16="http://schemas.microsoft.com/office/drawing/2014/main" id="{51405A85-A1C8-42B2-A630-B31288291130}"/>
-              </a:ext>
-            </a:extLst>
-          </p:cNvPr>
-          <p:cNvGraphicFramePr>
-            <a:graphicFrameLocks noGrp="1"/>
-          </p:cNvGraphicFramePr>
-          <p:nvPr>
-            <p:ph idx="1"/>
-            <p:extLst>
-              <p:ext uri="{D42A27DB-BD31-4B8C-83A1-F6EECF244321}">
-                <p14:modId xmlns:p14="http://schemas.microsoft.com/office/powerpoint/2010/main" val="3449823854"/>
-              </p:ext>
-            </p:extLst>
-          </p:nvPr>
-        </p:nvGraphicFramePr>
-        <p:xfrm>
-          <a:off x="110231" y="1701063"/>
-          <a:ext cx="11998911" cy="4556527"/>
-        </p:xfrm>
-        <a:graphic>
-          <a:graphicData uri="http://schemas.openxmlformats.org/drawingml/2006/diagram">
-            <dgm:relIds xmlns:dgm="http://schemas.openxmlformats.org/drawingml/2006/diagram" xmlns:r="http://schemas.openxmlformats.org/officeDocument/2006/relationships" r:dm="rId2" r:lo="rId3" r:qs="rId4" r:cs="rId5"/>
-          </a:graphicData>
-        </a:graphic>
-      </p:graphicFrame>
-    </p:spTree>
-    <p:extLst>
-      <p:ext uri="{BB962C8B-B14F-4D97-AF65-F5344CB8AC3E}">
-        <p14:creationId xmlns:p14="http://schemas.microsoft.com/office/powerpoint/2010/main" val="3207530046"/>
-      </p:ext>
-    </p:extLst>
-  </p:cSld>
-  <p:clrMapOvr>
-    <a:masterClrMapping/>
-  </p:clrMapOvr>
-  <p:transition spd="slow">
-    <p:push dir="u"/>
-  </p:transition>
-  <p:timing>
-    <p:tnLst>
-      <p:par>
-        <p:cTn id="1" dur="indefinite" restart="never" nodeType="tmRoot">
-          <p:childTnLst>
-            <p:seq concurrent="1" nextAc="seek">
-              <p:cTn id="2" dur="indefinite" nodeType="mainSeq">
-                <p:childTnLst>
-                  <p:par>
-                    <p:cTn id="3" fill="hold">
-                      <p:stCondLst>
-                        <p:cond delay="indefinite"/>
-                      </p:stCondLst>
-                      <p:childTnLst>
-                        <p:par>
-                          <p:cTn id="4" fill="hold">
-                            <p:stCondLst>
-                              <p:cond delay="0"/>
-                            </p:stCondLst>
-                            <p:childTnLst>
-                              <p:par>
-                                <p:cTn id="5" presetID="10" presetClass="entr" presetSubtype="0" fill="hold" grpId="0" nodeType="clickEffect">
-                                  <p:stCondLst>
-                                    <p:cond delay="0"/>
-                                  </p:stCondLst>
-                                  <p:childTnLst>
-                                    <p:set>
-                                      <p:cBhvr>
-                                        <p:cTn id="6" dur="1" fill="hold">
-                                          <p:stCondLst>
-                                            <p:cond delay="0"/>
-                                          </p:stCondLst>
-                                        </p:cTn>
-                                        <p:tgtEl>
-                                          <p:spTgt spid="9">
-                                            <p:graphicEl>
-                                              <a:dgm id="{50E50971-2C72-43CF-B5D1-8765764FAAA3}"/>
-                                            </p:graphicEl>
-                                          </p:spTgt>
-                                        </p:tgtEl>
-                                        <p:attrNameLst>
-                                          <p:attrName>style.visibility</p:attrName>
-                                        </p:attrNameLst>
-                                      </p:cBhvr>
-                                      <p:to>
-                                        <p:strVal val="visible"/>
-                                      </p:to>
-                                    </p:set>
-                                    <p:animEffect transition="in" filter="fade">
-                                      <p:cBhvr>
-                                        <p:cTn id="7" dur="500"/>
-                                        <p:tgtEl>
-                                          <p:spTgt spid="9">
-                                            <p:graphicEl>
-                                              <a:dgm id="{50E50971-2C72-43CF-B5D1-8765764FAAA3}"/>
-                                            </p:graphicEl>
-                                          </p:spTgt>
-                                        </p:tgtEl>
-                                      </p:cBhvr>
-                                    </p:animEffect>
-                                  </p:childTnLst>
-                                </p:cTn>
-                              </p:par>
-                            </p:childTnLst>
-                          </p:cTn>
-                        </p:par>
-                      </p:childTnLst>
-                    </p:cTn>
-                  </p:par>
-                  <p:par>
-                    <p:cTn id="8" fill="hold">
-                      <p:stCondLst>
-                        <p:cond delay="indefinite"/>
-                      </p:stCondLst>
-                      <p:childTnLst>
-                        <p:par>
-                          <p:cTn id="9" fill="hold">
-                            <p:stCondLst>
-                              <p:cond delay="0"/>
-                            </p:stCondLst>
-                            <p:childTnLst>
-                              <p:par>
-                                <p:cTn id="10" presetID="10" presetClass="entr" presetSubtype="0" fill="hold" grpId="0" nodeType="clickEffect">
-                                  <p:stCondLst>
-                                    <p:cond delay="0"/>
-                                  </p:stCondLst>
-                                  <p:childTnLst>
-                                    <p:set>
-                                      <p:cBhvr>
-                                        <p:cTn id="11" dur="1" fill="hold">
-                                          <p:stCondLst>
-                                            <p:cond delay="0"/>
-                                          </p:stCondLst>
-                                        </p:cTn>
-                                        <p:tgtEl>
-                                          <p:spTgt spid="9">
-                                            <p:graphicEl>
-                                              <a:dgm id="{07D35655-8ABB-410A-87B1-1148D8DF26C5}"/>
-                                            </p:graphicEl>
-                                          </p:spTgt>
-                                        </p:tgtEl>
-                                        <p:attrNameLst>
-                                          <p:attrName>style.visibility</p:attrName>
-                                        </p:attrNameLst>
-                                      </p:cBhvr>
-                                      <p:to>
-                                        <p:strVal val="visible"/>
-                                      </p:to>
-                                    </p:set>
-                                    <p:animEffect transition="in" filter="fade">
-                                      <p:cBhvr>
-                                        <p:cTn id="12" dur="500"/>
-                                        <p:tgtEl>
-                                          <p:spTgt spid="9">
-                                            <p:graphicEl>
-                                              <a:dgm id="{07D35655-8ABB-410A-87B1-1148D8DF26C5}"/>
-                                            </p:graphicEl>
-                                          </p:spTgt>
-                                        </p:tgtEl>
-                                      </p:cBhvr>
-                                    </p:animEffect>
-                                  </p:childTnLst>
-                                </p:cTn>
-                              </p:par>
-                            </p:childTnLst>
-                          </p:cTn>
-                        </p:par>
-                      </p:childTnLst>
-                    </p:cTn>
-                  </p:par>
-                  <p:par>
-                    <p:cTn id="13" fill="hold">
-                      <p:stCondLst>
-                        <p:cond delay="indefinite"/>
-                      </p:stCondLst>
-                      <p:childTnLst>
-                        <p:par>
-                          <p:cTn id="14" fill="hold">
-                            <p:stCondLst>
-                              <p:cond delay="0"/>
-                            </p:stCondLst>
-                            <p:childTnLst>
-                              <p:par>
-                                <p:cTn id="15" presetID="10" presetClass="entr" presetSubtype="0" fill="hold" grpId="0" nodeType="clickEffect">
-                                  <p:stCondLst>
-                                    <p:cond delay="0"/>
-                                  </p:stCondLst>
-                                  <p:childTnLst>
-                                    <p:set>
-                                      <p:cBhvr>
-                                        <p:cTn id="16" dur="1" fill="hold">
-                                          <p:stCondLst>
-                                            <p:cond delay="0"/>
-                                          </p:stCondLst>
-                                        </p:cTn>
-                                        <p:tgtEl>
-                                          <p:spTgt spid="9">
-                                            <p:graphicEl>
-                                              <a:dgm id="{BA8B41C2-0E8F-4922-9B06-07D72E294C84}"/>
-                                            </p:graphicEl>
-                                          </p:spTgt>
-                                        </p:tgtEl>
-                                        <p:attrNameLst>
-                                          <p:attrName>style.visibility</p:attrName>
-                                        </p:attrNameLst>
-                                      </p:cBhvr>
-                                      <p:to>
-                                        <p:strVal val="visible"/>
-                                      </p:to>
-                                    </p:set>
-                                    <p:animEffect transition="in" filter="fade">
-                                      <p:cBhvr>
-                                        <p:cTn id="17" dur="500"/>
-                                        <p:tgtEl>
-                                          <p:spTgt spid="9">
-                                            <p:graphicEl>
-                                              <a:dgm id="{BA8B41C2-0E8F-4922-9B06-07D72E294C84}"/>
-                                            </p:graphicEl>
-                                          </p:spTgt>
-                                        </p:tgtEl>
-                                      </p:cBhvr>
-                                    </p:animEffect>
-                                  </p:childTnLst>
-                                </p:cTn>
-                              </p:par>
-                            </p:childTnLst>
-                          </p:cTn>
-                        </p:par>
-                      </p:childTnLst>
-                    </p:cTn>
-                  </p:par>
-                  <p:par>
-                    <p:cTn id="18" fill="hold">
-                      <p:stCondLst>
-                        <p:cond delay="indefinite"/>
-                      </p:stCondLst>
-                      <p:childTnLst>
-                        <p:par>
-                          <p:cTn id="19" fill="hold">
-                            <p:stCondLst>
-                              <p:cond delay="0"/>
-                            </p:stCondLst>
-                            <p:childTnLst>
-                              <p:par>
-                                <p:cTn id="20" presetID="10" presetClass="entr" presetSubtype="0" fill="hold" grpId="0" nodeType="clickEffect">
-                                  <p:stCondLst>
-                                    <p:cond delay="0"/>
-                                  </p:stCondLst>
-                                  <p:childTnLst>
-                                    <p:set>
-                                      <p:cBhvr>
-                                        <p:cTn id="21" dur="1" fill="hold">
-                                          <p:stCondLst>
-                                            <p:cond delay="0"/>
-                                          </p:stCondLst>
-                                        </p:cTn>
-                                        <p:tgtEl>
-                                          <p:spTgt spid="9">
-                                            <p:graphicEl>
-                                              <a:dgm id="{12DFF1BA-6598-4F24-9042-B4E8CF5A936A}"/>
-                                            </p:graphicEl>
-                                          </p:spTgt>
-                                        </p:tgtEl>
-                                        <p:attrNameLst>
-                                          <p:attrName>style.visibility</p:attrName>
-                                        </p:attrNameLst>
-                                      </p:cBhvr>
-                                      <p:to>
-                                        <p:strVal val="visible"/>
-                                      </p:to>
-                                    </p:set>
-                                    <p:animEffect transition="in" filter="fade">
-                                      <p:cBhvr>
-                                        <p:cTn id="22" dur="500"/>
-                                        <p:tgtEl>
-                                          <p:spTgt spid="9">
-                                            <p:graphicEl>
-                                              <a:dgm id="{12DFF1BA-6598-4F24-9042-B4E8CF5A936A}"/>
-                                            </p:graphicEl>
-                                          </p:spTgt>
-                                        </p:tgtEl>
-                                      </p:cBhvr>
-                                    </p:animEffect>
-                                  </p:childTnLst>
-                                </p:cTn>
-                              </p:par>
-                            </p:childTnLst>
-                          </p:cTn>
-                        </p:par>
-                      </p:childTnLst>
-                    </p:cTn>
-                  </p:par>
-                  <p:par>
-                    <p:cTn id="23" fill="hold">
-                      <p:stCondLst>
-                        <p:cond delay="indefinite"/>
-                      </p:stCondLst>
-                      <p:childTnLst>
-                        <p:par>
-                          <p:cTn id="24" fill="hold">
-                            <p:stCondLst>
-                              <p:cond delay="0"/>
-                            </p:stCondLst>
-                            <p:childTnLst>
-                              <p:par>
-                                <p:cTn id="25" presetID="10" presetClass="entr" presetSubtype="0" fill="hold" grpId="0" nodeType="clickEffect">
-                                  <p:stCondLst>
-                                    <p:cond delay="0"/>
-                                  </p:stCondLst>
-                                  <p:childTnLst>
-                                    <p:set>
-                                      <p:cBhvr>
-                                        <p:cTn id="26" dur="1" fill="hold">
-                                          <p:stCondLst>
-                                            <p:cond delay="0"/>
-                                          </p:stCondLst>
-                                        </p:cTn>
-                                        <p:tgtEl>
-                                          <p:spTgt spid="9">
-                                            <p:graphicEl>
-                                              <a:dgm id="{ABBBE257-6395-4392-9F0D-C8F816B4BF8F}"/>
-                                            </p:graphicEl>
-                                          </p:spTgt>
-                                        </p:tgtEl>
-                                        <p:attrNameLst>
-                                          <p:attrName>style.visibility</p:attrName>
-                                        </p:attrNameLst>
-                                      </p:cBhvr>
-                                      <p:to>
-                                        <p:strVal val="visible"/>
-                                      </p:to>
-                                    </p:set>
-                                    <p:animEffect transition="in" filter="fade">
-                                      <p:cBhvr>
-                                        <p:cTn id="27" dur="500"/>
-                                        <p:tgtEl>
-                                          <p:spTgt spid="9">
-                                            <p:graphicEl>
-                                              <a:dgm id="{ABBBE257-6395-4392-9F0D-C8F816B4BF8F}"/>
-                                            </p:graphicEl>
-                                          </p:spTgt>
-                                        </p:tgtEl>
-                                      </p:cBhvr>
-                                    </p:animEffect>
-                                  </p:childTnLst>
-                                </p:cTn>
-                              </p:par>
-                            </p:childTnLst>
-                          </p:cTn>
-                        </p:par>
-                      </p:childTnLst>
-                    </p:cTn>
-                  </p:par>
-                  <p:par>
-                    <p:cTn id="28" fill="hold">
-                      <p:stCondLst>
-                        <p:cond delay="indefinite"/>
-                      </p:stCondLst>
-                      <p:childTnLst>
-                        <p:par>
-                          <p:cTn id="29" fill="hold">
-                            <p:stCondLst>
-                              <p:cond delay="0"/>
-                            </p:stCondLst>
-                            <p:childTnLst>
-                              <p:par>
-                                <p:cTn id="30" presetID="10" presetClass="entr" presetSubtype="0" fill="hold" grpId="0" nodeType="clickEffect">
-                                  <p:stCondLst>
-                                    <p:cond delay="0"/>
-                                  </p:stCondLst>
-                                  <p:childTnLst>
-                                    <p:set>
-                                      <p:cBhvr>
-                                        <p:cTn id="31" dur="1" fill="hold">
-                                          <p:stCondLst>
-                                            <p:cond delay="0"/>
-                                          </p:stCondLst>
-                                        </p:cTn>
-                                        <p:tgtEl>
-                                          <p:spTgt spid="9">
-                                            <p:graphicEl>
-                                              <a:dgm id="{746BC9AA-DF23-4421-9B45-CA0C15278158}"/>
-                                            </p:graphicEl>
-                                          </p:spTgt>
-                                        </p:tgtEl>
-                                        <p:attrNameLst>
-                                          <p:attrName>style.visibility</p:attrName>
-                                        </p:attrNameLst>
-                                      </p:cBhvr>
-                                      <p:to>
-                                        <p:strVal val="visible"/>
-                                      </p:to>
-                                    </p:set>
-                                    <p:animEffect transition="in" filter="fade">
-                                      <p:cBhvr>
-                                        <p:cTn id="32" dur="500"/>
-                                        <p:tgtEl>
-                                          <p:spTgt spid="9">
-                                            <p:graphicEl>
-                                              <a:dgm id="{746BC9AA-DF23-4421-9B45-CA0C15278158}"/>
-                                            </p:graphicEl>
-                                          </p:spTgt>
-                                        </p:tgtEl>
-                                      </p:cBhvr>
-                                    </p:animEffect>
-                                  </p:childTnLst>
-                                </p:cTn>
-                              </p:par>
-                            </p:childTnLst>
-                          </p:cTn>
-                        </p:par>
-                      </p:childTnLst>
-                    </p:cTn>
-                  </p:par>
-                </p:childTnLst>
-              </p:cTn>
-              <p:prevCondLst>
-                <p:cond evt="onPrev" delay="0">
-                  <p:tgtEl>
-                    <p:sldTgt/>
-                  </p:tgtEl>
-                </p:cond>
-              </p:prevCondLst>
-              <p:nextCondLst>
-                <p:cond evt="onNext" delay="0">
-                  <p:tgtEl>
-                    <p:sldTgt/>
-                  </p:tgtEl>
-                </p:cond>
-              </p:nextCondLst>
-            </p:seq>
-          </p:childTnLst>
-        </p:cTn>
-      </p:par>
-    </p:tnLst>
-    <p:bldLst>
-      <p:bldGraphic spid="9" grpId="0">
-        <p:bldSub>
-          <a:bldDgm bld="lvlOne"/>
-        </p:bldSub>
-      </p:bldGraphic>
-    </p:bldLst>
-  </p:timing>
-</p:sld>
-</file>
-
-<file path=ppt/slides/slide13.xml><?xml version="1.0" encoding="utf-8"?>
 <p:sld xmlns:a="http://schemas.openxmlformats.org/drawingml/2006/main" xmlns:r="http://schemas.openxmlformats.org/officeDocument/2006/relationships" xmlns:p="http://schemas.openxmlformats.org/presentationml/2006/main">
   <p:cSld>
     <p:spTree>
@@ -11750,7 +11138,7 @@
           <a:p>
             <a:fld id="{46C1CA06-F658-4220-8BC8-8FCF6253DAE1}" type="datetime1">
               <a:rPr lang="de-DE" smtClean="0"/>
-              <a:t>25.12.2019</a:t>
+              <a:t>26.12.2019</a:t>
             </a:fld>
             <a:endParaRPr lang="de-DE"/>
           </a:p>
@@ -11807,7 +11195,7 @@
           <a:p>
             <a:fld id="{75F11FD4-B355-4EAB-967C-DBC12644FBDE}" type="slidenum">
               <a:rPr lang="de-DE" smtClean="0"/>
-              <a:t>13</a:t>
+              <a:t>12</a:t>
             </a:fld>
             <a:endParaRPr lang="de-DE"/>
           </a:p>
@@ -12472,7 +11860,1765 @@
 </p:sld>
 </file>
 
+<file path=ppt/slides/slide13.xml><?xml version="1.0" encoding="utf-8"?>
+<p:sld xmlns:a="http://schemas.openxmlformats.org/drawingml/2006/main" xmlns:r="http://schemas.openxmlformats.org/officeDocument/2006/relationships" xmlns:p="http://schemas.openxmlformats.org/presentationml/2006/main">
+  <p:cSld>
+    <p:spTree>
+      <p:nvGrpSpPr>
+        <p:cNvPr id="1" name=""/>
+        <p:cNvGrpSpPr/>
+        <p:nvPr/>
+      </p:nvGrpSpPr>
+      <p:grpSpPr>
+        <a:xfrm>
+          <a:off x="0" y="0"/>
+          <a:ext cx="0" cy="0"/>
+          <a:chOff x="0" y="0"/>
+          <a:chExt cx="0" cy="0"/>
+        </a:xfrm>
+      </p:grpSpPr>
+      <p:sp>
+        <p:nvSpPr>
+          <p:cNvPr id="3" name="Datumsplatzhalter 2">
+            <a:extLst>
+              <a:ext uri="{FF2B5EF4-FFF2-40B4-BE49-F238E27FC236}">
+                <a16:creationId xmlns:a16="http://schemas.microsoft.com/office/drawing/2014/main" id="{FFC878E0-6CD5-458F-B9BA-6E3C6F358F90}"/>
+              </a:ext>
+            </a:extLst>
+          </p:cNvPr>
+          <p:cNvSpPr>
+            <a:spLocks noGrp="1"/>
+          </p:cNvSpPr>
+          <p:nvPr>
+            <p:ph type="dt" sz="half" idx="10"/>
+          </p:nvPr>
+        </p:nvSpPr>
+        <p:spPr/>
+        <p:txBody>
+          <a:bodyPr/>
+          <a:lstStyle/>
+          <a:p>
+            <a:fld id="{46C1CA06-F658-4220-8BC8-8FCF6253DAE1}" type="datetime1">
+              <a:rPr lang="de-DE" smtClean="0"/>
+              <a:t>26.12.2019</a:t>
+            </a:fld>
+            <a:endParaRPr lang="de-DE"/>
+          </a:p>
+        </p:txBody>
+      </p:sp>
+      <p:sp>
+        <p:nvSpPr>
+          <p:cNvPr id="4" name="Fußzeilenplatzhalter 3">
+            <a:extLst>
+              <a:ext uri="{FF2B5EF4-FFF2-40B4-BE49-F238E27FC236}">
+                <a16:creationId xmlns:a16="http://schemas.microsoft.com/office/drawing/2014/main" id="{D8C400B5-8E53-452E-87B4-BA9C43958C58}"/>
+              </a:ext>
+            </a:extLst>
+          </p:cNvPr>
+          <p:cNvSpPr>
+            <a:spLocks noGrp="1"/>
+          </p:cNvSpPr>
+          <p:nvPr>
+            <p:ph type="ftr" sz="quarter" idx="11"/>
+          </p:nvPr>
+        </p:nvSpPr>
+        <p:spPr/>
+        <p:txBody>
+          <a:bodyPr/>
+          <a:lstStyle/>
+          <a:p>
+            <a:r>
+              <a:rPr lang="de-DE"/>
+              <a:t>Krieger</a:t>
+            </a:r>
+          </a:p>
+        </p:txBody>
+      </p:sp>
+      <p:sp>
+        <p:nvSpPr>
+          <p:cNvPr id="5" name="Foliennummernplatzhalter 4">
+            <a:extLst>
+              <a:ext uri="{FF2B5EF4-FFF2-40B4-BE49-F238E27FC236}">
+                <a16:creationId xmlns:a16="http://schemas.microsoft.com/office/drawing/2014/main" id="{FFF6272D-B2F5-4D4A-8BE2-FDC78D3C4CB1}"/>
+              </a:ext>
+            </a:extLst>
+          </p:cNvPr>
+          <p:cNvSpPr>
+            <a:spLocks noGrp="1"/>
+          </p:cNvSpPr>
+          <p:nvPr>
+            <p:ph type="sldNum" sz="quarter" idx="12"/>
+          </p:nvPr>
+        </p:nvSpPr>
+        <p:spPr/>
+        <p:txBody>
+          <a:bodyPr/>
+          <a:lstStyle/>
+          <a:p>
+            <a:fld id="{75F11FD4-B355-4EAB-967C-DBC12644FBDE}" type="slidenum">
+              <a:rPr lang="de-DE" smtClean="0"/>
+              <a:t>13</a:t>
+            </a:fld>
+            <a:endParaRPr lang="de-DE"/>
+          </a:p>
+        </p:txBody>
+      </p:sp>
+      <p:sp>
+        <p:nvSpPr>
+          <p:cNvPr id="6" name="Textplatzhalter 5">
+            <a:extLst>
+              <a:ext uri="{FF2B5EF4-FFF2-40B4-BE49-F238E27FC236}">
+                <a16:creationId xmlns:a16="http://schemas.microsoft.com/office/drawing/2014/main" id="{27CB312E-8440-4D49-9195-E27AE78EF5D9}"/>
+              </a:ext>
+            </a:extLst>
+          </p:cNvPr>
+          <p:cNvSpPr>
+            <a:spLocks noGrp="1"/>
+          </p:cNvSpPr>
+          <p:nvPr>
+            <p:ph type="body" sz="quarter" idx="14"/>
+          </p:nvPr>
+        </p:nvSpPr>
+        <p:spPr/>
+        <p:txBody>
+          <a:bodyPr/>
+          <a:lstStyle/>
+          <a:p>
+            <a:r>
+              <a:rPr lang="de-DE" dirty="0">
+                <a:latin typeface="Trebuchet MS" panose="020B0603020202020204" pitchFamily="34" charset="0"/>
+              </a:rPr>
+              <a:t>Umsetzung</a:t>
+            </a:r>
+          </a:p>
+        </p:txBody>
+      </p:sp>
+      <p:sp>
+        <p:nvSpPr>
+          <p:cNvPr id="7" name="Textplatzhalter 6">
+            <a:extLst>
+              <a:ext uri="{FF2B5EF4-FFF2-40B4-BE49-F238E27FC236}">
+                <a16:creationId xmlns:a16="http://schemas.microsoft.com/office/drawing/2014/main" id="{0DACF167-7935-480F-A4D8-24AB942E276A}"/>
+              </a:ext>
+            </a:extLst>
+          </p:cNvPr>
+          <p:cNvSpPr>
+            <a:spLocks noGrp="1"/>
+          </p:cNvSpPr>
+          <p:nvPr>
+            <p:ph type="body" sz="quarter" idx="13"/>
+          </p:nvPr>
+        </p:nvSpPr>
+        <p:spPr/>
+        <p:txBody>
+          <a:bodyPr/>
+          <a:lstStyle/>
+          <a:p>
+            <a:r>
+              <a:rPr lang="de-DE" dirty="0">
+                <a:latin typeface="Trebuchet MS" panose="020B0603020202020204" pitchFamily="34" charset="0"/>
+              </a:rPr>
+              <a:t>Anmeldung</a:t>
+            </a:r>
+          </a:p>
+        </p:txBody>
+      </p:sp>
+      <p:graphicFrame>
+        <p:nvGraphicFramePr>
+          <p:cNvPr id="9" name="Inhaltsplatzhalter 8">
+            <a:extLst>
+              <a:ext uri="{FF2B5EF4-FFF2-40B4-BE49-F238E27FC236}">
+                <a16:creationId xmlns:a16="http://schemas.microsoft.com/office/drawing/2014/main" id="{51405A85-A1C8-42B2-A630-B31288291130}"/>
+              </a:ext>
+            </a:extLst>
+          </p:cNvPr>
+          <p:cNvGraphicFramePr>
+            <a:graphicFrameLocks noGrp="1"/>
+          </p:cNvGraphicFramePr>
+          <p:nvPr>
+            <p:ph idx="1"/>
+            <p:extLst>
+              <p:ext uri="{D42A27DB-BD31-4B8C-83A1-F6EECF244321}">
+                <p14:modId xmlns:p14="http://schemas.microsoft.com/office/powerpoint/2010/main" val="3449823854"/>
+              </p:ext>
+            </p:extLst>
+          </p:nvPr>
+        </p:nvGraphicFramePr>
+        <p:xfrm>
+          <a:off x="110231" y="1701063"/>
+          <a:ext cx="11998911" cy="4556527"/>
+        </p:xfrm>
+        <a:graphic>
+          <a:graphicData uri="http://schemas.openxmlformats.org/drawingml/2006/diagram">
+            <dgm:relIds xmlns:dgm="http://schemas.openxmlformats.org/drawingml/2006/diagram" xmlns:r="http://schemas.openxmlformats.org/officeDocument/2006/relationships" r:dm="rId2" r:lo="rId3" r:qs="rId4" r:cs="rId5"/>
+          </a:graphicData>
+        </a:graphic>
+      </p:graphicFrame>
+    </p:spTree>
+    <p:extLst>
+      <p:ext uri="{BB962C8B-B14F-4D97-AF65-F5344CB8AC3E}">
+        <p14:creationId xmlns:p14="http://schemas.microsoft.com/office/powerpoint/2010/main" val="3207530046"/>
+      </p:ext>
+    </p:extLst>
+  </p:cSld>
+  <p:clrMapOvr>
+    <a:masterClrMapping/>
+  </p:clrMapOvr>
+  <p:transition spd="slow">
+    <p:push dir="u"/>
+  </p:transition>
+  <p:timing>
+    <p:tnLst>
+      <p:par>
+        <p:cTn id="1" dur="indefinite" restart="never" nodeType="tmRoot">
+          <p:childTnLst>
+            <p:seq concurrent="1" nextAc="seek">
+              <p:cTn id="2" dur="indefinite" nodeType="mainSeq">
+                <p:childTnLst>
+                  <p:par>
+                    <p:cTn id="3" fill="hold">
+                      <p:stCondLst>
+                        <p:cond delay="indefinite"/>
+                      </p:stCondLst>
+                      <p:childTnLst>
+                        <p:par>
+                          <p:cTn id="4" fill="hold">
+                            <p:stCondLst>
+                              <p:cond delay="0"/>
+                            </p:stCondLst>
+                            <p:childTnLst>
+                              <p:par>
+                                <p:cTn id="5" presetID="10" presetClass="entr" presetSubtype="0" fill="hold" grpId="0" nodeType="clickEffect">
+                                  <p:stCondLst>
+                                    <p:cond delay="0"/>
+                                  </p:stCondLst>
+                                  <p:childTnLst>
+                                    <p:set>
+                                      <p:cBhvr>
+                                        <p:cTn id="6" dur="1" fill="hold">
+                                          <p:stCondLst>
+                                            <p:cond delay="0"/>
+                                          </p:stCondLst>
+                                        </p:cTn>
+                                        <p:tgtEl>
+                                          <p:spTgt spid="9">
+                                            <p:graphicEl>
+                                              <a:dgm id="{50E50971-2C72-43CF-B5D1-8765764FAAA3}"/>
+                                            </p:graphicEl>
+                                          </p:spTgt>
+                                        </p:tgtEl>
+                                        <p:attrNameLst>
+                                          <p:attrName>style.visibility</p:attrName>
+                                        </p:attrNameLst>
+                                      </p:cBhvr>
+                                      <p:to>
+                                        <p:strVal val="visible"/>
+                                      </p:to>
+                                    </p:set>
+                                    <p:animEffect transition="in" filter="fade">
+                                      <p:cBhvr>
+                                        <p:cTn id="7" dur="500"/>
+                                        <p:tgtEl>
+                                          <p:spTgt spid="9">
+                                            <p:graphicEl>
+                                              <a:dgm id="{50E50971-2C72-43CF-B5D1-8765764FAAA3}"/>
+                                            </p:graphicEl>
+                                          </p:spTgt>
+                                        </p:tgtEl>
+                                      </p:cBhvr>
+                                    </p:animEffect>
+                                  </p:childTnLst>
+                                </p:cTn>
+                              </p:par>
+                            </p:childTnLst>
+                          </p:cTn>
+                        </p:par>
+                      </p:childTnLst>
+                    </p:cTn>
+                  </p:par>
+                  <p:par>
+                    <p:cTn id="8" fill="hold">
+                      <p:stCondLst>
+                        <p:cond delay="indefinite"/>
+                      </p:stCondLst>
+                      <p:childTnLst>
+                        <p:par>
+                          <p:cTn id="9" fill="hold">
+                            <p:stCondLst>
+                              <p:cond delay="0"/>
+                            </p:stCondLst>
+                            <p:childTnLst>
+                              <p:par>
+                                <p:cTn id="10" presetID="10" presetClass="entr" presetSubtype="0" fill="hold" grpId="0" nodeType="clickEffect">
+                                  <p:stCondLst>
+                                    <p:cond delay="0"/>
+                                  </p:stCondLst>
+                                  <p:childTnLst>
+                                    <p:set>
+                                      <p:cBhvr>
+                                        <p:cTn id="11" dur="1" fill="hold">
+                                          <p:stCondLst>
+                                            <p:cond delay="0"/>
+                                          </p:stCondLst>
+                                        </p:cTn>
+                                        <p:tgtEl>
+                                          <p:spTgt spid="9">
+                                            <p:graphicEl>
+                                              <a:dgm id="{07D35655-8ABB-410A-87B1-1148D8DF26C5}"/>
+                                            </p:graphicEl>
+                                          </p:spTgt>
+                                        </p:tgtEl>
+                                        <p:attrNameLst>
+                                          <p:attrName>style.visibility</p:attrName>
+                                        </p:attrNameLst>
+                                      </p:cBhvr>
+                                      <p:to>
+                                        <p:strVal val="visible"/>
+                                      </p:to>
+                                    </p:set>
+                                    <p:animEffect transition="in" filter="fade">
+                                      <p:cBhvr>
+                                        <p:cTn id="12" dur="500"/>
+                                        <p:tgtEl>
+                                          <p:spTgt spid="9">
+                                            <p:graphicEl>
+                                              <a:dgm id="{07D35655-8ABB-410A-87B1-1148D8DF26C5}"/>
+                                            </p:graphicEl>
+                                          </p:spTgt>
+                                        </p:tgtEl>
+                                      </p:cBhvr>
+                                    </p:animEffect>
+                                  </p:childTnLst>
+                                </p:cTn>
+                              </p:par>
+                            </p:childTnLst>
+                          </p:cTn>
+                        </p:par>
+                      </p:childTnLst>
+                    </p:cTn>
+                  </p:par>
+                  <p:par>
+                    <p:cTn id="13" fill="hold">
+                      <p:stCondLst>
+                        <p:cond delay="indefinite"/>
+                      </p:stCondLst>
+                      <p:childTnLst>
+                        <p:par>
+                          <p:cTn id="14" fill="hold">
+                            <p:stCondLst>
+                              <p:cond delay="0"/>
+                            </p:stCondLst>
+                            <p:childTnLst>
+                              <p:par>
+                                <p:cTn id="15" presetID="10" presetClass="entr" presetSubtype="0" fill="hold" grpId="0" nodeType="clickEffect">
+                                  <p:stCondLst>
+                                    <p:cond delay="0"/>
+                                  </p:stCondLst>
+                                  <p:childTnLst>
+                                    <p:set>
+                                      <p:cBhvr>
+                                        <p:cTn id="16" dur="1" fill="hold">
+                                          <p:stCondLst>
+                                            <p:cond delay="0"/>
+                                          </p:stCondLst>
+                                        </p:cTn>
+                                        <p:tgtEl>
+                                          <p:spTgt spid="9">
+                                            <p:graphicEl>
+                                              <a:dgm id="{BA8B41C2-0E8F-4922-9B06-07D72E294C84}"/>
+                                            </p:graphicEl>
+                                          </p:spTgt>
+                                        </p:tgtEl>
+                                        <p:attrNameLst>
+                                          <p:attrName>style.visibility</p:attrName>
+                                        </p:attrNameLst>
+                                      </p:cBhvr>
+                                      <p:to>
+                                        <p:strVal val="visible"/>
+                                      </p:to>
+                                    </p:set>
+                                    <p:animEffect transition="in" filter="fade">
+                                      <p:cBhvr>
+                                        <p:cTn id="17" dur="500"/>
+                                        <p:tgtEl>
+                                          <p:spTgt spid="9">
+                                            <p:graphicEl>
+                                              <a:dgm id="{BA8B41C2-0E8F-4922-9B06-07D72E294C84}"/>
+                                            </p:graphicEl>
+                                          </p:spTgt>
+                                        </p:tgtEl>
+                                      </p:cBhvr>
+                                    </p:animEffect>
+                                  </p:childTnLst>
+                                </p:cTn>
+                              </p:par>
+                            </p:childTnLst>
+                          </p:cTn>
+                        </p:par>
+                      </p:childTnLst>
+                    </p:cTn>
+                  </p:par>
+                  <p:par>
+                    <p:cTn id="18" fill="hold">
+                      <p:stCondLst>
+                        <p:cond delay="indefinite"/>
+                      </p:stCondLst>
+                      <p:childTnLst>
+                        <p:par>
+                          <p:cTn id="19" fill="hold">
+                            <p:stCondLst>
+                              <p:cond delay="0"/>
+                            </p:stCondLst>
+                            <p:childTnLst>
+                              <p:par>
+                                <p:cTn id="20" presetID="10" presetClass="entr" presetSubtype="0" fill="hold" grpId="0" nodeType="clickEffect">
+                                  <p:stCondLst>
+                                    <p:cond delay="0"/>
+                                  </p:stCondLst>
+                                  <p:childTnLst>
+                                    <p:set>
+                                      <p:cBhvr>
+                                        <p:cTn id="21" dur="1" fill="hold">
+                                          <p:stCondLst>
+                                            <p:cond delay="0"/>
+                                          </p:stCondLst>
+                                        </p:cTn>
+                                        <p:tgtEl>
+                                          <p:spTgt spid="9">
+                                            <p:graphicEl>
+                                              <a:dgm id="{12DFF1BA-6598-4F24-9042-B4E8CF5A936A}"/>
+                                            </p:graphicEl>
+                                          </p:spTgt>
+                                        </p:tgtEl>
+                                        <p:attrNameLst>
+                                          <p:attrName>style.visibility</p:attrName>
+                                        </p:attrNameLst>
+                                      </p:cBhvr>
+                                      <p:to>
+                                        <p:strVal val="visible"/>
+                                      </p:to>
+                                    </p:set>
+                                    <p:animEffect transition="in" filter="fade">
+                                      <p:cBhvr>
+                                        <p:cTn id="22" dur="500"/>
+                                        <p:tgtEl>
+                                          <p:spTgt spid="9">
+                                            <p:graphicEl>
+                                              <a:dgm id="{12DFF1BA-6598-4F24-9042-B4E8CF5A936A}"/>
+                                            </p:graphicEl>
+                                          </p:spTgt>
+                                        </p:tgtEl>
+                                      </p:cBhvr>
+                                    </p:animEffect>
+                                  </p:childTnLst>
+                                </p:cTn>
+                              </p:par>
+                            </p:childTnLst>
+                          </p:cTn>
+                        </p:par>
+                      </p:childTnLst>
+                    </p:cTn>
+                  </p:par>
+                  <p:par>
+                    <p:cTn id="23" fill="hold">
+                      <p:stCondLst>
+                        <p:cond delay="indefinite"/>
+                      </p:stCondLst>
+                      <p:childTnLst>
+                        <p:par>
+                          <p:cTn id="24" fill="hold">
+                            <p:stCondLst>
+                              <p:cond delay="0"/>
+                            </p:stCondLst>
+                            <p:childTnLst>
+                              <p:par>
+                                <p:cTn id="25" presetID="10" presetClass="entr" presetSubtype="0" fill="hold" grpId="0" nodeType="clickEffect">
+                                  <p:stCondLst>
+                                    <p:cond delay="0"/>
+                                  </p:stCondLst>
+                                  <p:childTnLst>
+                                    <p:set>
+                                      <p:cBhvr>
+                                        <p:cTn id="26" dur="1" fill="hold">
+                                          <p:stCondLst>
+                                            <p:cond delay="0"/>
+                                          </p:stCondLst>
+                                        </p:cTn>
+                                        <p:tgtEl>
+                                          <p:spTgt spid="9">
+                                            <p:graphicEl>
+                                              <a:dgm id="{ABBBE257-6395-4392-9F0D-C8F816B4BF8F}"/>
+                                            </p:graphicEl>
+                                          </p:spTgt>
+                                        </p:tgtEl>
+                                        <p:attrNameLst>
+                                          <p:attrName>style.visibility</p:attrName>
+                                        </p:attrNameLst>
+                                      </p:cBhvr>
+                                      <p:to>
+                                        <p:strVal val="visible"/>
+                                      </p:to>
+                                    </p:set>
+                                    <p:animEffect transition="in" filter="fade">
+                                      <p:cBhvr>
+                                        <p:cTn id="27" dur="500"/>
+                                        <p:tgtEl>
+                                          <p:spTgt spid="9">
+                                            <p:graphicEl>
+                                              <a:dgm id="{ABBBE257-6395-4392-9F0D-C8F816B4BF8F}"/>
+                                            </p:graphicEl>
+                                          </p:spTgt>
+                                        </p:tgtEl>
+                                      </p:cBhvr>
+                                    </p:animEffect>
+                                  </p:childTnLst>
+                                </p:cTn>
+                              </p:par>
+                            </p:childTnLst>
+                          </p:cTn>
+                        </p:par>
+                      </p:childTnLst>
+                    </p:cTn>
+                  </p:par>
+                  <p:par>
+                    <p:cTn id="28" fill="hold">
+                      <p:stCondLst>
+                        <p:cond delay="indefinite"/>
+                      </p:stCondLst>
+                      <p:childTnLst>
+                        <p:par>
+                          <p:cTn id="29" fill="hold">
+                            <p:stCondLst>
+                              <p:cond delay="0"/>
+                            </p:stCondLst>
+                            <p:childTnLst>
+                              <p:par>
+                                <p:cTn id="30" presetID="10" presetClass="entr" presetSubtype="0" fill="hold" grpId="0" nodeType="clickEffect">
+                                  <p:stCondLst>
+                                    <p:cond delay="0"/>
+                                  </p:stCondLst>
+                                  <p:childTnLst>
+                                    <p:set>
+                                      <p:cBhvr>
+                                        <p:cTn id="31" dur="1" fill="hold">
+                                          <p:stCondLst>
+                                            <p:cond delay="0"/>
+                                          </p:stCondLst>
+                                        </p:cTn>
+                                        <p:tgtEl>
+                                          <p:spTgt spid="9">
+                                            <p:graphicEl>
+                                              <a:dgm id="{746BC9AA-DF23-4421-9B45-CA0C15278158}"/>
+                                            </p:graphicEl>
+                                          </p:spTgt>
+                                        </p:tgtEl>
+                                        <p:attrNameLst>
+                                          <p:attrName>style.visibility</p:attrName>
+                                        </p:attrNameLst>
+                                      </p:cBhvr>
+                                      <p:to>
+                                        <p:strVal val="visible"/>
+                                      </p:to>
+                                    </p:set>
+                                    <p:animEffect transition="in" filter="fade">
+                                      <p:cBhvr>
+                                        <p:cTn id="32" dur="500"/>
+                                        <p:tgtEl>
+                                          <p:spTgt spid="9">
+                                            <p:graphicEl>
+                                              <a:dgm id="{746BC9AA-DF23-4421-9B45-CA0C15278158}"/>
+                                            </p:graphicEl>
+                                          </p:spTgt>
+                                        </p:tgtEl>
+                                      </p:cBhvr>
+                                    </p:animEffect>
+                                  </p:childTnLst>
+                                </p:cTn>
+                              </p:par>
+                            </p:childTnLst>
+                          </p:cTn>
+                        </p:par>
+                      </p:childTnLst>
+                    </p:cTn>
+                  </p:par>
+                </p:childTnLst>
+              </p:cTn>
+              <p:prevCondLst>
+                <p:cond evt="onPrev" delay="0">
+                  <p:tgtEl>
+                    <p:sldTgt/>
+                  </p:tgtEl>
+                </p:cond>
+              </p:prevCondLst>
+              <p:nextCondLst>
+                <p:cond evt="onNext" delay="0">
+                  <p:tgtEl>
+                    <p:sldTgt/>
+                  </p:tgtEl>
+                </p:cond>
+              </p:nextCondLst>
+            </p:seq>
+          </p:childTnLst>
+        </p:cTn>
+      </p:par>
+    </p:tnLst>
+    <p:bldLst>
+      <p:bldGraphic spid="9" grpId="0">
+        <p:bldSub>
+          <a:bldDgm bld="lvlOne"/>
+        </p:bldSub>
+      </p:bldGraphic>
+    </p:bldLst>
+  </p:timing>
+</p:sld>
+</file>
+
 <file path=ppt/slides/slide14.xml><?xml version="1.0" encoding="utf-8"?>
+<p:sld xmlns:a="http://schemas.openxmlformats.org/drawingml/2006/main" xmlns:r="http://schemas.openxmlformats.org/officeDocument/2006/relationships" xmlns:p="http://schemas.openxmlformats.org/presentationml/2006/main">
+  <p:cSld>
+    <p:spTree>
+      <p:nvGrpSpPr>
+        <p:cNvPr id="1" name=""/>
+        <p:cNvGrpSpPr/>
+        <p:nvPr/>
+      </p:nvGrpSpPr>
+      <p:grpSpPr>
+        <a:xfrm>
+          <a:off x="0" y="0"/>
+          <a:ext cx="0" cy="0"/>
+          <a:chOff x="0" y="0"/>
+          <a:chExt cx="0" cy="0"/>
+        </a:xfrm>
+      </p:grpSpPr>
+      <p:sp>
+        <p:nvSpPr>
+          <p:cNvPr id="2" name="Inhaltsplatzhalter 1">
+            <a:extLst>
+              <a:ext uri="{FF2B5EF4-FFF2-40B4-BE49-F238E27FC236}">
+                <a16:creationId xmlns:a16="http://schemas.microsoft.com/office/drawing/2014/main" id="{534D2DAF-9E30-4D61-A0F2-172F46B67AA6}"/>
+              </a:ext>
+            </a:extLst>
+          </p:cNvPr>
+          <p:cNvSpPr>
+            <a:spLocks noGrp="1"/>
+          </p:cNvSpPr>
+          <p:nvPr>
+            <p:ph idx="1"/>
+          </p:nvPr>
+        </p:nvSpPr>
+        <p:spPr/>
+        <p:txBody>
+          <a:bodyPr/>
+          <a:lstStyle/>
+          <a:p>
+            <a:r>
+              <a:rPr lang="de-DE" dirty="0">
+                <a:latin typeface="Trebuchet MS" panose="020B0603020202020204" pitchFamily="34" charset="0"/>
+              </a:rPr>
+              <a:t>Klick auf Tabelleninhalt generiert Objekt der entspr. Klasse</a:t>
+            </a:r>
+          </a:p>
+          <a:p>
+            <a:r>
+              <a:rPr lang="de-DE" dirty="0">
+                <a:latin typeface="Trebuchet MS" panose="020B0603020202020204" pitchFamily="34" charset="0"/>
+              </a:rPr>
+              <a:t>Klasse enthält Eingabefelder als Attribute</a:t>
+            </a:r>
+          </a:p>
+          <a:p>
+            <a:r>
+              <a:rPr lang="de-DE" dirty="0">
+                <a:latin typeface="Trebuchet MS" panose="020B0603020202020204" pitchFamily="34" charset="0"/>
+              </a:rPr>
+              <a:t>Bei Knopfdruck wird der </a:t>
+            </a:r>
+            <a:r>
+              <a:rPr lang="de-DE" b="1" i="1" dirty="0">
+                <a:latin typeface="Trebuchet MS" panose="020B0603020202020204" pitchFamily="34" charset="0"/>
+              </a:rPr>
+              <a:t>Modus</a:t>
+            </a:r>
+            <a:r>
+              <a:rPr lang="de-DE" dirty="0">
+                <a:latin typeface="Trebuchet MS" panose="020B0603020202020204" pitchFamily="34" charset="0"/>
+              </a:rPr>
+              <a:t> und </a:t>
+            </a:r>
+            <a:r>
+              <a:rPr lang="de-DE" b="1" i="1" dirty="0">
+                <a:latin typeface="Trebuchet MS" panose="020B0603020202020204" pitchFamily="34" charset="0"/>
+              </a:rPr>
+              <a:t>alle Eingabefelder </a:t>
+            </a:r>
+            <a:r>
+              <a:rPr lang="de-DE" dirty="0">
+                <a:latin typeface="Trebuchet MS" panose="020B0603020202020204" pitchFamily="34" charset="0"/>
+              </a:rPr>
+              <a:t>abgefragt</a:t>
+            </a:r>
+          </a:p>
+          <a:p>
+            <a:r>
+              <a:rPr lang="de-DE" dirty="0">
+                <a:latin typeface="Trebuchet MS" panose="020B0603020202020204" pitchFamily="34" charset="0"/>
+              </a:rPr>
+              <a:t>Leere Textfelder bleiben leer</a:t>
+            </a:r>
+            <a:br>
+              <a:rPr lang="de-DE" dirty="0">
+                <a:latin typeface="Trebuchet MS" panose="020B0603020202020204" pitchFamily="34" charset="0"/>
+              </a:rPr>
+            </a:br>
+            <a:r>
+              <a:rPr lang="de-DE" dirty="0">
+                <a:latin typeface="Trebuchet MS" panose="020B0603020202020204" pitchFamily="34" charset="0"/>
+              </a:rPr>
+              <a:t>Leere Nummernfelder werden mit </a:t>
+            </a:r>
+            <a:r>
+              <a:rPr lang="de-DE" b="1" i="1" dirty="0">
+                <a:latin typeface="Trebuchet MS" panose="020B0603020202020204" pitchFamily="34" charset="0"/>
+              </a:rPr>
+              <a:t>-1 </a:t>
+            </a:r>
+            <a:r>
+              <a:rPr lang="de-DE" dirty="0">
+                <a:latin typeface="Trebuchet MS" panose="020B0603020202020204" pitchFamily="34" charset="0"/>
+              </a:rPr>
+              <a:t>gefüllt</a:t>
+            </a:r>
+          </a:p>
+          <a:p>
+            <a:r>
+              <a:rPr lang="de-DE" b="1" i="1" dirty="0">
+                <a:latin typeface="Trebuchet MS" panose="020B0603020202020204" pitchFamily="34" charset="0"/>
+              </a:rPr>
+              <a:t>-1 </a:t>
+            </a:r>
+            <a:r>
+              <a:rPr lang="de-DE" dirty="0">
+                <a:latin typeface="Trebuchet MS" panose="020B0603020202020204" pitchFamily="34" charset="0"/>
+              </a:rPr>
+              <a:t>wird beim Erstellen der SQL – Abfrage abgefangen</a:t>
+            </a:r>
+            <a:endParaRPr lang="de-DE" b="1" i="1" dirty="0">
+              <a:latin typeface="Trebuchet MS" panose="020B0603020202020204" pitchFamily="34" charset="0"/>
+            </a:endParaRPr>
+          </a:p>
+          <a:p>
+            <a:r>
+              <a:rPr lang="de-DE" dirty="0">
+                <a:latin typeface="Trebuchet MS" panose="020B0603020202020204" pitchFamily="34" charset="0"/>
+              </a:rPr>
+              <a:t>Daten werden in vorgefertigte Abfrage geformt</a:t>
+            </a:r>
+          </a:p>
+          <a:p>
+            <a:r>
+              <a:rPr lang="de-DE" dirty="0">
+                <a:latin typeface="Trebuchet MS" panose="020B0603020202020204" pitchFamily="34" charset="0"/>
+              </a:rPr>
+              <a:t>Abfrage wird ausgeführt</a:t>
+            </a:r>
+          </a:p>
+        </p:txBody>
+      </p:sp>
+      <p:sp>
+        <p:nvSpPr>
+          <p:cNvPr id="3" name="Datumsplatzhalter 2">
+            <a:extLst>
+              <a:ext uri="{FF2B5EF4-FFF2-40B4-BE49-F238E27FC236}">
+                <a16:creationId xmlns:a16="http://schemas.microsoft.com/office/drawing/2014/main" id="{43CF168A-0B51-4E21-9D88-BC99D7957D14}"/>
+              </a:ext>
+            </a:extLst>
+          </p:cNvPr>
+          <p:cNvSpPr>
+            <a:spLocks noGrp="1"/>
+          </p:cNvSpPr>
+          <p:nvPr>
+            <p:ph type="dt" sz="half" idx="10"/>
+          </p:nvPr>
+        </p:nvSpPr>
+        <p:spPr/>
+        <p:txBody>
+          <a:bodyPr/>
+          <a:lstStyle/>
+          <a:p>
+            <a:fld id="{46C1CA06-F658-4220-8BC8-8FCF6253DAE1}" type="datetime1">
+              <a:rPr lang="de-DE" smtClean="0"/>
+              <a:t>26.12.2019</a:t>
+            </a:fld>
+            <a:endParaRPr lang="de-DE"/>
+          </a:p>
+        </p:txBody>
+      </p:sp>
+      <p:sp>
+        <p:nvSpPr>
+          <p:cNvPr id="4" name="Fußzeilenplatzhalter 3">
+            <a:extLst>
+              <a:ext uri="{FF2B5EF4-FFF2-40B4-BE49-F238E27FC236}">
+                <a16:creationId xmlns:a16="http://schemas.microsoft.com/office/drawing/2014/main" id="{0168FF4C-C2E2-4FAE-8786-A21704CC863D}"/>
+              </a:ext>
+            </a:extLst>
+          </p:cNvPr>
+          <p:cNvSpPr>
+            <a:spLocks noGrp="1"/>
+          </p:cNvSpPr>
+          <p:nvPr>
+            <p:ph type="ftr" sz="quarter" idx="11"/>
+          </p:nvPr>
+        </p:nvSpPr>
+        <p:spPr/>
+        <p:txBody>
+          <a:bodyPr/>
+          <a:lstStyle/>
+          <a:p>
+            <a:r>
+              <a:rPr lang="de-DE"/>
+              <a:t>Krieger</a:t>
+            </a:r>
+          </a:p>
+        </p:txBody>
+      </p:sp>
+      <p:sp>
+        <p:nvSpPr>
+          <p:cNvPr id="5" name="Foliennummernplatzhalter 4">
+            <a:extLst>
+              <a:ext uri="{FF2B5EF4-FFF2-40B4-BE49-F238E27FC236}">
+                <a16:creationId xmlns:a16="http://schemas.microsoft.com/office/drawing/2014/main" id="{5BB76FFD-FE61-49EF-AA55-5E397B5F97B2}"/>
+              </a:ext>
+            </a:extLst>
+          </p:cNvPr>
+          <p:cNvSpPr>
+            <a:spLocks noGrp="1"/>
+          </p:cNvSpPr>
+          <p:nvPr>
+            <p:ph type="sldNum" sz="quarter" idx="12"/>
+          </p:nvPr>
+        </p:nvSpPr>
+        <p:spPr/>
+        <p:txBody>
+          <a:bodyPr/>
+          <a:lstStyle/>
+          <a:p>
+            <a:fld id="{75F11FD4-B355-4EAB-967C-DBC12644FBDE}" type="slidenum">
+              <a:rPr lang="de-DE" smtClean="0"/>
+              <a:t>14</a:t>
+            </a:fld>
+            <a:endParaRPr lang="de-DE"/>
+          </a:p>
+        </p:txBody>
+      </p:sp>
+      <p:sp>
+        <p:nvSpPr>
+          <p:cNvPr id="6" name="Textplatzhalter 5">
+            <a:extLst>
+              <a:ext uri="{FF2B5EF4-FFF2-40B4-BE49-F238E27FC236}">
+                <a16:creationId xmlns:a16="http://schemas.microsoft.com/office/drawing/2014/main" id="{0E1D039F-FCE9-4932-877A-73768C2AEA95}"/>
+              </a:ext>
+            </a:extLst>
+          </p:cNvPr>
+          <p:cNvSpPr>
+            <a:spLocks noGrp="1"/>
+          </p:cNvSpPr>
+          <p:nvPr>
+            <p:ph type="body" sz="quarter" idx="14"/>
+          </p:nvPr>
+        </p:nvSpPr>
+        <p:spPr/>
+        <p:txBody>
+          <a:bodyPr/>
+          <a:lstStyle/>
+          <a:p>
+            <a:r>
+              <a:rPr lang="de-DE" dirty="0">
+                <a:latin typeface="Trebuchet MS" panose="020B0603020202020204" pitchFamily="34" charset="0"/>
+              </a:rPr>
+              <a:t>Der gesamte Prozess</a:t>
+            </a:r>
+          </a:p>
+        </p:txBody>
+      </p:sp>
+      <p:sp>
+        <p:nvSpPr>
+          <p:cNvPr id="7" name="Textplatzhalter 6">
+            <a:extLst>
+              <a:ext uri="{FF2B5EF4-FFF2-40B4-BE49-F238E27FC236}">
+                <a16:creationId xmlns:a16="http://schemas.microsoft.com/office/drawing/2014/main" id="{04E5F315-9C00-4021-B0CD-7F7B4C424AA6}"/>
+              </a:ext>
+            </a:extLst>
+          </p:cNvPr>
+          <p:cNvSpPr>
+            <a:spLocks noGrp="1"/>
+          </p:cNvSpPr>
+          <p:nvPr>
+            <p:ph type="body" sz="quarter" idx="13"/>
+          </p:nvPr>
+        </p:nvSpPr>
+        <p:spPr/>
+        <p:txBody>
+          <a:bodyPr/>
+          <a:lstStyle/>
+          <a:p>
+            <a:r>
+              <a:rPr lang="de-DE" dirty="0">
+                <a:latin typeface="Trebuchet MS" panose="020B0603020202020204" pitchFamily="34" charset="0"/>
+              </a:rPr>
+              <a:t>Daten anlegen</a:t>
+            </a:r>
+          </a:p>
+        </p:txBody>
+      </p:sp>
+    </p:spTree>
+    <p:extLst>
+      <p:ext uri="{BB962C8B-B14F-4D97-AF65-F5344CB8AC3E}">
+        <p14:creationId xmlns:p14="http://schemas.microsoft.com/office/powerpoint/2010/main" val="547057155"/>
+      </p:ext>
+    </p:extLst>
+  </p:cSld>
+  <p:clrMapOvr>
+    <a:masterClrMapping/>
+  </p:clrMapOvr>
+  <p:timing>
+    <p:tnLst>
+      <p:par>
+        <p:cTn id="1" dur="indefinite" restart="never" nodeType="tmRoot">
+          <p:childTnLst>
+            <p:seq concurrent="1" nextAc="seek">
+              <p:cTn id="2" dur="indefinite" nodeType="mainSeq">
+                <p:childTnLst>
+                  <p:par>
+                    <p:cTn id="3" fill="hold">
+                      <p:stCondLst>
+                        <p:cond delay="indefinite"/>
+                      </p:stCondLst>
+                      <p:childTnLst>
+                        <p:par>
+                          <p:cTn id="4" fill="hold">
+                            <p:stCondLst>
+                              <p:cond delay="0"/>
+                            </p:stCondLst>
+                            <p:childTnLst>
+                              <p:par>
+                                <p:cTn id="5" presetID="42" presetClass="entr" presetSubtype="0" fill="hold" nodeType="clickEffect">
+                                  <p:stCondLst>
+                                    <p:cond delay="0"/>
+                                  </p:stCondLst>
+                                  <p:childTnLst>
+                                    <p:set>
+                                      <p:cBhvr>
+                                        <p:cTn id="6" dur="1" fill="hold">
+                                          <p:stCondLst>
+                                            <p:cond delay="0"/>
+                                          </p:stCondLst>
+                                        </p:cTn>
+                                        <p:tgtEl>
+                                          <p:spTgt spid="2">
+                                            <p:txEl>
+                                              <p:pRg st="0" end="0"/>
+                                            </p:txEl>
+                                          </p:spTgt>
+                                        </p:tgtEl>
+                                        <p:attrNameLst>
+                                          <p:attrName>style.visibility</p:attrName>
+                                        </p:attrNameLst>
+                                      </p:cBhvr>
+                                      <p:to>
+                                        <p:strVal val="visible"/>
+                                      </p:to>
+                                    </p:set>
+                                    <p:animEffect transition="in" filter="fade">
+                                      <p:cBhvr>
+                                        <p:cTn id="7" dur="500"/>
+                                        <p:tgtEl>
+                                          <p:spTgt spid="2">
+                                            <p:txEl>
+                                              <p:pRg st="0" end="0"/>
+                                            </p:txEl>
+                                          </p:spTgt>
+                                        </p:tgtEl>
+                                      </p:cBhvr>
+                                    </p:animEffect>
+                                    <p:anim calcmode="lin" valueType="num">
+                                      <p:cBhvr>
+                                        <p:cTn id="8" dur="500" fill="hold"/>
+                                        <p:tgtEl>
+                                          <p:spTgt spid="2">
+                                            <p:txEl>
+                                              <p:pRg st="0" end="0"/>
+                                            </p:txEl>
+                                          </p:spTgt>
+                                        </p:tgtEl>
+                                        <p:attrNameLst>
+                                          <p:attrName>ppt_x</p:attrName>
+                                        </p:attrNameLst>
+                                      </p:cBhvr>
+                                      <p:tavLst>
+                                        <p:tav tm="0">
+                                          <p:val>
+                                            <p:strVal val="#ppt_x"/>
+                                          </p:val>
+                                        </p:tav>
+                                        <p:tav tm="100000">
+                                          <p:val>
+                                            <p:strVal val="#ppt_x"/>
+                                          </p:val>
+                                        </p:tav>
+                                      </p:tavLst>
+                                    </p:anim>
+                                    <p:anim calcmode="lin" valueType="num">
+                                      <p:cBhvr>
+                                        <p:cTn id="9" dur="500" fill="hold"/>
+                                        <p:tgtEl>
+                                          <p:spTgt spid="2">
+                                            <p:txEl>
+                                              <p:pRg st="0" end="0"/>
+                                            </p:txEl>
+                                          </p:spTgt>
+                                        </p:tgtEl>
+                                        <p:attrNameLst>
+                                          <p:attrName>ppt_y</p:attrName>
+                                        </p:attrNameLst>
+                                      </p:cBhvr>
+                                      <p:tavLst>
+                                        <p:tav tm="0">
+                                          <p:val>
+                                            <p:strVal val="#ppt_y+.1"/>
+                                          </p:val>
+                                        </p:tav>
+                                        <p:tav tm="100000">
+                                          <p:val>
+                                            <p:strVal val="#ppt_y"/>
+                                          </p:val>
+                                        </p:tav>
+                                      </p:tavLst>
+                                    </p:anim>
+                                  </p:childTnLst>
+                                </p:cTn>
+                              </p:par>
+                            </p:childTnLst>
+                          </p:cTn>
+                        </p:par>
+                      </p:childTnLst>
+                    </p:cTn>
+                  </p:par>
+                  <p:par>
+                    <p:cTn id="10" fill="hold">
+                      <p:stCondLst>
+                        <p:cond delay="indefinite"/>
+                      </p:stCondLst>
+                      <p:childTnLst>
+                        <p:par>
+                          <p:cTn id="11" fill="hold">
+                            <p:stCondLst>
+                              <p:cond delay="0"/>
+                            </p:stCondLst>
+                            <p:childTnLst>
+                              <p:par>
+                                <p:cTn id="12" presetID="42" presetClass="entr" presetSubtype="0" fill="hold" nodeType="clickEffect">
+                                  <p:stCondLst>
+                                    <p:cond delay="0"/>
+                                  </p:stCondLst>
+                                  <p:childTnLst>
+                                    <p:set>
+                                      <p:cBhvr>
+                                        <p:cTn id="13" dur="1" fill="hold">
+                                          <p:stCondLst>
+                                            <p:cond delay="0"/>
+                                          </p:stCondLst>
+                                        </p:cTn>
+                                        <p:tgtEl>
+                                          <p:spTgt spid="2">
+                                            <p:txEl>
+                                              <p:pRg st="1" end="1"/>
+                                            </p:txEl>
+                                          </p:spTgt>
+                                        </p:tgtEl>
+                                        <p:attrNameLst>
+                                          <p:attrName>style.visibility</p:attrName>
+                                        </p:attrNameLst>
+                                      </p:cBhvr>
+                                      <p:to>
+                                        <p:strVal val="visible"/>
+                                      </p:to>
+                                    </p:set>
+                                    <p:animEffect transition="in" filter="fade">
+                                      <p:cBhvr>
+                                        <p:cTn id="14" dur="500"/>
+                                        <p:tgtEl>
+                                          <p:spTgt spid="2">
+                                            <p:txEl>
+                                              <p:pRg st="1" end="1"/>
+                                            </p:txEl>
+                                          </p:spTgt>
+                                        </p:tgtEl>
+                                      </p:cBhvr>
+                                    </p:animEffect>
+                                    <p:anim calcmode="lin" valueType="num">
+                                      <p:cBhvr>
+                                        <p:cTn id="15" dur="500" fill="hold"/>
+                                        <p:tgtEl>
+                                          <p:spTgt spid="2">
+                                            <p:txEl>
+                                              <p:pRg st="1" end="1"/>
+                                            </p:txEl>
+                                          </p:spTgt>
+                                        </p:tgtEl>
+                                        <p:attrNameLst>
+                                          <p:attrName>ppt_x</p:attrName>
+                                        </p:attrNameLst>
+                                      </p:cBhvr>
+                                      <p:tavLst>
+                                        <p:tav tm="0">
+                                          <p:val>
+                                            <p:strVal val="#ppt_x"/>
+                                          </p:val>
+                                        </p:tav>
+                                        <p:tav tm="100000">
+                                          <p:val>
+                                            <p:strVal val="#ppt_x"/>
+                                          </p:val>
+                                        </p:tav>
+                                      </p:tavLst>
+                                    </p:anim>
+                                    <p:anim calcmode="lin" valueType="num">
+                                      <p:cBhvr>
+                                        <p:cTn id="16" dur="500" fill="hold"/>
+                                        <p:tgtEl>
+                                          <p:spTgt spid="2">
+                                            <p:txEl>
+                                              <p:pRg st="1" end="1"/>
+                                            </p:txEl>
+                                          </p:spTgt>
+                                        </p:tgtEl>
+                                        <p:attrNameLst>
+                                          <p:attrName>ppt_y</p:attrName>
+                                        </p:attrNameLst>
+                                      </p:cBhvr>
+                                      <p:tavLst>
+                                        <p:tav tm="0">
+                                          <p:val>
+                                            <p:strVal val="#ppt_y+.1"/>
+                                          </p:val>
+                                        </p:tav>
+                                        <p:tav tm="100000">
+                                          <p:val>
+                                            <p:strVal val="#ppt_y"/>
+                                          </p:val>
+                                        </p:tav>
+                                      </p:tavLst>
+                                    </p:anim>
+                                  </p:childTnLst>
+                                </p:cTn>
+                              </p:par>
+                            </p:childTnLst>
+                          </p:cTn>
+                        </p:par>
+                      </p:childTnLst>
+                    </p:cTn>
+                  </p:par>
+                  <p:par>
+                    <p:cTn id="17" fill="hold">
+                      <p:stCondLst>
+                        <p:cond delay="indefinite"/>
+                      </p:stCondLst>
+                      <p:childTnLst>
+                        <p:par>
+                          <p:cTn id="18" fill="hold">
+                            <p:stCondLst>
+                              <p:cond delay="0"/>
+                            </p:stCondLst>
+                            <p:childTnLst>
+                              <p:par>
+                                <p:cTn id="19" presetID="42" presetClass="entr" presetSubtype="0" fill="hold" nodeType="clickEffect">
+                                  <p:stCondLst>
+                                    <p:cond delay="0"/>
+                                  </p:stCondLst>
+                                  <p:childTnLst>
+                                    <p:set>
+                                      <p:cBhvr>
+                                        <p:cTn id="20" dur="1" fill="hold">
+                                          <p:stCondLst>
+                                            <p:cond delay="0"/>
+                                          </p:stCondLst>
+                                        </p:cTn>
+                                        <p:tgtEl>
+                                          <p:spTgt spid="2">
+                                            <p:txEl>
+                                              <p:pRg st="2" end="2"/>
+                                            </p:txEl>
+                                          </p:spTgt>
+                                        </p:tgtEl>
+                                        <p:attrNameLst>
+                                          <p:attrName>style.visibility</p:attrName>
+                                        </p:attrNameLst>
+                                      </p:cBhvr>
+                                      <p:to>
+                                        <p:strVal val="visible"/>
+                                      </p:to>
+                                    </p:set>
+                                    <p:animEffect transition="in" filter="fade">
+                                      <p:cBhvr>
+                                        <p:cTn id="21" dur="500"/>
+                                        <p:tgtEl>
+                                          <p:spTgt spid="2">
+                                            <p:txEl>
+                                              <p:pRg st="2" end="2"/>
+                                            </p:txEl>
+                                          </p:spTgt>
+                                        </p:tgtEl>
+                                      </p:cBhvr>
+                                    </p:animEffect>
+                                    <p:anim calcmode="lin" valueType="num">
+                                      <p:cBhvr>
+                                        <p:cTn id="22" dur="500" fill="hold"/>
+                                        <p:tgtEl>
+                                          <p:spTgt spid="2">
+                                            <p:txEl>
+                                              <p:pRg st="2" end="2"/>
+                                            </p:txEl>
+                                          </p:spTgt>
+                                        </p:tgtEl>
+                                        <p:attrNameLst>
+                                          <p:attrName>ppt_x</p:attrName>
+                                        </p:attrNameLst>
+                                      </p:cBhvr>
+                                      <p:tavLst>
+                                        <p:tav tm="0">
+                                          <p:val>
+                                            <p:strVal val="#ppt_x"/>
+                                          </p:val>
+                                        </p:tav>
+                                        <p:tav tm="100000">
+                                          <p:val>
+                                            <p:strVal val="#ppt_x"/>
+                                          </p:val>
+                                        </p:tav>
+                                      </p:tavLst>
+                                    </p:anim>
+                                    <p:anim calcmode="lin" valueType="num">
+                                      <p:cBhvr>
+                                        <p:cTn id="23" dur="500" fill="hold"/>
+                                        <p:tgtEl>
+                                          <p:spTgt spid="2">
+                                            <p:txEl>
+                                              <p:pRg st="2" end="2"/>
+                                            </p:txEl>
+                                          </p:spTgt>
+                                        </p:tgtEl>
+                                        <p:attrNameLst>
+                                          <p:attrName>ppt_y</p:attrName>
+                                        </p:attrNameLst>
+                                      </p:cBhvr>
+                                      <p:tavLst>
+                                        <p:tav tm="0">
+                                          <p:val>
+                                            <p:strVal val="#ppt_y+.1"/>
+                                          </p:val>
+                                        </p:tav>
+                                        <p:tav tm="100000">
+                                          <p:val>
+                                            <p:strVal val="#ppt_y"/>
+                                          </p:val>
+                                        </p:tav>
+                                      </p:tavLst>
+                                    </p:anim>
+                                  </p:childTnLst>
+                                </p:cTn>
+                              </p:par>
+                            </p:childTnLst>
+                          </p:cTn>
+                        </p:par>
+                      </p:childTnLst>
+                    </p:cTn>
+                  </p:par>
+                  <p:par>
+                    <p:cTn id="24" fill="hold">
+                      <p:stCondLst>
+                        <p:cond delay="indefinite"/>
+                      </p:stCondLst>
+                      <p:childTnLst>
+                        <p:par>
+                          <p:cTn id="25" fill="hold">
+                            <p:stCondLst>
+                              <p:cond delay="0"/>
+                            </p:stCondLst>
+                            <p:childTnLst>
+                              <p:par>
+                                <p:cTn id="26" presetID="42" presetClass="entr" presetSubtype="0" fill="hold" nodeType="clickEffect">
+                                  <p:stCondLst>
+                                    <p:cond delay="0"/>
+                                  </p:stCondLst>
+                                  <p:childTnLst>
+                                    <p:set>
+                                      <p:cBhvr>
+                                        <p:cTn id="27" dur="1" fill="hold">
+                                          <p:stCondLst>
+                                            <p:cond delay="0"/>
+                                          </p:stCondLst>
+                                        </p:cTn>
+                                        <p:tgtEl>
+                                          <p:spTgt spid="2">
+                                            <p:txEl>
+                                              <p:pRg st="3" end="3"/>
+                                            </p:txEl>
+                                          </p:spTgt>
+                                        </p:tgtEl>
+                                        <p:attrNameLst>
+                                          <p:attrName>style.visibility</p:attrName>
+                                        </p:attrNameLst>
+                                      </p:cBhvr>
+                                      <p:to>
+                                        <p:strVal val="visible"/>
+                                      </p:to>
+                                    </p:set>
+                                    <p:animEffect transition="in" filter="fade">
+                                      <p:cBhvr>
+                                        <p:cTn id="28" dur="500"/>
+                                        <p:tgtEl>
+                                          <p:spTgt spid="2">
+                                            <p:txEl>
+                                              <p:pRg st="3" end="3"/>
+                                            </p:txEl>
+                                          </p:spTgt>
+                                        </p:tgtEl>
+                                      </p:cBhvr>
+                                    </p:animEffect>
+                                    <p:anim calcmode="lin" valueType="num">
+                                      <p:cBhvr>
+                                        <p:cTn id="29" dur="500" fill="hold"/>
+                                        <p:tgtEl>
+                                          <p:spTgt spid="2">
+                                            <p:txEl>
+                                              <p:pRg st="3" end="3"/>
+                                            </p:txEl>
+                                          </p:spTgt>
+                                        </p:tgtEl>
+                                        <p:attrNameLst>
+                                          <p:attrName>ppt_x</p:attrName>
+                                        </p:attrNameLst>
+                                      </p:cBhvr>
+                                      <p:tavLst>
+                                        <p:tav tm="0">
+                                          <p:val>
+                                            <p:strVal val="#ppt_x"/>
+                                          </p:val>
+                                        </p:tav>
+                                        <p:tav tm="100000">
+                                          <p:val>
+                                            <p:strVal val="#ppt_x"/>
+                                          </p:val>
+                                        </p:tav>
+                                      </p:tavLst>
+                                    </p:anim>
+                                    <p:anim calcmode="lin" valueType="num">
+                                      <p:cBhvr>
+                                        <p:cTn id="30" dur="500" fill="hold"/>
+                                        <p:tgtEl>
+                                          <p:spTgt spid="2">
+                                            <p:txEl>
+                                              <p:pRg st="3" end="3"/>
+                                            </p:txEl>
+                                          </p:spTgt>
+                                        </p:tgtEl>
+                                        <p:attrNameLst>
+                                          <p:attrName>ppt_y</p:attrName>
+                                        </p:attrNameLst>
+                                      </p:cBhvr>
+                                      <p:tavLst>
+                                        <p:tav tm="0">
+                                          <p:val>
+                                            <p:strVal val="#ppt_y+.1"/>
+                                          </p:val>
+                                        </p:tav>
+                                        <p:tav tm="100000">
+                                          <p:val>
+                                            <p:strVal val="#ppt_y"/>
+                                          </p:val>
+                                        </p:tav>
+                                      </p:tavLst>
+                                    </p:anim>
+                                  </p:childTnLst>
+                                </p:cTn>
+                              </p:par>
+                            </p:childTnLst>
+                          </p:cTn>
+                        </p:par>
+                      </p:childTnLst>
+                    </p:cTn>
+                  </p:par>
+                  <p:par>
+                    <p:cTn id="31" fill="hold">
+                      <p:stCondLst>
+                        <p:cond delay="indefinite"/>
+                      </p:stCondLst>
+                      <p:childTnLst>
+                        <p:par>
+                          <p:cTn id="32" fill="hold">
+                            <p:stCondLst>
+                              <p:cond delay="0"/>
+                            </p:stCondLst>
+                            <p:childTnLst>
+                              <p:par>
+                                <p:cTn id="33" presetID="42" presetClass="entr" presetSubtype="0" fill="hold" nodeType="clickEffect">
+                                  <p:stCondLst>
+                                    <p:cond delay="0"/>
+                                  </p:stCondLst>
+                                  <p:childTnLst>
+                                    <p:set>
+                                      <p:cBhvr>
+                                        <p:cTn id="34" dur="1" fill="hold">
+                                          <p:stCondLst>
+                                            <p:cond delay="0"/>
+                                          </p:stCondLst>
+                                        </p:cTn>
+                                        <p:tgtEl>
+                                          <p:spTgt spid="2">
+                                            <p:txEl>
+                                              <p:pRg st="4" end="4"/>
+                                            </p:txEl>
+                                          </p:spTgt>
+                                        </p:tgtEl>
+                                        <p:attrNameLst>
+                                          <p:attrName>style.visibility</p:attrName>
+                                        </p:attrNameLst>
+                                      </p:cBhvr>
+                                      <p:to>
+                                        <p:strVal val="visible"/>
+                                      </p:to>
+                                    </p:set>
+                                    <p:animEffect transition="in" filter="fade">
+                                      <p:cBhvr>
+                                        <p:cTn id="35" dur="500"/>
+                                        <p:tgtEl>
+                                          <p:spTgt spid="2">
+                                            <p:txEl>
+                                              <p:pRg st="4" end="4"/>
+                                            </p:txEl>
+                                          </p:spTgt>
+                                        </p:tgtEl>
+                                      </p:cBhvr>
+                                    </p:animEffect>
+                                    <p:anim calcmode="lin" valueType="num">
+                                      <p:cBhvr>
+                                        <p:cTn id="36" dur="500" fill="hold"/>
+                                        <p:tgtEl>
+                                          <p:spTgt spid="2">
+                                            <p:txEl>
+                                              <p:pRg st="4" end="4"/>
+                                            </p:txEl>
+                                          </p:spTgt>
+                                        </p:tgtEl>
+                                        <p:attrNameLst>
+                                          <p:attrName>ppt_x</p:attrName>
+                                        </p:attrNameLst>
+                                      </p:cBhvr>
+                                      <p:tavLst>
+                                        <p:tav tm="0">
+                                          <p:val>
+                                            <p:strVal val="#ppt_x"/>
+                                          </p:val>
+                                        </p:tav>
+                                        <p:tav tm="100000">
+                                          <p:val>
+                                            <p:strVal val="#ppt_x"/>
+                                          </p:val>
+                                        </p:tav>
+                                      </p:tavLst>
+                                    </p:anim>
+                                    <p:anim calcmode="lin" valueType="num">
+                                      <p:cBhvr>
+                                        <p:cTn id="37" dur="500" fill="hold"/>
+                                        <p:tgtEl>
+                                          <p:spTgt spid="2">
+                                            <p:txEl>
+                                              <p:pRg st="4" end="4"/>
+                                            </p:txEl>
+                                          </p:spTgt>
+                                        </p:tgtEl>
+                                        <p:attrNameLst>
+                                          <p:attrName>ppt_y</p:attrName>
+                                        </p:attrNameLst>
+                                      </p:cBhvr>
+                                      <p:tavLst>
+                                        <p:tav tm="0">
+                                          <p:val>
+                                            <p:strVal val="#ppt_y+.1"/>
+                                          </p:val>
+                                        </p:tav>
+                                        <p:tav tm="100000">
+                                          <p:val>
+                                            <p:strVal val="#ppt_y"/>
+                                          </p:val>
+                                        </p:tav>
+                                      </p:tavLst>
+                                    </p:anim>
+                                  </p:childTnLst>
+                                </p:cTn>
+                              </p:par>
+                            </p:childTnLst>
+                          </p:cTn>
+                        </p:par>
+                      </p:childTnLst>
+                    </p:cTn>
+                  </p:par>
+                  <p:par>
+                    <p:cTn id="38" fill="hold">
+                      <p:stCondLst>
+                        <p:cond delay="indefinite"/>
+                      </p:stCondLst>
+                      <p:childTnLst>
+                        <p:par>
+                          <p:cTn id="39" fill="hold">
+                            <p:stCondLst>
+                              <p:cond delay="0"/>
+                            </p:stCondLst>
+                            <p:childTnLst>
+                              <p:par>
+                                <p:cTn id="40" presetID="42" presetClass="entr" presetSubtype="0" fill="hold" nodeType="clickEffect">
+                                  <p:stCondLst>
+                                    <p:cond delay="0"/>
+                                  </p:stCondLst>
+                                  <p:childTnLst>
+                                    <p:set>
+                                      <p:cBhvr>
+                                        <p:cTn id="41" dur="1" fill="hold">
+                                          <p:stCondLst>
+                                            <p:cond delay="0"/>
+                                          </p:stCondLst>
+                                        </p:cTn>
+                                        <p:tgtEl>
+                                          <p:spTgt spid="2">
+                                            <p:txEl>
+                                              <p:pRg st="5" end="5"/>
+                                            </p:txEl>
+                                          </p:spTgt>
+                                        </p:tgtEl>
+                                        <p:attrNameLst>
+                                          <p:attrName>style.visibility</p:attrName>
+                                        </p:attrNameLst>
+                                      </p:cBhvr>
+                                      <p:to>
+                                        <p:strVal val="visible"/>
+                                      </p:to>
+                                    </p:set>
+                                    <p:animEffect transition="in" filter="fade">
+                                      <p:cBhvr>
+                                        <p:cTn id="42" dur="500"/>
+                                        <p:tgtEl>
+                                          <p:spTgt spid="2">
+                                            <p:txEl>
+                                              <p:pRg st="5" end="5"/>
+                                            </p:txEl>
+                                          </p:spTgt>
+                                        </p:tgtEl>
+                                      </p:cBhvr>
+                                    </p:animEffect>
+                                    <p:anim calcmode="lin" valueType="num">
+                                      <p:cBhvr>
+                                        <p:cTn id="43" dur="500" fill="hold"/>
+                                        <p:tgtEl>
+                                          <p:spTgt spid="2">
+                                            <p:txEl>
+                                              <p:pRg st="5" end="5"/>
+                                            </p:txEl>
+                                          </p:spTgt>
+                                        </p:tgtEl>
+                                        <p:attrNameLst>
+                                          <p:attrName>ppt_x</p:attrName>
+                                        </p:attrNameLst>
+                                      </p:cBhvr>
+                                      <p:tavLst>
+                                        <p:tav tm="0">
+                                          <p:val>
+                                            <p:strVal val="#ppt_x"/>
+                                          </p:val>
+                                        </p:tav>
+                                        <p:tav tm="100000">
+                                          <p:val>
+                                            <p:strVal val="#ppt_x"/>
+                                          </p:val>
+                                        </p:tav>
+                                      </p:tavLst>
+                                    </p:anim>
+                                    <p:anim calcmode="lin" valueType="num">
+                                      <p:cBhvr>
+                                        <p:cTn id="44" dur="500" fill="hold"/>
+                                        <p:tgtEl>
+                                          <p:spTgt spid="2">
+                                            <p:txEl>
+                                              <p:pRg st="5" end="5"/>
+                                            </p:txEl>
+                                          </p:spTgt>
+                                        </p:tgtEl>
+                                        <p:attrNameLst>
+                                          <p:attrName>ppt_y</p:attrName>
+                                        </p:attrNameLst>
+                                      </p:cBhvr>
+                                      <p:tavLst>
+                                        <p:tav tm="0">
+                                          <p:val>
+                                            <p:strVal val="#ppt_y+.1"/>
+                                          </p:val>
+                                        </p:tav>
+                                        <p:tav tm="100000">
+                                          <p:val>
+                                            <p:strVal val="#ppt_y"/>
+                                          </p:val>
+                                        </p:tav>
+                                      </p:tavLst>
+                                    </p:anim>
+                                  </p:childTnLst>
+                                </p:cTn>
+                              </p:par>
+                            </p:childTnLst>
+                          </p:cTn>
+                        </p:par>
+                      </p:childTnLst>
+                    </p:cTn>
+                  </p:par>
+                  <p:par>
+                    <p:cTn id="45" fill="hold">
+                      <p:stCondLst>
+                        <p:cond delay="indefinite"/>
+                      </p:stCondLst>
+                      <p:childTnLst>
+                        <p:par>
+                          <p:cTn id="46" fill="hold">
+                            <p:stCondLst>
+                              <p:cond delay="0"/>
+                            </p:stCondLst>
+                            <p:childTnLst>
+                              <p:par>
+                                <p:cTn id="47" presetID="42" presetClass="entr" presetSubtype="0" fill="hold" nodeType="clickEffect">
+                                  <p:stCondLst>
+                                    <p:cond delay="0"/>
+                                  </p:stCondLst>
+                                  <p:childTnLst>
+                                    <p:set>
+                                      <p:cBhvr>
+                                        <p:cTn id="48" dur="1" fill="hold">
+                                          <p:stCondLst>
+                                            <p:cond delay="0"/>
+                                          </p:stCondLst>
+                                        </p:cTn>
+                                        <p:tgtEl>
+                                          <p:spTgt spid="2">
+                                            <p:txEl>
+                                              <p:pRg st="6" end="6"/>
+                                            </p:txEl>
+                                          </p:spTgt>
+                                        </p:tgtEl>
+                                        <p:attrNameLst>
+                                          <p:attrName>style.visibility</p:attrName>
+                                        </p:attrNameLst>
+                                      </p:cBhvr>
+                                      <p:to>
+                                        <p:strVal val="visible"/>
+                                      </p:to>
+                                    </p:set>
+                                    <p:animEffect transition="in" filter="fade">
+                                      <p:cBhvr>
+                                        <p:cTn id="49" dur="500"/>
+                                        <p:tgtEl>
+                                          <p:spTgt spid="2">
+                                            <p:txEl>
+                                              <p:pRg st="6" end="6"/>
+                                            </p:txEl>
+                                          </p:spTgt>
+                                        </p:tgtEl>
+                                      </p:cBhvr>
+                                    </p:animEffect>
+                                    <p:anim calcmode="lin" valueType="num">
+                                      <p:cBhvr>
+                                        <p:cTn id="50" dur="500" fill="hold"/>
+                                        <p:tgtEl>
+                                          <p:spTgt spid="2">
+                                            <p:txEl>
+                                              <p:pRg st="6" end="6"/>
+                                            </p:txEl>
+                                          </p:spTgt>
+                                        </p:tgtEl>
+                                        <p:attrNameLst>
+                                          <p:attrName>ppt_x</p:attrName>
+                                        </p:attrNameLst>
+                                      </p:cBhvr>
+                                      <p:tavLst>
+                                        <p:tav tm="0">
+                                          <p:val>
+                                            <p:strVal val="#ppt_x"/>
+                                          </p:val>
+                                        </p:tav>
+                                        <p:tav tm="100000">
+                                          <p:val>
+                                            <p:strVal val="#ppt_x"/>
+                                          </p:val>
+                                        </p:tav>
+                                      </p:tavLst>
+                                    </p:anim>
+                                    <p:anim calcmode="lin" valueType="num">
+                                      <p:cBhvr>
+                                        <p:cTn id="51" dur="500" fill="hold"/>
+                                        <p:tgtEl>
+                                          <p:spTgt spid="2">
+                                            <p:txEl>
+                                              <p:pRg st="6" end="6"/>
+                                            </p:txEl>
+                                          </p:spTgt>
+                                        </p:tgtEl>
+                                        <p:attrNameLst>
+                                          <p:attrName>ppt_y</p:attrName>
+                                        </p:attrNameLst>
+                                      </p:cBhvr>
+                                      <p:tavLst>
+                                        <p:tav tm="0">
+                                          <p:val>
+                                            <p:strVal val="#ppt_y+.1"/>
+                                          </p:val>
+                                        </p:tav>
+                                        <p:tav tm="100000">
+                                          <p:val>
+                                            <p:strVal val="#ppt_y"/>
+                                          </p:val>
+                                        </p:tav>
+                                      </p:tavLst>
+                                    </p:anim>
+                                  </p:childTnLst>
+                                </p:cTn>
+                              </p:par>
+                            </p:childTnLst>
+                          </p:cTn>
+                        </p:par>
+                      </p:childTnLst>
+                    </p:cTn>
+                  </p:par>
+                </p:childTnLst>
+              </p:cTn>
+              <p:prevCondLst>
+                <p:cond evt="onPrev" delay="0">
+                  <p:tgtEl>
+                    <p:sldTgt/>
+                  </p:tgtEl>
+                </p:cond>
+              </p:prevCondLst>
+              <p:nextCondLst>
+                <p:cond evt="onNext" delay="0">
+                  <p:tgtEl>
+                    <p:sldTgt/>
+                  </p:tgtEl>
+                </p:cond>
+              </p:nextCondLst>
+            </p:seq>
+          </p:childTnLst>
+        </p:cTn>
+      </p:par>
+    </p:tnLst>
+  </p:timing>
+</p:sld>
+</file>
+
+<file path=ppt/slides/slide15.xml><?xml version="1.0" encoding="utf-8"?>
 <p:sld xmlns:a="http://schemas.openxmlformats.org/drawingml/2006/main" xmlns:r="http://schemas.openxmlformats.org/officeDocument/2006/relationships" xmlns:p="http://schemas.openxmlformats.org/presentationml/2006/main">
   <p:cSld>
     <p:spTree>
@@ -12512,7 +13658,7 @@
           <a:p>
             <a:fld id="{46C1CA06-F658-4220-8BC8-8FCF6253DAE1}" type="datetime1">
               <a:rPr lang="de-DE" smtClean="0"/>
-              <a:t>25.12.2019</a:t>
+              <a:t>26.12.2019</a:t>
             </a:fld>
             <a:endParaRPr lang="de-DE"/>
           </a:p>
@@ -12569,7 +13715,7 @@
           <a:p>
             <a:fld id="{75F11FD4-B355-4EAB-967C-DBC12644FBDE}" type="slidenum">
               <a:rPr lang="de-DE" smtClean="0"/>
-              <a:t>14</a:t>
+              <a:t>15</a:t>
             </a:fld>
             <a:endParaRPr lang="de-DE"/>
           </a:p>
@@ -12746,7 +13892,7 @@
           <a:p>
             <a:fld id="{76147A52-9CE4-4E84-B5AD-2E19D43BDEB9}" type="datetime1">
               <a:rPr lang="de-DE" smtClean="0"/>
-              <a:t>25.12.2019</a:t>
+              <a:t>26.12.2019</a:t>
             </a:fld>
             <a:endParaRPr lang="de-DE"/>
           </a:p>
@@ -14329,7 +15475,7 @@
           <a:p>
             <a:fld id="{EF008B3B-8C86-4F35-BCD4-3D71CCC6220B}" type="datetime1">
               <a:rPr lang="de-DE" smtClean="0"/>
-              <a:t>25.12.2019</a:t>
+              <a:t>26.12.2019</a:t>
             </a:fld>
             <a:endParaRPr lang="de-DE"/>
           </a:p>
@@ -15542,7 +16688,7 @@
             <a:fld id="{6CFE6BEC-159F-4167-8F4D-D508A4F668F1}" type="datetime1">
               <a:rPr lang="de-DE" smtClean="0"/>
               <a:pPr/>
-              <a:t>25.12.2019</a:t>
+              <a:t>26.12.2019</a:t>
             </a:fld>
             <a:endParaRPr lang="de-DE"/>
           </a:p>
@@ -16188,7 +17334,7 @@
             <a:fld id="{6CFE6BEC-159F-4167-8F4D-D508A4F668F1}" type="datetime1">
               <a:rPr lang="de-DE" smtClean="0"/>
               <a:pPr/>
-              <a:t>25.12.2019</a:t>
+              <a:t>26.12.2019</a:t>
             </a:fld>
             <a:endParaRPr lang="de-DE"/>
           </a:p>
@@ -16636,7 +17782,7 @@
           <a:p>
             <a:fld id="{46C1CA06-F658-4220-8BC8-8FCF6253DAE1}" type="datetime1">
               <a:rPr lang="de-DE" smtClean="0"/>
-              <a:t>25.12.2019</a:t>
+              <a:t>26.12.2019</a:t>
             </a:fld>
             <a:endParaRPr lang="de-DE"/>
           </a:p>
@@ -18535,7 +19681,7 @@
           <a:p>
             <a:fld id="{46C1CA06-F658-4220-8BC8-8FCF6253DAE1}" type="datetime1">
               <a:rPr lang="de-DE" smtClean="0"/>
-              <a:t>25.12.2019</a:t>
+              <a:t>26.12.2019</a:t>
             </a:fld>
             <a:endParaRPr lang="de-DE"/>
           </a:p>
@@ -19457,7 +20603,7 @@
           <a:p>
             <a:fld id="{46C1CA06-F658-4220-8BC8-8FCF6253DAE1}" type="datetime1">
               <a:rPr lang="de-DE" smtClean="0"/>
-              <a:t>25.12.2019</a:t>
+              <a:t>26.12.2019</a:t>
             </a:fld>
             <a:endParaRPr lang="de-DE"/>
           </a:p>
@@ -20528,7 +21674,7 @@
           <a:p>
             <a:fld id="{46C1CA06-F658-4220-8BC8-8FCF6253DAE1}" type="datetime1">
               <a:rPr lang="de-DE" smtClean="0"/>
-              <a:t>25.12.2019</a:t>
+              <a:t>26.12.2019</a:t>
             </a:fld>
             <a:endParaRPr lang="de-DE"/>
           </a:p>

--- a/Dokumentation/Präsentation.pptx
+++ b/Dokumentation/Präsentation.pptx
@@ -977,6 +977,13 @@
             </a:schemeClr>
           </a:solidFill>
         </a:ln>
+        <a:effectLst>
+          <a:outerShdw blurRad="50800" dist="38100" dir="2700000" algn="tl" rotWithShape="0">
+            <a:prstClr val="black">
+              <a:alpha val="40000"/>
+            </a:prstClr>
+          </a:outerShdw>
+        </a:effectLst>
       </dgm:spPr>
       <dgm:t>
         <a:bodyPr/>
@@ -1029,6 +1036,13 @@
             </a:schemeClr>
           </a:solidFill>
         </a:ln>
+        <a:effectLst>
+          <a:outerShdw blurRad="50800" dist="38100" dir="2700000" algn="tl" rotWithShape="0">
+            <a:prstClr val="black">
+              <a:alpha val="40000"/>
+            </a:prstClr>
+          </a:outerShdw>
+        </a:effectLst>
       </dgm:spPr>
       <dgm:t>
         <a:bodyPr/>
@@ -1087,6 +1101,13 @@
             </a:schemeClr>
           </a:solidFill>
         </a:ln>
+        <a:effectLst>
+          <a:outerShdw blurRad="50800" dist="38100" dir="2700000" algn="tl" rotWithShape="0">
+            <a:prstClr val="black">
+              <a:alpha val="40000"/>
+            </a:prstClr>
+          </a:outerShdw>
+        </a:effectLst>
       </dgm:spPr>
       <dgm:t>
         <a:bodyPr/>
@@ -1148,6 +1169,13 @@
             </a:schemeClr>
           </a:solidFill>
         </a:ln>
+        <a:effectLst>
+          <a:outerShdw blurRad="50800" dist="38100" dir="2700000" algn="tl" rotWithShape="0">
+            <a:prstClr val="black">
+              <a:alpha val="40000"/>
+            </a:prstClr>
+          </a:outerShdw>
+        </a:effectLst>
       </dgm:spPr>
       <dgm:t>
         <a:bodyPr/>
@@ -1212,6 +1240,13 @@
             </a:schemeClr>
           </a:solidFill>
         </a:ln>
+        <a:effectLst>
+          <a:outerShdw blurRad="50800" dist="38100" dir="2700000" algn="tl" rotWithShape="0">
+            <a:prstClr val="black">
+              <a:alpha val="40000"/>
+            </a:prstClr>
+          </a:outerShdw>
+        </a:effectLst>
       </dgm:spPr>
       <dgm:t>
         <a:bodyPr/>
@@ -1270,6 +1305,13 @@
             </a:schemeClr>
           </a:solidFill>
         </a:ln>
+        <a:effectLst>
+          <a:outerShdw blurRad="50800" dist="38100" dir="2700000" algn="tl" rotWithShape="0">
+            <a:prstClr val="black">
+              <a:alpha val="40000"/>
+            </a:prstClr>
+          </a:outerShdw>
+        </a:effectLst>
       </dgm:spPr>
       <dgm:t>
         <a:bodyPr/>
@@ -1546,7 +1588,13 @@
           <a:prstDash val="solid"/>
           <a:miter lim="800000"/>
         </a:ln>
-        <a:effectLst/>
+        <a:effectLst>
+          <a:outerShdw blurRad="50800" dist="38100" dir="2700000" algn="tl" rotWithShape="0">
+            <a:prstClr val="black">
+              <a:alpha val="40000"/>
+            </a:prstClr>
+          </a:outerShdw>
+        </a:effectLst>
       </dsp:spPr>
       <dsp:style>
         <a:lnRef idx="2">
@@ -1623,7 +1671,13 @@
           <a:prstDash val="solid"/>
           <a:miter lim="800000"/>
         </a:ln>
-        <a:effectLst/>
+        <a:effectLst>
+          <a:outerShdw blurRad="50800" dist="38100" dir="2700000" algn="tl" rotWithShape="0">
+            <a:prstClr val="black">
+              <a:alpha val="40000"/>
+            </a:prstClr>
+          </a:outerShdw>
+        </a:effectLst>
       </dsp:spPr>
       <dsp:style>
         <a:lnRef idx="2">
@@ -1700,7 +1754,13 @@
           <a:prstDash val="solid"/>
           <a:miter lim="800000"/>
         </a:ln>
-        <a:effectLst/>
+        <a:effectLst>
+          <a:outerShdw blurRad="50800" dist="38100" dir="2700000" algn="tl" rotWithShape="0">
+            <a:prstClr val="black">
+              <a:alpha val="40000"/>
+            </a:prstClr>
+          </a:outerShdw>
+        </a:effectLst>
       </dsp:spPr>
       <dsp:style>
         <a:lnRef idx="2">
@@ -1780,7 +1840,13 @@
           <a:prstDash val="solid"/>
           <a:miter lim="800000"/>
         </a:ln>
-        <a:effectLst/>
+        <a:effectLst>
+          <a:outerShdw blurRad="50800" dist="38100" dir="2700000" algn="tl" rotWithShape="0">
+            <a:prstClr val="black">
+              <a:alpha val="40000"/>
+            </a:prstClr>
+          </a:outerShdw>
+        </a:effectLst>
       </dsp:spPr>
       <dsp:style>
         <a:lnRef idx="2">
@@ -1857,7 +1923,13 @@
           <a:prstDash val="solid"/>
           <a:miter lim="800000"/>
         </a:ln>
-        <a:effectLst/>
+        <a:effectLst>
+          <a:outerShdw blurRad="50800" dist="38100" dir="2700000" algn="tl" rotWithShape="0">
+            <a:prstClr val="black">
+              <a:alpha val="40000"/>
+            </a:prstClr>
+          </a:outerShdw>
+        </a:effectLst>
       </dsp:spPr>
       <dsp:style>
         <a:lnRef idx="2">
@@ -1945,7 +2017,13 @@
           <a:prstDash val="solid"/>
           <a:miter lim="800000"/>
         </a:ln>
-        <a:effectLst/>
+        <a:effectLst>
+          <a:outerShdw blurRad="50800" dist="38100" dir="2700000" algn="tl" rotWithShape="0">
+            <a:prstClr val="black">
+              <a:alpha val="40000"/>
+            </a:prstClr>
+          </a:outerShdw>
+        </a:effectLst>
       </dsp:spPr>
       <dsp:style>
         <a:lnRef idx="2">
@@ -3951,6 +4029,177 @@
           <a:bodyPr/>
           <a:lstStyle/>
           <a:p>
+            <a:endParaRPr lang="de-DE" dirty="0"/>
+          </a:p>
+        </p:txBody>
+      </p:sp>
+      <p:sp>
+        <p:nvSpPr>
+          <p:cNvPr id="4" name="Foliennummernplatzhalter 3"/>
+          <p:cNvSpPr>
+            <a:spLocks noGrp="1"/>
+          </p:cNvSpPr>
+          <p:nvPr>
+            <p:ph type="sldNum" sz="quarter" idx="5"/>
+          </p:nvPr>
+        </p:nvSpPr>
+        <p:spPr/>
+        <p:txBody>
+          <a:bodyPr/>
+          <a:lstStyle/>
+          <a:p>
+            <a:fld id="{7EE4654F-3241-414A-B441-28AFE5B57905}" type="slidenum">
+              <a:rPr lang="de-DE" smtClean="0"/>
+              <a:t>2</a:t>
+            </a:fld>
+            <a:endParaRPr lang="de-DE"/>
+          </a:p>
+        </p:txBody>
+      </p:sp>
+    </p:spTree>
+    <p:extLst>
+      <p:ext uri="{BB962C8B-B14F-4D97-AF65-F5344CB8AC3E}">
+        <p14:creationId xmlns:p14="http://schemas.microsoft.com/office/powerpoint/2010/main" val="3415723990"/>
+      </p:ext>
+    </p:extLst>
+  </p:cSld>
+  <p:clrMapOvr>
+    <a:masterClrMapping/>
+  </p:clrMapOvr>
+</p:notes>
+</file>
+
+<file path=ppt/notesSlides/notesSlide2.xml><?xml version="1.0" encoding="utf-8"?>
+<p:notes xmlns:a="http://schemas.openxmlformats.org/drawingml/2006/main" xmlns:r="http://schemas.openxmlformats.org/officeDocument/2006/relationships" xmlns:p="http://schemas.openxmlformats.org/presentationml/2006/main">
+  <p:cSld>
+    <p:spTree>
+      <p:nvGrpSpPr>
+        <p:cNvPr id="1" name=""/>
+        <p:cNvGrpSpPr/>
+        <p:nvPr/>
+      </p:nvGrpSpPr>
+      <p:grpSpPr>
+        <a:xfrm>
+          <a:off x="0" y="0"/>
+          <a:ext cx="0" cy="0"/>
+          <a:chOff x="0" y="0"/>
+          <a:chExt cx="0" cy="0"/>
+        </a:xfrm>
+      </p:grpSpPr>
+      <p:sp>
+        <p:nvSpPr>
+          <p:cNvPr id="2" name="Folienbildplatzhalter 1"/>
+          <p:cNvSpPr>
+            <a:spLocks noGrp="1" noRot="1" noChangeAspect="1"/>
+          </p:cNvSpPr>
+          <p:nvPr>
+            <p:ph type="sldImg"/>
+          </p:nvPr>
+        </p:nvSpPr>
+        <p:spPr/>
+      </p:sp>
+      <p:sp>
+        <p:nvSpPr>
+          <p:cNvPr id="3" name="Notizenplatzhalter 2"/>
+          <p:cNvSpPr>
+            <a:spLocks noGrp="1"/>
+          </p:cNvSpPr>
+          <p:nvPr>
+            <p:ph type="body" idx="1"/>
+          </p:nvPr>
+        </p:nvSpPr>
+        <p:spPr/>
+        <p:txBody>
+          <a:bodyPr/>
+          <a:lstStyle/>
+          <a:p>
+            <a:r>
+              <a:rPr lang="de-DE" dirty="0"/>
+              <a:t>Zeit beinhaltet Lernzeit für alle neuen Sachen</a:t>
+            </a:r>
+          </a:p>
+        </p:txBody>
+      </p:sp>
+      <p:sp>
+        <p:nvSpPr>
+          <p:cNvPr id="4" name="Foliennummernplatzhalter 3"/>
+          <p:cNvSpPr>
+            <a:spLocks noGrp="1"/>
+          </p:cNvSpPr>
+          <p:nvPr>
+            <p:ph type="sldNum" sz="quarter" idx="5"/>
+          </p:nvPr>
+        </p:nvSpPr>
+        <p:spPr/>
+        <p:txBody>
+          <a:bodyPr/>
+          <a:lstStyle/>
+          <a:p>
+            <a:fld id="{7EE4654F-3241-414A-B441-28AFE5B57905}" type="slidenum">
+              <a:rPr lang="de-DE" smtClean="0"/>
+              <a:t>6</a:t>
+            </a:fld>
+            <a:endParaRPr lang="de-DE"/>
+          </a:p>
+        </p:txBody>
+      </p:sp>
+    </p:spTree>
+    <p:extLst>
+      <p:ext uri="{BB962C8B-B14F-4D97-AF65-F5344CB8AC3E}">
+        <p14:creationId xmlns:p14="http://schemas.microsoft.com/office/powerpoint/2010/main" val="892926929"/>
+      </p:ext>
+    </p:extLst>
+  </p:cSld>
+  <p:clrMapOvr>
+    <a:masterClrMapping/>
+  </p:clrMapOvr>
+</p:notes>
+</file>
+
+<file path=ppt/notesSlides/notesSlide3.xml><?xml version="1.0" encoding="utf-8"?>
+<p:notes xmlns:a="http://schemas.openxmlformats.org/drawingml/2006/main" xmlns:r="http://schemas.openxmlformats.org/officeDocument/2006/relationships" xmlns:p="http://schemas.openxmlformats.org/presentationml/2006/main">
+  <p:cSld>
+    <p:spTree>
+      <p:nvGrpSpPr>
+        <p:cNvPr id="1" name=""/>
+        <p:cNvGrpSpPr/>
+        <p:nvPr/>
+      </p:nvGrpSpPr>
+      <p:grpSpPr>
+        <a:xfrm>
+          <a:off x="0" y="0"/>
+          <a:ext cx="0" cy="0"/>
+          <a:chOff x="0" y="0"/>
+          <a:chExt cx="0" cy="0"/>
+        </a:xfrm>
+      </p:grpSpPr>
+      <p:sp>
+        <p:nvSpPr>
+          <p:cNvPr id="2" name="Folienbildplatzhalter 1"/>
+          <p:cNvSpPr>
+            <a:spLocks noGrp="1" noRot="1" noChangeAspect="1"/>
+          </p:cNvSpPr>
+          <p:nvPr>
+            <p:ph type="sldImg"/>
+          </p:nvPr>
+        </p:nvSpPr>
+        <p:spPr/>
+      </p:sp>
+      <p:sp>
+        <p:nvSpPr>
+          <p:cNvPr id="3" name="Notizenplatzhalter 2"/>
+          <p:cNvSpPr>
+            <a:spLocks noGrp="1"/>
+          </p:cNvSpPr>
+          <p:nvPr>
+            <p:ph type="body" idx="1"/>
+          </p:nvPr>
+        </p:nvSpPr>
+        <p:spPr/>
+        <p:txBody>
+          <a:bodyPr/>
+          <a:lstStyle/>
+          <a:p>
             <a:r>
               <a:rPr lang="de-DE" dirty="0"/>
               <a:t>Warum modifiziert? Nicht eigen, sondern nur angepasst</a:t>
@@ -10776,6 +11025,7 @@
           <a:prstGeom prst="rect">
             <a:avLst/>
           </a:prstGeom>
+          <a:effectLst/>
         </p:spPr>
       </p:pic>
       <p:pic>
@@ -10812,6 +11062,7 @@
           <a:prstGeom prst="rect">
             <a:avLst/>
           </a:prstGeom>
+          <a:effectLst/>
         </p:spPr>
       </p:pic>
       <p:pic>
@@ -10848,6 +11099,7 @@
           <a:prstGeom prst="rect">
             <a:avLst/>
           </a:prstGeom>
+          <a:effectLst/>
         </p:spPr>
       </p:pic>
     </p:spTree>
@@ -12039,7 +12291,7 @@
             <p:ph idx="1"/>
             <p:extLst>
               <p:ext uri="{D42A27DB-BD31-4B8C-83A1-F6EECF244321}">
-                <p14:modId xmlns:p14="http://schemas.microsoft.com/office/powerpoint/2010/main" val="3449823854"/>
+                <p14:modId xmlns:p14="http://schemas.microsoft.com/office/powerpoint/2010/main" val="411422233"/>
               </p:ext>
             </p:extLst>
           </p:nvPr>
@@ -14041,13 +14293,13 @@
           <p:nvPr/>
         </p:nvPicPr>
         <p:blipFill>
-          <a:blip r:embed="rId2">
+          <a:blip r:embed="rId3">
             <a:extLst>
               <a:ext uri="{28A0092B-C50C-407E-A947-70E740481C1C}">
                 <a14:useLocalDpi xmlns:a14="http://schemas.microsoft.com/office/drawing/2010/main" val="0"/>
               </a:ext>
               <a:ext uri="{96DAC541-7B7A-43D3-8B79-37D633B846F1}">
-                <asvg:svgBlip xmlns:asvg="http://schemas.microsoft.com/office/drawing/2016/SVG/main" r:embed="rId3"/>
+                <asvg:svgBlip xmlns:asvg="http://schemas.microsoft.com/office/drawing/2016/SVG/main" r:embed="rId4"/>
               </a:ext>
             </a:extLst>
           </a:blip>
@@ -14080,13 +14332,13 @@
           <p:nvPr/>
         </p:nvPicPr>
         <p:blipFill>
-          <a:blip r:embed="rId4">
+          <a:blip r:embed="rId5">
             <a:extLst>
               <a:ext uri="{28A0092B-C50C-407E-A947-70E740481C1C}">
                 <a14:useLocalDpi xmlns:a14="http://schemas.microsoft.com/office/drawing/2010/main" val="0"/>
               </a:ext>
               <a:ext uri="{96DAC541-7B7A-43D3-8B79-37D633B846F1}">
-                <asvg:svgBlip xmlns:asvg="http://schemas.microsoft.com/office/drawing/2016/SVG/main" r:embed="rId5"/>
+                <asvg:svgBlip xmlns:asvg="http://schemas.microsoft.com/office/drawing/2016/SVG/main" r:embed="rId6"/>
               </a:ext>
             </a:extLst>
           </a:blip>
@@ -14119,13 +14371,13 @@
           <p:nvPr/>
         </p:nvPicPr>
         <p:blipFill>
-          <a:blip r:embed="rId6">
+          <a:blip r:embed="rId7">
             <a:extLst>
               <a:ext uri="{28A0092B-C50C-407E-A947-70E740481C1C}">
                 <a14:useLocalDpi xmlns:a14="http://schemas.microsoft.com/office/drawing/2010/main" val="0"/>
               </a:ext>
               <a:ext uri="{96DAC541-7B7A-43D3-8B79-37D633B846F1}">
-                <asvg:svgBlip xmlns:asvg="http://schemas.microsoft.com/office/drawing/2016/SVG/main" r:embed="rId7"/>
+                <asvg:svgBlip xmlns:asvg="http://schemas.microsoft.com/office/drawing/2016/SVG/main" r:embed="rId8"/>
               </a:ext>
             </a:extLst>
           </a:blip>
@@ -14158,13 +14410,13 @@
           <p:nvPr/>
         </p:nvPicPr>
         <p:blipFill>
-          <a:blip r:embed="rId8">
+          <a:blip r:embed="rId9">
             <a:extLst>
               <a:ext uri="{28A0092B-C50C-407E-A947-70E740481C1C}">
                 <a14:useLocalDpi xmlns:a14="http://schemas.microsoft.com/office/drawing/2010/main" val="0"/>
               </a:ext>
               <a:ext uri="{96DAC541-7B7A-43D3-8B79-37D633B846F1}">
-                <asvg:svgBlip xmlns:asvg="http://schemas.microsoft.com/office/drawing/2016/SVG/main" r:embed="rId9"/>
+                <asvg:svgBlip xmlns:asvg="http://schemas.microsoft.com/office/drawing/2016/SVG/main" r:embed="rId10"/>
               </a:ext>
             </a:extLst>
           </a:blip>
@@ -14273,13 +14525,13 @@
           <p:nvPr/>
         </p:nvPicPr>
         <p:blipFill>
-          <a:blip r:embed="rId10">
+          <a:blip r:embed="rId11">
             <a:extLst>
               <a:ext uri="{28A0092B-C50C-407E-A947-70E740481C1C}">
                 <a14:useLocalDpi xmlns:a14="http://schemas.microsoft.com/office/drawing/2010/main" val="0"/>
               </a:ext>
               <a:ext uri="{96DAC541-7B7A-43D3-8B79-37D633B846F1}">
-                <asvg:svgBlip xmlns:asvg="http://schemas.microsoft.com/office/drawing/2016/SVG/main" r:embed="rId11"/>
+                <asvg:svgBlip xmlns:asvg="http://schemas.microsoft.com/office/drawing/2016/SVG/main" r:embed="rId12"/>
               </a:ext>
             </a:extLst>
           </a:blip>
@@ -17913,13 +18165,13 @@
           <p:nvPr/>
         </p:nvPicPr>
         <p:blipFill>
-          <a:blip r:embed="rId2">
+          <a:blip r:embed="rId3">
             <a:extLst>
               <a:ext uri="{28A0092B-C50C-407E-A947-70E740481C1C}">
                 <a14:useLocalDpi xmlns:a14="http://schemas.microsoft.com/office/drawing/2010/main" val="0"/>
               </a:ext>
               <a:ext uri="{96DAC541-7B7A-43D3-8B79-37D633B846F1}">
-                <asvg:svgBlip xmlns:asvg="http://schemas.microsoft.com/office/drawing/2016/SVG/main" r:embed="rId3"/>
+                <asvg:svgBlip xmlns:asvg="http://schemas.microsoft.com/office/drawing/2016/SVG/main" r:embed="rId4"/>
               </a:ext>
             </a:extLst>
           </a:blip>
@@ -17952,13 +18204,13 @@
           <p:nvPr/>
         </p:nvPicPr>
         <p:blipFill>
-          <a:blip r:embed="rId4">
+          <a:blip r:embed="rId5">
             <a:extLst>
               <a:ext uri="{28A0092B-C50C-407E-A947-70E740481C1C}">
                 <a14:useLocalDpi xmlns:a14="http://schemas.microsoft.com/office/drawing/2010/main" val="0"/>
               </a:ext>
               <a:ext uri="{96DAC541-7B7A-43D3-8B79-37D633B846F1}">
-                <asvg:svgBlip xmlns:asvg="http://schemas.microsoft.com/office/drawing/2016/SVG/main" r:embed="rId5"/>
+                <asvg:svgBlip xmlns:asvg="http://schemas.microsoft.com/office/drawing/2016/SVG/main" r:embed="rId6"/>
               </a:ext>
             </a:extLst>
           </a:blip>
@@ -17991,7 +18243,7 @@
           <p:nvPr/>
         </p:nvPicPr>
         <p:blipFill rotWithShape="1">
-          <a:blip r:embed="rId6">
+          <a:blip r:embed="rId7">
             <a:extLst>
               <a:ext uri="{28A0092B-C50C-407E-A947-70E740481C1C}">
                 <a14:useLocalDpi xmlns:a14="http://schemas.microsoft.com/office/drawing/2010/main" val="0"/>

--- a/Dokumentation/Präsentation.pptx
+++ b/Dokumentation/Präsentation.pptx
@@ -5,7 +5,7 @@
     <p:sldMasterId id="2147483648" r:id="rId1"/>
   </p:sldMasterIdLst>
   <p:notesMasterIdLst>
-    <p:notesMasterId r:id="rId17"/>
+    <p:notesMasterId r:id="rId18"/>
   </p:notesMasterIdLst>
   <p:sldIdLst>
     <p:sldId id="256" r:id="rId2"/>
@@ -22,7 +22,8 @@
     <p:sldId id="260" r:id="rId13"/>
     <p:sldId id="261" r:id="rId14"/>
     <p:sldId id="272" r:id="rId15"/>
-    <p:sldId id="263" r:id="rId16"/>
+    <p:sldId id="273" r:id="rId16"/>
+    <p:sldId id="263" r:id="rId17"/>
   </p:sldIdLst>
   <p:sldSz cx="12192000" cy="6858000"/>
   <p:notesSz cx="6858000" cy="9144000"/>
@@ -3718,7 +3719,7 @@
           <a:p>
             <a:fld id="{7B7A28CD-82A6-451A-9ECC-C5B68CB99823}" type="datetimeFigureOut">
               <a:rPr lang="de-DE" smtClean="0"/>
-              <a:t>26.12.2019</a:t>
+              <a:t>07.01.2020</a:t>
             </a:fld>
             <a:endParaRPr lang="de-DE"/>
           </a:p>
@@ -4243,6 +4244,188 @@
 </p:notes>
 </file>
 
+<file path=ppt/notesSlides/notesSlide4.xml><?xml version="1.0" encoding="utf-8"?>
+<p:notes xmlns:a="http://schemas.openxmlformats.org/drawingml/2006/main" xmlns:r="http://schemas.openxmlformats.org/officeDocument/2006/relationships" xmlns:p="http://schemas.openxmlformats.org/presentationml/2006/main">
+  <p:cSld>
+    <p:spTree>
+      <p:nvGrpSpPr>
+        <p:cNvPr id="1" name=""/>
+        <p:cNvGrpSpPr/>
+        <p:nvPr/>
+      </p:nvGrpSpPr>
+      <p:grpSpPr>
+        <a:xfrm>
+          <a:off x="0" y="0"/>
+          <a:ext cx="0" cy="0"/>
+          <a:chOff x="0" y="0"/>
+          <a:chExt cx="0" cy="0"/>
+        </a:xfrm>
+      </p:grpSpPr>
+      <p:sp>
+        <p:nvSpPr>
+          <p:cNvPr id="2" name="Folienbildplatzhalter 1"/>
+          <p:cNvSpPr>
+            <a:spLocks noGrp="1" noRot="1" noChangeAspect="1"/>
+          </p:cNvSpPr>
+          <p:nvPr>
+            <p:ph type="sldImg"/>
+          </p:nvPr>
+        </p:nvSpPr>
+        <p:spPr/>
+      </p:sp>
+      <p:sp>
+        <p:nvSpPr>
+          <p:cNvPr id="3" name="Notizenplatzhalter 2"/>
+          <p:cNvSpPr>
+            <a:spLocks noGrp="1"/>
+          </p:cNvSpPr>
+          <p:nvPr>
+            <p:ph type="body" idx="1"/>
+          </p:nvPr>
+        </p:nvSpPr>
+        <p:spPr/>
+        <p:txBody>
+          <a:bodyPr/>
+          <a:lstStyle/>
+          <a:p>
+            <a:r>
+              <a:rPr lang="de-DE" dirty="0"/>
+              <a:t>Ich würde gerne noch weiter machen, aber wird sonst zu viel. Genauer in den </a:t>
+            </a:r>
+            <a:r>
+              <a:rPr lang="de-DE" dirty="0" err="1"/>
+              <a:t>ablauf</a:t>
+            </a:r>
+            <a:r>
+              <a:rPr lang="de-DE" dirty="0"/>
+              <a:t> eingehen, wenn ihr dazu fragen habt jetzt gerne</a:t>
+            </a:r>
+          </a:p>
+        </p:txBody>
+      </p:sp>
+      <p:sp>
+        <p:nvSpPr>
+          <p:cNvPr id="4" name="Foliennummernplatzhalter 3"/>
+          <p:cNvSpPr>
+            <a:spLocks noGrp="1"/>
+          </p:cNvSpPr>
+          <p:nvPr>
+            <p:ph type="sldNum" sz="quarter" idx="5"/>
+          </p:nvPr>
+        </p:nvSpPr>
+        <p:spPr/>
+        <p:txBody>
+          <a:bodyPr/>
+          <a:lstStyle/>
+          <a:p>
+            <a:fld id="{7EE4654F-3241-414A-B441-28AFE5B57905}" type="slidenum">
+              <a:rPr lang="de-DE" smtClean="0"/>
+              <a:t>14</a:t>
+            </a:fld>
+            <a:endParaRPr lang="de-DE"/>
+          </a:p>
+        </p:txBody>
+      </p:sp>
+    </p:spTree>
+    <p:extLst>
+      <p:ext uri="{BB962C8B-B14F-4D97-AF65-F5344CB8AC3E}">
+        <p14:creationId xmlns:p14="http://schemas.microsoft.com/office/powerpoint/2010/main" val="3646456460"/>
+      </p:ext>
+    </p:extLst>
+  </p:cSld>
+  <p:clrMapOvr>
+    <a:masterClrMapping/>
+  </p:clrMapOvr>
+</p:notes>
+</file>
+
+<file path=ppt/notesSlides/notesSlide5.xml><?xml version="1.0" encoding="utf-8"?>
+<p:notes xmlns:a="http://schemas.openxmlformats.org/drawingml/2006/main" xmlns:r="http://schemas.openxmlformats.org/officeDocument/2006/relationships" xmlns:p="http://schemas.openxmlformats.org/presentationml/2006/main">
+  <p:cSld>
+    <p:spTree>
+      <p:nvGrpSpPr>
+        <p:cNvPr id="1" name=""/>
+        <p:cNvGrpSpPr/>
+        <p:nvPr/>
+      </p:nvGrpSpPr>
+      <p:grpSpPr>
+        <a:xfrm>
+          <a:off x="0" y="0"/>
+          <a:ext cx="0" cy="0"/>
+          <a:chOff x="0" y="0"/>
+          <a:chExt cx="0" cy="0"/>
+        </a:xfrm>
+      </p:grpSpPr>
+      <p:sp>
+        <p:nvSpPr>
+          <p:cNvPr id="2" name="Folienbildplatzhalter 1"/>
+          <p:cNvSpPr>
+            <a:spLocks noGrp="1" noRot="1" noChangeAspect="1"/>
+          </p:cNvSpPr>
+          <p:nvPr>
+            <p:ph type="sldImg"/>
+          </p:nvPr>
+        </p:nvSpPr>
+        <p:spPr/>
+      </p:sp>
+      <p:sp>
+        <p:nvSpPr>
+          <p:cNvPr id="3" name="Notizenplatzhalter 2"/>
+          <p:cNvSpPr>
+            <a:spLocks noGrp="1"/>
+          </p:cNvSpPr>
+          <p:nvPr>
+            <p:ph type="body" idx="1"/>
+          </p:nvPr>
+        </p:nvSpPr>
+        <p:spPr/>
+        <p:txBody>
+          <a:bodyPr/>
+          <a:lstStyle/>
+          <a:p>
+            <a:r>
+              <a:rPr lang="de-DE" dirty="0"/>
+              <a:t>Beim Programmieren sind Sachen aufgefallen</a:t>
+            </a:r>
+          </a:p>
+        </p:txBody>
+      </p:sp>
+      <p:sp>
+        <p:nvSpPr>
+          <p:cNvPr id="4" name="Foliennummernplatzhalter 3"/>
+          <p:cNvSpPr>
+            <a:spLocks noGrp="1"/>
+          </p:cNvSpPr>
+          <p:nvPr>
+            <p:ph type="sldNum" sz="quarter" idx="5"/>
+          </p:nvPr>
+        </p:nvSpPr>
+        <p:spPr/>
+        <p:txBody>
+          <a:bodyPr/>
+          <a:lstStyle/>
+          <a:p>
+            <a:fld id="{7EE4654F-3241-414A-B441-28AFE5B57905}" type="slidenum">
+              <a:rPr lang="de-DE" smtClean="0"/>
+              <a:t>15</a:t>
+            </a:fld>
+            <a:endParaRPr lang="de-DE"/>
+          </a:p>
+        </p:txBody>
+      </p:sp>
+    </p:spTree>
+    <p:extLst>
+      <p:ext uri="{BB962C8B-B14F-4D97-AF65-F5344CB8AC3E}">
+        <p14:creationId xmlns:p14="http://schemas.microsoft.com/office/powerpoint/2010/main" val="398790880"/>
+      </p:ext>
+    </p:extLst>
+  </p:cSld>
+  <p:clrMapOvr>
+    <a:masterClrMapping/>
+  </p:clrMapOvr>
+</p:notes>
+</file>
+
 <file path=ppt/slideLayouts/slideLayout1.xml><?xml version="1.0" encoding="utf-8"?>
 <p:sldLayout xmlns:a="http://schemas.openxmlformats.org/drawingml/2006/main" xmlns:r="http://schemas.openxmlformats.org/officeDocument/2006/relationships" xmlns:p="http://schemas.openxmlformats.org/presentationml/2006/main" preserve="1" userDrawn="1">
   <p:cSld name="Titelfolie">
@@ -4658,7 +4841,7 @@
           <a:p>
             <a:fld id="{64F9F675-049C-4039-886A-7641A3ED83AA}" type="datetime1">
               <a:rPr lang="de-DE" smtClean="0"/>
-              <a:t>26.12.2019</a:t>
+              <a:t>07.01.2020</a:t>
             </a:fld>
             <a:endParaRPr lang="de-DE" dirty="0"/>
           </a:p>
@@ -4840,7 +5023,7 @@
           <a:p>
             <a:fld id="{EF008B3B-8C86-4F35-BCD4-3D71CCC6220B}" type="datetime1">
               <a:rPr lang="de-DE" smtClean="0"/>
-              <a:t>26.12.2019</a:t>
+              <a:t>07.01.2020</a:t>
             </a:fld>
             <a:endParaRPr lang="de-DE"/>
           </a:p>
@@ -5294,7 +5477,7 @@
           <a:p>
             <a:fld id="{46C1CA06-F658-4220-8BC8-8FCF6253DAE1}" type="datetime1">
               <a:rPr lang="de-DE" smtClean="0"/>
-              <a:t>26.12.2019</a:t>
+              <a:t>07.01.2020</a:t>
             </a:fld>
             <a:endParaRPr lang="de-DE"/>
           </a:p>
@@ -6086,7 +6269,7 @@
           <a:p>
             <a:fld id="{4F6382F7-6B8A-47B3-AA70-C81E5D8F4180}" type="datetime1">
               <a:rPr lang="de-DE" smtClean="0"/>
-              <a:t>26.12.2019</a:t>
+              <a:t>07.01.2020</a:t>
             </a:fld>
             <a:endParaRPr lang="de-DE"/>
           </a:p>
@@ -6798,7 +6981,7 @@
           <a:p>
             <a:fld id="{6CFE6BEC-159F-4167-8F4D-D508A4F668F1}" type="datetime1">
               <a:rPr lang="de-DE" smtClean="0"/>
-              <a:t>26.12.2019</a:t>
+              <a:t>07.01.2020</a:t>
             </a:fld>
             <a:endParaRPr lang="de-DE"/>
           </a:p>
@@ -7229,7 +7412,7 @@
           <a:p>
             <a:fld id="{0650A090-A051-46A1-8797-56EEC00D0A83}" type="datetime1">
               <a:rPr lang="de-DE" smtClean="0"/>
-              <a:t>26.12.2019</a:t>
+              <a:t>07.01.2020</a:t>
             </a:fld>
             <a:endParaRPr lang="de-DE"/>
           </a:p>
@@ -7661,7 +7844,7 @@
           <a:p>
             <a:fld id="{76147A52-9CE4-4E84-B5AD-2E19D43BDEB9}" type="datetime1">
               <a:rPr lang="de-DE" smtClean="0"/>
-              <a:t>26.12.2019</a:t>
+              <a:t>07.01.2020</a:t>
             </a:fld>
             <a:endParaRPr lang="de-DE"/>
           </a:p>
@@ -8064,7 +8247,7 @@
           <a:p>
             <a:fld id="{088C7F9A-48FF-4E97-A5D8-34ABB2AA95D7}" type="datetime1">
               <a:rPr lang="de-DE" smtClean="0"/>
-              <a:t>26.12.2019</a:t>
+              <a:t>07.01.2020</a:t>
             </a:fld>
             <a:endParaRPr lang="de-DE"/>
           </a:p>
@@ -8515,7 +8698,7 @@
           <a:p>
             <a:fld id="{89EBD14D-9873-4385-9F14-4BFEE858A98C}" type="datetime1">
               <a:rPr lang="de-DE" smtClean="0"/>
-              <a:t>26.12.2019</a:t>
+              <a:t>07.01.2020</a:t>
             </a:fld>
             <a:endParaRPr lang="de-DE" dirty="0"/>
           </a:p>
@@ -9461,7 +9644,7 @@
           <a:p>
             <a:fld id="{F91931D6-F9D8-406D-9851-24FA674187DB}" type="datetime1">
               <a:rPr lang="de-DE" smtClean="0"/>
-              <a:t>26.12.2019</a:t>
+              <a:t>07.01.2020</a:t>
             </a:fld>
             <a:endParaRPr lang="de-DE" dirty="0"/>
           </a:p>
@@ -9854,7 +10037,7 @@
           <a:p>
             <a:fld id="{46C1CA06-F658-4220-8BC8-8FCF6253DAE1}" type="datetime1">
               <a:rPr lang="de-DE" smtClean="0"/>
-              <a:t>26.12.2019</a:t>
+              <a:t>07.01.2020</a:t>
             </a:fld>
             <a:endParaRPr lang="de-DE" dirty="0"/>
           </a:p>
@@ -10868,7 +11051,7 @@
           <a:p>
             <a:fld id="{46C1CA06-F658-4220-8BC8-8FCF6253DAE1}" type="datetime1">
               <a:rPr lang="de-DE" smtClean="0"/>
-              <a:t>26.12.2019</a:t>
+              <a:t>07.01.2020</a:t>
             </a:fld>
             <a:endParaRPr lang="de-DE"/>
           </a:p>
@@ -11390,7 +11573,7 @@
           <a:p>
             <a:fld id="{46C1CA06-F658-4220-8BC8-8FCF6253DAE1}" type="datetime1">
               <a:rPr lang="de-DE" smtClean="0"/>
-              <a:t>26.12.2019</a:t>
+              <a:t>07.01.2020</a:t>
             </a:fld>
             <a:endParaRPr lang="de-DE"/>
           </a:p>
@@ -12152,7 +12335,7 @@
           <a:p>
             <a:fld id="{46C1CA06-F658-4220-8BC8-8FCF6253DAE1}" type="datetime1">
               <a:rPr lang="de-DE" smtClean="0"/>
-              <a:t>26.12.2019</a:t>
+              <a:t>07.01.2020</a:t>
             </a:fld>
             <a:endParaRPr lang="de-DE"/>
           </a:p>
@@ -12899,7 +13082,7 @@
           <a:p>
             <a:fld id="{46C1CA06-F658-4220-8BC8-8FCF6253DAE1}" type="datetime1">
               <a:rPr lang="de-DE" smtClean="0"/>
-              <a:t>26.12.2019</a:t>
+              <a:t>07.01.2020</a:t>
             </a:fld>
             <a:endParaRPr lang="de-DE"/>
           </a:p>
@@ -13889,6 +14072,897 @@
       </p:grpSpPr>
       <p:sp>
         <p:nvSpPr>
+          <p:cNvPr id="2" name="Inhaltsplatzhalter 1">
+            <a:extLst>
+              <a:ext uri="{FF2B5EF4-FFF2-40B4-BE49-F238E27FC236}">
+                <a16:creationId xmlns:a16="http://schemas.microsoft.com/office/drawing/2014/main" id="{17EEDA65-3637-44B9-92CB-105C168969B8}"/>
+              </a:ext>
+            </a:extLst>
+          </p:cNvPr>
+          <p:cNvSpPr>
+            <a:spLocks noGrp="1"/>
+          </p:cNvSpPr>
+          <p:nvPr>
+            <p:ph idx="1"/>
+          </p:nvPr>
+        </p:nvSpPr>
+        <p:spPr/>
+        <p:txBody>
+          <a:bodyPr/>
+          <a:lstStyle/>
+          <a:p>
+            <a:r>
+              <a:rPr lang="de-DE" dirty="0">
+                <a:latin typeface="Trebuchet MS" panose="020B0603020202020204" pitchFamily="34" charset="0"/>
+              </a:rPr>
+              <a:t>Zu viel Arbeit geplant</a:t>
+            </a:r>
+          </a:p>
+          <a:p>
+            <a:r>
+              <a:rPr lang="de-DE" dirty="0">
+                <a:latin typeface="Trebuchet MS" panose="020B0603020202020204" pitchFamily="34" charset="0"/>
+              </a:rPr>
+              <a:t>Projekte werden schnell komplex</a:t>
+            </a:r>
+          </a:p>
+          <a:p>
+            <a:r>
+              <a:rPr lang="de-DE" dirty="0">
+                <a:latin typeface="Trebuchet MS" panose="020B0603020202020204" pitchFamily="34" charset="0"/>
+              </a:rPr>
+              <a:t>Google (</a:t>
+            </a:r>
+            <a:r>
+              <a:rPr lang="de-DE" i="1" dirty="0" err="1">
+                <a:latin typeface="Trebuchet MS" panose="020B0603020202020204" pitchFamily="34" charset="0"/>
+              </a:rPr>
+              <a:t>Stackoverflow</a:t>
+            </a:r>
+            <a:r>
+              <a:rPr lang="de-DE" dirty="0">
+                <a:latin typeface="Trebuchet MS" panose="020B0603020202020204" pitchFamily="34" charset="0"/>
+              </a:rPr>
+              <a:t>) ist dein Freund</a:t>
+            </a:r>
+          </a:p>
+          <a:p>
+            <a:r>
+              <a:rPr lang="de-DE" dirty="0">
+                <a:latin typeface="Trebuchet MS" panose="020B0603020202020204" pitchFamily="34" charset="0"/>
+              </a:rPr>
+              <a:t>Benutzt </a:t>
+            </a:r>
+            <a:r>
+              <a:rPr lang="de-DE" dirty="0" err="1">
+                <a:latin typeface="Trebuchet MS" panose="020B0603020202020204" pitchFamily="34" charset="0"/>
+              </a:rPr>
+              <a:t>Github</a:t>
+            </a:r>
+            <a:r>
+              <a:rPr lang="de-DE" dirty="0">
+                <a:latin typeface="Trebuchet MS" panose="020B0603020202020204" pitchFamily="34" charset="0"/>
+              </a:rPr>
+              <a:t>!</a:t>
+            </a:r>
+          </a:p>
+        </p:txBody>
+      </p:sp>
+      <p:sp>
+        <p:nvSpPr>
+          <p:cNvPr id="3" name="Datumsplatzhalter 2">
+            <a:extLst>
+              <a:ext uri="{FF2B5EF4-FFF2-40B4-BE49-F238E27FC236}">
+                <a16:creationId xmlns:a16="http://schemas.microsoft.com/office/drawing/2014/main" id="{64E3CCD5-F2B4-418B-86C9-4DC3F0ADA0CB}"/>
+              </a:ext>
+            </a:extLst>
+          </p:cNvPr>
+          <p:cNvSpPr>
+            <a:spLocks noGrp="1"/>
+          </p:cNvSpPr>
+          <p:nvPr>
+            <p:ph type="dt" sz="half" idx="10"/>
+          </p:nvPr>
+        </p:nvSpPr>
+        <p:spPr/>
+        <p:txBody>
+          <a:bodyPr/>
+          <a:lstStyle/>
+          <a:p>
+            <a:fld id="{46C1CA06-F658-4220-8BC8-8FCF6253DAE1}" type="datetime1">
+              <a:rPr lang="de-DE" smtClean="0"/>
+              <a:t>07.01.2020</a:t>
+            </a:fld>
+            <a:endParaRPr lang="de-DE"/>
+          </a:p>
+        </p:txBody>
+      </p:sp>
+      <p:sp>
+        <p:nvSpPr>
+          <p:cNvPr id="4" name="Fußzeilenplatzhalter 3">
+            <a:extLst>
+              <a:ext uri="{FF2B5EF4-FFF2-40B4-BE49-F238E27FC236}">
+                <a16:creationId xmlns:a16="http://schemas.microsoft.com/office/drawing/2014/main" id="{BC1E0290-2CA6-4091-8E08-9337F87F790E}"/>
+              </a:ext>
+            </a:extLst>
+          </p:cNvPr>
+          <p:cNvSpPr>
+            <a:spLocks noGrp="1"/>
+          </p:cNvSpPr>
+          <p:nvPr>
+            <p:ph type="ftr" sz="quarter" idx="11"/>
+          </p:nvPr>
+        </p:nvSpPr>
+        <p:spPr/>
+        <p:txBody>
+          <a:bodyPr/>
+          <a:lstStyle/>
+          <a:p>
+            <a:r>
+              <a:rPr lang="de-DE"/>
+              <a:t>Krieger</a:t>
+            </a:r>
+          </a:p>
+        </p:txBody>
+      </p:sp>
+      <p:sp>
+        <p:nvSpPr>
+          <p:cNvPr id="5" name="Foliennummernplatzhalter 4">
+            <a:extLst>
+              <a:ext uri="{FF2B5EF4-FFF2-40B4-BE49-F238E27FC236}">
+                <a16:creationId xmlns:a16="http://schemas.microsoft.com/office/drawing/2014/main" id="{12DBA624-6658-4B79-A0A8-88145672CB9A}"/>
+              </a:ext>
+            </a:extLst>
+          </p:cNvPr>
+          <p:cNvSpPr>
+            <a:spLocks noGrp="1"/>
+          </p:cNvSpPr>
+          <p:nvPr>
+            <p:ph type="sldNum" sz="quarter" idx="12"/>
+          </p:nvPr>
+        </p:nvSpPr>
+        <p:spPr/>
+        <p:txBody>
+          <a:bodyPr/>
+          <a:lstStyle/>
+          <a:p>
+            <a:fld id="{75F11FD4-B355-4EAB-967C-DBC12644FBDE}" type="slidenum">
+              <a:rPr lang="de-DE" smtClean="0"/>
+              <a:t>15</a:t>
+            </a:fld>
+            <a:endParaRPr lang="de-DE"/>
+          </a:p>
+        </p:txBody>
+      </p:sp>
+      <p:sp>
+        <p:nvSpPr>
+          <p:cNvPr id="6" name="Textplatzhalter 5">
+            <a:extLst>
+              <a:ext uri="{FF2B5EF4-FFF2-40B4-BE49-F238E27FC236}">
+                <a16:creationId xmlns:a16="http://schemas.microsoft.com/office/drawing/2014/main" id="{C590DDA5-1EE9-49AA-9EE4-86DF351CF97F}"/>
+              </a:ext>
+            </a:extLst>
+          </p:cNvPr>
+          <p:cNvSpPr>
+            <a:spLocks noGrp="1"/>
+          </p:cNvSpPr>
+          <p:nvPr>
+            <p:ph type="body" sz="quarter" idx="14"/>
+          </p:nvPr>
+        </p:nvSpPr>
+        <p:spPr/>
+        <p:txBody>
+          <a:bodyPr/>
+          <a:lstStyle/>
+          <a:p>
+            <a:endParaRPr lang="de-DE"/>
+          </a:p>
+        </p:txBody>
+      </p:sp>
+      <p:sp>
+        <p:nvSpPr>
+          <p:cNvPr id="7" name="Textplatzhalter 6">
+            <a:extLst>
+              <a:ext uri="{FF2B5EF4-FFF2-40B4-BE49-F238E27FC236}">
+                <a16:creationId xmlns:a16="http://schemas.microsoft.com/office/drawing/2014/main" id="{2EDB450E-B74F-4BE9-8E1C-4D8BBD52F307}"/>
+              </a:ext>
+            </a:extLst>
+          </p:cNvPr>
+          <p:cNvSpPr>
+            <a:spLocks noGrp="1"/>
+          </p:cNvSpPr>
+          <p:nvPr>
+            <p:ph type="body" sz="quarter" idx="13"/>
+          </p:nvPr>
+        </p:nvSpPr>
+        <p:spPr/>
+        <p:txBody>
+          <a:bodyPr/>
+          <a:lstStyle/>
+          <a:p>
+            <a:r>
+              <a:rPr lang="de-DE" dirty="0">
+                <a:latin typeface="Trebuchet MS" panose="020B0603020202020204" pitchFamily="34" charset="0"/>
+              </a:rPr>
+              <a:t>Fazit und Tipps</a:t>
+            </a:r>
+          </a:p>
+        </p:txBody>
+      </p:sp>
+      <p:sp>
+        <p:nvSpPr>
+          <p:cNvPr id="8" name="Textfeld 7">
+            <a:extLst>
+              <a:ext uri="{FF2B5EF4-FFF2-40B4-BE49-F238E27FC236}">
+                <a16:creationId xmlns:a16="http://schemas.microsoft.com/office/drawing/2014/main" id="{3C4DDE0D-C595-497E-BCB6-64562DCE7860}"/>
+              </a:ext>
+            </a:extLst>
+          </p:cNvPr>
+          <p:cNvSpPr txBox="1"/>
+          <p:nvPr/>
+        </p:nvSpPr>
+        <p:spPr>
+          <a:xfrm rot="21251690">
+            <a:off x="3174183" y="2703440"/>
+            <a:ext cx="9756711" cy="3631763"/>
+          </a:xfrm>
+          <a:prstGeom prst="rect">
+            <a:avLst/>
+          </a:prstGeom>
+          <a:noFill/>
+        </p:spPr>
+        <p:txBody>
+          <a:bodyPr wrap="square" rtlCol="0">
+            <a:spAutoFit/>
+          </a:bodyPr>
+          <a:lstStyle/>
+          <a:p>
+            <a:pPr algn="ctr"/>
+            <a:r>
+              <a:rPr lang="de-DE" sz="11500" b="1" dirty="0">
+                <a:latin typeface="Trebuchet MS" panose="020B0603020202020204" pitchFamily="34" charset="0"/>
+              </a:rPr>
+              <a:t>Benutzt </a:t>
+            </a:r>
+            <a:r>
+              <a:rPr lang="de-DE" sz="11500" b="1" dirty="0" err="1">
+                <a:latin typeface="Trebuchet MS" panose="020B0603020202020204" pitchFamily="34" charset="0"/>
+              </a:rPr>
+              <a:t>IntelliJ</a:t>
+            </a:r>
+            <a:r>
+              <a:rPr lang="de-DE" sz="11500" b="1" dirty="0">
+                <a:latin typeface="Trebuchet MS" panose="020B0603020202020204" pitchFamily="34" charset="0"/>
+              </a:rPr>
+              <a:t> &lt;3</a:t>
+            </a:r>
+          </a:p>
+        </p:txBody>
+      </p:sp>
+    </p:spTree>
+    <p:extLst>
+      <p:ext uri="{BB962C8B-B14F-4D97-AF65-F5344CB8AC3E}">
+        <p14:creationId xmlns:p14="http://schemas.microsoft.com/office/powerpoint/2010/main" val="1764668406"/>
+      </p:ext>
+    </p:extLst>
+  </p:cSld>
+  <p:clrMapOvr>
+    <a:masterClrMapping/>
+  </p:clrMapOvr>
+  <p:timing>
+    <p:tnLst>
+      <p:par>
+        <p:cTn id="1" dur="indefinite" restart="never" nodeType="tmRoot">
+          <p:childTnLst>
+            <p:seq concurrent="1" nextAc="seek">
+              <p:cTn id="2" dur="indefinite" nodeType="mainSeq">
+                <p:childTnLst>
+                  <p:par>
+                    <p:cTn id="3" fill="hold">
+                      <p:stCondLst>
+                        <p:cond delay="indefinite"/>
+                      </p:stCondLst>
+                      <p:childTnLst>
+                        <p:par>
+                          <p:cTn id="4" fill="hold">
+                            <p:stCondLst>
+                              <p:cond delay="0"/>
+                            </p:stCondLst>
+                            <p:childTnLst>
+                              <p:par>
+                                <p:cTn id="5" presetID="42" presetClass="entr" presetSubtype="0" fill="hold" nodeType="clickEffect">
+                                  <p:stCondLst>
+                                    <p:cond delay="0"/>
+                                  </p:stCondLst>
+                                  <p:childTnLst>
+                                    <p:set>
+                                      <p:cBhvr>
+                                        <p:cTn id="6" dur="1" fill="hold">
+                                          <p:stCondLst>
+                                            <p:cond delay="0"/>
+                                          </p:stCondLst>
+                                        </p:cTn>
+                                        <p:tgtEl>
+                                          <p:spTgt spid="2">
+                                            <p:txEl>
+                                              <p:pRg st="0" end="0"/>
+                                            </p:txEl>
+                                          </p:spTgt>
+                                        </p:tgtEl>
+                                        <p:attrNameLst>
+                                          <p:attrName>style.visibility</p:attrName>
+                                        </p:attrNameLst>
+                                      </p:cBhvr>
+                                      <p:to>
+                                        <p:strVal val="visible"/>
+                                      </p:to>
+                                    </p:set>
+                                    <p:animEffect transition="in" filter="fade">
+                                      <p:cBhvr>
+                                        <p:cTn id="7" dur="500"/>
+                                        <p:tgtEl>
+                                          <p:spTgt spid="2">
+                                            <p:txEl>
+                                              <p:pRg st="0" end="0"/>
+                                            </p:txEl>
+                                          </p:spTgt>
+                                        </p:tgtEl>
+                                      </p:cBhvr>
+                                    </p:animEffect>
+                                    <p:anim calcmode="lin" valueType="num">
+                                      <p:cBhvr>
+                                        <p:cTn id="8" dur="500" fill="hold"/>
+                                        <p:tgtEl>
+                                          <p:spTgt spid="2">
+                                            <p:txEl>
+                                              <p:pRg st="0" end="0"/>
+                                            </p:txEl>
+                                          </p:spTgt>
+                                        </p:tgtEl>
+                                        <p:attrNameLst>
+                                          <p:attrName>ppt_x</p:attrName>
+                                        </p:attrNameLst>
+                                      </p:cBhvr>
+                                      <p:tavLst>
+                                        <p:tav tm="0">
+                                          <p:val>
+                                            <p:strVal val="#ppt_x"/>
+                                          </p:val>
+                                        </p:tav>
+                                        <p:tav tm="100000">
+                                          <p:val>
+                                            <p:strVal val="#ppt_x"/>
+                                          </p:val>
+                                        </p:tav>
+                                      </p:tavLst>
+                                    </p:anim>
+                                    <p:anim calcmode="lin" valueType="num">
+                                      <p:cBhvr>
+                                        <p:cTn id="9" dur="500" fill="hold"/>
+                                        <p:tgtEl>
+                                          <p:spTgt spid="2">
+                                            <p:txEl>
+                                              <p:pRg st="0" end="0"/>
+                                            </p:txEl>
+                                          </p:spTgt>
+                                        </p:tgtEl>
+                                        <p:attrNameLst>
+                                          <p:attrName>ppt_y</p:attrName>
+                                        </p:attrNameLst>
+                                      </p:cBhvr>
+                                      <p:tavLst>
+                                        <p:tav tm="0">
+                                          <p:val>
+                                            <p:strVal val="#ppt_y+.1"/>
+                                          </p:val>
+                                        </p:tav>
+                                        <p:tav tm="100000">
+                                          <p:val>
+                                            <p:strVal val="#ppt_y"/>
+                                          </p:val>
+                                        </p:tav>
+                                      </p:tavLst>
+                                    </p:anim>
+                                  </p:childTnLst>
+                                </p:cTn>
+                              </p:par>
+                            </p:childTnLst>
+                          </p:cTn>
+                        </p:par>
+                      </p:childTnLst>
+                    </p:cTn>
+                  </p:par>
+                  <p:par>
+                    <p:cTn id="10" fill="hold">
+                      <p:stCondLst>
+                        <p:cond delay="indefinite"/>
+                      </p:stCondLst>
+                      <p:childTnLst>
+                        <p:par>
+                          <p:cTn id="11" fill="hold">
+                            <p:stCondLst>
+                              <p:cond delay="0"/>
+                            </p:stCondLst>
+                            <p:childTnLst>
+                              <p:par>
+                                <p:cTn id="12" presetID="42" presetClass="entr" presetSubtype="0" fill="hold" nodeType="clickEffect">
+                                  <p:stCondLst>
+                                    <p:cond delay="0"/>
+                                  </p:stCondLst>
+                                  <p:childTnLst>
+                                    <p:set>
+                                      <p:cBhvr>
+                                        <p:cTn id="13" dur="1" fill="hold">
+                                          <p:stCondLst>
+                                            <p:cond delay="0"/>
+                                          </p:stCondLst>
+                                        </p:cTn>
+                                        <p:tgtEl>
+                                          <p:spTgt spid="2">
+                                            <p:txEl>
+                                              <p:pRg st="1" end="1"/>
+                                            </p:txEl>
+                                          </p:spTgt>
+                                        </p:tgtEl>
+                                        <p:attrNameLst>
+                                          <p:attrName>style.visibility</p:attrName>
+                                        </p:attrNameLst>
+                                      </p:cBhvr>
+                                      <p:to>
+                                        <p:strVal val="visible"/>
+                                      </p:to>
+                                    </p:set>
+                                    <p:animEffect transition="in" filter="fade">
+                                      <p:cBhvr>
+                                        <p:cTn id="14" dur="500"/>
+                                        <p:tgtEl>
+                                          <p:spTgt spid="2">
+                                            <p:txEl>
+                                              <p:pRg st="1" end="1"/>
+                                            </p:txEl>
+                                          </p:spTgt>
+                                        </p:tgtEl>
+                                      </p:cBhvr>
+                                    </p:animEffect>
+                                    <p:anim calcmode="lin" valueType="num">
+                                      <p:cBhvr>
+                                        <p:cTn id="15" dur="500" fill="hold"/>
+                                        <p:tgtEl>
+                                          <p:spTgt spid="2">
+                                            <p:txEl>
+                                              <p:pRg st="1" end="1"/>
+                                            </p:txEl>
+                                          </p:spTgt>
+                                        </p:tgtEl>
+                                        <p:attrNameLst>
+                                          <p:attrName>ppt_x</p:attrName>
+                                        </p:attrNameLst>
+                                      </p:cBhvr>
+                                      <p:tavLst>
+                                        <p:tav tm="0">
+                                          <p:val>
+                                            <p:strVal val="#ppt_x"/>
+                                          </p:val>
+                                        </p:tav>
+                                        <p:tav tm="100000">
+                                          <p:val>
+                                            <p:strVal val="#ppt_x"/>
+                                          </p:val>
+                                        </p:tav>
+                                      </p:tavLst>
+                                    </p:anim>
+                                    <p:anim calcmode="lin" valueType="num">
+                                      <p:cBhvr>
+                                        <p:cTn id="16" dur="500" fill="hold"/>
+                                        <p:tgtEl>
+                                          <p:spTgt spid="2">
+                                            <p:txEl>
+                                              <p:pRg st="1" end="1"/>
+                                            </p:txEl>
+                                          </p:spTgt>
+                                        </p:tgtEl>
+                                        <p:attrNameLst>
+                                          <p:attrName>ppt_y</p:attrName>
+                                        </p:attrNameLst>
+                                      </p:cBhvr>
+                                      <p:tavLst>
+                                        <p:tav tm="0">
+                                          <p:val>
+                                            <p:strVal val="#ppt_y+.1"/>
+                                          </p:val>
+                                        </p:tav>
+                                        <p:tav tm="100000">
+                                          <p:val>
+                                            <p:strVal val="#ppt_y"/>
+                                          </p:val>
+                                        </p:tav>
+                                      </p:tavLst>
+                                    </p:anim>
+                                  </p:childTnLst>
+                                </p:cTn>
+                              </p:par>
+                            </p:childTnLst>
+                          </p:cTn>
+                        </p:par>
+                      </p:childTnLst>
+                    </p:cTn>
+                  </p:par>
+                  <p:par>
+                    <p:cTn id="17" fill="hold">
+                      <p:stCondLst>
+                        <p:cond delay="indefinite"/>
+                      </p:stCondLst>
+                      <p:childTnLst>
+                        <p:par>
+                          <p:cTn id="18" fill="hold">
+                            <p:stCondLst>
+                              <p:cond delay="0"/>
+                            </p:stCondLst>
+                            <p:childTnLst>
+                              <p:par>
+                                <p:cTn id="19" presetID="42" presetClass="entr" presetSubtype="0" fill="hold" nodeType="clickEffect">
+                                  <p:stCondLst>
+                                    <p:cond delay="0"/>
+                                  </p:stCondLst>
+                                  <p:childTnLst>
+                                    <p:set>
+                                      <p:cBhvr>
+                                        <p:cTn id="20" dur="1" fill="hold">
+                                          <p:stCondLst>
+                                            <p:cond delay="0"/>
+                                          </p:stCondLst>
+                                        </p:cTn>
+                                        <p:tgtEl>
+                                          <p:spTgt spid="2">
+                                            <p:txEl>
+                                              <p:pRg st="2" end="2"/>
+                                            </p:txEl>
+                                          </p:spTgt>
+                                        </p:tgtEl>
+                                        <p:attrNameLst>
+                                          <p:attrName>style.visibility</p:attrName>
+                                        </p:attrNameLst>
+                                      </p:cBhvr>
+                                      <p:to>
+                                        <p:strVal val="visible"/>
+                                      </p:to>
+                                    </p:set>
+                                    <p:animEffect transition="in" filter="fade">
+                                      <p:cBhvr>
+                                        <p:cTn id="21" dur="500"/>
+                                        <p:tgtEl>
+                                          <p:spTgt spid="2">
+                                            <p:txEl>
+                                              <p:pRg st="2" end="2"/>
+                                            </p:txEl>
+                                          </p:spTgt>
+                                        </p:tgtEl>
+                                      </p:cBhvr>
+                                    </p:animEffect>
+                                    <p:anim calcmode="lin" valueType="num">
+                                      <p:cBhvr>
+                                        <p:cTn id="22" dur="500" fill="hold"/>
+                                        <p:tgtEl>
+                                          <p:spTgt spid="2">
+                                            <p:txEl>
+                                              <p:pRg st="2" end="2"/>
+                                            </p:txEl>
+                                          </p:spTgt>
+                                        </p:tgtEl>
+                                        <p:attrNameLst>
+                                          <p:attrName>ppt_x</p:attrName>
+                                        </p:attrNameLst>
+                                      </p:cBhvr>
+                                      <p:tavLst>
+                                        <p:tav tm="0">
+                                          <p:val>
+                                            <p:strVal val="#ppt_x"/>
+                                          </p:val>
+                                        </p:tav>
+                                        <p:tav tm="100000">
+                                          <p:val>
+                                            <p:strVal val="#ppt_x"/>
+                                          </p:val>
+                                        </p:tav>
+                                      </p:tavLst>
+                                    </p:anim>
+                                    <p:anim calcmode="lin" valueType="num">
+                                      <p:cBhvr>
+                                        <p:cTn id="23" dur="500" fill="hold"/>
+                                        <p:tgtEl>
+                                          <p:spTgt spid="2">
+                                            <p:txEl>
+                                              <p:pRg st="2" end="2"/>
+                                            </p:txEl>
+                                          </p:spTgt>
+                                        </p:tgtEl>
+                                        <p:attrNameLst>
+                                          <p:attrName>ppt_y</p:attrName>
+                                        </p:attrNameLst>
+                                      </p:cBhvr>
+                                      <p:tavLst>
+                                        <p:tav tm="0">
+                                          <p:val>
+                                            <p:strVal val="#ppt_y+.1"/>
+                                          </p:val>
+                                        </p:tav>
+                                        <p:tav tm="100000">
+                                          <p:val>
+                                            <p:strVal val="#ppt_y"/>
+                                          </p:val>
+                                        </p:tav>
+                                      </p:tavLst>
+                                    </p:anim>
+                                  </p:childTnLst>
+                                </p:cTn>
+                              </p:par>
+                            </p:childTnLst>
+                          </p:cTn>
+                        </p:par>
+                      </p:childTnLst>
+                    </p:cTn>
+                  </p:par>
+                  <p:par>
+                    <p:cTn id="24" fill="hold">
+                      <p:stCondLst>
+                        <p:cond delay="indefinite"/>
+                      </p:stCondLst>
+                      <p:childTnLst>
+                        <p:par>
+                          <p:cTn id="25" fill="hold">
+                            <p:stCondLst>
+                              <p:cond delay="0"/>
+                            </p:stCondLst>
+                            <p:childTnLst>
+                              <p:par>
+                                <p:cTn id="26" presetID="42" presetClass="entr" presetSubtype="0" fill="hold" nodeType="clickEffect">
+                                  <p:stCondLst>
+                                    <p:cond delay="0"/>
+                                  </p:stCondLst>
+                                  <p:childTnLst>
+                                    <p:set>
+                                      <p:cBhvr>
+                                        <p:cTn id="27" dur="1" fill="hold">
+                                          <p:stCondLst>
+                                            <p:cond delay="0"/>
+                                          </p:stCondLst>
+                                        </p:cTn>
+                                        <p:tgtEl>
+                                          <p:spTgt spid="2">
+                                            <p:txEl>
+                                              <p:pRg st="3" end="3"/>
+                                            </p:txEl>
+                                          </p:spTgt>
+                                        </p:tgtEl>
+                                        <p:attrNameLst>
+                                          <p:attrName>style.visibility</p:attrName>
+                                        </p:attrNameLst>
+                                      </p:cBhvr>
+                                      <p:to>
+                                        <p:strVal val="visible"/>
+                                      </p:to>
+                                    </p:set>
+                                    <p:animEffect transition="in" filter="fade">
+                                      <p:cBhvr>
+                                        <p:cTn id="28" dur="500"/>
+                                        <p:tgtEl>
+                                          <p:spTgt spid="2">
+                                            <p:txEl>
+                                              <p:pRg st="3" end="3"/>
+                                            </p:txEl>
+                                          </p:spTgt>
+                                        </p:tgtEl>
+                                      </p:cBhvr>
+                                    </p:animEffect>
+                                    <p:anim calcmode="lin" valueType="num">
+                                      <p:cBhvr>
+                                        <p:cTn id="29" dur="500" fill="hold"/>
+                                        <p:tgtEl>
+                                          <p:spTgt spid="2">
+                                            <p:txEl>
+                                              <p:pRg st="3" end="3"/>
+                                            </p:txEl>
+                                          </p:spTgt>
+                                        </p:tgtEl>
+                                        <p:attrNameLst>
+                                          <p:attrName>ppt_x</p:attrName>
+                                        </p:attrNameLst>
+                                      </p:cBhvr>
+                                      <p:tavLst>
+                                        <p:tav tm="0">
+                                          <p:val>
+                                            <p:strVal val="#ppt_x"/>
+                                          </p:val>
+                                        </p:tav>
+                                        <p:tav tm="100000">
+                                          <p:val>
+                                            <p:strVal val="#ppt_x"/>
+                                          </p:val>
+                                        </p:tav>
+                                      </p:tavLst>
+                                    </p:anim>
+                                    <p:anim calcmode="lin" valueType="num">
+                                      <p:cBhvr>
+                                        <p:cTn id="30" dur="500" fill="hold"/>
+                                        <p:tgtEl>
+                                          <p:spTgt spid="2">
+                                            <p:txEl>
+                                              <p:pRg st="3" end="3"/>
+                                            </p:txEl>
+                                          </p:spTgt>
+                                        </p:tgtEl>
+                                        <p:attrNameLst>
+                                          <p:attrName>ppt_y</p:attrName>
+                                        </p:attrNameLst>
+                                      </p:cBhvr>
+                                      <p:tavLst>
+                                        <p:tav tm="0">
+                                          <p:val>
+                                            <p:strVal val="#ppt_y+.1"/>
+                                          </p:val>
+                                        </p:tav>
+                                        <p:tav tm="100000">
+                                          <p:val>
+                                            <p:strVal val="#ppt_y"/>
+                                          </p:val>
+                                        </p:tav>
+                                      </p:tavLst>
+                                    </p:anim>
+                                  </p:childTnLst>
+                                </p:cTn>
+                              </p:par>
+                            </p:childTnLst>
+                          </p:cTn>
+                        </p:par>
+                      </p:childTnLst>
+                    </p:cTn>
+                  </p:par>
+                  <p:par>
+                    <p:cTn id="31" fill="hold">
+                      <p:stCondLst>
+                        <p:cond delay="indefinite"/>
+                      </p:stCondLst>
+                      <p:childTnLst>
+                        <p:par>
+                          <p:cTn id="32" fill="hold">
+                            <p:stCondLst>
+                              <p:cond delay="0"/>
+                            </p:stCondLst>
+                            <p:childTnLst>
+                              <p:par>
+                                <p:cTn id="33" presetID="53" presetClass="entr" presetSubtype="16" fill="hold" grpId="0" nodeType="clickEffect">
+                                  <p:stCondLst>
+                                    <p:cond delay="0"/>
+                                  </p:stCondLst>
+                                  <p:childTnLst>
+                                    <p:set>
+                                      <p:cBhvr>
+                                        <p:cTn id="34" dur="1" fill="hold">
+                                          <p:stCondLst>
+                                            <p:cond delay="0"/>
+                                          </p:stCondLst>
+                                        </p:cTn>
+                                        <p:tgtEl>
+                                          <p:spTgt spid="8"/>
+                                        </p:tgtEl>
+                                        <p:attrNameLst>
+                                          <p:attrName>style.visibility</p:attrName>
+                                        </p:attrNameLst>
+                                      </p:cBhvr>
+                                      <p:to>
+                                        <p:strVal val="visible"/>
+                                      </p:to>
+                                    </p:set>
+                                    <p:anim calcmode="lin" valueType="num">
+                                      <p:cBhvr>
+                                        <p:cTn id="35" dur="500" fill="hold"/>
+                                        <p:tgtEl>
+                                          <p:spTgt spid="8"/>
+                                        </p:tgtEl>
+                                        <p:attrNameLst>
+                                          <p:attrName>ppt_w</p:attrName>
+                                        </p:attrNameLst>
+                                      </p:cBhvr>
+                                      <p:tavLst>
+                                        <p:tav tm="0">
+                                          <p:val>
+                                            <p:fltVal val="0"/>
+                                          </p:val>
+                                        </p:tav>
+                                        <p:tav tm="100000">
+                                          <p:val>
+                                            <p:strVal val="#ppt_w"/>
+                                          </p:val>
+                                        </p:tav>
+                                      </p:tavLst>
+                                    </p:anim>
+                                    <p:anim calcmode="lin" valueType="num">
+                                      <p:cBhvr>
+                                        <p:cTn id="36" dur="500" fill="hold"/>
+                                        <p:tgtEl>
+                                          <p:spTgt spid="8"/>
+                                        </p:tgtEl>
+                                        <p:attrNameLst>
+                                          <p:attrName>ppt_h</p:attrName>
+                                        </p:attrNameLst>
+                                      </p:cBhvr>
+                                      <p:tavLst>
+                                        <p:tav tm="0">
+                                          <p:val>
+                                            <p:fltVal val="0"/>
+                                          </p:val>
+                                        </p:tav>
+                                        <p:tav tm="100000">
+                                          <p:val>
+                                            <p:strVal val="#ppt_h"/>
+                                          </p:val>
+                                        </p:tav>
+                                      </p:tavLst>
+                                    </p:anim>
+                                    <p:animEffect transition="in" filter="fade">
+                                      <p:cBhvr>
+                                        <p:cTn id="37" dur="500"/>
+                                        <p:tgtEl>
+                                          <p:spTgt spid="8"/>
+                                        </p:tgtEl>
+                                      </p:cBhvr>
+                                    </p:animEffect>
+                                  </p:childTnLst>
+                                </p:cTn>
+                              </p:par>
+                            </p:childTnLst>
+                          </p:cTn>
+                        </p:par>
+                      </p:childTnLst>
+                    </p:cTn>
+                  </p:par>
+                </p:childTnLst>
+              </p:cTn>
+              <p:prevCondLst>
+                <p:cond evt="onPrev" delay="0">
+                  <p:tgtEl>
+                    <p:sldTgt/>
+                  </p:tgtEl>
+                </p:cond>
+              </p:prevCondLst>
+              <p:nextCondLst>
+                <p:cond evt="onNext" delay="0">
+                  <p:tgtEl>
+                    <p:sldTgt/>
+                  </p:tgtEl>
+                </p:cond>
+              </p:nextCondLst>
+            </p:seq>
+          </p:childTnLst>
+        </p:cTn>
+      </p:par>
+    </p:tnLst>
+    <p:bldLst>
+      <p:bldP spid="8" grpId="0"/>
+    </p:bldLst>
+  </p:timing>
+</p:sld>
+</file>
+
+<file path=ppt/slides/slide16.xml><?xml version="1.0" encoding="utf-8"?>
+<p:sld xmlns:a="http://schemas.openxmlformats.org/drawingml/2006/main" xmlns:r="http://schemas.openxmlformats.org/officeDocument/2006/relationships" xmlns:p="http://schemas.openxmlformats.org/presentationml/2006/main">
+  <p:cSld>
+    <p:spTree>
+      <p:nvGrpSpPr>
+        <p:cNvPr id="1" name=""/>
+        <p:cNvGrpSpPr/>
+        <p:nvPr/>
+      </p:nvGrpSpPr>
+      <p:grpSpPr>
+        <a:xfrm>
+          <a:off x="0" y="0"/>
+          <a:ext cx="0" cy="0"/>
+          <a:chOff x="0" y="0"/>
+          <a:chExt cx="0" cy="0"/>
+        </a:xfrm>
+      </p:grpSpPr>
+      <p:sp>
+        <p:nvSpPr>
           <p:cNvPr id="3" name="Datumsplatzhalter 2">
             <a:extLst>
               <a:ext uri="{FF2B5EF4-FFF2-40B4-BE49-F238E27FC236}">
@@ -13910,7 +14984,7 @@
           <a:p>
             <a:fld id="{46C1CA06-F658-4220-8BC8-8FCF6253DAE1}" type="datetime1">
               <a:rPr lang="de-DE" smtClean="0"/>
-              <a:t>26.12.2019</a:t>
+              <a:t>07.01.2020</a:t>
             </a:fld>
             <a:endParaRPr lang="de-DE"/>
           </a:p>
@@ -13967,7 +15041,7 @@
           <a:p>
             <a:fld id="{75F11FD4-B355-4EAB-967C-DBC12644FBDE}" type="slidenum">
               <a:rPr lang="de-DE" smtClean="0"/>
-              <a:t>15</a:t>
+              <a:t>16</a:t>
             </a:fld>
             <a:endParaRPr lang="de-DE"/>
           </a:p>
@@ -14144,7 +15218,7 @@
           <a:p>
             <a:fld id="{76147A52-9CE4-4E84-B5AD-2E19D43BDEB9}" type="datetime1">
               <a:rPr lang="de-DE" smtClean="0"/>
-              <a:t>26.12.2019</a:t>
+              <a:t>07.01.2020</a:t>
             </a:fld>
             <a:endParaRPr lang="de-DE"/>
           </a:p>
@@ -15727,7 +16801,7 @@
           <a:p>
             <a:fld id="{EF008B3B-8C86-4F35-BCD4-3D71CCC6220B}" type="datetime1">
               <a:rPr lang="de-DE" smtClean="0"/>
-              <a:t>26.12.2019</a:t>
+              <a:t>07.01.2020</a:t>
             </a:fld>
             <a:endParaRPr lang="de-DE"/>
           </a:p>
@@ -16940,7 +18014,7 @@
             <a:fld id="{6CFE6BEC-159F-4167-8F4D-D508A4F668F1}" type="datetime1">
               <a:rPr lang="de-DE" smtClean="0"/>
               <a:pPr/>
-              <a:t>26.12.2019</a:t>
+              <a:t>07.01.2020</a:t>
             </a:fld>
             <a:endParaRPr lang="de-DE"/>
           </a:p>
@@ -17586,7 +18660,7 @@
             <a:fld id="{6CFE6BEC-159F-4167-8F4D-D508A4F668F1}" type="datetime1">
               <a:rPr lang="de-DE" smtClean="0"/>
               <a:pPr/>
-              <a:t>26.12.2019</a:t>
+              <a:t>07.01.2020</a:t>
             </a:fld>
             <a:endParaRPr lang="de-DE"/>
           </a:p>
@@ -18034,7 +19108,7 @@
           <a:p>
             <a:fld id="{46C1CA06-F658-4220-8BC8-8FCF6253DAE1}" type="datetime1">
               <a:rPr lang="de-DE" smtClean="0"/>
-              <a:t>26.12.2019</a:t>
+              <a:t>07.01.2020</a:t>
             </a:fld>
             <a:endParaRPr lang="de-DE"/>
           </a:p>
@@ -19933,7 +21007,7 @@
           <a:p>
             <a:fld id="{46C1CA06-F658-4220-8BC8-8FCF6253DAE1}" type="datetime1">
               <a:rPr lang="de-DE" smtClean="0"/>
-              <a:t>26.12.2019</a:t>
+              <a:t>07.01.2020</a:t>
             </a:fld>
             <a:endParaRPr lang="de-DE"/>
           </a:p>
@@ -20855,7 +21929,7 @@
           <a:p>
             <a:fld id="{46C1CA06-F658-4220-8BC8-8FCF6253DAE1}" type="datetime1">
               <a:rPr lang="de-DE" smtClean="0"/>
-              <a:t>26.12.2019</a:t>
+              <a:t>07.01.2020</a:t>
             </a:fld>
             <a:endParaRPr lang="de-DE"/>
           </a:p>
@@ -21926,7 +23000,7 @@
           <a:p>
             <a:fld id="{46C1CA06-F658-4220-8BC8-8FCF6253DAE1}" type="datetime1">
               <a:rPr lang="de-DE" smtClean="0"/>
-              <a:t>26.12.2019</a:t>
+              <a:t>07.01.2020</a:t>
             </a:fld>
             <a:endParaRPr lang="de-DE"/>
           </a:p>

--- a/Dokumentation/Präsentation.pptx
+++ b/Dokumentation/Präsentation.pptx
@@ -9577,52 +9577,6 @@
       </p:grpSpPr>
       <p:sp>
         <p:nvSpPr>
-          <p:cNvPr id="3" name="Textplatzhalter 2">
-            <a:extLst>
-              <a:ext uri="{FF2B5EF4-FFF2-40B4-BE49-F238E27FC236}">
-                <a16:creationId xmlns:a16="http://schemas.microsoft.com/office/drawing/2014/main" id="{3892C5D8-B203-42D5-8D91-07F8FBA9B719}"/>
-              </a:ext>
-            </a:extLst>
-          </p:cNvPr>
-          <p:cNvSpPr>
-            <a:spLocks noGrp="1"/>
-          </p:cNvSpPr>
-          <p:nvPr>
-            <p:ph type="body" sz="quarter" idx="14"/>
-          </p:nvPr>
-        </p:nvSpPr>
-        <p:spPr/>
-        <p:txBody>
-          <a:bodyPr/>
-          <a:lstStyle/>
-          <a:p>
-            <a:r>
-              <a:rPr lang="de-DE" dirty="0"/>
-              <a:t>Fach Programmieren</a:t>
-            </a:r>
-          </a:p>
-        </p:txBody>
-      </p:sp>
-      <p:sp>
-        <p:nvSpPr>
-          <p:cNvPr id="7" name="Bildplatzhalter 6">
-            <a:extLst>
-              <a:ext uri="{FF2B5EF4-FFF2-40B4-BE49-F238E27FC236}">
-                <a16:creationId xmlns:a16="http://schemas.microsoft.com/office/drawing/2014/main" id="{1A72DC6B-F3BC-4CFC-84A6-0C3DD49567CB}"/>
-              </a:ext>
-            </a:extLst>
-          </p:cNvPr>
-          <p:cNvSpPr>
-            <a:spLocks noGrp="1"/>
-          </p:cNvSpPr>
-          <p:nvPr>
-            <p:ph type="pic" sz="quarter" idx="15"/>
-          </p:nvPr>
-        </p:nvSpPr>
-        <p:spPr/>
-      </p:sp>
-      <p:sp>
-        <p:nvSpPr>
           <p:cNvPr id="5" name="Datumsplatzhalter 4">
             <a:extLst>
               <a:ext uri="{FF2B5EF4-FFF2-40B4-BE49-F238E27FC236}">
@@ -9634,7 +9588,7 @@
             <a:spLocks noGrp="1"/>
           </p:cNvSpPr>
           <p:nvPr>
-            <p:ph type="dt" sz="half" idx="16"/>
+            <p:ph type="dt" sz="half" idx="10"/>
           </p:nvPr>
         </p:nvSpPr>
         <p:spPr/>
@@ -9663,7 +9617,7 @@
             <a:spLocks noGrp="1"/>
           </p:cNvSpPr>
           <p:nvPr>
-            <p:ph type="ftr" sz="quarter" idx="17"/>
+            <p:ph type="ftr" sz="quarter" idx="11"/>
           </p:nvPr>
         </p:nvSpPr>
         <p:spPr/>
@@ -9692,7 +9646,7 @@
             <a:spLocks noGrp="1"/>
           </p:cNvSpPr>
           <p:nvPr>
-            <p:ph type="sldNum" sz="quarter" idx="18"/>
+            <p:ph type="sldNum" sz="quarter" idx="12"/>
           </p:nvPr>
         </p:nvSpPr>
         <p:spPr/>
@@ -9710,19 +9664,17 @@
       </p:sp>
       <p:pic>
         <p:nvPicPr>
-          <p:cNvPr id="9" name="Inhaltsplatzhalter 8">
+          <p:cNvPr id="16" name="Inhaltsplatzhalter 8">
             <a:extLst>
               <a:ext uri="{FF2B5EF4-FFF2-40B4-BE49-F238E27FC236}">
-                <a16:creationId xmlns:a16="http://schemas.microsoft.com/office/drawing/2014/main" id="{203F01D0-2E67-48F0-AC93-940E454910A8}"/>
+                <a16:creationId xmlns:a16="http://schemas.microsoft.com/office/drawing/2014/main" id="{9010B4C3-1766-4FD2-B0E5-DBBD94E1AB8B}"/>
               </a:ext>
             </a:extLst>
           </p:cNvPr>
           <p:cNvPicPr>
-            <a:picLocks noGrp="1" noChangeAspect="1"/>
+            <a:picLocks noChangeAspect="1"/>
           </p:cNvPicPr>
-          <p:nvPr>
-            <p:ph sz="quarter" idx="13"/>
-          </p:nvPr>
+          <p:nvPr/>
         </p:nvPicPr>
         <p:blipFill>
           <a:blip r:embed="rId2">
@@ -9738,14 +9690,187 @@
         </p:blipFill>
         <p:spPr>
           <a:xfrm>
-            <a:off x="604838" y="2794797"/>
-            <a:ext cx="3708400" cy="420314"/>
+            <a:off x="482950" y="794547"/>
+            <a:ext cx="11226099" cy="1272378"/>
           </a:xfrm>
           <a:prstGeom prst="rect">
             <a:avLst/>
           </a:prstGeom>
         </p:spPr>
       </p:pic>
+      <p:sp>
+        <p:nvSpPr>
+          <p:cNvPr id="17" name="Textfeld 16">
+            <a:extLst>
+              <a:ext uri="{FF2B5EF4-FFF2-40B4-BE49-F238E27FC236}">
+                <a16:creationId xmlns:a16="http://schemas.microsoft.com/office/drawing/2014/main" id="{44E302B6-3A2D-49BE-8DD5-AD11DF414466}"/>
+              </a:ext>
+            </a:extLst>
+          </p:cNvPr>
+          <p:cNvSpPr txBox="1"/>
+          <p:nvPr/>
+        </p:nvSpPr>
+        <p:spPr>
+          <a:xfrm>
+            <a:off x="1922637" y="5827995"/>
+            <a:ext cx="3317525" cy="461665"/>
+          </a:xfrm>
+          <a:prstGeom prst="rect">
+            <a:avLst/>
+          </a:prstGeom>
+          <a:noFill/>
+        </p:spPr>
+        <p:txBody>
+          <a:bodyPr wrap="square" rtlCol="0">
+            <a:spAutoFit/>
+          </a:bodyPr>
+          <a:lstStyle/>
+          <a:p>
+            <a:pPr algn="ctr"/>
+            <a:r>
+              <a:rPr lang="de-DE" sz="2400" b="1" dirty="0">
+                <a:solidFill>
+                  <a:schemeClr val="bg1">
+                    <a:lumMod val="50000"/>
+                  </a:schemeClr>
+                </a:solidFill>
+                <a:latin typeface="Trebuchet MS" panose="020B0603020202020204" pitchFamily="34" charset="0"/>
+              </a:rPr>
+              <a:t>Fach: </a:t>
+            </a:r>
+            <a:r>
+              <a:rPr lang="de-DE" sz="2400" dirty="0">
+                <a:solidFill>
+                  <a:schemeClr val="bg1">
+                    <a:lumMod val="50000"/>
+                  </a:schemeClr>
+                </a:solidFill>
+                <a:latin typeface="Trebuchet MS" panose="020B0603020202020204" pitchFamily="34" charset="0"/>
+              </a:rPr>
+              <a:t>Programmieren</a:t>
+            </a:r>
+          </a:p>
+        </p:txBody>
+      </p:sp>
+      <p:sp>
+        <p:nvSpPr>
+          <p:cNvPr id="18" name="Rechteck 17">
+            <a:extLst>
+              <a:ext uri="{FF2B5EF4-FFF2-40B4-BE49-F238E27FC236}">
+                <a16:creationId xmlns:a16="http://schemas.microsoft.com/office/drawing/2014/main" id="{5C12A262-B9FC-4FB8-8C87-2901A2430157}"/>
+              </a:ext>
+            </a:extLst>
+          </p:cNvPr>
+          <p:cNvSpPr/>
+          <p:nvPr/>
+        </p:nvSpPr>
+        <p:spPr>
+          <a:xfrm>
+            <a:off x="3537863" y="2934365"/>
+            <a:ext cx="5116272" cy="646331"/>
+          </a:xfrm>
+          <a:prstGeom prst="rect">
+            <a:avLst/>
+          </a:prstGeom>
+        </p:spPr>
+        <p:txBody>
+          <a:bodyPr wrap="none">
+            <a:spAutoFit/>
+          </a:bodyPr>
+          <a:lstStyle/>
+          <a:p>
+            <a:r>
+              <a:rPr lang="de-DE" sz="3600" dirty="0">
+                <a:solidFill>
+                  <a:schemeClr val="bg1">
+                    <a:lumMod val="50000"/>
+                  </a:schemeClr>
+                </a:solidFill>
+                <a:effectLst>
+                  <a:outerShdw blurRad="38100" dist="38100" dir="2700000" algn="tl">
+                    <a:srgbClr val="000000">
+                      <a:alpha val="43137"/>
+                    </a:srgbClr>
+                  </a:outerShdw>
+                </a:effectLst>
+                <a:latin typeface="Trebuchet MS" panose="020B0603020202020204" pitchFamily="34" charset="0"/>
+              </a:rPr>
+              <a:t>Präsentation</a:t>
+            </a:r>
+            <a:r>
+              <a:rPr lang="de-DE" sz="3200" dirty="0">
+                <a:solidFill>
+                  <a:schemeClr val="bg1">
+                    <a:lumMod val="50000"/>
+                  </a:schemeClr>
+                </a:solidFill>
+                <a:effectLst>
+                  <a:outerShdw blurRad="38100" dist="38100" dir="2700000" algn="tl">
+                    <a:srgbClr val="000000">
+                      <a:alpha val="43137"/>
+                    </a:srgbClr>
+                  </a:outerShdw>
+                </a:effectLst>
+                <a:latin typeface="Trebuchet MS" panose="020B0603020202020204" pitchFamily="34" charset="0"/>
+              </a:rPr>
+              <a:t> zum Projekt</a:t>
+            </a:r>
+          </a:p>
+        </p:txBody>
+      </p:sp>
+      <p:sp>
+        <p:nvSpPr>
+          <p:cNvPr id="19" name="Rechteck 18">
+            <a:extLst>
+              <a:ext uri="{FF2B5EF4-FFF2-40B4-BE49-F238E27FC236}">
+                <a16:creationId xmlns:a16="http://schemas.microsoft.com/office/drawing/2014/main" id="{D130408B-3ACF-44DE-B537-F11CF9515D13}"/>
+              </a:ext>
+            </a:extLst>
+          </p:cNvPr>
+          <p:cNvSpPr/>
+          <p:nvPr/>
+        </p:nvSpPr>
+        <p:spPr>
+          <a:xfrm>
+            <a:off x="7301841" y="5827994"/>
+            <a:ext cx="2704587" cy="461665"/>
+          </a:xfrm>
+          <a:prstGeom prst="rect">
+            <a:avLst/>
+          </a:prstGeom>
+        </p:spPr>
+        <p:txBody>
+          <a:bodyPr wrap="none">
+            <a:spAutoFit/>
+          </a:bodyPr>
+          <a:lstStyle/>
+          <a:p>
+            <a:pPr algn="ctr"/>
+            <a:r>
+              <a:rPr lang="de-DE" sz="2400" b="1" dirty="0">
+                <a:solidFill>
+                  <a:schemeClr val="bg1">
+                    <a:lumMod val="50000"/>
+                  </a:schemeClr>
+                </a:solidFill>
+                <a:latin typeface="Trebuchet MS" panose="020B0603020202020204" pitchFamily="34" charset="0"/>
+              </a:rPr>
+              <a:t>Lehrer: </a:t>
+            </a:r>
+            <a:r>
+              <a:rPr lang="de-DE" sz="2400" dirty="0">
+                <a:solidFill>
+                  <a:schemeClr val="bg1">
+                    <a:lumMod val="50000"/>
+                  </a:schemeClr>
+                </a:solidFill>
+                <a:latin typeface="Trebuchet MS" panose="020B0603020202020204" pitchFamily="34" charset="0"/>
+              </a:rPr>
+              <a:t>Herr Götz</a:t>
+            </a:r>
+          </a:p>
+        </p:txBody>
+      </p:sp>
     </p:spTree>
     <p:extLst>
       <p:ext uri="{BB962C8B-B14F-4D97-AF65-F5344CB8AC3E}">
@@ -14255,7 +14380,7 @@
           <a:bodyPr/>
           <a:lstStyle/>
           <a:p>
-            <a:endParaRPr lang="de-DE"/>
+            <a:endParaRPr lang="de-DE" dirty="0"/>
           </a:p>
         </p:txBody>
       </p:sp>
@@ -16599,7 +16724,7 @@
               <a:t>Datensätze anlegen (</a:t>
             </a:r>
             <a:r>
-              <a:rPr lang="de-DE" dirty="0" err="1">
+              <a:rPr lang="de-DE" i="1" dirty="0" err="1">
                 <a:latin typeface="Trebuchet MS" panose="020B0603020202020204" pitchFamily="34" charset="0"/>
               </a:rPr>
               <a:t>insert</a:t>
@@ -16616,7 +16741,19 @@
               <a:rPr lang="de-DE" dirty="0">
                 <a:latin typeface="Trebuchet MS" panose="020B0603020202020204" pitchFamily="34" charset="0"/>
               </a:rPr>
-              <a:t>Datensätze editieren (alter)</a:t>
+              <a:t>Datensätze editieren (</a:t>
+            </a:r>
+            <a:r>
+              <a:rPr lang="de-DE" i="1" dirty="0">
+                <a:latin typeface="Trebuchet MS" panose="020B0603020202020204" pitchFamily="34" charset="0"/>
+              </a:rPr>
+              <a:t>alter</a:t>
+            </a:r>
+            <a:r>
+              <a:rPr lang="de-DE" dirty="0">
+                <a:latin typeface="Trebuchet MS" panose="020B0603020202020204" pitchFamily="34" charset="0"/>
+              </a:rPr>
+              <a:t>)</a:t>
             </a:r>
           </a:p>
           <a:p>
@@ -16627,7 +16764,7 @@
               <a:t>Datensätze löschen (</a:t>
             </a:r>
             <a:r>
-              <a:rPr lang="de-DE" dirty="0" err="1">
+              <a:rPr lang="de-DE" i="1" dirty="0" err="1">
                 <a:latin typeface="Trebuchet MS" panose="020B0603020202020204" pitchFamily="34" charset="0"/>
               </a:rPr>
               <a:t>delete</a:t>
@@ -16647,7 +16784,7 @@
               <a:t>Datensätze abfragen (</a:t>
             </a:r>
             <a:r>
-              <a:rPr lang="de-DE" dirty="0" err="1">
+              <a:rPr lang="de-DE" i="1" dirty="0" err="1">
                 <a:latin typeface="Trebuchet MS" panose="020B0603020202020204" pitchFamily="34" charset="0"/>
               </a:rPr>
               <a:t>select</a:t>
@@ -16719,7 +16856,7 @@
               <a:t>Benutzer erstellen (</a:t>
             </a:r>
             <a:r>
-              <a:rPr lang="de-DE" dirty="0" err="1">
+              <a:rPr lang="de-DE" i="1" dirty="0" err="1">
                 <a:latin typeface="Trebuchet MS" panose="020B0603020202020204" pitchFamily="34" charset="0"/>
               </a:rPr>
               <a:t>create</a:t>
@@ -16739,7 +16876,7 @@
               <a:t>Rechte zuweisen (</a:t>
             </a:r>
             <a:r>
-              <a:rPr lang="de-DE" dirty="0" err="1">
+              <a:rPr lang="de-DE" i="1" dirty="0" err="1">
                 <a:latin typeface="Trebuchet MS" panose="020B0603020202020204" pitchFamily="34" charset="0"/>
               </a:rPr>
               <a:t>grant</a:t>
@@ -16759,7 +16896,7 @@
               <a:t>Rechte widerrufen (</a:t>
             </a:r>
             <a:r>
-              <a:rPr lang="de-DE" dirty="0" err="1">
+              <a:rPr lang="de-DE" i="1" dirty="0" err="1">
                 <a:latin typeface="Trebuchet MS" panose="020B0603020202020204" pitchFamily="34" charset="0"/>
               </a:rPr>
               <a:t>revoke</a:t>
@@ -16886,7 +17023,9 @@
           <a:lstStyle/>
           <a:p>
             <a:r>
-              <a:rPr lang="de-DE" dirty="0"/>
+              <a:rPr lang="de-DE" dirty="0">
+                <a:latin typeface="Trebuchet MS" panose="020B0603020202020204" pitchFamily="34" charset="0"/>
+              </a:rPr>
               <a:t>Planung</a:t>
             </a:r>
           </a:p>
@@ -16908,13 +17047,20 @@
             <p:ph type="body" sz="quarter" idx="13"/>
           </p:nvPr>
         </p:nvSpPr>
-        <p:spPr/>
+        <p:spPr>
+          <a:xfrm>
+            <a:off x="3813179" y="683490"/>
+            <a:ext cx="4565642" cy="571500"/>
+          </a:xfrm>
+        </p:spPr>
         <p:txBody>
           <a:bodyPr/>
           <a:lstStyle/>
           <a:p>
             <a:r>
-              <a:rPr lang="de-DE" dirty="0"/>
+              <a:rPr lang="de-DE" dirty="0">
+                <a:latin typeface="Trebuchet MS" panose="020B0603020202020204" pitchFamily="34" charset="0"/>
+              </a:rPr>
               <a:t>Hauptfunktionen</a:t>
             </a:r>
           </a:p>
@@ -18100,7 +18246,9 @@
           <a:lstStyle/>
           <a:p>
             <a:r>
-              <a:rPr lang="de-DE" dirty="0"/>
+              <a:rPr lang="de-DE" dirty="0">
+                <a:latin typeface="Trebuchet MS" panose="020B0603020202020204" pitchFamily="34" charset="0"/>
+              </a:rPr>
               <a:t>Anmeldefenster</a:t>
             </a:r>
           </a:p>
@@ -18128,7 +18276,9 @@
           <a:lstStyle/>
           <a:p>
             <a:r>
-              <a:rPr lang="de-DE" dirty="0"/>
+              <a:rPr lang="de-DE" dirty="0">
+                <a:latin typeface="Trebuchet MS" panose="020B0603020202020204" pitchFamily="34" charset="0"/>
+              </a:rPr>
               <a:t>GUI Design</a:t>
             </a:r>
           </a:p>
@@ -18746,7 +18896,9 @@
           <a:lstStyle/>
           <a:p>
             <a:r>
-              <a:rPr lang="de-DE" dirty="0"/>
+              <a:rPr lang="de-DE" dirty="0">
+                <a:latin typeface="Trebuchet MS" panose="020B0603020202020204" pitchFamily="34" charset="0"/>
+              </a:rPr>
               <a:t>Anlegen von Datensätzen</a:t>
             </a:r>
           </a:p>
@@ -18774,7 +18926,9 @@
           <a:lstStyle/>
           <a:p>
             <a:r>
-              <a:rPr lang="de-DE" dirty="0"/>
+              <a:rPr lang="de-DE" dirty="0">
+                <a:latin typeface="Trebuchet MS" panose="020B0603020202020204" pitchFamily="34" charset="0"/>
+              </a:rPr>
               <a:t>GUI Design</a:t>
             </a:r>
           </a:p>
@@ -19192,7 +19346,7 @@
           <a:bodyPr/>
           <a:lstStyle/>
           <a:p>
-            <a:endParaRPr lang="de-DE"/>
+            <a:endParaRPr lang="de-DE" dirty="0"/>
           </a:p>
         </p:txBody>
       </p:sp>
@@ -19218,7 +19372,9 @@
           <a:lstStyle/>
           <a:p>
             <a:r>
-              <a:rPr lang="de-DE" dirty="0"/>
+              <a:rPr lang="de-DE" dirty="0">
+                <a:latin typeface="Trebuchet MS" panose="020B0603020202020204" pitchFamily="34" charset="0"/>
+              </a:rPr>
               <a:t>Statistiken</a:t>
             </a:r>
           </a:p>
